--- a/SmartFarm Insights.pptx
+++ b/SmartFarm Insights.pptx
@@ -874,6 +874,2247 @@
 </file>
 
 <file path=ppt/diagrams/colors2.xml><?xml version="1.0" encoding="utf-8"?>
+<dgm:colorsDef xmlns:dgm="http://schemas.openxmlformats.org/drawingml/2006/diagram" xmlns:a="http://schemas.openxmlformats.org/drawingml/2006/main" uniqueId="urn:microsoft.com/office/officeart/2005/8/colors/accent5_2">
+  <dgm:title val=""/>
+  <dgm:desc val=""/>
+  <dgm:catLst>
+    <dgm:cat type="accent5" pri="11200"/>
+  </dgm:catLst>
+  <dgm:styleLbl name="node0">
+    <dgm:fillClrLst meth="repeat">
+      <a:schemeClr val="accent5"/>
+    </dgm:fillClrLst>
+    <dgm:linClrLst meth="repeat">
+      <a:schemeClr val="lt1"/>
+    </dgm:linClrLst>
+    <dgm:effectClrLst/>
+    <dgm:txLinClrLst/>
+    <dgm:txFillClrLst/>
+    <dgm:txEffectClrLst/>
+  </dgm:styleLbl>
+  <dgm:styleLbl name="node1">
+    <dgm:fillClrLst meth="repeat">
+      <a:schemeClr val="accent5"/>
+    </dgm:fillClrLst>
+    <dgm:linClrLst meth="repeat">
+      <a:schemeClr val="lt1"/>
+    </dgm:linClrLst>
+    <dgm:effectClrLst/>
+    <dgm:txLinClrLst/>
+    <dgm:txFillClrLst/>
+    <dgm:txEffectClrLst/>
+  </dgm:styleLbl>
+  <dgm:styleLbl name="alignNode1">
+    <dgm:fillClrLst meth="repeat">
+      <a:schemeClr val="accent5"/>
+    </dgm:fillClrLst>
+    <dgm:linClrLst meth="repeat">
+      <a:schemeClr val="accent5"/>
+    </dgm:linClrLst>
+    <dgm:effectClrLst/>
+    <dgm:txLinClrLst/>
+    <dgm:txFillClrLst/>
+    <dgm:txEffectClrLst/>
+  </dgm:styleLbl>
+  <dgm:styleLbl name="lnNode1">
+    <dgm:fillClrLst meth="repeat">
+      <a:schemeClr val="accent5"/>
+    </dgm:fillClrLst>
+    <dgm:linClrLst meth="repeat">
+      <a:schemeClr val="lt1"/>
+    </dgm:linClrLst>
+    <dgm:effectClrLst/>
+    <dgm:txLinClrLst/>
+    <dgm:txFillClrLst/>
+    <dgm:txEffectClrLst/>
+  </dgm:styleLbl>
+  <dgm:styleLbl name="vennNode1">
+    <dgm:fillClrLst meth="repeat">
+      <a:schemeClr val="accent5">
+        <a:alpha val="50000"/>
+      </a:schemeClr>
+    </dgm:fillClrLst>
+    <dgm:linClrLst meth="repeat">
+      <a:schemeClr val="lt1"/>
+    </dgm:linClrLst>
+    <dgm:effectClrLst/>
+    <dgm:txLinClrLst/>
+    <dgm:txFillClrLst/>
+    <dgm:txEffectClrLst/>
+  </dgm:styleLbl>
+  <dgm:styleLbl name="node2">
+    <dgm:fillClrLst meth="repeat">
+      <a:schemeClr val="accent5"/>
+    </dgm:fillClrLst>
+    <dgm:linClrLst meth="repeat">
+      <a:schemeClr val="lt1"/>
+    </dgm:linClrLst>
+    <dgm:effectClrLst/>
+    <dgm:txLinClrLst/>
+    <dgm:txFillClrLst/>
+    <dgm:txEffectClrLst/>
+  </dgm:styleLbl>
+  <dgm:styleLbl name="node3">
+    <dgm:fillClrLst meth="repeat">
+      <a:schemeClr val="accent5"/>
+    </dgm:fillClrLst>
+    <dgm:linClrLst meth="repeat">
+      <a:schemeClr val="lt1"/>
+    </dgm:linClrLst>
+    <dgm:effectClrLst/>
+    <dgm:txLinClrLst/>
+    <dgm:txFillClrLst/>
+    <dgm:txEffectClrLst/>
+  </dgm:styleLbl>
+  <dgm:styleLbl name="node4">
+    <dgm:fillClrLst meth="repeat">
+      <a:schemeClr val="accent5"/>
+    </dgm:fillClrLst>
+    <dgm:linClrLst meth="repeat">
+      <a:schemeClr val="lt1"/>
+    </dgm:linClrLst>
+    <dgm:effectClrLst/>
+    <dgm:txLinClrLst/>
+    <dgm:txFillClrLst/>
+    <dgm:txEffectClrLst/>
+  </dgm:styleLbl>
+  <dgm:styleLbl name="fgImgPlace1">
+    <dgm:fillClrLst meth="repeat">
+      <a:schemeClr val="accent5">
+        <a:tint val="50000"/>
+      </a:schemeClr>
+    </dgm:fillClrLst>
+    <dgm:linClrLst meth="repeat">
+      <a:schemeClr val="lt1"/>
+    </dgm:linClrLst>
+    <dgm:effectClrLst/>
+    <dgm:txLinClrLst/>
+    <dgm:txFillClrLst meth="repeat">
+      <a:schemeClr val="lt1"/>
+    </dgm:txFillClrLst>
+    <dgm:txEffectClrLst/>
+  </dgm:styleLbl>
+  <dgm:styleLbl name="alignImgPlace1">
+    <dgm:fillClrLst meth="repeat">
+      <a:schemeClr val="accent5">
+        <a:tint val="50000"/>
+      </a:schemeClr>
+    </dgm:fillClrLst>
+    <dgm:linClrLst meth="repeat">
+      <a:schemeClr val="lt1"/>
+    </dgm:linClrLst>
+    <dgm:effectClrLst/>
+    <dgm:txLinClrLst/>
+    <dgm:txFillClrLst meth="repeat">
+      <a:schemeClr val="lt1"/>
+    </dgm:txFillClrLst>
+    <dgm:txEffectClrLst/>
+  </dgm:styleLbl>
+  <dgm:styleLbl name="bgImgPlace1">
+    <dgm:fillClrLst meth="repeat">
+      <a:schemeClr val="accent5">
+        <a:tint val="50000"/>
+      </a:schemeClr>
+    </dgm:fillClrLst>
+    <dgm:linClrLst meth="repeat">
+      <a:schemeClr val="lt1"/>
+    </dgm:linClrLst>
+    <dgm:effectClrLst/>
+    <dgm:txLinClrLst/>
+    <dgm:txFillClrLst meth="repeat">
+      <a:schemeClr val="lt1"/>
+    </dgm:txFillClrLst>
+    <dgm:txEffectClrLst/>
+  </dgm:styleLbl>
+  <dgm:styleLbl name="sibTrans2D1">
+    <dgm:fillClrLst meth="repeat">
+      <a:schemeClr val="accent5">
+        <a:tint val="60000"/>
+      </a:schemeClr>
+    </dgm:fillClrLst>
+    <dgm:linClrLst meth="repeat">
+      <a:schemeClr val="accent5">
+        <a:tint val="60000"/>
+      </a:schemeClr>
+    </dgm:linClrLst>
+    <dgm:effectClrLst/>
+    <dgm:txLinClrLst/>
+    <dgm:txFillClrLst/>
+    <dgm:txEffectClrLst/>
+  </dgm:styleLbl>
+  <dgm:styleLbl name="fgSibTrans2D1">
+    <dgm:fillClrLst meth="repeat">
+      <a:schemeClr val="accent5">
+        <a:tint val="60000"/>
+      </a:schemeClr>
+    </dgm:fillClrLst>
+    <dgm:linClrLst meth="repeat">
+      <a:schemeClr val="accent5">
+        <a:tint val="60000"/>
+      </a:schemeClr>
+    </dgm:linClrLst>
+    <dgm:effectClrLst/>
+    <dgm:txLinClrLst/>
+    <dgm:txFillClrLst/>
+    <dgm:txEffectClrLst/>
+  </dgm:styleLbl>
+  <dgm:styleLbl name="bgSibTrans2D1">
+    <dgm:fillClrLst meth="repeat">
+      <a:schemeClr val="accent5">
+        <a:tint val="60000"/>
+      </a:schemeClr>
+    </dgm:fillClrLst>
+    <dgm:linClrLst meth="repeat">
+      <a:schemeClr val="accent5">
+        <a:tint val="60000"/>
+      </a:schemeClr>
+    </dgm:linClrLst>
+    <dgm:effectClrLst/>
+    <dgm:txLinClrLst/>
+    <dgm:txFillClrLst/>
+    <dgm:txEffectClrLst/>
+  </dgm:styleLbl>
+  <dgm:styleLbl name="sibTrans1D1">
+    <dgm:fillClrLst meth="repeat">
+      <a:schemeClr val="accent5"/>
+    </dgm:fillClrLst>
+    <dgm:linClrLst meth="repeat">
+      <a:schemeClr val="accent5"/>
+    </dgm:linClrLst>
+    <dgm:effectClrLst/>
+    <dgm:txLinClrLst/>
+    <dgm:txFillClrLst meth="repeat">
+      <a:schemeClr val="tx1"/>
+    </dgm:txFillClrLst>
+    <dgm:txEffectClrLst/>
+  </dgm:styleLbl>
+  <dgm:styleLbl name="callout">
+    <dgm:fillClrLst meth="repeat">
+      <a:schemeClr val="accent5"/>
+    </dgm:fillClrLst>
+    <dgm:linClrLst meth="repeat">
+      <a:schemeClr val="accent5">
+        <a:tint val="50000"/>
+      </a:schemeClr>
+    </dgm:linClrLst>
+    <dgm:effectClrLst/>
+    <dgm:txLinClrLst/>
+    <dgm:txFillClrLst meth="repeat">
+      <a:schemeClr val="tx1"/>
+    </dgm:txFillClrLst>
+    <dgm:txEffectClrLst/>
+  </dgm:styleLbl>
+  <dgm:styleLbl name="asst0">
+    <dgm:fillClrLst meth="repeat">
+      <a:schemeClr val="accent5"/>
+    </dgm:fillClrLst>
+    <dgm:linClrLst meth="repeat">
+      <a:schemeClr val="lt1"/>
+    </dgm:linClrLst>
+    <dgm:effectClrLst/>
+    <dgm:txLinClrLst/>
+    <dgm:txFillClrLst/>
+    <dgm:txEffectClrLst/>
+  </dgm:styleLbl>
+  <dgm:styleLbl name="asst1">
+    <dgm:fillClrLst meth="repeat">
+      <a:schemeClr val="accent5"/>
+    </dgm:fillClrLst>
+    <dgm:linClrLst meth="repeat">
+      <a:schemeClr val="lt1"/>
+    </dgm:linClrLst>
+    <dgm:effectClrLst/>
+    <dgm:txLinClrLst/>
+    <dgm:txFillClrLst/>
+    <dgm:txEffectClrLst/>
+  </dgm:styleLbl>
+  <dgm:styleLbl name="asst2">
+    <dgm:fillClrLst meth="repeat">
+      <a:schemeClr val="accent5"/>
+    </dgm:fillClrLst>
+    <dgm:linClrLst meth="repeat">
+      <a:schemeClr val="lt1"/>
+    </dgm:linClrLst>
+    <dgm:effectClrLst/>
+    <dgm:txLinClrLst/>
+    <dgm:txFillClrLst/>
+    <dgm:txEffectClrLst/>
+  </dgm:styleLbl>
+  <dgm:styleLbl name="asst3">
+    <dgm:fillClrLst meth="repeat">
+      <a:schemeClr val="accent5"/>
+    </dgm:fillClrLst>
+    <dgm:linClrLst meth="repeat">
+      <a:schemeClr val="lt1"/>
+    </dgm:linClrLst>
+    <dgm:effectClrLst/>
+    <dgm:txLinClrLst/>
+    <dgm:txFillClrLst/>
+    <dgm:txEffectClrLst/>
+  </dgm:styleLbl>
+  <dgm:styleLbl name="asst4">
+    <dgm:fillClrLst meth="repeat">
+      <a:schemeClr val="accent5"/>
+    </dgm:fillClrLst>
+    <dgm:linClrLst meth="repeat">
+      <a:schemeClr val="lt1"/>
+    </dgm:linClrLst>
+    <dgm:effectClrLst/>
+    <dgm:txLinClrLst/>
+    <dgm:txFillClrLst/>
+    <dgm:txEffectClrLst/>
+  </dgm:styleLbl>
+  <dgm:styleLbl name="parChTrans2D1">
+    <dgm:fillClrLst meth="repeat">
+      <a:schemeClr val="accent5">
+        <a:tint val="60000"/>
+      </a:schemeClr>
+    </dgm:fillClrLst>
+    <dgm:linClrLst meth="repeat">
+      <a:schemeClr val="accent5">
+        <a:tint val="60000"/>
+      </a:schemeClr>
+    </dgm:linClrLst>
+    <dgm:effectClrLst/>
+    <dgm:txLinClrLst/>
+    <dgm:txFillClrLst meth="repeat">
+      <a:schemeClr val="lt1"/>
+    </dgm:txFillClrLst>
+    <dgm:txEffectClrLst/>
+  </dgm:styleLbl>
+  <dgm:styleLbl name="parChTrans2D2">
+    <dgm:fillClrLst meth="repeat">
+      <a:schemeClr val="accent5"/>
+    </dgm:fillClrLst>
+    <dgm:linClrLst meth="repeat">
+      <a:schemeClr val="accent5"/>
+    </dgm:linClrLst>
+    <dgm:effectClrLst/>
+    <dgm:txLinClrLst/>
+    <dgm:txFillClrLst meth="repeat">
+      <a:schemeClr val="lt1"/>
+    </dgm:txFillClrLst>
+    <dgm:txEffectClrLst/>
+  </dgm:styleLbl>
+  <dgm:styleLbl name="parChTrans2D3">
+    <dgm:fillClrLst meth="repeat">
+      <a:schemeClr val="accent5"/>
+    </dgm:fillClrLst>
+    <dgm:linClrLst meth="repeat">
+      <a:schemeClr val="accent5"/>
+    </dgm:linClrLst>
+    <dgm:effectClrLst/>
+    <dgm:txLinClrLst/>
+    <dgm:txFillClrLst meth="repeat">
+      <a:schemeClr val="lt1"/>
+    </dgm:txFillClrLst>
+    <dgm:txEffectClrLst/>
+  </dgm:styleLbl>
+  <dgm:styleLbl name="parChTrans2D4">
+    <dgm:fillClrLst meth="repeat">
+      <a:schemeClr val="accent5"/>
+    </dgm:fillClrLst>
+    <dgm:linClrLst meth="repeat">
+      <a:schemeClr val="accent5"/>
+    </dgm:linClrLst>
+    <dgm:effectClrLst/>
+    <dgm:txLinClrLst/>
+    <dgm:txFillClrLst meth="repeat">
+      <a:schemeClr val="lt1"/>
+    </dgm:txFillClrLst>
+    <dgm:txEffectClrLst/>
+  </dgm:styleLbl>
+  <dgm:styleLbl name="parChTrans1D1">
+    <dgm:fillClrLst meth="repeat">
+      <a:schemeClr val="accent5"/>
+    </dgm:fillClrLst>
+    <dgm:linClrLst meth="repeat">
+      <a:schemeClr val="accent5">
+        <a:shade val="60000"/>
+      </a:schemeClr>
+    </dgm:linClrLst>
+    <dgm:effectClrLst/>
+    <dgm:txLinClrLst/>
+    <dgm:txFillClrLst meth="repeat">
+      <a:schemeClr val="tx1"/>
+    </dgm:txFillClrLst>
+    <dgm:txEffectClrLst/>
+  </dgm:styleLbl>
+  <dgm:styleLbl name="parChTrans1D2">
+    <dgm:fillClrLst meth="repeat">
+      <a:schemeClr val="accent5"/>
+    </dgm:fillClrLst>
+    <dgm:linClrLst meth="repeat">
+      <a:schemeClr val="accent5">
+        <a:shade val="60000"/>
+      </a:schemeClr>
+    </dgm:linClrLst>
+    <dgm:effectClrLst/>
+    <dgm:txLinClrLst/>
+    <dgm:txFillClrLst meth="repeat">
+      <a:schemeClr val="tx1"/>
+    </dgm:txFillClrLst>
+    <dgm:txEffectClrLst/>
+  </dgm:styleLbl>
+  <dgm:styleLbl name="parChTrans1D3">
+    <dgm:fillClrLst meth="repeat">
+      <a:schemeClr val="accent5"/>
+    </dgm:fillClrLst>
+    <dgm:linClrLst meth="repeat">
+      <a:schemeClr val="accent5">
+        <a:shade val="80000"/>
+      </a:schemeClr>
+    </dgm:linClrLst>
+    <dgm:effectClrLst/>
+    <dgm:txLinClrLst/>
+    <dgm:txFillClrLst meth="repeat">
+      <a:schemeClr val="tx1"/>
+    </dgm:txFillClrLst>
+    <dgm:txEffectClrLst/>
+  </dgm:styleLbl>
+  <dgm:styleLbl name="parChTrans1D4">
+    <dgm:fillClrLst meth="repeat">
+      <a:schemeClr val="accent5"/>
+    </dgm:fillClrLst>
+    <dgm:linClrLst meth="repeat">
+      <a:schemeClr val="accent5">
+        <a:shade val="80000"/>
+      </a:schemeClr>
+    </dgm:linClrLst>
+    <dgm:effectClrLst/>
+    <dgm:txLinClrLst/>
+    <dgm:txFillClrLst meth="repeat">
+      <a:schemeClr val="tx1"/>
+    </dgm:txFillClrLst>
+    <dgm:txEffectClrLst/>
+  </dgm:styleLbl>
+  <dgm:styleLbl name="fgAcc1">
+    <dgm:fillClrLst meth="repeat">
+      <a:schemeClr val="lt1">
+        <a:alpha val="90000"/>
+      </a:schemeClr>
+    </dgm:fillClrLst>
+    <dgm:linClrLst meth="repeat">
+      <a:schemeClr val="accent5"/>
+    </dgm:linClrLst>
+    <dgm:effectClrLst/>
+    <dgm:txLinClrLst/>
+    <dgm:txFillClrLst meth="repeat">
+      <a:schemeClr val="dk1"/>
+    </dgm:txFillClrLst>
+    <dgm:txEffectClrLst/>
+  </dgm:styleLbl>
+  <dgm:styleLbl name="conFgAcc1">
+    <dgm:fillClrLst meth="repeat">
+      <a:schemeClr val="lt1">
+        <a:alpha val="90000"/>
+      </a:schemeClr>
+    </dgm:fillClrLst>
+    <dgm:linClrLst meth="repeat">
+      <a:schemeClr val="accent5"/>
+    </dgm:linClrLst>
+    <dgm:effectClrLst/>
+    <dgm:txLinClrLst/>
+    <dgm:txFillClrLst meth="repeat">
+      <a:schemeClr val="dk1"/>
+    </dgm:txFillClrLst>
+    <dgm:txEffectClrLst/>
+  </dgm:styleLbl>
+  <dgm:styleLbl name="alignAcc1">
+    <dgm:fillClrLst meth="repeat">
+      <a:schemeClr val="lt1">
+        <a:alpha val="90000"/>
+      </a:schemeClr>
+    </dgm:fillClrLst>
+    <dgm:linClrLst meth="repeat">
+      <a:schemeClr val="accent5"/>
+    </dgm:linClrLst>
+    <dgm:effectClrLst/>
+    <dgm:txLinClrLst/>
+    <dgm:txFillClrLst meth="repeat">
+      <a:schemeClr val="dk1"/>
+    </dgm:txFillClrLst>
+    <dgm:txEffectClrLst/>
+  </dgm:styleLbl>
+  <dgm:styleLbl name="trAlignAcc1">
+    <dgm:fillClrLst meth="repeat">
+      <a:schemeClr val="lt1">
+        <a:alpha val="40000"/>
+      </a:schemeClr>
+    </dgm:fillClrLst>
+    <dgm:linClrLst meth="repeat">
+      <a:schemeClr val="accent5"/>
+    </dgm:linClrLst>
+    <dgm:effectClrLst/>
+    <dgm:txLinClrLst/>
+    <dgm:txFillClrLst meth="repeat">
+      <a:schemeClr val="dk1"/>
+    </dgm:txFillClrLst>
+    <dgm:txEffectClrLst/>
+  </dgm:styleLbl>
+  <dgm:styleLbl name="bgAcc1">
+    <dgm:fillClrLst meth="repeat">
+      <a:schemeClr val="lt1">
+        <a:alpha val="90000"/>
+      </a:schemeClr>
+    </dgm:fillClrLst>
+    <dgm:linClrLst meth="repeat">
+      <a:schemeClr val="accent5"/>
+    </dgm:linClrLst>
+    <dgm:effectClrLst/>
+    <dgm:txLinClrLst/>
+    <dgm:txFillClrLst meth="repeat">
+      <a:schemeClr val="dk1"/>
+    </dgm:txFillClrLst>
+    <dgm:txEffectClrLst/>
+  </dgm:styleLbl>
+  <dgm:styleLbl name="solidFgAcc1">
+    <dgm:fillClrLst meth="repeat">
+      <a:schemeClr val="lt1"/>
+    </dgm:fillClrLst>
+    <dgm:linClrLst meth="repeat">
+      <a:schemeClr val="accent5"/>
+    </dgm:linClrLst>
+    <dgm:effectClrLst/>
+    <dgm:txLinClrLst/>
+    <dgm:txFillClrLst meth="repeat">
+      <a:schemeClr val="dk1"/>
+    </dgm:txFillClrLst>
+    <dgm:txEffectClrLst/>
+  </dgm:styleLbl>
+  <dgm:styleLbl name="solidAlignAcc1">
+    <dgm:fillClrLst meth="repeat">
+      <a:schemeClr val="lt1"/>
+    </dgm:fillClrLst>
+    <dgm:linClrLst meth="repeat">
+      <a:schemeClr val="accent5"/>
+    </dgm:linClrLst>
+    <dgm:effectClrLst/>
+    <dgm:txLinClrLst/>
+    <dgm:txFillClrLst meth="repeat">
+      <a:schemeClr val="dk1"/>
+    </dgm:txFillClrLst>
+    <dgm:txEffectClrLst/>
+  </dgm:styleLbl>
+  <dgm:styleLbl name="solidBgAcc1">
+    <dgm:fillClrLst meth="repeat">
+      <a:schemeClr val="lt1"/>
+    </dgm:fillClrLst>
+    <dgm:linClrLst meth="repeat">
+      <a:schemeClr val="accent5"/>
+    </dgm:linClrLst>
+    <dgm:effectClrLst/>
+    <dgm:txLinClrLst/>
+    <dgm:txFillClrLst meth="repeat">
+      <a:schemeClr val="dk1"/>
+    </dgm:txFillClrLst>
+    <dgm:txEffectClrLst/>
+  </dgm:styleLbl>
+  <dgm:styleLbl name="fgAccFollowNode1">
+    <dgm:fillClrLst meth="repeat">
+      <a:schemeClr val="accent5">
+        <a:alpha val="90000"/>
+        <a:tint val="40000"/>
+      </a:schemeClr>
+    </dgm:fillClrLst>
+    <dgm:linClrLst meth="repeat">
+      <a:schemeClr val="accent5">
+        <a:alpha val="90000"/>
+        <a:tint val="40000"/>
+      </a:schemeClr>
+    </dgm:linClrLst>
+    <dgm:effectClrLst/>
+    <dgm:txLinClrLst/>
+    <dgm:txFillClrLst meth="repeat">
+      <a:schemeClr val="dk1"/>
+    </dgm:txFillClrLst>
+    <dgm:txEffectClrLst/>
+  </dgm:styleLbl>
+  <dgm:styleLbl name="alignAccFollowNode1">
+    <dgm:fillClrLst meth="repeat">
+      <a:schemeClr val="accent5">
+        <a:alpha val="90000"/>
+        <a:tint val="40000"/>
+      </a:schemeClr>
+    </dgm:fillClrLst>
+    <dgm:linClrLst meth="repeat">
+      <a:schemeClr val="accent5">
+        <a:alpha val="90000"/>
+        <a:tint val="40000"/>
+      </a:schemeClr>
+    </dgm:linClrLst>
+    <dgm:effectClrLst/>
+    <dgm:txLinClrLst/>
+    <dgm:txFillClrLst meth="repeat">
+      <a:schemeClr val="dk1"/>
+    </dgm:txFillClrLst>
+    <dgm:txEffectClrLst/>
+  </dgm:styleLbl>
+  <dgm:styleLbl name="bgAccFollowNode1">
+    <dgm:fillClrLst meth="repeat">
+      <a:schemeClr val="accent5">
+        <a:alpha val="90000"/>
+        <a:tint val="40000"/>
+      </a:schemeClr>
+    </dgm:fillClrLst>
+    <dgm:linClrLst meth="repeat">
+      <a:schemeClr val="accent5">
+        <a:alpha val="90000"/>
+        <a:tint val="40000"/>
+      </a:schemeClr>
+    </dgm:linClrLst>
+    <dgm:effectClrLst/>
+    <dgm:txLinClrLst/>
+    <dgm:txFillClrLst meth="repeat">
+      <a:schemeClr val="dk1"/>
+    </dgm:txFillClrLst>
+    <dgm:txEffectClrLst/>
+  </dgm:styleLbl>
+  <dgm:styleLbl name="fgAcc0">
+    <dgm:fillClrLst meth="repeat">
+      <a:schemeClr val="lt1">
+        <a:alpha val="90000"/>
+      </a:schemeClr>
+    </dgm:fillClrLst>
+    <dgm:linClrLst meth="repeat">
+      <a:schemeClr val="accent5"/>
+    </dgm:linClrLst>
+    <dgm:effectClrLst/>
+    <dgm:txLinClrLst/>
+    <dgm:txFillClrLst meth="repeat">
+      <a:schemeClr val="dk1"/>
+    </dgm:txFillClrLst>
+    <dgm:txEffectClrLst/>
+  </dgm:styleLbl>
+  <dgm:styleLbl name="fgAcc2">
+    <dgm:fillClrLst meth="repeat">
+      <a:schemeClr val="lt1">
+        <a:alpha val="90000"/>
+      </a:schemeClr>
+    </dgm:fillClrLst>
+    <dgm:linClrLst meth="repeat">
+      <a:schemeClr val="accent5"/>
+    </dgm:linClrLst>
+    <dgm:effectClrLst/>
+    <dgm:txLinClrLst/>
+    <dgm:txFillClrLst meth="repeat">
+      <a:schemeClr val="dk1"/>
+    </dgm:txFillClrLst>
+    <dgm:txEffectClrLst/>
+  </dgm:styleLbl>
+  <dgm:styleLbl name="fgAcc3">
+    <dgm:fillClrLst meth="repeat">
+      <a:schemeClr val="lt1">
+        <a:alpha val="90000"/>
+      </a:schemeClr>
+    </dgm:fillClrLst>
+    <dgm:linClrLst meth="repeat">
+      <a:schemeClr val="accent5"/>
+    </dgm:linClrLst>
+    <dgm:effectClrLst/>
+    <dgm:txLinClrLst/>
+    <dgm:txFillClrLst meth="repeat">
+      <a:schemeClr val="dk1"/>
+    </dgm:txFillClrLst>
+    <dgm:txEffectClrLst/>
+  </dgm:styleLbl>
+  <dgm:styleLbl name="fgAcc4">
+    <dgm:fillClrLst meth="repeat">
+      <a:schemeClr val="lt1">
+        <a:alpha val="90000"/>
+      </a:schemeClr>
+    </dgm:fillClrLst>
+    <dgm:linClrLst meth="repeat">
+      <a:schemeClr val="accent5"/>
+    </dgm:linClrLst>
+    <dgm:effectClrLst/>
+    <dgm:txLinClrLst/>
+    <dgm:txFillClrLst meth="repeat">
+      <a:schemeClr val="dk1"/>
+    </dgm:txFillClrLst>
+    <dgm:txEffectClrLst/>
+  </dgm:styleLbl>
+  <dgm:styleLbl name="bgShp">
+    <dgm:fillClrLst meth="repeat">
+      <a:schemeClr val="accent5">
+        <a:tint val="40000"/>
+      </a:schemeClr>
+    </dgm:fillClrLst>
+    <dgm:linClrLst meth="repeat">
+      <a:schemeClr val="accent5"/>
+    </dgm:linClrLst>
+    <dgm:effectClrLst/>
+    <dgm:txLinClrLst/>
+    <dgm:txFillClrLst meth="repeat">
+      <a:schemeClr val="dk1"/>
+    </dgm:txFillClrLst>
+    <dgm:txEffectClrLst/>
+  </dgm:styleLbl>
+  <dgm:styleLbl name="dkBgShp">
+    <dgm:fillClrLst meth="repeat">
+      <a:schemeClr val="accent5">
+        <a:shade val="80000"/>
+      </a:schemeClr>
+    </dgm:fillClrLst>
+    <dgm:linClrLst meth="repeat">
+      <a:schemeClr val="accent5"/>
+    </dgm:linClrLst>
+    <dgm:effectClrLst/>
+    <dgm:txLinClrLst/>
+    <dgm:txFillClrLst meth="repeat">
+      <a:schemeClr val="lt1"/>
+    </dgm:txFillClrLst>
+    <dgm:txEffectClrLst/>
+  </dgm:styleLbl>
+  <dgm:styleLbl name="trBgShp">
+    <dgm:fillClrLst meth="repeat">
+      <a:schemeClr val="accent5">
+        <a:tint val="50000"/>
+        <a:alpha val="40000"/>
+      </a:schemeClr>
+    </dgm:fillClrLst>
+    <dgm:linClrLst meth="repeat">
+      <a:schemeClr val="accent5"/>
+    </dgm:linClrLst>
+    <dgm:effectClrLst/>
+    <dgm:txLinClrLst/>
+    <dgm:txFillClrLst meth="repeat">
+      <a:schemeClr val="lt1"/>
+    </dgm:txFillClrLst>
+    <dgm:txEffectClrLst/>
+  </dgm:styleLbl>
+  <dgm:styleLbl name="fgShp">
+    <dgm:fillClrLst meth="repeat">
+      <a:schemeClr val="accent5">
+        <a:tint val="60000"/>
+      </a:schemeClr>
+    </dgm:fillClrLst>
+    <dgm:linClrLst meth="repeat">
+      <a:schemeClr val="lt1"/>
+    </dgm:linClrLst>
+    <dgm:effectClrLst/>
+    <dgm:txLinClrLst/>
+    <dgm:txFillClrLst meth="repeat">
+      <a:schemeClr val="dk1"/>
+    </dgm:txFillClrLst>
+    <dgm:txEffectClrLst/>
+  </dgm:styleLbl>
+  <dgm:styleLbl name="revTx">
+    <dgm:fillClrLst meth="repeat">
+      <a:schemeClr val="lt1">
+        <a:alpha val="0"/>
+      </a:schemeClr>
+    </dgm:fillClrLst>
+    <dgm:linClrLst meth="repeat">
+      <a:schemeClr val="dk1">
+        <a:alpha val="0"/>
+      </a:schemeClr>
+    </dgm:linClrLst>
+    <dgm:effectClrLst/>
+    <dgm:txLinClrLst/>
+    <dgm:txFillClrLst meth="repeat">
+      <a:schemeClr val="tx1"/>
+    </dgm:txFillClrLst>
+    <dgm:txEffectClrLst/>
+  </dgm:styleLbl>
+</dgm:colorsDef>
+</file>
+
+<file path=ppt/diagrams/colors3.xml><?xml version="1.0" encoding="utf-8"?>
+<dgm:colorsDef xmlns:dgm="http://schemas.openxmlformats.org/drawingml/2006/diagram" xmlns:a="http://schemas.openxmlformats.org/drawingml/2006/main" uniqueId="urn:microsoft.com/office/officeart/2005/8/colors/accent5_2">
+  <dgm:title val=""/>
+  <dgm:desc val=""/>
+  <dgm:catLst>
+    <dgm:cat type="accent5" pri="11200"/>
+  </dgm:catLst>
+  <dgm:styleLbl name="node0">
+    <dgm:fillClrLst meth="repeat">
+      <a:schemeClr val="accent5"/>
+    </dgm:fillClrLst>
+    <dgm:linClrLst meth="repeat">
+      <a:schemeClr val="lt1"/>
+    </dgm:linClrLst>
+    <dgm:effectClrLst/>
+    <dgm:txLinClrLst/>
+    <dgm:txFillClrLst/>
+    <dgm:txEffectClrLst/>
+  </dgm:styleLbl>
+  <dgm:styleLbl name="node1">
+    <dgm:fillClrLst meth="repeat">
+      <a:schemeClr val="accent5"/>
+    </dgm:fillClrLst>
+    <dgm:linClrLst meth="repeat">
+      <a:schemeClr val="lt1"/>
+    </dgm:linClrLst>
+    <dgm:effectClrLst/>
+    <dgm:txLinClrLst/>
+    <dgm:txFillClrLst/>
+    <dgm:txEffectClrLst/>
+  </dgm:styleLbl>
+  <dgm:styleLbl name="alignNode1">
+    <dgm:fillClrLst meth="repeat">
+      <a:schemeClr val="accent5"/>
+    </dgm:fillClrLst>
+    <dgm:linClrLst meth="repeat">
+      <a:schemeClr val="accent5"/>
+    </dgm:linClrLst>
+    <dgm:effectClrLst/>
+    <dgm:txLinClrLst/>
+    <dgm:txFillClrLst/>
+    <dgm:txEffectClrLst/>
+  </dgm:styleLbl>
+  <dgm:styleLbl name="lnNode1">
+    <dgm:fillClrLst meth="repeat">
+      <a:schemeClr val="accent5"/>
+    </dgm:fillClrLst>
+    <dgm:linClrLst meth="repeat">
+      <a:schemeClr val="lt1"/>
+    </dgm:linClrLst>
+    <dgm:effectClrLst/>
+    <dgm:txLinClrLst/>
+    <dgm:txFillClrLst/>
+    <dgm:txEffectClrLst/>
+  </dgm:styleLbl>
+  <dgm:styleLbl name="vennNode1">
+    <dgm:fillClrLst meth="repeat">
+      <a:schemeClr val="accent5">
+        <a:alpha val="50000"/>
+      </a:schemeClr>
+    </dgm:fillClrLst>
+    <dgm:linClrLst meth="repeat">
+      <a:schemeClr val="lt1"/>
+    </dgm:linClrLst>
+    <dgm:effectClrLst/>
+    <dgm:txLinClrLst/>
+    <dgm:txFillClrLst/>
+    <dgm:txEffectClrLst/>
+  </dgm:styleLbl>
+  <dgm:styleLbl name="node2">
+    <dgm:fillClrLst meth="repeat">
+      <a:schemeClr val="accent5"/>
+    </dgm:fillClrLst>
+    <dgm:linClrLst meth="repeat">
+      <a:schemeClr val="lt1"/>
+    </dgm:linClrLst>
+    <dgm:effectClrLst/>
+    <dgm:txLinClrLst/>
+    <dgm:txFillClrLst/>
+    <dgm:txEffectClrLst/>
+  </dgm:styleLbl>
+  <dgm:styleLbl name="node3">
+    <dgm:fillClrLst meth="repeat">
+      <a:schemeClr val="accent5"/>
+    </dgm:fillClrLst>
+    <dgm:linClrLst meth="repeat">
+      <a:schemeClr val="lt1"/>
+    </dgm:linClrLst>
+    <dgm:effectClrLst/>
+    <dgm:txLinClrLst/>
+    <dgm:txFillClrLst/>
+    <dgm:txEffectClrLst/>
+  </dgm:styleLbl>
+  <dgm:styleLbl name="node4">
+    <dgm:fillClrLst meth="repeat">
+      <a:schemeClr val="accent5"/>
+    </dgm:fillClrLst>
+    <dgm:linClrLst meth="repeat">
+      <a:schemeClr val="lt1"/>
+    </dgm:linClrLst>
+    <dgm:effectClrLst/>
+    <dgm:txLinClrLst/>
+    <dgm:txFillClrLst/>
+    <dgm:txEffectClrLst/>
+  </dgm:styleLbl>
+  <dgm:styleLbl name="fgImgPlace1">
+    <dgm:fillClrLst meth="repeat">
+      <a:schemeClr val="accent5">
+        <a:tint val="50000"/>
+      </a:schemeClr>
+    </dgm:fillClrLst>
+    <dgm:linClrLst meth="repeat">
+      <a:schemeClr val="lt1"/>
+    </dgm:linClrLst>
+    <dgm:effectClrLst/>
+    <dgm:txLinClrLst/>
+    <dgm:txFillClrLst meth="repeat">
+      <a:schemeClr val="lt1"/>
+    </dgm:txFillClrLst>
+    <dgm:txEffectClrLst/>
+  </dgm:styleLbl>
+  <dgm:styleLbl name="alignImgPlace1">
+    <dgm:fillClrLst meth="repeat">
+      <a:schemeClr val="accent5">
+        <a:tint val="50000"/>
+      </a:schemeClr>
+    </dgm:fillClrLst>
+    <dgm:linClrLst meth="repeat">
+      <a:schemeClr val="lt1"/>
+    </dgm:linClrLst>
+    <dgm:effectClrLst/>
+    <dgm:txLinClrLst/>
+    <dgm:txFillClrLst meth="repeat">
+      <a:schemeClr val="lt1"/>
+    </dgm:txFillClrLst>
+    <dgm:txEffectClrLst/>
+  </dgm:styleLbl>
+  <dgm:styleLbl name="bgImgPlace1">
+    <dgm:fillClrLst meth="repeat">
+      <a:schemeClr val="accent5">
+        <a:tint val="50000"/>
+      </a:schemeClr>
+    </dgm:fillClrLst>
+    <dgm:linClrLst meth="repeat">
+      <a:schemeClr val="lt1"/>
+    </dgm:linClrLst>
+    <dgm:effectClrLst/>
+    <dgm:txLinClrLst/>
+    <dgm:txFillClrLst meth="repeat">
+      <a:schemeClr val="lt1"/>
+    </dgm:txFillClrLst>
+    <dgm:txEffectClrLst/>
+  </dgm:styleLbl>
+  <dgm:styleLbl name="sibTrans2D1">
+    <dgm:fillClrLst meth="repeat">
+      <a:schemeClr val="accent5">
+        <a:tint val="60000"/>
+      </a:schemeClr>
+    </dgm:fillClrLst>
+    <dgm:linClrLst meth="repeat">
+      <a:schemeClr val="accent5">
+        <a:tint val="60000"/>
+      </a:schemeClr>
+    </dgm:linClrLst>
+    <dgm:effectClrLst/>
+    <dgm:txLinClrLst/>
+    <dgm:txFillClrLst/>
+    <dgm:txEffectClrLst/>
+  </dgm:styleLbl>
+  <dgm:styleLbl name="fgSibTrans2D1">
+    <dgm:fillClrLst meth="repeat">
+      <a:schemeClr val="accent5">
+        <a:tint val="60000"/>
+      </a:schemeClr>
+    </dgm:fillClrLst>
+    <dgm:linClrLst meth="repeat">
+      <a:schemeClr val="accent5">
+        <a:tint val="60000"/>
+      </a:schemeClr>
+    </dgm:linClrLst>
+    <dgm:effectClrLst/>
+    <dgm:txLinClrLst/>
+    <dgm:txFillClrLst/>
+    <dgm:txEffectClrLst/>
+  </dgm:styleLbl>
+  <dgm:styleLbl name="bgSibTrans2D1">
+    <dgm:fillClrLst meth="repeat">
+      <a:schemeClr val="accent5">
+        <a:tint val="60000"/>
+      </a:schemeClr>
+    </dgm:fillClrLst>
+    <dgm:linClrLst meth="repeat">
+      <a:schemeClr val="accent5">
+        <a:tint val="60000"/>
+      </a:schemeClr>
+    </dgm:linClrLst>
+    <dgm:effectClrLst/>
+    <dgm:txLinClrLst/>
+    <dgm:txFillClrLst/>
+    <dgm:txEffectClrLst/>
+  </dgm:styleLbl>
+  <dgm:styleLbl name="sibTrans1D1">
+    <dgm:fillClrLst meth="repeat">
+      <a:schemeClr val="accent5"/>
+    </dgm:fillClrLst>
+    <dgm:linClrLst meth="repeat">
+      <a:schemeClr val="accent5"/>
+    </dgm:linClrLst>
+    <dgm:effectClrLst/>
+    <dgm:txLinClrLst/>
+    <dgm:txFillClrLst meth="repeat">
+      <a:schemeClr val="tx1"/>
+    </dgm:txFillClrLst>
+    <dgm:txEffectClrLst/>
+  </dgm:styleLbl>
+  <dgm:styleLbl name="callout">
+    <dgm:fillClrLst meth="repeat">
+      <a:schemeClr val="accent5"/>
+    </dgm:fillClrLst>
+    <dgm:linClrLst meth="repeat">
+      <a:schemeClr val="accent5">
+        <a:tint val="50000"/>
+      </a:schemeClr>
+    </dgm:linClrLst>
+    <dgm:effectClrLst/>
+    <dgm:txLinClrLst/>
+    <dgm:txFillClrLst meth="repeat">
+      <a:schemeClr val="tx1"/>
+    </dgm:txFillClrLst>
+    <dgm:txEffectClrLst/>
+  </dgm:styleLbl>
+  <dgm:styleLbl name="asst0">
+    <dgm:fillClrLst meth="repeat">
+      <a:schemeClr val="accent5"/>
+    </dgm:fillClrLst>
+    <dgm:linClrLst meth="repeat">
+      <a:schemeClr val="lt1"/>
+    </dgm:linClrLst>
+    <dgm:effectClrLst/>
+    <dgm:txLinClrLst/>
+    <dgm:txFillClrLst/>
+    <dgm:txEffectClrLst/>
+  </dgm:styleLbl>
+  <dgm:styleLbl name="asst1">
+    <dgm:fillClrLst meth="repeat">
+      <a:schemeClr val="accent5"/>
+    </dgm:fillClrLst>
+    <dgm:linClrLst meth="repeat">
+      <a:schemeClr val="lt1"/>
+    </dgm:linClrLst>
+    <dgm:effectClrLst/>
+    <dgm:txLinClrLst/>
+    <dgm:txFillClrLst/>
+    <dgm:txEffectClrLst/>
+  </dgm:styleLbl>
+  <dgm:styleLbl name="asst2">
+    <dgm:fillClrLst meth="repeat">
+      <a:schemeClr val="accent5"/>
+    </dgm:fillClrLst>
+    <dgm:linClrLst meth="repeat">
+      <a:schemeClr val="lt1"/>
+    </dgm:linClrLst>
+    <dgm:effectClrLst/>
+    <dgm:txLinClrLst/>
+    <dgm:txFillClrLst/>
+    <dgm:txEffectClrLst/>
+  </dgm:styleLbl>
+  <dgm:styleLbl name="asst3">
+    <dgm:fillClrLst meth="repeat">
+      <a:schemeClr val="accent5"/>
+    </dgm:fillClrLst>
+    <dgm:linClrLst meth="repeat">
+      <a:schemeClr val="lt1"/>
+    </dgm:linClrLst>
+    <dgm:effectClrLst/>
+    <dgm:txLinClrLst/>
+    <dgm:txFillClrLst/>
+    <dgm:txEffectClrLst/>
+  </dgm:styleLbl>
+  <dgm:styleLbl name="asst4">
+    <dgm:fillClrLst meth="repeat">
+      <a:schemeClr val="accent5"/>
+    </dgm:fillClrLst>
+    <dgm:linClrLst meth="repeat">
+      <a:schemeClr val="lt1"/>
+    </dgm:linClrLst>
+    <dgm:effectClrLst/>
+    <dgm:txLinClrLst/>
+    <dgm:txFillClrLst/>
+    <dgm:txEffectClrLst/>
+  </dgm:styleLbl>
+  <dgm:styleLbl name="parChTrans2D1">
+    <dgm:fillClrLst meth="repeat">
+      <a:schemeClr val="accent5">
+        <a:tint val="60000"/>
+      </a:schemeClr>
+    </dgm:fillClrLst>
+    <dgm:linClrLst meth="repeat">
+      <a:schemeClr val="accent5">
+        <a:tint val="60000"/>
+      </a:schemeClr>
+    </dgm:linClrLst>
+    <dgm:effectClrLst/>
+    <dgm:txLinClrLst/>
+    <dgm:txFillClrLst meth="repeat">
+      <a:schemeClr val="lt1"/>
+    </dgm:txFillClrLst>
+    <dgm:txEffectClrLst/>
+  </dgm:styleLbl>
+  <dgm:styleLbl name="parChTrans2D2">
+    <dgm:fillClrLst meth="repeat">
+      <a:schemeClr val="accent5"/>
+    </dgm:fillClrLst>
+    <dgm:linClrLst meth="repeat">
+      <a:schemeClr val="accent5"/>
+    </dgm:linClrLst>
+    <dgm:effectClrLst/>
+    <dgm:txLinClrLst/>
+    <dgm:txFillClrLst meth="repeat">
+      <a:schemeClr val="lt1"/>
+    </dgm:txFillClrLst>
+    <dgm:txEffectClrLst/>
+  </dgm:styleLbl>
+  <dgm:styleLbl name="parChTrans2D3">
+    <dgm:fillClrLst meth="repeat">
+      <a:schemeClr val="accent5"/>
+    </dgm:fillClrLst>
+    <dgm:linClrLst meth="repeat">
+      <a:schemeClr val="accent5"/>
+    </dgm:linClrLst>
+    <dgm:effectClrLst/>
+    <dgm:txLinClrLst/>
+    <dgm:txFillClrLst meth="repeat">
+      <a:schemeClr val="lt1"/>
+    </dgm:txFillClrLst>
+    <dgm:txEffectClrLst/>
+  </dgm:styleLbl>
+  <dgm:styleLbl name="parChTrans2D4">
+    <dgm:fillClrLst meth="repeat">
+      <a:schemeClr val="accent5"/>
+    </dgm:fillClrLst>
+    <dgm:linClrLst meth="repeat">
+      <a:schemeClr val="accent5"/>
+    </dgm:linClrLst>
+    <dgm:effectClrLst/>
+    <dgm:txLinClrLst/>
+    <dgm:txFillClrLst meth="repeat">
+      <a:schemeClr val="lt1"/>
+    </dgm:txFillClrLst>
+    <dgm:txEffectClrLst/>
+  </dgm:styleLbl>
+  <dgm:styleLbl name="parChTrans1D1">
+    <dgm:fillClrLst meth="repeat">
+      <a:schemeClr val="accent5"/>
+    </dgm:fillClrLst>
+    <dgm:linClrLst meth="repeat">
+      <a:schemeClr val="accent5">
+        <a:shade val="60000"/>
+      </a:schemeClr>
+    </dgm:linClrLst>
+    <dgm:effectClrLst/>
+    <dgm:txLinClrLst/>
+    <dgm:txFillClrLst meth="repeat">
+      <a:schemeClr val="tx1"/>
+    </dgm:txFillClrLst>
+    <dgm:txEffectClrLst/>
+  </dgm:styleLbl>
+  <dgm:styleLbl name="parChTrans1D2">
+    <dgm:fillClrLst meth="repeat">
+      <a:schemeClr val="accent5"/>
+    </dgm:fillClrLst>
+    <dgm:linClrLst meth="repeat">
+      <a:schemeClr val="accent5">
+        <a:shade val="60000"/>
+      </a:schemeClr>
+    </dgm:linClrLst>
+    <dgm:effectClrLst/>
+    <dgm:txLinClrLst/>
+    <dgm:txFillClrLst meth="repeat">
+      <a:schemeClr val="tx1"/>
+    </dgm:txFillClrLst>
+    <dgm:txEffectClrLst/>
+  </dgm:styleLbl>
+  <dgm:styleLbl name="parChTrans1D3">
+    <dgm:fillClrLst meth="repeat">
+      <a:schemeClr val="accent5"/>
+    </dgm:fillClrLst>
+    <dgm:linClrLst meth="repeat">
+      <a:schemeClr val="accent5">
+        <a:shade val="80000"/>
+      </a:schemeClr>
+    </dgm:linClrLst>
+    <dgm:effectClrLst/>
+    <dgm:txLinClrLst/>
+    <dgm:txFillClrLst meth="repeat">
+      <a:schemeClr val="tx1"/>
+    </dgm:txFillClrLst>
+    <dgm:txEffectClrLst/>
+  </dgm:styleLbl>
+  <dgm:styleLbl name="parChTrans1D4">
+    <dgm:fillClrLst meth="repeat">
+      <a:schemeClr val="accent5"/>
+    </dgm:fillClrLst>
+    <dgm:linClrLst meth="repeat">
+      <a:schemeClr val="accent5">
+        <a:shade val="80000"/>
+      </a:schemeClr>
+    </dgm:linClrLst>
+    <dgm:effectClrLst/>
+    <dgm:txLinClrLst/>
+    <dgm:txFillClrLst meth="repeat">
+      <a:schemeClr val="tx1"/>
+    </dgm:txFillClrLst>
+    <dgm:txEffectClrLst/>
+  </dgm:styleLbl>
+  <dgm:styleLbl name="fgAcc1">
+    <dgm:fillClrLst meth="repeat">
+      <a:schemeClr val="lt1">
+        <a:alpha val="90000"/>
+      </a:schemeClr>
+    </dgm:fillClrLst>
+    <dgm:linClrLst meth="repeat">
+      <a:schemeClr val="accent5"/>
+    </dgm:linClrLst>
+    <dgm:effectClrLst/>
+    <dgm:txLinClrLst/>
+    <dgm:txFillClrLst meth="repeat">
+      <a:schemeClr val="dk1"/>
+    </dgm:txFillClrLst>
+    <dgm:txEffectClrLst/>
+  </dgm:styleLbl>
+  <dgm:styleLbl name="conFgAcc1">
+    <dgm:fillClrLst meth="repeat">
+      <a:schemeClr val="lt1">
+        <a:alpha val="90000"/>
+      </a:schemeClr>
+    </dgm:fillClrLst>
+    <dgm:linClrLst meth="repeat">
+      <a:schemeClr val="accent5"/>
+    </dgm:linClrLst>
+    <dgm:effectClrLst/>
+    <dgm:txLinClrLst/>
+    <dgm:txFillClrLst meth="repeat">
+      <a:schemeClr val="dk1"/>
+    </dgm:txFillClrLst>
+    <dgm:txEffectClrLst/>
+  </dgm:styleLbl>
+  <dgm:styleLbl name="alignAcc1">
+    <dgm:fillClrLst meth="repeat">
+      <a:schemeClr val="lt1">
+        <a:alpha val="90000"/>
+      </a:schemeClr>
+    </dgm:fillClrLst>
+    <dgm:linClrLst meth="repeat">
+      <a:schemeClr val="accent5"/>
+    </dgm:linClrLst>
+    <dgm:effectClrLst/>
+    <dgm:txLinClrLst/>
+    <dgm:txFillClrLst meth="repeat">
+      <a:schemeClr val="dk1"/>
+    </dgm:txFillClrLst>
+    <dgm:txEffectClrLst/>
+  </dgm:styleLbl>
+  <dgm:styleLbl name="trAlignAcc1">
+    <dgm:fillClrLst meth="repeat">
+      <a:schemeClr val="lt1">
+        <a:alpha val="40000"/>
+      </a:schemeClr>
+    </dgm:fillClrLst>
+    <dgm:linClrLst meth="repeat">
+      <a:schemeClr val="accent5"/>
+    </dgm:linClrLst>
+    <dgm:effectClrLst/>
+    <dgm:txLinClrLst/>
+    <dgm:txFillClrLst meth="repeat">
+      <a:schemeClr val="dk1"/>
+    </dgm:txFillClrLst>
+    <dgm:txEffectClrLst/>
+  </dgm:styleLbl>
+  <dgm:styleLbl name="bgAcc1">
+    <dgm:fillClrLst meth="repeat">
+      <a:schemeClr val="lt1">
+        <a:alpha val="90000"/>
+      </a:schemeClr>
+    </dgm:fillClrLst>
+    <dgm:linClrLst meth="repeat">
+      <a:schemeClr val="accent5"/>
+    </dgm:linClrLst>
+    <dgm:effectClrLst/>
+    <dgm:txLinClrLst/>
+    <dgm:txFillClrLst meth="repeat">
+      <a:schemeClr val="dk1"/>
+    </dgm:txFillClrLst>
+    <dgm:txEffectClrLst/>
+  </dgm:styleLbl>
+  <dgm:styleLbl name="solidFgAcc1">
+    <dgm:fillClrLst meth="repeat">
+      <a:schemeClr val="lt1"/>
+    </dgm:fillClrLst>
+    <dgm:linClrLst meth="repeat">
+      <a:schemeClr val="accent5"/>
+    </dgm:linClrLst>
+    <dgm:effectClrLst/>
+    <dgm:txLinClrLst/>
+    <dgm:txFillClrLst meth="repeat">
+      <a:schemeClr val="dk1"/>
+    </dgm:txFillClrLst>
+    <dgm:txEffectClrLst/>
+  </dgm:styleLbl>
+  <dgm:styleLbl name="solidAlignAcc1">
+    <dgm:fillClrLst meth="repeat">
+      <a:schemeClr val="lt1"/>
+    </dgm:fillClrLst>
+    <dgm:linClrLst meth="repeat">
+      <a:schemeClr val="accent5"/>
+    </dgm:linClrLst>
+    <dgm:effectClrLst/>
+    <dgm:txLinClrLst/>
+    <dgm:txFillClrLst meth="repeat">
+      <a:schemeClr val="dk1"/>
+    </dgm:txFillClrLst>
+    <dgm:txEffectClrLst/>
+  </dgm:styleLbl>
+  <dgm:styleLbl name="solidBgAcc1">
+    <dgm:fillClrLst meth="repeat">
+      <a:schemeClr val="lt1"/>
+    </dgm:fillClrLst>
+    <dgm:linClrLst meth="repeat">
+      <a:schemeClr val="accent5"/>
+    </dgm:linClrLst>
+    <dgm:effectClrLst/>
+    <dgm:txLinClrLst/>
+    <dgm:txFillClrLst meth="repeat">
+      <a:schemeClr val="dk1"/>
+    </dgm:txFillClrLst>
+    <dgm:txEffectClrLst/>
+  </dgm:styleLbl>
+  <dgm:styleLbl name="fgAccFollowNode1">
+    <dgm:fillClrLst meth="repeat">
+      <a:schemeClr val="accent5">
+        <a:alpha val="90000"/>
+        <a:tint val="40000"/>
+      </a:schemeClr>
+    </dgm:fillClrLst>
+    <dgm:linClrLst meth="repeat">
+      <a:schemeClr val="accent5">
+        <a:alpha val="90000"/>
+        <a:tint val="40000"/>
+      </a:schemeClr>
+    </dgm:linClrLst>
+    <dgm:effectClrLst/>
+    <dgm:txLinClrLst/>
+    <dgm:txFillClrLst meth="repeat">
+      <a:schemeClr val="dk1"/>
+    </dgm:txFillClrLst>
+    <dgm:txEffectClrLst/>
+  </dgm:styleLbl>
+  <dgm:styleLbl name="alignAccFollowNode1">
+    <dgm:fillClrLst meth="repeat">
+      <a:schemeClr val="accent5">
+        <a:alpha val="90000"/>
+        <a:tint val="40000"/>
+      </a:schemeClr>
+    </dgm:fillClrLst>
+    <dgm:linClrLst meth="repeat">
+      <a:schemeClr val="accent5">
+        <a:alpha val="90000"/>
+        <a:tint val="40000"/>
+      </a:schemeClr>
+    </dgm:linClrLst>
+    <dgm:effectClrLst/>
+    <dgm:txLinClrLst/>
+    <dgm:txFillClrLst meth="repeat">
+      <a:schemeClr val="dk1"/>
+    </dgm:txFillClrLst>
+    <dgm:txEffectClrLst/>
+  </dgm:styleLbl>
+  <dgm:styleLbl name="bgAccFollowNode1">
+    <dgm:fillClrLst meth="repeat">
+      <a:schemeClr val="accent5">
+        <a:alpha val="90000"/>
+        <a:tint val="40000"/>
+      </a:schemeClr>
+    </dgm:fillClrLst>
+    <dgm:linClrLst meth="repeat">
+      <a:schemeClr val="accent5">
+        <a:alpha val="90000"/>
+        <a:tint val="40000"/>
+      </a:schemeClr>
+    </dgm:linClrLst>
+    <dgm:effectClrLst/>
+    <dgm:txLinClrLst/>
+    <dgm:txFillClrLst meth="repeat">
+      <a:schemeClr val="dk1"/>
+    </dgm:txFillClrLst>
+    <dgm:txEffectClrLst/>
+  </dgm:styleLbl>
+  <dgm:styleLbl name="fgAcc0">
+    <dgm:fillClrLst meth="repeat">
+      <a:schemeClr val="lt1">
+        <a:alpha val="90000"/>
+      </a:schemeClr>
+    </dgm:fillClrLst>
+    <dgm:linClrLst meth="repeat">
+      <a:schemeClr val="accent5"/>
+    </dgm:linClrLst>
+    <dgm:effectClrLst/>
+    <dgm:txLinClrLst/>
+    <dgm:txFillClrLst meth="repeat">
+      <a:schemeClr val="dk1"/>
+    </dgm:txFillClrLst>
+    <dgm:txEffectClrLst/>
+  </dgm:styleLbl>
+  <dgm:styleLbl name="fgAcc2">
+    <dgm:fillClrLst meth="repeat">
+      <a:schemeClr val="lt1">
+        <a:alpha val="90000"/>
+      </a:schemeClr>
+    </dgm:fillClrLst>
+    <dgm:linClrLst meth="repeat">
+      <a:schemeClr val="accent5"/>
+    </dgm:linClrLst>
+    <dgm:effectClrLst/>
+    <dgm:txLinClrLst/>
+    <dgm:txFillClrLst meth="repeat">
+      <a:schemeClr val="dk1"/>
+    </dgm:txFillClrLst>
+    <dgm:txEffectClrLst/>
+  </dgm:styleLbl>
+  <dgm:styleLbl name="fgAcc3">
+    <dgm:fillClrLst meth="repeat">
+      <a:schemeClr val="lt1">
+        <a:alpha val="90000"/>
+      </a:schemeClr>
+    </dgm:fillClrLst>
+    <dgm:linClrLst meth="repeat">
+      <a:schemeClr val="accent5"/>
+    </dgm:linClrLst>
+    <dgm:effectClrLst/>
+    <dgm:txLinClrLst/>
+    <dgm:txFillClrLst meth="repeat">
+      <a:schemeClr val="dk1"/>
+    </dgm:txFillClrLst>
+    <dgm:txEffectClrLst/>
+  </dgm:styleLbl>
+  <dgm:styleLbl name="fgAcc4">
+    <dgm:fillClrLst meth="repeat">
+      <a:schemeClr val="lt1">
+        <a:alpha val="90000"/>
+      </a:schemeClr>
+    </dgm:fillClrLst>
+    <dgm:linClrLst meth="repeat">
+      <a:schemeClr val="accent5"/>
+    </dgm:linClrLst>
+    <dgm:effectClrLst/>
+    <dgm:txLinClrLst/>
+    <dgm:txFillClrLst meth="repeat">
+      <a:schemeClr val="dk1"/>
+    </dgm:txFillClrLst>
+    <dgm:txEffectClrLst/>
+  </dgm:styleLbl>
+  <dgm:styleLbl name="bgShp">
+    <dgm:fillClrLst meth="repeat">
+      <a:schemeClr val="accent5">
+        <a:tint val="40000"/>
+      </a:schemeClr>
+    </dgm:fillClrLst>
+    <dgm:linClrLst meth="repeat">
+      <a:schemeClr val="accent5"/>
+    </dgm:linClrLst>
+    <dgm:effectClrLst/>
+    <dgm:txLinClrLst/>
+    <dgm:txFillClrLst meth="repeat">
+      <a:schemeClr val="dk1"/>
+    </dgm:txFillClrLst>
+    <dgm:txEffectClrLst/>
+  </dgm:styleLbl>
+  <dgm:styleLbl name="dkBgShp">
+    <dgm:fillClrLst meth="repeat">
+      <a:schemeClr val="accent5">
+        <a:shade val="80000"/>
+      </a:schemeClr>
+    </dgm:fillClrLst>
+    <dgm:linClrLst meth="repeat">
+      <a:schemeClr val="accent5"/>
+    </dgm:linClrLst>
+    <dgm:effectClrLst/>
+    <dgm:txLinClrLst/>
+    <dgm:txFillClrLst meth="repeat">
+      <a:schemeClr val="lt1"/>
+    </dgm:txFillClrLst>
+    <dgm:txEffectClrLst/>
+  </dgm:styleLbl>
+  <dgm:styleLbl name="trBgShp">
+    <dgm:fillClrLst meth="repeat">
+      <a:schemeClr val="accent5">
+        <a:tint val="50000"/>
+        <a:alpha val="40000"/>
+      </a:schemeClr>
+    </dgm:fillClrLst>
+    <dgm:linClrLst meth="repeat">
+      <a:schemeClr val="accent5"/>
+    </dgm:linClrLst>
+    <dgm:effectClrLst/>
+    <dgm:txLinClrLst/>
+    <dgm:txFillClrLst meth="repeat">
+      <a:schemeClr val="lt1"/>
+    </dgm:txFillClrLst>
+    <dgm:txEffectClrLst/>
+  </dgm:styleLbl>
+  <dgm:styleLbl name="fgShp">
+    <dgm:fillClrLst meth="repeat">
+      <a:schemeClr val="accent5">
+        <a:tint val="60000"/>
+      </a:schemeClr>
+    </dgm:fillClrLst>
+    <dgm:linClrLst meth="repeat">
+      <a:schemeClr val="lt1"/>
+    </dgm:linClrLst>
+    <dgm:effectClrLst/>
+    <dgm:txLinClrLst/>
+    <dgm:txFillClrLst meth="repeat">
+      <a:schemeClr val="dk1"/>
+    </dgm:txFillClrLst>
+    <dgm:txEffectClrLst/>
+  </dgm:styleLbl>
+  <dgm:styleLbl name="revTx">
+    <dgm:fillClrLst meth="repeat">
+      <a:schemeClr val="lt1">
+        <a:alpha val="0"/>
+      </a:schemeClr>
+    </dgm:fillClrLst>
+    <dgm:linClrLst meth="repeat">
+      <a:schemeClr val="dk1">
+        <a:alpha val="0"/>
+      </a:schemeClr>
+    </dgm:linClrLst>
+    <dgm:effectClrLst/>
+    <dgm:txLinClrLst/>
+    <dgm:txFillClrLst meth="repeat">
+      <a:schemeClr val="tx1"/>
+    </dgm:txFillClrLst>
+    <dgm:txEffectClrLst/>
+  </dgm:styleLbl>
+</dgm:colorsDef>
+</file>
+
+<file path=ppt/diagrams/colors4.xml><?xml version="1.0" encoding="utf-8"?>
+<dgm:colorsDef xmlns:dgm="http://schemas.openxmlformats.org/drawingml/2006/diagram" xmlns:a="http://schemas.openxmlformats.org/drawingml/2006/main" uniqueId="urn:microsoft.com/office/officeart/2005/8/colors/accent5_2">
+  <dgm:title val=""/>
+  <dgm:desc val=""/>
+  <dgm:catLst>
+    <dgm:cat type="accent5" pri="11200"/>
+  </dgm:catLst>
+  <dgm:styleLbl name="node0">
+    <dgm:fillClrLst meth="repeat">
+      <a:schemeClr val="accent5"/>
+    </dgm:fillClrLst>
+    <dgm:linClrLst meth="repeat">
+      <a:schemeClr val="lt1"/>
+    </dgm:linClrLst>
+    <dgm:effectClrLst/>
+    <dgm:txLinClrLst/>
+    <dgm:txFillClrLst/>
+    <dgm:txEffectClrLst/>
+  </dgm:styleLbl>
+  <dgm:styleLbl name="node1">
+    <dgm:fillClrLst meth="repeat">
+      <a:schemeClr val="accent5"/>
+    </dgm:fillClrLst>
+    <dgm:linClrLst meth="repeat">
+      <a:schemeClr val="lt1"/>
+    </dgm:linClrLst>
+    <dgm:effectClrLst/>
+    <dgm:txLinClrLst/>
+    <dgm:txFillClrLst/>
+    <dgm:txEffectClrLst/>
+  </dgm:styleLbl>
+  <dgm:styleLbl name="alignNode1">
+    <dgm:fillClrLst meth="repeat">
+      <a:schemeClr val="accent5"/>
+    </dgm:fillClrLst>
+    <dgm:linClrLst meth="repeat">
+      <a:schemeClr val="accent5"/>
+    </dgm:linClrLst>
+    <dgm:effectClrLst/>
+    <dgm:txLinClrLst/>
+    <dgm:txFillClrLst/>
+    <dgm:txEffectClrLst/>
+  </dgm:styleLbl>
+  <dgm:styleLbl name="lnNode1">
+    <dgm:fillClrLst meth="repeat">
+      <a:schemeClr val="accent5"/>
+    </dgm:fillClrLst>
+    <dgm:linClrLst meth="repeat">
+      <a:schemeClr val="lt1"/>
+    </dgm:linClrLst>
+    <dgm:effectClrLst/>
+    <dgm:txLinClrLst/>
+    <dgm:txFillClrLst/>
+    <dgm:txEffectClrLst/>
+  </dgm:styleLbl>
+  <dgm:styleLbl name="vennNode1">
+    <dgm:fillClrLst meth="repeat">
+      <a:schemeClr val="accent5">
+        <a:alpha val="50000"/>
+      </a:schemeClr>
+    </dgm:fillClrLst>
+    <dgm:linClrLst meth="repeat">
+      <a:schemeClr val="lt1"/>
+    </dgm:linClrLst>
+    <dgm:effectClrLst/>
+    <dgm:txLinClrLst/>
+    <dgm:txFillClrLst/>
+    <dgm:txEffectClrLst/>
+  </dgm:styleLbl>
+  <dgm:styleLbl name="node2">
+    <dgm:fillClrLst meth="repeat">
+      <a:schemeClr val="accent5"/>
+    </dgm:fillClrLst>
+    <dgm:linClrLst meth="repeat">
+      <a:schemeClr val="lt1"/>
+    </dgm:linClrLst>
+    <dgm:effectClrLst/>
+    <dgm:txLinClrLst/>
+    <dgm:txFillClrLst/>
+    <dgm:txEffectClrLst/>
+  </dgm:styleLbl>
+  <dgm:styleLbl name="node3">
+    <dgm:fillClrLst meth="repeat">
+      <a:schemeClr val="accent5"/>
+    </dgm:fillClrLst>
+    <dgm:linClrLst meth="repeat">
+      <a:schemeClr val="lt1"/>
+    </dgm:linClrLst>
+    <dgm:effectClrLst/>
+    <dgm:txLinClrLst/>
+    <dgm:txFillClrLst/>
+    <dgm:txEffectClrLst/>
+  </dgm:styleLbl>
+  <dgm:styleLbl name="node4">
+    <dgm:fillClrLst meth="repeat">
+      <a:schemeClr val="accent5"/>
+    </dgm:fillClrLst>
+    <dgm:linClrLst meth="repeat">
+      <a:schemeClr val="lt1"/>
+    </dgm:linClrLst>
+    <dgm:effectClrLst/>
+    <dgm:txLinClrLst/>
+    <dgm:txFillClrLst/>
+    <dgm:txEffectClrLst/>
+  </dgm:styleLbl>
+  <dgm:styleLbl name="fgImgPlace1">
+    <dgm:fillClrLst meth="repeat">
+      <a:schemeClr val="accent5">
+        <a:tint val="50000"/>
+      </a:schemeClr>
+    </dgm:fillClrLst>
+    <dgm:linClrLst meth="repeat">
+      <a:schemeClr val="lt1"/>
+    </dgm:linClrLst>
+    <dgm:effectClrLst/>
+    <dgm:txLinClrLst/>
+    <dgm:txFillClrLst meth="repeat">
+      <a:schemeClr val="lt1"/>
+    </dgm:txFillClrLst>
+    <dgm:txEffectClrLst/>
+  </dgm:styleLbl>
+  <dgm:styleLbl name="alignImgPlace1">
+    <dgm:fillClrLst meth="repeat">
+      <a:schemeClr val="accent5">
+        <a:tint val="50000"/>
+      </a:schemeClr>
+    </dgm:fillClrLst>
+    <dgm:linClrLst meth="repeat">
+      <a:schemeClr val="lt1"/>
+    </dgm:linClrLst>
+    <dgm:effectClrLst/>
+    <dgm:txLinClrLst/>
+    <dgm:txFillClrLst meth="repeat">
+      <a:schemeClr val="lt1"/>
+    </dgm:txFillClrLst>
+    <dgm:txEffectClrLst/>
+  </dgm:styleLbl>
+  <dgm:styleLbl name="bgImgPlace1">
+    <dgm:fillClrLst meth="repeat">
+      <a:schemeClr val="accent5">
+        <a:tint val="50000"/>
+      </a:schemeClr>
+    </dgm:fillClrLst>
+    <dgm:linClrLst meth="repeat">
+      <a:schemeClr val="lt1"/>
+    </dgm:linClrLst>
+    <dgm:effectClrLst/>
+    <dgm:txLinClrLst/>
+    <dgm:txFillClrLst meth="repeat">
+      <a:schemeClr val="lt1"/>
+    </dgm:txFillClrLst>
+    <dgm:txEffectClrLst/>
+  </dgm:styleLbl>
+  <dgm:styleLbl name="sibTrans2D1">
+    <dgm:fillClrLst meth="repeat">
+      <a:schemeClr val="accent5">
+        <a:tint val="60000"/>
+      </a:schemeClr>
+    </dgm:fillClrLst>
+    <dgm:linClrLst meth="repeat">
+      <a:schemeClr val="accent5">
+        <a:tint val="60000"/>
+      </a:schemeClr>
+    </dgm:linClrLst>
+    <dgm:effectClrLst/>
+    <dgm:txLinClrLst/>
+    <dgm:txFillClrLst/>
+    <dgm:txEffectClrLst/>
+  </dgm:styleLbl>
+  <dgm:styleLbl name="fgSibTrans2D1">
+    <dgm:fillClrLst meth="repeat">
+      <a:schemeClr val="accent5">
+        <a:tint val="60000"/>
+      </a:schemeClr>
+    </dgm:fillClrLst>
+    <dgm:linClrLst meth="repeat">
+      <a:schemeClr val="accent5">
+        <a:tint val="60000"/>
+      </a:schemeClr>
+    </dgm:linClrLst>
+    <dgm:effectClrLst/>
+    <dgm:txLinClrLst/>
+    <dgm:txFillClrLst/>
+    <dgm:txEffectClrLst/>
+  </dgm:styleLbl>
+  <dgm:styleLbl name="bgSibTrans2D1">
+    <dgm:fillClrLst meth="repeat">
+      <a:schemeClr val="accent5">
+        <a:tint val="60000"/>
+      </a:schemeClr>
+    </dgm:fillClrLst>
+    <dgm:linClrLst meth="repeat">
+      <a:schemeClr val="accent5">
+        <a:tint val="60000"/>
+      </a:schemeClr>
+    </dgm:linClrLst>
+    <dgm:effectClrLst/>
+    <dgm:txLinClrLst/>
+    <dgm:txFillClrLst/>
+    <dgm:txEffectClrLst/>
+  </dgm:styleLbl>
+  <dgm:styleLbl name="sibTrans1D1">
+    <dgm:fillClrLst meth="repeat">
+      <a:schemeClr val="accent5"/>
+    </dgm:fillClrLst>
+    <dgm:linClrLst meth="repeat">
+      <a:schemeClr val="accent5"/>
+    </dgm:linClrLst>
+    <dgm:effectClrLst/>
+    <dgm:txLinClrLst/>
+    <dgm:txFillClrLst meth="repeat">
+      <a:schemeClr val="tx1"/>
+    </dgm:txFillClrLst>
+    <dgm:txEffectClrLst/>
+  </dgm:styleLbl>
+  <dgm:styleLbl name="callout">
+    <dgm:fillClrLst meth="repeat">
+      <a:schemeClr val="accent5"/>
+    </dgm:fillClrLst>
+    <dgm:linClrLst meth="repeat">
+      <a:schemeClr val="accent5">
+        <a:tint val="50000"/>
+      </a:schemeClr>
+    </dgm:linClrLst>
+    <dgm:effectClrLst/>
+    <dgm:txLinClrLst/>
+    <dgm:txFillClrLst meth="repeat">
+      <a:schemeClr val="tx1"/>
+    </dgm:txFillClrLst>
+    <dgm:txEffectClrLst/>
+  </dgm:styleLbl>
+  <dgm:styleLbl name="asst0">
+    <dgm:fillClrLst meth="repeat">
+      <a:schemeClr val="accent5"/>
+    </dgm:fillClrLst>
+    <dgm:linClrLst meth="repeat">
+      <a:schemeClr val="lt1"/>
+    </dgm:linClrLst>
+    <dgm:effectClrLst/>
+    <dgm:txLinClrLst/>
+    <dgm:txFillClrLst/>
+    <dgm:txEffectClrLst/>
+  </dgm:styleLbl>
+  <dgm:styleLbl name="asst1">
+    <dgm:fillClrLst meth="repeat">
+      <a:schemeClr val="accent5"/>
+    </dgm:fillClrLst>
+    <dgm:linClrLst meth="repeat">
+      <a:schemeClr val="lt1"/>
+    </dgm:linClrLst>
+    <dgm:effectClrLst/>
+    <dgm:txLinClrLst/>
+    <dgm:txFillClrLst/>
+    <dgm:txEffectClrLst/>
+  </dgm:styleLbl>
+  <dgm:styleLbl name="asst2">
+    <dgm:fillClrLst meth="repeat">
+      <a:schemeClr val="accent5"/>
+    </dgm:fillClrLst>
+    <dgm:linClrLst meth="repeat">
+      <a:schemeClr val="lt1"/>
+    </dgm:linClrLst>
+    <dgm:effectClrLst/>
+    <dgm:txLinClrLst/>
+    <dgm:txFillClrLst/>
+    <dgm:txEffectClrLst/>
+  </dgm:styleLbl>
+  <dgm:styleLbl name="asst3">
+    <dgm:fillClrLst meth="repeat">
+      <a:schemeClr val="accent5"/>
+    </dgm:fillClrLst>
+    <dgm:linClrLst meth="repeat">
+      <a:schemeClr val="lt1"/>
+    </dgm:linClrLst>
+    <dgm:effectClrLst/>
+    <dgm:txLinClrLst/>
+    <dgm:txFillClrLst/>
+    <dgm:txEffectClrLst/>
+  </dgm:styleLbl>
+  <dgm:styleLbl name="asst4">
+    <dgm:fillClrLst meth="repeat">
+      <a:schemeClr val="accent5"/>
+    </dgm:fillClrLst>
+    <dgm:linClrLst meth="repeat">
+      <a:schemeClr val="lt1"/>
+    </dgm:linClrLst>
+    <dgm:effectClrLst/>
+    <dgm:txLinClrLst/>
+    <dgm:txFillClrLst/>
+    <dgm:txEffectClrLst/>
+  </dgm:styleLbl>
+  <dgm:styleLbl name="parChTrans2D1">
+    <dgm:fillClrLst meth="repeat">
+      <a:schemeClr val="accent5">
+        <a:tint val="60000"/>
+      </a:schemeClr>
+    </dgm:fillClrLst>
+    <dgm:linClrLst meth="repeat">
+      <a:schemeClr val="accent5">
+        <a:tint val="60000"/>
+      </a:schemeClr>
+    </dgm:linClrLst>
+    <dgm:effectClrLst/>
+    <dgm:txLinClrLst/>
+    <dgm:txFillClrLst meth="repeat">
+      <a:schemeClr val="lt1"/>
+    </dgm:txFillClrLst>
+    <dgm:txEffectClrLst/>
+  </dgm:styleLbl>
+  <dgm:styleLbl name="parChTrans2D2">
+    <dgm:fillClrLst meth="repeat">
+      <a:schemeClr val="accent5"/>
+    </dgm:fillClrLst>
+    <dgm:linClrLst meth="repeat">
+      <a:schemeClr val="accent5"/>
+    </dgm:linClrLst>
+    <dgm:effectClrLst/>
+    <dgm:txLinClrLst/>
+    <dgm:txFillClrLst meth="repeat">
+      <a:schemeClr val="lt1"/>
+    </dgm:txFillClrLst>
+    <dgm:txEffectClrLst/>
+  </dgm:styleLbl>
+  <dgm:styleLbl name="parChTrans2D3">
+    <dgm:fillClrLst meth="repeat">
+      <a:schemeClr val="accent5"/>
+    </dgm:fillClrLst>
+    <dgm:linClrLst meth="repeat">
+      <a:schemeClr val="accent5"/>
+    </dgm:linClrLst>
+    <dgm:effectClrLst/>
+    <dgm:txLinClrLst/>
+    <dgm:txFillClrLst meth="repeat">
+      <a:schemeClr val="lt1"/>
+    </dgm:txFillClrLst>
+    <dgm:txEffectClrLst/>
+  </dgm:styleLbl>
+  <dgm:styleLbl name="parChTrans2D4">
+    <dgm:fillClrLst meth="repeat">
+      <a:schemeClr val="accent5"/>
+    </dgm:fillClrLst>
+    <dgm:linClrLst meth="repeat">
+      <a:schemeClr val="accent5"/>
+    </dgm:linClrLst>
+    <dgm:effectClrLst/>
+    <dgm:txLinClrLst/>
+    <dgm:txFillClrLst meth="repeat">
+      <a:schemeClr val="lt1"/>
+    </dgm:txFillClrLst>
+    <dgm:txEffectClrLst/>
+  </dgm:styleLbl>
+  <dgm:styleLbl name="parChTrans1D1">
+    <dgm:fillClrLst meth="repeat">
+      <a:schemeClr val="accent5"/>
+    </dgm:fillClrLst>
+    <dgm:linClrLst meth="repeat">
+      <a:schemeClr val="accent5">
+        <a:shade val="60000"/>
+      </a:schemeClr>
+    </dgm:linClrLst>
+    <dgm:effectClrLst/>
+    <dgm:txLinClrLst/>
+    <dgm:txFillClrLst meth="repeat">
+      <a:schemeClr val="tx1"/>
+    </dgm:txFillClrLst>
+    <dgm:txEffectClrLst/>
+  </dgm:styleLbl>
+  <dgm:styleLbl name="parChTrans1D2">
+    <dgm:fillClrLst meth="repeat">
+      <a:schemeClr val="accent5"/>
+    </dgm:fillClrLst>
+    <dgm:linClrLst meth="repeat">
+      <a:schemeClr val="accent5">
+        <a:shade val="60000"/>
+      </a:schemeClr>
+    </dgm:linClrLst>
+    <dgm:effectClrLst/>
+    <dgm:txLinClrLst/>
+    <dgm:txFillClrLst meth="repeat">
+      <a:schemeClr val="tx1"/>
+    </dgm:txFillClrLst>
+    <dgm:txEffectClrLst/>
+  </dgm:styleLbl>
+  <dgm:styleLbl name="parChTrans1D3">
+    <dgm:fillClrLst meth="repeat">
+      <a:schemeClr val="accent5"/>
+    </dgm:fillClrLst>
+    <dgm:linClrLst meth="repeat">
+      <a:schemeClr val="accent5">
+        <a:shade val="80000"/>
+      </a:schemeClr>
+    </dgm:linClrLst>
+    <dgm:effectClrLst/>
+    <dgm:txLinClrLst/>
+    <dgm:txFillClrLst meth="repeat">
+      <a:schemeClr val="tx1"/>
+    </dgm:txFillClrLst>
+    <dgm:txEffectClrLst/>
+  </dgm:styleLbl>
+  <dgm:styleLbl name="parChTrans1D4">
+    <dgm:fillClrLst meth="repeat">
+      <a:schemeClr val="accent5"/>
+    </dgm:fillClrLst>
+    <dgm:linClrLst meth="repeat">
+      <a:schemeClr val="accent5">
+        <a:shade val="80000"/>
+      </a:schemeClr>
+    </dgm:linClrLst>
+    <dgm:effectClrLst/>
+    <dgm:txLinClrLst/>
+    <dgm:txFillClrLst meth="repeat">
+      <a:schemeClr val="tx1"/>
+    </dgm:txFillClrLst>
+    <dgm:txEffectClrLst/>
+  </dgm:styleLbl>
+  <dgm:styleLbl name="fgAcc1">
+    <dgm:fillClrLst meth="repeat">
+      <a:schemeClr val="lt1">
+        <a:alpha val="90000"/>
+      </a:schemeClr>
+    </dgm:fillClrLst>
+    <dgm:linClrLst meth="repeat">
+      <a:schemeClr val="accent5"/>
+    </dgm:linClrLst>
+    <dgm:effectClrLst/>
+    <dgm:txLinClrLst/>
+    <dgm:txFillClrLst meth="repeat">
+      <a:schemeClr val="dk1"/>
+    </dgm:txFillClrLst>
+    <dgm:txEffectClrLst/>
+  </dgm:styleLbl>
+  <dgm:styleLbl name="conFgAcc1">
+    <dgm:fillClrLst meth="repeat">
+      <a:schemeClr val="lt1">
+        <a:alpha val="90000"/>
+      </a:schemeClr>
+    </dgm:fillClrLst>
+    <dgm:linClrLst meth="repeat">
+      <a:schemeClr val="accent5"/>
+    </dgm:linClrLst>
+    <dgm:effectClrLst/>
+    <dgm:txLinClrLst/>
+    <dgm:txFillClrLst meth="repeat">
+      <a:schemeClr val="dk1"/>
+    </dgm:txFillClrLst>
+    <dgm:txEffectClrLst/>
+  </dgm:styleLbl>
+  <dgm:styleLbl name="alignAcc1">
+    <dgm:fillClrLst meth="repeat">
+      <a:schemeClr val="lt1">
+        <a:alpha val="90000"/>
+      </a:schemeClr>
+    </dgm:fillClrLst>
+    <dgm:linClrLst meth="repeat">
+      <a:schemeClr val="accent5"/>
+    </dgm:linClrLst>
+    <dgm:effectClrLst/>
+    <dgm:txLinClrLst/>
+    <dgm:txFillClrLst meth="repeat">
+      <a:schemeClr val="dk1"/>
+    </dgm:txFillClrLst>
+    <dgm:txEffectClrLst/>
+  </dgm:styleLbl>
+  <dgm:styleLbl name="trAlignAcc1">
+    <dgm:fillClrLst meth="repeat">
+      <a:schemeClr val="lt1">
+        <a:alpha val="40000"/>
+      </a:schemeClr>
+    </dgm:fillClrLst>
+    <dgm:linClrLst meth="repeat">
+      <a:schemeClr val="accent5"/>
+    </dgm:linClrLst>
+    <dgm:effectClrLst/>
+    <dgm:txLinClrLst/>
+    <dgm:txFillClrLst meth="repeat">
+      <a:schemeClr val="dk1"/>
+    </dgm:txFillClrLst>
+    <dgm:txEffectClrLst/>
+  </dgm:styleLbl>
+  <dgm:styleLbl name="bgAcc1">
+    <dgm:fillClrLst meth="repeat">
+      <a:schemeClr val="lt1">
+        <a:alpha val="90000"/>
+      </a:schemeClr>
+    </dgm:fillClrLst>
+    <dgm:linClrLst meth="repeat">
+      <a:schemeClr val="accent5"/>
+    </dgm:linClrLst>
+    <dgm:effectClrLst/>
+    <dgm:txLinClrLst/>
+    <dgm:txFillClrLst meth="repeat">
+      <a:schemeClr val="dk1"/>
+    </dgm:txFillClrLst>
+    <dgm:txEffectClrLst/>
+  </dgm:styleLbl>
+  <dgm:styleLbl name="solidFgAcc1">
+    <dgm:fillClrLst meth="repeat">
+      <a:schemeClr val="lt1"/>
+    </dgm:fillClrLst>
+    <dgm:linClrLst meth="repeat">
+      <a:schemeClr val="accent5"/>
+    </dgm:linClrLst>
+    <dgm:effectClrLst/>
+    <dgm:txLinClrLst/>
+    <dgm:txFillClrLst meth="repeat">
+      <a:schemeClr val="dk1"/>
+    </dgm:txFillClrLst>
+    <dgm:txEffectClrLst/>
+  </dgm:styleLbl>
+  <dgm:styleLbl name="solidAlignAcc1">
+    <dgm:fillClrLst meth="repeat">
+      <a:schemeClr val="lt1"/>
+    </dgm:fillClrLst>
+    <dgm:linClrLst meth="repeat">
+      <a:schemeClr val="accent5"/>
+    </dgm:linClrLst>
+    <dgm:effectClrLst/>
+    <dgm:txLinClrLst/>
+    <dgm:txFillClrLst meth="repeat">
+      <a:schemeClr val="dk1"/>
+    </dgm:txFillClrLst>
+    <dgm:txEffectClrLst/>
+  </dgm:styleLbl>
+  <dgm:styleLbl name="solidBgAcc1">
+    <dgm:fillClrLst meth="repeat">
+      <a:schemeClr val="lt1"/>
+    </dgm:fillClrLst>
+    <dgm:linClrLst meth="repeat">
+      <a:schemeClr val="accent5"/>
+    </dgm:linClrLst>
+    <dgm:effectClrLst/>
+    <dgm:txLinClrLst/>
+    <dgm:txFillClrLst meth="repeat">
+      <a:schemeClr val="dk1"/>
+    </dgm:txFillClrLst>
+    <dgm:txEffectClrLst/>
+  </dgm:styleLbl>
+  <dgm:styleLbl name="fgAccFollowNode1">
+    <dgm:fillClrLst meth="repeat">
+      <a:schemeClr val="accent5">
+        <a:alpha val="90000"/>
+        <a:tint val="40000"/>
+      </a:schemeClr>
+    </dgm:fillClrLst>
+    <dgm:linClrLst meth="repeat">
+      <a:schemeClr val="accent5">
+        <a:alpha val="90000"/>
+        <a:tint val="40000"/>
+      </a:schemeClr>
+    </dgm:linClrLst>
+    <dgm:effectClrLst/>
+    <dgm:txLinClrLst/>
+    <dgm:txFillClrLst meth="repeat">
+      <a:schemeClr val="dk1"/>
+    </dgm:txFillClrLst>
+    <dgm:txEffectClrLst/>
+  </dgm:styleLbl>
+  <dgm:styleLbl name="alignAccFollowNode1">
+    <dgm:fillClrLst meth="repeat">
+      <a:schemeClr val="accent5">
+        <a:alpha val="90000"/>
+        <a:tint val="40000"/>
+      </a:schemeClr>
+    </dgm:fillClrLst>
+    <dgm:linClrLst meth="repeat">
+      <a:schemeClr val="accent5">
+        <a:alpha val="90000"/>
+        <a:tint val="40000"/>
+      </a:schemeClr>
+    </dgm:linClrLst>
+    <dgm:effectClrLst/>
+    <dgm:txLinClrLst/>
+    <dgm:txFillClrLst meth="repeat">
+      <a:schemeClr val="dk1"/>
+    </dgm:txFillClrLst>
+    <dgm:txEffectClrLst/>
+  </dgm:styleLbl>
+  <dgm:styleLbl name="bgAccFollowNode1">
+    <dgm:fillClrLst meth="repeat">
+      <a:schemeClr val="accent5">
+        <a:alpha val="90000"/>
+        <a:tint val="40000"/>
+      </a:schemeClr>
+    </dgm:fillClrLst>
+    <dgm:linClrLst meth="repeat">
+      <a:schemeClr val="accent5">
+        <a:alpha val="90000"/>
+        <a:tint val="40000"/>
+      </a:schemeClr>
+    </dgm:linClrLst>
+    <dgm:effectClrLst/>
+    <dgm:txLinClrLst/>
+    <dgm:txFillClrLst meth="repeat">
+      <a:schemeClr val="dk1"/>
+    </dgm:txFillClrLst>
+    <dgm:txEffectClrLst/>
+  </dgm:styleLbl>
+  <dgm:styleLbl name="fgAcc0">
+    <dgm:fillClrLst meth="repeat">
+      <a:schemeClr val="lt1">
+        <a:alpha val="90000"/>
+      </a:schemeClr>
+    </dgm:fillClrLst>
+    <dgm:linClrLst meth="repeat">
+      <a:schemeClr val="accent5"/>
+    </dgm:linClrLst>
+    <dgm:effectClrLst/>
+    <dgm:txLinClrLst/>
+    <dgm:txFillClrLst meth="repeat">
+      <a:schemeClr val="dk1"/>
+    </dgm:txFillClrLst>
+    <dgm:txEffectClrLst/>
+  </dgm:styleLbl>
+  <dgm:styleLbl name="fgAcc2">
+    <dgm:fillClrLst meth="repeat">
+      <a:schemeClr val="lt1">
+        <a:alpha val="90000"/>
+      </a:schemeClr>
+    </dgm:fillClrLst>
+    <dgm:linClrLst meth="repeat">
+      <a:schemeClr val="accent5"/>
+    </dgm:linClrLst>
+    <dgm:effectClrLst/>
+    <dgm:txLinClrLst/>
+    <dgm:txFillClrLst meth="repeat">
+      <a:schemeClr val="dk1"/>
+    </dgm:txFillClrLst>
+    <dgm:txEffectClrLst/>
+  </dgm:styleLbl>
+  <dgm:styleLbl name="fgAcc3">
+    <dgm:fillClrLst meth="repeat">
+      <a:schemeClr val="lt1">
+        <a:alpha val="90000"/>
+      </a:schemeClr>
+    </dgm:fillClrLst>
+    <dgm:linClrLst meth="repeat">
+      <a:schemeClr val="accent5"/>
+    </dgm:linClrLst>
+    <dgm:effectClrLst/>
+    <dgm:txLinClrLst/>
+    <dgm:txFillClrLst meth="repeat">
+      <a:schemeClr val="dk1"/>
+    </dgm:txFillClrLst>
+    <dgm:txEffectClrLst/>
+  </dgm:styleLbl>
+  <dgm:styleLbl name="fgAcc4">
+    <dgm:fillClrLst meth="repeat">
+      <a:schemeClr val="lt1">
+        <a:alpha val="90000"/>
+      </a:schemeClr>
+    </dgm:fillClrLst>
+    <dgm:linClrLst meth="repeat">
+      <a:schemeClr val="accent5"/>
+    </dgm:linClrLst>
+    <dgm:effectClrLst/>
+    <dgm:txLinClrLst/>
+    <dgm:txFillClrLst meth="repeat">
+      <a:schemeClr val="dk1"/>
+    </dgm:txFillClrLst>
+    <dgm:txEffectClrLst/>
+  </dgm:styleLbl>
+  <dgm:styleLbl name="bgShp">
+    <dgm:fillClrLst meth="repeat">
+      <a:schemeClr val="accent5">
+        <a:tint val="40000"/>
+      </a:schemeClr>
+    </dgm:fillClrLst>
+    <dgm:linClrLst meth="repeat">
+      <a:schemeClr val="accent5"/>
+    </dgm:linClrLst>
+    <dgm:effectClrLst/>
+    <dgm:txLinClrLst/>
+    <dgm:txFillClrLst meth="repeat">
+      <a:schemeClr val="dk1"/>
+    </dgm:txFillClrLst>
+    <dgm:txEffectClrLst/>
+  </dgm:styleLbl>
+  <dgm:styleLbl name="dkBgShp">
+    <dgm:fillClrLst meth="repeat">
+      <a:schemeClr val="accent5">
+        <a:shade val="80000"/>
+      </a:schemeClr>
+    </dgm:fillClrLst>
+    <dgm:linClrLst meth="repeat">
+      <a:schemeClr val="accent5"/>
+    </dgm:linClrLst>
+    <dgm:effectClrLst/>
+    <dgm:txLinClrLst/>
+    <dgm:txFillClrLst meth="repeat">
+      <a:schemeClr val="lt1"/>
+    </dgm:txFillClrLst>
+    <dgm:txEffectClrLst/>
+  </dgm:styleLbl>
+  <dgm:styleLbl name="trBgShp">
+    <dgm:fillClrLst meth="repeat">
+      <a:schemeClr val="accent5">
+        <a:tint val="50000"/>
+        <a:alpha val="40000"/>
+      </a:schemeClr>
+    </dgm:fillClrLst>
+    <dgm:linClrLst meth="repeat">
+      <a:schemeClr val="accent5"/>
+    </dgm:linClrLst>
+    <dgm:effectClrLst/>
+    <dgm:txLinClrLst/>
+    <dgm:txFillClrLst meth="repeat">
+      <a:schemeClr val="lt1"/>
+    </dgm:txFillClrLst>
+    <dgm:txEffectClrLst/>
+  </dgm:styleLbl>
+  <dgm:styleLbl name="fgShp">
+    <dgm:fillClrLst meth="repeat">
+      <a:schemeClr val="accent5">
+        <a:tint val="60000"/>
+      </a:schemeClr>
+    </dgm:fillClrLst>
+    <dgm:linClrLst meth="repeat">
+      <a:schemeClr val="lt1"/>
+    </dgm:linClrLst>
+    <dgm:effectClrLst/>
+    <dgm:txLinClrLst/>
+    <dgm:txFillClrLst meth="repeat">
+      <a:schemeClr val="dk1"/>
+    </dgm:txFillClrLst>
+    <dgm:txEffectClrLst/>
+  </dgm:styleLbl>
+  <dgm:styleLbl name="revTx">
+    <dgm:fillClrLst meth="repeat">
+      <a:schemeClr val="lt1">
+        <a:alpha val="0"/>
+      </a:schemeClr>
+    </dgm:fillClrLst>
+    <dgm:linClrLst meth="repeat">
+      <a:schemeClr val="dk1">
+        <a:alpha val="0"/>
+      </a:schemeClr>
+    </dgm:linClrLst>
+    <dgm:effectClrLst/>
+    <dgm:txLinClrLst/>
+    <dgm:txFillClrLst meth="repeat">
+      <a:schemeClr val="tx1"/>
+    </dgm:txFillClrLst>
+    <dgm:txEffectClrLst/>
+  </dgm:styleLbl>
+</dgm:colorsDef>
+</file>
+
+<file path=ppt/diagrams/colors5.xml><?xml version="1.0" encoding="utf-8"?>
 <dgm:colorsDef xmlns:dgm="http://schemas.openxmlformats.org/drawingml/2006/diagram" xmlns:a="http://schemas.openxmlformats.org/drawingml/2006/main" uniqueId="urn:microsoft.com/office/officeart/2005/8/colors/colorful1">
   <dgm:title val=""/>
   <dgm:desc val=""/>
@@ -2009,6 +4250,687 @@
 </file>
 
 <file path=ppt/diagrams/data2.xml><?xml version="1.0" encoding="utf-8"?>
+<dgm:dataModel xmlns:dgm="http://schemas.openxmlformats.org/drawingml/2006/diagram" xmlns:a="http://schemas.openxmlformats.org/drawingml/2006/main">
+  <dgm:ptLst>
+    <dgm:pt modelId="{20D0F526-34CA-47DA-8F5E-5798D2FD4CEC}" type="doc">
+      <dgm:prSet loTypeId="urn:microsoft.com/office/officeart/2005/8/layout/process3" loCatId="process" qsTypeId="urn:microsoft.com/office/officeart/2005/8/quickstyle/simple5" qsCatId="simple" csTypeId="urn:microsoft.com/office/officeart/2005/8/colors/accent5_2" csCatId="accent5" phldr="1"/>
+      <dgm:spPr/>
+      <dgm:t>
+        <a:bodyPr/>
+        <a:lstStyle/>
+        <a:p>
+          <a:endParaRPr lang="de-DE"/>
+        </a:p>
+      </dgm:t>
+    </dgm:pt>
+    <dgm:pt modelId="{6AC3DC26-2056-4F64-80E0-554D0E189ABB}">
+      <dgm:prSet phldrT="[Text]"/>
+      <dgm:spPr>
+        <a:solidFill>
+          <a:srgbClr val="105385"/>
+        </a:solidFill>
+      </dgm:spPr>
+      <dgm:t>
+        <a:bodyPr/>
+        <a:lstStyle/>
+        <a:p>
+          <a:r>
+            <a:rPr lang="de-DE" dirty="0"/>
+            <a:t>Vision</a:t>
+          </a:r>
+        </a:p>
+      </dgm:t>
+    </dgm:pt>
+    <dgm:pt modelId="{AA96D068-3EE7-4968-9251-2A3CF15D1F80}" type="parTrans" cxnId="{9EBA8EF5-E752-493B-B97C-6798721B5542}">
+      <dgm:prSet/>
+      <dgm:spPr/>
+      <dgm:t>
+        <a:bodyPr/>
+        <a:lstStyle/>
+        <a:p>
+          <a:endParaRPr lang="de-DE"/>
+        </a:p>
+      </dgm:t>
+    </dgm:pt>
+    <dgm:pt modelId="{74A74AA2-EDF0-4D40-978E-4FFDFBBF3627}" type="sibTrans" cxnId="{9EBA8EF5-E752-493B-B97C-6798721B5542}">
+      <dgm:prSet/>
+      <dgm:spPr/>
+      <dgm:t>
+        <a:bodyPr/>
+        <a:lstStyle/>
+        <a:p>
+          <a:endParaRPr lang="de-DE"/>
+        </a:p>
+      </dgm:t>
+    </dgm:pt>
+    <dgm:pt modelId="{6F35E23E-3443-47E5-9D69-35DD44C6D6A0}">
+      <dgm:prSet phldrT="[Text]"/>
+      <dgm:spPr>
+        <a:ln>
+          <a:solidFill>
+            <a:srgbClr val="105589"/>
+          </a:solidFill>
+        </a:ln>
+      </dgm:spPr>
+      <dgm:t>
+        <a:bodyPr/>
+        <a:lstStyle/>
+        <a:p>
+          <a:pPr>
+            <a:buFont typeface="Arial" panose="020B0604020202020204" pitchFamily="34" charset="0"/>
+            <a:buChar char="•"/>
+          </a:pPr>
+          <a:r>
+            <a:rPr lang="de-DE" dirty="0"/>
+            <a:t>Editierbares Sensorintervalle</a:t>
+          </a:r>
+        </a:p>
+      </dgm:t>
+    </dgm:pt>
+    <dgm:pt modelId="{7D491415-4DFB-4C66-8FEC-467722980FA8}" type="parTrans" cxnId="{CE35BE63-8436-478E-B57C-C6727FB8B9FC}">
+      <dgm:prSet/>
+      <dgm:spPr/>
+      <dgm:t>
+        <a:bodyPr/>
+        <a:lstStyle/>
+        <a:p>
+          <a:endParaRPr lang="de-DE"/>
+        </a:p>
+      </dgm:t>
+    </dgm:pt>
+    <dgm:pt modelId="{8ADAD9D1-15FC-4CF1-8E2C-FFD491C098FD}" type="sibTrans" cxnId="{CE35BE63-8436-478E-B57C-C6727FB8B9FC}">
+      <dgm:prSet/>
+      <dgm:spPr/>
+      <dgm:t>
+        <a:bodyPr/>
+        <a:lstStyle/>
+        <a:p>
+          <a:endParaRPr lang="de-DE"/>
+        </a:p>
+      </dgm:t>
+    </dgm:pt>
+    <dgm:pt modelId="{96DA4DD5-C369-4CBA-8E8F-7FF9B3A19FD8}">
+      <dgm:prSet phldrT="[Text]"/>
+      <dgm:spPr>
+        <a:ln>
+          <a:solidFill>
+            <a:srgbClr val="105589"/>
+          </a:solidFill>
+        </a:ln>
+      </dgm:spPr>
+      <dgm:t>
+        <a:bodyPr/>
+        <a:lstStyle/>
+        <a:p>
+          <a:pPr>
+            <a:buFont typeface="Arial" panose="020B0604020202020204" pitchFamily="34" charset="0"/>
+            <a:buChar char="•"/>
+          </a:pPr>
+          <a:r>
+            <a:rPr lang="de-DE" dirty="0"/>
+            <a:t>Liste an verfügbaren Sensoren</a:t>
+          </a:r>
+        </a:p>
+      </dgm:t>
+    </dgm:pt>
+    <dgm:pt modelId="{0684C2A6-5003-4B74-B3B2-EF706C803DA9}" type="parTrans" cxnId="{58764C3D-846E-45CA-B5A6-99650AE26D8A}">
+      <dgm:prSet/>
+      <dgm:spPr/>
+      <dgm:t>
+        <a:bodyPr/>
+        <a:lstStyle/>
+        <a:p>
+          <a:endParaRPr lang="en-DE"/>
+        </a:p>
+      </dgm:t>
+    </dgm:pt>
+    <dgm:pt modelId="{AE641E30-6C36-4886-B702-8EF53E951020}" type="sibTrans" cxnId="{58764C3D-846E-45CA-B5A6-99650AE26D8A}">
+      <dgm:prSet/>
+      <dgm:spPr/>
+      <dgm:t>
+        <a:bodyPr/>
+        <a:lstStyle/>
+        <a:p>
+          <a:endParaRPr lang="en-DE"/>
+        </a:p>
+      </dgm:t>
+    </dgm:pt>
+    <dgm:pt modelId="{E2D2E959-4F62-4667-9A4E-6E432927AE31}" type="pres">
+      <dgm:prSet presAssocID="{20D0F526-34CA-47DA-8F5E-5798D2FD4CEC}" presName="linearFlow" presStyleCnt="0">
+        <dgm:presLayoutVars>
+          <dgm:dir/>
+          <dgm:animLvl val="lvl"/>
+          <dgm:resizeHandles val="exact"/>
+        </dgm:presLayoutVars>
+      </dgm:prSet>
+      <dgm:spPr/>
+    </dgm:pt>
+    <dgm:pt modelId="{8020265C-65CE-4E2E-A144-A8FE1A69E936}" type="pres">
+      <dgm:prSet presAssocID="{6AC3DC26-2056-4F64-80E0-554D0E189ABB}" presName="composite" presStyleCnt="0"/>
+      <dgm:spPr/>
+    </dgm:pt>
+    <dgm:pt modelId="{687BDDD7-893B-4C71-9844-3824E5609744}" type="pres">
+      <dgm:prSet presAssocID="{6AC3DC26-2056-4F64-80E0-554D0E189ABB}" presName="parTx" presStyleLbl="node1" presStyleIdx="0" presStyleCnt="1">
+        <dgm:presLayoutVars>
+          <dgm:chMax val="0"/>
+          <dgm:chPref val="0"/>
+          <dgm:bulletEnabled val="1"/>
+        </dgm:presLayoutVars>
+      </dgm:prSet>
+      <dgm:spPr/>
+    </dgm:pt>
+    <dgm:pt modelId="{8CD84617-E39D-4141-B5BB-CC63958ECE8D}" type="pres">
+      <dgm:prSet presAssocID="{6AC3DC26-2056-4F64-80E0-554D0E189ABB}" presName="parSh" presStyleLbl="node1" presStyleIdx="0" presStyleCnt="1"/>
+      <dgm:spPr/>
+    </dgm:pt>
+    <dgm:pt modelId="{A855D974-2B66-4AD1-9F0E-AB402070EE2E}" type="pres">
+      <dgm:prSet presAssocID="{6AC3DC26-2056-4F64-80E0-554D0E189ABB}" presName="desTx" presStyleLbl="fgAcc1" presStyleIdx="0" presStyleCnt="1">
+        <dgm:presLayoutVars>
+          <dgm:bulletEnabled val="1"/>
+        </dgm:presLayoutVars>
+      </dgm:prSet>
+      <dgm:spPr/>
+    </dgm:pt>
+  </dgm:ptLst>
+  <dgm:cxnLst>
+    <dgm:cxn modelId="{5983DA24-9E42-47E9-B9B7-3176C17F346B}" type="presOf" srcId="{96DA4DD5-C369-4CBA-8E8F-7FF9B3A19FD8}" destId="{A855D974-2B66-4AD1-9F0E-AB402070EE2E}" srcOrd="0" destOrd="1" presId="urn:microsoft.com/office/officeart/2005/8/layout/process3"/>
+    <dgm:cxn modelId="{58764C3D-846E-45CA-B5A6-99650AE26D8A}" srcId="{6AC3DC26-2056-4F64-80E0-554D0E189ABB}" destId="{96DA4DD5-C369-4CBA-8E8F-7FF9B3A19FD8}" srcOrd="1" destOrd="0" parTransId="{0684C2A6-5003-4B74-B3B2-EF706C803DA9}" sibTransId="{AE641E30-6C36-4886-B702-8EF53E951020}"/>
+    <dgm:cxn modelId="{CE35BE63-8436-478E-B57C-C6727FB8B9FC}" srcId="{6AC3DC26-2056-4F64-80E0-554D0E189ABB}" destId="{6F35E23E-3443-47E5-9D69-35DD44C6D6A0}" srcOrd="0" destOrd="0" parTransId="{7D491415-4DFB-4C66-8FEC-467722980FA8}" sibTransId="{8ADAD9D1-15FC-4CF1-8E2C-FFD491C098FD}"/>
+    <dgm:cxn modelId="{48F2C571-829E-4666-9909-4A65737B49E2}" type="presOf" srcId="{6F35E23E-3443-47E5-9D69-35DD44C6D6A0}" destId="{A855D974-2B66-4AD1-9F0E-AB402070EE2E}" srcOrd="0" destOrd="0" presId="urn:microsoft.com/office/officeart/2005/8/layout/process3"/>
+    <dgm:cxn modelId="{F91D4774-3FC1-42C3-8F9F-7DFD8FEE6921}" type="presOf" srcId="{6AC3DC26-2056-4F64-80E0-554D0E189ABB}" destId="{8CD84617-E39D-4141-B5BB-CC63958ECE8D}" srcOrd="1" destOrd="0" presId="urn:microsoft.com/office/officeart/2005/8/layout/process3"/>
+    <dgm:cxn modelId="{950F25C4-12D6-4C99-9147-15842F9D0071}" type="presOf" srcId="{6AC3DC26-2056-4F64-80E0-554D0E189ABB}" destId="{687BDDD7-893B-4C71-9844-3824E5609744}" srcOrd="0" destOrd="0" presId="urn:microsoft.com/office/officeart/2005/8/layout/process3"/>
+    <dgm:cxn modelId="{FE6C04CD-248F-46F9-9434-D2E0A5D2E4D3}" type="presOf" srcId="{20D0F526-34CA-47DA-8F5E-5798D2FD4CEC}" destId="{E2D2E959-4F62-4667-9A4E-6E432927AE31}" srcOrd="0" destOrd="0" presId="urn:microsoft.com/office/officeart/2005/8/layout/process3"/>
+    <dgm:cxn modelId="{9EBA8EF5-E752-493B-B97C-6798721B5542}" srcId="{20D0F526-34CA-47DA-8F5E-5798D2FD4CEC}" destId="{6AC3DC26-2056-4F64-80E0-554D0E189ABB}" srcOrd="0" destOrd="0" parTransId="{AA96D068-3EE7-4968-9251-2A3CF15D1F80}" sibTransId="{74A74AA2-EDF0-4D40-978E-4FFDFBBF3627}"/>
+    <dgm:cxn modelId="{4C2710EC-3FB0-413B-9EDB-F140CB28FE17}" type="presParOf" srcId="{E2D2E959-4F62-4667-9A4E-6E432927AE31}" destId="{8020265C-65CE-4E2E-A144-A8FE1A69E936}" srcOrd="0" destOrd="0" presId="urn:microsoft.com/office/officeart/2005/8/layout/process3"/>
+    <dgm:cxn modelId="{47FF566C-9EBC-4503-8B58-78CEC7427D48}" type="presParOf" srcId="{8020265C-65CE-4E2E-A144-A8FE1A69E936}" destId="{687BDDD7-893B-4C71-9844-3824E5609744}" srcOrd="0" destOrd="0" presId="urn:microsoft.com/office/officeart/2005/8/layout/process3"/>
+    <dgm:cxn modelId="{4042A00F-0A90-45CC-BBCB-5B589BF4471C}" type="presParOf" srcId="{8020265C-65CE-4E2E-A144-A8FE1A69E936}" destId="{8CD84617-E39D-4141-B5BB-CC63958ECE8D}" srcOrd="1" destOrd="0" presId="urn:microsoft.com/office/officeart/2005/8/layout/process3"/>
+    <dgm:cxn modelId="{B4284C8F-42E6-4B2E-8C72-3B5B1D22DBC0}" type="presParOf" srcId="{8020265C-65CE-4E2E-A144-A8FE1A69E936}" destId="{A855D974-2B66-4AD1-9F0E-AB402070EE2E}" srcOrd="2" destOrd="0" presId="urn:microsoft.com/office/officeart/2005/8/layout/process3"/>
+  </dgm:cxnLst>
+  <dgm:bg/>
+  <dgm:whole/>
+  <dgm:extLst>
+    <a:ext uri="http://schemas.microsoft.com/office/drawing/2008/diagram">
+      <dsp:dataModelExt xmlns:dsp="http://schemas.microsoft.com/office/drawing/2008/diagram" relId="rId8" minVer="http://schemas.openxmlformats.org/drawingml/2006/diagram"/>
+    </a:ext>
+  </dgm:extLst>
+</dgm:dataModel>
+</file>
+
+<file path=ppt/diagrams/data3.xml><?xml version="1.0" encoding="utf-8"?>
+<dgm:dataModel xmlns:dgm="http://schemas.openxmlformats.org/drawingml/2006/diagram" xmlns:a="http://schemas.openxmlformats.org/drawingml/2006/main">
+  <dgm:ptLst>
+    <dgm:pt modelId="{20D0F526-34CA-47DA-8F5E-5798D2FD4CEC}" type="doc">
+      <dgm:prSet loTypeId="urn:microsoft.com/office/officeart/2005/8/layout/process3" loCatId="process" qsTypeId="urn:microsoft.com/office/officeart/2005/8/quickstyle/simple5" qsCatId="simple" csTypeId="urn:microsoft.com/office/officeart/2005/8/colors/accent5_2" csCatId="accent5" phldr="1"/>
+      <dgm:spPr/>
+      <dgm:t>
+        <a:bodyPr/>
+        <a:lstStyle/>
+        <a:p>
+          <a:endParaRPr lang="de-DE"/>
+        </a:p>
+      </dgm:t>
+    </dgm:pt>
+    <dgm:pt modelId="{6AC3DC26-2056-4F64-80E0-554D0E189ABB}">
+      <dgm:prSet phldrT="[Text]"/>
+      <dgm:spPr>
+        <a:solidFill>
+          <a:srgbClr val="105385"/>
+        </a:solidFill>
+      </dgm:spPr>
+      <dgm:t>
+        <a:bodyPr/>
+        <a:lstStyle/>
+        <a:p>
+          <a:r>
+            <a:rPr lang="de-DE" dirty="0"/>
+            <a:t>Vision</a:t>
+          </a:r>
+        </a:p>
+      </dgm:t>
+    </dgm:pt>
+    <dgm:pt modelId="{AA96D068-3EE7-4968-9251-2A3CF15D1F80}" type="parTrans" cxnId="{9EBA8EF5-E752-493B-B97C-6798721B5542}">
+      <dgm:prSet/>
+      <dgm:spPr/>
+      <dgm:t>
+        <a:bodyPr/>
+        <a:lstStyle/>
+        <a:p>
+          <a:endParaRPr lang="de-DE"/>
+        </a:p>
+      </dgm:t>
+    </dgm:pt>
+    <dgm:pt modelId="{74A74AA2-EDF0-4D40-978E-4FFDFBBF3627}" type="sibTrans" cxnId="{9EBA8EF5-E752-493B-B97C-6798721B5542}">
+      <dgm:prSet/>
+      <dgm:spPr/>
+      <dgm:t>
+        <a:bodyPr/>
+        <a:lstStyle/>
+        <a:p>
+          <a:endParaRPr lang="de-DE"/>
+        </a:p>
+      </dgm:t>
+    </dgm:pt>
+    <dgm:pt modelId="{6F35E23E-3443-47E5-9D69-35DD44C6D6A0}">
+      <dgm:prSet phldrT="[Text]"/>
+      <dgm:spPr>
+        <a:ln>
+          <a:solidFill>
+            <a:srgbClr val="105589"/>
+          </a:solidFill>
+        </a:ln>
+      </dgm:spPr>
+      <dgm:t>
+        <a:bodyPr/>
+        <a:lstStyle/>
+        <a:p>
+          <a:pPr>
+            <a:buFont typeface="Arial" panose="020B0604020202020204" pitchFamily="34" charset="0"/>
+            <a:buChar char="•"/>
+          </a:pPr>
+          <a:r>
+            <a:rPr lang="de-DE" dirty="0"/>
+            <a:t>FPF ausgestattet mit Kameras</a:t>
+          </a:r>
+        </a:p>
+      </dgm:t>
+    </dgm:pt>
+    <dgm:pt modelId="{7D491415-4DFB-4C66-8FEC-467722980FA8}" type="parTrans" cxnId="{CE35BE63-8436-478E-B57C-C6727FB8B9FC}">
+      <dgm:prSet/>
+      <dgm:spPr/>
+      <dgm:t>
+        <a:bodyPr/>
+        <a:lstStyle/>
+        <a:p>
+          <a:endParaRPr lang="de-DE"/>
+        </a:p>
+      </dgm:t>
+    </dgm:pt>
+    <dgm:pt modelId="{8ADAD9D1-15FC-4CF1-8E2C-FFD491C098FD}" type="sibTrans" cxnId="{CE35BE63-8436-478E-B57C-C6727FB8B9FC}">
+      <dgm:prSet/>
+      <dgm:spPr/>
+      <dgm:t>
+        <a:bodyPr/>
+        <a:lstStyle/>
+        <a:p>
+          <a:endParaRPr lang="de-DE"/>
+        </a:p>
+      </dgm:t>
+    </dgm:pt>
+    <dgm:pt modelId="{882B20FE-4C32-4ED9-BAC9-5ACFD61032A6}">
+      <dgm:prSet/>
+      <dgm:spPr>
+        <a:ln>
+          <a:solidFill>
+            <a:srgbClr val="105589"/>
+          </a:solidFill>
+        </a:ln>
+      </dgm:spPr>
+      <dgm:t>
+        <a:bodyPr/>
+        <a:lstStyle/>
+        <a:p>
+          <a:r>
+            <a:rPr lang="de-DE" dirty="0"/>
+            <a:t>Foto- und Videofunktion</a:t>
+          </a:r>
+        </a:p>
+      </dgm:t>
+    </dgm:pt>
+    <dgm:pt modelId="{420A662D-6FFB-4433-9B90-1DCCD4ABF0BA}" type="parTrans" cxnId="{A8001E3B-F426-4CED-9624-99E9FACC6A7F}">
+      <dgm:prSet/>
+      <dgm:spPr/>
+      <dgm:t>
+        <a:bodyPr/>
+        <a:lstStyle/>
+        <a:p>
+          <a:endParaRPr lang="de-DE"/>
+        </a:p>
+      </dgm:t>
+    </dgm:pt>
+    <dgm:pt modelId="{A02C5D21-6245-41B0-B91F-056F27FD34CC}" type="sibTrans" cxnId="{A8001E3B-F426-4CED-9624-99E9FACC6A7F}">
+      <dgm:prSet/>
+      <dgm:spPr/>
+      <dgm:t>
+        <a:bodyPr/>
+        <a:lstStyle/>
+        <a:p>
+          <a:endParaRPr lang="de-DE"/>
+        </a:p>
+      </dgm:t>
+    </dgm:pt>
+    <dgm:pt modelId="{368CE61F-B02B-45CA-9BEE-957C2986A6DA}">
+      <dgm:prSet/>
+      <dgm:spPr>
+        <a:ln>
+          <a:solidFill>
+            <a:srgbClr val="105589"/>
+          </a:solidFill>
+        </a:ln>
+      </dgm:spPr>
+      <dgm:t>
+        <a:bodyPr/>
+        <a:lstStyle/>
+        <a:p>
+          <a:r>
+            <a:rPr lang="de-DE" dirty="0"/>
+            <a:t>HTTP und RTSP Unterstützung</a:t>
+          </a:r>
+        </a:p>
+      </dgm:t>
+    </dgm:pt>
+    <dgm:pt modelId="{02E19625-8619-4898-810A-B016D3C1C94D}" type="parTrans" cxnId="{B36C3A7E-0C2F-4D79-B7FB-71BA55C37D28}">
+      <dgm:prSet/>
+      <dgm:spPr/>
+      <dgm:t>
+        <a:bodyPr/>
+        <a:lstStyle/>
+        <a:p>
+          <a:endParaRPr lang="en-DE"/>
+        </a:p>
+      </dgm:t>
+    </dgm:pt>
+    <dgm:pt modelId="{83A1C2CA-D1F9-4512-AB63-67D75334E57F}" type="sibTrans" cxnId="{B36C3A7E-0C2F-4D79-B7FB-71BA55C37D28}">
+      <dgm:prSet/>
+      <dgm:spPr/>
+      <dgm:t>
+        <a:bodyPr/>
+        <a:lstStyle/>
+        <a:p>
+          <a:endParaRPr lang="en-DE"/>
+        </a:p>
+      </dgm:t>
+    </dgm:pt>
+    <dgm:pt modelId="{E2D2E959-4F62-4667-9A4E-6E432927AE31}" type="pres">
+      <dgm:prSet presAssocID="{20D0F526-34CA-47DA-8F5E-5798D2FD4CEC}" presName="linearFlow" presStyleCnt="0">
+        <dgm:presLayoutVars>
+          <dgm:dir/>
+          <dgm:animLvl val="lvl"/>
+          <dgm:resizeHandles val="exact"/>
+        </dgm:presLayoutVars>
+      </dgm:prSet>
+      <dgm:spPr/>
+    </dgm:pt>
+    <dgm:pt modelId="{8020265C-65CE-4E2E-A144-A8FE1A69E936}" type="pres">
+      <dgm:prSet presAssocID="{6AC3DC26-2056-4F64-80E0-554D0E189ABB}" presName="composite" presStyleCnt="0"/>
+      <dgm:spPr/>
+    </dgm:pt>
+    <dgm:pt modelId="{687BDDD7-893B-4C71-9844-3824E5609744}" type="pres">
+      <dgm:prSet presAssocID="{6AC3DC26-2056-4F64-80E0-554D0E189ABB}" presName="parTx" presStyleLbl="node1" presStyleIdx="0" presStyleCnt="1">
+        <dgm:presLayoutVars>
+          <dgm:chMax val="0"/>
+          <dgm:chPref val="0"/>
+          <dgm:bulletEnabled val="1"/>
+        </dgm:presLayoutVars>
+      </dgm:prSet>
+      <dgm:spPr/>
+    </dgm:pt>
+    <dgm:pt modelId="{8CD84617-E39D-4141-B5BB-CC63958ECE8D}" type="pres">
+      <dgm:prSet presAssocID="{6AC3DC26-2056-4F64-80E0-554D0E189ABB}" presName="parSh" presStyleLbl="node1" presStyleIdx="0" presStyleCnt="1"/>
+      <dgm:spPr/>
+    </dgm:pt>
+    <dgm:pt modelId="{A855D974-2B66-4AD1-9F0E-AB402070EE2E}" type="pres">
+      <dgm:prSet presAssocID="{6AC3DC26-2056-4F64-80E0-554D0E189ABB}" presName="desTx" presStyleLbl="fgAcc1" presStyleIdx="0" presStyleCnt="1">
+        <dgm:presLayoutVars>
+          <dgm:bulletEnabled val="1"/>
+        </dgm:presLayoutVars>
+      </dgm:prSet>
+      <dgm:spPr/>
+    </dgm:pt>
+  </dgm:ptLst>
+  <dgm:cxnLst>
+    <dgm:cxn modelId="{A8001E3B-F426-4CED-9624-99E9FACC6A7F}" srcId="{6AC3DC26-2056-4F64-80E0-554D0E189ABB}" destId="{882B20FE-4C32-4ED9-BAC9-5ACFD61032A6}" srcOrd="1" destOrd="0" parTransId="{420A662D-6FFB-4433-9B90-1DCCD4ABF0BA}" sibTransId="{A02C5D21-6245-41B0-B91F-056F27FD34CC}"/>
+    <dgm:cxn modelId="{CE35BE63-8436-478E-B57C-C6727FB8B9FC}" srcId="{6AC3DC26-2056-4F64-80E0-554D0E189ABB}" destId="{6F35E23E-3443-47E5-9D69-35DD44C6D6A0}" srcOrd="0" destOrd="0" parTransId="{7D491415-4DFB-4C66-8FEC-467722980FA8}" sibTransId="{8ADAD9D1-15FC-4CF1-8E2C-FFD491C098FD}"/>
+    <dgm:cxn modelId="{48F2C571-829E-4666-9909-4A65737B49E2}" type="presOf" srcId="{6F35E23E-3443-47E5-9D69-35DD44C6D6A0}" destId="{A855D974-2B66-4AD1-9F0E-AB402070EE2E}" srcOrd="0" destOrd="0" presId="urn:microsoft.com/office/officeart/2005/8/layout/process3"/>
+    <dgm:cxn modelId="{F91D4774-3FC1-42C3-8F9F-7DFD8FEE6921}" type="presOf" srcId="{6AC3DC26-2056-4F64-80E0-554D0E189ABB}" destId="{8CD84617-E39D-4141-B5BB-CC63958ECE8D}" srcOrd="1" destOrd="0" presId="urn:microsoft.com/office/officeart/2005/8/layout/process3"/>
+    <dgm:cxn modelId="{B36C3A7E-0C2F-4D79-B7FB-71BA55C37D28}" srcId="{6AC3DC26-2056-4F64-80E0-554D0E189ABB}" destId="{368CE61F-B02B-45CA-9BEE-957C2986A6DA}" srcOrd="2" destOrd="0" parTransId="{02E19625-8619-4898-810A-B016D3C1C94D}" sibTransId="{83A1C2CA-D1F9-4512-AB63-67D75334E57F}"/>
+    <dgm:cxn modelId="{B5BB9B98-EBD1-43C1-A105-5700D5B298BE}" type="presOf" srcId="{882B20FE-4C32-4ED9-BAC9-5ACFD61032A6}" destId="{A855D974-2B66-4AD1-9F0E-AB402070EE2E}" srcOrd="0" destOrd="1" presId="urn:microsoft.com/office/officeart/2005/8/layout/process3"/>
+    <dgm:cxn modelId="{950F25C4-12D6-4C99-9147-15842F9D0071}" type="presOf" srcId="{6AC3DC26-2056-4F64-80E0-554D0E189ABB}" destId="{687BDDD7-893B-4C71-9844-3824E5609744}" srcOrd="0" destOrd="0" presId="urn:microsoft.com/office/officeart/2005/8/layout/process3"/>
+    <dgm:cxn modelId="{FE6C04CD-248F-46F9-9434-D2E0A5D2E4D3}" type="presOf" srcId="{20D0F526-34CA-47DA-8F5E-5798D2FD4CEC}" destId="{E2D2E959-4F62-4667-9A4E-6E432927AE31}" srcOrd="0" destOrd="0" presId="urn:microsoft.com/office/officeart/2005/8/layout/process3"/>
+    <dgm:cxn modelId="{500282E9-C699-4381-8AF6-AE1A5EA0EA8A}" type="presOf" srcId="{368CE61F-B02B-45CA-9BEE-957C2986A6DA}" destId="{A855D974-2B66-4AD1-9F0E-AB402070EE2E}" srcOrd="0" destOrd="2" presId="urn:microsoft.com/office/officeart/2005/8/layout/process3"/>
+    <dgm:cxn modelId="{9EBA8EF5-E752-493B-B97C-6798721B5542}" srcId="{20D0F526-34CA-47DA-8F5E-5798D2FD4CEC}" destId="{6AC3DC26-2056-4F64-80E0-554D0E189ABB}" srcOrd="0" destOrd="0" parTransId="{AA96D068-3EE7-4968-9251-2A3CF15D1F80}" sibTransId="{74A74AA2-EDF0-4D40-978E-4FFDFBBF3627}"/>
+    <dgm:cxn modelId="{4C2710EC-3FB0-413B-9EDB-F140CB28FE17}" type="presParOf" srcId="{E2D2E959-4F62-4667-9A4E-6E432927AE31}" destId="{8020265C-65CE-4E2E-A144-A8FE1A69E936}" srcOrd="0" destOrd="0" presId="urn:microsoft.com/office/officeart/2005/8/layout/process3"/>
+    <dgm:cxn modelId="{47FF566C-9EBC-4503-8B58-78CEC7427D48}" type="presParOf" srcId="{8020265C-65CE-4E2E-A144-A8FE1A69E936}" destId="{687BDDD7-893B-4C71-9844-3824E5609744}" srcOrd="0" destOrd="0" presId="urn:microsoft.com/office/officeart/2005/8/layout/process3"/>
+    <dgm:cxn modelId="{4042A00F-0A90-45CC-BBCB-5B589BF4471C}" type="presParOf" srcId="{8020265C-65CE-4E2E-A144-A8FE1A69E936}" destId="{8CD84617-E39D-4141-B5BB-CC63958ECE8D}" srcOrd="1" destOrd="0" presId="urn:microsoft.com/office/officeart/2005/8/layout/process3"/>
+    <dgm:cxn modelId="{B4284C8F-42E6-4B2E-8C72-3B5B1D22DBC0}" type="presParOf" srcId="{8020265C-65CE-4E2E-A144-A8FE1A69E936}" destId="{A855D974-2B66-4AD1-9F0E-AB402070EE2E}" srcOrd="2" destOrd="0" presId="urn:microsoft.com/office/officeart/2005/8/layout/process3"/>
+  </dgm:cxnLst>
+  <dgm:bg/>
+  <dgm:whole/>
+  <dgm:extLst>
+    <a:ext uri="http://schemas.microsoft.com/office/drawing/2008/diagram">
+      <dsp:dataModelExt xmlns:dsp="http://schemas.microsoft.com/office/drawing/2008/diagram" relId="rId8" minVer="http://schemas.openxmlformats.org/drawingml/2006/diagram"/>
+    </a:ext>
+  </dgm:extLst>
+</dgm:dataModel>
+</file>
+
+<file path=ppt/diagrams/data4.xml><?xml version="1.0" encoding="utf-8"?>
+<dgm:dataModel xmlns:dgm="http://schemas.openxmlformats.org/drawingml/2006/diagram" xmlns:a="http://schemas.openxmlformats.org/drawingml/2006/main">
+  <dgm:ptLst>
+    <dgm:pt modelId="{20D0F526-34CA-47DA-8F5E-5798D2FD4CEC}" type="doc">
+      <dgm:prSet loTypeId="urn:microsoft.com/office/officeart/2005/8/layout/process3" loCatId="process" qsTypeId="urn:microsoft.com/office/officeart/2005/8/quickstyle/simple5" qsCatId="simple" csTypeId="urn:microsoft.com/office/officeart/2005/8/colors/accent5_2" csCatId="accent5" phldr="1"/>
+      <dgm:spPr/>
+      <dgm:t>
+        <a:bodyPr/>
+        <a:lstStyle/>
+        <a:p>
+          <a:endParaRPr lang="de-DE"/>
+        </a:p>
+      </dgm:t>
+    </dgm:pt>
+    <dgm:pt modelId="{6AC3DC26-2056-4F64-80E0-554D0E189ABB}">
+      <dgm:prSet phldrT="[Text]"/>
+      <dgm:spPr>
+        <a:solidFill>
+          <a:srgbClr val="105385"/>
+        </a:solidFill>
+      </dgm:spPr>
+      <dgm:t>
+        <a:bodyPr/>
+        <a:lstStyle/>
+        <a:p>
+          <a:r>
+            <a:rPr lang="de-DE" dirty="0"/>
+            <a:t>Vision</a:t>
+          </a:r>
+        </a:p>
+      </dgm:t>
+    </dgm:pt>
+    <dgm:pt modelId="{AA96D068-3EE7-4968-9251-2A3CF15D1F80}" type="parTrans" cxnId="{9EBA8EF5-E752-493B-B97C-6798721B5542}">
+      <dgm:prSet/>
+      <dgm:spPr/>
+      <dgm:t>
+        <a:bodyPr/>
+        <a:lstStyle/>
+        <a:p>
+          <a:endParaRPr lang="de-DE"/>
+        </a:p>
+      </dgm:t>
+    </dgm:pt>
+    <dgm:pt modelId="{74A74AA2-EDF0-4D40-978E-4FFDFBBF3627}" type="sibTrans" cxnId="{9EBA8EF5-E752-493B-B97C-6798721B5542}">
+      <dgm:prSet/>
+      <dgm:spPr/>
+      <dgm:t>
+        <a:bodyPr/>
+        <a:lstStyle/>
+        <a:p>
+          <a:endParaRPr lang="de-DE"/>
+        </a:p>
+      </dgm:t>
+    </dgm:pt>
+    <dgm:pt modelId="{6F35E23E-3443-47E5-9D69-35DD44C6D6A0}">
+      <dgm:prSet phldrT="[Text]"/>
+      <dgm:spPr>
+        <a:ln>
+          <a:solidFill>
+            <a:srgbClr val="105589"/>
+          </a:solidFill>
+        </a:ln>
+      </dgm:spPr>
+      <dgm:t>
+        <a:bodyPr/>
+        <a:lstStyle/>
+        <a:p>
+          <a:pPr>
+            <a:buFont typeface="Arial" panose="020B0604020202020204" pitchFamily="34" charset="0"/>
+            <a:buChar char="•"/>
+          </a:pPr>
+          <a:r>
+            <a:rPr lang="de-DE" dirty="0"/>
+            <a:t>Jede Pflanze bekommt einen Growing Cycle</a:t>
+          </a:r>
+        </a:p>
+      </dgm:t>
+    </dgm:pt>
+    <dgm:pt modelId="{7D491415-4DFB-4C66-8FEC-467722980FA8}" type="parTrans" cxnId="{CE35BE63-8436-478E-B57C-C6727FB8B9FC}">
+      <dgm:prSet/>
+      <dgm:spPr/>
+      <dgm:t>
+        <a:bodyPr/>
+        <a:lstStyle/>
+        <a:p>
+          <a:endParaRPr lang="de-DE"/>
+        </a:p>
+      </dgm:t>
+    </dgm:pt>
+    <dgm:pt modelId="{8ADAD9D1-15FC-4CF1-8E2C-FFD491C098FD}" type="sibTrans" cxnId="{CE35BE63-8436-478E-B57C-C6727FB8B9FC}">
+      <dgm:prSet/>
+      <dgm:spPr/>
+      <dgm:t>
+        <a:bodyPr/>
+        <a:lstStyle/>
+        <a:p>
+          <a:endParaRPr lang="de-DE"/>
+        </a:p>
+      </dgm:t>
+    </dgm:pt>
+    <dgm:pt modelId="{5C3CDCFC-F8A5-4896-A3A3-595E1DDFA97E}">
+      <dgm:prSet phldrT="[Text]"/>
+      <dgm:spPr>
+        <a:ln>
+          <a:solidFill>
+            <a:srgbClr val="105589"/>
+          </a:solidFill>
+        </a:ln>
+      </dgm:spPr>
+      <dgm:t>
+        <a:bodyPr/>
+        <a:lstStyle/>
+        <a:p>
+          <a:pPr>
+            <a:buFont typeface="Arial" panose="020B0604020202020204" pitchFamily="34" charset="0"/>
+            <a:buChar char="•"/>
+          </a:pPr>
+          <a:r>
+            <a:rPr lang="de-DE" dirty="0"/>
+            <a:t>Nutzerfreundlich</a:t>
+          </a:r>
+        </a:p>
+      </dgm:t>
+    </dgm:pt>
+    <dgm:pt modelId="{B92751FF-F232-4470-B3AE-77D88E21D98B}" type="parTrans" cxnId="{23C9AA50-B9F7-45C9-994A-FA1FD2C85758}">
+      <dgm:prSet/>
+      <dgm:spPr/>
+    </dgm:pt>
+    <dgm:pt modelId="{E166CBB7-2714-443E-8C8E-CC3D136BEF7C}" type="sibTrans" cxnId="{23C9AA50-B9F7-45C9-994A-FA1FD2C85758}">
+      <dgm:prSet/>
+      <dgm:spPr/>
+    </dgm:pt>
+    <dgm:pt modelId="{A4DC0408-5ECD-45AE-BFB9-D9E95CBAF5CE}">
+      <dgm:prSet phldrT="[Text]"/>
+      <dgm:spPr>
+        <a:ln>
+          <a:solidFill>
+            <a:srgbClr val="105589"/>
+          </a:solidFill>
+        </a:ln>
+      </dgm:spPr>
+      <dgm:t>
+        <a:bodyPr/>
+        <a:lstStyle/>
+        <a:p>
+          <a:pPr>
+            <a:buFont typeface="Arial" panose="020B0604020202020204" pitchFamily="34" charset="0"/>
+            <a:buChar char="•"/>
+          </a:pPr>
+          <a:r>
+            <a:rPr lang="de-DE" dirty="0"/>
+            <a:t>Überwachung der Wachstumsphase</a:t>
+          </a:r>
+        </a:p>
+      </dgm:t>
+    </dgm:pt>
+    <dgm:pt modelId="{982C724C-B560-40EE-BF1B-F65EDD002A3E}" type="parTrans" cxnId="{05041EB1-15E1-4538-8B06-69C5B8FA7696}">
+      <dgm:prSet/>
+      <dgm:spPr/>
+    </dgm:pt>
+    <dgm:pt modelId="{074359B4-BDE1-48C7-B46D-247AA3D5BC74}" type="sibTrans" cxnId="{05041EB1-15E1-4538-8B06-69C5B8FA7696}">
+      <dgm:prSet/>
+      <dgm:spPr/>
+    </dgm:pt>
+    <dgm:pt modelId="{E2D2E959-4F62-4667-9A4E-6E432927AE31}" type="pres">
+      <dgm:prSet presAssocID="{20D0F526-34CA-47DA-8F5E-5798D2FD4CEC}" presName="linearFlow" presStyleCnt="0">
+        <dgm:presLayoutVars>
+          <dgm:dir/>
+          <dgm:animLvl val="lvl"/>
+          <dgm:resizeHandles val="exact"/>
+        </dgm:presLayoutVars>
+      </dgm:prSet>
+      <dgm:spPr/>
+    </dgm:pt>
+    <dgm:pt modelId="{8020265C-65CE-4E2E-A144-A8FE1A69E936}" type="pres">
+      <dgm:prSet presAssocID="{6AC3DC26-2056-4F64-80E0-554D0E189ABB}" presName="composite" presStyleCnt="0"/>
+      <dgm:spPr/>
+    </dgm:pt>
+    <dgm:pt modelId="{687BDDD7-893B-4C71-9844-3824E5609744}" type="pres">
+      <dgm:prSet presAssocID="{6AC3DC26-2056-4F64-80E0-554D0E189ABB}" presName="parTx" presStyleLbl="node1" presStyleIdx="0" presStyleCnt="1">
+        <dgm:presLayoutVars>
+          <dgm:chMax val="0"/>
+          <dgm:chPref val="0"/>
+          <dgm:bulletEnabled val="1"/>
+        </dgm:presLayoutVars>
+      </dgm:prSet>
+      <dgm:spPr/>
+    </dgm:pt>
+    <dgm:pt modelId="{8CD84617-E39D-4141-B5BB-CC63958ECE8D}" type="pres">
+      <dgm:prSet presAssocID="{6AC3DC26-2056-4F64-80E0-554D0E189ABB}" presName="parSh" presStyleLbl="node1" presStyleIdx="0" presStyleCnt="1"/>
+      <dgm:spPr/>
+    </dgm:pt>
+    <dgm:pt modelId="{A855D974-2B66-4AD1-9F0E-AB402070EE2E}" type="pres">
+      <dgm:prSet presAssocID="{6AC3DC26-2056-4F64-80E0-554D0E189ABB}" presName="desTx" presStyleLbl="fgAcc1" presStyleIdx="0" presStyleCnt="1">
+        <dgm:presLayoutVars>
+          <dgm:bulletEnabled val="1"/>
+        </dgm:presLayoutVars>
+      </dgm:prSet>
+      <dgm:spPr/>
+    </dgm:pt>
+  </dgm:ptLst>
+  <dgm:cxnLst>
+    <dgm:cxn modelId="{EB915C0B-A550-4D2A-BAB6-5911B826E2E2}" type="presOf" srcId="{A4DC0408-5ECD-45AE-BFB9-D9E95CBAF5CE}" destId="{A855D974-2B66-4AD1-9F0E-AB402070EE2E}" srcOrd="0" destOrd="1" presId="urn:microsoft.com/office/officeart/2005/8/layout/process3"/>
+    <dgm:cxn modelId="{CE35BE63-8436-478E-B57C-C6727FB8B9FC}" srcId="{6AC3DC26-2056-4F64-80E0-554D0E189ABB}" destId="{6F35E23E-3443-47E5-9D69-35DD44C6D6A0}" srcOrd="0" destOrd="0" parTransId="{7D491415-4DFB-4C66-8FEC-467722980FA8}" sibTransId="{8ADAD9D1-15FC-4CF1-8E2C-FFD491C098FD}"/>
+    <dgm:cxn modelId="{23C9AA50-B9F7-45C9-994A-FA1FD2C85758}" srcId="{6AC3DC26-2056-4F64-80E0-554D0E189ABB}" destId="{5C3CDCFC-F8A5-4896-A3A3-595E1DDFA97E}" srcOrd="2" destOrd="0" parTransId="{B92751FF-F232-4470-B3AE-77D88E21D98B}" sibTransId="{E166CBB7-2714-443E-8C8E-CC3D136BEF7C}"/>
+    <dgm:cxn modelId="{48F2C571-829E-4666-9909-4A65737B49E2}" type="presOf" srcId="{6F35E23E-3443-47E5-9D69-35DD44C6D6A0}" destId="{A855D974-2B66-4AD1-9F0E-AB402070EE2E}" srcOrd="0" destOrd="0" presId="urn:microsoft.com/office/officeart/2005/8/layout/process3"/>
+    <dgm:cxn modelId="{F91D4774-3FC1-42C3-8F9F-7DFD8FEE6921}" type="presOf" srcId="{6AC3DC26-2056-4F64-80E0-554D0E189ABB}" destId="{8CD84617-E39D-4141-B5BB-CC63958ECE8D}" srcOrd="1" destOrd="0" presId="urn:microsoft.com/office/officeart/2005/8/layout/process3"/>
+    <dgm:cxn modelId="{05041EB1-15E1-4538-8B06-69C5B8FA7696}" srcId="{6AC3DC26-2056-4F64-80E0-554D0E189ABB}" destId="{A4DC0408-5ECD-45AE-BFB9-D9E95CBAF5CE}" srcOrd="1" destOrd="0" parTransId="{982C724C-B560-40EE-BF1B-F65EDD002A3E}" sibTransId="{074359B4-BDE1-48C7-B46D-247AA3D5BC74}"/>
+    <dgm:cxn modelId="{950F25C4-12D6-4C99-9147-15842F9D0071}" type="presOf" srcId="{6AC3DC26-2056-4F64-80E0-554D0E189ABB}" destId="{687BDDD7-893B-4C71-9844-3824E5609744}" srcOrd="0" destOrd="0" presId="urn:microsoft.com/office/officeart/2005/8/layout/process3"/>
+    <dgm:cxn modelId="{FE6C04CD-248F-46F9-9434-D2E0A5D2E4D3}" type="presOf" srcId="{20D0F526-34CA-47DA-8F5E-5798D2FD4CEC}" destId="{E2D2E959-4F62-4667-9A4E-6E432927AE31}" srcOrd="0" destOrd="0" presId="urn:microsoft.com/office/officeart/2005/8/layout/process3"/>
+    <dgm:cxn modelId="{9EBA8EF5-E752-493B-B97C-6798721B5542}" srcId="{20D0F526-34CA-47DA-8F5E-5798D2FD4CEC}" destId="{6AC3DC26-2056-4F64-80E0-554D0E189ABB}" srcOrd="0" destOrd="0" parTransId="{AA96D068-3EE7-4968-9251-2A3CF15D1F80}" sibTransId="{74A74AA2-EDF0-4D40-978E-4FFDFBBF3627}"/>
+    <dgm:cxn modelId="{F101FEFB-E483-4251-808D-CD1CBA682C09}" type="presOf" srcId="{5C3CDCFC-F8A5-4896-A3A3-595E1DDFA97E}" destId="{A855D974-2B66-4AD1-9F0E-AB402070EE2E}" srcOrd="0" destOrd="2" presId="urn:microsoft.com/office/officeart/2005/8/layout/process3"/>
+    <dgm:cxn modelId="{4C2710EC-3FB0-413B-9EDB-F140CB28FE17}" type="presParOf" srcId="{E2D2E959-4F62-4667-9A4E-6E432927AE31}" destId="{8020265C-65CE-4E2E-A144-A8FE1A69E936}" srcOrd="0" destOrd="0" presId="urn:microsoft.com/office/officeart/2005/8/layout/process3"/>
+    <dgm:cxn modelId="{47FF566C-9EBC-4503-8B58-78CEC7427D48}" type="presParOf" srcId="{8020265C-65CE-4E2E-A144-A8FE1A69E936}" destId="{687BDDD7-893B-4C71-9844-3824E5609744}" srcOrd="0" destOrd="0" presId="urn:microsoft.com/office/officeart/2005/8/layout/process3"/>
+    <dgm:cxn modelId="{4042A00F-0A90-45CC-BBCB-5B589BF4471C}" type="presParOf" srcId="{8020265C-65CE-4E2E-A144-A8FE1A69E936}" destId="{8CD84617-E39D-4141-B5BB-CC63958ECE8D}" srcOrd="1" destOrd="0" presId="urn:microsoft.com/office/officeart/2005/8/layout/process3"/>
+    <dgm:cxn modelId="{B4284C8F-42E6-4B2E-8C72-3B5B1D22DBC0}" type="presParOf" srcId="{8020265C-65CE-4E2E-A144-A8FE1A69E936}" destId="{A855D974-2B66-4AD1-9F0E-AB402070EE2E}" srcOrd="2" destOrd="0" presId="urn:microsoft.com/office/officeart/2005/8/layout/process3"/>
+  </dgm:cxnLst>
+  <dgm:bg/>
+  <dgm:whole/>
+  <dgm:extLst>
+    <a:ext uri="http://schemas.microsoft.com/office/drawing/2008/diagram">
+      <dsp:dataModelExt xmlns:dsp="http://schemas.microsoft.com/office/drawing/2008/diagram" relId="rId8" minVer="http://schemas.openxmlformats.org/drawingml/2006/diagram"/>
+    </a:ext>
+  </dgm:extLst>
+</dgm:dataModel>
+</file>
+
+<file path=ppt/diagrams/data5.xml><?xml version="1.0" encoding="utf-8"?>
 <dgm:dataModel xmlns:dgm="http://schemas.openxmlformats.org/drawingml/2006/diagram" xmlns:a="http://schemas.openxmlformats.org/drawingml/2006/main">
   <dgm:ptLst>
     <dgm:pt modelId="{B88B3DA5-C8F7-4A07-A301-0775015E7C4A}" type="doc">
@@ -2454,6 +5376,576 @@
 </file>
 
 <file path=ppt/diagrams/drawing2.xml><?xml version="1.0" encoding="utf-8"?>
+<dsp:drawing xmlns:dgm="http://schemas.openxmlformats.org/drawingml/2006/diagram" xmlns:dsp="http://schemas.microsoft.com/office/drawing/2008/diagram" xmlns:a="http://schemas.openxmlformats.org/drawingml/2006/main">
+  <dsp:spTree>
+    <dsp:nvGrpSpPr>
+      <dsp:cNvPr id="0" name=""/>
+      <dsp:cNvGrpSpPr/>
+    </dsp:nvGrpSpPr>
+    <dsp:grpSpPr/>
+    <dsp:sp modelId="{8CD84617-E39D-4141-B5BB-CC63958ECE8D}">
+      <dsp:nvSpPr>
+        <dsp:cNvPr id="0" name=""/>
+        <dsp:cNvSpPr/>
+      </dsp:nvSpPr>
+      <dsp:spPr>
+        <a:xfrm>
+          <a:off x="0" y="711874"/>
+          <a:ext cx="3080291" cy="1166400"/>
+        </a:xfrm>
+        <a:prstGeom prst="roundRect">
+          <a:avLst>
+            <a:gd name="adj" fmla="val 10000"/>
+          </a:avLst>
+        </a:prstGeom>
+        <a:solidFill>
+          <a:srgbClr val="105385"/>
+        </a:solidFill>
+        <a:ln>
+          <a:noFill/>
+        </a:ln>
+        <a:effectLst>
+          <a:outerShdw blurRad="57150" dist="19050" dir="5400000" algn="ctr" rotWithShape="0">
+            <a:srgbClr val="000000">
+              <a:alpha val="63000"/>
+            </a:srgbClr>
+          </a:outerShdw>
+        </a:effectLst>
+      </dsp:spPr>
+      <dsp:style>
+        <a:lnRef idx="0">
+          <a:scrgbClr r="0" g="0" b="0"/>
+        </a:lnRef>
+        <a:fillRef idx="3">
+          <a:scrgbClr r="0" g="0" b="0"/>
+        </a:fillRef>
+        <a:effectRef idx="3">
+          <a:scrgbClr r="0" g="0" b="0"/>
+        </a:effectRef>
+        <a:fontRef idx="minor">
+          <a:schemeClr val="lt1"/>
+        </a:fontRef>
+      </dsp:style>
+      <dsp:txBody>
+        <a:bodyPr spcFirstLastPara="0" vert="horz" wrap="square" lIns="192024" tIns="192024" rIns="192024" bIns="102870" numCol="1" spcCol="1270" anchor="t" anchorCtr="0">
+          <a:noAutofit/>
+        </a:bodyPr>
+        <a:lstStyle/>
+        <a:p>
+          <a:pPr marL="0" lvl="0" indent="0" algn="l" defTabSz="1200150">
+            <a:lnSpc>
+              <a:spcPct val="90000"/>
+            </a:lnSpc>
+            <a:spcBef>
+              <a:spcPct val="0"/>
+            </a:spcBef>
+            <a:spcAft>
+              <a:spcPct val="35000"/>
+            </a:spcAft>
+            <a:buNone/>
+          </a:pPr>
+          <a:r>
+            <a:rPr lang="de-DE" sz="2700" kern="1200" dirty="0"/>
+            <a:t>Vision</a:t>
+          </a:r>
+        </a:p>
+      </dsp:txBody>
+      <dsp:txXfrm>
+        <a:off x="0" y="711874"/>
+        <a:ext cx="3080291" cy="777600"/>
+      </dsp:txXfrm>
+    </dsp:sp>
+    <dsp:sp modelId="{A855D974-2B66-4AD1-9F0E-AB402070EE2E}">
+      <dsp:nvSpPr>
+        <dsp:cNvPr id="0" name=""/>
+        <dsp:cNvSpPr/>
+      </dsp:nvSpPr>
+      <dsp:spPr>
+        <a:xfrm>
+          <a:off x="630902" y="1489474"/>
+          <a:ext cx="3080291" cy="2478599"/>
+        </a:xfrm>
+        <a:prstGeom prst="roundRect">
+          <a:avLst>
+            <a:gd name="adj" fmla="val 10000"/>
+          </a:avLst>
+        </a:prstGeom>
+        <a:solidFill>
+          <a:schemeClr val="lt1">
+            <a:alpha val="90000"/>
+            <a:hueOff val="0"/>
+            <a:satOff val="0"/>
+            <a:lumOff val="0"/>
+            <a:alphaOff val="0"/>
+          </a:schemeClr>
+        </a:solidFill>
+        <a:ln w="6350" cap="flat" cmpd="sng" algn="ctr">
+          <a:solidFill>
+            <a:srgbClr val="105589"/>
+          </a:solidFill>
+          <a:prstDash val="solid"/>
+          <a:miter lim="800000"/>
+        </a:ln>
+        <a:effectLst/>
+      </dsp:spPr>
+      <dsp:style>
+        <a:lnRef idx="1">
+          <a:scrgbClr r="0" g="0" b="0"/>
+        </a:lnRef>
+        <a:fillRef idx="1">
+          <a:scrgbClr r="0" g="0" b="0"/>
+        </a:fillRef>
+        <a:effectRef idx="2">
+          <a:scrgbClr r="0" g="0" b="0"/>
+        </a:effectRef>
+        <a:fontRef idx="minor"/>
+      </dsp:style>
+      <dsp:txBody>
+        <a:bodyPr spcFirstLastPara="0" vert="horz" wrap="square" lIns="192024" tIns="192024" rIns="192024" bIns="192024" numCol="1" spcCol="1270" anchor="t" anchorCtr="0">
+          <a:noAutofit/>
+        </a:bodyPr>
+        <a:lstStyle/>
+        <a:p>
+          <a:pPr marL="228600" lvl="1" indent="-228600" algn="l" defTabSz="1200150">
+            <a:lnSpc>
+              <a:spcPct val="90000"/>
+            </a:lnSpc>
+            <a:spcBef>
+              <a:spcPct val="0"/>
+            </a:spcBef>
+            <a:spcAft>
+              <a:spcPct val="15000"/>
+            </a:spcAft>
+            <a:buFont typeface="Arial" panose="020B0604020202020204" pitchFamily="34" charset="0"/>
+            <a:buChar char="•"/>
+          </a:pPr>
+          <a:r>
+            <a:rPr lang="de-DE" sz="2700" kern="1200" dirty="0"/>
+            <a:t>Editierbares Sensorintervalle</a:t>
+          </a:r>
+        </a:p>
+        <a:p>
+          <a:pPr marL="228600" lvl="1" indent="-228600" algn="l" defTabSz="1200150">
+            <a:lnSpc>
+              <a:spcPct val="90000"/>
+            </a:lnSpc>
+            <a:spcBef>
+              <a:spcPct val="0"/>
+            </a:spcBef>
+            <a:spcAft>
+              <a:spcPct val="15000"/>
+            </a:spcAft>
+            <a:buFont typeface="Arial" panose="020B0604020202020204" pitchFamily="34" charset="0"/>
+            <a:buChar char="•"/>
+          </a:pPr>
+          <a:r>
+            <a:rPr lang="de-DE" sz="2700" kern="1200" dirty="0"/>
+            <a:t>Liste an verfügbaren Sensoren</a:t>
+          </a:r>
+        </a:p>
+      </dsp:txBody>
+      <dsp:txXfrm>
+        <a:off x="703498" y="1562070"/>
+        <a:ext cx="2935099" cy="2333407"/>
+      </dsp:txXfrm>
+    </dsp:sp>
+  </dsp:spTree>
+</dsp:drawing>
+</file>
+
+<file path=ppt/diagrams/drawing3.xml><?xml version="1.0" encoding="utf-8"?>
+<dsp:drawing xmlns:dgm="http://schemas.openxmlformats.org/drawingml/2006/diagram" xmlns:dsp="http://schemas.microsoft.com/office/drawing/2008/diagram" xmlns:a="http://schemas.openxmlformats.org/drawingml/2006/main">
+  <dsp:spTree>
+    <dsp:nvGrpSpPr>
+      <dsp:cNvPr id="0" name=""/>
+      <dsp:cNvGrpSpPr/>
+    </dsp:nvGrpSpPr>
+    <dsp:grpSpPr/>
+    <dsp:sp modelId="{8CD84617-E39D-4141-B5BB-CC63958ECE8D}">
+      <dsp:nvSpPr>
+        <dsp:cNvPr id="0" name=""/>
+        <dsp:cNvSpPr/>
+      </dsp:nvSpPr>
+      <dsp:spPr>
+        <a:xfrm>
+          <a:off x="0" y="89099"/>
+          <a:ext cx="4011226" cy="1512000"/>
+        </a:xfrm>
+        <a:prstGeom prst="roundRect">
+          <a:avLst>
+            <a:gd name="adj" fmla="val 10000"/>
+          </a:avLst>
+        </a:prstGeom>
+        <a:solidFill>
+          <a:srgbClr val="105385"/>
+        </a:solidFill>
+        <a:ln>
+          <a:noFill/>
+        </a:ln>
+        <a:effectLst>
+          <a:outerShdw blurRad="57150" dist="19050" dir="5400000" algn="ctr" rotWithShape="0">
+            <a:srgbClr val="000000">
+              <a:alpha val="63000"/>
+            </a:srgbClr>
+          </a:outerShdw>
+        </a:effectLst>
+      </dsp:spPr>
+      <dsp:style>
+        <a:lnRef idx="0">
+          <a:scrgbClr r="0" g="0" b="0"/>
+        </a:lnRef>
+        <a:fillRef idx="3">
+          <a:scrgbClr r="0" g="0" b="0"/>
+        </a:fillRef>
+        <a:effectRef idx="3">
+          <a:scrgbClr r="0" g="0" b="0"/>
+        </a:effectRef>
+        <a:fontRef idx="minor">
+          <a:schemeClr val="lt1"/>
+        </a:fontRef>
+      </dsp:style>
+      <dsp:txBody>
+        <a:bodyPr spcFirstLastPara="0" vert="horz" wrap="square" lIns="248920" tIns="248920" rIns="248920" bIns="133350" numCol="1" spcCol="1270" anchor="t" anchorCtr="0">
+          <a:noAutofit/>
+        </a:bodyPr>
+        <a:lstStyle/>
+        <a:p>
+          <a:pPr marL="0" lvl="0" indent="0" algn="l" defTabSz="1555750">
+            <a:lnSpc>
+              <a:spcPct val="90000"/>
+            </a:lnSpc>
+            <a:spcBef>
+              <a:spcPct val="0"/>
+            </a:spcBef>
+            <a:spcAft>
+              <a:spcPct val="35000"/>
+            </a:spcAft>
+            <a:buNone/>
+          </a:pPr>
+          <a:r>
+            <a:rPr lang="de-DE" sz="3500" kern="1200" dirty="0"/>
+            <a:t>Vision</a:t>
+          </a:r>
+        </a:p>
+      </dsp:txBody>
+      <dsp:txXfrm>
+        <a:off x="0" y="89099"/>
+        <a:ext cx="4011226" cy="1008000"/>
+      </dsp:txXfrm>
+    </dsp:sp>
+    <dsp:sp modelId="{A855D974-2B66-4AD1-9F0E-AB402070EE2E}">
+      <dsp:nvSpPr>
+        <dsp:cNvPr id="0" name=""/>
+        <dsp:cNvSpPr/>
+      </dsp:nvSpPr>
+      <dsp:spPr>
+        <a:xfrm>
+          <a:off x="821576" y="1097099"/>
+          <a:ext cx="4011226" cy="3843000"/>
+        </a:xfrm>
+        <a:prstGeom prst="roundRect">
+          <a:avLst>
+            <a:gd name="adj" fmla="val 10000"/>
+          </a:avLst>
+        </a:prstGeom>
+        <a:solidFill>
+          <a:schemeClr val="lt1">
+            <a:alpha val="90000"/>
+            <a:hueOff val="0"/>
+            <a:satOff val="0"/>
+            <a:lumOff val="0"/>
+            <a:alphaOff val="0"/>
+          </a:schemeClr>
+        </a:solidFill>
+        <a:ln w="6350" cap="flat" cmpd="sng" algn="ctr">
+          <a:solidFill>
+            <a:srgbClr val="105589"/>
+          </a:solidFill>
+          <a:prstDash val="solid"/>
+          <a:miter lim="800000"/>
+        </a:ln>
+        <a:effectLst/>
+      </dsp:spPr>
+      <dsp:style>
+        <a:lnRef idx="1">
+          <a:scrgbClr r="0" g="0" b="0"/>
+        </a:lnRef>
+        <a:fillRef idx="1">
+          <a:scrgbClr r="0" g="0" b="0"/>
+        </a:fillRef>
+        <a:effectRef idx="2">
+          <a:scrgbClr r="0" g="0" b="0"/>
+        </a:effectRef>
+        <a:fontRef idx="minor"/>
+      </dsp:style>
+      <dsp:txBody>
+        <a:bodyPr spcFirstLastPara="0" vert="horz" wrap="square" lIns="248920" tIns="248920" rIns="248920" bIns="248920" numCol="1" spcCol="1270" anchor="t" anchorCtr="0">
+          <a:noAutofit/>
+        </a:bodyPr>
+        <a:lstStyle/>
+        <a:p>
+          <a:pPr marL="285750" lvl="1" indent="-285750" algn="l" defTabSz="1555750">
+            <a:lnSpc>
+              <a:spcPct val="90000"/>
+            </a:lnSpc>
+            <a:spcBef>
+              <a:spcPct val="0"/>
+            </a:spcBef>
+            <a:spcAft>
+              <a:spcPct val="15000"/>
+            </a:spcAft>
+            <a:buFont typeface="Arial" panose="020B0604020202020204" pitchFamily="34" charset="0"/>
+            <a:buChar char="•"/>
+          </a:pPr>
+          <a:r>
+            <a:rPr lang="de-DE" sz="3500" kern="1200" dirty="0"/>
+            <a:t>FPF ausgestattet mit Kameras</a:t>
+          </a:r>
+        </a:p>
+        <a:p>
+          <a:pPr marL="285750" lvl="1" indent="-285750" algn="l" defTabSz="1555750">
+            <a:lnSpc>
+              <a:spcPct val="90000"/>
+            </a:lnSpc>
+            <a:spcBef>
+              <a:spcPct val="0"/>
+            </a:spcBef>
+            <a:spcAft>
+              <a:spcPct val="15000"/>
+            </a:spcAft>
+            <a:buChar char="•"/>
+          </a:pPr>
+          <a:r>
+            <a:rPr lang="de-DE" sz="3500" kern="1200" dirty="0"/>
+            <a:t>Foto- und Videofunktion</a:t>
+          </a:r>
+        </a:p>
+        <a:p>
+          <a:pPr marL="285750" lvl="1" indent="-285750" algn="l" defTabSz="1555750">
+            <a:lnSpc>
+              <a:spcPct val="90000"/>
+            </a:lnSpc>
+            <a:spcBef>
+              <a:spcPct val="0"/>
+            </a:spcBef>
+            <a:spcAft>
+              <a:spcPct val="15000"/>
+            </a:spcAft>
+            <a:buChar char="•"/>
+          </a:pPr>
+          <a:r>
+            <a:rPr lang="de-DE" sz="3500" kern="1200" dirty="0"/>
+            <a:t>HTTP und RTSP Unterstützung</a:t>
+          </a:r>
+        </a:p>
+      </dsp:txBody>
+      <dsp:txXfrm>
+        <a:off x="934134" y="1209657"/>
+        <a:ext cx="3786110" cy="3617884"/>
+      </dsp:txXfrm>
+    </dsp:sp>
+  </dsp:spTree>
+</dsp:drawing>
+</file>
+
+<file path=ppt/diagrams/drawing4.xml><?xml version="1.0" encoding="utf-8"?>
+<dsp:drawing xmlns:dgm="http://schemas.openxmlformats.org/drawingml/2006/diagram" xmlns:dsp="http://schemas.microsoft.com/office/drawing/2008/diagram" xmlns:a="http://schemas.openxmlformats.org/drawingml/2006/main">
+  <dsp:spTree>
+    <dsp:nvGrpSpPr>
+      <dsp:cNvPr id="0" name=""/>
+      <dsp:cNvGrpSpPr/>
+    </dsp:nvGrpSpPr>
+    <dsp:grpSpPr/>
+    <dsp:sp modelId="{8CD84617-E39D-4141-B5BB-CC63958ECE8D}">
+      <dsp:nvSpPr>
+        <dsp:cNvPr id="0" name=""/>
+        <dsp:cNvSpPr/>
+      </dsp:nvSpPr>
+      <dsp:spPr>
+        <a:xfrm>
+          <a:off x="0" y="499036"/>
+          <a:ext cx="3396521" cy="1166400"/>
+        </a:xfrm>
+        <a:prstGeom prst="roundRect">
+          <a:avLst>
+            <a:gd name="adj" fmla="val 10000"/>
+          </a:avLst>
+        </a:prstGeom>
+        <a:solidFill>
+          <a:srgbClr val="105385"/>
+        </a:solidFill>
+        <a:ln>
+          <a:noFill/>
+        </a:ln>
+        <a:effectLst>
+          <a:outerShdw blurRad="57150" dist="19050" dir="5400000" algn="ctr" rotWithShape="0">
+            <a:srgbClr val="000000">
+              <a:alpha val="63000"/>
+            </a:srgbClr>
+          </a:outerShdw>
+        </a:effectLst>
+      </dsp:spPr>
+      <dsp:style>
+        <a:lnRef idx="0">
+          <a:scrgbClr r="0" g="0" b="0"/>
+        </a:lnRef>
+        <a:fillRef idx="3">
+          <a:scrgbClr r="0" g="0" b="0"/>
+        </a:fillRef>
+        <a:effectRef idx="3">
+          <a:scrgbClr r="0" g="0" b="0"/>
+        </a:effectRef>
+        <a:fontRef idx="minor">
+          <a:schemeClr val="lt1"/>
+        </a:fontRef>
+      </dsp:style>
+      <dsp:txBody>
+        <a:bodyPr spcFirstLastPara="0" vert="horz" wrap="square" lIns="192024" tIns="192024" rIns="192024" bIns="102870" numCol="1" spcCol="1270" anchor="t" anchorCtr="0">
+          <a:noAutofit/>
+        </a:bodyPr>
+        <a:lstStyle/>
+        <a:p>
+          <a:pPr marL="0" lvl="0" indent="0" algn="l" defTabSz="1200150">
+            <a:lnSpc>
+              <a:spcPct val="90000"/>
+            </a:lnSpc>
+            <a:spcBef>
+              <a:spcPct val="0"/>
+            </a:spcBef>
+            <a:spcAft>
+              <a:spcPct val="35000"/>
+            </a:spcAft>
+            <a:buNone/>
+          </a:pPr>
+          <a:r>
+            <a:rPr lang="de-DE" sz="2700" kern="1200" dirty="0"/>
+            <a:t>Vision</a:t>
+          </a:r>
+        </a:p>
+      </dsp:txBody>
+      <dsp:txXfrm>
+        <a:off x="0" y="499036"/>
+        <a:ext cx="3396521" cy="777600"/>
+      </dsp:txXfrm>
+    </dsp:sp>
+    <dsp:sp modelId="{A855D974-2B66-4AD1-9F0E-AB402070EE2E}">
+      <dsp:nvSpPr>
+        <dsp:cNvPr id="0" name=""/>
+        <dsp:cNvSpPr/>
+      </dsp:nvSpPr>
+      <dsp:spPr>
+        <a:xfrm>
+          <a:off x="695672" y="1276636"/>
+          <a:ext cx="3396521" cy="2964600"/>
+        </a:xfrm>
+        <a:prstGeom prst="roundRect">
+          <a:avLst>
+            <a:gd name="adj" fmla="val 10000"/>
+          </a:avLst>
+        </a:prstGeom>
+        <a:solidFill>
+          <a:schemeClr val="lt1">
+            <a:alpha val="90000"/>
+            <a:hueOff val="0"/>
+            <a:satOff val="0"/>
+            <a:lumOff val="0"/>
+            <a:alphaOff val="0"/>
+          </a:schemeClr>
+        </a:solidFill>
+        <a:ln w="6350" cap="flat" cmpd="sng" algn="ctr">
+          <a:solidFill>
+            <a:srgbClr val="105589"/>
+          </a:solidFill>
+          <a:prstDash val="solid"/>
+          <a:miter lim="800000"/>
+        </a:ln>
+        <a:effectLst/>
+      </dsp:spPr>
+      <dsp:style>
+        <a:lnRef idx="1">
+          <a:scrgbClr r="0" g="0" b="0"/>
+        </a:lnRef>
+        <a:fillRef idx="1">
+          <a:scrgbClr r="0" g="0" b="0"/>
+        </a:fillRef>
+        <a:effectRef idx="2">
+          <a:scrgbClr r="0" g="0" b="0"/>
+        </a:effectRef>
+        <a:fontRef idx="minor"/>
+      </dsp:style>
+      <dsp:txBody>
+        <a:bodyPr spcFirstLastPara="0" vert="horz" wrap="square" lIns="192024" tIns="192024" rIns="192024" bIns="192024" numCol="1" spcCol="1270" anchor="t" anchorCtr="0">
+          <a:noAutofit/>
+        </a:bodyPr>
+        <a:lstStyle/>
+        <a:p>
+          <a:pPr marL="228600" lvl="1" indent="-228600" algn="l" defTabSz="1200150">
+            <a:lnSpc>
+              <a:spcPct val="90000"/>
+            </a:lnSpc>
+            <a:spcBef>
+              <a:spcPct val="0"/>
+            </a:spcBef>
+            <a:spcAft>
+              <a:spcPct val="15000"/>
+            </a:spcAft>
+            <a:buFont typeface="Arial" panose="020B0604020202020204" pitchFamily="34" charset="0"/>
+            <a:buChar char="•"/>
+          </a:pPr>
+          <a:r>
+            <a:rPr lang="de-DE" sz="2700" kern="1200" dirty="0"/>
+            <a:t>Jede Pflanze bekommt einen Growing Cycle</a:t>
+          </a:r>
+        </a:p>
+        <a:p>
+          <a:pPr marL="228600" lvl="1" indent="-228600" algn="l" defTabSz="1200150">
+            <a:lnSpc>
+              <a:spcPct val="90000"/>
+            </a:lnSpc>
+            <a:spcBef>
+              <a:spcPct val="0"/>
+            </a:spcBef>
+            <a:spcAft>
+              <a:spcPct val="15000"/>
+            </a:spcAft>
+            <a:buFont typeface="Arial" panose="020B0604020202020204" pitchFamily="34" charset="0"/>
+            <a:buChar char="•"/>
+          </a:pPr>
+          <a:r>
+            <a:rPr lang="de-DE" sz="2700" kern="1200" dirty="0"/>
+            <a:t>Überwachung der Wachstumsphase</a:t>
+          </a:r>
+        </a:p>
+        <a:p>
+          <a:pPr marL="228600" lvl="1" indent="-228600" algn="l" defTabSz="1200150">
+            <a:lnSpc>
+              <a:spcPct val="90000"/>
+            </a:lnSpc>
+            <a:spcBef>
+              <a:spcPct val="0"/>
+            </a:spcBef>
+            <a:spcAft>
+              <a:spcPct val="15000"/>
+            </a:spcAft>
+            <a:buFont typeface="Arial" panose="020B0604020202020204" pitchFamily="34" charset="0"/>
+            <a:buChar char="•"/>
+          </a:pPr>
+          <a:r>
+            <a:rPr lang="de-DE" sz="2700" kern="1200" dirty="0"/>
+            <a:t>Nutzerfreundlich</a:t>
+          </a:r>
+        </a:p>
+      </dsp:txBody>
+      <dsp:txXfrm>
+        <a:off x="782502" y="1363466"/>
+        <a:ext cx="3222861" cy="2790940"/>
+      </dsp:txXfrm>
+    </dsp:sp>
+  </dsp:spTree>
+</dsp:drawing>
+</file>
+
+<file path=ppt/diagrams/drawing5.xml><?xml version="1.0" encoding="utf-8"?>
 <dsp:drawing xmlns:dgm="http://schemas.openxmlformats.org/drawingml/2006/diagram" xmlns:dsp="http://schemas.microsoft.com/office/drawing/2008/diagram" xmlns:a="http://schemas.openxmlformats.org/drawingml/2006/main">
   <dsp:spTree>
     <dsp:nvGrpSpPr>
@@ -3255,6 +6747,909 @@
 </dgm:layoutDef>
 </file>
 
+<file path=ppt/diagrams/layout3.xml><?xml version="1.0" encoding="utf-8"?>
+<dgm:layoutDef xmlns:dgm="http://schemas.openxmlformats.org/drawingml/2006/diagram" xmlns:a="http://schemas.openxmlformats.org/drawingml/2006/main" uniqueId="urn:microsoft.com/office/officeart/2005/8/layout/process3">
+  <dgm:title val=""/>
+  <dgm:desc val=""/>
+  <dgm:catLst>
+    <dgm:cat type="process" pri="2000"/>
+  </dgm:catLst>
+  <dgm:sampData>
+    <dgm:dataModel>
+      <dgm:ptLst>
+        <dgm:pt modelId="0" type="doc"/>
+        <dgm:pt modelId="1">
+          <dgm:prSet phldr="1"/>
+        </dgm:pt>
+        <dgm:pt modelId="11">
+          <dgm:prSet phldr="1"/>
+        </dgm:pt>
+        <dgm:pt modelId="2">
+          <dgm:prSet phldr="1"/>
+        </dgm:pt>
+        <dgm:pt modelId="21">
+          <dgm:prSet phldr="1"/>
+        </dgm:pt>
+        <dgm:pt modelId="3">
+          <dgm:prSet phldr="1"/>
+        </dgm:pt>
+        <dgm:pt modelId="31">
+          <dgm:prSet phldr="1"/>
+        </dgm:pt>
+      </dgm:ptLst>
+      <dgm:cxnLst>
+        <dgm:cxn modelId="4" srcId="0" destId="1" srcOrd="0" destOrd="0"/>
+        <dgm:cxn modelId="5" srcId="0" destId="2" srcOrd="1" destOrd="0"/>
+        <dgm:cxn modelId="6" srcId="0" destId="3" srcOrd="3" destOrd="0"/>
+        <dgm:cxn modelId="12" srcId="1" destId="11" srcOrd="0" destOrd="0"/>
+        <dgm:cxn modelId="23" srcId="2" destId="21" srcOrd="0" destOrd="0"/>
+        <dgm:cxn modelId="34" srcId="3" destId="31" srcOrd="0" destOrd="0"/>
+      </dgm:cxnLst>
+      <dgm:bg/>
+      <dgm:whole/>
+    </dgm:dataModel>
+  </dgm:sampData>
+  <dgm:styleData>
+    <dgm:dataModel>
+      <dgm:ptLst>
+        <dgm:pt modelId="0" type="doc"/>
+        <dgm:pt modelId="1">
+          <dgm:prSet phldr="1"/>
+        </dgm:pt>
+        <dgm:pt modelId="11">
+          <dgm:prSet phldr="1"/>
+        </dgm:pt>
+        <dgm:pt modelId="2">
+          <dgm:prSet phldr="1"/>
+        </dgm:pt>
+        <dgm:pt modelId="21">
+          <dgm:prSet phldr="1"/>
+        </dgm:pt>
+      </dgm:ptLst>
+      <dgm:cxnLst>
+        <dgm:cxn modelId="4" srcId="0" destId="1" srcOrd="0" destOrd="0"/>
+        <dgm:cxn modelId="5" srcId="0" destId="2" srcOrd="1" destOrd="0"/>
+        <dgm:cxn modelId="13" srcId="1" destId="11" srcOrd="0" destOrd="0"/>
+        <dgm:cxn modelId="23" srcId="2" destId="21" srcOrd="0" destOrd="0"/>
+      </dgm:cxnLst>
+      <dgm:bg/>
+      <dgm:whole/>
+    </dgm:dataModel>
+  </dgm:styleData>
+  <dgm:clrData>
+    <dgm:dataModel>
+      <dgm:ptLst>
+        <dgm:pt modelId="0" type="doc"/>
+        <dgm:pt modelId="1">
+          <dgm:prSet phldr="1"/>
+        </dgm:pt>
+        <dgm:pt modelId="11">
+          <dgm:prSet phldr="1"/>
+        </dgm:pt>
+        <dgm:pt modelId="2">
+          <dgm:prSet phldr="1"/>
+        </dgm:pt>
+        <dgm:pt modelId="21">
+          <dgm:prSet phldr="1"/>
+        </dgm:pt>
+        <dgm:pt modelId="3">
+          <dgm:prSet phldr="1"/>
+        </dgm:pt>
+        <dgm:pt modelId="31">
+          <dgm:prSet phldr="1"/>
+        </dgm:pt>
+        <dgm:pt modelId="4">
+          <dgm:prSet phldr="1"/>
+        </dgm:pt>
+        <dgm:pt modelId="41">
+          <dgm:prSet phldr="1"/>
+        </dgm:pt>
+      </dgm:ptLst>
+      <dgm:cxnLst>
+        <dgm:cxn modelId="5" srcId="0" destId="1" srcOrd="0" destOrd="0"/>
+        <dgm:cxn modelId="6" srcId="0" destId="2" srcOrd="1" destOrd="0"/>
+        <dgm:cxn modelId="7" srcId="0" destId="3" srcOrd="2" destOrd="0"/>
+        <dgm:cxn modelId="8" srcId="0" destId="4" srcOrd="3" destOrd="0"/>
+        <dgm:cxn modelId="13" srcId="1" destId="11" srcOrd="0" destOrd="0"/>
+        <dgm:cxn modelId="23" srcId="2" destId="21" srcOrd="0" destOrd="0"/>
+        <dgm:cxn modelId="33" srcId="3" destId="31" srcOrd="0" destOrd="0"/>
+        <dgm:cxn modelId="43" srcId="4" destId="41" srcOrd="0" destOrd="0"/>
+      </dgm:cxnLst>
+      <dgm:bg/>
+      <dgm:whole/>
+    </dgm:dataModel>
+  </dgm:clrData>
+  <dgm:layoutNode name="linearFlow">
+    <dgm:varLst>
+      <dgm:dir/>
+      <dgm:animLvl val="lvl"/>
+      <dgm:resizeHandles val="exact"/>
+    </dgm:varLst>
+    <dgm:choose name="Name0">
+      <dgm:if name="Name1" func="var" arg="dir" op="equ" val="norm">
+        <dgm:alg type="lin"/>
+      </dgm:if>
+      <dgm:else name="Name2">
+        <dgm:alg type="lin">
+          <dgm:param type="linDir" val="fromR"/>
+        </dgm:alg>
+      </dgm:else>
+    </dgm:choose>
+    <dgm:shape xmlns:r="http://schemas.openxmlformats.org/officeDocument/2006/relationships" r:blip="">
+      <dgm:adjLst/>
+    </dgm:shape>
+    <dgm:presOf/>
+    <dgm:constrLst>
+      <dgm:constr type="w" for="ch" forName="composite" refType="w"/>
+      <dgm:constr type="w" for="ch" ptType="sibTrans" refType="w" refFor="ch" refForName="composite" fact="0.3333"/>
+      <dgm:constr type="w" for="des" forName="parTx"/>
+      <dgm:constr type="h" for="des" forName="parTx" op="equ"/>
+      <dgm:constr type="h" for="des" forName="parSh" op="equ"/>
+      <dgm:constr type="w" for="des" forName="desTx"/>
+      <dgm:constr type="h" for="des" forName="desTx" op="equ"/>
+      <dgm:constr type="w" for="des" forName="parSh"/>
+      <dgm:constr type="primFontSz" for="des" forName="parTx" val="65"/>
+      <dgm:constr type="secFontSz" for="des" forName="desTx" refType="primFontSz" refFor="des" refForName="parTx" op="equ"/>
+      <dgm:constr type="primFontSz" for="des" forName="connTx" refType="primFontSz" refFor="des" refForName="parTx" fact="0.8"/>
+      <dgm:constr type="primFontSz" for="des" forName="connTx" refType="primFontSz" refFor="des" refForName="parTx" op="lte" fact="0.8"/>
+      <dgm:constr type="h" for="des" forName="parTx" refType="primFontSz" refFor="des" refForName="parTx" fact="0.8"/>
+      <dgm:constr type="h" for="des" forName="parSh" refType="primFontSz" refFor="des" refForName="parTx" fact="1.2"/>
+      <dgm:constr type="h" for="des" forName="desTx" refType="primFontSz" refFor="des" refForName="parTx" fact="1.6"/>
+      <dgm:constr type="h" for="des" forName="parSh" refType="h" refFor="des" refForName="parTx" op="lte" fact="1.5"/>
+      <dgm:constr type="h" for="des" forName="parSh" refType="h" refFor="des" refForName="parTx" op="gte" fact="1.5"/>
+    </dgm:constrLst>
+    <dgm:ruleLst>
+      <dgm:rule type="w" for="ch" forName="composite" val="0" fact="NaN" max="NaN"/>
+      <dgm:rule type="primFontSz" for="des" forName="parTx" val="5" fact="NaN" max="NaN"/>
+    </dgm:ruleLst>
+    <dgm:forEach name="Name3" axis="ch" ptType="node">
+      <dgm:layoutNode name="composite">
+        <dgm:alg type="composite"/>
+        <dgm:shape xmlns:r="http://schemas.openxmlformats.org/officeDocument/2006/relationships" r:blip="">
+          <dgm:adjLst/>
+        </dgm:shape>
+        <dgm:presOf/>
+        <dgm:choose name="Name4">
+          <dgm:if name="Name5" func="var" arg="dir" op="equ" val="norm">
+            <dgm:constrLst>
+              <dgm:constr type="h" refType="w" fact="1000"/>
+              <dgm:constr type="l" for="ch" forName="parTx"/>
+              <dgm:constr type="w" for="ch" forName="parTx" refType="w" fact="0.83"/>
+              <dgm:constr type="t" for="ch" forName="parTx"/>
+              <dgm:constr type="l" for="ch" forName="parSh"/>
+              <dgm:constr type="w" for="ch" forName="parSh" refType="w" refFor="ch" refForName="parTx"/>
+              <dgm:constr type="t" for="ch" forName="parSh"/>
+              <dgm:constr type="l" for="ch" forName="desTx" refType="w" fact="0.17"/>
+              <dgm:constr type="w" for="ch" forName="desTx" refType="w" refFor="ch" refForName="parTx"/>
+              <dgm:constr type="t" for="ch" forName="desTx" refType="h" refFor="ch" refForName="parTx"/>
+            </dgm:constrLst>
+          </dgm:if>
+          <dgm:else name="Name6">
+            <dgm:constrLst>
+              <dgm:constr type="h" refType="w" fact="1000"/>
+              <dgm:constr type="l" for="ch" forName="parTx" refType="w" fact="0.17"/>
+              <dgm:constr type="w" for="ch" forName="parTx" refType="w" fact="0.83"/>
+              <dgm:constr type="t" for="ch" forName="parTx"/>
+              <dgm:constr type="l" for="ch" forName="parSh" refType="w" fact="0.15"/>
+              <dgm:constr type="w" for="ch" forName="parSh" refType="w" refFor="ch" refForName="parTx"/>
+              <dgm:constr type="t" for="ch" forName="parSh"/>
+              <dgm:constr type="l" for="ch" forName="desTx"/>
+              <dgm:constr type="w" for="ch" forName="desTx" refType="w" refFor="ch" refForName="parTx"/>
+              <dgm:constr type="t" for="ch" forName="desTx" refType="h" refFor="ch" refForName="parTx"/>
+            </dgm:constrLst>
+          </dgm:else>
+        </dgm:choose>
+        <dgm:ruleLst>
+          <dgm:rule type="h" val="INF" fact="NaN" max="NaN"/>
+        </dgm:ruleLst>
+        <dgm:layoutNode name="parTx">
+          <dgm:varLst>
+            <dgm:chMax val="0"/>
+            <dgm:chPref val="0"/>
+            <dgm:bulletEnabled val="1"/>
+          </dgm:varLst>
+          <dgm:alg type="tx">
+            <dgm:param type="parTxLTRAlign" val="l"/>
+            <dgm:param type="parTxRTLAlign" val="r"/>
+            <dgm:param type="txAnchorVert" val="t"/>
+          </dgm:alg>
+          <dgm:shape xmlns:r="http://schemas.openxmlformats.org/officeDocument/2006/relationships" type="rect" r:blip="" zOrderOff="1" hideGeom="1">
+            <dgm:adjLst>
+              <dgm:adj idx="1" val="0.1"/>
+            </dgm:adjLst>
+          </dgm:shape>
+          <dgm:presOf axis="self" ptType="node"/>
+          <dgm:constrLst>
+            <dgm:constr type="h" refType="w" op="lte" fact="0.4"/>
+            <dgm:constr type="bMarg" refType="primFontSz" fact="0.3"/>
+            <dgm:constr type="h"/>
+          </dgm:constrLst>
+          <dgm:ruleLst>
+            <dgm:rule type="h" val="INF" fact="NaN" max="NaN"/>
+          </dgm:ruleLst>
+        </dgm:layoutNode>
+        <dgm:layoutNode name="parSh">
+          <dgm:alg type="sp"/>
+          <dgm:shape xmlns:r="http://schemas.openxmlformats.org/officeDocument/2006/relationships" type="roundRect" r:blip="">
+            <dgm:adjLst>
+              <dgm:adj idx="1" val="0.1"/>
+            </dgm:adjLst>
+          </dgm:shape>
+          <dgm:presOf axis="self" ptType="node"/>
+          <dgm:constrLst>
+            <dgm:constr type="h"/>
+          </dgm:constrLst>
+          <dgm:ruleLst/>
+        </dgm:layoutNode>
+        <dgm:layoutNode name="desTx" styleLbl="fgAcc1">
+          <dgm:varLst>
+            <dgm:bulletEnabled val="1"/>
+          </dgm:varLst>
+          <dgm:alg type="tx">
+            <dgm:param type="stBulletLvl" val="1"/>
+          </dgm:alg>
+          <dgm:shape xmlns:r="http://schemas.openxmlformats.org/officeDocument/2006/relationships" type="roundRect" r:blip="">
+            <dgm:adjLst>
+              <dgm:adj idx="1" val="0.1"/>
+            </dgm:adjLst>
+          </dgm:shape>
+          <dgm:presOf axis="des" ptType="node"/>
+          <dgm:constrLst>
+            <dgm:constr type="secFontSz" val="65"/>
+            <dgm:constr type="primFontSz" refType="secFontSz"/>
+            <dgm:constr type="h"/>
+          </dgm:constrLst>
+          <dgm:ruleLst>
+            <dgm:rule type="h" val="INF" fact="NaN" max="NaN"/>
+          </dgm:ruleLst>
+        </dgm:layoutNode>
+      </dgm:layoutNode>
+      <dgm:forEach name="sibTransForEach" axis="followSib" ptType="sibTrans" cnt="1">
+        <dgm:layoutNode name="sibTrans">
+          <dgm:alg type="conn">
+            <dgm:param type="begPts" val="auto"/>
+            <dgm:param type="endPts" val="auto"/>
+            <dgm:param type="srcNode" val="parTx"/>
+            <dgm:param type="dstNode" val="parTx"/>
+          </dgm:alg>
+          <dgm:shape xmlns:r="http://schemas.openxmlformats.org/officeDocument/2006/relationships" type="conn" r:blip="">
+            <dgm:adjLst/>
+          </dgm:shape>
+          <dgm:presOf axis="self"/>
+          <dgm:constrLst>
+            <dgm:constr type="h" refType="w" fact="0.62"/>
+            <dgm:constr type="connDist"/>
+            <dgm:constr type="begPad" refType="connDist" fact="0.25"/>
+            <dgm:constr type="endPad" refType="connDist" fact="0.22"/>
+          </dgm:constrLst>
+          <dgm:ruleLst/>
+          <dgm:layoutNode name="connTx">
+            <dgm:alg type="tx">
+              <dgm:param type="autoTxRot" val="grav"/>
+            </dgm:alg>
+            <dgm:shape xmlns:r="http://schemas.openxmlformats.org/officeDocument/2006/relationships" type="conn" r:blip="" hideGeom="1">
+              <dgm:adjLst/>
+            </dgm:shape>
+            <dgm:presOf axis="self"/>
+            <dgm:constrLst>
+              <dgm:constr type="lMarg"/>
+              <dgm:constr type="rMarg"/>
+              <dgm:constr type="tMarg"/>
+              <dgm:constr type="bMarg"/>
+            </dgm:constrLst>
+            <dgm:ruleLst>
+              <dgm:rule type="primFontSz" val="5" fact="NaN" max="NaN"/>
+            </dgm:ruleLst>
+          </dgm:layoutNode>
+        </dgm:layoutNode>
+      </dgm:forEach>
+    </dgm:forEach>
+  </dgm:layoutNode>
+</dgm:layoutDef>
+</file>
+
+<file path=ppt/diagrams/layout4.xml><?xml version="1.0" encoding="utf-8"?>
+<dgm:layoutDef xmlns:dgm="http://schemas.openxmlformats.org/drawingml/2006/diagram" xmlns:a="http://schemas.openxmlformats.org/drawingml/2006/main" uniqueId="urn:microsoft.com/office/officeart/2005/8/layout/process3">
+  <dgm:title val=""/>
+  <dgm:desc val=""/>
+  <dgm:catLst>
+    <dgm:cat type="process" pri="2000"/>
+  </dgm:catLst>
+  <dgm:sampData>
+    <dgm:dataModel>
+      <dgm:ptLst>
+        <dgm:pt modelId="0" type="doc"/>
+        <dgm:pt modelId="1">
+          <dgm:prSet phldr="1"/>
+        </dgm:pt>
+        <dgm:pt modelId="11">
+          <dgm:prSet phldr="1"/>
+        </dgm:pt>
+        <dgm:pt modelId="2">
+          <dgm:prSet phldr="1"/>
+        </dgm:pt>
+        <dgm:pt modelId="21">
+          <dgm:prSet phldr="1"/>
+        </dgm:pt>
+        <dgm:pt modelId="3">
+          <dgm:prSet phldr="1"/>
+        </dgm:pt>
+        <dgm:pt modelId="31">
+          <dgm:prSet phldr="1"/>
+        </dgm:pt>
+      </dgm:ptLst>
+      <dgm:cxnLst>
+        <dgm:cxn modelId="4" srcId="0" destId="1" srcOrd="0" destOrd="0"/>
+        <dgm:cxn modelId="5" srcId="0" destId="2" srcOrd="1" destOrd="0"/>
+        <dgm:cxn modelId="6" srcId="0" destId="3" srcOrd="3" destOrd="0"/>
+        <dgm:cxn modelId="12" srcId="1" destId="11" srcOrd="0" destOrd="0"/>
+        <dgm:cxn modelId="23" srcId="2" destId="21" srcOrd="0" destOrd="0"/>
+        <dgm:cxn modelId="34" srcId="3" destId="31" srcOrd="0" destOrd="0"/>
+      </dgm:cxnLst>
+      <dgm:bg/>
+      <dgm:whole/>
+    </dgm:dataModel>
+  </dgm:sampData>
+  <dgm:styleData>
+    <dgm:dataModel>
+      <dgm:ptLst>
+        <dgm:pt modelId="0" type="doc"/>
+        <dgm:pt modelId="1">
+          <dgm:prSet phldr="1"/>
+        </dgm:pt>
+        <dgm:pt modelId="11">
+          <dgm:prSet phldr="1"/>
+        </dgm:pt>
+        <dgm:pt modelId="2">
+          <dgm:prSet phldr="1"/>
+        </dgm:pt>
+        <dgm:pt modelId="21">
+          <dgm:prSet phldr="1"/>
+        </dgm:pt>
+      </dgm:ptLst>
+      <dgm:cxnLst>
+        <dgm:cxn modelId="4" srcId="0" destId="1" srcOrd="0" destOrd="0"/>
+        <dgm:cxn modelId="5" srcId="0" destId="2" srcOrd="1" destOrd="0"/>
+        <dgm:cxn modelId="13" srcId="1" destId="11" srcOrd="0" destOrd="0"/>
+        <dgm:cxn modelId="23" srcId="2" destId="21" srcOrd="0" destOrd="0"/>
+      </dgm:cxnLst>
+      <dgm:bg/>
+      <dgm:whole/>
+    </dgm:dataModel>
+  </dgm:styleData>
+  <dgm:clrData>
+    <dgm:dataModel>
+      <dgm:ptLst>
+        <dgm:pt modelId="0" type="doc"/>
+        <dgm:pt modelId="1">
+          <dgm:prSet phldr="1"/>
+        </dgm:pt>
+        <dgm:pt modelId="11">
+          <dgm:prSet phldr="1"/>
+        </dgm:pt>
+        <dgm:pt modelId="2">
+          <dgm:prSet phldr="1"/>
+        </dgm:pt>
+        <dgm:pt modelId="21">
+          <dgm:prSet phldr="1"/>
+        </dgm:pt>
+        <dgm:pt modelId="3">
+          <dgm:prSet phldr="1"/>
+        </dgm:pt>
+        <dgm:pt modelId="31">
+          <dgm:prSet phldr="1"/>
+        </dgm:pt>
+        <dgm:pt modelId="4">
+          <dgm:prSet phldr="1"/>
+        </dgm:pt>
+        <dgm:pt modelId="41">
+          <dgm:prSet phldr="1"/>
+        </dgm:pt>
+      </dgm:ptLst>
+      <dgm:cxnLst>
+        <dgm:cxn modelId="5" srcId="0" destId="1" srcOrd="0" destOrd="0"/>
+        <dgm:cxn modelId="6" srcId="0" destId="2" srcOrd="1" destOrd="0"/>
+        <dgm:cxn modelId="7" srcId="0" destId="3" srcOrd="2" destOrd="0"/>
+        <dgm:cxn modelId="8" srcId="0" destId="4" srcOrd="3" destOrd="0"/>
+        <dgm:cxn modelId="13" srcId="1" destId="11" srcOrd="0" destOrd="0"/>
+        <dgm:cxn modelId="23" srcId="2" destId="21" srcOrd="0" destOrd="0"/>
+        <dgm:cxn modelId="33" srcId="3" destId="31" srcOrd="0" destOrd="0"/>
+        <dgm:cxn modelId="43" srcId="4" destId="41" srcOrd="0" destOrd="0"/>
+      </dgm:cxnLst>
+      <dgm:bg/>
+      <dgm:whole/>
+    </dgm:dataModel>
+  </dgm:clrData>
+  <dgm:layoutNode name="linearFlow">
+    <dgm:varLst>
+      <dgm:dir/>
+      <dgm:animLvl val="lvl"/>
+      <dgm:resizeHandles val="exact"/>
+    </dgm:varLst>
+    <dgm:choose name="Name0">
+      <dgm:if name="Name1" func="var" arg="dir" op="equ" val="norm">
+        <dgm:alg type="lin"/>
+      </dgm:if>
+      <dgm:else name="Name2">
+        <dgm:alg type="lin">
+          <dgm:param type="linDir" val="fromR"/>
+        </dgm:alg>
+      </dgm:else>
+    </dgm:choose>
+    <dgm:shape xmlns:r="http://schemas.openxmlformats.org/officeDocument/2006/relationships" r:blip="">
+      <dgm:adjLst/>
+    </dgm:shape>
+    <dgm:presOf/>
+    <dgm:constrLst>
+      <dgm:constr type="w" for="ch" forName="composite" refType="w"/>
+      <dgm:constr type="w" for="ch" ptType="sibTrans" refType="w" refFor="ch" refForName="composite" fact="0.3333"/>
+      <dgm:constr type="w" for="des" forName="parTx"/>
+      <dgm:constr type="h" for="des" forName="parTx" op="equ"/>
+      <dgm:constr type="h" for="des" forName="parSh" op="equ"/>
+      <dgm:constr type="w" for="des" forName="desTx"/>
+      <dgm:constr type="h" for="des" forName="desTx" op="equ"/>
+      <dgm:constr type="w" for="des" forName="parSh"/>
+      <dgm:constr type="primFontSz" for="des" forName="parTx" val="65"/>
+      <dgm:constr type="secFontSz" for="des" forName="desTx" refType="primFontSz" refFor="des" refForName="parTx" op="equ"/>
+      <dgm:constr type="primFontSz" for="des" forName="connTx" refType="primFontSz" refFor="des" refForName="parTx" fact="0.8"/>
+      <dgm:constr type="primFontSz" for="des" forName="connTx" refType="primFontSz" refFor="des" refForName="parTx" op="lte" fact="0.8"/>
+      <dgm:constr type="h" for="des" forName="parTx" refType="primFontSz" refFor="des" refForName="parTx" fact="0.8"/>
+      <dgm:constr type="h" for="des" forName="parSh" refType="primFontSz" refFor="des" refForName="parTx" fact="1.2"/>
+      <dgm:constr type="h" for="des" forName="desTx" refType="primFontSz" refFor="des" refForName="parTx" fact="1.6"/>
+      <dgm:constr type="h" for="des" forName="parSh" refType="h" refFor="des" refForName="parTx" op="lte" fact="1.5"/>
+      <dgm:constr type="h" for="des" forName="parSh" refType="h" refFor="des" refForName="parTx" op="gte" fact="1.5"/>
+    </dgm:constrLst>
+    <dgm:ruleLst>
+      <dgm:rule type="w" for="ch" forName="composite" val="0" fact="NaN" max="NaN"/>
+      <dgm:rule type="primFontSz" for="des" forName="parTx" val="5" fact="NaN" max="NaN"/>
+    </dgm:ruleLst>
+    <dgm:forEach name="Name3" axis="ch" ptType="node">
+      <dgm:layoutNode name="composite">
+        <dgm:alg type="composite"/>
+        <dgm:shape xmlns:r="http://schemas.openxmlformats.org/officeDocument/2006/relationships" r:blip="">
+          <dgm:adjLst/>
+        </dgm:shape>
+        <dgm:presOf/>
+        <dgm:choose name="Name4">
+          <dgm:if name="Name5" func="var" arg="dir" op="equ" val="norm">
+            <dgm:constrLst>
+              <dgm:constr type="h" refType="w" fact="1000"/>
+              <dgm:constr type="l" for="ch" forName="parTx"/>
+              <dgm:constr type="w" for="ch" forName="parTx" refType="w" fact="0.83"/>
+              <dgm:constr type="t" for="ch" forName="parTx"/>
+              <dgm:constr type="l" for="ch" forName="parSh"/>
+              <dgm:constr type="w" for="ch" forName="parSh" refType="w" refFor="ch" refForName="parTx"/>
+              <dgm:constr type="t" for="ch" forName="parSh"/>
+              <dgm:constr type="l" for="ch" forName="desTx" refType="w" fact="0.17"/>
+              <dgm:constr type="w" for="ch" forName="desTx" refType="w" refFor="ch" refForName="parTx"/>
+              <dgm:constr type="t" for="ch" forName="desTx" refType="h" refFor="ch" refForName="parTx"/>
+            </dgm:constrLst>
+          </dgm:if>
+          <dgm:else name="Name6">
+            <dgm:constrLst>
+              <dgm:constr type="h" refType="w" fact="1000"/>
+              <dgm:constr type="l" for="ch" forName="parTx" refType="w" fact="0.17"/>
+              <dgm:constr type="w" for="ch" forName="parTx" refType="w" fact="0.83"/>
+              <dgm:constr type="t" for="ch" forName="parTx"/>
+              <dgm:constr type="l" for="ch" forName="parSh" refType="w" fact="0.15"/>
+              <dgm:constr type="w" for="ch" forName="parSh" refType="w" refFor="ch" refForName="parTx"/>
+              <dgm:constr type="t" for="ch" forName="parSh"/>
+              <dgm:constr type="l" for="ch" forName="desTx"/>
+              <dgm:constr type="w" for="ch" forName="desTx" refType="w" refFor="ch" refForName="parTx"/>
+              <dgm:constr type="t" for="ch" forName="desTx" refType="h" refFor="ch" refForName="parTx"/>
+            </dgm:constrLst>
+          </dgm:else>
+        </dgm:choose>
+        <dgm:ruleLst>
+          <dgm:rule type="h" val="INF" fact="NaN" max="NaN"/>
+        </dgm:ruleLst>
+        <dgm:layoutNode name="parTx">
+          <dgm:varLst>
+            <dgm:chMax val="0"/>
+            <dgm:chPref val="0"/>
+            <dgm:bulletEnabled val="1"/>
+          </dgm:varLst>
+          <dgm:alg type="tx">
+            <dgm:param type="parTxLTRAlign" val="l"/>
+            <dgm:param type="parTxRTLAlign" val="r"/>
+            <dgm:param type="txAnchorVert" val="t"/>
+          </dgm:alg>
+          <dgm:shape xmlns:r="http://schemas.openxmlformats.org/officeDocument/2006/relationships" type="rect" r:blip="" zOrderOff="1" hideGeom="1">
+            <dgm:adjLst>
+              <dgm:adj idx="1" val="0.1"/>
+            </dgm:adjLst>
+          </dgm:shape>
+          <dgm:presOf axis="self" ptType="node"/>
+          <dgm:constrLst>
+            <dgm:constr type="h" refType="w" op="lte" fact="0.4"/>
+            <dgm:constr type="bMarg" refType="primFontSz" fact="0.3"/>
+            <dgm:constr type="h"/>
+          </dgm:constrLst>
+          <dgm:ruleLst>
+            <dgm:rule type="h" val="INF" fact="NaN" max="NaN"/>
+          </dgm:ruleLst>
+        </dgm:layoutNode>
+        <dgm:layoutNode name="parSh">
+          <dgm:alg type="sp"/>
+          <dgm:shape xmlns:r="http://schemas.openxmlformats.org/officeDocument/2006/relationships" type="roundRect" r:blip="">
+            <dgm:adjLst>
+              <dgm:adj idx="1" val="0.1"/>
+            </dgm:adjLst>
+          </dgm:shape>
+          <dgm:presOf axis="self" ptType="node"/>
+          <dgm:constrLst>
+            <dgm:constr type="h"/>
+          </dgm:constrLst>
+          <dgm:ruleLst/>
+        </dgm:layoutNode>
+        <dgm:layoutNode name="desTx" styleLbl="fgAcc1">
+          <dgm:varLst>
+            <dgm:bulletEnabled val="1"/>
+          </dgm:varLst>
+          <dgm:alg type="tx">
+            <dgm:param type="stBulletLvl" val="1"/>
+          </dgm:alg>
+          <dgm:shape xmlns:r="http://schemas.openxmlformats.org/officeDocument/2006/relationships" type="roundRect" r:blip="">
+            <dgm:adjLst>
+              <dgm:adj idx="1" val="0.1"/>
+            </dgm:adjLst>
+          </dgm:shape>
+          <dgm:presOf axis="des" ptType="node"/>
+          <dgm:constrLst>
+            <dgm:constr type="secFontSz" val="65"/>
+            <dgm:constr type="primFontSz" refType="secFontSz"/>
+            <dgm:constr type="h"/>
+          </dgm:constrLst>
+          <dgm:ruleLst>
+            <dgm:rule type="h" val="INF" fact="NaN" max="NaN"/>
+          </dgm:ruleLst>
+        </dgm:layoutNode>
+      </dgm:layoutNode>
+      <dgm:forEach name="sibTransForEach" axis="followSib" ptType="sibTrans" cnt="1">
+        <dgm:layoutNode name="sibTrans">
+          <dgm:alg type="conn">
+            <dgm:param type="begPts" val="auto"/>
+            <dgm:param type="endPts" val="auto"/>
+            <dgm:param type="srcNode" val="parTx"/>
+            <dgm:param type="dstNode" val="parTx"/>
+          </dgm:alg>
+          <dgm:shape xmlns:r="http://schemas.openxmlformats.org/officeDocument/2006/relationships" type="conn" r:blip="">
+            <dgm:adjLst/>
+          </dgm:shape>
+          <dgm:presOf axis="self"/>
+          <dgm:constrLst>
+            <dgm:constr type="h" refType="w" fact="0.62"/>
+            <dgm:constr type="connDist"/>
+            <dgm:constr type="begPad" refType="connDist" fact="0.25"/>
+            <dgm:constr type="endPad" refType="connDist" fact="0.22"/>
+          </dgm:constrLst>
+          <dgm:ruleLst/>
+          <dgm:layoutNode name="connTx">
+            <dgm:alg type="tx">
+              <dgm:param type="autoTxRot" val="grav"/>
+            </dgm:alg>
+            <dgm:shape xmlns:r="http://schemas.openxmlformats.org/officeDocument/2006/relationships" type="conn" r:blip="" hideGeom="1">
+              <dgm:adjLst/>
+            </dgm:shape>
+            <dgm:presOf axis="self"/>
+            <dgm:constrLst>
+              <dgm:constr type="lMarg"/>
+              <dgm:constr type="rMarg"/>
+              <dgm:constr type="tMarg"/>
+              <dgm:constr type="bMarg"/>
+            </dgm:constrLst>
+            <dgm:ruleLst>
+              <dgm:rule type="primFontSz" val="5" fact="NaN" max="NaN"/>
+            </dgm:ruleLst>
+          </dgm:layoutNode>
+        </dgm:layoutNode>
+      </dgm:forEach>
+    </dgm:forEach>
+  </dgm:layoutNode>
+</dgm:layoutDef>
+</file>
+
+<file path=ppt/diagrams/layout5.xml><?xml version="1.0" encoding="utf-8"?>
+<dgm:layoutDef xmlns:dgm="http://schemas.openxmlformats.org/drawingml/2006/diagram" xmlns:a="http://schemas.openxmlformats.org/drawingml/2006/main" uniqueId="urn:microsoft.com/office/officeart/2005/8/layout/process3">
+  <dgm:title val=""/>
+  <dgm:desc val=""/>
+  <dgm:catLst>
+    <dgm:cat type="process" pri="2000"/>
+  </dgm:catLst>
+  <dgm:sampData>
+    <dgm:dataModel>
+      <dgm:ptLst>
+        <dgm:pt modelId="0" type="doc"/>
+        <dgm:pt modelId="1">
+          <dgm:prSet phldr="1"/>
+        </dgm:pt>
+        <dgm:pt modelId="11">
+          <dgm:prSet phldr="1"/>
+        </dgm:pt>
+        <dgm:pt modelId="2">
+          <dgm:prSet phldr="1"/>
+        </dgm:pt>
+        <dgm:pt modelId="21">
+          <dgm:prSet phldr="1"/>
+        </dgm:pt>
+        <dgm:pt modelId="3">
+          <dgm:prSet phldr="1"/>
+        </dgm:pt>
+        <dgm:pt modelId="31">
+          <dgm:prSet phldr="1"/>
+        </dgm:pt>
+      </dgm:ptLst>
+      <dgm:cxnLst>
+        <dgm:cxn modelId="4" srcId="0" destId="1" srcOrd="0" destOrd="0"/>
+        <dgm:cxn modelId="5" srcId="0" destId="2" srcOrd="1" destOrd="0"/>
+        <dgm:cxn modelId="6" srcId="0" destId="3" srcOrd="3" destOrd="0"/>
+        <dgm:cxn modelId="12" srcId="1" destId="11" srcOrd="0" destOrd="0"/>
+        <dgm:cxn modelId="23" srcId="2" destId="21" srcOrd="0" destOrd="0"/>
+        <dgm:cxn modelId="34" srcId="3" destId="31" srcOrd="0" destOrd="0"/>
+      </dgm:cxnLst>
+      <dgm:bg/>
+      <dgm:whole/>
+    </dgm:dataModel>
+  </dgm:sampData>
+  <dgm:styleData>
+    <dgm:dataModel>
+      <dgm:ptLst>
+        <dgm:pt modelId="0" type="doc"/>
+        <dgm:pt modelId="1">
+          <dgm:prSet phldr="1"/>
+        </dgm:pt>
+        <dgm:pt modelId="11">
+          <dgm:prSet phldr="1"/>
+        </dgm:pt>
+        <dgm:pt modelId="2">
+          <dgm:prSet phldr="1"/>
+        </dgm:pt>
+        <dgm:pt modelId="21">
+          <dgm:prSet phldr="1"/>
+        </dgm:pt>
+      </dgm:ptLst>
+      <dgm:cxnLst>
+        <dgm:cxn modelId="4" srcId="0" destId="1" srcOrd="0" destOrd="0"/>
+        <dgm:cxn modelId="5" srcId="0" destId="2" srcOrd="1" destOrd="0"/>
+        <dgm:cxn modelId="13" srcId="1" destId="11" srcOrd="0" destOrd="0"/>
+        <dgm:cxn modelId="23" srcId="2" destId="21" srcOrd="0" destOrd="0"/>
+      </dgm:cxnLst>
+      <dgm:bg/>
+      <dgm:whole/>
+    </dgm:dataModel>
+  </dgm:styleData>
+  <dgm:clrData>
+    <dgm:dataModel>
+      <dgm:ptLst>
+        <dgm:pt modelId="0" type="doc"/>
+        <dgm:pt modelId="1">
+          <dgm:prSet phldr="1"/>
+        </dgm:pt>
+        <dgm:pt modelId="11">
+          <dgm:prSet phldr="1"/>
+        </dgm:pt>
+        <dgm:pt modelId="2">
+          <dgm:prSet phldr="1"/>
+        </dgm:pt>
+        <dgm:pt modelId="21">
+          <dgm:prSet phldr="1"/>
+        </dgm:pt>
+        <dgm:pt modelId="3">
+          <dgm:prSet phldr="1"/>
+        </dgm:pt>
+        <dgm:pt modelId="31">
+          <dgm:prSet phldr="1"/>
+        </dgm:pt>
+        <dgm:pt modelId="4">
+          <dgm:prSet phldr="1"/>
+        </dgm:pt>
+        <dgm:pt modelId="41">
+          <dgm:prSet phldr="1"/>
+        </dgm:pt>
+      </dgm:ptLst>
+      <dgm:cxnLst>
+        <dgm:cxn modelId="5" srcId="0" destId="1" srcOrd="0" destOrd="0"/>
+        <dgm:cxn modelId="6" srcId="0" destId="2" srcOrd="1" destOrd="0"/>
+        <dgm:cxn modelId="7" srcId="0" destId="3" srcOrd="2" destOrd="0"/>
+        <dgm:cxn modelId="8" srcId="0" destId="4" srcOrd="3" destOrd="0"/>
+        <dgm:cxn modelId="13" srcId="1" destId="11" srcOrd="0" destOrd="0"/>
+        <dgm:cxn modelId="23" srcId="2" destId="21" srcOrd="0" destOrd="0"/>
+        <dgm:cxn modelId="33" srcId="3" destId="31" srcOrd="0" destOrd="0"/>
+        <dgm:cxn modelId="43" srcId="4" destId="41" srcOrd="0" destOrd="0"/>
+      </dgm:cxnLst>
+      <dgm:bg/>
+      <dgm:whole/>
+    </dgm:dataModel>
+  </dgm:clrData>
+  <dgm:layoutNode name="linearFlow">
+    <dgm:varLst>
+      <dgm:dir/>
+      <dgm:animLvl val="lvl"/>
+      <dgm:resizeHandles val="exact"/>
+    </dgm:varLst>
+    <dgm:choose name="Name0">
+      <dgm:if name="Name1" func="var" arg="dir" op="equ" val="norm">
+        <dgm:alg type="lin"/>
+      </dgm:if>
+      <dgm:else name="Name2">
+        <dgm:alg type="lin">
+          <dgm:param type="linDir" val="fromR"/>
+        </dgm:alg>
+      </dgm:else>
+    </dgm:choose>
+    <dgm:shape xmlns:r="http://schemas.openxmlformats.org/officeDocument/2006/relationships" r:blip="">
+      <dgm:adjLst/>
+    </dgm:shape>
+    <dgm:presOf/>
+    <dgm:constrLst>
+      <dgm:constr type="w" for="ch" forName="composite" refType="w"/>
+      <dgm:constr type="w" for="ch" ptType="sibTrans" refType="w" refFor="ch" refForName="composite" fact="0.3333"/>
+      <dgm:constr type="w" for="des" forName="parTx"/>
+      <dgm:constr type="h" for="des" forName="parTx" op="equ"/>
+      <dgm:constr type="h" for="des" forName="parSh" op="equ"/>
+      <dgm:constr type="w" for="des" forName="desTx"/>
+      <dgm:constr type="h" for="des" forName="desTx" op="equ"/>
+      <dgm:constr type="w" for="des" forName="parSh"/>
+      <dgm:constr type="primFontSz" for="des" forName="parTx" val="65"/>
+      <dgm:constr type="secFontSz" for="des" forName="desTx" refType="primFontSz" refFor="des" refForName="parTx" op="equ"/>
+      <dgm:constr type="primFontSz" for="des" forName="connTx" refType="primFontSz" refFor="des" refForName="parTx" fact="0.8"/>
+      <dgm:constr type="primFontSz" for="des" forName="connTx" refType="primFontSz" refFor="des" refForName="parTx" op="lte" fact="0.8"/>
+      <dgm:constr type="h" for="des" forName="parTx" refType="primFontSz" refFor="des" refForName="parTx" fact="0.8"/>
+      <dgm:constr type="h" for="des" forName="parSh" refType="primFontSz" refFor="des" refForName="parTx" fact="1.2"/>
+      <dgm:constr type="h" for="des" forName="desTx" refType="primFontSz" refFor="des" refForName="parTx" fact="1.6"/>
+      <dgm:constr type="h" for="des" forName="parSh" refType="h" refFor="des" refForName="parTx" op="lte" fact="1.5"/>
+      <dgm:constr type="h" for="des" forName="parSh" refType="h" refFor="des" refForName="parTx" op="gte" fact="1.5"/>
+    </dgm:constrLst>
+    <dgm:ruleLst>
+      <dgm:rule type="w" for="ch" forName="composite" val="0" fact="NaN" max="NaN"/>
+      <dgm:rule type="primFontSz" for="des" forName="parTx" val="5" fact="NaN" max="NaN"/>
+    </dgm:ruleLst>
+    <dgm:forEach name="Name3" axis="ch" ptType="node">
+      <dgm:layoutNode name="composite">
+        <dgm:alg type="composite"/>
+        <dgm:shape xmlns:r="http://schemas.openxmlformats.org/officeDocument/2006/relationships" r:blip="">
+          <dgm:adjLst/>
+        </dgm:shape>
+        <dgm:presOf/>
+        <dgm:choose name="Name4">
+          <dgm:if name="Name5" func="var" arg="dir" op="equ" val="norm">
+            <dgm:constrLst>
+              <dgm:constr type="h" refType="w" fact="1000"/>
+              <dgm:constr type="l" for="ch" forName="parTx"/>
+              <dgm:constr type="w" for="ch" forName="parTx" refType="w" fact="0.83"/>
+              <dgm:constr type="t" for="ch" forName="parTx"/>
+              <dgm:constr type="l" for="ch" forName="parSh"/>
+              <dgm:constr type="w" for="ch" forName="parSh" refType="w" refFor="ch" refForName="parTx"/>
+              <dgm:constr type="t" for="ch" forName="parSh"/>
+              <dgm:constr type="l" for="ch" forName="desTx" refType="w" fact="0.17"/>
+              <dgm:constr type="w" for="ch" forName="desTx" refType="w" refFor="ch" refForName="parTx"/>
+              <dgm:constr type="t" for="ch" forName="desTx" refType="h" refFor="ch" refForName="parTx"/>
+            </dgm:constrLst>
+          </dgm:if>
+          <dgm:else name="Name6">
+            <dgm:constrLst>
+              <dgm:constr type="h" refType="w" fact="1000"/>
+              <dgm:constr type="l" for="ch" forName="parTx" refType="w" fact="0.17"/>
+              <dgm:constr type="w" for="ch" forName="parTx" refType="w" fact="0.83"/>
+              <dgm:constr type="t" for="ch" forName="parTx"/>
+              <dgm:constr type="l" for="ch" forName="parSh" refType="w" fact="0.15"/>
+              <dgm:constr type="w" for="ch" forName="parSh" refType="w" refFor="ch" refForName="parTx"/>
+              <dgm:constr type="t" for="ch" forName="parSh"/>
+              <dgm:constr type="l" for="ch" forName="desTx"/>
+              <dgm:constr type="w" for="ch" forName="desTx" refType="w" refFor="ch" refForName="parTx"/>
+              <dgm:constr type="t" for="ch" forName="desTx" refType="h" refFor="ch" refForName="parTx"/>
+            </dgm:constrLst>
+          </dgm:else>
+        </dgm:choose>
+        <dgm:ruleLst>
+          <dgm:rule type="h" val="INF" fact="NaN" max="NaN"/>
+        </dgm:ruleLst>
+        <dgm:layoutNode name="parTx">
+          <dgm:varLst>
+            <dgm:chMax val="0"/>
+            <dgm:chPref val="0"/>
+            <dgm:bulletEnabled val="1"/>
+          </dgm:varLst>
+          <dgm:alg type="tx">
+            <dgm:param type="parTxLTRAlign" val="l"/>
+            <dgm:param type="parTxRTLAlign" val="r"/>
+            <dgm:param type="txAnchorVert" val="t"/>
+          </dgm:alg>
+          <dgm:shape xmlns:r="http://schemas.openxmlformats.org/officeDocument/2006/relationships" type="rect" r:blip="" zOrderOff="1" hideGeom="1">
+            <dgm:adjLst>
+              <dgm:adj idx="1" val="0.1"/>
+            </dgm:adjLst>
+          </dgm:shape>
+          <dgm:presOf axis="self" ptType="node"/>
+          <dgm:constrLst>
+            <dgm:constr type="h" refType="w" op="lte" fact="0.4"/>
+            <dgm:constr type="bMarg" refType="primFontSz" fact="0.3"/>
+            <dgm:constr type="h"/>
+          </dgm:constrLst>
+          <dgm:ruleLst>
+            <dgm:rule type="h" val="INF" fact="NaN" max="NaN"/>
+          </dgm:ruleLst>
+        </dgm:layoutNode>
+        <dgm:layoutNode name="parSh">
+          <dgm:alg type="sp"/>
+          <dgm:shape xmlns:r="http://schemas.openxmlformats.org/officeDocument/2006/relationships" type="roundRect" r:blip="">
+            <dgm:adjLst>
+              <dgm:adj idx="1" val="0.1"/>
+            </dgm:adjLst>
+          </dgm:shape>
+          <dgm:presOf axis="self" ptType="node"/>
+          <dgm:constrLst>
+            <dgm:constr type="h"/>
+          </dgm:constrLst>
+          <dgm:ruleLst/>
+        </dgm:layoutNode>
+        <dgm:layoutNode name="desTx" styleLbl="fgAcc1">
+          <dgm:varLst>
+            <dgm:bulletEnabled val="1"/>
+          </dgm:varLst>
+          <dgm:alg type="tx">
+            <dgm:param type="stBulletLvl" val="1"/>
+          </dgm:alg>
+          <dgm:shape xmlns:r="http://schemas.openxmlformats.org/officeDocument/2006/relationships" type="roundRect" r:blip="">
+            <dgm:adjLst>
+              <dgm:adj idx="1" val="0.1"/>
+            </dgm:adjLst>
+          </dgm:shape>
+          <dgm:presOf axis="des" ptType="node"/>
+          <dgm:constrLst>
+            <dgm:constr type="secFontSz" val="65"/>
+            <dgm:constr type="primFontSz" refType="secFontSz"/>
+            <dgm:constr type="h"/>
+          </dgm:constrLst>
+          <dgm:ruleLst>
+            <dgm:rule type="h" val="INF" fact="NaN" max="NaN"/>
+          </dgm:ruleLst>
+        </dgm:layoutNode>
+      </dgm:layoutNode>
+      <dgm:forEach name="sibTransForEach" axis="followSib" ptType="sibTrans" cnt="1">
+        <dgm:layoutNode name="sibTrans">
+          <dgm:alg type="conn">
+            <dgm:param type="begPts" val="auto"/>
+            <dgm:param type="endPts" val="auto"/>
+            <dgm:param type="srcNode" val="parTx"/>
+            <dgm:param type="dstNode" val="parTx"/>
+          </dgm:alg>
+          <dgm:shape xmlns:r="http://schemas.openxmlformats.org/officeDocument/2006/relationships" type="conn" r:blip="">
+            <dgm:adjLst/>
+          </dgm:shape>
+          <dgm:presOf axis="self"/>
+          <dgm:constrLst>
+            <dgm:constr type="h" refType="w" fact="0.62"/>
+            <dgm:constr type="connDist"/>
+            <dgm:constr type="begPad" refType="connDist" fact="0.25"/>
+            <dgm:constr type="endPad" refType="connDist" fact="0.22"/>
+          </dgm:constrLst>
+          <dgm:ruleLst/>
+          <dgm:layoutNode name="connTx">
+            <dgm:alg type="tx">
+              <dgm:param type="autoTxRot" val="grav"/>
+            </dgm:alg>
+            <dgm:shape xmlns:r="http://schemas.openxmlformats.org/officeDocument/2006/relationships" type="conn" r:blip="" hideGeom="1">
+              <dgm:adjLst/>
+            </dgm:shape>
+            <dgm:presOf axis="self"/>
+            <dgm:constrLst>
+              <dgm:constr type="lMarg"/>
+              <dgm:constr type="rMarg"/>
+              <dgm:constr type="tMarg"/>
+              <dgm:constr type="bMarg"/>
+            </dgm:constrLst>
+            <dgm:ruleLst>
+              <dgm:rule type="primFontSz" val="5" fact="NaN" max="NaN"/>
+            </dgm:ruleLst>
+          </dgm:layoutNode>
+        </dgm:layoutNode>
+      </dgm:forEach>
+    </dgm:forEach>
+  </dgm:layoutNode>
+</dgm:layoutDef>
+</file>
+
 <file path=ppt/diagrams/quickStyle1.xml><?xml version="1.0" encoding="utf-8"?>
 <dgm:styleDef xmlns:dgm="http://schemas.openxmlformats.org/drawingml/2006/diagram" xmlns:a="http://schemas.openxmlformats.org/drawingml/2006/main" uniqueId="urn:microsoft.com/office/officeart/2005/8/quickstyle/simple5">
   <dgm:title val=""/>
@@ -4290,6 +8685,3108 @@
 </file>
 
 <file path=ppt/diagrams/quickStyle2.xml><?xml version="1.0" encoding="utf-8"?>
+<dgm:styleDef xmlns:dgm="http://schemas.openxmlformats.org/drawingml/2006/diagram" xmlns:a="http://schemas.openxmlformats.org/drawingml/2006/main" uniqueId="urn:microsoft.com/office/officeart/2005/8/quickstyle/simple5">
+  <dgm:title val=""/>
+  <dgm:desc val=""/>
+  <dgm:catLst>
+    <dgm:cat type="simple" pri="10500"/>
+  </dgm:catLst>
+  <dgm:scene3d>
+    <a:camera prst="orthographicFront"/>
+    <a:lightRig rig="threePt" dir="t"/>
+  </dgm:scene3d>
+  <dgm:styleLbl name="node0">
+    <dgm:scene3d>
+      <a:camera prst="orthographicFront"/>
+      <a:lightRig rig="threePt" dir="t"/>
+    </dgm:scene3d>
+    <dgm:sp3d/>
+    <dgm:txPr/>
+    <dgm:style>
+      <a:lnRef idx="0">
+        <a:scrgbClr r="0" g="0" b="0"/>
+      </a:lnRef>
+      <a:fillRef idx="3">
+        <a:scrgbClr r="0" g="0" b="0"/>
+      </a:fillRef>
+      <a:effectRef idx="3">
+        <a:scrgbClr r="0" g="0" b="0"/>
+      </a:effectRef>
+      <a:fontRef idx="minor">
+        <a:schemeClr val="lt1"/>
+      </a:fontRef>
+    </dgm:style>
+  </dgm:styleLbl>
+  <dgm:styleLbl name="lnNode1">
+    <dgm:scene3d>
+      <a:camera prst="orthographicFront"/>
+      <a:lightRig rig="threePt" dir="t"/>
+    </dgm:scene3d>
+    <dgm:sp3d/>
+    <dgm:txPr/>
+    <dgm:style>
+      <a:lnRef idx="0">
+        <a:scrgbClr r="0" g="0" b="0"/>
+      </a:lnRef>
+      <a:fillRef idx="3">
+        <a:scrgbClr r="0" g="0" b="0"/>
+      </a:fillRef>
+      <a:effectRef idx="3">
+        <a:scrgbClr r="0" g="0" b="0"/>
+      </a:effectRef>
+      <a:fontRef idx="minor">
+        <a:schemeClr val="lt1"/>
+      </a:fontRef>
+    </dgm:style>
+  </dgm:styleLbl>
+  <dgm:styleLbl name="vennNode1">
+    <dgm:scene3d>
+      <a:camera prst="orthographicFront"/>
+      <a:lightRig rig="threePt" dir="t"/>
+    </dgm:scene3d>
+    <dgm:sp3d/>
+    <dgm:txPr/>
+    <dgm:style>
+      <a:lnRef idx="0">
+        <a:scrgbClr r="0" g="0" b="0"/>
+      </a:lnRef>
+      <a:fillRef idx="3">
+        <a:scrgbClr r="0" g="0" b="0"/>
+      </a:fillRef>
+      <a:effectRef idx="3">
+        <a:scrgbClr r="0" g="0" b="0"/>
+      </a:effectRef>
+      <a:fontRef idx="minor">
+        <a:schemeClr val="tx1"/>
+      </a:fontRef>
+    </dgm:style>
+  </dgm:styleLbl>
+  <dgm:styleLbl name="alignNode1">
+    <dgm:scene3d>
+      <a:camera prst="orthographicFront"/>
+      <a:lightRig rig="threePt" dir="t"/>
+    </dgm:scene3d>
+    <dgm:sp3d/>
+    <dgm:txPr/>
+    <dgm:style>
+      <a:lnRef idx="1">
+        <a:scrgbClr r="0" g="0" b="0"/>
+      </a:lnRef>
+      <a:fillRef idx="3">
+        <a:scrgbClr r="0" g="0" b="0"/>
+      </a:fillRef>
+      <a:effectRef idx="3">
+        <a:scrgbClr r="0" g="0" b="0"/>
+      </a:effectRef>
+      <a:fontRef idx="minor">
+        <a:schemeClr val="lt1"/>
+      </a:fontRef>
+    </dgm:style>
+  </dgm:styleLbl>
+  <dgm:styleLbl name="node1">
+    <dgm:scene3d>
+      <a:camera prst="orthographicFront"/>
+      <a:lightRig rig="threePt" dir="t"/>
+    </dgm:scene3d>
+    <dgm:sp3d/>
+    <dgm:txPr/>
+    <dgm:style>
+      <a:lnRef idx="0">
+        <a:scrgbClr r="0" g="0" b="0"/>
+      </a:lnRef>
+      <a:fillRef idx="3">
+        <a:scrgbClr r="0" g="0" b="0"/>
+      </a:fillRef>
+      <a:effectRef idx="3">
+        <a:scrgbClr r="0" g="0" b="0"/>
+      </a:effectRef>
+      <a:fontRef idx="minor">
+        <a:schemeClr val="lt1"/>
+      </a:fontRef>
+    </dgm:style>
+  </dgm:styleLbl>
+  <dgm:styleLbl name="node2">
+    <dgm:scene3d>
+      <a:camera prst="orthographicFront"/>
+      <a:lightRig rig="threePt" dir="t"/>
+    </dgm:scene3d>
+    <dgm:sp3d/>
+    <dgm:txPr/>
+    <dgm:style>
+      <a:lnRef idx="0">
+        <a:scrgbClr r="0" g="0" b="0"/>
+      </a:lnRef>
+      <a:fillRef idx="3">
+        <a:scrgbClr r="0" g="0" b="0"/>
+      </a:fillRef>
+      <a:effectRef idx="3">
+        <a:scrgbClr r="0" g="0" b="0"/>
+      </a:effectRef>
+      <a:fontRef idx="minor">
+        <a:schemeClr val="lt1"/>
+      </a:fontRef>
+    </dgm:style>
+  </dgm:styleLbl>
+  <dgm:styleLbl name="node3">
+    <dgm:scene3d>
+      <a:camera prst="orthographicFront"/>
+      <a:lightRig rig="threePt" dir="t"/>
+    </dgm:scene3d>
+    <dgm:sp3d/>
+    <dgm:txPr/>
+    <dgm:style>
+      <a:lnRef idx="0">
+        <a:scrgbClr r="0" g="0" b="0"/>
+      </a:lnRef>
+      <a:fillRef idx="3">
+        <a:scrgbClr r="0" g="0" b="0"/>
+      </a:fillRef>
+      <a:effectRef idx="3">
+        <a:scrgbClr r="0" g="0" b="0"/>
+      </a:effectRef>
+      <a:fontRef idx="minor">
+        <a:schemeClr val="lt1"/>
+      </a:fontRef>
+    </dgm:style>
+  </dgm:styleLbl>
+  <dgm:styleLbl name="node4">
+    <dgm:scene3d>
+      <a:camera prst="orthographicFront"/>
+      <a:lightRig rig="threePt" dir="t"/>
+    </dgm:scene3d>
+    <dgm:sp3d/>
+    <dgm:txPr/>
+    <dgm:style>
+      <a:lnRef idx="0">
+        <a:scrgbClr r="0" g="0" b="0"/>
+      </a:lnRef>
+      <a:fillRef idx="3">
+        <a:scrgbClr r="0" g="0" b="0"/>
+      </a:fillRef>
+      <a:effectRef idx="3">
+        <a:scrgbClr r="0" g="0" b="0"/>
+      </a:effectRef>
+      <a:fontRef idx="minor">
+        <a:schemeClr val="lt1"/>
+      </a:fontRef>
+    </dgm:style>
+  </dgm:styleLbl>
+  <dgm:styleLbl name="fgImgPlace1">
+    <dgm:scene3d>
+      <a:camera prst="orthographicFront"/>
+      <a:lightRig rig="threePt" dir="t"/>
+    </dgm:scene3d>
+    <dgm:sp3d/>
+    <dgm:txPr/>
+    <dgm:style>
+      <a:lnRef idx="0">
+        <a:scrgbClr r="0" g="0" b="0"/>
+      </a:lnRef>
+      <a:fillRef idx="1">
+        <a:scrgbClr r="0" g="0" b="0"/>
+      </a:fillRef>
+      <a:effectRef idx="3">
+        <a:scrgbClr r="0" g="0" b="0"/>
+      </a:effectRef>
+      <a:fontRef idx="minor"/>
+    </dgm:style>
+  </dgm:styleLbl>
+  <dgm:styleLbl name="alignImgPlace1">
+    <dgm:scene3d>
+      <a:camera prst="orthographicFront"/>
+      <a:lightRig rig="threePt" dir="t"/>
+    </dgm:scene3d>
+    <dgm:sp3d/>
+    <dgm:txPr/>
+    <dgm:style>
+      <a:lnRef idx="0">
+        <a:scrgbClr r="0" g="0" b="0"/>
+      </a:lnRef>
+      <a:fillRef idx="1">
+        <a:scrgbClr r="0" g="0" b="0"/>
+      </a:fillRef>
+      <a:effectRef idx="3">
+        <a:scrgbClr r="0" g="0" b="0"/>
+      </a:effectRef>
+      <a:fontRef idx="minor"/>
+    </dgm:style>
+  </dgm:styleLbl>
+  <dgm:styleLbl name="bgImgPlace1">
+    <dgm:scene3d>
+      <a:camera prst="orthographicFront"/>
+      <a:lightRig rig="threePt" dir="t"/>
+    </dgm:scene3d>
+    <dgm:sp3d/>
+    <dgm:txPr/>
+    <dgm:style>
+      <a:lnRef idx="0">
+        <a:scrgbClr r="0" g="0" b="0"/>
+      </a:lnRef>
+      <a:fillRef idx="1">
+        <a:scrgbClr r="0" g="0" b="0"/>
+      </a:fillRef>
+      <a:effectRef idx="3">
+        <a:scrgbClr r="0" g="0" b="0"/>
+      </a:effectRef>
+      <a:fontRef idx="minor"/>
+    </dgm:style>
+  </dgm:styleLbl>
+  <dgm:styleLbl name="sibTrans2D1">
+    <dgm:scene3d>
+      <a:camera prst="orthographicFront"/>
+      <a:lightRig rig="threePt" dir="t"/>
+    </dgm:scene3d>
+    <dgm:sp3d/>
+    <dgm:txPr/>
+    <dgm:style>
+      <a:lnRef idx="0">
+        <a:scrgbClr r="0" g="0" b="0"/>
+      </a:lnRef>
+      <a:fillRef idx="3">
+        <a:scrgbClr r="0" g="0" b="0"/>
+      </a:fillRef>
+      <a:effectRef idx="3">
+        <a:scrgbClr r="0" g="0" b="0"/>
+      </a:effectRef>
+      <a:fontRef idx="minor">
+        <a:schemeClr val="lt1"/>
+      </a:fontRef>
+    </dgm:style>
+  </dgm:styleLbl>
+  <dgm:styleLbl name="fgSibTrans2D1">
+    <dgm:scene3d>
+      <a:camera prst="orthographicFront"/>
+      <a:lightRig rig="threePt" dir="t"/>
+    </dgm:scene3d>
+    <dgm:sp3d/>
+    <dgm:txPr/>
+    <dgm:style>
+      <a:lnRef idx="0">
+        <a:scrgbClr r="0" g="0" b="0"/>
+      </a:lnRef>
+      <a:fillRef idx="3">
+        <a:scrgbClr r="0" g="0" b="0"/>
+      </a:fillRef>
+      <a:effectRef idx="3">
+        <a:scrgbClr r="0" g="0" b="0"/>
+      </a:effectRef>
+      <a:fontRef idx="minor">
+        <a:schemeClr val="lt1"/>
+      </a:fontRef>
+    </dgm:style>
+  </dgm:styleLbl>
+  <dgm:styleLbl name="bgSibTrans2D1">
+    <dgm:scene3d>
+      <a:camera prst="orthographicFront"/>
+      <a:lightRig rig="threePt" dir="t"/>
+    </dgm:scene3d>
+    <dgm:sp3d/>
+    <dgm:txPr/>
+    <dgm:style>
+      <a:lnRef idx="0">
+        <a:scrgbClr r="0" g="0" b="0"/>
+      </a:lnRef>
+      <a:fillRef idx="3">
+        <a:scrgbClr r="0" g="0" b="0"/>
+      </a:fillRef>
+      <a:effectRef idx="3">
+        <a:scrgbClr r="0" g="0" b="0"/>
+      </a:effectRef>
+      <a:fontRef idx="minor">
+        <a:schemeClr val="lt1"/>
+      </a:fontRef>
+    </dgm:style>
+  </dgm:styleLbl>
+  <dgm:styleLbl name="sibTrans1D1">
+    <dgm:scene3d>
+      <a:camera prst="orthographicFront"/>
+      <a:lightRig rig="threePt" dir="t"/>
+    </dgm:scene3d>
+    <dgm:sp3d/>
+    <dgm:txPr/>
+    <dgm:style>
+      <a:lnRef idx="1">
+        <a:scrgbClr r="0" g="0" b="0"/>
+      </a:lnRef>
+      <a:fillRef idx="0">
+        <a:scrgbClr r="0" g="0" b="0"/>
+      </a:fillRef>
+      <a:effectRef idx="0">
+        <a:scrgbClr r="0" g="0" b="0"/>
+      </a:effectRef>
+      <a:fontRef idx="minor"/>
+    </dgm:style>
+  </dgm:styleLbl>
+  <dgm:styleLbl name="callout">
+    <dgm:scene3d>
+      <a:camera prst="orthographicFront"/>
+      <a:lightRig rig="threePt" dir="t"/>
+    </dgm:scene3d>
+    <dgm:sp3d/>
+    <dgm:txPr/>
+    <dgm:style>
+      <a:lnRef idx="1">
+        <a:scrgbClr r="0" g="0" b="0"/>
+      </a:lnRef>
+      <a:fillRef idx="0">
+        <a:scrgbClr r="0" g="0" b="0"/>
+      </a:fillRef>
+      <a:effectRef idx="1">
+        <a:scrgbClr r="0" g="0" b="0"/>
+      </a:effectRef>
+      <a:fontRef idx="minor"/>
+    </dgm:style>
+  </dgm:styleLbl>
+  <dgm:styleLbl name="asst0">
+    <dgm:scene3d>
+      <a:camera prst="orthographicFront"/>
+      <a:lightRig rig="threePt" dir="t"/>
+    </dgm:scene3d>
+    <dgm:sp3d/>
+    <dgm:txPr/>
+    <dgm:style>
+      <a:lnRef idx="0">
+        <a:scrgbClr r="0" g="0" b="0"/>
+      </a:lnRef>
+      <a:fillRef idx="3">
+        <a:scrgbClr r="0" g="0" b="0"/>
+      </a:fillRef>
+      <a:effectRef idx="3">
+        <a:scrgbClr r="0" g="0" b="0"/>
+      </a:effectRef>
+      <a:fontRef idx="minor">
+        <a:schemeClr val="lt1"/>
+      </a:fontRef>
+    </dgm:style>
+  </dgm:styleLbl>
+  <dgm:styleLbl name="asst1">
+    <dgm:scene3d>
+      <a:camera prst="orthographicFront"/>
+      <a:lightRig rig="threePt" dir="t"/>
+    </dgm:scene3d>
+    <dgm:sp3d/>
+    <dgm:txPr/>
+    <dgm:style>
+      <a:lnRef idx="0">
+        <a:scrgbClr r="0" g="0" b="0"/>
+      </a:lnRef>
+      <a:fillRef idx="3">
+        <a:scrgbClr r="0" g="0" b="0"/>
+      </a:fillRef>
+      <a:effectRef idx="3">
+        <a:scrgbClr r="0" g="0" b="0"/>
+      </a:effectRef>
+      <a:fontRef idx="minor">
+        <a:schemeClr val="lt1"/>
+      </a:fontRef>
+    </dgm:style>
+  </dgm:styleLbl>
+  <dgm:styleLbl name="asst2">
+    <dgm:scene3d>
+      <a:camera prst="orthographicFront"/>
+      <a:lightRig rig="threePt" dir="t"/>
+    </dgm:scene3d>
+    <dgm:sp3d/>
+    <dgm:txPr/>
+    <dgm:style>
+      <a:lnRef idx="0">
+        <a:scrgbClr r="0" g="0" b="0"/>
+      </a:lnRef>
+      <a:fillRef idx="3">
+        <a:scrgbClr r="0" g="0" b="0"/>
+      </a:fillRef>
+      <a:effectRef idx="3">
+        <a:scrgbClr r="0" g="0" b="0"/>
+      </a:effectRef>
+      <a:fontRef idx="minor">
+        <a:schemeClr val="lt1"/>
+      </a:fontRef>
+    </dgm:style>
+  </dgm:styleLbl>
+  <dgm:styleLbl name="asst3">
+    <dgm:scene3d>
+      <a:camera prst="orthographicFront"/>
+      <a:lightRig rig="threePt" dir="t"/>
+    </dgm:scene3d>
+    <dgm:sp3d/>
+    <dgm:txPr/>
+    <dgm:style>
+      <a:lnRef idx="0">
+        <a:scrgbClr r="0" g="0" b="0"/>
+      </a:lnRef>
+      <a:fillRef idx="3">
+        <a:scrgbClr r="0" g="0" b="0"/>
+      </a:fillRef>
+      <a:effectRef idx="3">
+        <a:scrgbClr r="0" g="0" b="0"/>
+      </a:effectRef>
+      <a:fontRef idx="minor">
+        <a:schemeClr val="lt1"/>
+      </a:fontRef>
+    </dgm:style>
+  </dgm:styleLbl>
+  <dgm:styleLbl name="asst4">
+    <dgm:scene3d>
+      <a:camera prst="orthographicFront"/>
+      <a:lightRig rig="threePt" dir="t"/>
+    </dgm:scene3d>
+    <dgm:sp3d/>
+    <dgm:txPr/>
+    <dgm:style>
+      <a:lnRef idx="0">
+        <a:scrgbClr r="0" g="0" b="0"/>
+      </a:lnRef>
+      <a:fillRef idx="3">
+        <a:scrgbClr r="0" g="0" b="0"/>
+      </a:fillRef>
+      <a:effectRef idx="3">
+        <a:scrgbClr r="0" g="0" b="0"/>
+      </a:effectRef>
+      <a:fontRef idx="minor">
+        <a:schemeClr val="lt1"/>
+      </a:fontRef>
+    </dgm:style>
+  </dgm:styleLbl>
+  <dgm:styleLbl name="parChTrans2D1">
+    <dgm:scene3d>
+      <a:camera prst="orthographicFront"/>
+      <a:lightRig rig="threePt" dir="t"/>
+    </dgm:scene3d>
+    <dgm:sp3d/>
+    <dgm:txPr/>
+    <dgm:style>
+      <a:lnRef idx="0">
+        <a:scrgbClr r="0" g="0" b="0"/>
+      </a:lnRef>
+      <a:fillRef idx="3">
+        <a:scrgbClr r="0" g="0" b="0"/>
+      </a:fillRef>
+      <a:effectRef idx="3">
+        <a:scrgbClr r="0" g="0" b="0"/>
+      </a:effectRef>
+      <a:fontRef idx="minor">
+        <a:schemeClr val="lt1"/>
+      </a:fontRef>
+    </dgm:style>
+  </dgm:styleLbl>
+  <dgm:styleLbl name="parChTrans2D2">
+    <dgm:scene3d>
+      <a:camera prst="orthographicFront"/>
+      <a:lightRig rig="threePt" dir="t"/>
+    </dgm:scene3d>
+    <dgm:sp3d/>
+    <dgm:txPr/>
+    <dgm:style>
+      <a:lnRef idx="0">
+        <a:scrgbClr r="0" g="0" b="0"/>
+      </a:lnRef>
+      <a:fillRef idx="3">
+        <a:scrgbClr r="0" g="0" b="0"/>
+      </a:fillRef>
+      <a:effectRef idx="3">
+        <a:scrgbClr r="0" g="0" b="0"/>
+      </a:effectRef>
+      <a:fontRef idx="minor">
+        <a:schemeClr val="lt1"/>
+      </a:fontRef>
+    </dgm:style>
+  </dgm:styleLbl>
+  <dgm:styleLbl name="parChTrans2D3">
+    <dgm:scene3d>
+      <a:camera prst="orthographicFront"/>
+      <a:lightRig rig="threePt" dir="t"/>
+    </dgm:scene3d>
+    <dgm:sp3d/>
+    <dgm:txPr/>
+    <dgm:style>
+      <a:lnRef idx="0">
+        <a:scrgbClr r="0" g="0" b="0"/>
+      </a:lnRef>
+      <a:fillRef idx="3">
+        <a:scrgbClr r="0" g="0" b="0"/>
+      </a:fillRef>
+      <a:effectRef idx="3">
+        <a:scrgbClr r="0" g="0" b="0"/>
+      </a:effectRef>
+      <a:fontRef idx="minor">
+        <a:schemeClr val="lt1"/>
+      </a:fontRef>
+    </dgm:style>
+  </dgm:styleLbl>
+  <dgm:styleLbl name="parChTrans2D4">
+    <dgm:scene3d>
+      <a:camera prst="orthographicFront"/>
+      <a:lightRig rig="threePt" dir="t"/>
+    </dgm:scene3d>
+    <dgm:sp3d/>
+    <dgm:txPr/>
+    <dgm:style>
+      <a:lnRef idx="0">
+        <a:scrgbClr r="0" g="0" b="0"/>
+      </a:lnRef>
+      <a:fillRef idx="3">
+        <a:scrgbClr r="0" g="0" b="0"/>
+      </a:fillRef>
+      <a:effectRef idx="3">
+        <a:scrgbClr r="0" g="0" b="0"/>
+      </a:effectRef>
+      <a:fontRef idx="minor">
+        <a:schemeClr val="lt1"/>
+      </a:fontRef>
+    </dgm:style>
+  </dgm:styleLbl>
+  <dgm:styleLbl name="parChTrans1D1">
+    <dgm:scene3d>
+      <a:camera prst="orthographicFront"/>
+      <a:lightRig rig="threePt" dir="t"/>
+    </dgm:scene3d>
+    <dgm:sp3d/>
+    <dgm:txPr/>
+    <dgm:style>
+      <a:lnRef idx="2">
+        <a:scrgbClr r="0" g="0" b="0"/>
+      </a:lnRef>
+      <a:fillRef idx="0">
+        <a:scrgbClr r="0" g="0" b="0"/>
+      </a:fillRef>
+      <a:effectRef idx="0">
+        <a:scrgbClr r="0" g="0" b="0"/>
+      </a:effectRef>
+      <a:fontRef idx="minor"/>
+    </dgm:style>
+  </dgm:styleLbl>
+  <dgm:styleLbl name="parChTrans1D2">
+    <dgm:scene3d>
+      <a:camera prst="orthographicFront"/>
+      <a:lightRig rig="threePt" dir="t"/>
+    </dgm:scene3d>
+    <dgm:sp3d/>
+    <dgm:txPr/>
+    <dgm:style>
+      <a:lnRef idx="2">
+        <a:scrgbClr r="0" g="0" b="0"/>
+      </a:lnRef>
+      <a:fillRef idx="0">
+        <a:scrgbClr r="0" g="0" b="0"/>
+      </a:fillRef>
+      <a:effectRef idx="0">
+        <a:scrgbClr r="0" g="0" b="0"/>
+      </a:effectRef>
+      <a:fontRef idx="minor"/>
+    </dgm:style>
+  </dgm:styleLbl>
+  <dgm:styleLbl name="parChTrans1D3">
+    <dgm:scene3d>
+      <a:camera prst="orthographicFront"/>
+      <a:lightRig rig="threePt" dir="t"/>
+    </dgm:scene3d>
+    <dgm:sp3d/>
+    <dgm:txPr/>
+    <dgm:style>
+      <a:lnRef idx="2">
+        <a:scrgbClr r="0" g="0" b="0"/>
+      </a:lnRef>
+      <a:fillRef idx="0">
+        <a:scrgbClr r="0" g="0" b="0"/>
+      </a:fillRef>
+      <a:effectRef idx="0">
+        <a:scrgbClr r="0" g="0" b="0"/>
+      </a:effectRef>
+      <a:fontRef idx="minor"/>
+    </dgm:style>
+  </dgm:styleLbl>
+  <dgm:styleLbl name="parChTrans1D4">
+    <dgm:scene3d>
+      <a:camera prst="orthographicFront"/>
+      <a:lightRig rig="threePt" dir="t"/>
+    </dgm:scene3d>
+    <dgm:sp3d/>
+    <dgm:txPr/>
+    <dgm:style>
+      <a:lnRef idx="2">
+        <a:scrgbClr r="0" g="0" b="0"/>
+      </a:lnRef>
+      <a:fillRef idx="0">
+        <a:scrgbClr r="0" g="0" b="0"/>
+      </a:fillRef>
+      <a:effectRef idx="0">
+        <a:scrgbClr r="0" g="0" b="0"/>
+      </a:effectRef>
+      <a:fontRef idx="minor"/>
+    </dgm:style>
+  </dgm:styleLbl>
+  <dgm:styleLbl name="fgAcc1">
+    <dgm:scene3d>
+      <a:camera prst="orthographicFront"/>
+      <a:lightRig rig="threePt" dir="t"/>
+    </dgm:scene3d>
+    <dgm:sp3d/>
+    <dgm:txPr/>
+    <dgm:style>
+      <a:lnRef idx="1">
+        <a:scrgbClr r="0" g="0" b="0"/>
+      </a:lnRef>
+      <a:fillRef idx="1">
+        <a:scrgbClr r="0" g="0" b="0"/>
+      </a:fillRef>
+      <a:effectRef idx="2">
+        <a:scrgbClr r="0" g="0" b="0"/>
+      </a:effectRef>
+      <a:fontRef idx="minor"/>
+    </dgm:style>
+  </dgm:styleLbl>
+  <dgm:styleLbl name="conFgAcc1">
+    <dgm:scene3d>
+      <a:camera prst="orthographicFront"/>
+      <a:lightRig rig="threePt" dir="t"/>
+    </dgm:scene3d>
+    <dgm:sp3d/>
+    <dgm:txPr/>
+    <dgm:style>
+      <a:lnRef idx="1">
+        <a:scrgbClr r="0" g="0" b="0"/>
+      </a:lnRef>
+      <a:fillRef idx="1">
+        <a:scrgbClr r="0" g="0" b="0"/>
+      </a:fillRef>
+      <a:effectRef idx="2">
+        <a:scrgbClr r="0" g="0" b="0"/>
+      </a:effectRef>
+      <a:fontRef idx="minor"/>
+    </dgm:style>
+  </dgm:styleLbl>
+  <dgm:styleLbl name="alignAcc1">
+    <dgm:scene3d>
+      <a:camera prst="orthographicFront"/>
+      <a:lightRig rig="threePt" dir="t"/>
+    </dgm:scene3d>
+    <dgm:sp3d/>
+    <dgm:txPr/>
+    <dgm:style>
+      <a:lnRef idx="1">
+        <a:scrgbClr r="0" g="0" b="0"/>
+      </a:lnRef>
+      <a:fillRef idx="1">
+        <a:scrgbClr r="0" g="0" b="0"/>
+      </a:fillRef>
+      <a:effectRef idx="2">
+        <a:scrgbClr r="0" g="0" b="0"/>
+      </a:effectRef>
+      <a:fontRef idx="minor"/>
+    </dgm:style>
+  </dgm:styleLbl>
+  <dgm:styleLbl name="trAlignAcc1">
+    <dgm:scene3d>
+      <a:camera prst="orthographicFront"/>
+      <a:lightRig rig="threePt" dir="t"/>
+    </dgm:scene3d>
+    <dgm:sp3d/>
+    <dgm:txPr/>
+    <dgm:style>
+      <a:lnRef idx="1">
+        <a:scrgbClr r="0" g="0" b="0"/>
+      </a:lnRef>
+      <a:fillRef idx="1">
+        <a:scrgbClr r="0" g="0" b="0"/>
+      </a:fillRef>
+      <a:effectRef idx="0">
+        <a:scrgbClr r="0" g="0" b="0"/>
+      </a:effectRef>
+      <a:fontRef idx="minor"/>
+    </dgm:style>
+  </dgm:styleLbl>
+  <dgm:styleLbl name="bgAcc1">
+    <dgm:scene3d>
+      <a:camera prst="orthographicFront"/>
+      <a:lightRig rig="threePt" dir="t"/>
+    </dgm:scene3d>
+    <dgm:sp3d/>
+    <dgm:txPr/>
+    <dgm:style>
+      <a:lnRef idx="1">
+        <a:scrgbClr r="0" g="0" b="0"/>
+      </a:lnRef>
+      <a:fillRef idx="1">
+        <a:scrgbClr r="0" g="0" b="0"/>
+      </a:fillRef>
+      <a:effectRef idx="2">
+        <a:scrgbClr r="0" g="0" b="0"/>
+      </a:effectRef>
+      <a:fontRef idx="minor"/>
+    </dgm:style>
+  </dgm:styleLbl>
+  <dgm:styleLbl name="solidFgAcc1">
+    <dgm:scene3d>
+      <a:camera prst="orthographicFront"/>
+      <a:lightRig rig="threePt" dir="t"/>
+    </dgm:scene3d>
+    <dgm:sp3d/>
+    <dgm:txPr/>
+    <dgm:style>
+      <a:lnRef idx="1">
+        <a:scrgbClr r="0" g="0" b="0"/>
+      </a:lnRef>
+      <a:fillRef idx="1">
+        <a:scrgbClr r="0" g="0" b="0"/>
+      </a:fillRef>
+      <a:effectRef idx="2">
+        <a:scrgbClr r="0" g="0" b="0"/>
+      </a:effectRef>
+      <a:fontRef idx="minor"/>
+    </dgm:style>
+  </dgm:styleLbl>
+  <dgm:styleLbl name="solidAlignAcc1">
+    <dgm:scene3d>
+      <a:camera prst="orthographicFront"/>
+      <a:lightRig rig="threePt" dir="t"/>
+    </dgm:scene3d>
+    <dgm:sp3d/>
+    <dgm:txPr/>
+    <dgm:style>
+      <a:lnRef idx="1">
+        <a:scrgbClr r="0" g="0" b="0"/>
+      </a:lnRef>
+      <a:fillRef idx="1">
+        <a:scrgbClr r="0" g="0" b="0"/>
+      </a:fillRef>
+      <a:effectRef idx="3">
+        <a:scrgbClr r="0" g="0" b="0"/>
+      </a:effectRef>
+      <a:fontRef idx="minor"/>
+    </dgm:style>
+  </dgm:styleLbl>
+  <dgm:styleLbl name="solidBgAcc1">
+    <dgm:scene3d>
+      <a:camera prst="orthographicFront"/>
+      <a:lightRig rig="threePt" dir="t"/>
+    </dgm:scene3d>
+    <dgm:sp3d/>
+    <dgm:txPr/>
+    <dgm:style>
+      <a:lnRef idx="1">
+        <a:scrgbClr r="0" g="0" b="0"/>
+      </a:lnRef>
+      <a:fillRef idx="1">
+        <a:scrgbClr r="0" g="0" b="0"/>
+      </a:fillRef>
+      <a:effectRef idx="3">
+        <a:scrgbClr r="0" g="0" b="0"/>
+      </a:effectRef>
+      <a:fontRef idx="minor"/>
+    </dgm:style>
+  </dgm:styleLbl>
+  <dgm:styleLbl name="fgAccFollowNode1">
+    <dgm:scene3d>
+      <a:camera prst="orthographicFront"/>
+      <a:lightRig rig="threePt" dir="t"/>
+    </dgm:scene3d>
+    <dgm:sp3d/>
+    <dgm:txPr/>
+    <dgm:style>
+      <a:lnRef idx="1">
+        <a:scrgbClr r="0" g="0" b="0"/>
+      </a:lnRef>
+      <a:fillRef idx="1">
+        <a:scrgbClr r="0" g="0" b="0"/>
+      </a:fillRef>
+      <a:effectRef idx="2">
+        <a:scrgbClr r="0" g="0" b="0"/>
+      </a:effectRef>
+      <a:fontRef idx="minor"/>
+    </dgm:style>
+  </dgm:styleLbl>
+  <dgm:styleLbl name="alignAccFollowNode1">
+    <dgm:scene3d>
+      <a:camera prst="orthographicFront"/>
+      <a:lightRig rig="threePt" dir="t"/>
+    </dgm:scene3d>
+    <dgm:sp3d/>
+    <dgm:txPr/>
+    <dgm:style>
+      <a:lnRef idx="1">
+        <a:scrgbClr r="0" g="0" b="0"/>
+      </a:lnRef>
+      <a:fillRef idx="1">
+        <a:scrgbClr r="0" g="0" b="0"/>
+      </a:fillRef>
+      <a:effectRef idx="2">
+        <a:scrgbClr r="0" g="0" b="0"/>
+      </a:effectRef>
+      <a:fontRef idx="minor"/>
+    </dgm:style>
+  </dgm:styleLbl>
+  <dgm:styleLbl name="bgAccFollowNode1">
+    <dgm:scene3d>
+      <a:camera prst="orthographicFront"/>
+      <a:lightRig rig="threePt" dir="t"/>
+    </dgm:scene3d>
+    <dgm:sp3d/>
+    <dgm:txPr/>
+    <dgm:style>
+      <a:lnRef idx="1">
+        <a:scrgbClr r="0" g="0" b="0"/>
+      </a:lnRef>
+      <a:fillRef idx="1">
+        <a:scrgbClr r="0" g="0" b="0"/>
+      </a:fillRef>
+      <a:effectRef idx="2">
+        <a:scrgbClr r="0" g="0" b="0"/>
+      </a:effectRef>
+      <a:fontRef idx="minor"/>
+    </dgm:style>
+  </dgm:styleLbl>
+  <dgm:styleLbl name="fgAcc0">
+    <dgm:scene3d>
+      <a:camera prst="orthographicFront"/>
+      <a:lightRig rig="threePt" dir="t"/>
+    </dgm:scene3d>
+    <dgm:sp3d/>
+    <dgm:txPr/>
+    <dgm:style>
+      <a:lnRef idx="1">
+        <a:scrgbClr r="0" g="0" b="0"/>
+      </a:lnRef>
+      <a:fillRef idx="1">
+        <a:scrgbClr r="0" g="0" b="0"/>
+      </a:fillRef>
+      <a:effectRef idx="2">
+        <a:scrgbClr r="0" g="0" b="0"/>
+      </a:effectRef>
+      <a:fontRef idx="minor"/>
+    </dgm:style>
+  </dgm:styleLbl>
+  <dgm:styleLbl name="fgAcc2">
+    <dgm:scene3d>
+      <a:camera prst="orthographicFront"/>
+      <a:lightRig rig="threePt" dir="t"/>
+    </dgm:scene3d>
+    <dgm:sp3d/>
+    <dgm:txPr/>
+    <dgm:style>
+      <a:lnRef idx="1">
+        <a:scrgbClr r="0" g="0" b="0"/>
+      </a:lnRef>
+      <a:fillRef idx="1">
+        <a:scrgbClr r="0" g="0" b="0"/>
+      </a:fillRef>
+      <a:effectRef idx="2">
+        <a:scrgbClr r="0" g="0" b="0"/>
+      </a:effectRef>
+      <a:fontRef idx="minor"/>
+    </dgm:style>
+  </dgm:styleLbl>
+  <dgm:styleLbl name="fgAcc3">
+    <dgm:scene3d>
+      <a:camera prst="orthographicFront"/>
+      <a:lightRig rig="threePt" dir="t"/>
+    </dgm:scene3d>
+    <dgm:sp3d/>
+    <dgm:txPr/>
+    <dgm:style>
+      <a:lnRef idx="1">
+        <a:scrgbClr r="0" g="0" b="0"/>
+      </a:lnRef>
+      <a:fillRef idx="1">
+        <a:scrgbClr r="0" g="0" b="0"/>
+      </a:fillRef>
+      <a:effectRef idx="2">
+        <a:scrgbClr r="0" g="0" b="0"/>
+      </a:effectRef>
+      <a:fontRef idx="minor"/>
+    </dgm:style>
+  </dgm:styleLbl>
+  <dgm:styleLbl name="fgAcc4">
+    <dgm:scene3d>
+      <a:camera prst="orthographicFront"/>
+      <a:lightRig rig="threePt" dir="t"/>
+    </dgm:scene3d>
+    <dgm:sp3d/>
+    <dgm:txPr/>
+    <dgm:style>
+      <a:lnRef idx="1">
+        <a:scrgbClr r="0" g="0" b="0"/>
+      </a:lnRef>
+      <a:fillRef idx="1">
+        <a:scrgbClr r="0" g="0" b="0"/>
+      </a:fillRef>
+      <a:effectRef idx="2">
+        <a:scrgbClr r="0" g="0" b="0"/>
+      </a:effectRef>
+      <a:fontRef idx="minor"/>
+    </dgm:style>
+  </dgm:styleLbl>
+  <dgm:styleLbl name="bgShp">
+    <dgm:scene3d>
+      <a:camera prst="orthographicFront"/>
+      <a:lightRig rig="threePt" dir="t"/>
+    </dgm:scene3d>
+    <dgm:sp3d/>
+    <dgm:txPr/>
+    <dgm:style>
+      <a:lnRef idx="0">
+        <a:scrgbClr r="0" g="0" b="0"/>
+      </a:lnRef>
+      <a:fillRef idx="1">
+        <a:scrgbClr r="0" g="0" b="0"/>
+      </a:fillRef>
+      <a:effectRef idx="2">
+        <a:scrgbClr r="0" g="0" b="0"/>
+      </a:effectRef>
+      <a:fontRef idx="minor"/>
+    </dgm:style>
+  </dgm:styleLbl>
+  <dgm:styleLbl name="dkBgShp">
+    <dgm:scene3d>
+      <a:camera prst="orthographicFront"/>
+      <a:lightRig rig="threePt" dir="t"/>
+    </dgm:scene3d>
+    <dgm:sp3d/>
+    <dgm:txPr/>
+    <dgm:style>
+      <a:lnRef idx="0">
+        <a:scrgbClr r="0" g="0" b="0"/>
+      </a:lnRef>
+      <a:fillRef idx="1">
+        <a:scrgbClr r="0" g="0" b="0"/>
+      </a:fillRef>
+      <a:effectRef idx="3">
+        <a:scrgbClr r="0" g="0" b="0"/>
+      </a:effectRef>
+      <a:fontRef idx="minor"/>
+    </dgm:style>
+  </dgm:styleLbl>
+  <dgm:styleLbl name="trBgShp">
+    <dgm:scene3d>
+      <a:camera prst="orthographicFront"/>
+      <a:lightRig rig="threePt" dir="t"/>
+    </dgm:scene3d>
+    <dgm:sp3d/>
+    <dgm:txPr/>
+    <dgm:style>
+      <a:lnRef idx="0">
+        <a:scrgbClr r="0" g="0" b="0"/>
+      </a:lnRef>
+      <a:fillRef idx="1">
+        <a:scrgbClr r="0" g="0" b="0"/>
+      </a:fillRef>
+      <a:effectRef idx="0">
+        <a:scrgbClr r="0" g="0" b="0"/>
+      </a:effectRef>
+      <a:fontRef idx="minor"/>
+    </dgm:style>
+  </dgm:styleLbl>
+  <dgm:styleLbl name="fgShp">
+    <dgm:scene3d>
+      <a:camera prst="orthographicFront"/>
+      <a:lightRig rig="threePt" dir="t"/>
+    </dgm:scene3d>
+    <dgm:sp3d/>
+    <dgm:txPr/>
+    <dgm:style>
+      <a:lnRef idx="0">
+        <a:scrgbClr r="0" g="0" b="0"/>
+      </a:lnRef>
+      <a:fillRef idx="3">
+        <a:scrgbClr r="0" g="0" b="0"/>
+      </a:fillRef>
+      <a:effectRef idx="3">
+        <a:scrgbClr r="0" g="0" b="0"/>
+      </a:effectRef>
+      <a:fontRef idx="minor"/>
+    </dgm:style>
+  </dgm:styleLbl>
+  <dgm:styleLbl name="revTx">
+    <dgm:scene3d>
+      <a:camera prst="orthographicFront"/>
+      <a:lightRig rig="threePt" dir="t"/>
+    </dgm:scene3d>
+    <dgm:sp3d/>
+    <dgm:txPr/>
+    <dgm:style>
+      <a:lnRef idx="0">
+        <a:scrgbClr r="0" g="0" b="0"/>
+      </a:lnRef>
+      <a:fillRef idx="0">
+        <a:scrgbClr r="0" g="0" b="0"/>
+      </a:fillRef>
+      <a:effectRef idx="0">
+        <a:scrgbClr r="0" g="0" b="0"/>
+      </a:effectRef>
+      <a:fontRef idx="minor"/>
+    </dgm:style>
+  </dgm:styleLbl>
+</dgm:styleDef>
+</file>
+
+<file path=ppt/diagrams/quickStyle3.xml><?xml version="1.0" encoding="utf-8"?>
+<dgm:styleDef xmlns:dgm="http://schemas.openxmlformats.org/drawingml/2006/diagram" xmlns:a="http://schemas.openxmlformats.org/drawingml/2006/main" uniqueId="urn:microsoft.com/office/officeart/2005/8/quickstyle/simple5">
+  <dgm:title val=""/>
+  <dgm:desc val=""/>
+  <dgm:catLst>
+    <dgm:cat type="simple" pri="10500"/>
+  </dgm:catLst>
+  <dgm:scene3d>
+    <a:camera prst="orthographicFront"/>
+    <a:lightRig rig="threePt" dir="t"/>
+  </dgm:scene3d>
+  <dgm:styleLbl name="node0">
+    <dgm:scene3d>
+      <a:camera prst="orthographicFront"/>
+      <a:lightRig rig="threePt" dir="t"/>
+    </dgm:scene3d>
+    <dgm:sp3d/>
+    <dgm:txPr/>
+    <dgm:style>
+      <a:lnRef idx="0">
+        <a:scrgbClr r="0" g="0" b="0"/>
+      </a:lnRef>
+      <a:fillRef idx="3">
+        <a:scrgbClr r="0" g="0" b="0"/>
+      </a:fillRef>
+      <a:effectRef idx="3">
+        <a:scrgbClr r="0" g="0" b="0"/>
+      </a:effectRef>
+      <a:fontRef idx="minor">
+        <a:schemeClr val="lt1"/>
+      </a:fontRef>
+    </dgm:style>
+  </dgm:styleLbl>
+  <dgm:styleLbl name="lnNode1">
+    <dgm:scene3d>
+      <a:camera prst="orthographicFront"/>
+      <a:lightRig rig="threePt" dir="t"/>
+    </dgm:scene3d>
+    <dgm:sp3d/>
+    <dgm:txPr/>
+    <dgm:style>
+      <a:lnRef idx="0">
+        <a:scrgbClr r="0" g="0" b="0"/>
+      </a:lnRef>
+      <a:fillRef idx="3">
+        <a:scrgbClr r="0" g="0" b="0"/>
+      </a:fillRef>
+      <a:effectRef idx="3">
+        <a:scrgbClr r="0" g="0" b="0"/>
+      </a:effectRef>
+      <a:fontRef idx="minor">
+        <a:schemeClr val="lt1"/>
+      </a:fontRef>
+    </dgm:style>
+  </dgm:styleLbl>
+  <dgm:styleLbl name="vennNode1">
+    <dgm:scene3d>
+      <a:camera prst="orthographicFront"/>
+      <a:lightRig rig="threePt" dir="t"/>
+    </dgm:scene3d>
+    <dgm:sp3d/>
+    <dgm:txPr/>
+    <dgm:style>
+      <a:lnRef idx="0">
+        <a:scrgbClr r="0" g="0" b="0"/>
+      </a:lnRef>
+      <a:fillRef idx="3">
+        <a:scrgbClr r="0" g="0" b="0"/>
+      </a:fillRef>
+      <a:effectRef idx="3">
+        <a:scrgbClr r="0" g="0" b="0"/>
+      </a:effectRef>
+      <a:fontRef idx="minor">
+        <a:schemeClr val="tx1"/>
+      </a:fontRef>
+    </dgm:style>
+  </dgm:styleLbl>
+  <dgm:styleLbl name="alignNode1">
+    <dgm:scene3d>
+      <a:camera prst="orthographicFront"/>
+      <a:lightRig rig="threePt" dir="t"/>
+    </dgm:scene3d>
+    <dgm:sp3d/>
+    <dgm:txPr/>
+    <dgm:style>
+      <a:lnRef idx="1">
+        <a:scrgbClr r="0" g="0" b="0"/>
+      </a:lnRef>
+      <a:fillRef idx="3">
+        <a:scrgbClr r="0" g="0" b="0"/>
+      </a:fillRef>
+      <a:effectRef idx="3">
+        <a:scrgbClr r="0" g="0" b="0"/>
+      </a:effectRef>
+      <a:fontRef idx="minor">
+        <a:schemeClr val="lt1"/>
+      </a:fontRef>
+    </dgm:style>
+  </dgm:styleLbl>
+  <dgm:styleLbl name="node1">
+    <dgm:scene3d>
+      <a:camera prst="orthographicFront"/>
+      <a:lightRig rig="threePt" dir="t"/>
+    </dgm:scene3d>
+    <dgm:sp3d/>
+    <dgm:txPr/>
+    <dgm:style>
+      <a:lnRef idx="0">
+        <a:scrgbClr r="0" g="0" b="0"/>
+      </a:lnRef>
+      <a:fillRef idx="3">
+        <a:scrgbClr r="0" g="0" b="0"/>
+      </a:fillRef>
+      <a:effectRef idx="3">
+        <a:scrgbClr r="0" g="0" b="0"/>
+      </a:effectRef>
+      <a:fontRef idx="minor">
+        <a:schemeClr val="lt1"/>
+      </a:fontRef>
+    </dgm:style>
+  </dgm:styleLbl>
+  <dgm:styleLbl name="node2">
+    <dgm:scene3d>
+      <a:camera prst="orthographicFront"/>
+      <a:lightRig rig="threePt" dir="t"/>
+    </dgm:scene3d>
+    <dgm:sp3d/>
+    <dgm:txPr/>
+    <dgm:style>
+      <a:lnRef idx="0">
+        <a:scrgbClr r="0" g="0" b="0"/>
+      </a:lnRef>
+      <a:fillRef idx="3">
+        <a:scrgbClr r="0" g="0" b="0"/>
+      </a:fillRef>
+      <a:effectRef idx="3">
+        <a:scrgbClr r="0" g="0" b="0"/>
+      </a:effectRef>
+      <a:fontRef idx="minor">
+        <a:schemeClr val="lt1"/>
+      </a:fontRef>
+    </dgm:style>
+  </dgm:styleLbl>
+  <dgm:styleLbl name="node3">
+    <dgm:scene3d>
+      <a:camera prst="orthographicFront"/>
+      <a:lightRig rig="threePt" dir="t"/>
+    </dgm:scene3d>
+    <dgm:sp3d/>
+    <dgm:txPr/>
+    <dgm:style>
+      <a:lnRef idx="0">
+        <a:scrgbClr r="0" g="0" b="0"/>
+      </a:lnRef>
+      <a:fillRef idx="3">
+        <a:scrgbClr r="0" g="0" b="0"/>
+      </a:fillRef>
+      <a:effectRef idx="3">
+        <a:scrgbClr r="0" g="0" b="0"/>
+      </a:effectRef>
+      <a:fontRef idx="minor">
+        <a:schemeClr val="lt1"/>
+      </a:fontRef>
+    </dgm:style>
+  </dgm:styleLbl>
+  <dgm:styleLbl name="node4">
+    <dgm:scene3d>
+      <a:camera prst="orthographicFront"/>
+      <a:lightRig rig="threePt" dir="t"/>
+    </dgm:scene3d>
+    <dgm:sp3d/>
+    <dgm:txPr/>
+    <dgm:style>
+      <a:lnRef idx="0">
+        <a:scrgbClr r="0" g="0" b="0"/>
+      </a:lnRef>
+      <a:fillRef idx="3">
+        <a:scrgbClr r="0" g="0" b="0"/>
+      </a:fillRef>
+      <a:effectRef idx="3">
+        <a:scrgbClr r="0" g="0" b="0"/>
+      </a:effectRef>
+      <a:fontRef idx="minor">
+        <a:schemeClr val="lt1"/>
+      </a:fontRef>
+    </dgm:style>
+  </dgm:styleLbl>
+  <dgm:styleLbl name="fgImgPlace1">
+    <dgm:scene3d>
+      <a:camera prst="orthographicFront"/>
+      <a:lightRig rig="threePt" dir="t"/>
+    </dgm:scene3d>
+    <dgm:sp3d/>
+    <dgm:txPr/>
+    <dgm:style>
+      <a:lnRef idx="0">
+        <a:scrgbClr r="0" g="0" b="0"/>
+      </a:lnRef>
+      <a:fillRef idx="1">
+        <a:scrgbClr r="0" g="0" b="0"/>
+      </a:fillRef>
+      <a:effectRef idx="3">
+        <a:scrgbClr r="0" g="0" b="0"/>
+      </a:effectRef>
+      <a:fontRef idx="minor"/>
+    </dgm:style>
+  </dgm:styleLbl>
+  <dgm:styleLbl name="alignImgPlace1">
+    <dgm:scene3d>
+      <a:camera prst="orthographicFront"/>
+      <a:lightRig rig="threePt" dir="t"/>
+    </dgm:scene3d>
+    <dgm:sp3d/>
+    <dgm:txPr/>
+    <dgm:style>
+      <a:lnRef idx="0">
+        <a:scrgbClr r="0" g="0" b="0"/>
+      </a:lnRef>
+      <a:fillRef idx="1">
+        <a:scrgbClr r="0" g="0" b="0"/>
+      </a:fillRef>
+      <a:effectRef idx="3">
+        <a:scrgbClr r="0" g="0" b="0"/>
+      </a:effectRef>
+      <a:fontRef idx="minor"/>
+    </dgm:style>
+  </dgm:styleLbl>
+  <dgm:styleLbl name="bgImgPlace1">
+    <dgm:scene3d>
+      <a:camera prst="orthographicFront"/>
+      <a:lightRig rig="threePt" dir="t"/>
+    </dgm:scene3d>
+    <dgm:sp3d/>
+    <dgm:txPr/>
+    <dgm:style>
+      <a:lnRef idx="0">
+        <a:scrgbClr r="0" g="0" b="0"/>
+      </a:lnRef>
+      <a:fillRef idx="1">
+        <a:scrgbClr r="0" g="0" b="0"/>
+      </a:fillRef>
+      <a:effectRef idx="3">
+        <a:scrgbClr r="0" g="0" b="0"/>
+      </a:effectRef>
+      <a:fontRef idx="minor"/>
+    </dgm:style>
+  </dgm:styleLbl>
+  <dgm:styleLbl name="sibTrans2D1">
+    <dgm:scene3d>
+      <a:camera prst="orthographicFront"/>
+      <a:lightRig rig="threePt" dir="t"/>
+    </dgm:scene3d>
+    <dgm:sp3d/>
+    <dgm:txPr/>
+    <dgm:style>
+      <a:lnRef idx="0">
+        <a:scrgbClr r="0" g="0" b="0"/>
+      </a:lnRef>
+      <a:fillRef idx="3">
+        <a:scrgbClr r="0" g="0" b="0"/>
+      </a:fillRef>
+      <a:effectRef idx="3">
+        <a:scrgbClr r="0" g="0" b="0"/>
+      </a:effectRef>
+      <a:fontRef idx="minor">
+        <a:schemeClr val="lt1"/>
+      </a:fontRef>
+    </dgm:style>
+  </dgm:styleLbl>
+  <dgm:styleLbl name="fgSibTrans2D1">
+    <dgm:scene3d>
+      <a:camera prst="orthographicFront"/>
+      <a:lightRig rig="threePt" dir="t"/>
+    </dgm:scene3d>
+    <dgm:sp3d/>
+    <dgm:txPr/>
+    <dgm:style>
+      <a:lnRef idx="0">
+        <a:scrgbClr r="0" g="0" b="0"/>
+      </a:lnRef>
+      <a:fillRef idx="3">
+        <a:scrgbClr r="0" g="0" b="0"/>
+      </a:fillRef>
+      <a:effectRef idx="3">
+        <a:scrgbClr r="0" g="0" b="0"/>
+      </a:effectRef>
+      <a:fontRef idx="minor">
+        <a:schemeClr val="lt1"/>
+      </a:fontRef>
+    </dgm:style>
+  </dgm:styleLbl>
+  <dgm:styleLbl name="bgSibTrans2D1">
+    <dgm:scene3d>
+      <a:camera prst="orthographicFront"/>
+      <a:lightRig rig="threePt" dir="t"/>
+    </dgm:scene3d>
+    <dgm:sp3d/>
+    <dgm:txPr/>
+    <dgm:style>
+      <a:lnRef idx="0">
+        <a:scrgbClr r="0" g="0" b="0"/>
+      </a:lnRef>
+      <a:fillRef idx="3">
+        <a:scrgbClr r="0" g="0" b="0"/>
+      </a:fillRef>
+      <a:effectRef idx="3">
+        <a:scrgbClr r="0" g="0" b="0"/>
+      </a:effectRef>
+      <a:fontRef idx="minor">
+        <a:schemeClr val="lt1"/>
+      </a:fontRef>
+    </dgm:style>
+  </dgm:styleLbl>
+  <dgm:styleLbl name="sibTrans1D1">
+    <dgm:scene3d>
+      <a:camera prst="orthographicFront"/>
+      <a:lightRig rig="threePt" dir="t"/>
+    </dgm:scene3d>
+    <dgm:sp3d/>
+    <dgm:txPr/>
+    <dgm:style>
+      <a:lnRef idx="1">
+        <a:scrgbClr r="0" g="0" b="0"/>
+      </a:lnRef>
+      <a:fillRef idx="0">
+        <a:scrgbClr r="0" g="0" b="0"/>
+      </a:fillRef>
+      <a:effectRef idx="0">
+        <a:scrgbClr r="0" g="0" b="0"/>
+      </a:effectRef>
+      <a:fontRef idx="minor"/>
+    </dgm:style>
+  </dgm:styleLbl>
+  <dgm:styleLbl name="callout">
+    <dgm:scene3d>
+      <a:camera prst="orthographicFront"/>
+      <a:lightRig rig="threePt" dir="t"/>
+    </dgm:scene3d>
+    <dgm:sp3d/>
+    <dgm:txPr/>
+    <dgm:style>
+      <a:lnRef idx="1">
+        <a:scrgbClr r="0" g="0" b="0"/>
+      </a:lnRef>
+      <a:fillRef idx="0">
+        <a:scrgbClr r="0" g="0" b="0"/>
+      </a:fillRef>
+      <a:effectRef idx="1">
+        <a:scrgbClr r="0" g="0" b="0"/>
+      </a:effectRef>
+      <a:fontRef idx="minor"/>
+    </dgm:style>
+  </dgm:styleLbl>
+  <dgm:styleLbl name="asst0">
+    <dgm:scene3d>
+      <a:camera prst="orthographicFront"/>
+      <a:lightRig rig="threePt" dir="t"/>
+    </dgm:scene3d>
+    <dgm:sp3d/>
+    <dgm:txPr/>
+    <dgm:style>
+      <a:lnRef idx="0">
+        <a:scrgbClr r="0" g="0" b="0"/>
+      </a:lnRef>
+      <a:fillRef idx="3">
+        <a:scrgbClr r="0" g="0" b="0"/>
+      </a:fillRef>
+      <a:effectRef idx="3">
+        <a:scrgbClr r="0" g="0" b="0"/>
+      </a:effectRef>
+      <a:fontRef idx="minor">
+        <a:schemeClr val="lt1"/>
+      </a:fontRef>
+    </dgm:style>
+  </dgm:styleLbl>
+  <dgm:styleLbl name="asst1">
+    <dgm:scene3d>
+      <a:camera prst="orthographicFront"/>
+      <a:lightRig rig="threePt" dir="t"/>
+    </dgm:scene3d>
+    <dgm:sp3d/>
+    <dgm:txPr/>
+    <dgm:style>
+      <a:lnRef idx="0">
+        <a:scrgbClr r="0" g="0" b="0"/>
+      </a:lnRef>
+      <a:fillRef idx="3">
+        <a:scrgbClr r="0" g="0" b="0"/>
+      </a:fillRef>
+      <a:effectRef idx="3">
+        <a:scrgbClr r="0" g="0" b="0"/>
+      </a:effectRef>
+      <a:fontRef idx="minor">
+        <a:schemeClr val="lt1"/>
+      </a:fontRef>
+    </dgm:style>
+  </dgm:styleLbl>
+  <dgm:styleLbl name="asst2">
+    <dgm:scene3d>
+      <a:camera prst="orthographicFront"/>
+      <a:lightRig rig="threePt" dir="t"/>
+    </dgm:scene3d>
+    <dgm:sp3d/>
+    <dgm:txPr/>
+    <dgm:style>
+      <a:lnRef idx="0">
+        <a:scrgbClr r="0" g="0" b="0"/>
+      </a:lnRef>
+      <a:fillRef idx="3">
+        <a:scrgbClr r="0" g="0" b="0"/>
+      </a:fillRef>
+      <a:effectRef idx="3">
+        <a:scrgbClr r="0" g="0" b="0"/>
+      </a:effectRef>
+      <a:fontRef idx="minor">
+        <a:schemeClr val="lt1"/>
+      </a:fontRef>
+    </dgm:style>
+  </dgm:styleLbl>
+  <dgm:styleLbl name="asst3">
+    <dgm:scene3d>
+      <a:camera prst="orthographicFront"/>
+      <a:lightRig rig="threePt" dir="t"/>
+    </dgm:scene3d>
+    <dgm:sp3d/>
+    <dgm:txPr/>
+    <dgm:style>
+      <a:lnRef idx="0">
+        <a:scrgbClr r="0" g="0" b="0"/>
+      </a:lnRef>
+      <a:fillRef idx="3">
+        <a:scrgbClr r="0" g="0" b="0"/>
+      </a:fillRef>
+      <a:effectRef idx="3">
+        <a:scrgbClr r="0" g="0" b="0"/>
+      </a:effectRef>
+      <a:fontRef idx="minor">
+        <a:schemeClr val="lt1"/>
+      </a:fontRef>
+    </dgm:style>
+  </dgm:styleLbl>
+  <dgm:styleLbl name="asst4">
+    <dgm:scene3d>
+      <a:camera prst="orthographicFront"/>
+      <a:lightRig rig="threePt" dir="t"/>
+    </dgm:scene3d>
+    <dgm:sp3d/>
+    <dgm:txPr/>
+    <dgm:style>
+      <a:lnRef idx="0">
+        <a:scrgbClr r="0" g="0" b="0"/>
+      </a:lnRef>
+      <a:fillRef idx="3">
+        <a:scrgbClr r="0" g="0" b="0"/>
+      </a:fillRef>
+      <a:effectRef idx="3">
+        <a:scrgbClr r="0" g="0" b="0"/>
+      </a:effectRef>
+      <a:fontRef idx="minor">
+        <a:schemeClr val="lt1"/>
+      </a:fontRef>
+    </dgm:style>
+  </dgm:styleLbl>
+  <dgm:styleLbl name="parChTrans2D1">
+    <dgm:scene3d>
+      <a:camera prst="orthographicFront"/>
+      <a:lightRig rig="threePt" dir="t"/>
+    </dgm:scene3d>
+    <dgm:sp3d/>
+    <dgm:txPr/>
+    <dgm:style>
+      <a:lnRef idx="0">
+        <a:scrgbClr r="0" g="0" b="0"/>
+      </a:lnRef>
+      <a:fillRef idx="3">
+        <a:scrgbClr r="0" g="0" b="0"/>
+      </a:fillRef>
+      <a:effectRef idx="3">
+        <a:scrgbClr r="0" g="0" b="0"/>
+      </a:effectRef>
+      <a:fontRef idx="minor">
+        <a:schemeClr val="lt1"/>
+      </a:fontRef>
+    </dgm:style>
+  </dgm:styleLbl>
+  <dgm:styleLbl name="parChTrans2D2">
+    <dgm:scene3d>
+      <a:camera prst="orthographicFront"/>
+      <a:lightRig rig="threePt" dir="t"/>
+    </dgm:scene3d>
+    <dgm:sp3d/>
+    <dgm:txPr/>
+    <dgm:style>
+      <a:lnRef idx="0">
+        <a:scrgbClr r="0" g="0" b="0"/>
+      </a:lnRef>
+      <a:fillRef idx="3">
+        <a:scrgbClr r="0" g="0" b="0"/>
+      </a:fillRef>
+      <a:effectRef idx="3">
+        <a:scrgbClr r="0" g="0" b="0"/>
+      </a:effectRef>
+      <a:fontRef idx="minor">
+        <a:schemeClr val="lt1"/>
+      </a:fontRef>
+    </dgm:style>
+  </dgm:styleLbl>
+  <dgm:styleLbl name="parChTrans2D3">
+    <dgm:scene3d>
+      <a:camera prst="orthographicFront"/>
+      <a:lightRig rig="threePt" dir="t"/>
+    </dgm:scene3d>
+    <dgm:sp3d/>
+    <dgm:txPr/>
+    <dgm:style>
+      <a:lnRef idx="0">
+        <a:scrgbClr r="0" g="0" b="0"/>
+      </a:lnRef>
+      <a:fillRef idx="3">
+        <a:scrgbClr r="0" g="0" b="0"/>
+      </a:fillRef>
+      <a:effectRef idx="3">
+        <a:scrgbClr r="0" g="0" b="0"/>
+      </a:effectRef>
+      <a:fontRef idx="minor">
+        <a:schemeClr val="lt1"/>
+      </a:fontRef>
+    </dgm:style>
+  </dgm:styleLbl>
+  <dgm:styleLbl name="parChTrans2D4">
+    <dgm:scene3d>
+      <a:camera prst="orthographicFront"/>
+      <a:lightRig rig="threePt" dir="t"/>
+    </dgm:scene3d>
+    <dgm:sp3d/>
+    <dgm:txPr/>
+    <dgm:style>
+      <a:lnRef idx="0">
+        <a:scrgbClr r="0" g="0" b="0"/>
+      </a:lnRef>
+      <a:fillRef idx="3">
+        <a:scrgbClr r="0" g="0" b="0"/>
+      </a:fillRef>
+      <a:effectRef idx="3">
+        <a:scrgbClr r="0" g="0" b="0"/>
+      </a:effectRef>
+      <a:fontRef idx="minor">
+        <a:schemeClr val="lt1"/>
+      </a:fontRef>
+    </dgm:style>
+  </dgm:styleLbl>
+  <dgm:styleLbl name="parChTrans1D1">
+    <dgm:scene3d>
+      <a:camera prst="orthographicFront"/>
+      <a:lightRig rig="threePt" dir="t"/>
+    </dgm:scene3d>
+    <dgm:sp3d/>
+    <dgm:txPr/>
+    <dgm:style>
+      <a:lnRef idx="2">
+        <a:scrgbClr r="0" g="0" b="0"/>
+      </a:lnRef>
+      <a:fillRef idx="0">
+        <a:scrgbClr r="0" g="0" b="0"/>
+      </a:fillRef>
+      <a:effectRef idx="0">
+        <a:scrgbClr r="0" g="0" b="0"/>
+      </a:effectRef>
+      <a:fontRef idx="minor"/>
+    </dgm:style>
+  </dgm:styleLbl>
+  <dgm:styleLbl name="parChTrans1D2">
+    <dgm:scene3d>
+      <a:camera prst="orthographicFront"/>
+      <a:lightRig rig="threePt" dir="t"/>
+    </dgm:scene3d>
+    <dgm:sp3d/>
+    <dgm:txPr/>
+    <dgm:style>
+      <a:lnRef idx="2">
+        <a:scrgbClr r="0" g="0" b="0"/>
+      </a:lnRef>
+      <a:fillRef idx="0">
+        <a:scrgbClr r="0" g="0" b="0"/>
+      </a:fillRef>
+      <a:effectRef idx="0">
+        <a:scrgbClr r="0" g="0" b="0"/>
+      </a:effectRef>
+      <a:fontRef idx="minor"/>
+    </dgm:style>
+  </dgm:styleLbl>
+  <dgm:styleLbl name="parChTrans1D3">
+    <dgm:scene3d>
+      <a:camera prst="orthographicFront"/>
+      <a:lightRig rig="threePt" dir="t"/>
+    </dgm:scene3d>
+    <dgm:sp3d/>
+    <dgm:txPr/>
+    <dgm:style>
+      <a:lnRef idx="2">
+        <a:scrgbClr r="0" g="0" b="0"/>
+      </a:lnRef>
+      <a:fillRef idx="0">
+        <a:scrgbClr r="0" g="0" b="0"/>
+      </a:fillRef>
+      <a:effectRef idx="0">
+        <a:scrgbClr r="0" g="0" b="0"/>
+      </a:effectRef>
+      <a:fontRef idx="minor"/>
+    </dgm:style>
+  </dgm:styleLbl>
+  <dgm:styleLbl name="parChTrans1D4">
+    <dgm:scene3d>
+      <a:camera prst="orthographicFront"/>
+      <a:lightRig rig="threePt" dir="t"/>
+    </dgm:scene3d>
+    <dgm:sp3d/>
+    <dgm:txPr/>
+    <dgm:style>
+      <a:lnRef idx="2">
+        <a:scrgbClr r="0" g="0" b="0"/>
+      </a:lnRef>
+      <a:fillRef idx="0">
+        <a:scrgbClr r="0" g="0" b="0"/>
+      </a:fillRef>
+      <a:effectRef idx="0">
+        <a:scrgbClr r="0" g="0" b="0"/>
+      </a:effectRef>
+      <a:fontRef idx="minor"/>
+    </dgm:style>
+  </dgm:styleLbl>
+  <dgm:styleLbl name="fgAcc1">
+    <dgm:scene3d>
+      <a:camera prst="orthographicFront"/>
+      <a:lightRig rig="threePt" dir="t"/>
+    </dgm:scene3d>
+    <dgm:sp3d/>
+    <dgm:txPr/>
+    <dgm:style>
+      <a:lnRef idx="1">
+        <a:scrgbClr r="0" g="0" b="0"/>
+      </a:lnRef>
+      <a:fillRef idx="1">
+        <a:scrgbClr r="0" g="0" b="0"/>
+      </a:fillRef>
+      <a:effectRef idx="2">
+        <a:scrgbClr r="0" g="0" b="0"/>
+      </a:effectRef>
+      <a:fontRef idx="minor"/>
+    </dgm:style>
+  </dgm:styleLbl>
+  <dgm:styleLbl name="conFgAcc1">
+    <dgm:scene3d>
+      <a:camera prst="orthographicFront"/>
+      <a:lightRig rig="threePt" dir="t"/>
+    </dgm:scene3d>
+    <dgm:sp3d/>
+    <dgm:txPr/>
+    <dgm:style>
+      <a:lnRef idx="1">
+        <a:scrgbClr r="0" g="0" b="0"/>
+      </a:lnRef>
+      <a:fillRef idx="1">
+        <a:scrgbClr r="0" g="0" b="0"/>
+      </a:fillRef>
+      <a:effectRef idx="2">
+        <a:scrgbClr r="0" g="0" b="0"/>
+      </a:effectRef>
+      <a:fontRef idx="minor"/>
+    </dgm:style>
+  </dgm:styleLbl>
+  <dgm:styleLbl name="alignAcc1">
+    <dgm:scene3d>
+      <a:camera prst="orthographicFront"/>
+      <a:lightRig rig="threePt" dir="t"/>
+    </dgm:scene3d>
+    <dgm:sp3d/>
+    <dgm:txPr/>
+    <dgm:style>
+      <a:lnRef idx="1">
+        <a:scrgbClr r="0" g="0" b="0"/>
+      </a:lnRef>
+      <a:fillRef idx="1">
+        <a:scrgbClr r="0" g="0" b="0"/>
+      </a:fillRef>
+      <a:effectRef idx="2">
+        <a:scrgbClr r="0" g="0" b="0"/>
+      </a:effectRef>
+      <a:fontRef idx="minor"/>
+    </dgm:style>
+  </dgm:styleLbl>
+  <dgm:styleLbl name="trAlignAcc1">
+    <dgm:scene3d>
+      <a:camera prst="orthographicFront"/>
+      <a:lightRig rig="threePt" dir="t"/>
+    </dgm:scene3d>
+    <dgm:sp3d/>
+    <dgm:txPr/>
+    <dgm:style>
+      <a:lnRef idx="1">
+        <a:scrgbClr r="0" g="0" b="0"/>
+      </a:lnRef>
+      <a:fillRef idx="1">
+        <a:scrgbClr r="0" g="0" b="0"/>
+      </a:fillRef>
+      <a:effectRef idx="0">
+        <a:scrgbClr r="0" g="0" b="0"/>
+      </a:effectRef>
+      <a:fontRef idx="minor"/>
+    </dgm:style>
+  </dgm:styleLbl>
+  <dgm:styleLbl name="bgAcc1">
+    <dgm:scene3d>
+      <a:camera prst="orthographicFront"/>
+      <a:lightRig rig="threePt" dir="t"/>
+    </dgm:scene3d>
+    <dgm:sp3d/>
+    <dgm:txPr/>
+    <dgm:style>
+      <a:lnRef idx="1">
+        <a:scrgbClr r="0" g="0" b="0"/>
+      </a:lnRef>
+      <a:fillRef idx="1">
+        <a:scrgbClr r="0" g="0" b="0"/>
+      </a:fillRef>
+      <a:effectRef idx="2">
+        <a:scrgbClr r="0" g="0" b="0"/>
+      </a:effectRef>
+      <a:fontRef idx="minor"/>
+    </dgm:style>
+  </dgm:styleLbl>
+  <dgm:styleLbl name="solidFgAcc1">
+    <dgm:scene3d>
+      <a:camera prst="orthographicFront"/>
+      <a:lightRig rig="threePt" dir="t"/>
+    </dgm:scene3d>
+    <dgm:sp3d/>
+    <dgm:txPr/>
+    <dgm:style>
+      <a:lnRef idx="1">
+        <a:scrgbClr r="0" g="0" b="0"/>
+      </a:lnRef>
+      <a:fillRef idx="1">
+        <a:scrgbClr r="0" g="0" b="0"/>
+      </a:fillRef>
+      <a:effectRef idx="2">
+        <a:scrgbClr r="0" g="0" b="0"/>
+      </a:effectRef>
+      <a:fontRef idx="minor"/>
+    </dgm:style>
+  </dgm:styleLbl>
+  <dgm:styleLbl name="solidAlignAcc1">
+    <dgm:scene3d>
+      <a:camera prst="orthographicFront"/>
+      <a:lightRig rig="threePt" dir="t"/>
+    </dgm:scene3d>
+    <dgm:sp3d/>
+    <dgm:txPr/>
+    <dgm:style>
+      <a:lnRef idx="1">
+        <a:scrgbClr r="0" g="0" b="0"/>
+      </a:lnRef>
+      <a:fillRef idx="1">
+        <a:scrgbClr r="0" g="0" b="0"/>
+      </a:fillRef>
+      <a:effectRef idx="3">
+        <a:scrgbClr r="0" g="0" b="0"/>
+      </a:effectRef>
+      <a:fontRef idx="minor"/>
+    </dgm:style>
+  </dgm:styleLbl>
+  <dgm:styleLbl name="solidBgAcc1">
+    <dgm:scene3d>
+      <a:camera prst="orthographicFront"/>
+      <a:lightRig rig="threePt" dir="t"/>
+    </dgm:scene3d>
+    <dgm:sp3d/>
+    <dgm:txPr/>
+    <dgm:style>
+      <a:lnRef idx="1">
+        <a:scrgbClr r="0" g="0" b="0"/>
+      </a:lnRef>
+      <a:fillRef idx="1">
+        <a:scrgbClr r="0" g="0" b="0"/>
+      </a:fillRef>
+      <a:effectRef idx="3">
+        <a:scrgbClr r="0" g="0" b="0"/>
+      </a:effectRef>
+      <a:fontRef idx="minor"/>
+    </dgm:style>
+  </dgm:styleLbl>
+  <dgm:styleLbl name="fgAccFollowNode1">
+    <dgm:scene3d>
+      <a:camera prst="orthographicFront"/>
+      <a:lightRig rig="threePt" dir="t"/>
+    </dgm:scene3d>
+    <dgm:sp3d/>
+    <dgm:txPr/>
+    <dgm:style>
+      <a:lnRef idx="1">
+        <a:scrgbClr r="0" g="0" b="0"/>
+      </a:lnRef>
+      <a:fillRef idx="1">
+        <a:scrgbClr r="0" g="0" b="0"/>
+      </a:fillRef>
+      <a:effectRef idx="2">
+        <a:scrgbClr r="0" g="0" b="0"/>
+      </a:effectRef>
+      <a:fontRef idx="minor"/>
+    </dgm:style>
+  </dgm:styleLbl>
+  <dgm:styleLbl name="alignAccFollowNode1">
+    <dgm:scene3d>
+      <a:camera prst="orthographicFront"/>
+      <a:lightRig rig="threePt" dir="t"/>
+    </dgm:scene3d>
+    <dgm:sp3d/>
+    <dgm:txPr/>
+    <dgm:style>
+      <a:lnRef idx="1">
+        <a:scrgbClr r="0" g="0" b="0"/>
+      </a:lnRef>
+      <a:fillRef idx="1">
+        <a:scrgbClr r="0" g="0" b="0"/>
+      </a:fillRef>
+      <a:effectRef idx="2">
+        <a:scrgbClr r="0" g="0" b="0"/>
+      </a:effectRef>
+      <a:fontRef idx="minor"/>
+    </dgm:style>
+  </dgm:styleLbl>
+  <dgm:styleLbl name="bgAccFollowNode1">
+    <dgm:scene3d>
+      <a:camera prst="orthographicFront"/>
+      <a:lightRig rig="threePt" dir="t"/>
+    </dgm:scene3d>
+    <dgm:sp3d/>
+    <dgm:txPr/>
+    <dgm:style>
+      <a:lnRef idx="1">
+        <a:scrgbClr r="0" g="0" b="0"/>
+      </a:lnRef>
+      <a:fillRef idx="1">
+        <a:scrgbClr r="0" g="0" b="0"/>
+      </a:fillRef>
+      <a:effectRef idx="2">
+        <a:scrgbClr r="0" g="0" b="0"/>
+      </a:effectRef>
+      <a:fontRef idx="minor"/>
+    </dgm:style>
+  </dgm:styleLbl>
+  <dgm:styleLbl name="fgAcc0">
+    <dgm:scene3d>
+      <a:camera prst="orthographicFront"/>
+      <a:lightRig rig="threePt" dir="t"/>
+    </dgm:scene3d>
+    <dgm:sp3d/>
+    <dgm:txPr/>
+    <dgm:style>
+      <a:lnRef idx="1">
+        <a:scrgbClr r="0" g="0" b="0"/>
+      </a:lnRef>
+      <a:fillRef idx="1">
+        <a:scrgbClr r="0" g="0" b="0"/>
+      </a:fillRef>
+      <a:effectRef idx="2">
+        <a:scrgbClr r="0" g="0" b="0"/>
+      </a:effectRef>
+      <a:fontRef idx="minor"/>
+    </dgm:style>
+  </dgm:styleLbl>
+  <dgm:styleLbl name="fgAcc2">
+    <dgm:scene3d>
+      <a:camera prst="orthographicFront"/>
+      <a:lightRig rig="threePt" dir="t"/>
+    </dgm:scene3d>
+    <dgm:sp3d/>
+    <dgm:txPr/>
+    <dgm:style>
+      <a:lnRef idx="1">
+        <a:scrgbClr r="0" g="0" b="0"/>
+      </a:lnRef>
+      <a:fillRef idx="1">
+        <a:scrgbClr r="0" g="0" b="0"/>
+      </a:fillRef>
+      <a:effectRef idx="2">
+        <a:scrgbClr r="0" g="0" b="0"/>
+      </a:effectRef>
+      <a:fontRef idx="minor"/>
+    </dgm:style>
+  </dgm:styleLbl>
+  <dgm:styleLbl name="fgAcc3">
+    <dgm:scene3d>
+      <a:camera prst="orthographicFront"/>
+      <a:lightRig rig="threePt" dir="t"/>
+    </dgm:scene3d>
+    <dgm:sp3d/>
+    <dgm:txPr/>
+    <dgm:style>
+      <a:lnRef idx="1">
+        <a:scrgbClr r="0" g="0" b="0"/>
+      </a:lnRef>
+      <a:fillRef idx="1">
+        <a:scrgbClr r="0" g="0" b="0"/>
+      </a:fillRef>
+      <a:effectRef idx="2">
+        <a:scrgbClr r="0" g="0" b="0"/>
+      </a:effectRef>
+      <a:fontRef idx="minor"/>
+    </dgm:style>
+  </dgm:styleLbl>
+  <dgm:styleLbl name="fgAcc4">
+    <dgm:scene3d>
+      <a:camera prst="orthographicFront"/>
+      <a:lightRig rig="threePt" dir="t"/>
+    </dgm:scene3d>
+    <dgm:sp3d/>
+    <dgm:txPr/>
+    <dgm:style>
+      <a:lnRef idx="1">
+        <a:scrgbClr r="0" g="0" b="0"/>
+      </a:lnRef>
+      <a:fillRef idx="1">
+        <a:scrgbClr r="0" g="0" b="0"/>
+      </a:fillRef>
+      <a:effectRef idx="2">
+        <a:scrgbClr r="0" g="0" b="0"/>
+      </a:effectRef>
+      <a:fontRef idx="minor"/>
+    </dgm:style>
+  </dgm:styleLbl>
+  <dgm:styleLbl name="bgShp">
+    <dgm:scene3d>
+      <a:camera prst="orthographicFront"/>
+      <a:lightRig rig="threePt" dir="t"/>
+    </dgm:scene3d>
+    <dgm:sp3d/>
+    <dgm:txPr/>
+    <dgm:style>
+      <a:lnRef idx="0">
+        <a:scrgbClr r="0" g="0" b="0"/>
+      </a:lnRef>
+      <a:fillRef idx="1">
+        <a:scrgbClr r="0" g="0" b="0"/>
+      </a:fillRef>
+      <a:effectRef idx="2">
+        <a:scrgbClr r="0" g="0" b="0"/>
+      </a:effectRef>
+      <a:fontRef idx="minor"/>
+    </dgm:style>
+  </dgm:styleLbl>
+  <dgm:styleLbl name="dkBgShp">
+    <dgm:scene3d>
+      <a:camera prst="orthographicFront"/>
+      <a:lightRig rig="threePt" dir="t"/>
+    </dgm:scene3d>
+    <dgm:sp3d/>
+    <dgm:txPr/>
+    <dgm:style>
+      <a:lnRef idx="0">
+        <a:scrgbClr r="0" g="0" b="0"/>
+      </a:lnRef>
+      <a:fillRef idx="1">
+        <a:scrgbClr r="0" g="0" b="0"/>
+      </a:fillRef>
+      <a:effectRef idx="3">
+        <a:scrgbClr r="0" g="0" b="0"/>
+      </a:effectRef>
+      <a:fontRef idx="minor"/>
+    </dgm:style>
+  </dgm:styleLbl>
+  <dgm:styleLbl name="trBgShp">
+    <dgm:scene3d>
+      <a:camera prst="orthographicFront"/>
+      <a:lightRig rig="threePt" dir="t"/>
+    </dgm:scene3d>
+    <dgm:sp3d/>
+    <dgm:txPr/>
+    <dgm:style>
+      <a:lnRef idx="0">
+        <a:scrgbClr r="0" g="0" b="0"/>
+      </a:lnRef>
+      <a:fillRef idx="1">
+        <a:scrgbClr r="0" g="0" b="0"/>
+      </a:fillRef>
+      <a:effectRef idx="0">
+        <a:scrgbClr r="0" g="0" b="0"/>
+      </a:effectRef>
+      <a:fontRef idx="minor"/>
+    </dgm:style>
+  </dgm:styleLbl>
+  <dgm:styleLbl name="fgShp">
+    <dgm:scene3d>
+      <a:camera prst="orthographicFront"/>
+      <a:lightRig rig="threePt" dir="t"/>
+    </dgm:scene3d>
+    <dgm:sp3d/>
+    <dgm:txPr/>
+    <dgm:style>
+      <a:lnRef idx="0">
+        <a:scrgbClr r="0" g="0" b="0"/>
+      </a:lnRef>
+      <a:fillRef idx="3">
+        <a:scrgbClr r="0" g="0" b="0"/>
+      </a:fillRef>
+      <a:effectRef idx="3">
+        <a:scrgbClr r="0" g="0" b="0"/>
+      </a:effectRef>
+      <a:fontRef idx="minor"/>
+    </dgm:style>
+  </dgm:styleLbl>
+  <dgm:styleLbl name="revTx">
+    <dgm:scene3d>
+      <a:camera prst="orthographicFront"/>
+      <a:lightRig rig="threePt" dir="t"/>
+    </dgm:scene3d>
+    <dgm:sp3d/>
+    <dgm:txPr/>
+    <dgm:style>
+      <a:lnRef idx="0">
+        <a:scrgbClr r="0" g="0" b="0"/>
+      </a:lnRef>
+      <a:fillRef idx="0">
+        <a:scrgbClr r="0" g="0" b="0"/>
+      </a:fillRef>
+      <a:effectRef idx="0">
+        <a:scrgbClr r="0" g="0" b="0"/>
+      </a:effectRef>
+      <a:fontRef idx="minor"/>
+    </dgm:style>
+  </dgm:styleLbl>
+</dgm:styleDef>
+</file>
+
+<file path=ppt/diagrams/quickStyle4.xml><?xml version="1.0" encoding="utf-8"?>
+<dgm:styleDef xmlns:dgm="http://schemas.openxmlformats.org/drawingml/2006/diagram" xmlns:a="http://schemas.openxmlformats.org/drawingml/2006/main" uniqueId="urn:microsoft.com/office/officeart/2005/8/quickstyle/simple5">
+  <dgm:title val=""/>
+  <dgm:desc val=""/>
+  <dgm:catLst>
+    <dgm:cat type="simple" pri="10500"/>
+  </dgm:catLst>
+  <dgm:scene3d>
+    <a:camera prst="orthographicFront"/>
+    <a:lightRig rig="threePt" dir="t"/>
+  </dgm:scene3d>
+  <dgm:styleLbl name="node0">
+    <dgm:scene3d>
+      <a:camera prst="orthographicFront"/>
+      <a:lightRig rig="threePt" dir="t"/>
+    </dgm:scene3d>
+    <dgm:sp3d/>
+    <dgm:txPr/>
+    <dgm:style>
+      <a:lnRef idx="0">
+        <a:scrgbClr r="0" g="0" b="0"/>
+      </a:lnRef>
+      <a:fillRef idx="3">
+        <a:scrgbClr r="0" g="0" b="0"/>
+      </a:fillRef>
+      <a:effectRef idx="3">
+        <a:scrgbClr r="0" g="0" b="0"/>
+      </a:effectRef>
+      <a:fontRef idx="minor">
+        <a:schemeClr val="lt1"/>
+      </a:fontRef>
+    </dgm:style>
+  </dgm:styleLbl>
+  <dgm:styleLbl name="lnNode1">
+    <dgm:scene3d>
+      <a:camera prst="orthographicFront"/>
+      <a:lightRig rig="threePt" dir="t"/>
+    </dgm:scene3d>
+    <dgm:sp3d/>
+    <dgm:txPr/>
+    <dgm:style>
+      <a:lnRef idx="0">
+        <a:scrgbClr r="0" g="0" b="0"/>
+      </a:lnRef>
+      <a:fillRef idx="3">
+        <a:scrgbClr r="0" g="0" b="0"/>
+      </a:fillRef>
+      <a:effectRef idx="3">
+        <a:scrgbClr r="0" g="0" b="0"/>
+      </a:effectRef>
+      <a:fontRef idx="minor">
+        <a:schemeClr val="lt1"/>
+      </a:fontRef>
+    </dgm:style>
+  </dgm:styleLbl>
+  <dgm:styleLbl name="vennNode1">
+    <dgm:scene3d>
+      <a:camera prst="orthographicFront"/>
+      <a:lightRig rig="threePt" dir="t"/>
+    </dgm:scene3d>
+    <dgm:sp3d/>
+    <dgm:txPr/>
+    <dgm:style>
+      <a:lnRef idx="0">
+        <a:scrgbClr r="0" g="0" b="0"/>
+      </a:lnRef>
+      <a:fillRef idx="3">
+        <a:scrgbClr r="0" g="0" b="0"/>
+      </a:fillRef>
+      <a:effectRef idx="3">
+        <a:scrgbClr r="0" g="0" b="0"/>
+      </a:effectRef>
+      <a:fontRef idx="minor">
+        <a:schemeClr val="tx1"/>
+      </a:fontRef>
+    </dgm:style>
+  </dgm:styleLbl>
+  <dgm:styleLbl name="alignNode1">
+    <dgm:scene3d>
+      <a:camera prst="orthographicFront"/>
+      <a:lightRig rig="threePt" dir="t"/>
+    </dgm:scene3d>
+    <dgm:sp3d/>
+    <dgm:txPr/>
+    <dgm:style>
+      <a:lnRef idx="1">
+        <a:scrgbClr r="0" g="0" b="0"/>
+      </a:lnRef>
+      <a:fillRef idx="3">
+        <a:scrgbClr r="0" g="0" b="0"/>
+      </a:fillRef>
+      <a:effectRef idx="3">
+        <a:scrgbClr r="0" g="0" b="0"/>
+      </a:effectRef>
+      <a:fontRef idx="minor">
+        <a:schemeClr val="lt1"/>
+      </a:fontRef>
+    </dgm:style>
+  </dgm:styleLbl>
+  <dgm:styleLbl name="node1">
+    <dgm:scene3d>
+      <a:camera prst="orthographicFront"/>
+      <a:lightRig rig="threePt" dir="t"/>
+    </dgm:scene3d>
+    <dgm:sp3d/>
+    <dgm:txPr/>
+    <dgm:style>
+      <a:lnRef idx="0">
+        <a:scrgbClr r="0" g="0" b="0"/>
+      </a:lnRef>
+      <a:fillRef idx="3">
+        <a:scrgbClr r="0" g="0" b="0"/>
+      </a:fillRef>
+      <a:effectRef idx="3">
+        <a:scrgbClr r="0" g="0" b="0"/>
+      </a:effectRef>
+      <a:fontRef idx="minor">
+        <a:schemeClr val="lt1"/>
+      </a:fontRef>
+    </dgm:style>
+  </dgm:styleLbl>
+  <dgm:styleLbl name="node2">
+    <dgm:scene3d>
+      <a:camera prst="orthographicFront"/>
+      <a:lightRig rig="threePt" dir="t"/>
+    </dgm:scene3d>
+    <dgm:sp3d/>
+    <dgm:txPr/>
+    <dgm:style>
+      <a:lnRef idx="0">
+        <a:scrgbClr r="0" g="0" b="0"/>
+      </a:lnRef>
+      <a:fillRef idx="3">
+        <a:scrgbClr r="0" g="0" b="0"/>
+      </a:fillRef>
+      <a:effectRef idx="3">
+        <a:scrgbClr r="0" g="0" b="0"/>
+      </a:effectRef>
+      <a:fontRef idx="minor">
+        <a:schemeClr val="lt1"/>
+      </a:fontRef>
+    </dgm:style>
+  </dgm:styleLbl>
+  <dgm:styleLbl name="node3">
+    <dgm:scene3d>
+      <a:camera prst="orthographicFront"/>
+      <a:lightRig rig="threePt" dir="t"/>
+    </dgm:scene3d>
+    <dgm:sp3d/>
+    <dgm:txPr/>
+    <dgm:style>
+      <a:lnRef idx="0">
+        <a:scrgbClr r="0" g="0" b="0"/>
+      </a:lnRef>
+      <a:fillRef idx="3">
+        <a:scrgbClr r="0" g="0" b="0"/>
+      </a:fillRef>
+      <a:effectRef idx="3">
+        <a:scrgbClr r="0" g="0" b="0"/>
+      </a:effectRef>
+      <a:fontRef idx="minor">
+        <a:schemeClr val="lt1"/>
+      </a:fontRef>
+    </dgm:style>
+  </dgm:styleLbl>
+  <dgm:styleLbl name="node4">
+    <dgm:scene3d>
+      <a:camera prst="orthographicFront"/>
+      <a:lightRig rig="threePt" dir="t"/>
+    </dgm:scene3d>
+    <dgm:sp3d/>
+    <dgm:txPr/>
+    <dgm:style>
+      <a:lnRef idx="0">
+        <a:scrgbClr r="0" g="0" b="0"/>
+      </a:lnRef>
+      <a:fillRef idx="3">
+        <a:scrgbClr r="0" g="0" b="0"/>
+      </a:fillRef>
+      <a:effectRef idx="3">
+        <a:scrgbClr r="0" g="0" b="0"/>
+      </a:effectRef>
+      <a:fontRef idx="minor">
+        <a:schemeClr val="lt1"/>
+      </a:fontRef>
+    </dgm:style>
+  </dgm:styleLbl>
+  <dgm:styleLbl name="fgImgPlace1">
+    <dgm:scene3d>
+      <a:camera prst="orthographicFront"/>
+      <a:lightRig rig="threePt" dir="t"/>
+    </dgm:scene3d>
+    <dgm:sp3d/>
+    <dgm:txPr/>
+    <dgm:style>
+      <a:lnRef idx="0">
+        <a:scrgbClr r="0" g="0" b="0"/>
+      </a:lnRef>
+      <a:fillRef idx="1">
+        <a:scrgbClr r="0" g="0" b="0"/>
+      </a:fillRef>
+      <a:effectRef idx="3">
+        <a:scrgbClr r="0" g="0" b="0"/>
+      </a:effectRef>
+      <a:fontRef idx="minor"/>
+    </dgm:style>
+  </dgm:styleLbl>
+  <dgm:styleLbl name="alignImgPlace1">
+    <dgm:scene3d>
+      <a:camera prst="orthographicFront"/>
+      <a:lightRig rig="threePt" dir="t"/>
+    </dgm:scene3d>
+    <dgm:sp3d/>
+    <dgm:txPr/>
+    <dgm:style>
+      <a:lnRef idx="0">
+        <a:scrgbClr r="0" g="0" b="0"/>
+      </a:lnRef>
+      <a:fillRef idx="1">
+        <a:scrgbClr r="0" g="0" b="0"/>
+      </a:fillRef>
+      <a:effectRef idx="3">
+        <a:scrgbClr r="0" g="0" b="0"/>
+      </a:effectRef>
+      <a:fontRef idx="minor"/>
+    </dgm:style>
+  </dgm:styleLbl>
+  <dgm:styleLbl name="bgImgPlace1">
+    <dgm:scene3d>
+      <a:camera prst="orthographicFront"/>
+      <a:lightRig rig="threePt" dir="t"/>
+    </dgm:scene3d>
+    <dgm:sp3d/>
+    <dgm:txPr/>
+    <dgm:style>
+      <a:lnRef idx="0">
+        <a:scrgbClr r="0" g="0" b="0"/>
+      </a:lnRef>
+      <a:fillRef idx="1">
+        <a:scrgbClr r="0" g="0" b="0"/>
+      </a:fillRef>
+      <a:effectRef idx="3">
+        <a:scrgbClr r="0" g="0" b="0"/>
+      </a:effectRef>
+      <a:fontRef idx="minor"/>
+    </dgm:style>
+  </dgm:styleLbl>
+  <dgm:styleLbl name="sibTrans2D1">
+    <dgm:scene3d>
+      <a:camera prst="orthographicFront"/>
+      <a:lightRig rig="threePt" dir="t"/>
+    </dgm:scene3d>
+    <dgm:sp3d/>
+    <dgm:txPr/>
+    <dgm:style>
+      <a:lnRef idx="0">
+        <a:scrgbClr r="0" g="0" b="0"/>
+      </a:lnRef>
+      <a:fillRef idx="3">
+        <a:scrgbClr r="0" g="0" b="0"/>
+      </a:fillRef>
+      <a:effectRef idx="3">
+        <a:scrgbClr r="0" g="0" b="0"/>
+      </a:effectRef>
+      <a:fontRef idx="minor">
+        <a:schemeClr val="lt1"/>
+      </a:fontRef>
+    </dgm:style>
+  </dgm:styleLbl>
+  <dgm:styleLbl name="fgSibTrans2D1">
+    <dgm:scene3d>
+      <a:camera prst="orthographicFront"/>
+      <a:lightRig rig="threePt" dir="t"/>
+    </dgm:scene3d>
+    <dgm:sp3d/>
+    <dgm:txPr/>
+    <dgm:style>
+      <a:lnRef idx="0">
+        <a:scrgbClr r="0" g="0" b="0"/>
+      </a:lnRef>
+      <a:fillRef idx="3">
+        <a:scrgbClr r="0" g="0" b="0"/>
+      </a:fillRef>
+      <a:effectRef idx="3">
+        <a:scrgbClr r="0" g="0" b="0"/>
+      </a:effectRef>
+      <a:fontRef idx="minor">
+        <a:schemeClr val="lt1"/>
+      </a:fontRef>
+    </dgm:style>
+  </dgm:styleLbl>
+  <dgm:styleLbl name="bgSibTrans2D1">
+    <dgm:scene3d>
+      <a:camera prst="orthographicFront"/>
+      <a:lightRig rig="threePt" dir="t"/>
+    </dgm:scene3d>
+    <dgm:sp3d/>
+    <dgm:txPr/>
+    <dgm:style>
+      <a:lnRef idx="0">
+        <a:scrgbClr r="0" g="0" b="0"/>
+      </a:lnRef>
+      <a:fillRef idx="3">
+        <a:scrgbClr r="0" g="0" b="0"/>
+      </a:fillRef>
+      <a:effectRef idx="3">
+        <a:scrgbClr r="0" g="0" b="0"/>
+      </a:effectRef>
+      <a:fontRef idx="minor">
+        <a:schemeClr val="lt1"/>
+      </a:fontRef>
+    </dgm:style>
+  </dgm:styleLbl>
+  <dgm:styleLbl name="sibTrans1D1">
+    <dgm:scene3d>
+      <a:camera prst="orthographicFront"/>
+      <a:lightRig rig="threePt" dir="t"/>
+    </dgm:scene3d>
+    <dgm:sp3d/>
+    <dgm:txPr/>
+    <dgm:style>
+      <a:lnRef idx="1">
+        <a:scrgbClr r="0" g="0" b="0"/>
+      </a:lnRef>
+      <a:fillRef idx="0">
+        <a:scrgbClr r="0" g="0" b="0"/>
+      </a:fillRef>
+      <a:effectRef idx="0">
+        <a:scrgbClr r="0" g="0" b="0"/>
+      </a:effectRef>
+      <a:fontRef idx="minor"/>
+    </dgm:style>
+  </dgm:styleLbl>
+  <dgm:styleLbl name="callout">
+    <dgm:scene3d>
+      <a:camera prst="orthographicFront"/>
+      <a:lightRig rig="threePt" dir="t"/>
+    </dgm:scene3d>
+    <dgm:sp3d/>
+    <dgm:txPr/>
+    <dgm:style>
+      <a:lnRef idx="1">
+        <a:scrgbClr r="0" g="0" b="0"/>
+      </a:lnRef>
+      <a:fillRef idx="0">
+        <a:scrgbClr r="0" g="0" b="0"/>
+      </a:fillRef>
+      <a:effectRef idx="1">
+        <a:scrgbClr r="0" g="0" b="0"/>
+      </a:effectRef>
+      <a:fontRef idx="minor"/>
+    </dgm:style>
+  </dgm:styleLbl>
+  <dgm:styleLbl name="asst0">
+    <dgm:scene3d>
+      <a:camera prst="orthographicFront"/>
+      <a:lightRig rig="threePt" dir="t"/>
+    </dgm:scene3d>
+    <dgm:sp3d/>
+    <dgm:txPr/>
+    <dgm:style>
+      <a:lnRef idx="0">
+        <a:scrgbClr r="0" g="0" b="0"/>
+      </a:lnRef>
+      <a:fillRef idx="3">
+        <a:scrgbClr r="0" g="0" b="0"/>
+      </a:fillRef>
+      <a:effectRef idx="3">
+        <a:scrgbClr r="0" g="0" b="0"/>
+      </a:effectRef>
+      <a:fontRef idx="minor">
+        <a:schemeClr val="lt1"/>
+      </a:fontRef>
+    </dgm:style>
+  </dgm:styleLbl>
+  <dgm:styleLbl name="asst1">
+    <dgm:scene3d>
+      <a:camera prst="orthographicFront"/>
+      <a:lightRig rig="threePt" dir="t"/>
+    </dgm:scene3d>
+    <dgm:sp3d/>
+    <dgm:txPr/>
+    <dgm:style>
+      <a:lnRef idx="0">
+        <a:scrgbClr r="0" g="0" b="0"/>
+      </a:lnRef>
+      <a:fillRef idx="3">
+        <a:scrgbClr r="0" g="0" b="0"/>
+      </a:fillRef>
+      <a:effectRef idx="3">
+        <a:scrgbClr r="0" g="0" b="0"/>
+      </a:effectRef>
+      <a:fontRef idx="minor">
+        <a:schemeClr val="lt1"/>
+      </a:fontRef>
+    </dgm:style>
+  </dgm:styleLbl>
+  <dgm:styleLbl name="asst2">
+    <dgm:scene3d>
+      <a:camera prst="orthographicFront"/>
+      <a:lightRig rig="threePt" dir="t"/>
+    </dgm:scene3d>
+    <dgm:sp3d/>
+    <dgm:txPr/>
+    <dgm:style>
+      <a:lnRef idx="0">
+        <a:scrgbClr r="0" g="0" b="0"/>
+      </a:lnRef>
+      <a:fillRef idx="3">
+        <a:scrgbClr r="0" g="0" b="0"/>
+      </a:fillRef>
+      <a:effectRef idx="3">
+        <a:scrgbClr r="0" g="0" b="0"/>
+      </a:effectRef>
+      <a:fontRef idx="minor">
+        <a:schemeClr val="lt1"/>
+      </a:fontRef>
+    </dgm:style>
+  </dgm:styleLbl>
+  <dgm:styleLbl name="asst3">
+    <dgm:scene3d>
+      <a:camera prst="orthographicFront"/>
+      <a:lightRig rig="threePt" dir="t"/>
+    </dgm:scene3d>
+    <dgm:sp3d/>
+    <dgm:txPr/>
+    <dgm:style>
+      <a:lnRef idx="0">
+        <a:scrgbClr r="0" g="0" b="0"/>
+      </a:lnRef>
+      <a:fillRef idx="3">
+        <a:scrgbClr r="0" g="0" b="0"/>
+      </a:fillRef>
+      <a:effectRef idx="3">
+        <a:scrgbClr r="0" g="0" b="0"/>
+      </a:effectRef>
+      <a:fontRef idx="minor">
+        <a:schemeClr val="lt1"/>
+      </a:fontRef>
+    </dgm:style>
+  </dgm:styleLbl>
+  <dgm:styleLbl name="asst4">
+    <dgm:scene3d>
+      <a:camera prst="orthographicFront"/>
+      <a:lightRig rig="threePt" dir="t"/>
+    </dgm:scene3d>
+    <dgm:sp3d/>
+    <dgm:txPr/>
+    <dgm:style>
+      <a:lnRef idx="0">
+        <a:scrgbClr r="0" g="0" b="0"/>
+      </a:lnRef>
+      <a:fillRef idx="3">
+        <a:scrgbClr r="0" g="0" b="0"/>
+      </a:fillRef>
+      <a:effectRef idx="3">
+        <a:scrgbClr r="0" g="0" b="0"/>
+      </a:effectRef>
+      <a:fontRef idx="minor">
+        <a:schemeClr val="lt1"/>
+      </a:fontRef>
+    </dgm:style>
+  </dgm:styleLbl>
+  <dgm:styleLbl name="parChTrans2D1">
+    <dgm:scene3d>
+      <a:camera prst="orthographicFront"/>
+      <a:lightRig rig="threePt" dir="t"/>
+    </dgm:scene3d>
+    <dgm:sp3d/>
+    <dgm:txPr/>
+    <dgm:style>
+      <a:lnRef idx="0">
+        <a:scrgbClr r="0" g="0" b="0"/>
+      </a:lnRef>
+      <a:fillRef idx="3">
+        <a:scrgbClr r="0" g="0" b="0"/>
+      </a:fillRef>
+      <a:effectRef idx="3">
+        <a:scrgbClr r="0" g="0" b="0"/>
+      </a:effectRef>
+      <a:fontRef idx="minor">
+        <a:schemeClr val="lt1"/>
+      </a:fontRef>
+    </dgm:style>
+  </dgm:styleLbl>
+  <dgm:styleLbl name="parChTrans2D2">
+    <dgm:scene3d>
+      <a:camera prst="orthographicFront"/>
+      <a:lightRig rig="threePt" dir="t"/>
+    </dgm:scene3d>
+    <dgm:sp3d/>
+    <dgm:txPr/>
+    <dgm:style>
+      <a:lnRef idx="0">
+        <a:scrgbClr r="0" g="0" b="0"/>
+      </a:lnRef>
+      <a:fillRef idx="3">
+        <a:scrgbClr r="0" g="0" b="0"/>
+      </a:fillRef>
+      <a:effectRef idx="3">
+        <a:scrgbClr r="0" g="0" b="0"/>
+      </a:effectRef>
+      <a:fontRef idx="minor">
+        <a:schemeClr val="lt1"/>
+      </a:fontRef>
+    </dgm:style>
+  </dgm:styleLbl>
+  <dgm:styleLbl name="parChTrans2D3">
+    <dgm:scene3d>
+      <a:camera prst="orthographicFront"/>
+      <a:lightRig rig="threePt" dir="t"/>
+    </dgm:scene3d>
+    <dgm:sp3d/>
+    <dgm:txPr/>
+    <dgm:style>
+      <a:lnRef idx="0">
+        <a:scrgbClr r="0" g="0" b="0"/>
+      </a:lnRef>
+      <a:fillRef idx="3">
+        <a:scrgbClr r="0" g="0" b="0"/>
+      </a:fillRef>
+      <a:effectRef idx="3">
+        <a:scrgbClr r="0" g="0" b="0"/>
+      </a:effectRef>
+      <a:fontRef idx="minor">
+        <a:schemeClr val="lt1"/>
+      </a:fontRef>
+    </dgm:style>
+  </dgm:styleLbl>
+  <dgm:styleLbl name="parChTrans2D4">
+    <dgm:scene3d>
+      <a:camera prst="orthographicFront"/>
+      <a:lightRig rig="threePt" dir="t"/>
+    </dgm:scene3d>
+    <dgm:sp3d/>
+    <dgm:txPr/>
+    <dgm:style>
+      <a:lnRef idx="0">
+        <a:scrgbClr r="0" g="0" b="0"/>
+      </a:lnRef>
+      <a:fillRef idx="3">
+        <a:scrgbClr r="0" g="0" b="0"/>
+      </a:fillRef>
+      <a:effectRef idx="3">
+        <a:scrgbClr r="0" g="0" b="0"/>
+      </a:effectRef>
+      <a:fontRef idx="minor">
+        <a:schemeClr val="lt1"/>
+      </a:fontRef>
+    </dgm:style>
+  </dgm:styleLbl>
+  <dgm:styleLbl name="parChTrans1D1">
+    <dgm:scene3d>
+      <a:camera prst="orthographicFront"/>
+      <a:lightRig rig="threePt" dir="t"/>
+    </dgm:scene3d>
+    <dgm:sp3d/>
+    <dgm:txPr/>
+    <dgm:style>
+      <a:lnRef idx="2">
+        <a:scrgbClr r="0" g="0" b="0"/>
+      </a:lnRef>
+      <a:fillRef idx="0">
+        <a:scrgbClr r="0" g="0" b="0"/>
+      </a:fillRef>
+      <a:effectRef idx="0">
+        <a:scrgbClr r="0" g="0" b="0"/>
+      </a:effectRef>
+      <a:fontRef idx="minor"/>
+    </dgm:style>
+  </dgm:styleLbl>
+  <dgm:styleLbl name="parChTrans1D2">
+    <dgm:scene3d>
+      <a:camera prst="orthographicFront"/>
+      <a:lightRig rig="threePt" dir="t"/>
+    </dgm:scene3d>
+    <dgm:sp3d/>
+    <dgm:txPr/>
+    <dgm:style>
+      <a:lnRef idx="2">
+        <a:scrgbClr r="0" g="0" b="0"/>
+      </a:lnRef>
+      <a:fillRef idx="0">
+        <a:scrgbClr r="0" g="0" b="0"/>
+      </a:fillRef>
+      <a:effectRef idx="0">
+        <a:scrgbClr r="0" g="0" b="0"/>
+      </a:effectRef>
+      <a:fontRef idx="minor"/>
+    </dgm:style>
+  </dgm:styleLbl>
+  <dgm:styleLbl name="parChTrans1D3">
+    <dgm:scene3d>
+      <a:camera prst="orthographicFront"/>
+      <a:lightRig rig="threePt" dir="t"/>
+    </dgm:scene3d>
+    <dgm:sp3d/>
+    <dgm:txPr/>
+    <dgm:style>
+      <a:lnRef idx="2">
+        <a:scrgbClr r="0" g="0" b="0"/>
+      </a:lnRef>
+      <a:fillRef idx="0">
+        <a:scrgbClr r="0" g="0" b="0"/>
+      </a:fillRef>
+      <a:effectRef idx="0">
+        <a:scrgbClr r="0" g="0" b="0"/>
+      </a:effectRef>
+      <a:fontRef idx="minor"/>
+    </dgm:style>
+  </dgm:styleLbl>
+  <dgm:styleLbl name="parChTrans1D4">
+    <dgm:scene3d>
+      <a:camera prst="orthographicFront"/>
+      <a:lightRig rig="threePt" dir="t"/>
+    </dgm:scene3d>
+    <dgm:sp3d/>
+    <dgm:txPr/>
+    <dgm:style>
+      <a:lnRef idx="2">
+        <a:scrgbClr r="0" g="0" b="0"/>
+      </a:lnRef>
+      <a:fillRef idx="0">
+        <a:scrgbClr r="0" g="0" b="0"/>
+      </a:fillRef>
+      <a:effectRef idx="0">
+        <a:scrgbClr r="0" g="0" b="0"/>
+      </a:effectRef>
+      <a:fontRef idx="minor"/>
+    </dgm:style>
+  </dgm:styleLbl>
+  <dgm:styleLbl name="fgAcc1">
+    <dgm:scene3d>
+      <a:camera prst="orthographicFront"/>
+      <a:lightRig rig="threePt" dir="t"/>
+    </dgm:scene3d>
+    <dgm:sp3d/>
+    <dgm:txPr/>
+    <dgm:style>
+      <a:lnRef idx="1">
+        <a:scrgbClr r="0" g="0" b="0"/>
+      </a:lnRef>
+      <a:fillRef idx="1">
+        <a:scrgbClr r="0" g="0" b="0"/>
+      </a:fillRef>
+      <a:effectRef idx="2">
+        <a:scrgbClr r="0" g="0" b="0"/>
+      </a:effectRef>
+      <a:fontRef idx="minor"/>
+    </dgm:style>
+  </dgm:styleLbl>
+  <dgm:styleLbl name="conFgAcc1">
+    <dgm:scene3d>
+      <a:camera prst="orthographicFront"/>
+      <a:lightRig rig="threePt" dir="t"/>
+    </dgm:scene3d>
+    <dgm:sp3d/>
+    <dgm:txPr/>
+    <dgm:style>
+      <a:lnRef idx="1">
+        <a:scrgbClr r="0" g="0" b="0"/>
+      </a:lnRef>
+      <a:fillRef idx="1">
+        <a:scrgbClr r="0" g="0" b="0"/>
+      </a:fillRef>
+      <a:effectRef idx="2">
+        <a:scrgbClr r="0" g="0" b="0"/>
+      </a:effectRef>
+      <a:fontRef idx="minor"/>
+    </dgm:style>
+  </dgm:styleLbl>
+  <dgm:styleLbl name="alignAcc1">
+    <dgm:scene3d>
+      <a:camera prst="orthographicFront"/>
+      <a:lightRig rig="threePt" dir="t"/>
+    </dgm:scene3d>
+    <dgm:sp3d/>
+    <dgm:txPr/>
+    <dgm:style>
+      <a:lnRef idx="1">
+        <a:scrgbClr r="0" g="0" b="0"/>
+      </a:lnRef>
+      <a:fillRef idx="1">
+        <a:scrgbClr r="0" g="0" b="0"/>
+      </a:fillRef>
+      <a:effectRef idx="2">
+        <a:scrgbClr r="0" g="0" b="0"/>
+      </a:effectRef>
+      <a:fontRef idx="minor"/>
+    </dgm:style>
+  </dgm:styleLbl>
+  <dgm:styleLbl name="trAlignAcc1">
+    <dgm:scene3d>
+      <a:camera prst="orthographicFront"/>
+      <a:lightRig rig="threePt" dir="t"/>
+    </dgm:scene3d>
+    <dgm:sp3d/>
+    <dgm:txPr/>
+    <dgm:style>
+      <a:lnRef idx="1">
+        <a:scrgbClr r="0" g="0" b="0"/>
+      </a:lnRef>
+      <a:fillRef idx="1">
+        <a:scrgbClr r="0" g="0" b="0"/>
+      </a:fillRef>
+      <a:effectRef idx="0">
+        <a:scrgbClr r="0" g="0" b="0"/>
+      </a:effectRef>
+      <a:fontRef idx="minor"/>
+    </dgm:style>
+  </dgm:styleLbl>
+  <dgm:styleLbl name="bgAcc1">
+    <dgm:scene3d>
+      <a:camera prst="orthographicFront"/>
+      <a:lightRig rig="threePt" dir="t"/>
+    </dgm:scene3d>
+    <dgm:sp3d/>
+    <dgm:txPr/>
+    <dgm:style>
+      <a:lnRef idx="1">
+        <a:scrgbClr r="0" g="0" b="0"/>
+      </a:lnRef>
+      <a:fillRef idx="1">
+        <a:scrgbClr r="0" g="0" b="0"/>
+      </a:fillRef>
+      <a:effectRef idx="2">
+        <a:scrgbClr r="0" g="0" b="0"/>
+      </a:effectRef>
+      <a:fontRef idx="minor"/>
+    </dgm:style>
+  </dgm:styleLbl>
+  <dgm:styleLbl name="solidFgAcc1">
+    <dgm:scene3d>
+      <a:camera prst="orthographicFront"/>
+      <a:lightRig rig="threePt" dir="t"/>
+    </dgm:scene3d>
+    <dgm:sp3d/>
+    <dgm:txPr/>
+    <dgm:style>
+      <a:lnRef idx="1">
+        <a:scrgbClr r="0" g="0" b="0"/>
+      </a:lnRef>
+      <a:fillRef idx="1">
+        <a:scrgbClr r="0" g="0" b="0"/>
+      </a:fillRef>
+      <a:effectRef idx="2">
+        <a:scrgbClr r="0" g="0" b="0"/>
+      </a:effectRef>
+      <a:fontRef idx="minor"/>
+    </dgm:style>
+  </dgm:styleLbl>
+  <dgm:styleLbl name="solidAlignAcc1">
+    <dgm:scene3d>
+      <a:camera prst="orthographicFront"/>
+      <a:lightRig rig="threePt" dir="t"/>
+    </dgm:scene3d>
+    <dgm:sp3d/>
+    <dgm:txPr/>
+    <dgm:style>
+      <a:lnRef idx="1">
+        <a:scrgbClr r="0" g="0" b="0"/>
+      </a:lnRef>
+      <a:fillRef idx="1">
+        <a:scrgbClr r="0" g="0" b="0"/>
+      </a:fillRef>
+      <a:effectRef idx="3">
+        <a:scrgbClr r="0" g="0" b="0"/>
+      </a:effectRef>
+      <a:fontRef idx="minor"/>
+    </dgm:style>
+  </dgm:styleLbl>
+  <dgm:styleLbl name="solidBgAcc1">
+    <dgm:scene3d>
+      <a:camera prst="orthographicFront"/>
+      <a:lightRig rig="threePt" dir="t"/>
+    </dgm:scene3d>
+    <dgm:sp3d/>
+    <dgm:txPr/>
+    <dgm:style>
+      <a:lnRef idx="1">
+        <a:scrgbClr r="0" g="0" b="0"/>
+      </a:lnRef>
+      <a:fillRef idx="1">
+        <a:scrgbClr r="0" g="0" b="0"/>
+      </a:fillRef>
+      <a:effectRef idx="3">
+        <a:scrgbClr r="0" g="0" b="0"/>
+      </a:effectRef>
+      <a:fontRef idx="minor"/>
+    </dgm:style>
+  </dgm:styleLbl>
+  <dgm:styleLbl name="fgAccFollowNode1">
+    <dgm:scene3d>
+      <a:camera prst="orthographicFront"/>
+      <a:lightRig rig="threePt" dir="t"/>
+    </dgm:scene3d>
+    <dgm:sp3d/>
+    <dgm:txPr/>
+    <dgm:style>
+      <a:lnRef idx="1">
+        <a:scrgbClr r="0" g="0" b="0"/>
+      </a:lnRef>
+      <a:fillRef idx="1">
+        <a:scrgbClr r="0" g="0" b="0"/>
+      </a:fillRef>
+      <a:effectRef idx="2">
+        <a:scrgbClr r="0" g="0" b="0"/>
+      </a:effectRef>
+      <a:fontRef idx="minor"/>
+    </dgm:style>
+  </dgm:styleLbl>
+  <dgm:styleLbl name="alignAccFollowNode1">
+    <dgm:scene3d>
+      <a:camera prst="orthographicFront"/>
+      <a:lightRig rig="threePt" dir="t"/>
+    </dgm:scene3d>
+    <dgm:sp3d/>
+    <dgm:txPr/>
+    <dgm:style>
+      <a:lnRef idx="1">
+        <a:scrgbClr r="0" g="0" b="0"/>
+      </a:lnRef>
+      <a:fillRef idx="1">
+        <a:scrgbClr r="0" g="0" b="0"/>
+      </a:fillRef>
+      <a:effectRef idx="2">
+        <a:scrgbClr r="0" g="0" b="0"/>
+      </a:effectRef>
+      <a:fontRef idx="minor"/>
+    </dgm:style>
+  </dgm:styleLbl>
+  <dgm:styleLbl name="bgAccFollowNode1">
+    <dgm:scene3d>
+      <a:camera prst="orthographicFront"/>
+      <a:lightRig rig="threePt" dir="t"/>
+    </dgm:scene3d>
+    <dgm:sp3d/>
+    <dgm:txPr/>
+    <dgm:style>
+      <a:lnRef idx="1">
+        <a:scrgbClr r="0" g="0" b="0"/>
+      </a:lnRef>
+      <a:fillRef idx="1">
+        <a:scrgbClr r="0" g="0" b="0"/>
+      </a:fillRef>
+      <a:effectRef idx="2">
+        <a:scrgbClr r="0" g="0" b="0"/>
+      </a:effectRef>
+      <a:fontRef idx="minor"/>
+    </dgm:style>
+  </dgm:styleLbl>
+  <dgm:styleLbl name="fgAcc0">
+    <dgm:scene3d>
+      <a:camera prst="orthographicFront"/>
+      <a:lightRig rig="threePt" dir="t"/>
+    </dgm:scene3d>
+    <dgm:sp3d/>
+    <dgm:txPr/>
+    <dgm:style>
+      <a:lnRef idx="1">
+        <a:scrgbClr r="0" g="0" b="0"/>
+      </a:lnRef>
+      <a:fillRef idx="1">
+        <a:scrgbClr r="0" g="0" b="0"/>
+      </a:fillRef>
+      <a:effectRef idx="2">
+        <a:scrgbClr r="0" g="0" b="0"/>
+      </a:effectRef>
+      <a:fontRef idx="minor"/>
+    </dgm:style>
+  </dgm:styleLbl>
+  <dgm:styleLbl name="fgAcc2">
+    <dgm:scene3d>
+      <a:camera prst="orthographicFront"/>
+      <a:lightRig rig="threePt" dir="t"/>
+    </dgm:scene3d>
+    <dgm:sp3d/>
+    <dgm:txPr/>
+    <dgm:style>
+      <a:lnRef idx="1">
+        <a:scrgbClr r="0" g="0" b="0"/>
+      </a:lnRef>
+      <a:fillRef idx="1">
+        <a:scrgbClr r="0" g="0" b="0"/>
+      </a:fillRef>
+      <a:effectRef idx="2">
+        <a:scrgbClr r="0" g="0" b="0"/>
+      </a:effectRef>
+      <a:fontRef idx="minor"/>
+    </dgm:style>
+  </dgm:styleLbl>
+  <dgm:styleLbl name="fgAcc3">
+    <dgm:scene3d>
+      <a:camera prst="orthographicFront"/>
+      <a:lightRig rig="threePt" dir="t"/>
+    </dgm:scene3d>
+    <dgm:sp3d/>
+    <dgm:txPr/>
+    <dgm:style>
+      <a:lnRef idx="1">
+        <a:scrgbClr r="0" g="0" b="0"/>
+      </a:lnRef>
+      <a:fillRef idx="1">
+        <a:scrgbClr r="0" g="0" b="0"/>
+      </a:fillRef>
+      <a:effectRef idx="2">
+        <a:scrgbClr r="0" g="0" b="0"/>
+      </a:effectRef>
+      <a:fontRef idx="minor"/>
+    </dgm:style>
+  </dgm:styleLbl>
+  <dgm:styleLbl name="fgAcc4">
+    <dgm:scene3d>
+      <a:camera prst="orthographicFront"/>
+      <a:lightRig rig="threePt" dir="t"/>
+    </dgm:scene3d>
+    <dgm:sp3d/>
+    <dgm:txPr/>
+    <dgm:style>
+      <a:lnRef idx="1">
+        <a:scrgbClr r="0" g="0" b="0"/>
+      </a:lnRef>
+      <a:fillRef idx="1">
+        <a:scrgbClr r="0" g="0" b="0"/>
+      </a:fillRef>
+      <a:effectRef idx="2">
+        <a:scrgbClr r="0" g="0" b="0"/>
+      </a:effectRef>
+      <a:fontRef idx="minor"/>
+    </dgm:style>
+  </dgm:styleLbl>
+  <dgm:styleLbl name="bgShp">
+    <dgm:scene3d>
+      <a:camera prst="orthographicFront"/>
+      <a:lightRig rig="threePt" dir="t"/>
+    </dgm:scene3d>
+    <dgm:sp3d/>
+    <dgm:txPr/>
+    <dgm:style>
+      <a:lnRef idx="0">
+        <a:scrgbClr r="0" g="0" b="0"/>
+      </a:lnRef>
+      <a:fillRef idx="1">
+        <a:scrgbClr r="0" g="0" b="0"/>
+      </a:fillRef>
+      <a:effectRef idx="2">
+        <a:scrgbClr r="0" g="0" b="0"/>
+      </a:effectRef>
+      <a:fontRef idx="minor"/>
+    </dgm:style>
+  </dgm:styleLbl>
+  <dgm:styleLbl name="dkBgShp">
+    <dgm:scene3d>
+      <a:camera prst="orthographicFront"/>
+      <a:lightRig rig="threePt" dir="t"/>
+    </dgm:scene3d>
+    <dgm:sp3d/>
+    <dgm:txPr/>
+    <dgm:style>
+      <a:lnRef idx="0">
+        <a:scrgbClr r="0" g="0" b="0"/>
+      </a:lnRef>
+      <a:fillRef idx="1">
+        <a:scrgbClr r="0" g="0" b="0"/>
+      </a:fillRef>
+      <a:effectRef idx="3">
+        <a:scrgbClr r="0" g="0" b="0"/>
+      </a:effectRef>
+      <a:fontRef idx="minor"/>
+    </dgm:style>
+  </dgm:styleLbl>
+  <dgm:styleLbl name="trBgShp">
+    <dgm:scene3d>
+      <a:camera prst="orthographicFront"/>
+      <a:lightRig rig="threePt" dir="t"/>
+    </dgm:scene3d>
+    <dgm:sp3d/>
+    <dgm:txPr/>
+    <dgm:style>
+      <a:lnRef idx="0">
+        <a:scrgbClr r="0" g="0" b="0"/>
+      </a:lnRef>
+      <a:fillRef idx="1">
+        <a:scrgbClr r="0" g="0" b="0"/>
+      </a:fillRef>
+      <a:effectRef idx="0">
+        <a:scrgbClr r="0" g="0" b="0"/>
+      </a:effectRef>
+      <a:fontRef idx="minor"/>
+    </dgm:style>
+  </dgm:styleLbl>
+  <dgm:styleLbl name="fgShp">
+    <dgm:scene3d>
+      <a:camera prst="orthographicFront"/>
+      <a:lightRig rig="threePt" dir="t"/>
+    </dgm:scene3d>
+    <dgm:sp3d/>
+    <dgm:txPr/>
+    <dgm:style>
+      <a:lnRef idx="0">
+        <a:scrgbClr r="0" g="0" b="0"/>
+      </a:lnRef>
+      <a:fillRef idx="3">
+        <a:scrgbClr r="0" g="0" b="0"/>
+      </a:fillRef>
+      <a:effectRef idx="3">
+        <a:scrgbClr r="0" g="0" b="0"/>
+      </a:effectRef>
+      <a:fontRef idx="minor"/>
+    </dgm:style>
+  </dgm:styleLbl>
+  <dgm:styleLbl name="revTx">
+    <dgm:scene3d>
+      <a:camera prst="orthographicFront"/>
+      <a:lightRig rig="threePt" dir="t"/>
+    </dgm:scene3d>
+    <dgm:sp3d/>
+    <dgm:txPr/>
+    <dgm:style>
+      <a:lnRef idx="0">
+        <a:scrgbClr r="0" g="0" b="0"/>
+      </a:lnRef>
+      <a:fillRef idx="0">
+        <a:scrgbClr r="0" g="0" b="0"/>
+      </a:fillRef>
+      <a:effectRef idx="0">
+        <a:scrgbClr r="0" g="0" b="0"/>
+      </a:effectRef>
+      <a:fontRef idx="minor"/>
+    </dgm:style>
+  </dgm:styleLbl>
+</dgm:styleDef>
+</file>
+
+<file path=ppt/diagrams/quickStyle5.xml><?xml version="1.0" encoding="utf-8"?>
 <dgm:styleDef xmlns:dgm="http://schemas.openxmlformats.org/drawingml/2006/diagram" xmlns:a="http://schemas.openxmlformats.org/drawingml/2006/main" uniqueId="urn:microsoft.com/office/officeart/2005/8/quickstyle/simple2">
   <dgm:title val=""/>
   <dgm:desc val=""/>
@@ -5405,7 +12902,7 @@
           <a:p>
             <a:fld id="{30FEE4BF-D8A8-42F0-A347-E1779565E734}" type="datetimeFigureOut">
               <a:rPr lang="en-DE" smtClean="0"/>
-              <a:t>17/12/2024</a:t>
+              <a:t>18/12/2024</a:t>
             </a:fld>
             <a:endParaRPr lang="en-DE"/>
           </a:p>
@@ -6668,7 +14165,7 @@
           <a:p>
             <a:fld id="{1840A981-62CE-419E-8A97-ABADD0C83C9C}" type="datetimeFigureOut">
               <a:rPr lang="en-DE" smtClean="0"/>
-              <a:t>17/12/2024</a:t>
+              <a:t>18/12/2024</a:t>
             </a:fld>
             <a:endParaRPr lang="en-DE"/>
           </a:p>
@@ -6868,7 +14365,7 @@
           <a:p>
             <a:fld id="{1840A981-62CE-419E-8A97-ABADD0C83C9C}" type="datetimeFigureOut">
               <a:rPr lang="en-DE" smtClean="0"/>
-              <a:t>17/12/2024</a:t>
+              <a:t>18/12/2024</a:t>
             </a:fld>
             <a:endParaRPr lang="en-DE"/>
           </a:p>
@@ -7078,7 +14575,7 @@
           <a:p>
             <a:fld id="{1840A981-62CE-419E-8A97-ABADD0C83C9C}" type="datetimeFigureOut">
               <a:rPr lang="en-DE" smtClean="0"/>
-              <a:t>17/12/2024</a:t>
+              <a:t>18/12/2024</a:t>
             </a:fld>
             <a:endParaRPr lang="en-DE"/>
           </a:p>
@@ -7388,7 +14885,7 @@
           <a:p>
             <a:fld id="{1840A981-62CE-419E-8A97-ABADD0C83C9C}" type="datetimeFigureOut">
               <a:rPr lang="en-DE" smtClean="0"/>
-              <a:t>17/12/2024</a:t>
+              <a:t>18/12/2024</a:t>
             </a:fld>
             <a:endParaRPr lang="en-DE"/>
           </a:p>
@@ -7664,7 +15161,7 @@
           <a:p>
             <a:fld id="{1840A981-62CE-419E-8A97-ABADD0C83C9C}" type="datetimeFigureOut">
               <a:rPr lang="en-DE" smtClean="0"/>
-              <a:t>17/12/2024</a:t>
+              <a:t>18/12/2024</a:t>
             </a:fld>
             <a:endParaRPr lang="en-DE"/>
           </a:p>
@@ -7932,7 +15429,7 @@
           <a:p>
             <a:fld id="{1840A981-62CE-419E-8A97-ABADD0C83C9C}" type="datetimeFigureOut">
               <a:rPr lang="en-DE" smtClean="0"/>
-              <a:t>17/12/2024</a:t>
+              <a:t>18/12/2024</a:t>
             </a:fld>
             <a:endParaRPr lang="en-DE"/>
           </a:p>
@@ -8347,7 +15844,7 @@
           <a:p>
             <a:fld id="{1840A981-62CE-419E-8A97-ABADD0C83C9C}" type="datetimeFigureOut">
               <a:rPr lang="en-DE" smtClean="0"/>
-              <a:t>17/12/2024</a:t>
+              <a:t>18/12/2024</a:t>
             </a:fld>
             <a:endParaRPr lang="en-DE"/>
           </a:p>
@@ -8489,7 +15986,7 @@
           <a:p>
             <a:fld id="{1840A981-62CE-419E-8A97-ABADD0C83C9C}" type="datetimeFigureOut">
               <a:rPr lang="en-DE" smtClean="0"/>
-              <a:t>17/12/2024</a:t>
+              <a:t>18/12/2024</a:t>
             </a:fld>
             <a:endParaRPr lang="en-DE"/>
           </a:p>
@@ -8602,7 +16099,7 @@
           <a:p>
             <a:fld id="{1840A981-62CE-419E-8A97-ABADD0C83C9C}" type="datetimeFigureOut">
               <a:rPr lang="en-DE" smtClean="0"/>
-              <a:t>17/12/2024</a:t>
+              <a:t>18/12/2024</a:t>
             </a:fld>
             <a:endParaRPr lang="en-DE"/>
           </a:p>
@@ -8915,7 +16412,7 @@
           <a:p>
             <a:fld id="{1840A981-62CE-419E-8A97-ABADD0C83C9C}" type="datetimeFigureOut">
               <a:rPr lang="en-DE" smtClean="0"/>
-              <a:t>17/12/2024</a:t>
+              <a:t>18/12/2024</a:t>
             </a:fld>
             <a:endParaRPr lang="en-DE"/>
           </a:p>
@@ -9204,7 +16701,7 @@
           <a:p>
             <a:fld id="{1840A981-62CE-419E-8A97-ABADD0C83C9C}" type="datetimeFigureOut">
               <a:rPr lang="en-DE" smtClean="0"/>
-              <a:t>17/12/2024</a:t>
+              <a:t>18/12/2024</a:t>
             </a:fld>
             <a:endParaRPr lang="en-DE"/>
           </a:p>
@@ -9447,7 +16944,7 @@
           <a:p>
             <a:fld id="{1840A981-62CE-419E-8A97-ABADD0C83C9C}" type="datetimeFigureOut">
               <a:rPr lang="en-DE" smtClean="0"/>
-              <a:t>17/12/2024</a:t>
+              <a:t>18/12/2024</a:t>
             </a:fld>
             <a:endParaRPr lang="en-DE"/>
           </a:p>
@@ -10103,23 +17600,66 @@
               <a:hlinkClick r:id="rId4"/>
             </a:endParaRPr>
           </a:p>
+        </p:txBody>
+      </p:sp>
+      <p:sp>
+        <p:nvSpPr>
+          <p:cNvPr id="5" name="TextBox 4">
+            <a:extLst>
+              <a:ext uri="{FF2B5EF4-FFF2-40B4-BE49-F238E27FC236}">
+                <a16:creationId xmlns:a16="http://schemas.microsoft.com/office/drawing/2014/main" id="{A5FDD245-B1F2-CF2C-C591-BF319F384CA6}"/>
+              </a:ext>
+            </a:extLst>
+          </p:cNvPr>
+          <p:cNvSpPr txBox="1"/>
+          <p:nvPr/>
+        </p:nvSpPr>
+        <p:spPr>
+          <a:xfrm>
+            <a:off x="340770" y="1896954"/>
+            <a:ext cx="11307891" cy="2246769"/>
+          </a:xfrm>
+          <a:prstGeom prst="rect">
+            <a:avLst/>
+          </a:prstGeom>
+          <a:noFill/>
+        </p:spPr>
+        <p:txBody>
+          <a:bodyPr wrap="square" rtlCol="0">
+            <a:spAutoFit/>
+          </a:bodyPr>
+          <a:lstStyle/>
           <a:p>
-            <a:pPr marL="0" indent="0" algn="ctr">
-              <a:buNone/>
-            </a:pPr>
+            <a:pPr algn="ctr"/>
+            <a:endParaRPr lang="en-GB" sz="2800" dirty="0"/>
+          </a:p>
+          <a:p>
+            <a:pPr algn="ctr"/>
+            <a:endParaRPr lang="en-GB" sz="2800" dirty="0"/>
+          </a:p>
+          <a:p>
+            <a:pPr algn="ctr"/>
+            <a:endParaRPr lang="en-GB" sz="2800" dirty="0"/>
+          </a:p>
+          <a:p>
+            <a:pPr algn="ctr"/>
+            <a:endParaRPr lang="en-GB" sz="2800" dirty="0"/>
+          </a:p>
+          <a:p>
+            <a:pPr algn="ctr"/>
             <a:r>
-              <a:rPr lang="de-DE" dirty="0" err="1">
-                <a:hlinkClick r:id="rId4"/>
+              <a:rPr lang="en-GB" sz="2800" dirty="0" err="1">
+                <a:hlinkClick r:id="rId5"/>
               </a:rPr>
               <a:t>SmartFarm</a:t>
             </a:r>
             <a:r>
-              <a:rPr lang="de-DE" dirty="0">
-                <a:hlinkClick r:id="rId4"/>
+              <a:rPr lang="en-GB" sz="2800" dirty="0">
+                <a:hlinkClick r:id="rId5"/>
               </a:rPr>
-              <a:t> Insight</a:t>
+              <a:t> Insights</a:t>
             </a:r>
-            <a:endParaRPr lang="de-DE" dirty="0"/>
+            <a:endParaRPr lang="en-DE" sz="2800" dirty="0"/>
           </a:p>
         </p:txBody>
       </p:sp>
@@ -11152,8 +18692,8 @@
           <a:chExt cx="0" cy="0"/>
         </a:xfrm>
       </p:grpSpPr>
-      <mc:AlternateContent xmlns:mc="http://schemas.openxmlformats.org/markup-compatibility/2006">
-        <mc:Choice xmlns:pslz="http://schemas.microsoft.com/office/powerpoint/2016/slidezoom" Requires="pslz">
+      <mc:AlternateContent xmlns:mc="http://schemas.openxmlformats.org/markup-compatibility/2006" xmlns:pslz="http://schemas.microsoft.com/office/powerpoint/2016/slidezoom">
+        <mc:Choice Requires="pslz">
           <p:graphicFrame>
             <p:nvGraphicFramePr>
               <p:cNvPr id="9" name="Slide Zoom 8">
@@ -11210,7 +18750,7 @@
             </a:graphic>
           </p:graphicFrame>
         </mc:Choice>
-        <mc:Fallback>
+        <mc:Fallback xmlns="">
           <p:pic>
             <p:nvPicPr>
               <p:cNvPr id="9" name="Slide Zoom 8">
@@ -11227,7 +18767,7 @@
               <p:nvPr/>
             </p:nvPicPr>
             <p:blipFill>
-              <a:blip r:embed="rId2"/>
+              <a:blip r:embed="rId4"/>
               <a:stretch>
                 <a:fillRect/>
               </a:stretch>
@@ -11249,8 +18789,8 @@
           </p:pic>
         </mc:Fallback>
       </mc:AlternateContent>
-      <mc:AlternateContent xmlns:mc="http://schemas.openxmlformats.org/markup-compatibility/2006">
-        <mc:Choice xmlns:pslz="http://schemas.microsoft.com/office/powerpoint/2016/slidezoom" Requires="pslz">
+      <mc:AlternateContent xmlns:mc="http://schemas.openxmlformats.org/markup-compatibility/2006" xmlns:pslz="http://schemas.microsoft.com/office/powerpoint/2016/slidezoom">
+        <mc:Choice Requires="pslz">
           <p:graphicFrame>
             <p:nvGraphicFramePr>
               <p:cNvPr id="7" name="Slide Zoom 6">
@@ -11281,7 +18821,7 @@
                   <pslz:sldZmObj sldId="278" cId="285173711">
                     <pslz:zmPr id="{625DFF72-5AC8-4F80-A424-F548BB34FBF2}" returnToParent="0" transitionDur="1000">
                       <p166:blipFill xmlns:p166="http://schemas.microsoft.com/office/powerpoint/2016/6/main">
-                        <a:blip r:embed="rId4"/>
+                        <a:blip r:embed="rId5"/>
                         <a:stretch>
                           <a:fillRect/>
                         </a:stretch>
@@ -11307,11 +18847,11 @@
             </a:graphic>
           </p:graphicFrame>
         </mc:Choice>
-        <mc:Fallback>
+        <mc:Fallback xmlns="">
           <p:pic>
             <p:nvPicPr>
               <p:cNvPr id="7" name="Slide Zoom 6">
-                <a:hlinkClick r:id="rId5" action="ppaction://hlinksldjump"/>
+                <a:hlinkClick r:id="rId6" action="ppaction://hlinksldjump"/>
                 <a:extLst>
                   <a:ext uri="{FF2B5EF4-FFF2-40B4-BE49-F238E27FC236}">
                     <a16:creationId xmlns:a16="http://schemas.microsoft.com/office/drawing/2014/main" id="{B4AF98FD-D3AF-CAC1-2767-BDA82E970BA5}"/>
@@ -11324,7 +18864,7 @@
               <p:nvPr/>
             </p:nvPicPr>
             <p:blipFill>
-              <a:blip r:embed="rId4"/>
+              <a:blip r:embed="rId7"/>
               <a:stretch>
                 <a:fillRect/>
               </a:stretch>
@@ -11346,8 +18886,8 @@
           </p:pic>
         </mc:Fallback>
       </mc:AlternateContent>
-      <mc:AlternateContent xmlns:mc="http://schemas.openxmlformats.org/markup-compatibility/2006">
-        <mc:Choice xmlns:pslz="http://schemas.microsoft.com/office/powerpoint/2016/slidezoom" Requires="pslz">
+      <mc:AlternateContent xmlns:mc="http://schemas.openxmlformats.org/markup-compatibility/2006" xmlns:pslz="http://schemas.microsoft.com/office/powerpoint/2016/slidezoom">
+        <mc:Choice Requires="pslz">
           <p:graphicFrame>
             <p:nvGraphicFramePr>
               <p:cNvPr id="5" name="Slide Zoom 4">
@@ -11378,7 +18918,7 @@
                   <pslz:sldZmObj sldId="259" cId="1151047824">
                     <pslz:zmPr id="{8375EAAF-0D31-4CA6-AD4C-DBA8547D7A17}" returnToParent="0" transitionDur="1000">
                       <p166:blipFill xmlns:p166="http://schemas.microsoft.com/office/powerpoint/2016/6/main">
-                        <a:blip r:embed="rId6"/>
+                        <a:blip r:embed="rId8"/>
                         <a:stretch>
                           <a:fillRect/>
                         </a:stretch>
@@ -11404,11 +18944,11 @@
             </a:graphic>
           </p:graphicFrame>
         </mc:Choice>
-        <mc:Fallback>
+        <mc:Fallback xmlns="">
           <p:pic>
             <p:nvPicPr>
               <p:cNvPr id="5" name="Slide Zoom 4">
-                <a:hlinkClick r:id="rId7" action="ppaction://hlinksldjump"/>
+                <a:hlinkClick r:id="rId9" action="ppaction://hlinksldjump"/>
                 <a:extLst>
                   <a:ext uri="{FF2B5EF4-FFF2-40B4-BE49-F238E27FC236}">
                     <a16:creationId xmlns:a16="http://schemas.microsoft.com/office/drawing/2014/main" id="{86D6F15C-468E-0563-55D5-D142BFFEDE7C}"/>
@@ -11421,7 +18961,7 @@
               <p:nvPr/>
             </p:nvPicPr>
             <p:blipFill>
-              <a:blip r:embed="rId6"/>
+              <a:blip r:embed="rId10"/>
               <a:stretch>
                 <a:fillRect/>
               </a:stretch>
@@ -11443,8 +18983,8 @@
           </p:pic>
         </mc:Fallback>
       </mc:AlternateContent>
-      <mc:AlternateContent xmlns:mc="http://schemas.openxmlformats.org/markup-compatibility/2006">
-        <mc:Choice xmlns:pslz="http://schemas.microsoft.com/office/powerpoint/2016/slidezoom" Requires="pslz">
+      <mc:AlternateContent xmlns:mc="http://schemas.openxmlformats.org/markup-compatibility/2006" xmlns:pslz="http://schemas.microsoft.com/office/powerpoint/2016/slidezoom">
+        <mc:Choice Requires="pslz">
           <p:graphicFrame>
             <p:nvGraphicFramePr>
               <p:cNvPr id="11" name="Slide Zoom 10">
@@ -11475,7 +19015,7 @@
                   <pslz:sldZmObj sldId="276" cId="952482904">
                     <pslz:zmPr id="{2971FD46-8759-4EBE-B673-85EA15A859E2}" returnToParent="0" transitionDur="1000">
                       <p166:blipFill xmlns:p166="http://schemas.microsoft.com/office/powerpoint/2016/6/main">
-                        <a:blip r:embed="rId8"/>
+                        <a:blip r:embed="rId11"/>
                         <a:stretch>
                           <a:fillRect/>
                         </a:stretch>
@@ -11501,11 +19041,11 @@
             </a:graphic>
           </p:graphicFrame>
         </mc:Choice>
-        <mc:Fallback>
+        <mc:Fallback xmlns="">
           <p:pic>
             <p:nvPicPr>
               <p:cNvPr id="11" name="Slide Zoom 10">
-                <a:hlinkClick r:id="rId9" action="ppaction://hlinksldjump"/>
+                <a:hlinkClick r:id="rId12" action="ppaction://hlinksldjump"/>
                 <a:extLst>
                   <a:ext uri="{FF2B5EF4-FFF2-40B4-BE49-F238E27FC236}">
                     <a16:creationId xmlns:a16="http://schemas.microsoft.com/office/drawing/2014/main" id="{9B76F289-3E71-A995-75A2-0B62ADCD8F35}"/>
@@ -11518,7 +19058,7 @@
               <p:nvPr/>
             </p:nvPicPr>
             <p:blipFill>
-              <a:blip r:embed="rId8"/>
+              <a:blip r:embed="rId13"/>
               <a:stretch>
                 <a:fillRect/>
               </a:stretch>
@@ -11555,7 +19095,7 @@
           <p:nvPr/>
         </p:nvPicPr>
         <p:blipFill>
-          <a:blip r:embed="rId10"/>
+          <a:blip r:embed="rId14"/>
           <a:srcRect t="1" b="80303"/>
           <a:stretch/>
         </p:blipFill>
@@ -11688,10 +19228,10 @@
       </p:grpSpPr>
       <p:pic>
         <p:nvPicPr>
-          <p:cNvPr id="6" name="Picture 5">
+          <p:cNvPr id="5" name="Picture 4">
             <a:extLst>
               <a:ext uri="{FF2B5EF4-FFF2-40B4-BE49-F238E27FC236}">
-                <a16:creationId xmlns:a16="http://schemas.microsoft.com/office/drawing/2014/main" id="{6555346E-B4BD-A85C-5C58-68689CC74A0F}"/>
+                <a16:creationId xmlns:a16="http://schemas.microsoft.com/office/drawing/2014/main" id="{74D33AA6-5D0D-5AAA-6949-01C2AF91CA15}"/>
               </a:ext>
             </a:extLst>
           </p:cNvPr>
@@ -11708,8 +19248,8 @@
         </p:blipFill>
         <p:spPr>
           <a:xfrm>
-            <a:off x="0" y="819403"/>
-            <a:ext cx="12192000" cy="5219194"/>
+            <a:off x="0" y="831300"/>
+            <a:ext cx="12192000" cy="5195399"/>
           </a:xfrm>
           <a:prstGeom prst="rect">
             <a:avLst/>
@@ -11939,14 +19479,42 @@
         </p:blipFill>
         <p:spPr>
           <a:xfrm>
-            <a:off x="419100" y="1269337"/>
-            <a:ext cx="11353800" cy="4873908"/>
+            <a:off x="3981450" y="1734853"/>
+            <a:ext cx="7893050" cy="3388293"/>
           </a:xfrm>
           <a:prstGeom prst="rect">
             <a:avLst/>
           </a:prstGeom>
         </p:spPr>
       </p:pic>
+      <p:graphicFrame>
+        <p:nvGraphicFramePr>
+          <p:cNvPr id="3" name="Diagramm 4">
+            <a:extLst>
+              <a:ext uri="{FF2B5EF4-FFF2-40B4-BE49-F238E27FC236}">
+                <a16:creationId xmlns:a16="http://schemas.microsoft.com/office/drawing/2014/main" id="{E519A45A-61E2-B6EC-8FE1-06401BD9ECDC}"/>
+              </a:ext>
+            </a:extLst>
+          </p:cNvPr>
+          <p:cNvGraphicFramePr/>
+          <p:nvPr>
+            <p:extLst>
+              <p:ext uri="{D42A27DB-BD31-4B8C-83A1-F6EECF244321}">
+                <p14:modId xmlns:p14="http://schemas.microsoft.com/office/powerpoint/2010/main" val="2883714480"/>
+              </p:ext>
+            </p:extLst>
+          </p:nvPr>
+        </p:nvGraphicFramePr>
+        <p:xfrm>
+          <a:off x="270257" y="1524001"/>
+          <a:ext cx="3711194" cy="4679949"/>
+        </p:xfrm>
+        <a:graphic>
+          <a:graphicData uri="http://schemas.openxmlformats.org/drawingml/2006/diagram">
+            <dgm:relIds xmlns:dgm="http://schemas.openxmlformats.org/drawingml/2006/diagram" xmlns:r="http://schemas.openxmlformats.org/officeDocument/2006/relationships" r:dm="rId4" r:lo="rId5" r:qs="rId6" r:cs="rId7"/>
+          </a:graphicData>
+        </a:graphic>
+      </p:graphicFrame>
     </p:spTree>
     <p:extLst>
       <p:ext uri="{BB962C8B-B14F-4D97-AF65-F5344CB8AC3E}">
@@ -12067,10 +19635,10 @@
       </p:sp>
       <p:pic>
         <p:nvPicPr>
-          <p:cNvPr id="5" name="Picture 4">
+          <p:cNvPr id="6" name="Picture 5">
             <a:extLst>
               <a:ext uri="{FF2B5EF4-FFF2-40B4-BE49-F238E27FC236}">
-                <a16:creationId xmlns:a16="http://schemas.microsoft.com/office/drawing/2014/main" id="{1DCCEB25-CE6C-BCB6-EC72-4221831329D7}"/>
+                <a16:creationId xmlns:a16="http://schemas.microsoft.com/office/drawing/2014/main" id="{C59EA982-E747-B874-A412-485B3FFE0F43}"/>
               </a:ext>
             </a:extLst>
           </p:cNvPr>
@@ -12087,14 +19655,42 @@
         </p:blipFill>
         <p:spPr>
           <a:xfrm>
-            <a:off x="1375704" y="1630574"/>
-            <a:ext cx="9440592" cy="4744112"/>
+            <a:off x="5207050" y="1690688"/>
+            <a:ext cx="6788272" cy="4114474"/>
           </a:xfrm>
           <a:prstGeom prst="rect">
             <a:avLst/>
           </a:prstGeom>
         </p:spPr>
       </p:pic>
+      <p:graphicFrame>
+        <p:nvGraphicFramePr>
+          <p:cNvPr id="11" name="Diagramm 4">
+            <a:extLst>
+              <a:ext uri="{FF2B5EF4-FFF2-40B4-BE49-F238E27FC236}">
+                <a16:creationId xmlns:a16="http://schemas.microsoft.com/office/drawing/2014/main" id="{BF36E045-D4A3-9737-AFC1-C40790448B33}"/>
+              </a:ext>
+            </a:extLst>
+          </p:cNvPr>
+          <p:cNvGraphicFramePr/>
+          <p:nvPr>
+            <p:extLst>
+              <p:ext uri="{D42A27DB-BD31-4B8C-83A1-F6EECF244321}">
+                <p14:modId xmlns:p14="http://schemas.microsoft.com/office/powerpoint/2010/main" val="750205459"/>
+              </p:ext>
+            </p:extLst>
+          </p:nvPr>
+        </p:nvGraphicFramePr>
+        <p:xfrm>
+          <a:off x="270256" y="1524001"/>
+          <a:ext cx="4832803" cy="5029200"/>
+        </p:xfrm>
+        <a:graphic>
+          <a:graphicData uri="http://schemas.openxmlformats.org/drawingml/2006/diagram">
+            <dgm:relIds xmlns:dgm="http://schemas.openxmlformats.org/drawingml/2006/diagram" xmlns:r="http://schemas.openxmlformats.org/officeDocument/2006/relationships" r:dm="rId4" r:lo="rId5" r:qs="rId6" r:cs="rId7"/>
+          </a:graphicData>
+        </a:graphic>
+      </p:graphicFrame>
     </p:spTree>
     <p:extLst>
       <p:ext uri="{BB962C8B-B14F-4D97-AF65-F5344CB8AC3E}">
@@ -12235,14 +19831,42 @@
         </p:blipFill>
         <p:spPr>
           <a:xfrm>
-            <a:off x="2032610" y="1390062"/>
-            <a:ext cx="8126780" cy="4750276"/>
+            <a:off x="4413250" y="1351962"/>
+            <a:ext cx="7632090" cy="4461119"/>
           </a:xfrm>
           <a:prstGeom prst="rect">
             <a:avLst/>
           </a:prstGeom>
         </p:spPr>
       </p:pic>
+      <p:graphicFrame>
+        <p:nvGraphicFramePr>
+          <p:cNvPr id="3" name="Diagramm 4">
+            <a:extLst>
+              <a:ext uri="{FF2B5EF4-FFF2-40B4-BE49-F238E27FC236}">
+                <a16:creationId xmlns:a16="http://schemas.microsoft.com/office/drawing/2014/main" id="{6CF8C498-1BF0-0692-47B3-669E999D3AE0}"/>
+              </a:ext>
+            </a:extLst>
+          </p:cNvPr>
+          <p:cNvGraphicFramePr/>
+          <p:nvPr>
+            <p:extLst>
+              <p:ext uri="{D42A27DB-BD31-4B8C-83A1-F6EECF244321}">
+                <p14:modId xmlns:p14="http://schemas.microsoft.com/office/powerpoint/2010/main" val="2479822035"/>
+              </p:ext>
+            </p:extLst>
+          </p:nvPr>
+        </p:nvGraphicFramePr>
+        <p:xfrm>
+          <a:off x="270257" y="1524001"/>
+          <a:ext cx="4092194" cy="4740274"/>
+        </p:xfrm>
+        <a:graphic>
+          <a:graphicData uri="http://schemas.openxmlformats.org/drawingml/2006/diagram">
+            <dgm:relIds xmlns:dgm="http://schemas.openxmlformats.org/drawingml/2006/diagram" xmlns:r="http://schemas.openxmlformats.org/officeDocument/2006/relationships" r:dm="rId4" r:lo="rId5" r:qs="rId6" r:cs="rId7"/>
+          </a:graphicData>
+        </a:graphic>
+      </p:graphicFrame>
     </p:spTree>
     <p:extLst>
       <p:ext uri="{BB962C8B-B14F-4D97-AF65-F5344CB8AC3E}">

--- a/SmartFarm Insights.pptx
+++ b/SmartFarm Insights.pptx
@@ -4106,21 +4106,8 @@
           </a:pPr>
           <a:r>
             <a:rPr lang="de-DE" dirty="0"/>
-            <a:t>Vorarbeit für </a:t>
+            <a:t>Vorarbeit für Prediction und Intelligence (AI)</a:t>
           </a:r>
-          <a:r>
-            <a:rPr lang="de-DE" dirty="0" err="1"/>
-            <a:t>Prediction</a:t>
-          </a:r>
-          <a:r>
-            <a:rPr lang="de-DE" dirty="0"/>
-            <a:t> und </a:t>
-          </a:r>
-          <a:r>
-            <a:rPr lang="de-DE" dirty="0" err="1"/>
-            <a:t>Intelligence</a:t>
-          </a:r>
-          <a:endParaRPr lang="de-DE" dirty="0"/>
         </a:p>
       </dgm:t>
     </dgm:pt>
@@ -4146,8 +4133,8 @@
         </a:p>
       </dgm:t>
     </dgm:pt>
-    <dgm:pt modelId="{882B20FE-4C32-4ED9-BAC9-5ACFD61032A6}">
-      <dgm:prSet/>
+    <dgm:pt modelId="{EFE09FFC-80FC-4959-8558-C8434351CEE7}">
+      <dgm:prSet phldrT="[Text]"/>
       <dgm:spPr>
         <a:ln>
           <a:solidFill>
@@ -4159,32 +4146,36 @@
         <a:bodyPr/>
         <a:lstStyle/>
         <a:p>
+          <a:pPr>
+            <a:buFont typeface="Arial" panose="020B0604020202020204" pitchFamily="34" charset="0"/>
+            <a:buChar char="•"/>
+          </a:pPr>
           <a:r>
-            <a:rPr lang="de-DE"/>
-            <a:t>Verwendung in KI</a:t>
+            <a:rPr lang="de-DE" dirty="0"/>
+            <a:t>Live monitoring der FPF</a:t>
           </a:r>
         </a:p>
       </dgm:t>
     </dgm:pt>
-    <dgm:pt modelId="{420A662D-6FFB-4433-9B90-1DCCD4ABF0BA}" type="parTrans" cxnId="{A8001E3B-F426-4CED-9624-99E9FACC6A7F}">
+    <dgm:pt modelId="{5D7F4DB9-6271-4136-9654-0BA1A010913E}" type="parTrans" cxnId="{3EA49D50-010B-40D4-889B-2C5A3A806422}">
       <dgm:prSet/>
       <dgm:spPr/>
       <dgm:t>
         <a:bodyPr/>
         <a:lstStyle/>
         <a:p>
-          <a:endParaRPr lang="de-DE"/>
+          <a:endParaRPr lang="en-DE"/>
         </a:p>
       </dgm:t>
     </dgm:pt>
-    <dgm:pt modelId="{A02C5D21-6245-41B0-B91F-056F27FD34CC}" type="sibTrans" cxnId="{A8001E3B-F426-4CED-9624-99E9FACC6A7F}">
+    <dgm:pt modelId="{DC68196F-E2C0-43F6-9002-D01C2E56D396}" type="sibTrans" cxnId="{3EA49D50-010B-40D4-889B-2C5A3A806422}">
       <dgm:prSet/>
       <dgm:spPr/>
       <dgm:t>
         <a:bodyPr/>
         <a:lstStyle/>
         <a:p>
-          <a:endParaRPr lang="de-DE"/>
+          <a:endParaRPr lang="en-DE"/>
         </a:p>
       </dgm:t>
     </dgm:pt>
@@ -4226,11 +4217,11 @@
     </dgm:pt>
   </dgm:ptLst>
   <dgm:cxnLst>
-    <dgm:cxn modelId="{A8001E3B-F426-4CED-9624-99E9FACC6A7F}" srcId="{6AC3DC26-2056-4F64-80E0-554D0E189ABB}" destId="{882B20FE-4C32-4ED9-BAC9-5ACFD61032A6}" srcOrd="1" destOrd="0" parTransId="{420A662D-6FFB-4433-9B90-1DCCD4ABF0BA}" sibTransId="{A02C5D21-6245-41B0-B91F-056F27FD34CC}"/>
-    <dgm:cxn modelId="{CE35BE63-8436-478E-B57C-C6727FB8B9FC}" srcId="{6AC3DC26-2056-4F64-80E0-554D0E189ABB}" destId="{6F35E23E-3443-47E5-9D69-35DD44C6D6A0}" srcOrd="0" destOrd="0" parTransId="{7D491415-4DFB-4C66-8FEC-467722980FA8}" sibTransId="{8ADAD9D1-15FC-4CF1-8E2C-FFD491C098FD}"/>
-    <dgm:cxn modelId="{48F2C571-829E-4666-9909-4A65737B49E2}" type="presOf" srcId="{6F35E23E-3443-47E5-9D69-35DD44C6D6A0}" destId="{A855D974-2B66-4AD1-9F0E-AB402070EE2E}" srcOrd="0" destOrd="0" presId="urn:microsoft.com/office/officeart/2005/8/layout/process3"/>
+    <dgm:cxn modelId="{AAE2722E-A49D-413F-A2FF-E7921A61A07D}" type="presOf" srcId="{EFE09FFC-80FC-4959-8558-C8434351CEE7}" destId="{A855D974-2B66-4AD1-9F0E-AB402070EE2E}" srcOrd="0" destOrd="0" presId="urn:microsoft.com/office/officeart/2005/8/layout/process3"/>
+    <dgm:cxn modelId="{CE35BE63-8436-478E-B57C-C6727FB8B9FC}" srcId="{6AC3DC26-2056-4F64-80E0-554D0E189ABB}" destId="{6F35E23E-3443-47E5-9D69-35DD44C6D6A0}" srcOrd="1" destOrd="0" parTransId="{7D491415-4DFB-4C66-8FEC-467722980FA8}" sibTransId="{8ADAD9D1-15FC-4CF1-8E2C-FFD491C098FD}"/>
+    <dgm:cxn modelId="{3EA49D50-010B-40D4-889B-2C5A3A806422}" srcId="{6AC3DC26-2056-4F64-80E0-554D0E189ABB}" destId="{EFE09FFC-80FC-4959-8558-C8434351CEE7}" srcOrd="0" destOrd="0" parTransId="{5D7F4DB9-6271-4136-9654-0BA1A010913E}" sibTransId="{DC68196F-E2C0-43F6-9002-D01C2E56D396}"/>
+    <dgm:cxn modelId="{48F2C571-829E-4666-9909-4A65737B49E2}" type="presOf" srcId="{6F35E23E-3443-47E5-9D69-35DD44C6D6A0}" destId="{A855D974-2B66-4AD1-9F0E-AB402070EE2E}" srcOrd="0" destOrd="1" presId="urn:microsoft.com/office/officeart/2005/8/layout/process3"/>
     <dgm:cxn modelId="{F91D4774-3FC1-42C3-8F9F-7DFD8FEE6921}" type="presOf" srcId="{6AC3DC26-2056-4F64-80E0-554D0E189ABB}" destId="{8CD84617-E39D-4141-B5BB-CC63958ECE8D}" srcOrd="1" destOrd="0" presId="urn:microsoft.com/office/officeart/2005/8/layout/process3"/>
-    <dgm:cxn modelId="{B5BB9B98-EBD1-43C1-A105-5700D5B298BE}" type="presOf" srcId="{882B20FE-4C32-4ED9-BAC9-5ACFD61032A6}" destId="{A855D974-2B66-4AD1-9F0E-AB402070EE2E}" srcOrd="0" destOrd="1" presId="urn:microsoft.com/office/officeart/2005/8/layout/process3"/>
     <dgm:cxn modelId="{950F25C4-12D6-4C99-9147-15842F9D0071}" type="presOf" srcId="{6AC3DC26-2056-4F64-80E0-554D0E189ABB}" destId="{687BDDD7-893B-4C71-9844-3824E5609744}" srcOrd="0" destOrd="0" presId="urn:microsoft.com/office/officeart/2005/8/layout/process3"/>
     <dgm:cxn modelId="{FE6C04CD-248F-46F9-9434-D2E0A5D2E4D3}" type="presOf" srcId="{20D0F526-34CA-47DA-8F5E-5798D2FD4CEC}" destId="{E2D2E959-4F62-4667-9A4E-6E432927AE31}" srcOrd="0" destOrd="0" presId="urn:microsoft.com/office/officeart/2005/8/layout/process3"/>
     <dgm:cxn modelId="{9EBA8EF5-E752-493B-B97C-6798721B5542}" srcId="{20D0F526-34CA-47DA-8F5E-5798D2FD4CEC}" destId="{6AC3DC26-2056-4F64-80E0-554D0E189ABB}" srcOrd="0" destOrd="0" parTransId="{AA96D068-3EE7-4968-9251-2A3CF15D1F80}" sibTransId="{74A74AA2-EDF0-4D40-978E-4FFDFBBF3627}"/>
@@ -5200,8 +5191,8 @@
       </dsp:nvSpPr>
       <dsp:spPr>
         <a:xfrm>
-          <a:off x="0" y="79875"/>
-          <a:ext cx="4011226" cy="1425600"/>
+          <a:off x="0" y="23175"/>
+          <a:ext cx="4011226" cy="1296000"/>
         </a:xfrm>
         <a:prstGeom prst="roundRect">
           <a:avLst>
@@ -5237,12 +5228,12 @@
         </a:fontRef>
       </dsp:style>
       <dsp:txBody>
-        <a:bodyPr spcFirstLastPara="0" vert="horz" wrap="square" lIns="234696" tIns="234696" rIns="234696" bIns="125730" numCol="1" spcCol="1270" anchor="t" anchorCtr="0">
+        <a:bodyPr spcFirstLastPara="0" vert="horz" wrap="square" lIns="213360" tIns="213360" rIns="213360" bIns="114300" numCol="1" spcCol="1270" anchor="t" anchorCtr="0">
           <a:noAutofit/>
         </a:bodyPr>
         <a:lstStyle/>
         <a:p>
-          <a:pPr marL="0" lvl="0" indent="0" algn="l" defTabSz="1466850">
+          <a:pPr marL="0" lvl="0" indent="0" algn="l" defTabSz="1333500">
             <a:lnSpc>
               <a:spcPct val="90000"/>
             </a:lnSpc>
@@ -5255,14 +5246,14 @@
             <a:buNone/>
           </a:pPr>
           <a:r>
-            <a:rPr lang="de-DE" sz="3300" kern="1200" dirty="0"/>
+            <a:rPr lang="de-DE" sz="3000" kern="1200" dirty="0"/>
             <a:t>Vision</a:t>
           </a:r>
         </a:p>
       </dsp:txBody>
       <dsp:txXfrm>
-        <a:off x="0" y="79875"/>
-        <a:ext cx="4011226" cy="950400"/>
+        <a:off x="0" y="23175"/>
+        <a:ext cx="4011226" cy="864000"/>
       </dsp:txXfrm>
     </dsp:sp>
     <dsp:sp modelId="{A855D974-2B66-4AD1-9F0E-AB402070EE2E}">
@@ -5272,8 +5263,8 @@
       </dsp:nvSpPr>
       <dsp:spPr>
         <a:xfrm>
-          <a:off x="821576" y="1030275"/>
-          <a:ext cx="4011226" cy="2554200"/>
+          <a:off x="821576" y="887175"/>
+          <a:ext cx="4011226" cy="2754000"/>
         </a:xfrm>
         <a:prstGeom prst="roundRect">
           <a:avLst>
@@ -5311,12 +5302,12 @@
         <a:fontRef idx="minor"/>
       </dsp:style>
       <dsp:txBody>
-        <a:bodyPr spcFirstLastPara="0" vert="horz" wrap="square" lIns="234696" tIns="234696" rIns="234696" bIns="234696" numCol="1" spcCol="1270" anchor="t" anchorCtr="0">
+        <a:bodyPr spcFirstLastPara="0" vert="horz" wrap="square" lIns="213360" tIns="213360" rIns="213360" bIns="213360" numCol="1" spcCol="1270" anchor="t" anchorCtr="0">
           <a:noAutofit/>
         </a:bodyPr>
         <a:lstStyle/>
         <a:p>
-          <a:pPr marL="285750" lvl="1" indent="-285750" algn="l" defTabSz="1466850">
+          <a:pPr marL="285750" lvl="1" indent="-285750" algn="l" defTabSz="1333500">
             <a:lnSpc>
               <a:spcPct val="90000"/>
             </a:lnSpc>
@@ -5330,25 +5321,12 @@
             <a:buChar char="•"/>
           </a:pPr>
           <a:r>
-            <a:rPr lang="de-DE" sz="3300" kern="1200" dirty="0"/>
-            <a:t>Vorarbeit für </a:t>
+            <a:rPr lang="de-DE" sz="3000" kern="1200" dirty="0"/>
+            <a:t>Live monitoring der FPF</a:t>
           </a:r>
-          <a:r>
-            <a:rPr lang="de-DE" sz="3300" kern="1200" dirty="0" err="1"/>
-            <a:t>Prediction</a:t>
-          </a:r>
-          <a:r>
-            <a:rPr lang="de-DE" sz="3300" kern="1200" dirty="0"/>
-            <a:t> und </a:t>
-          </a:r>
-          <a:r>
-            <a:rPr lang="de-DE" sz="3300" kern="1200" dirty="0" err="1"/>
-            <a:t>Intelligence</a:t>
-          </a:r>
-          <a:endParaRPr lang="de-DE" sz="3300" kern="1200" dirty="0"/>
         </a:p>
         <a:p>
-          <a:pPr marL="285750" lvl="1" indent="-285750" algn="l" defTabSz="1466850">
+          <a:pPr marL="285750" lvl="1" indent="-285750" algn="l" defTabSz="1333500">
             <a:lnSpc>
               <a:spcPct val="90000"/>
             </a:lnSpc>
@@ -5358,17 +5336,18 @@
             <a:spcAft>
               <a:spcPct val="15000"/>
             </a:spcAft>
+            <a:buFont typeface="Arial" panose="020B0604020202020204" pitchFamily="34" charset="0"/>
             <a:buChar char="•"/>
           </a:pPr>
           <a:r>
-            <a:rPr lang="de-DE" sz="3300" kern="1200"/>
-            <a:t>Verwendung in KI</a:t>
+            <a:rPr lang="de-DE" sz="3000" kern="1200" dirty="0"/>
+            <a:t>Vorarbeit für Prediction und Intelligence (AI)</a:t>
           </a:r>
         </a:p>
       </dsp:txBody>
       <dsp:txXfrm>
-        <a:off x="896386" y="1105085"/>
-        <a:ext cx="3861606" cy="2404580"/>
+        <a:off x="902238" y="967837"/>
+        <a:ext cx="3849902" cy="2592676"/>
       </dsp:txXfrm>
     </dsp:sp>
   </dsp:spTree>
@@ -18650,7 +18629,13 @@
             </a:extLst>
           </p:cNvPr>
           <p:cNvGraphicFramePr/>
-          <p:nvPr/>
+          <p:nvPr>
+            <p:extLst>
+              <p:ext uri="{D42A27DB-BD31-4B8C-83A1-F6EECF244321}">
+                <p14:modId xmlns:p14="http://schemas.microsoft.com/office/powerpoint/2010/main" val="755250988"/>
+              </p:ext>
+            </p:extLst>
+          </p:nvPr>
         </p:nvGraphicFramePr>
         <p:xfrm>
           <a:off x="448056" y="2512611"/>

--- a/SmartFarm Insights.pptx
+++ b/SmartFarm Insights.pptx
@@ -5,7 +5,7 @@
     <p:sldMasterId id="2147483648" r:id="rId1"/>
   </p:sldMasterIdLst>
   <p:notesMasterIdLst>
-    <p:notesMasterId r:id="rId14"/>
+    <p:notesMasterId r:id="rId16"/>
   </p:notesMasterIdLst>
   <p:sldIdLst>
     <p:sldId id="257" r:id="rId2"/>
@@ -17,9 +17,11 @@
     <p:sldId id="278" r:id="rId8"/>
     <p:sldId id="279" r:id="rId9"/>
     <p:sldId id="276" r:id="rId10"/>
-    <p:sldId id="263" r:id="rId11"/>
-    <p:sldId id="281" r:id="rId12"/>
-    <p:sldId id="270" r:id="rId13"/>
+    <p:sldId id="283" r:id="rId11"/>
+    <p:sldId id="284" r:id="rId12"/>
+    <p:sldId id="263" r:id="rId13"/>
+    <p:sldId id="281" r:id="rId14"/>
+    <p:sldId id="270" r:id="rId15"/>
   </p:sldIdLst>
   <p:sldSz cx="12192000" cy="6858000"/>
   <p:notesSz cx="6858000" cy="9144000"/>
@@ -3115,6 +3117,925 @@
 </file>
 
 <file path=ppt/diagrams/colors5.xml><?xml version="1.0" encoding="utf-8"?>
+<dgm:colorsDef xmlns:dgm="http://schemas.openxmlformats.org/drawingml/2006/diagram" xmlns:a="http://schemas.openxmlformats.org/drawingml/2006/main" uniqueId="urn:microsoft.com/office/officeart/2005/8/colors/colorful1">
+  <dgm:title val=""/>
+  <dgm:desc val=""/>
+  <dgm:catLst>
+    <dgm:cat type="colorful" pri="10100"/>
+  </dgm:catLst>
+  <dgm:styleLbl name="node0">
+    <dgm:fillClrLst meth="repeat">
+      <a:schemeClr val="accent1"/>
+    </dgm:fillClrLst>
+    <dgm:linClrLst meth="repeat">
+      <a:schemeClr val="lt1"/>
+    </dgm:linClrLst>
+    <dgm:effectClrLst/>
+    <dgm:txLinClrLst/>
+    <dgm:txFillClrLst/>
+    <dgm:txEffectClrLst/>
+  </dgm:styleLbl>
+  <dgm:styleLbl name="node1">
+    <dgm:fillClrLst meth="repeat">
+      <a:schemeClr val="accent2"/>
+      <a:schemeClr val="accent3"/>
+      <a:schemeClr val="accent4"/>
+      <a:schemeClr val="accent5"/>
+      <a:schemeClr val="accent6"/>
+    </dgm:fillClrLst>
+    <dgm:linClrLst meth="repeat">
+      <a:schemeClr val="lt1"/>
+    </dgm:linClrLst>
+    <dgm:effectClrLst/>
+    <dgm:txLinClrLst/>
+    <dgm:txFillClrLst/>
+    <dgm:txEffectClrLst/>
+  </dgm:styleLbl>
+  <dgm:styleLbl name="alignNode1">
+    <dgm:fillClrLst meth="repeat">
+      <a:schemeClr val="accent2"/>
+      <a:schemeClr val="accent3"/>
+      <a:schemeClr val="accent4"/>
+      <a:schemeClr val="accent5"/>
+      <a:schemeClr val="accent6"/>
+    </dgm:fillClrLst>
+    <dgm:linClrLst meth="repeat">
+      <a:schemeClr val="accent2"/>
+      <a:schemeClr val="accent3"/>
+      <a:schemeClr val="accent4"/>
+      <a:schemeClr val="accent5"/>
+      <a:schemeClr val="accent6"/>
+    </dgm:linClrLst>
+    <dgm:effectClrLst/>
+    <dgm:txLinClrLst/>
+    <dgm:txFillClrLst/>
+    <dgm:txEffectClrLst/>
+  </dgm:styleLbl>
+  <dgm:styleLbl name="lnNode1">
+    <dgm:fillClrLst meth="repeat">
+      <a:schemeClr val="accent2"/>
+      <a:schemeClr val="accent3"/>
+      <a:schemeClr val="accent4"/>
+      <a:schemeClr val="accent5"/>
+      <a:schemeClr val="accent6"/>
+    </dgm:fillClrLst>
+    <dgm:linClrLst meth="repeat">
+      <a:schemeClr val="lt1"/>
+    </dgm:linClrLst>
+    <dgm:effectClrLst/>
+    <dgm:txLinClrLst/>
+    <dgm:txFillClrLst/>
+    <dgm:txEffectClrLst/>
+  </dgm:styleLbl>
+  <dgm:styleLbl name="vennNode1">
+    <dgm:fillClrLst meth="repeat">
+      <a:schemeClr val="accent2">
+        <a:alpha val="50000"/>
+      </a:schemeClr>
+      <a:schemeClr val="accent3">
+        <a:alpha val="50000"/>
+      </a:schemeClr>
+      <a:schemeClr val="accent4">
+        <a:alpha val="50000"/>
+      </a:schemeClr>
+      <a:schemeClr val="accent5">
+        <a:alpha val="50000"/>
+      </a:schemeClr>
+      <a:schemeClr val="accent6">
+        <a:alpha val="50000"/>
+      </a:schemeClr>
+    </dgm:fillClrLst>
+    <dgm:linClrLst meth="repeat">
+      <a:schemeClr val="lt1"/>
+    </dgm:linClrLst>
+    <dgm:effectClrLst/>
+    <dgm:txLinClrLst/>
+    <dgm:txFillClrLst/>
+    <dgm:txEffectClrLst/>
+  </dgm:styleLbl>
+  <dgm:styleLbl name="node2">
+    <dgm:fillClrLst>
+      <a:schemeClr val="accent2"/>
+    </dgm:fillClrLst>
+    <dgm:linClrLst meth="repeat">
+      <a:schemeClr val="lt1"/>
+    </dgm:linClrLst>
+    <dgm:effectClrLst/>
+    <dgm:txLinClrLst/>
+    <dgm:txFillClrLst/>
+    <dgm:txEffectClrLst/>
+  </dgm:styleLbl>
+  <dgm:styleLbl name="node3">
+    <dgm:fillClrLst>
+      <a:schemeClr val="accent3"/>
+    </dgm:fillClrLst>
+    <dgm:linClrLst meth="repeat">
+      <a:schemeClr val="lt1"/>
+    </dgm:linClrLst>
+    <dgm:effectClrLst/>
+    <dgm:txLinClrLst/>
+    <dgm:txFillClrLst/>
+    <dgm:txEffectClrLst/>
+  </dgm:styleLbl>
+  <dgm:styleLbl name="node4">
+    <dgm:fillClrLst>
+      <a:schemeClr val="accent4"/>
+    </dgm:fillClrLst>
+    <dgm:linClrLst meth="repeat">
+      <a:schemeClr val="lt1"/>
+    </dgm:linClrLst>
+    <dgm:effectClrLst/>
+    <dgm:txLinClrLst/>
+    <dgm:txFillClrLst/>
+    <dgm:txEffectClrLst/>
+  </dgm:styleLbl>
+  <dgm:styleLbl name="fgImgPlace1">
+    <dgm:fillClrLst meth="repeat">
+      <a:schemeClr val="accent2">
+        <a:tint val="50000"/>
+      </a:schemeClr>
+      <a:schemeClr val="accent3">
+        <a:tint val="50000"/>
+      </a:schemeClr>
+      <a:schemeClr val="accent4">
+        <a:tint val="50000"/>
+      </a:schemeClr>
+      <a:schemeClr val="accent5">
+        <a:tint val="50000"/>
+      </a:schemeClr>
+      <a:schemeClr val="accent6">
+        <a:tint val="50000"/>
+      </a:schemeClr>
+    </dgm:fillClrLst>
+    <dgm:linClrLst meth="repeat">
+      <a:schemeClr val="lt1"/>
+    </dgm:linClrLst>
+    <dgm:effectClrLst/>
+    <dgm:txLinClrLst/>
+    <dgm:txFillClrLst meth="repeat">
+      <a:schemeClr val="lt1"/>
+    </dgm:txFillClrLst>
+    <dgm:txEffectClrLst/>
+  </dgm:styleLbl>
+  <dgm:styleLbl name="alignImgPlace1">
+    <dgm:fillClrLst>
+      <a:schemeClr val="accent1">
+        <a:tint val="50000"/>
+      </a:schemeClr>
+      <a:schemeClr val="accent2">
+        <a:tint val="20000"/>
+      </a:schemeClr>
+    </dgm:fillClrLst>
+    <dgm:linClrLst meth="repeat">
+      <a:schemeClr val="lt1"/>
+    </dgm:linClrLst>
+    <dgm:effectClrLst/>
+    <dgm:txLinClrLst/>
+    <dgm:txFillClrLst meth="repeat">
+      <a:schemeClr val="lt1"/>
+    </dgm:txFillClrLst>
+    <dgm:txEffectClrLst/>
+  </dgm:styleLbl>
+  <dgm:styleLbl name="bgImgPlace1">
+    <dgm:fillClrLst>
+      <a:schemeClr val="accent1">
+        <a:tint val="50000"/>
+      </a:schemeClr>
+      <a:schemeClr val="accent2">
+        <a:tint val="20000"/>
+      </a:schemeClr>
+    </dgm:fillClrLst>
+    <dgm:linClrLst meth="repeat">
+      <a:schemeClr val="lt1"/>
+    </dgm:linClrLst>
+    <dgm:effectClrLst/>
+    <dgm:txLinClrLst/>
+    <dgm:txFillClrLst meth="repeat">
+      <a:schemeClr val="lt1"/>
+    </dgm:txFillClrLst>
+    <dgm:txEffectClrLst/>
+  </dgm:styleLbl>
+  <dgm:styleLbl name="sibTrans2D1">
+    <dgm:fillClrLst meth="repeat">
+      <a:schemeClr val="accent2"/>
+      <a:schemeClr val="accent3"/>
+      <a:schemeClr val="accent4"/>
+      <a:schemeClr val="accent5"/>
+      <a:schemeClr val="accent6"/>
+    </dgm:fillClrLst>
+    <dgm:linClrLst meth="cycle">
+      <a:schemeClr val="lt1"/>
+    </dgm:linClrLst>
+    <dgm:effectClrLst/>
+    <dgm:txLinClrLst/>
+    <dgm:txFillClrLst/>
+    <dgm:txEffectClrLst/>
+  </dgm:styleLbl>
+  <dgm:styleLbl name="fgSibTrans2D1">
+    <dgm:fillClrLst meth="repeat">
+      <a:schemeClr val="accent2"/>
+      <a:schemeClr val="accent3"/>
+      <a:schemeClr val="accent4"/>
+      <a:schemeClr val="accent5"/>
+      <a:schemeClr val="accent6"/>
+    </dgm:fillClrLst>
+    <dgm:linClrLst meth="cycle">
+      <a:schemeClr val="lt1"/>
+    </dgm:linClrLst>
+    <dgm:effectClrLst/>
+    <dgm:txLinClrLst/>
+    <dgm:txFillClrLst meth="repeat">
+      <a:schemeClr val="lt1"/>
+    </dgm:txFillClrLst>
+    <dgm:txEffectClrLst/>
+  </dgm:styleLbl>
+  <dgm:styleLbl name="bgSibTrans2D1">
+    <dgm:fillClrLst meth="repeat">
+      <a:schemeClr val="accent2"/>
+      <a:schemeClr val="accent3"/>
+      <a:schemeClr val="accent4"/>
+      <a:schemeClr val="accent5"/>
+      <a:schemeClr val="accent6"/>
+    </dgm:fillClrLst>
+    <dgm:linClrLst meth="cycle">
+      <a:schemeClr val="lt1"/>
+    </dgm:linClrLst>
+    <dgm:effectClrLst/>
+    <dgm:txLinClrLst/>
+    <dgm:txFillClrLst meth="repeat">
+      <a:schemeClr val="lt1"/>
+    </dgm:txFillClrLst>
+    <dgm:txEffectClrLst/>
+  </dgm:styleLbl>
+  <dgm:styleLbl name="sibTrans1D1">
+    <dgm:fillClrLst meth="repeat">
+      <a:schemeClr val="accent2"/>
+      <a:schemeClr val="accent3"/>
+      <a:schemeClr val="accent4"/>
+      <a:schemeClr val="accent5"/>
+      <a:schemeClr val="accent6"/>
+    </dgm:fillClrLst>
+    <dgm:linClrLst meth="repeat">
+      <a:schemeClr val="accent2"/>
+      <a:schemeClr val="accent3"/>
+      <a:schemeClr val="accent4"/>
+      <a:schemeClr val="accent5"/>
+      <a:schemeClr val="accent6"/>
+    </dgm:linClrLst>
+    <dgm:effectClrLst/>
+    <dgm:txLinClrLst/>
+    <dgm:txFillClrLst meth="repeat">
+      <a:schemeClr val="tx1"/>
+    </dgm:txFillClrLst>
+    <dgm:txEffectClrLst/>
+  </dgm:styleLbl>
+  <dgm:styleLbl name="callout">
+    <dgm:fillClrLst meth="repeat">
+      <a:schemeClr val="accent2"/>
+    </dgm:fillClrLst>
+    <dgm:linClrLst meth="repeat">
+      <a:schemeClr val="accent2">
+        <a:tint val="50000"/>
+      </a:schemeClr>
+    </dgm:linClrLst>
+    <dgm:effectClrLst/>
+    <dgm:txLinClrLst/>
+    <dgm:txFillClrLst meth="repeat">
+      <a:schemeClr val="tx1"/>
+    </dgm:txFillClrLst>
+    <dgm:txEffectClrLst/>
+  </dgm:styleLbl>
+  <dgm:styleLbl name="asst0">
+    <dgm:fillClrLst meth="repeat">
+      <a:schemeClr val="accent1"/>
+    </dgm:fillClrLst>
+    <dgm:linClrLst meth="repeat">
+      <a:schemeClr val="lt1"/>
+    </dgm:linClrLst>
+    <dgm:effectClrLst/>
+    <dgm:txLinClrLst/>
+    <dgm:txFillClrLst/>
+    <dgm:txEffectClrLst/>
+  </dgm:styleLbl>
+  <dgm:styleLbl name="asst1">
+    <dgm:fillClrLst meth="repeat">
+      <a:schemeClr val="accent2"/>
+    </dgm:fillClrLst>
+    <dgm:linClrLst meth="repeat">
+      <a:schemeClr val="lt1"/>
+    </dgm:linClrLst>
+    <dgm:effectClrLst/>
+    <dgm:txLinClrLst/>
+    <dgm:txFillClrLst/>
+    <dgm:txEffectClrLst/>
+  </dgm:styleLbl>
+  <dgm:styleLbl name="asst2">
+    <dgm:fillClrLst>
+      <a:schemeClr val="accent3"/>
+    </dgm:fillClrLst>
+    <dgm:linClrLst meth="repeat">
+      <a:schemeClr val="lt1"/>
+    </dgm:linClrLst>
+    <dgm:effectClrLst/>
+    <dgm:txLinClrLst/>
+    <dgm:txFillClrLst/>
+    <dgm:txEffectClrLst/>
+  </dgm:styleLbl>
+  <dgm:styleLbl name="asst3">
+    <dgm:fillClrLst>
+      <a:schemeClr val="accent4"/>
+    </dgm:fillClrLst>
+    <dgm:linClrLst meth="repeat">
+      <a:schemeClr val="lt1"/>
+    </dgm:linClrLst>
+    <dgm:effectClrLst/>
+    <dgm:txLinClrLst/>
+    <dgm:txFillClrLst/>
+    <dgm:txEffectClrLst/>
+  </dgm:styleLbl>
+  <dgm:styleLbl name="asst4">
+    <dgm:fillClrLst>
+      <a:schemeClr val="accent5"/>
+    </dgm:fillClrLst>
+    <dgm:linClrLst meth="repeat">
+      <a:schemeClr val="lt1"/>
+    </dgm:linClrLst>
+    <dgm:effectClrLst/>
+    <dgm:txLinClrLst/>
+    <dgm:txFillClrLst/>
+    <dgm:txEffectClrLst/>
+  </dgm:styleLbl>
+  <dgm:styleLbl name="parChTrans2D1">
+    <dgm:fillClrLst meth="repeat">
+      <a:schemeClr val="accent2"/>
+    </dgm:fillClrLst>
+    <dgm:linClrLst meth="repeat">
+      <a:schemeClr val="lt1"/>
+    </dgm:linClrLst>
+    <dgm:effectClrLst/>
+    <dgm:txLinClrLst/>
+    <dgm:txFillClrLst meth="repeat">
+      <a:schemeClr val="lt1"/>
+    </dgm:txFillClrLst>
+    <dgm:txEffectClrLst/>
+  </dgm:styleLbl>
+  <dgm:styleLbl name="parChTrans2D2">
+    <dgm:fillClrLst meth="repeat">
+      <a:schemeClr val="accent3"/>
+    </dgm:fillClrLst>
+    <dgm:linClrLst meth="repeat">
+      <a:schemeClr val="lt1"/>
+    </dgm:linClrLst>
+    <dgm:effectClrLst/>
+    <dgm:txLinClrLst/>
+    <dgm:txFillClrLst/>
+    <dgm:txEffectClrLst/>
+  </dgm:styleLbl>
+  <dgm:styleLbl name="parChTrans2D3">
+    <dgm:fillClrLst meth="repeat">
+      <a:schemeClr val="accent4"/>
+    </dgm:fillClrLst>
+    <dgm:linClrLst meth="repeat">
+      <a:schemeClr val="lt1"/>
+    </dgm:linClrLst>
+    <dgm:effectClrLst/>
+    <dgm:txLinClrLst/>
+    <dgm:txFillClrLst/>
+    <dgm:txEffectClrLst/>
+  </dgm:styleLbl>
+  <dgm:styleLbl name="parChTrans2D4">
+    <dgm:fillClrLst meth="repeat">
+      <a:schemeClr val="accent5"/>
+    </dgm:fillClrLst>
+    <dgm:linClrLst meth="repeat">
+      <a:schemeClr val="lt1"/>
+    </dgm:linClrLst>
+    <dgm:effectClrLst/>
+    <dgm:txLinClrLst/>
+    <dgm:txFillClrLst meth="repeat">
+      <a:schemeClr val="lt1"/>
+    </dgm:txFillClrLst>
+    <dgm:txEffectClrLst/>
+  </dgm:styleLbl>
+  <dgm:styleLbl name="parChTrans1D1">
+    <dgm:fillClrLst meth="repeat">
+      <a:schemeClr val="accent2"/>
+    </dgm:fillClrLst>
+    <dgm:linClrLst meth="repeat">
+      <a:schemeClr val="accent1"/>
+    </dgm:linClrLst>
+    <dgm:effectClrLst/>
+    <dgm:txLinClrLst/>
+    <dgm:txFillClrLst meth="repeat">
+      <a:schemeClr val="tx1"/>
+    </dgm:txFillClrLst>
+    <dgm:txEffectClrLst/>
+  </dgm:styleLbl>
+  <dgm:styleLbl name="parChTrans1D2">
+    <dgm:fillClrLst meth="repeat">
+      <a:schemeClr val="accent3">
+        <a:tint val="90000"/>
+      </a:schemeClr>
+    </dgm:fillClrLst>
+    <dgm:linClrLst meth="repeat">
+      <a:schemeClr val="accent2"/>
+    </dgm:linClrLst>
+    <dgm:effectClrLst/>
+    <dgm:txLinClrLst/>
+    <dgm:txFillClrLst meth="repeat">
+      <a:schemeClr val="tx1"/>
+    </dgm:txFillClrLst>
+    <dgm:txEffectClrLst/>
+  </dgm:styleLbl>
+  <dgm:styleLbl name="parChTrans1D3">
+    <dgm:fillClrLst meth="repeat">
+      <a:schemeClr val="accent4">
+        <a:tint val="70000"/>
+      </a:schemeClr>
+    </dgm:fillClrLst>
+    <dgm:linClrLst meth="repeat">
+      <a:schemeClr val="accent3"/>
+    </dgm:linClrLst>
+    <dgm:effectClrLst/>
+    <dgm:txLinClrLst/>
+    <dgm:txFillClrLst meth="repeat">
+      <a:schemeClr val="tx1"/>
+    </dgm:txFillClrLst>
+    <dgm:txEffectClrLst/>
+  </dgm:styleLbl>
+  <dgm:styleLbl name="parChTrans1D4">
+    <dgm:fillClrLst meth="repeat">
+      <a:schemeClr val="accent5">
+        <a:tint val="50000"/>
+      </a:schemeClr>
+    </dgm:fillClrLst>
+    <dgm:linClrLst meth="repeat">
+      <a:schemeClr val="accent4"/>
+    </dgm:linClrLst>
+    <dgm:effectClrLst/>
+    <dgm:txLinClrLst/>
+    <dgm:txFillClrLst meth="repeat">
+      <a:schemeClr val="tx1"/>
+    </dgm:txFillClrLst>
+    <dgm:txEffectClrLst/>
+  </dgm:styleLbl>
+  <dgm:styleLbl name="fgAcc1">
+    <dgm:fillClrLst meth="repeat">
+      <a:schemeClr val="lt1">
+        <a:alpha val="90000"/>
+      </a:schemeClr>
+    </dgm:fillClrLst>
+    <dgm:linClrLst meth="repeat">
+      <a:schemeClr val="accent2"/>
+      <a:schemeClr val="accent3"/>
+      <a:schemeClr val="accent4"/>
+      <a:schemeClr val="accent5"/>
+      <a:schemeClr val="accent6"/>
+    </dgm:linClrLst>
+    <dgm:effectClrLst/>
+    <dgm:txLinClrLst/>
+    <dgm:txFillClrLst meth="repeat">
+      <a:schemeClr val="dk1"/>
+    </dgm:txFillClrLst>
+    <dgm:txEffectClrLst/>
+  </dgm:styleLbl>
+  <dgm:styleLbl name="conFgAcc1">
+    <dgm:fillClrLst meth="repeat">
+      <a:schemeClr val="lt1">
+        <a:alpha val="90000"/>
+      </a:schemeClr>
+    </dgm:fillClrLst>
+    <dgm:linClrLst meth="repeat">
+      <a:schemeClr val="accent2"/>
+      <a:schemeClr val="accent3"/>
+      <a:schemeClr val="accent4"/>
+      <a:schemeClr val="accent5"/>
+      <a:schemeClr val="accent6"/>
+    </dgm:linClrLst>
+    <dgm:effectClrLst/>
+    <dgm:txLinClrLst/>
+    <dgm:txFillClrLst meth="repeat">
+      <a:schemeClr val="dk1"/>
+    </dgm:txFillClrLst>
+    <dgm:txEffectClrLst/>
+  </dgm:styleLbl>
+  <dgm:styleLbl name="alignAcc1">
+    <dgm:fillClrLst meth="repeat">
+      <a:schemeClr val="lt1">
+        <a:alpha val="90000"/>
+      </a:schemeClr>
+    </dgm:fillClrLst>
+    <dgm:linClrLst meth="repeat">
+      <a:schemeClr val="accent2"/>
+      <a:schemeClr val="accent3"/>
+      <a:schemeClr val="accent4"/>
+      <a:schemeClr val="accent5"/>
+      <a:schemeClr val="accent6"/>
+    </dgm:linClrLst>
+    <dgm:effectClrLst/>
+    <dgm:txLinClrLst/>
+    <dgm:txFillClrLst meth="repeat">
+      <a:schemeClr val="dk1"/>
+    </dgm:txFillClrLst>
+    <dgm:txEffectClrLst/>
+  </dgm:styleLbl>
+  <dgm:styleLbl name="trAlignAcc1">
+    <dgm:fillClrLst meth="repeat">
+      <a:schemeClr val="lt1">
+        <a:alpha val="40000"/>
+      </a:schemeClr>
+    </dgm:fillClrLst>
+    <dgm:linClrLst meth="repeat">
+      <a:schemeClr val="accent1"/>
+    </dgm:linClrLst>
+    <dgm:effectClrLst/>
+    <dgm:txLinClrLst/>
+    <dgm:txFillClrLst meth="repeat">
+      <a:schemeClr val="dk1"/>
+    </dgm:txFillClrLst>
+    <dgm:txEffectClrLst/>
+  </dgm:styleLbl>
+  <dgm:styleLbl name="bgAcc1">
+    <dgm:fillClrLst meth="repeat">
+      <a:schemeClr val="lt1">
+        <a:alpha val="90000"/>
+      </a:schemeClr>
+    </dgm:fillClrLst>
+    <dgm:linClrLst meth="repeat">
+      <a:schemeClr val="accent2"/>
+      <a:schemeClr val="accent3"/>
+      <a:schemeClr val="accent4"/>
+      <a:schemeClr val="accent5"/>
+      <a:schemeClr val="accent6"/>
+    </dgm:linClrLst>
+    <dgm:effectClrLst/>
+    <dgm:txLinClrLst/>
+    <dgm:txFillClrLst meth="repeat">
+      <a:schemeClr val="dk1"/>
+    </dgm:txFillClrLst>
+    <dgm:txEffectClrLst/>
+  </dgm:styleLbl>
+  <dgm:styleLbl name="solidFgAcc1">
+    <dgm:fillClrLst meth="repeat">
+      <a:schemeClr val="lt1"/>
+    </dgm:fillClrLst>
+    <dgm:linClrLst meth="repeat">
+      <a:schemeClr val="accent2"/>
+      <a:schemeClr val="accent3"/>
+      <a:schemeClr val="accent4"/>
+      <a:schemeClr val="accent5"/>
+      <a:schemeClr val="accent6"/>
+    </dgm:linClrLst>
+    <dgm:effectClrLst/>
+    <dgm:txLinClrLst/>
+    <dgm:txFillClrLst meth="repeat">
+      <a:schemeClr val="dk1"/>
+    </dgm:txFillClrLst>
+    <dgm:txEffectClrLst/>
+  </dgm:styleLbl>
+  <dgm:styleLbl name="solidAlignAcc1">
+    <dgm:fillClrLst meth="repeat">
+      <a:schemeClr val="lt1"/>
+    </dgm:fillClrLst>
+    <dgm:linClrLst meth="repeat">
+      <a:schemeClr val="accent2"/>
+      <a:schemeClr val="accent3"/>
+      <a:schemeClr val="accent4"/>
+      <a:schemeClr val="accent5"/>
+      <a:schemeClr val="accent6"/>
+    </dgm:linClrLst>
+    <dgm:effectClrLst/>
+    <dgm:txLinClrLst/>
+    <dgm:txFillClrLst meth="repeat">
+      <a:schemeClr val="dk1"/>
+    </dgm:txFillClrLst>
+    <dgm:txEffectClrLst/>
+  </dgm:styleLbl>
+  <dgm:styleLbl name="solidBgAcc1">
+    <dgm:fillClrLst meth="repeat">
+      <a:schemeClr val="lt1"/>
+    </dgm:fillClrLst>
+    <dgm:linClrLst meth="repeat">
+      <a:schemeClr val="accent2"/>
+      <a:schemeClr val="accent3"/>
+      <a:schemeClr val="accent4"/>
+      <a:schemeClr val="accent5"/>
+      <a:schemeClr val="accent6"/>
+    </dgm:linClrLst>
+    <dgm:effectClrLst/>
+    <dgm:txLinClrLst/>
+    <dgm:txFillClrLst meth="repeat">
+      <a:schemeClr val="dk1"/>
+    </dgm:txFillClrLst>
+    <dgm:txEffectClrLst/>
+  </dgm:styleLbl>
+  <dgm:styleLbl name="fgAccFollowNode1">
+    <dgm:fillClrLst meth="repeat">
+      <a:schemeClr val="accent2">
+        <a:tint val="40000"/>
+        <a:alpha val="90000"/>
+      </a:schemeClr>
+      <a:schemeClr val="accent3">
+        <a:tint val="40000"/>
+        <a:alpha val="90000"/>
+      </a:schemeClr>
+      <a:schemeClr val="accent4">
+        <a:tint val="40000"/>
+        <a:alpha val="90000"/>
+      </a:schemeClr>
+      <a:schemeClr val="accent5">
+        <a:tint val="40000"/>
+        <a:alpha val="90000"/>
+      </a:schemeClr>
+      <a:schemeClr val="accent6">
+        <a:tint val="40000"/>
+        <a:alpha val="90000"/>
+      </a:schemeClr>
+    </dgm:fillClrLst>
+    <dgm:linClrLst meth="repeat">
+      <a:schemeClr val="accent2">
+        <a:tint val="40000"/>
+        <a:alpha val="90000"/>
+      </a:schemeClr>
+      <a:schemeClr val="accent3">
+        <a:tint val="40000"/>
+        <a:alpha val="90000"/>
+      </a:schemeClr>
+      <a:schemeClr val="accent4">
+        <a:tint val="40000"/>
+        <a:alpha val="90000"/>
+      </a:schemeClr>
+      <a:schemeClr val="accent5">
+        <a:tint val="40000"/>
+        <a:alpha val="90000"/>
+      </a:schemeClr>
+      <a:schemeClr val="accent6">
+        <a:tint val="40000"/>
+        <a:alpha val="90000"/>
+      </a:schemeClr>
+    </dgm:linClrLst>
+    <dgm:effectClrLst/>
+    <dgm:txLinClrLst/>
+    <dgm:txFillClrLst meth="repeat">
+      <a:schemeClr val="dk1"/>
+    </dgm:txFillClrLst>
+    <dgm:txEffectClrLst/>
+  </dgm:styleLbl>
+  <dgm:styleLbl name="alignAccFollowNode1">
+    <dgm:fillClrLst meth="repeat">
+      <a:schemeClr val="accent2">
+        <a:tint val="40000"/>
+        <a:alpha val="90000"/>
+      </a:schemeClr>
+      <a:schemeClr val="accent3">
+        <a:tint val="40000"/>
+        <a:alpha val="90000"/>
+      </a:schemeClr>
+      <a:schemeClr val="accent4">
+        <a:tint val="40000"/>
+        <a:alpha val="90000"/>
+      </a:schemeClr>
+      <a:schemeClr val="accent5">
+        <a:tint val="40000"/>
+        <a:alpha val="90000"/>
+      </a:schemeClr>
+      <a:schemeClr val="accent6">
+        <a:tint val="40000"/>
+        <a:alpha val="90000"/>
+      </a:schemeClr>
+    </dgm:fillClrLst>
+    <dgm:linClrLst meth="repeat">
+      <a:schemeClr val="accent2">
+        <a:tint val="40000"/>
+        <a:alpha val="90000"/>
+      </a:schemeClr>
+      <a:schemeClr val="accent3">
+        <a:tint val="40000"/>
+        <a:alpha val="90000"/>
+      </a:schemeClr>
+      <a:schemeClr val="accent4">
+        <a:tint val="40000"/>
+        <a:alpha val="90000"/>
+      </a:schemeClr>
+      <a:schemeClr val="accent5">
+        <a:tint val="40000"/>
+        <a:alpha val="90000"/>
+      </a:schemeClr>
+      <a:schemeClr val="accent6">
+        <a:tint val="40000"/>
+        <a:alpha val="90000"/>
+      </a:schemeClr>
+    </dgm:linClrLst>
+    <dgm:effectClrLst/>
+    <dgm:txLinClrLst/>
+    <dgm:txFillClrLst meth="repeat">
+      <a:schemeClr val="dk1"/>
+    </dgm:txFillClrLst>
+    <dgm:txEffectClrLst/>
+  </dgm:styleLbl>
+  <dgm:styleLbl name="bgAccFollowNode1">
+    <dgm:fillClrLst meth="repeat">
+      <a:schemeClr val="accent2">
+        <a:tint val="40000"/>
+        <a:alpha val="90000"/>
+      </a:schemeClr>
+      <a:schemeClr val="accent3">
+        <a:tint val="40000"/>
+        <a:alpha val="90000"/>
+      </a:schemeClr>
+      <a:schemeClr val="accent4">
+        <a:tint val="40000"/>
+        <a:alpha val="90000"/>
+      </a:schemeClr>
+      <a:schemeClr val="accent5">
+        <a:tint val="40000"/>
+        <a:alpha val="90000"/>
+      </a:schemeClr>
+      <a:schemeClr val="accent6">
+        <a:tint val="40000"/>
+        <a:alpha val="90000"/>
+      </a:schemeClr>
+    </dgm:fillClrLst>
+    <dgm:linClrLst meth="repeat">
+      <a:schemeClr val="accent2">
+        <a:tint val="40000"/>
+        <a:alpha val="90000"/>
+      </a:schemeClr>
+      <a:schemeClr val="accent3">
+        <a:tint val="40000"/>
+        <a:alpha val="90000"/>
+      </a:schemeClr>
+      <a:schemeClr val="accent4">
+        <a:tint val="40000"/>
+        <a:alpha val="90000"/>
+      </a:schemeClr>
+      <a:schemeClr val="accent5">
+        <a:tint val="40000"/>
+        <a:alpha val="90000"/>
+      </a:schemeClr>
+      <a:schemeClr val="accent6">
+        <a:tint val="40000"/>
+        <a:alpha val="90000"/>
+      </a:schemeClr>
+    </dgm:linClrLst>
+    <dgm:effectClrLst/>
+    <dgm:txLinClrLst/>
+    <dgm:txFillClrLst meth="repeat">
+      <a:schemeClr val="dk1"/>
+    </dgm:txFillClrLst>
+    <dgm:txEffectClrLst/>
+  </dgm:styleLbl>
+  <dgm:styleLbl name="fgAcc0">
+    <dgm:fillClrLst meth="repeat">
+      <a:schemeClr val="lt1">
+        <a:alpha val="90000"/>
+      </a:schemeClr>
+    </dgm:fillClrLst>
+    <dgm:linClrLst>
+      <a:schemeClr val="accent1"/>
+    </dgm:linClrLst>
+    <dgm:effectClrLst/>
+    <dgm:txLinClrLst/>
+    <dgm:txFillClrLst meth="repeat">
+      <a:schemeClr val="dk1"/>
+    </dgm:txFillClrLst>
+    <dgm:txEffectClrLst/>
+  </dgm:styleLbl>
+  <dgm:styleLbl name="fgAcc2">
+    <dgm:fillClrLst meth="repeat">
+      <a:schemeClr val="lt1">
+        <a:alpha val="90000"/>
+      </a:schemeClr>
+    </dgm:fillClrLst>
+    <dgm:linClrLst>
+      <a:schemeClr val="accent2"/>
+    </dgm:linClrLst>
+    <dgm:effectClrLst/>
+    <dgm:txLinClrLst/>
+    <dgm:txFillClrLst meth="repeat">
+      <a:schemeClr val="dk1"/>
+    </dgm:txFillClrLst>
+    <dgm:txEffectClrLst/>
+  </dgm:styleLbl>
+  <dgm:styleLbl name="fgAcc3">
+    <dgm:fillClrLst meth="repeat">
+      <a:schemeClr val="lt1">
+        <a:alpha val="90000"/>
+      </a:schemeClr>
+    </dgm:fillClrLst>
+    <dgm:linClrLst>
+      <a:schemeClr val="accent3"/>
+    </dgm:linClrLst>
+    <dgm:effectClrLst/>
+    <dgm:txLinClrLst/>
+    <dgm:txFillClrLst meth="repeat">
+      <a:schemeClr val="dk1"/>
+    </dgm:txFillClrLst>
+    <dgm:txEffectClrLst/>
+  </dgm:styleLbl>
+  <dgm:styleLbl name="fgAcc4">
+    <dgm:fillClrLst meth="repeat">
+      <a:schemeClr val="lt1">
+        <a:alpha val="90000"/>
+      </a:schemeClr>
+    </dgm:fillClrLst>
+    <dgm:linClrLst>
+      <a:schemeClr val="accent4"/>
+    </dgm:linClrLst>
+    <dgm:effectClrLst/>
+    <dgm:txLinClrLst/>
+    <dgm:txFillClrLst meth="repeat">
+      <a:schemeClr val="dk1"/>
+    </dgm:txFillClrLst>
+    <dgm:txEffectClrLst/>
+  </dgm:styleLbl>
+  <dgm:styleLbl name="bgShp">
+    <dgm:fillClrLst meth="repeat">
+      <a:schemeClr val="accent2">
+        <a:tint val="40000"/>
+      </a:schemeClr>
+    </dgm:fillClrLst>
+    <dgm:linClrLst meth="repeat">
+      <a:schemeClr val="dk1"/>
+    </dgm:linClrLst>
+    <dgm:effectClrLst/>
+    <dgm:txLinClrLst/>
+    <dgm:txFillClrLst meth="repeat">
+      <a:schemeClr val="dk1"/>
+    </dgm:txFillClrLst>
+    <dgm:txEffectClrLst/>
+  </dgm:styleLbl>
+  <dgm:styleLbl name="dkBgShp">
+    <dgm:fillClrLst meth="repeat">
+      <a:schemeClr val="accent2">
+        <a:shade val="90000"/>
+      </a:schemeClr>
+    </dgm:fillClrLst>
+    <dgm:linClrLst meth="repeat">
+      <a:schemeClr val="dk1"/>
+    </dgm:linClrLst>
+    <dgm:effectClrLst/>
+    <dgm:txLinClrLst/>
+    <dgm:txFillClrLst meth="repeat">
+      <a:schemeClr val="lt1"/>
+    </dgm:txFillClrLst>
+    <dgm:txEffectClrLst/>
+  </dgm:styleLbl>
+  <dgm:styleLbl name="trBgShp">
+    <dgm:fillClrLst meth="repeat">
+      <a:schemeClr val="accent1">
+        <a:tint val="50000"/>
+        <a:alpha val="40000"/>
+      </a:schemeClr>
+    </dgm:fillClrLst>
+    <dgm:linClrLst meth="repeat">
+      <a:schemeClr val="accent2"/>
+    </dgm:linClrLst>
+    <dgm:effectClrLst/>
+    <dgm:txLinClrLst/>
+    <dgm:txFillClrLst meth="repeat">
+      <a:schemeClr val="lt1"/>
+    </dgm:txFillClrLst>
+    <dgm:txEffectClrLst/>
+  </dgm:styleLbl>
+  <dgm:styleLbl name="fgShp">
+    <dgm:fillClrLst meth="repeat">
+      <a:schemeClr val="accent2">
+        <a:tint val="40000"/>
+      </a:schemeClr>
+    </dgm:fillClrLst>
+    <dgm:linClrLst meth="repeat">
+      <a:schemeClr val="lt1"/>
+    </dgm:linClrLst>
+    <dgm:effectClrLst/>
+    <dgm:txLinClrLst/>
+    <dgm:txFillClrLst meth="repeat">
+      <a:schemeClr val="dk1"/>
+    </dgm:txFillClrLst>
+    <dgm:txEffectClrLst/>
+  </dgm:styleLbl>
+  <dgm:styleLbl name="revTx">
+    <dgm:fillClrLst meth="repeat">
+      <a:schemeClr val="lt1">
+        <a:alpha val="0"/>
+      </a:schemeClr>
+    </dgm:fillClrLst>
+    <dgm:linClrLst meth="repeat">
+      <a:schemeClr val="dk1">
+        <a:alpha val="0"/>
+      </a:schemeClr>
+    </dgm:linClrLst>
+    <dgm:effectClrLst/>
+    <dgm:txLinClrLst/>
+    <dgm:txFillClrLst meth="repeat">
+      <a:schemeClr val="tx1"/>
+    </dgm:txFillClrLst>
+    <dgm:txEffectClrLst/>
+  </dgm:styleLbl>
+</dgm:colorsDef>
+</file>
+
+<file path=ppt/diagrams/colors6.xml><?xml version="1.0" encoding="utf-8"?>
 <dgm:colorsDef xmlns:dgm="http://schemas.openxmlformats.org/drawingml/2006/diagram" xmlns:a="http://schemas.openxmlformats.org/drawingml/2006/main" uniqueId="urn:microsoft.com/office/officeart/2005/8/colors/colorful1">
   <dgm:title val=""/>
   <dgm:desc val=""/>
@@ -4441,7 +5362,7 @@
   <dgm:whole/>
   <dgm:extLst>
     <a:ext uri="http://schemas.microsoft.com/office/drawing/2008/diagram">
-      <dsp:dataModelExt xmlns:dsp="http://schemas.microsoft.com/office/drawing/2008/diagram" relId="rId8" minVer="http://schemas.openxmlformats.org/drawingml/2006/diagram"/>
+      <dsp:dataModelExt xmlns:dsp="http://schemas.microsoft.com/office/drawing/2008/diagram" relId="rId7" minVer="http://schemas.openxmlformats.org/drawingml/2006/diagram"/>
     </a:ext>
   </dgm:extLst>
 </dgm:dataModel>
@@ -5176,6 +6097,249 @@
 </dgm:dataModel>
 </file>
 
+<file path=ppt/diagrams/data6.xml><?xml version="1.0" encoding="utf-8"?>
+<dgm:dataModel xmlns:dgm="http://schemas.openxmlformats.org/drawingml/2006/diagram" xmlns:a="http://schemas.openxmlformats.org/drawingml/2006/main">
+  <dgm:ptLst>
+    <dgm:pt modelId="{B88B3DA5-C8F7-4A07-A301-0775015E7C4A}" type="doc">
+      <dgm:prSet loTypeId="urn:microsoft.com/office/officeart/2005/8/layout/process3" loCatId="process" qsTypeId="urn:microsoft.com/office/officeart/2005/8/quickstyle/simple2" qsCatId="simple" csTypeId="urn:microsoft.com/office/officeart/2005/8/colors/colorful1" csCatId="colorful" phldr="1"/>
+      <dgm:spPr/>
+      <dgm:t>
+        <a:bodyPr/>
+        <a:lstStyle/>
+        <a:p>
+          <a:endParaRPr lang="de-DE"/>
+        </a:p>
+      </dgm:t>
+    </dgm:pt>
+    <dgm:pt modelId="{28CE44C6-6E71-4CAC-AE19-FE1113CF079F}">
+      <dgm:prSet phldrT="[Text]"/>
+      <dgm:spPr>
+        <a:solidFill>
+          <a:srgbClr val="105385"/>
+        </a:solidFill>
+      </dgm:spPr>
+      <dgm:t>
+        <a:bodyPr/>
+        <a:lstStyle/>
+        <a:p>
+          <a:r>
+            <a:rPr lang="de-DE" dirty="0"/>
+            <a:t>Sensordarstellung</a:t>
+          </a:r>
+        </a:p>
+      </dgm:t>
+    </dgm:pt>
+    <dgm:pt modelId="{EC2BB9BC-E322-445A-BAB2-7FFE64C31B55}" type="parTrans" cxnId="{03D31D13-F7C6-4388-B2FE-7E35A5C4B44C}">
+      <dgm:prSet/>
+      <dgm:spPr/>
+      <dgm:t>
+        <a:bodyPr/>
+        <a:lstStyle/>
+        <a:p>
+          <a:endParaRPr lang="de-DE"/>
+        </a:p>
+      </dgm:t>
+    </dgm:pt>
+    <dgm:pt modelId="{6573CD96-F48A-42CC-B901-C8F43AE02215}" type="sibTrans" cxnId="{03D31D13-F7C6-4388-B2FE-7E35A5C4B44C}">
+      <dgm:prSet/>
+      <dgm:spPr/>
+      <dgm:t>
+        <a:bodyPr/>
+        <a:lstStyle/>
+        <a:p>
+          <a:endParaRPr lang="de-DE"/>
+        </a:p>
+      </dgm:t>
+    </dgm:pt>
+    <dgm:pt modelId="{09CC3D17-9D27-4F55-97D7-0096124ACF0B}">
+      <dgm:prSet phldrT="[Text]"/>
+      <dgm:spPr>
+        <a:ln>
+          <a:solidFill>
+            <a:srgbClr val="105385"/>
+          </a:solidFill>
+        </a:ln>
+      </dgm:spPr>
+      <dgm:t>
+        <a:bodyPr/>
+        <a:lstStyle/>
+        <a:p>
+          <a:pPr>
+            <a:buFont typeface="Arial" panose="020B0604020202020204" pitchFamily="34" charset="0"/>
+            <a:buChar char="•"/>
+          </a:pPr>
+          <a:r>
+            <a:rPr lang="de-DE" dirty="0"/>
+            <a:t>Mehr Sensortypen</a:t>
+          </a:r>
+        </a:p>
+      </dgm:t>
+    </dgm:pt>
+    <dgm:pt modelId="{E2E820CB-5F08-4094-AD6D-995F406E0DAC}" type="parTrans" cxnId="{48D34F57-DCED-452C-B83A-54556D6FDBB5}">
+      <dgm:prSet/>
+      <dgm:spPr/>
+      <dgm:t>
+        <a:bodyPr/>
+        <a:lstStyle/>
+        <a:p>
+          <a:endParaRPr lang="de-DE"/>
+        </a:p>
+      </dgm:t>
+    </dgm:pt>
+    <dgm:pt modelId="{A6847CAA-D127-4809-8E16-57A418807F24}" type="sibTrans" cxnId="{48D34F57-DCED-452C-B83A-54556D6FDBB5}">
+      <dgm:prSet/>
+      <dgm:spPr/>
+      <dgm:t>
+        <a:bodyPr/>
+        <a:lstStyle/>
+        <a:p>
+          <a:endParaRPr lang="de-DE"/>
+        </a:p>
+      </dgm:t>
+    </dgm:pt>
+    <dgm:pt modelId="{1B5635E0-6031-4E79-815F-CC933F4B7044}">
+      <dgm:prSet/>
+      <dgm:spPr/>
+      <dgm:t>
+        <a:bodyPr/>
+        <a:lstStyle/>
+        <a:p>
+          <a:pPr>
+            <a:buFont typeface="Arial" panose="020B0604020202020204" pitchFamily="34" charset="0"/>
+            <a:buChar char="•"/>
+          </a:pPr>
+          <a:r>
+            <a:rPr lang="de-DE" dirty="0"/>
+            <a:t>Detaillierte Graphen zum vergleichen und Intervallsteuerung</a:t>
+          </a:r>
+        </a:p>
+      </dgm:t>
+    </dgm:pt>
+    <dgm:pt modelId="{C27296A6-9FB7-43FE-846A-0F741E961DA0}" type="parTrans" cxnId="{EB7A04E2-33CF-423F-9A68-4B1C13DC6C35}">
+      <dgm:prSet/>
+      <dgm:spPr/>
+      <dgm:t>
+        <a:bodyPr/>
+        <a:lstStyle/>
+        <a:p>
+          <a:endParaRPr lang="en-DE"/>
+        </a:p>
+      </dgm:t>
+    </dgm:pt>
+    <dgm:pt modelId="{025CFF89-79EB-46F1-8402-9A167A63E8FD}" type="sibTrans" cxnId="{EB7A04E2-33CF-423F-9A68-4B1C13DC6C35}">
+      <dgm:prSet/>
+      <dgm:spPr/>
+      <dgm:t>
+        <a:bodyPr/>
+        <a:lstStyle/>
+        <a:p>
+          <a:endParaRPr lang="en-DE"/>
+        </a:p>
+      </dgm:t>
+    </dgm:pt>
+    <dgm:pt modelId="{FFBC9C08-E3A8-4E8D-AA35-372032CF9309}">
+      <dgm:prSet/>
+      <dgm:spPr/>
+      <dgm:t>
+        <a:bodyPr/>
+        <a:lstStyle/>
+        <a:p>
+          <a:pPr>
+            <a:buFont typeface="Arial" panose="020B0604020202020204" pitchFamily="34" charset="0"/>
+            <a:buChar char="•"/>
+          </a:pPr>
+          <a:r>
+            <a:rPr lang="de-DE" dirty="0"/>
+            <a:t>Timelapse</a:t>
+          </a:r>
+        </a:p>
+      </dgm:t>
+    </dgm:pt>
+    <dgm:pt modelId="{96AA7848-52D3-4EA6-9C6E-BD44537596CF}" type="parTrans" cxnId="{CC771D9E-EFFD-490C-80B6-94D2A2088F9D}">
+      <dgm:prSet/>
+      <dgm:spPr/>
+      <dgm:t>
+        <a:bodyPr/>
+        <a:lstStyle/>
+        <a:p>
+          <a:endParaRPr lang="en-DE"/>
+        </a:p>
+      </dgm:t>
+    </dgm:pt>
+    <dgm:pt modelId="{6C425B57-FBEE-493B-9B9B-5C2BA69B4451}" type="sibTrans" cxnId="{CC771D9E-EFFD-490C-80B6-94D2A2088F9D}">
+      <dgm:prSet/>
+      <dgm:spPr/>
+      <dgm:t>
+        <a:bodyPr/>
+        <a:lstStyle/>
+        <a:p>
+          <a:endParaRPr lang="en-DE"/>
+        </a:p>
+      </dgm:t>
+    </dgm:pt>
+    <dgm:pt modelId="{A6F7E993-4BD9-45BA-B6E3-5B472E67392E}" type="pres">
+      <dgm:prSet presAssocID="{B88B3DA5-C8F7-4A07-A301-0775015E7C4A}" presName="linearFlow" presStyleCnt="0">
+        <dgm:presLayoutVars>
+          <dgm:dir/>
+          <dgm:animLvl val="lvl"/>
+          <dgm:resizeHandles val="exact"/>
+        </dgm:presLayoutVars>
+      </dgm:prSet>
+      <dgm:spPr/>
+    </dgm:pt>
+    <dgm:pt modelId="{6D1250A3-2396-4851-999D-B1A6E5E2370C}" type="pres">
+      <dgm:prSet presAssocID="{28CE44C6-6E71-4CAC-AE19-FE1113CF079F}" presName="composite" presStyleCnt="0"/>
+      <dgm:spPr/>
+    </dgm:pt>
+    <dgm:pt modelId="{F6DDB8A2-4A8D-43EC-A156-6A757F7DB443}" type="pres">
+      <dgm:prSet presAssocID="{28CE44C6-6E71-4CAC-AE19-FE1113CF079F}" presName="parTx" presStyleLbl="node1" presStyleIdx="0" presStyleCnt="1">
+        <dgm:presLayoutVars>
+          <dgm:chMax val="0"/>
+          <dgm:chPref val="0"/>
+          <dgm:bulletEnabled val="1"/>
+        </dgm:presLayoutVars>
+      </dgm:prSet>
+      <dgm:spPr/>
+    </dgm:pt>
+    <dgm:pt modelId="{D14FA738-ACEE-4D23-8BC3-0F760BB7311F}" type="pres">
+      <dgm:prSet presAssocID="{28CE44C6-6E71-4CAC-AE19-FE1113CF079F}" presName="parSh" presStyleLbl="node1" presStyleIdx="0" presStyleCnt="1"/>
+      <dgm:spPr/>
+    </dgm:pt>
+    <dgm:pt modelId="{895D7850-448A-46A6-BF33-CE8D5D721C63}" type="pres">
+      <dgm:prSet presAssocID="{28CE44C6-6E71-4CAC-AE19-FE1113CF079F}" presName="desTx" presStyleLbl="fgAcc1" presStyleIdx="0" presStyleCnt="1">
+        <dgm:presLayoutVars>
+          <dgm:bulletEnabled val="1"/>
+        </dgm:presLayoutVars>
+      </dgm:prSet>
+      <dgm:spPr/>
+    </dgm:pt>
+  </dgm:ptLst>
+  <dgm:cxnLst>
+    <dgm:cxn modelId="{91D36402-5491-45BE-8F88-EC6660B84E46}" type="presOf" srcId="{FFBC9C08-E3A8-4E8D-AA35-372032CF9309}" destId="{895D7850-448A-46A6-BF33-CE8D5D721C63}" srcOrd="0" destOrd="2" presId="urn:microsoft.com/office/officeart/2005/8/layout/process3"/>
+    <dgm:cxn modelId="{03D31D13-F7C6-4388-B2FE-7E35A5C4B44C}" srcId="{B88B3DA5-C8F7-4A07-A301-0775015E7C4A}" destId="{28CE44C6-6E71-4CAC-AE19-FE1113CF079F}" srcOrd="0" destOrd="0" parTransId="{EC2BB9BC-E322-445A-BAB2-7FFE64C31B55}" sibTransId="{6573CD96-F48A-42CC-B901-C8F43AE02215}"/>
+    <dgm:cxn modelId="{2D481F21-78E8-4DA6-BDE8-710531EF72C1}" type="presOf" srcId="{1B5635E0-6031-4E79-815F-CC933F4B7044}" destId="{895D7850-448A-46A6-BF33-CE8D5D721C63}" srcOrd="0" destOrd="1" presId="urn:microsoft.com/office/officeart/2005/8/layout/process3"/>
+    <dgm:cxn modelId="{EA484663-EDA7-49D6-9EDE-2B6184CB4B83}" type="presOf" srcId="{B88B3DA5-C8F7-4A07-A301-0775015E7C4A}" destId="{A6F7E993-4BD9-45BA-B6E3-5B472E67392E}" srcOrd="0" destOrd="0" presId="urn:microsoft.com/office/officeart/2005/8/layout/process3"/>
+    <dgm:cxn modelId="{B4225A51-FFD2-42C3-882D-F51DC799DB57}" type="presOf" srcId="{28CE44C6-6E71-4CAC-AE19-FE1113CF079F}" destId="{D14FA738-ACEE-4D23-8BC3-0F760BB7311F}" srcOrd="1" destOrd="0" presId="urn:microsoft.com/office/officeart/2005/8/layout/process3"/>
+    <dgm:cxn modelId="{48D34F57-DCED-452C-B83A-54556D6FDBB5}" srcId="{28CE44C6-6E71-4CAC-AE19-FE1113CF079F}" destId="{09CC3D17-9D27-4F55-97D7-0096124ACF0B}" srcOrd="0" destOrd="0" parTransId="{E2E820CB-5F08-4094-AD6D-995F406E0DAC}" sibTransId="{A6847CAA-D127-4809-8E16-57A418807F24}"/>
+    <dgm:cxn modelId="{CC771D9E-EFFD-490C-80B6-94D2A2088F9D}" srcId="{28CE44C6-6E71-4CAC-AE19-FE1113CF079F}" destId="{FFBC9C08-E3A8-4E8D-AA35-372032CF9309}" srcOrd="2" destOrd="0" parTransId="{96AA7848-52D3-4EA6-9C6E-BD44537596CF}" sibTransId="{6C425B57-FBEE-493B-9B9B-5C2BA69B4451}"/>
+    <dgm:cxn modelId="{62C5F1BB-489C-44A8-A02B-11310E7C8E07}" type="presOf" srcId="{28CE44C6-6E71-4CAC-AE19-FE1113CF079F}" destId="{F6DDB8A2-4A8D-43EC-A156-6A757F7DB443}" srcOrd="0" destOrd="0" presId="urn:microsoft.com/office/officeart/2005/8/layout/process3"/>
+    <dgm:cxn modelId="{EB7A04E2-33CF-423F-9A68-4B1C13DC6C35}" srcId="{28CE44C6-6E71-4CAC-AE19-FE1113CF079F}" destId="{1B5635E0-6031-4E79-815F-CC933F4B7044}" srcOrd="1" destOrd="0" parTransId="{C27296A6-9FB7-43FE-846A-0F741E961DA0}" sibTransId="{025CFF89-79EB-46F1-8402-9A167A63E8FD}"/>
+    <dgm:cxn modelId="{E33099F0-DFB2-44A9-B730-F9C0B72AD94D}" type="presOf" srcId="{09CC3D17-9D27-4F55-97D7-0096124ACF0B}" destId="{895D7850-448A-46A6-BF33-CE8D5D721C63}" srcOrd="0" destOrd="0" presId="urn:microsoft.com/office/officeart/2005/8/layout/process3"/>
+    <dgm:cxn modelId="{344DA801-14AA-4F8C-A2D2-1304F7ABA0E8}" type="presParOf" srcId="{A6F7E993-4BD9-45BA-B6E3-5B472E67392E}" destId="{6D1250A3-2396-4851-999D-B1A6E5E2370C}" srcOrd="0" destOrd="0" presId="urn:microsoft.com/office/officeart/2005/8/layout/process3"/>
+    <dgm:cxn modelId="{935E25BB-69E3-46E7-BB7C-8AE8E1912CFA}" type="presParOf" srcId="{6D1250A3-2396-4851-999D-B1A6E5E2370C}" destId="{F6DDB8A2-4A8D-43EC-A156-6A757F7DB443}" srcOrd="0" destOrd="0" presId="urn:microsoft.com/office/officeart/2005/8/layout/process3"/>
+    <dgm:cxn modelId="{E7FD3994-C88F-4B19-B92D-63E9CB8D3E33}" type="presParOf" srcId="{6D1250A3-2396-4851-999D-B1A6E5E2370C}" destId="{D14FA738-ACEE-4D23-8BC3-0F760BB7311F}" srcOrd="1" destOrd="0" presId="urn:microsoft.com/office/officeart/2005/8/layout/process3"/>
+    <dgm:cxn modelId="{E97D7706-DE32-465B-92FF-00F6BE5FA4E3}" type="presParOf" srcId="{6D1250A3-2396-4851-999D-B1A6E5E2370C}" destId="{895D7850-448A-46A6-BF33-CE8D5D721C63}" srcOrd="2" destOrd="0" presId="urn:microsoft.com/office/officeart/2005/8/layout/process3"/>
+  </dgm:cxnLst>
+  <dgm:bg/>
+  <dgm:whole/>
+  <dgm:extLst>
+    <a:ext uri="http://schemas.microsoft.com/office/drawing/2008/diagram">
+      <dsp:dataModelExt xmlns:dsp="http://schemas.microsoft.com/office/drawing/2008/diagram" relId="rId14" minVer="http://schemas.openxmlformats.org/drawingml/2006/diagram"/>
+    </a:ext>
+  </dgm:extLst>
+</dgm:dataModel>
+</file>
+
 <file path=ppt/diagrams/drawing1.xml><?xml version="1.0" encoding="utf-8"?>
 <dsp:drawing xmlns:dgm="http://schemas.openxmlformats.org/drawingml/2006/diagram" xmlns:dsp="http://schemas.microsoft.com/office/drawing/2008/diagram" xmlns:a="http://schemas.openxmlformats.org/drawingml/2006/main">
   <dsp:spTree>
@@ -5547,8 +6711,8 @@
       </dsp:nvSpPr>
       <dsp:spPr>
         <a:xfrm>
-          <a:off x="0" y="89099"/>
-          <a:ext cx="4011226" cy="1512000"/>
+          <a:off x="0" y="157821"/>
+          <a:ext cx="3331016" cy="1209600"/>
         </a:xfrm>
         <a:prstGeom prst="roundRect">
           <a:avLst>
@@ -5584,12 +6748,12 @@
         </a:fontRef>
       </dsp:style>
       <dsp:txBody>
-        <a:bodyPr spcFirstLastPara="0" vert="horz" wrap="square" lIns="248920" tIns="248920" rIns="248920" bIns="133350" numCol="1" spcCol="1270" anchor="t" anchorCtr="0">
+        <a:bodyPr spcFirstLastPara="0" vert="horz" wrap="square" lIns="199136" tIns="199136" rIns="199136" bIns="106680" numCol="1" spcCol="1270" anchor="t" anchorCtr="0">
           <a:noAutofit/>
         </a:bodyPr>
         <a:lstStyle/>
         <a:p>
-          <a:pPr marL="0" lvl="0" indent="0" algn="l" defTabSz="1555750">
+          <a:pPr marL="0" lvl="0" indent="0" algn="l" defTabSz="1244600">
             <a:lnSpc>
               <a:spcPct val="90000"/>
             </a:lnSpc>
@@ -5602,14 +6766,14 @@
             <a:buNone/>
           </a:pPr>
           <a:r>
-            <a:rPr lang="de-DE" sz="3500" kern="1200" dirty="0"/>
+            <a:rPr lang="de-DE" sz="2800" kern="1200" dirty="0"/>
             <a:t>Vision</a:t>
           </a:r>
         </a:p>
       </dsp:txBody>
       <dsp:txXfrm>
-        <a:off x="0" y="89099"/>
-        <a:ext cx="4011226" cy="1008000"/>
+        <a:off x="0" y="157821"/>
+        <a:ext cx="3331016" cy="806400"/>
       </dsp:txXfrm>
     </dsp:sp>
     <dsp:sp modelId="{A855D974-2B66-4AD1-9F0E-AB402070EE2E}">
@@ -5619,8 +6783,8 @@
       </dsp:nvSpPr>
       <dsp:spPr>
         <a:xfrm>
-          <a:off x="821576" y="1097099"/>
-          <a:ext cx="4011226" cy="3843000"/>
+          <a:off x="682256" y="964221"/>
+          <a:ext cx="3331016" cy="3074399"/>
         </a:xfrm>
         <a:prstGeom prst="roundRect">
           <a:avLst>
@@ -5658,12 +6822,12 @@
         <a:fontRef idx="minor"/>
       </dsp:style>
       <dsp:txBody>
-        <a:bodyPr spcFirstLastPara="0" vert="horz" wrap="square" lIns="248920" tIns="248920" rIns="248920" bIns="248920" numCol="1" spcCol="1270" anchor="t" anchorCtr="0">
+        <a:bodyPr spcFirstLastPara="0" vert="horz" wrap="square" lIns="199136" tIns="199136" rIns="199136" bIns="199136" numCol="1" spcCol="1270" anchor="t" anchorCtr="0">
           <a:noAutofit/>
         </a:bodyPr>
         <a:lstStyle/>
         <a:p>
-          <a:pPr marL="285750" lvl="1" indent="-285750" algn="l" defTabSz="1555750">
+          <a:pPr marL="285750" lvl="1" indent="-285750" algn="l" defTabSz="1244600">
             <a:lnSpc>
               <a:spcPct val="90000"/>
             </a:lnSpc>
@@ -5677,12 +6841,12 @@
             <a:buChar char="•"/>
           </a:pPr>
           <a:r>
-            <a:rPr lang="de-DE" sz="3500" kern="1200" dirty="0"/>
+            <a:rPr lang="de-DE" sz="2800" kern="1200" dirty="0"/>
             <a:t>FPF ausgestattet mit Kameras</a:t>
           </a:r>
         </a:p>
         <a:p>
-          <a:pPr marL="285750" lvl="1" indent="-285750" algn="l" defTabSz="1555750">
+          <a:pPr marL="285750" lvl="1" indent="-285750" algn="l" defTabSz="1244600">
             <a:lnSpc>
               <a:spcPct val="90000"/>
             </a:lnSpc>
@@ -5695,12 +6859,12 @@
             <a:buChar char="•"/>
           </a:pPr>
           <a:r>
-            <a:rPr lang="de-DE" sz="3500" kern="1200" dirty="0"/>
+            <a:rPr lang="de-DE" sz="2800" kern="1200" dirty="0"/>
             <a:t>Foto- und Videofunktion</a:t>
           </a:r>
         </a:p>
         <a:p>
-          <a:pPr marL="285750" lvl="1" indent="-285750" algn="l" defTabSz="1555750">
+          <a:pPr marL="285750" lvl="1" indent="-285750" algn="l" defTabSz="1244600">
             <a:lnSpc>
               <a:spcPct val="90000"/>
             </a:lnSpc>
@@ -5713,14 +6877,14 @@
             <a:buChar char="•"/>
           </a:pPr>
           <a:r>
-            <a:rPr lang="de-DE" sz="3500" kern="1200" dirty="0"/>
+            <a:rPr lang="de-DE" sz="2800" kern="1200" dirty="0"/>
             <a:t>HTTP und RTSP Unterstützung</a:t>
           </a:r>
         </a:p>
       </dsp:txBody>
       <dsp:txXfrm>
-        <a:off x="934134" y="1209657"/>
-        <a:ext cx="3786110" cy="3617884"/>
+        <a:off x="772302" y="1054267"/>
+        <a:ext cx="3150924" cy="2894307"/>
       </dsp:txXfrm>
     </dsp:sp>
   </dsp:spTree>
@@ -6118,6 +7282,206 @@
       <dsp:txXfrm>
         <a:off x="544942" y="911573"/>
         <a:ext cx="2191384" cy="2671646"/>
+      </dsp:txXfrm>
+    </dsp:sp>
+  </dsp:spTree>
+</dsp:drawing>
+</file>
+
+<file path=ppt/diagrams/drawing6.xml><?xml version="1.0" encoding="utf-8"?>
+<dsp:drawing xmlns:dgm="http://schemas.openxmlformats.org/drawingml/2006/diagram" xmlns:dsp="http://schemas.microsoft.com/office/drawing/2008/diagram" xmlns:a="http://schemas.openxmlformats.org/drawingml/2006/main">
+  <dsp:spTree>
+    <dsp:nvGrpSpPr>
+      <dsp:cNvPr id="0" name=""/>
+      <dsp:cNvGrpSpPr/>
+    </dsp:nvGrpSpPr>
+    <dsp:grpSpPr/>
+    <dsp:sp modelId="{D14FA738-ACEE-4D23-8BC3-0F760BB7311F}">
+      <dsp:nvSpPr>
+        <dsp:cNvPr id="0" name=""/>
+        <dsp:cNvSpPr/>
+      </dsp:nvSpPr>
+      <dsp:spPr>
+        <a:xfrm>
+          <a:off x="0" y="711995"/>
+          <a:ext cx="2327738" cy="777599"/>
+        </a:xfrm>
+        <a:prstGeom prst="roundRect">
+          <a:avLst>
+            <a:gd name="adj" fmla="val 10000"/>
+          </a:avLst>
+        </a:prstGeom>
+        <a:solidFill>
+          <a:srgbClr val="105385"/>
+        </a:solidFill>
+        <a:ln w="19050" cap="flat" cmpd="sng" algn="ctr">
+          <a:solidFill>
+            <a:schemeClr val="lt1">
+              <a:hueOff val="0"/>
+              <a:satOff val="0"/>
+              <a:lumOff val="0"/>
+              <a:alphaOff val="0"/>
+            </a:schemeClr>
+          </a:solidFill>
+          <a:prstDash val="solid"/>
+          <a:miter lim="800000"/>
+        </a:ln>
+        <a:effectLst/>
+      </dsp:spPr>
+      <dsp:style>
+        <a:lnRef idx="3">
+          <a:scrgbClr r="0" g="0" b="0"/>
+        </a:lnRef>
+        <a:fillRef idx="1">
+          <a:scrgbClr r="0" g="0" b="0"/>
+        </a:fillRef>
+        <a:effectRef idx="1">
+          <a:scrgbClr r="0" g="0" b="0"/>
+        </a:effectRef>
+        <a:fontRef idx="minor">
+          <a:schemeClr val="lt1"/>
+        </a:fontRef>
+      </dsp:style>
+      <dsp:txBody>
+        <a:bodyPr spcFirstLastPara="0" vert="horz" wrap="square" lIns="128016" tIns="128016" rIns="128016" bIns="68580" numCol="1" spcCol="1270" anchor="t" anchorCtr="0">
+          <a:noAutofit/>
+        </a:bodyPr>
+        <a:lstStyle/>
+        <a:p>
+          <a:pPr marL="0" lvl="0" indent="0" algn="l" defTabSz="800100">
+            <a:lnSpc>
+              <a:spcPct val="90000"/>
+            </a:lnSpc>
+            <a:spcBef>
+              <a:spcPct val="0"/>
+            </a:spcBef>
+            <a:spcAft>
+              <a:spcPct val="35000"/>
+            </a:spcAft>
+            <a:buNone/>
+          </a:pPr>
+          <a:r>
+            <a:rPr lang="de-DE" sz="1800" kern="1200" dirty="0"/>
+            <a:t>Sensordarstellung</a:t>
+          </a:r>
+        </a:p>
+      </dsp:txBody>
+      <dsp:txXfrm>
+        <a:off x="0" y="711995"/>
+        <a:ext cx="2327738" cy="518400"/>
+      </dsp:txXfrm>
+    </dsp:sp>
+    <dsp:sp modelId="{895D7850-448A-46A6-BF33-CE8D5D721C63}">
+      <dsp:nvSpPr>
+        <dsp:cNvPr id="0" name=""/>
+        <dsp:cNvSpPr/>
+      </dsp:nvSpPr>
+      <dsp:spPr>
+        <a:xfrm>
+          <a:off x="476765" y="1230396"/>
+          <a:ext cx="2327738" cy="1976400"/>
+        </a:xfrm>
+        <a:prstGeom prst="roundRect">
+          <a:avLst>
+            <a:gd name="adj" fmla="val 10000"/>
+          </a:avLst>
+        </a:prstGeom>
+        <a:solidFill>
+          <a:schemeClr val="lt1">
+            <a:alpha val="90000"/>
+            <a:hueOff val="0"/>
+            <a:satOff val="0"/>
+            <a:lumOff val="0"/>
+            <a:alphaOff val="0"/>
+          </a:schemeClr>
+        </a:solidFill>
+        <a:ln w="12700" cap="flat" cmpd="sng" algn="ctr">
+          <a:solidFill>
+            <a:srgbClr val="105385"/>
+          </a:solidFill>
+          <a:prstDash val="solid"/>
+          <a:miter lim="800000"/>
+        </a:ln>
+        <a:effectLst/>
+      </dsp:spPr>
+      <dsp:style>
+        <a:lnRef idx="2">
+          <a:scrgbClr r="0" g="0" b="0"/>
+        </a:lnRef>
+        <a:fillRef idx="1">
+          <a:scrgbClr r="0" g="0" b="0"/>
+        </a:fillRef>
+        <a:effectRef idx="0">
+          <a:scrgbClr r="0" g="0" b="0"/>
+        </a:effectRef>
+        <a:fontRef idx="minor"/>
+      </dsp:style>
+      <dsp:txBody>
+        <a:bodyPr spcFirstLastPara="0" vert="horz" wrap="square" lIns="128016" tIns="128016" rIns="128016" bIns="128016" numCol="1" spcCol="1270" anchor="t" anchorCtr="0">
+          <a:noAutofit/>
+        </a:bodyPr>
+        <a:lstStyle/>
+        <a:p>
+          <a:pPr marL="171450" lvl="1" indent="-171450" algn="l" defTabSz="800100">
+            <a:lnSpc>
+              <a:spcPct val="90000"/>
+            </a:lnSpc>
+            <a:spcBef>
+              <a:spcPct val="0"/>
+            </a:spcBef>
+            <a:spcAft>
+              <a:spcPct val="15000"/>
+            </a:spcAft>
+            <a:buFont typeface="Arial" panose="020B0604020202020204" pitchFamily="34" charset="0"/>
+            <a:buChar char="•"/>
+          </a:pPr>
+          <a:r>
+            <a:rPr lang="de-DE" sz="1800" kern="1200" dirty="0"/>
+            <a:t>Mehr Sensortypen</a:t>
+          </a:r>
+        </a:p>
+        <a:p>
+          <a:pPr marL="171450" lvl="1" indent="-171450" algn="l" defTabSz="800100">
+            <a:lnSpc>
+              <a:spcPct val="90000"/>
+            </a:lnSpc>
+            <a:spcBef>
+              <a:spcPct val="0"/>
+            </a:spcBef>
+            <a:spcAft>
+              <a:spcPct val="15000"/>
+            </a:spcAft>
+            <a:buFont typeface="Arial" panose="020B0604020202020204" pitchFamily="34" charset="0"/>
+            <a:buChar char="•"/>
+          </a:pPr>
+          <a:r>
+            <a:rPr lang="de-DE" sz="1800" kern="1200" dirty="0"/>
+            <a:t>Detaillierte Graphen zum vergleichen und Intervallsteuerung</a:t>
+          </a:r>
+        </a:p>
+        <a:p>
+          <a:pPr marL="171450" lvl="1" indent="-171450" algn="l" defTabSz="800100">
+            <a:lnSpc>
+              <a:spcPct val="90000"/>
+            </a:lnSpc>
+            <a:spcBef>
+              <a:spcPct val="0"/>
+            </a:spcBef>
+            <a:spcAft>
+              <a:spcPct val="15000"/>
+            </a:spcAft>
+            <a:buFont typeface="Arial" panose="020B0604020202020204" pitchFamily="34" charset="0"/>
+            <a:buChar char="•"/>
+          </a:pPr>
+          <a:r>
+            <a:rPr lang="de-DE" sz="1800" kern="1200" dirty="0"/>
+            <a:t>Timelapse</a:t>
+          </a:r>
+        </a:p>
+      </dsp:txBody>
+      <dsp:txXfrm>
+        <a:off x="534652" y="1288283"/>
+        <a:ext cx="2211964" cy="1860626"/>
       </dsp:txXfrm>
     </dsp:sp>
   </dsp:spTree>
@@ -7629,6 +8993,307 @@
 </dgm:layoutDef>
 </file>
 
+<file path=ppt/diagrams/layout6.xml><?xml version="1.0" encoding="utf-8"?>
+<dgm:layoutDef xmlns:dgm="http://schemas.openxmlformats.org/drawingml/2006/diagram" xmlns:a="http://schemas.openxmlformats.org/drawingml/2006/main" uniqueId="urn:microsoft.com/office/officeart/2005/8/layout/process3">
+  <dgm:title val=""/>
+  <dgm:desc val=""/>
+  <dgm:catLst>
+    <dgm:cat type="process" pri="2000"/>
+  </dgm:catLst>
+  <dgm:sampData>
+    <dgm:dataModel>
+      <dgm:ptLst>
+        <dgm:pt modelId="0" type="doc"/>
+        <dgm:pt modelId="1">
+          <dgm:prSet phldr="1"/>
+        </dgm:pt>
+        <dgm:pt modelId="11">
+          <dgm:prSet phldr="1"/>
+        </dgm:pt>
+        <dgm:pt modelId="2">
+          <dgm:prSet phldr="1"/>
+        </dgm:pt>
+        <dgm:pt modelId="21">
+          <dgm:prSet phldr="1"/>
+        </dgm:pt>
+        <dgm:pt modelId="3">
+          <dgm:prSet phldr="1"/>
+        </dgm:pt>
+        <dgm:pt modelId="31">
+          <dgm:prSet phldr="1"/>
+        </dgm:pt>
+      </dgm:ptLst>
+      <dgm:cxnLst>
+        <dgm:cxn modelId="4" srcId="0" destId="1" srcOrd="0" destOrd="0"/>
+        <dgm:cxn modelId="5" srcId="0" destId="2" srcOrd="1" destOrd="0"/>
+        <dgm:cxn modelId="6" srcId="0" destId="3" srcOrd="3" destOrd="0"/>
+        <dgm:cxn modelId="12" srcId="1" destId="11" srcOrd="0" destOrd="0"/>
+        <dgm:cxn modelId="23" srcId="2" destId="21" srcOrd="0" destOrd="0"/>
+        <dgm:cxn modelId="34" srcId="3" destId="31" srcOrd="0" destOrd="0"/>
+      </dgm:cxnLst>
+      <dgm:bg/>
+      <dgm:whole/>
+    </dgm:dataModel>
+  </dgm:sampData>
+  <dgm:styleData>
+    <dgm:dataModel>
+      <dgm:ptLst>
+        <dgm:pt modelId="0" type="doc"/>
+        <dgm:pt modelId="1">
+          <dgm:prSet phldr="1"/>
+        </dgm:pt>
+        <dgm:pt modelId="11">
+          <dgm:prSet phldr="1"/>
+        </dgm:pt>
+        <dgm:pt modelId="2">
+          <dgm:prSet phldr="1"/>
+        </dgm:pt>
+        <dgm:pt modelId="21">
+          <dgm:prSet phldr="1"/>
+        </dgm:pt>
+      </dgm:ptLst>
+      <dgm:cxnLst>
+        <dgm:cxn modelId="4" srcId="0" destId="1" srcOrd="0" destOrd="0"/>
+        <dgm:cxn modelId="5" srcId="0" destId="2" srcOrd="1" destOrd="0"/>
+        <dgm:cxn modelId="13" srcId="1" destId="11" srcOrd="0" destOrd="0"/>
+        <dgm:cxn modelId="23" srcId="2" destId="21" srcOrd="0" destOrd="0"/>
+      </dgm:cxnLst>
+      <dgm:bg/>
+      <dgm:whole/>
+    </dgm:dataModel>
+  </dgm:styleData>
+  <dgm:clrData>
+    <dgm:dataModel>
+      <dgm:ptLst>
+        <dgm:pt modelId="0" type="doc"/>
+        <dgm:pt modelId="1">
+          <dgm:prSet phldr="1"/>
+        </dgm:pt>
+        <dgm:pt modelId="11">
+          <dgm:prSet phldr="1"/>
+        </dgm:pt>
+        <dgm:pt modelId="2">
+          <dgm:prSet phldr="1"/>
+        </dgm:pt>
+        <dgm:pt modelId="21">
+          <dgm:prSet phldr="1"/>
+        </dgm:pt>
+        <dgm:pt modelId="3">
+          <dgm:prSet phldr="1"/>
+        </dgm:pt>
+        <dgm:pt modelId="31">
+          <dgm:prSet phldr="1"/>
+        </dgm:pt>
+        <dgm:pt modelId="4">
+          <dgm:prSet phldr="1"/>
+        </dgm:pt>
+        <dgm:pt modelId="41">
+          <dgm:prSet phldr="1"/>
+        </dgm:pt>
+      </dgm:ptLst>
+      <dgm:cxnLst>
+        <dgm:cxn modelId="5" srcId="0" destId="1" srcOrd="0" destOrd="0"/>
+        <dgm:cxn modelId="6" srcId="0" destId="2" srcOrd="1" destOrd="0"/>
+        <dgm:cxn modelId="7" srcId="0" destId="3" srcOrd="2" destOrd="0"/>
+        <dgm:cxn modelId="8" srcId="0" destId="4" srcOrd="3" destOrd="0"/>
+        <dgm:cxn modelId="13" srcId="1" destId="11" srcOrd="0" destOrd="0"/>
+        <dgm:cxn modelId="23" srcId="2" destId="21" srcOrd="0" destOrd="0"/>
+        <dgm:cxn modelId="33" srcId="3" destId="31" srcOrd="0" destOrd="0"/>
+        <dgm:cxn modelId="43" srcId="4" destId="41" srcOrd="0" destOrd="0"/>
+      </dgm:cxnLst>
+      <dgm:bg/>
+      <dgm:whole/>
+    </dgm:dataModel>
+  </dgm:clrData>
+  <dgm:layoutNode name="linearFlow">
+    <dgm:varLst>
+      <dgm:dir/>
+      <dgm:animLvl val="lvl"/>
+      <dgm:resizeHandles val="exact"/>
+    </dgm:varLst>
+    <dgm:choose name="Name0">
+      <dgm:if name="Name1" func="var" arg="dir" op="equ" val="norm">
+        <dgm:alg type="lin"/>
+      </dgm:if>
+      <dgm:else name="Name2">
+        <dgm:alg type="lin">
+          <dgm:param type="linDir" val="fromR"/>
+        </dgm:alg>
+      </dgm:else>
+    </dgm:choose>
+    <dgm:shape xmlns:r="http://schemas.openxmlformats.org/officeDocument/2006/relationships" r:blip="">
+      <dgm:adjLst/>
+    </dgm:shape>
+    <dgm:presOf/>
+    <dgm:constrLst>
+      <dgm:constr type="w" for="ch" forName="composite" refType="w"/>
+      <dgm:constr type="w" for="ch" ptType="sibTrans" refType="w" refFor="ch" refForName="composite" fact="0.3333"/>
+      <dgm:constr type="w" for="des" forName="parTx"/>
+      <dgm:constr type="h" for="des" forName="parTx" op="equ"/>
+      <dgm:constr type="h" for="des" forName="parSh" op="equ"/>
+      <dgm:constr type="w" for="des" forName="desTx"/>
+      <dgm:constr type="h" for="des" forName="desTx" op="equ"/>
+      <dgm:constr type="w" for="des" forName="parSh"/>
+      <dgm:constr type="primFontSz" for="des" forName="parTx" val="65"/>
+      <dgm:constr type="secFontSz" for="des" forName="desTx" refType="primFontSz" refFor="des" refForName="parTx" op="equ"/>
+      <dgm:constr type="primFontSz" for="des" forName="connTx" refType="primFontSz" refFor="des" refForName="parTx" fact="0.8"/>
+      <dgm:constr type="primFontSz" for="des" forName="connTx" refType="primFontSz" refFor="des" refForName="parTx" op="lte" fact="0.8"/>
+      <dgm:constr type="h" for="des" forName="parTx" refType="primFontSz" refFor="des" refForName="parTx" fact="0.8"/>
+      <dgm:constr type="h" for="des" forName="parSh" refType="primFontSz" refFor="des" refForName="parTx" fact="1.2"/>
+      <dgm:constr type="h" for="des" forName="desTx" refType="primFontSz" refFor="des" refForName="parTx" fact="1.6"/>
+      <dgm:constr type="h" for="des" forName="parSh" refType="h" refFor="des" refForName="parTx" op="lte" fact="1.5"/>
+      <dgm:constr type="h" for="des" forName="parSh" refType="h" refFor="des" refForName="parTx" op="gte" fact="1.5"/>
+    </dgm:constrLst>
+    <dgm:ruleLst>
+      <dgm:rule type="w" for="ch" forName="composite" val="0" fact="NaN" max="NaN"/>
+      <dgm:rule type="primFontSz" for="des" forName="parTx" val="5" fact="NaN" max="NaN"/>
+    </dgm:ruleLst>
+    <dgm:forEach name="Name3" axis="ch" ptType="node">
+      <dgm:layoutNode name="composite">
+        <dgm:alg type="composite"/>
+        <dgm:shape xmlns:r="http://schemas.openxmlformats.org/officeDocument/2006/relationships" r:blip="">
+          <dgm:adjLst/>
+        </dgm:shape>
+        <dgm:presOf/>
+        <dgm:choose name="Name4">
+          <dgm:if name="Name5" func="var" arg="dir" op="equ" val="norm">
+            <dgm:constrLst>
+              <dgm:constr type="h" refType="w" fact="1000"/>
+              <dgm:constr type="l" for="ch" forName="parTx"/>
+              <dgm:constr type="w" for="ch" forName="parTx" refType="w" fact="0.83"/>
+              <dgm:constr type="t" for="ch" forName="parTx"/>
+              <dgm:constr type="l" for="ch" forName="parSh"/>
+              <dgm:constr type="w" for="ch" forName="parSh" refType="w" refFor="ch" refForName="parTx"/>
+              <dgm:constr type="t" for="ch" forName="parSh"/>
+              <dgm:constr type="l" for="ch" forName="desTx" refType="w" fact="0.17"/>
+              <dgm:constr type="w" for="ch" forName="desTx" refType="w" refFor="ch" refForName="parTx"/>
+              <dgm:constr type="t" for="ch" forName="desTx" refType="h" refFor="ch" refForName="parTx"/>
+            </dgm:constrLst>
+          </dgm:if>
+          <dgm:else name="Name6">
+            <dgm:constrLst>
+              <dgm:constr type="h" refType="w" fact="1000"/>
+              <dgm:constr type="l" for="ch" forName="parTx" refType="w" fact="0.17"/>
+              <dgm:constr type="w" for="ch" forName="parTx" refType="w" fact="0.83"/>
+              <dgm:constr type="t" for="ch" forName="parTx"/>
+              <dgm:constr type="l" for="ch" forName="parSh" refType="w" fact="0.15"/>
+              <dgm:constr type="w" for="ch" forName="parSh" refType="w" refFor="ch" refForName="parTx"/>
+              <dgm:constr type="t" for="ch" forName="parSh"/>
+              <dgm:constr type="l" for="ch" forName="desTx"/>
+              <dgm:constr type="w" for="ch" forName="desTx" refType="w" refFor="ch" refForName="parTx"/>
+              <dgm:constr type="t" for="ch" forName="desTx" refType="h" refFor="ch" refForName="parTx"/>
+            </dgm:constrLst>
+          </dgm:else>
+        </dgm:choose>
+        <dgm:ruleLst>
+          <dgm:rule type="h" val="INF" fact="NaN" max="NaN"/>
+        </dgm:ruleLst>
+        <dgm:layoutNode name="parTx">
+          <dgm:varLst>
+            <dgm:chMax val="0"/>
+            <dgm:chPref val="0"/>
+            <dgm:bulletEnabled val="1"/>
+          </dgm:varLst>
+          <dgm:alg type="tx">
+            <dgm:param type="parTxLTRAlign" val="l"/>
+            <dgm:param type="parTxRTLAlign" val="r"/>
+            <dgm:param type="txAnchorVert" val="t"/>
+          </dgm:alg>
+          <dgm:shape xmlns:r="http://schemas.openxmlformats.org/officeDocument/2006/relationships" type="rect" r:blip="" zOrderOff="1" hideGeom="1">
+            <dgm:adjLst>
+              <dgm:adj idx="1" val="0.1"/>
+            </dgm:adjLst>
+          </dgm:shape>
+          <dgm:presOf axis="self" ptType="node"/>
+          <dgm:constrLst>
+            <dgm:constr type="h" refType="w" op="lte" fact="0.4"/>
+            <dgm:constr type="bMarg" refType="primFontSz" fact="0.3"/>
+            <dgm:constr type="h"/>
+          </dgm:constrLst>
+          <dgm:ruleLst>
+            <dgm:rule type="h" val="INF" fact="NaN" max="NaN"/>
+          </dgm:ruleLst>
+        </dgm:layoutNode>
+        <dgm:layoutNode name="parSh">
+          <dgm:alg type="sp"/>
+          <dgm:shape xmlns:r="http://schemas.openxmlformats.org/officeDocument/2006/relationships" type="roundRect" r:blip="">
+            <dgm:adjLst>
+              <dgm:adj idx="1" val="0.1"/>
+            </dgm:adjLst>
+          </dgm:shape>
+          <dgm:presOf axis="self" ptType="node"/>
+          <dgm:constrLst>
+            <dgm:constr type="h"/>
+          </dgm:constrLst>
+          <dgm:ruleLst/>
+        </dgm:layoutNode>
+        <dgm:layoutNode name="desTx" styleLbl="fgAcc1">
+          <dgm:varLst>
+            <dgm:bulletEnabled val="1"/>
+          </dgm:varLst>
+          <dgm:alg type="tx">
+            <dgm:param type="stBulletLvl" val="1"/>
+          </dgm:alg>
+          <dgm:shape xmlns:r="http://schemas.openxmlformats.org/officeDocument/2006/relationships" type="roundRect" r:blip="">
+            <dgm:adjLst>
+              <dgm:adj idx="1" val="0.1"/>
+            </dgm:adjLst>
+          </dgm:shape>
+          <dgm:presOf axis="des" ptType="node"/>
+          <dgm:constrLst>
+            <dgm:constr type="secFontSz" val="65"/>
+            <dgm:constr type="primFontSz" refType="secFontSz"/>
+            <dgm:constr type="h"/>
+          </dgm:constrLst>
+          <dgm:ruleLst>
+            <dgm:rule type="h" val="INF" fact="NaN" max="NaN"/>
+          </dgm:ruleLst>
+        </dgm:layoutNode>
+      </dgm:layoutNode>
+      <dgm:forEach name="sibTransForEach" axis="followSib" ptType="sibTrans" cnt="1">
+        <dgm:layoutNode name="sibTrans">
+          <dgm:alg type="conn">
+            <dgm:param type="begPts" val="auto"/>
+            <dgm:param type="endPts" val="auto"/>
+            <dgm:param type="srcNode" val="parTx"/>
+            <dgm:param type="dstNode" val="parTx"/>
+          </dgm:alg>
+          <dgm:shape xmlns:r="http://schemas.openxmlformats.org/officeDocument/2006/relationships" type="conn" r:blip="">
+            <dgm:adjLst/>
+          </dgm:shape>
+          <dgm:presOf axis="self"/>
+          <dgm:constrLst>
+            <dgm:constr type="h" refType="w" fact="0.62"/>
+            <dgm:constr type="connDist"/>
+            <dgm:constr type="begPad" refType="connDist" fact="0.25"/>
+            <dgm:constr type="endPad" refType="connDist" fact="0.22"/>
+          </dgm:constrLst>
+          <dgm:ruleLst/>
+          <dgm:layoutNode name="connTx">
+            <dgm:alg type="tx">
+              <dgm:param type="autoTxRot" val="grav"/>
+            </dgm:alg>
+            <dgm:shape xmlns:r="http://schemas.openxmlformats.org/officeDocument/2006/relationships" type="conn" r:blip="" hideGeom="1">
+              <dgm:adjLst/>
+            </dgm:shape>
+            <dgm:presOf axis="self"/>
+            <dgm:constrLst>
+              <dgm:constr type="lMarg"/>
+              <dgm:constr type="rMarg"/>
+              <dgm:constr type="tMarg"/>
+              <dgm:constr type="bMarg"/>
+            </dgm:constrLst>
+            <dgm:ruleLst>
+              <dgm:rule type="primFontSz" val="5" fact="NaN" max="NaN"/>
+            </dgm:ruleLst>
+          </dgm:layoutNode>
+        </dgm:layoutNode>
+      </dgm:forEach>
+    </dgm:forEach>
+  </dgm:layoutNode>
+</dgm:layoutDef>
+</file>
+
 <file path=ppt/diagrams/quickStyle1.xml><?xml version="1.0" encoding="utf-8"?>
 <dgm:styleDef xmlns:dgm="http://schemas.openxmlformats.org/drawingml/2006/diagram" xmlns:a="http://schemas.openxmlformats.org/drawingml/2006/main" uniqueId="urn:microsoft.com/office/officeart/2005/8/quickstyle/simple5">
   <dgm:title val=""/>
@@ -11766,6 +13431,1040 @@
 </file>
 
 <file path=ppt/diagrams/quickStyle5.xml><?xml version="1.0" encoding="utf-8"?>
+<dgm:styleDef xmlns:dgm="http://schemas.openxmlformats.org/drawingml/2006/diagram" xmlns:a="http://schemas.openxmlformats.org/drawingml/2006/main" uniqueId="urn:microsoft.com/office/officeart/2005/8/quickstyle/simple2">
+  <dgm:title val=""/>
+  <dgm:desc val=""/>
+  <dgm:catLst>
+    <dgm:cat type="simple" pri="10200"/>
+  </dgm:catLst>
+  <dgm:scene3d>
+    <a:camera prst="orthographicFront"/>
+    <a:lightRig rig="threePt" dir="t"/>
+  </dgm:scene3d>
+  <dgm:styleLbl name="node0">
+    <dgm:scene3d>
+      <a:camera prst="orthographicFront"/>
+      <a:lightRig rig="threePt" dir="t"/>
+    </dgm:scene3d>
+    <dgm:sp3d/>
+    <dgm:txPr/>
+    <dgm:style>
+      <a:lnRef idx="3">
+        <a:scrgbClr r="0" g="0" b="0"/>
+      </a:lnRef>
+      <a:fillRef idx="1">
+        <a:scrgbClr r="0" g="0" b="0"/>
+      </a:fillRef>
+      <a:effectRef idx="1">
+        <a:scrgbClr r="0" g="0" b="0"/>
+      </a:effectRef>
+      <a:fontRef idx="minor">
+        <a:schemeClr val="lt1"/>
+      </a:fontRef>
+    </dgm:style>
+  </dgm:styleLbl>
+  <dgm:styleLbl name="lnNode1">
+    <dgm:scene3d>
+      <a:camera prst="orthographicFront"/>
+      <a:lightRig rig="threePt" dir="t"/>
+    </dgm:scene3d>
+    <dgm:sp3d/>
+    <dgm:txPr/>
+    <dgm:style>
+      <a:lnRef idx="3">
+        <a:scrgbClr r="0" g="0" b="0"/>
+      </a:lnRef>
+      <a:fillRef idx="1">
+        <a:scrgbClr r="0" g="0" b="0"/>
+      </a:fillRef>
+      <a:effectRef idx="1">
+        <a:scrgbClr r="0" g="0" b="0"/>
+      </a:effectRef>
+      <a:fontRef idx="minor">
+        <a:schemeClr val="lt1"/>
+      </a:fontRef>
+    </dgm:style>
+  </dgm:styleLbl>
+  <dgm:styleLbl name="vennNode1">
+    <dgm:scene3d>
+      <a:camera prst="orthographicFront"/>
+      <a:lightRig rig="threePt" dir="t"/>
+    </dgm:scene3d>
+    <dgm:sp3d/>
+    <dgm:txPr/>
+    <dgm:style>
+      <a:lnRef idx="3">
+        <a:scrgbClr r="0" g="0" b="0"/>
+      </a:lnRef>
+      <a:fillRef idx="1">
+        <a:scrgbClr r="0" g="0" b="0"/>
+      </a:fillRef>
+      <a:effectRef idx="0">
+        <a:scrgbClr r="0" g="0" b="0"/>
+      </a:effectRef>
+      <a:fontRef idx="minor">
+        <a:schemeClr val="tx1"/>
+      </a:fontRef>
+    </dgm:style>
+  </dgm:styleLbl>
+  <dgm:styleLbl name="alignNode1">
+    <dgm:scene3d>
+      <a:camera prst="orthographicFront"/>
+      <a:lightRig rig="threePt" dir="t"/>
+    </dgm:scene3d>
+    <dgm:sp3d/>
+    <dgm:txPr/>
+    <dgm:style>
+      <a:lnRef idx="2">
+        <a:scrgbClr r="0" g="0" b="0"/>
+      </a:lnRef>
+      <a:fillRef idx="1">
+        <a:scrgbClr r="0" g="0" b="0"/>
+      </a:fillRef>
+      <a:effectRef idx="1">
+        <a:scrgbClr r="0" g="0" b="0"/>
+      </a:effectRef>
+      <a:fontRef idx="minor">
+        <a:schemeClr val="lt1"/>
+      </a:fontRef>
+    </dgm:style>
+  </dgm:styleLbl>
+  <dgm:styleLbl name="node1">
+    <dgm:scene3d>
+      <a:camera prst="orthographicFront"/>
+      <a:lightRig rig="threePt" dir="t"/>
+    </dgm:scene3d>
+    <dgm:sp3d/>
+    <dgm:txPr/>
+    <dgm:style>
+      <a:lnRef idx="3">
+        <a:scrgbClr r="0" g="0" b="0"/>
+      </a:lnRef>
+      <a:fillRef idx="1">
+        <a:scrgbClr r="0" g="0" b="0"/>
+      </a:fillRef>
+      <a:effectRef idx="1">
+        <a:scrgbClr r="0" g="0" b="0"/>
+      </a:effectRef>
+      <a:fontRef idx="minor">
+        <a:schemeClr val="lt1"/>
+      </a:fontRef>
+    </dgm:style>
+  </dgm:styleLbl>
+  <dgm:styleLbl name="node2">
+    <dgm:scene3d>
+      <a:camera prst="orthographicFront"/>
+      <a:lightRig rig="threePt" dir="t"/>
+    </dgm:scene3d>
+    <dgm:sp3d/>
+    <dgm:txPr/>
+    <dgm:style>
+      <a:lnRef idx="3">
+        <a:scrgbClr r="0" g="0" b="0"/>
+      </a:lnRef>
+      <a:fillRef idx="1">
+        <a:scrgbClr r="0" g="0" b="0"/>
+      </a:fillRef>
+      <a:effectRef idx="1">
+        <a:scrgbClr r="0" g="0" b="0"/>
+      </a:effectRef>
+      <a:fontRef idx="minor">
+        <a:schemeClr val="lt1"/>
+      </a:fontRef>
+    </dgm:style>
+  </dgm:styleLbl>
+  <dgm:styleLbl name="node3">
+    <dgm:scene3d>
+      <a:camera prst="orthographicFront"/>
+      <a:lightRig rig="threePt" dir="t"/>
+    </dgm:scene3d>
+    <dgm:sp3d/>
+    <dgm:txPr/>
+    <dgm:style>
+      <a:lnRef idx="3">
+        <a:scrgbClr r="0" g="0" b="0"/>
+      </a:lnRef>
+      <a:fillRef idx="1">
+        <a:scrgbClr r="0" g="0" b="0"/>
+      </a:fillRef>
+      <a:effectRef idx="1">
+        <a:scrgbClr r="0" g="0" b="0"/>
+      </a:effectRef>
+      <a:fontRef idx="minor">
+        <a:schemeClr val="lt1"/>
+      </a:fontRef>
+    </dgm:style>
+  </dgm:styleLbl>
+  <dgm:styleLbl name="node4">
+    <dgm:scene3d>
+      <a:camera prst="orthographicFront"/>
+      <a:lightRig rig="threePt" dir="t"/>
+    </dgm:scene3d>
+    <dgm:sp3d/>
+    <dgm:txPr/>
+    <dgm:style>
+      <a:lnRef idx="3">
+        <a:scrgbClr r="0" g="0" b="0"/>
+      </a:lnRef>
+      <a:fillRef idx="1">
+        <a:scrgbClr r="0" g="0" b="0"/>
+      </a:fillRef>
+      <a:effectRef idx="1">
+        <a:scrgbClr r="0" g="0" b="0"/>
+      </a:effectRef>
+      <a:fontRef idx="minor">
+        <a:schemeClr val="lt1"/>
+      </a:fontRef>
+    </dgm:style>
+  </dgm:styleLbl>
+  <dgm:styleLbl name="fgImgPlace1">
+    <dgm:scene3d>
+      <a:camera prst="orthographicFront"/>
+      <a:lightRig rig="threePt" dir="t"/>
+    </dgm:scene3d>
+    <dgm:sp3d/>
+    <dgm:txPr/>
+    <dgm:style>
+      <a:lnRef idx="3">
+        <a:scrgbClr r="0" g="0" b="0"/>
+      </a:lnRef>
+      <a:fillRef idx="1">
+        <a:scrgbClr r="0" g="0" b="0"/>
+      </a:fillRef>
+      <a:effectRef idx="1">
+        <a:scrgbClr r="0" g="0" b="0"/>
+      </a:effectRef>
+      <a:fontRef idx="minor"/>
+    </dgm:style>
+  </dgm:styleLbl>
+  <dgm:styleLbl name="alignImgPlace1">
+    <dgm:scene3d>
+      <a:camera prst="orthographicFront"/>
+      <a:lightRig rig="threePt" dir="t"/>
+    </dgm:scene3d>
+    <dgm:sp3d/>
+    <dgm:txPr/>
+    <dgm:style>
+      <a:lnRef idx="3">
+        <a:scrgbClr r="0" g="0" b="0"/>
+      </a:lnRef>
+      <a:fillRef idx="1">
+        <a:scrgbClr r="0" g="0" b="0"/>
+      </a:fillRef>
+      <a:effectRef idx="1">
+        <a:scrgbClr r="0" g="0" b="0"/>
+      </a:effectRef>
+      <a:fontRef idx="minor"/>
+    </dgm:style>
+  </dgm:styleLbl>
+  <dgm:styleLbl name="bgImgPlace1">
+    <dgm:scene3d>
+      <a:camera prst="orthographicFront"/>
+      <a:lightRig rig="threePt" dir="t"/>
+    </dgm:scene3d>
+    <dgm:sp3d/>
+    <dgm:txPr/>
+    <dgm:style>
+      <a:lnRef idx="3">
+        <a:scrgbClr r="0" g="0" b="0"/>
+      </a:lnRef>
+      <a:fillRef idx="1">
+        <a:scrgbClr r="0" g="0" b="0"/>
+      </a:fillRef>
+      <a:effectRef idx="1">
+        <a:scrgbClr r="0" g="0" b="0"/>
+      </a:effectRef>
+      <a:fontRef idx="minor"/>
+    </dgm:style>
+  </dgm:styleLbl>
+  <dgm:styleLbl name="sibTrans2D1">
+    <dgm:scene3d>
+      <a:camera prst="orthographicFront"/>
+      <a:lightRig rig="threePt" dir="t"/>
+    </dgm:scene3d>
+    <dgm:sp3d/>
+    <dgm:txPr/>
+    <dgm:style>
+      <a:lnRef idx="0">
+        <a:scrgbClr r="0" g="0" b="0"/>
+      </a:lnRef>
+      <a:fillRef idx="1">
+        <a:scrgbClr r="0" g="0" b="0"/>
+      </a:fillRef>
+      <a:effectRef idx="1">
+        <a:scrgbClr r="0" g="0" b="0"/>
+      </a:effectRef>
+      <a:fontRef idx="minor">
+        <a:schemeClr val="lt1"/>
+      </a:fontRef>
+    </dgm:style>
+  </dgm:styleLbl>
+  <dgm:styleLbl name="fgSibTrans2D1">
+    <dgm:scene3d>
+      <a:camera prst="orthographicFront"/>
+      <a:lightRig rig="threePt" dir="t"/>
+    </dgm:scene3d>
+    <dgm:sp3d/>
+    <dgm:txPr/>
+    <dgm:style>
+      <a:lnRef idx="0">
+        <a:scrgbClr r="0" g="0" b="0"/>
+      </a:lnRef>
+      <a:fillRef idx="1">
+        <a:scrgbClr r="0" g="0" b="0"/>
+      </a:fillRef>
+      <a:effectRef idx="1">
+        <a:scrgbClr r="0" g="0" b="0"/>
+      </a:effectRef>
+      <a:fontRef idx="minor">
+        <a:schemeClr val="lt1"/>
+      </a:fontRef>
+    </dgm:style>
+  </dgm:styleLbl>
+  <dgm:styleLbl name="bgSibTrans2D1">
+    <dgm:scene3d>
+      <a:camera prst="orthographicFront"/>
+      <a:lightRig rig="threePt" dir="t"/>
+    </dgm:scene3d>
+    <dgm:sp3d/>
+    <dgm:txPr/>
+    <dgm:style>
+      <a:lnRef idx="0">
+        <a:scrgbClr r="0" g="0" b="0"/>
+      </a:lnRef>
+      <a:fillRef idx="1">
+        <a:scrgbClr r="0" g="0" b="0"/>
+      </a:fillRef>
+      <a:effectRef idx="1">
+        <a:scrgbClr r="0" g="0" b="0"/>
+      </a:effectRef>
+      <a:fontRef idx="minor">
+        <a:schemeClr val="lt1"/>
+      </a:fontRef>
+    </dgm:style>
+  </dgm:styleLbl>
+  <dgm:styleLbl name="sibTrans1D1">
+    <dgm:scene3d>
+      <a:camera prst="orthographicFront"/>
+      <a:lightRig rig="threePt" dir="t"/>
+    </dgm:scene3d>
+    <dgm:sp3d/>
+    <dgm:txPr/>
+    <dgm:style>
+      <a:lnRef idx="1">
+        <a:scrgbClr r="0" g="0" b="0"/>
+      </a:lnRef>
+      <a:fillRef idx="0">
+        <a:scrgbClr r="0" g="0" b="0"/>
+      </a:fillRef>
+      <a:effectRef idx="0">
+        <a:scrgbClr r="0" g="0" b="0"/>
+      </a:effectRef>
+      <a:fontRef idx="minor"/>
+    </dgm:style>
+  </dgm:styleLbl>
+  <dgm:styleLbl name="callout">
+    <dgm:scene3d>
+      <a:camera prst="orthographicFront"/>
+      <a:lightRig rig="threePt" dir="t"/>
+    </dgm:scene3d>
+    <dgm:sp3d/>
+    <dgm:txPr/>
+    <dgm:style>
+      <a:lnRef idx="2">
+        <a:scrgbClr r="0" g="0" b="0"/>
+      </a:lnRef>
+      <a:fillRef idx="1">
+        <a:scrgbClr r="0" g="0" b="0"/>
+      </a:fillRef>
+      <a:effectRef idx="1">
+        <a:scrgbClr r="0" g="0" b="0"/>
+      </a:effectRef>
+      <a:fontRef idx="minor"/>
+    </dgm:style>
+  </dgm:styleLbl>
+  <dgm:styleLbl name="asst0">
+    <dgm:scene3d>
+      <a:camera prst="orthographicFront"/>
+      <a:lightRig rig="threePt" dir="t"/>
+    </dgm:scene3d>
+    <dgm:sp3d/>
+    <dgm:txPr/>
+    <dgm:style>
+      <a:lnRef idx="3">
+        <a:scrgbClr r="0" g="0" b="0"/>
+      </a:lnRef>
+      <a:fillRef idx="1">
+        <a:scrgbClr r="0" g="0" b="0"/>
+      </a:fillRef>
+      <a:effectRef idx="1">
+        <a:scrgbClr r="0" g="0" b="0"/>
+      </a:effectRef>
+      <a:fontRef idx="minor">
+        <a:schemeClr val="lt1"/>
+      </a:fontRef>
+    </dgm:style>
+  </dgm:styleLbl>
+  <dgm:styleLbl name="asst1">
+    <dgm:scene3d>
+      <a:camera prst="orthographicFront"/>
+      <a:lightRig rig="threePt" dir="t"/>
+    </dgm:scene3d>
+    <dgm:sp3d/>
+    <dgm:txPr/>
+    <dgm:style>
+      <a:lnRef idx="3">
+        <a:scrgbClr r="0" g="0" b="0"/>
+      </a:lnRef>
+      <a:fillRef idx="1">
+        <a:scrgbClr r="0" g="0" b="0"/>
+      </a:fillRef>
+      <a:effectRef idx="1">
+        <a:scrgbClr r="0" g="0" b="0"/>
+      </a:effectRef>
+      <a:fontRef idx="minor">
+        <a:schemeClr val="lt1"/>
+      </a:fontRef>
+    </dgm:style>
+  </dgm:styleLbl>
+  <dgm:styleLbl name="asst2">
+    <dgm:scene3d>
+      <a:camera prst="orthographicFront"/>
+      <a:lightRig rig="threePt" dir="t"/>
+    </dgm:scene3d>
+    <dgm:sp3d/>
+    <dgm:txPr/>
+    <dgm:style>
+      <a:lnRef idx="3">
+        <a:scrgbClr r="0" g="0" b="0"/>
+      </a:lnRef>
+      <a:fillRef idx="1">
+        <a:scrgbClr r="0" g="0" b="0"/>
+      </a:fillRef>
+      <a:effectRef idx="1">
+        <a:scrgbClr r="0" g="0" b="0"/>
+      </a:effectRef>
+      <a:fontRef idx="minor">
+        <a:schemeClr val="lt1"/>
+      </a:fontRef>
+    </dgm:style>
+  </dgm:styleLbl>
+  <dgm:styleLbl name="asst3">
+    <dgm:scene3d>
+      <a:camera prst="orthographicFront"/>
+      <a:lightRig rig="threePt" dir="t"/>
+    </dgm:scene3d>
+    <dgm:sp3d/>
+    <dgm:txPr/>
+    <dgm:style>
+      <a:lnRef idx="3">
+        <a:scrgbClr r="0" g="0" b="0"/>
+      </a:lnRef>
+      <a:fillRef idx="1">
+        <a:scrgbClr r="0" g="0" b="0"/>
+      </a:fillRef>
+      <a:effectRef idx="1">
+        <a:scrgbClr r="0" g="0" b="0"/>
+      </a:effectRef>
+      <a:fontRef idx="minor">
+        <a:schemeClr val="lt1"/>
+      </a:fontRef>
+    </dgm:style>
+  </dgm:styleLbl>
+  <dgm:styleLbl name="asst4">
+    <dgm:scene3d>
+      <a:camera prst="orthographicFront"/>
+      <a:lightRig rig="threePt" dir="t"/>
+    </dgm:scene3d>
+    <dgm:sp3d/>
+    <dgm:txPr/>
+    <dgm:style>
+      <a:lnRef idx="3">
+        <a:scrgbClr r="0" g="0" b="0"/>
+      </a:lnRef>
+      <a:fillRef idx="1">
+        <a:scrgbClr r="0" g="0" b="0"/>
+      </a:fillRef>
+      <a:effectRef idx="1">
+        <a:scrgbClr r="0" g="0" b="0"/>
+      </a:effectRef>
+      <a:fontRef idx="minor">
+        <a:schemeClr val="lt1"/>
+      </a:fontRef>
+    </dgm:style>
+  </dgm:styleLbl>
+  <dgm:styleLbl name="parChTrans2D1">
+    <dgm:scene3d>
+      <a:camera prst="orthographicFront"/>
+      <a:lightRig rig="threePt" dir="t"/>
+    </dgm:scene3d>
+    <dgm:sp3d/>
+    <dgm:txPr/>
+    <dgm:style>
+      <a:lnRef idx="3">
+        <a:scrgbClr r="0" g="0" b="0"/>
+      </a:lnRef>
+      <a:fillRef idx="1">
+        <a:scrgbClr r="0" g="0" b="0"/>
+      </a:fillRef>
+      <a:effectRef idx="1">
+        <a:scrgbClr r="0" g="0" b="0"/>
+      </a:effectRef>
+      <a:fontRef idx="minor">
+        <a:schemeClr val="lt1"/>
+      </a:fontRef>
+    </dgm:style>
+  </dgm:styleLbl>
+  <dgm:styleLbl name="parChTrans2D2">
+    <dgm:scene3d>
+      <a:camera prst="orthographicFront"/>
+      <a:lightRig rig="threePt" dir="t"/>
+    </dgm:scene3d>
+    <dgm:sp3d/>
+    <dgm:txPr/>
+    <dgm:style>
+      <a:lnRef idx="3">
+        <a:scrgbClr r="0" g="0" b="0"/>
+      </a:lnRef>
+      <a:fillRef idx="1">
+        <a:scrgbClr r="0" g="0" b="0"/>
+      </a:fillRef>
+      <a:effectRef idx="1">
+        <a:scrgbClr r="0" g="0" b="0"/>
+      </a:effectRef>
+      <a:fontRef idx="minor">
+        <a:schemeClr val="lt1"/>
+      </a:fontRef>
+    </dgm:style>
+  </dgm:styleLbl>
+  <dgm:styleLbl name="parChTrans2D3">
+    <dgm:scene3d>
+      <a:camera prst="orthographicFront"/>
+      <a:lightRig rig="threePt" dir="t"/>
+    </dgm:scene3d>
+    <dgm:sp3d/>
+    <dgm:txPr/>
+    <dgm:style>
+      <a:lnRef idx="3">
+        <a:scrgbClr r="0" g="0" b="0"/>
+      </a:lnRef>
+      <a:fillRef idx="1">
+        <a:scrgbClr r="0" g="0" b="0"/>
+      </a:fillRef>
+      <a:effectRef idx="1">
+        <a:scrgbClr r="0" g="0" b="0"/>
+      </a:effectRef>
+      <a:fontRef idx="minor">
+        <a:schemeClr val="lt1"/>
+      </a:fontRef>
+    </dgm:style>
+  </dgm:styleLbl>
+  <dgm:styleLbl name="parChTrans2D4">
+    <dgm:scene3d>
+      <a:camera prst="orthographicFront"/>
+      <a:lightRig rig="threePt" dir="t"/>
+    </dgm:scene3d>
+    <dgm:sp3d/>
+    <dgm:txPr/>
+    <dgm:style>
+      <a:lnRef idx="3">
+        <a:scrgbClr r="0" g="0" b="0"/>
+      </a:lnRef>
+      <a:fillRef idx="1">
+        <a:scrgbClr r="0" g="0" b="0"/>
+      </a:fillRef>
+      <a:effectRef idx="1">
+        <a:scrgbClr r="0" g="0" b="0"/>
+      </a:effectRef>
+      <a:fontRef idx="minor">
+        <a:schemeClr val="lt1"/>
+      </a:fontRef>
+    </dgm:style>
+  </dgm:styleLbl>
+  <dgm:styleLbl name="parChTrans1D1">
+    <dgm:scene3d>
+      <a:camera prst="orthographicFront"/>
+      <a:lightRig rig="threePt" dir="t"/>
+    </dgm:scene3d>
+    <dgm:sp3d/>
+    <dgm:txPr/>
+    <dgm:style>
+      <a:lnRef idx="2">
+        <a:scrgbClr r="0" g="0" b="0"/>
+      </a:lnRef>
+      <a:fillRef idx="0">
+        <a:scrgbClr r="0" g="0" b="0"/>
+      </a:fillRef>
+      <a:effectRef idx="0">
+        <a:scrgbClr r="0" g="0" b="0"/>
+      </a:effectRef>
+      <a:fontRef idx="minor"/>
+    </dgm:style>
+  </dgm:styleLbl>
+  <dgm:styleLbl name="parChTrans1D2">
+    <dgm:scene3d>
+      <a:camera prst="orthographicFront"/>
+      <a:lightRig rig="threePt" dir="t"/>
+    </dgm:scene3d>
+    <dgm:sp3d/>
+    <dgm:txPr/>
+    <dgm:style>
+      <a:lnRef idx="2">
+        <a:scrgbClr r="0" g="0" b="0"/>
+      </a:lnRef>
+      <a:fillRef idx="0">
+        <a:scrgbClr r="0" g="0" b="0"/>
+      </a:fillRef>
+      <a:effectRef idx="0">
+        <a:scrgbClr r="0" g="0" b="0"/>
+      </a:effectRef>
+      <a:fontRef idx="minor"/>
+    </dgm:style>
+  </dgm:styleLbl>
+  <dgm:styleLbl name="parChTrans1D3">
+    <dgm:scene3d>
+      <a:camera prst="orthographicFront"/>
+      <a:lightRig rig="threePt" dir="t"/>
+    </dgm:scene3d>
+    <dgm:sp3d/>
+    <dgm:txPr/>
+    <dgm:style>
+      <a:lnRef idx="2">
+        <a:scrgbClr r="0" g="0" b="0"/>
+      </a:lnRef>
+      <a:fillRef idx="0">
+        <a:scrgbClr r="0" g="0" b="0"/>
+      </a:fillRef>
+      <a:effectRef idx="0">
+        <a:scrgbClr r="0" g="0" b="0"/>
+      </a:effectRef>
+      <a:fontRef idx="minor"/>
+    </dgm:style>
+  </dgm:styleLbl>
+  <dgm:styleLbl name="parChTrans1D4">
+    <dgm:scene3d>
+      <a:camera prst="orthographicFront"/>
+      <a:lightRig rig="threePt" dir="t"/>
+    </dgm:scene3d>
+    <dgm:sp3d/>
+    <dgm:txPr/>
+    <dgm:style>
+      <a:lnRef idx="2">
+        <a:scrgbClr r="0" g="0" b="0"/>
+      </a:lnRef>
+      <a:fillRef idx="0">
+        <a:scrgbClr r="0" g="0" b="0"/>
+      </a:fillRef>
+      <a:effectRef idx="0">
+        <a:scrgbClr r="0" g="0" b="0"/>
+      </a:effectRef>
+      <a:fontRef idx="minor"/>
+    </dgm:style>
+  </dgm:styleLbl>
+  <dgm:styleLbl name="fgAcc1">
+    <dgm:scene3d>
+      <a:camera prst="orthographicFront"/>
+      <a:lightRig rig="threePt" dir="t"/>
+    </dgm:scene3d>
+    <dgm:sp3d/>
+    <dgm:txPr/>
+    <dgm:style>
+      <a:lnRef idx="2">
+        <a:scrgbClr r="0" g="0" b="0"/>
+      </a:lnRef>
+      <a:fillRef idx="1">
+        <a:scrgbClr r="0" g="0" b="0"/>
+      </a:fillRef>
+      <a:effectRef idx="0">
+        <a:scrgbClr r="0" g="0" b="0"/>
+      </a:effectRef>
+      <a:fontRef idx="minor"/>
+    </dgm:style>
+  </dgm:styleLbl>
+  <dgm:styleLbl name="conFgAcc1">
+    <dgm:scene3d>
+      <a:camera prst="orthographicFront"/>
+      <a:lightRig rig="threePt" dir="t"/>
+    </dgm:scene3d>
+    <dgm:sp3d/>
+    <dgm:txPr/>
+    <dgm:style>
+      <a:lnRef idx="2">
+        <a:scrgbClr r="0" g="0" b="0"/>
+      </a:lnRef>
+      <a:fillRef idx="1">
+        <a:scrgbClr r="0" g="0" b="0"/>
+      </a:fillRef>
+      <a:effectRef idx="0">
+        <a:scrgbClr r="0" g="0" b="0"/>
+      </a:effectRef>
+      <a:fontRef idx="minor"/>
+    </dgm:style>
+  </dgm:styleLbl>
+  <dgm:styleLbl name="alignAcc1">
+    <dgm:scene3d>
+      <a:camera prst="orthographicFront"/>
+      <a:lightRig rig="threePt" dir="t"/>
+    </dgm:scene3d>
+    <dgm:sp3d/>
+    <dgm:txPr/>
+    <dgm:style>
+      <a:lnRef idx="2">
+        <a:scrgbClr r="0" g="0" b="0"/>
+      </a:lnRef>
+      <a:fillRef idx="1">
+        <a:scrgbClr r="0" g="0" b="0"/>
+      </a:fillRef>
+      <a:effectRef idx="0">
+        <a:scrgbClr r="0" g="0" b="0"/>
+      </a:effectRef>
+      <a:fontRef idx="minor"/>
+    </dgm:style>
+  </dgm:styleLbl>
+  <dgm:styleLbl name="trAlignAcc1">
+    <dgm:scene3d>
+      <a:camera prst="orthographicFront"/>
+      <a:lightRig rig="threePt" dir="t"/>
+    </dgm:scene3d>
+    <dgm:sp3d/>
+    <dgm:txPr/>
+    <dgm:style>
+      <a:lnRef idx="1">
+        <a:scrgbClr r="0" g="0" b="0"/>
+      </a:lnRef>
+      <a:fillRef idx="1">
+        <a:scrgbClr r="0" g="0" b="0"/>
+      </a:fillRef>
+      <a:effectRef idx="0">
+        <a:scrgbClr r="0" g="0" b="0"/>
+      </a:effectRef>
+      <a:fontRef idx="minor"/>
+    </dgm:style>
+  </dgm:styleLbl>
+  <dgm:styleLbl name="bgAcc1">
+    <dgm:scene3d>
+      <a:camera prst="orthographicFront"/>
+      <a:lightRig rig="threePt" dir="t"/>
+    </dgm:scene3d>
+    <dgm:sp3d/>
+    <dgm:txPr/>
+    <dgm:style>
+      <a:lnRef idx="2">
+        <a:scrgbClr r="0" g="0" b="0"/>
+      </a:lnRef>
+      <a:fillRef idx="1">
+        <a:scrgbClr r="0" g="0" b="0"/>
+      </a:fillRef>
+      <a:effectRef idx="0">
+        <a:scrgbClr r="0" g="0" b="0"/>
+      </a:effectRef>
+      <a:fontRef idx="minor"/>
+    </dgm:style>
+  </dgm:styleLbl>
+  <dgm:styleLbl name="solidFgAcc1">
+    <dgm:scene3d>
+      <a:camera prst="orthographicFront"/>
+      <a:lightRig rig="threePt" dir="t"/>
+    </dgm:scene3d>
+    <dgm:sp3d/>
+    <dgm:txPr/>
+    <dgm:style>
+      <a:lnRef idx="2">
+        <a:scrgbClr r="0" g="0" b="0"/>
+      </a:lnRef>
+      <a:fillRef idx="1">
+        <a:scrgbClr r="0" g="0" b="0"/>
+      </a:fillRef>
+      <a:effectRef idx="0">
+        <a:scrgbClr r="0" g="0" b="0"/>
+      </a:effectRef>
+      <a:fontRef idx="minor"/>
+    </dgm:style>
+  </dgm:styleLbl>
+  <dgm:styleLbl name="solidAlignAcc1">
+    <dgm:scene3d>
+      <a:camera prst="orthographicFront"/>
+      <a:lightRig rig="threePt" dir="t"/>
+    </dgm:scene3d>
+    <dgm:sp3d/>
+    <dgm:txPr/>
+    <dgm:style>
+      <a:lnRef idx="2">
+        <a:scrgbClr r="0" g="0" b="0"/>
+      </a:lnRef>
+      <a:fillRef idx="1">
+        <a:scrgbClr r="0" g="0" b="0"/>
+      </a:fillRef>
+      <a:effectRef idx="0">
+        <a:scrgbClr r="0" g="0" b="0"/>
+      </a:effectRef>
+      <a:fontRef idx="minor"/>
+    </dgm:style>
+  </dgm:styleLbl>
+  <dgm:styleLbl name="solidBgAcc1">
+    <dgm:scene3d>
+      <a:camera prst="orthographicFront"/>
+      <a:lightRig rig="threePt" dir="t"/>
+    </dgm:scene3d>
+    <dgm:sp3d/>
+    <dgm:txPr/>
+    <dgm:style>
+      <a:lnRef idx="2">
+        <a:scrgbClr r="0" g="0" b="0"/>
+      </a:lnRef>
+      <a:fillRef idx="1">
+        <a:scrgbClr r="0" g="0" b="0"/>
+      </a:fillRef>
+      <a:effectRef idx="0">
+        <a:scrgbClr r="0" g="0" b="0"/>
+      </a:effectRef>
+      <a:fontRef idx="minor"/>
+    </dgm:style>
+  </dgm:styleLbl>
+  <dgm:styleLbl name="fgAccFollowNode1">
+    <dgm:scene3d>
+      <a:camera prst="orthographicFront"/>
+      <a:lightRig rig="threePt" dir="t"/>
+    </dgm:scene3d>
+    <dgm:sp3d/>
+    <dgm:txPr/>
+    <dgm:style>
+      <a:lnRef idx="2">
+        <a:scrgbClr r="0" g="0" b="0"/>
+      </a:lnRef>
+      <a:fillRef idx="1">
+        <a:scrgbClr r="0" g="0" b="0"/>
+      </a:fillRef>
+      <a:effectRef idx="0">
+        <a:scrgbClr r="0" g="0" b="0"/>
+      </a:effectRef>
+      <a:fontRef idx="minor"/>
+    </dgm:style>
+  </dgm:styleLbl>
+  <dgm:styleLbl name="alignAccFollowNode1">
+    <dgm:scene3d>
+      <a:camera prst="orthographicFront"/>
+      <a:lightRig rig="threePt" dir="t"/>
+    </dgm:scene3d>
+    <dgm:sp3d/>
+    <dgm:txPr/>
+    <dgm:style>
+      <a:lnRef idx="2">
+        <a:scrgbClr r="0" g="0" b="0"/>
+      </a:lnRef>
+      <a:fillRef idx="1">
+        <a:scrgbClr r="0" g="0" b="0"/>
+      </a:fillRef>
+      <a:effectRef idx="0">
+        <a:scrgbClr r="0" g="0" b="0"/>
+      </a:effectRef>
+      <a:fontRef idx="minor"/>
+    </dgm:style>
+  </dgm:styleLbl>
+  <dgm:styleLbl name="bgAccFollowNode1">
+    <dgm:scene3d>
+      <a:camera prst="orthographicFront"/>
+      <a:lightRig rig="threePt" dir="t"/>
+    </dgm:scene3d>
+    <dgm:sp3d/>
+    <dgm:txPr/>
+    <dgm:style>
+      <a:lnRef idx="2">
+        <a:scrgbClr r="0" g="0" b="0"/>
+      </a:lnRef>
+      <a:fillRef idx="1">
+        <a:scrgbClr r="0" g="0" b="0"/>
+      </a:fillRef>
+      <a:effectRef idx="0">
+        <a:scrgbClr r="0" g="0" b="0"/>
+      </a:effectRef>
+      <a:fontRef idx="minor"/>
+    </dgm:style>
+  </dgm:styleLbl>
+  <dgm:styleLbl name="fgAcc0">
+    <dgm:scene3d>
+      <a:camera prst="orthographicFront"/>
+      <a:lightRig rig="threePt" dir="t"/>
+    </dgm:scene3d>
+    <dgm:sp3d/>
+    <dgm:txPr/>
+    <dgm:style>
+      <a:lnRef idx="2">
+        <a:scrgbClr r="0" g="0" b="0"/>
+      </a:lnRef>
+      <a:fillRef idx="1">
+        <a:scrgbClr r="0" g="0" b="0"/>
+      </a:fillRef>
+      <a:effectRef idx="0">
+        <a:scrgbClr r="0" g="0" b="0"/>
+      </a:effectRef>
+      <a:fontRef idx="minor"/>
+    </dgm:style>
+  </dgm:styleLbl>
+  <dgm:styleLbl name="fgAcc2">
+    <dgm:scene3d>
+      <a:camera prst="orthographicFront"/>
+      <a:lightRig rig="threePt" dir="t"/>
+    </dgm:scene3d>
+    <dgm:sp3d/>
+    <dgm:txPr/>
+    <dgm:style>
+      <a:lnRef idx="2">
+        <a:scrgbClr r="0" g="0" b="0"/>
+      </a:lnRef>
+      <a:fillRef idx="1">
+        <a:scrgbClr r="0" g="0" b="0"/>
+      </a:fillRef>
+      <a:effectRef idx="0">
+        <a:scrgbClr r="0" g="0" b="0"/>
+      </a:effectRef>
+      <a:fontRef idx="minor"/>
+    </dgm:style>
+  </dgm:styleLbl>
+  <dgm:styleLbl name="fgAcc3">
+    <dgm:scene3d>
+      <a:camera prst="orthographicFront"/>
+      <a:lightRig rig="threePt" dir="t"/>
+    </dgm:scene3d>
+    <dgm:sp3d/>
+    <dgm:txPr/>
+    <dgm:style>
+      <a:lnRef idx="2">
+        <a:scrgbClr r="0" g="0" b="0"/>
+      </a:lnRef>
+      <a:fillRef idx="1">
+        <a:scrgbClr r="0" g="0" b="0"/>
+      </a:fillRef>
+      <a:effectRef idx="0">
+        <a:scrgbClr r="0" g="0" b="0"/>
+      </a:effectRef>
+      <a:fontRef idx="minor"/>
+    </dgm:style>
+  </dgm:styleLbl>
+  <dgm:styleLbl name="fgAcc4">
+    <dgm:scene3d>
+      <a:camera prst="orthographicFront"/>
+      <a:lightRig rig="threePt" dir="t"/>
+    </dgm:scene3d>
+    <dgm:sp3d/>
+    <dgm:txPr/>
+    <dgm:style>
+      <a:lnRef idx="2">
+        <a:scrgbClr r="0" g="0" b="0"/>
+      </a:lnRef>
+      <a:fillRef idx="1">
+        <a:scrgbClr r="0" g="0" b="0"/>
+      </a:fillRef>
+      <a:effectRef idx="0">
+        <a:scrgbClr r="0" g="0" b="0"/>
+      </a:effectRef>
+      <a:fontRef idx="minor"/>
+    </dgm:style>
+  </dgm:styleLbl>
+  <dgm:styleLbl name="bgShp">
+    <dgm:scene3d>
+      <a:camera prst="orthographicFront"/>
+      <a:lightRig rig="threePt" dir="t"/>
+    </dgm:scene3d>
+    <dgm:sp3d/>
+    <dgm:txPr/>
+    <dgm:style>
+      <a:lnRef idx="0">
+        <a:scrgbClr r="0" g="0" b="0"/>
+      </a:lnRef>
+      <a:fillRef idx="1">
+        <a:scrgbClr r="0" g="0" b="0"/>
+      </a:fillRef>
+      <a:effectRef idx="0">
+        <a:scrgbClr r="0" g="0" b="0"/>
+      </a:effectRef>
+      <a:fontRef idx="minor"/>
+    </dgm:style>
+  </dgm:styleLbl>
+  <dgm:styleLbl name="dkBgShp">
+    <dgm:scene3d>
+      <a:camera prst="orthographicFront"/>
+      <a:lightRig rig="threePt" dir="t"/>
+    </dgm:scene3d>
+    <dgm:sp3d/>
+    <dgm:txPr/>
+    <dgm:style>
+      <a:lnRef idx="0">
+        <a:scrgbClr r="0" g="0" b="0"/>
+      </a:lnRef>
+      <a:fillRef idx="1">
+        <a:scrgbClr r="0" g="0" b="0"/>
+      </a:fillRef>
+      <a:effectRef idx="0">
+        <a:scrgbClr r="0" g="0" b="0"/>
+      </a:effectRef>
+      <a:fontRef idx="minor"/>
+    </dgm:style>
+  </dgm:styleLbl>
+  <dgm:styleLbl name="trBgShp">
+    <dgm:scene3d>
+      <a:camera prst="orthographicFront"/>
+      <a:lightRig rig="threePt" dir="t"/>
+    </dgm:scene3d>
+    <dgm:sp3d/>
+    <dgm:txPr/>
+    <dgm:style>
+      <a:lnRef idx="0">
+        <a:scrgbClr r="0" g="0" b="0"/>
+      </a:lnRef>
+      <a:fillRef idx="1">
+        <a:scrgbClr r="0" g="0" b="0"/>
+      </a:fillRef>
+      <a:effectRef idx="0">
+        <a:scrgbClr r="0" g="0" b="0"/>
+      </a:effectRef>
+      <a:fontRef idx="minor"/>
+    </dgm:style>
+  </dgm:styleLbl>
+  <dgm:styleLbl name="fgShp">
+    <dgm:scene3d>
+      <a:camera prst="orthographicFront"/>
+      <a:lightRig rig="threePt" dir="t"/>
+    </dgm:scene3d>
+    <dgm:sp3d/>
+    <dgm:txPr/>
+    <dgm:style>
+      <a:lnRef idx="3">
+        <a:scrgbClr r="0" g="0" b="0"/>
+      </a:lnRef>
+      <a:fillRef idx="1">
+        <a:scrgbClr r="0" g="0" b="0"/>
+      </a:fillRef>
+      <a:effectRef idx="1">
+        <a:scrgbClr r="0" g="0" b="0"/>
+      </a:effectRef>
+      <a:fontRef idx="minor"/>
+    </dgm:style>
+  </dgm:styleLbl>
+  <dgm:styleLbl name="revTx">
+    <dgm:scene3d>
+      <a:camera prst="orthographicFront"/>
+      <a:lightRig rig="threePt" dir="t"/>
+    </dgm:scene3d>
+    <dgm:sp3d/>
+    <dgm:txPr/>
+    <dgm:style>
+      <a:lnRef idx="0">
+        <a:scrgbClr r="0" g="0" b="0"/>
+      </a:lnRef>
+      <a:fillRef idx="0">
+        <a:scrgbClr r="0" g="0" b="0"/>
+      </a:fillRef>
+      <a:effectRef idx="0">
+        <a:scrgbClr r="0" g="0" b="0"/>
+      </a:effectRef>
+      <a:fontRef idx="minor"/>
+    </dgm:style>
+  </dgm:styleLbl>
+</dgm:styleDef>
+</file>
+
+<file path=ppt/diagrams/quickStyle6.xml><?xml version="1.0" encoding="utf-8"?>
 <dgm:styleDef xmlns:dgm="http://schemas.openxmlformats.org/drawingml/2006/diagram" xmlns:a="http://schemas.openxmlformats.org/drawingml/2006/main" uniqueId="urn:microsoft.com/office/officeart/2005/8/quickstyle/simple2">
   <dgm:title val=""/>
   <dgm:desc val=""/>
@@ -13224,6 +15923,234 @@
     <p:extLst>
       <p:ext uri="{BB962C8B-B14F-4D97-AF65-F5344CB8AC3E}">
         <p14:creationId xmlns:p14="http://schemas.microsoft.com/office/powerpoint/2010/main" val="3469719510"/>
+      </p:ext>
+    </p:extLst>
+  </p:cSld>
+  <p:clrMapOvr>
+    <a:masterClrMapping/>
+  </p:clrMapOvr>
+</p:notes>
+</file>
+
+<file path=ppt/notesSlides/notesSlide10.xml><?xml version="1.0" encoding="utf-8"?>
+<p:notes xmlns:a="http://schemas.openxmlformats.org/drawingml/2006/main" xmlns:r="http://schemas.openxmlformats.org/officeDocument/2006/relationships" xmlns:p="http://schemas.openxmlformats.org/presentationml/2006/main">
+  <p:cSld>
+    <p:spTree>
+      <p:nvGrpSpPr>
+        <p:cNvPr id="1" name=""/>
+        <p:cNvGrpSpPr/>
+        <p:nvPr/>
+      </p:nvGrpSpPr>
+      <p:grpSpPr>
+        <a:xfrm>
+          <a:off x="0" y="0"/>
+          <a:ext cx="0" cy="0"/>
+          <a:chOff x="0" y="0"/>
+          <a:chExt cx="0" cy="0"/>
+        </a:xfrm>
+      </p:grpSpPr>
+      <p:sp>
+        <p:nvSpPr>
+          <p:cNvPr id="2" name="Slide Image Placeholder 1"/>
+          <p:cNvSpPr>
+            <a:spLocks noGrp="1" noRot="1" noChangeAspect="1"/>
+          </p:cNvSpPr>
+          <p:nvPr>
+            <p:ph type="sldImg"/>
+          </p:nvPr>
+        </p:nvSpPr>
+        <p:spPr/>
+      </p:sp>
+      <p:sp>
+        <p:nvSpPr>
+          <p:cNvPr id="3" name="Notes Placeholder 2"/>
+          <p:cNvSpPr>
+            <a:spLocks noGrp="1"/>
+          </p:cNvSpPr>
+          <p:nvPr>
+            <p:ph type="body" idx="1"/>
+          </p:nvPr>
+        </p:nvSpPr>
+        <p:spPr/>
+        <p:txBody>
+          <a:bodyPr/>
+          <a:lstStyle/>
+          <a:p>
+            <a:r>
+              <a:rPr lang="en-GB" dirty="0"/>
+              <a:t>FPF</a:t>
+            </a:r>
+          </a:p>
+          <a:p>
+            <a:r>
+              <a:rPr lang="en-GB" dirty="0"/>
+              <a:t>Growing Cycles</a:t>
+            </a:r>
+          </a:p>
+          <a:p>
+            <a:r>
+              <a:rPr lang="en-GB" dirty="0"/>
+              <a:t>Camera + Livestream</a:t>
+            </a:r>
+          </a:p>
+          <a:p>
+            <a:r>
+              <a:rPr lang="en-GB" dirty="0" err="1"/>
+              <a:t>Sensordaten</a:t>
+            </a:r>
+            <a:r>
+              <a:rPr lang="en-GB" dirty="0"/>
+              <a:t>; live </a:t>
+            </a:r>
+            <a:r>
+              <a:rPr lang="en-GB" dirty="0" err="1"/>
+              <a:t>Erstellung</a:t>
+            </a:r>
+            <a:r>
+              <a:rPr lang="en-GB" dirty="0"/>
+              <a:t>?</a:t>
+            </a:r>
+          </a:p>
+          <a:p>
+            <a:endParaRPr lang="en-DE" dirty="0"/>
+          </a:p>
+        </p:txBody>
+      </p:sp>
+      <p:sp>
+        <p:nvSpPr>
+          <p:cNvPr id="4" name="Slide Number Placeholder 3"/>
+          <p:cNvSpPr>
+            <a:spLocks noGrp="1"/>
+          </p:cNvSpPr>
+          <p:nvPr>
+            <p:ph type="sldNum" sz="quarter" idx="5"/>
+          </p:nvPr>
+        </p:nvSpPr>
+        <p:spPr/>
+        <p:txBody>
+          <a:bodyPr/>
+          <a:lstStyle/>
+          <a:p>
+            <a:fld id="{48049C7D-B603-4A2C-AE4B-7DE0572B7871}" type="slidenum">
+              <a:rPr lang="en-DE" smtClean="0"/>
+              <a:t>12</a:t>
+            </a:fld>
+            <a:endParaRPr lang="en-DE"/>
+          </a:p>
+        </p:txBody>
+      </p:sp>
+    </p:spTree>
+    <p:extLst>
+      <p:ext uri="{BB962C8B-B14F-4D97-AF65-F5344CB8AC3E}">
+        <p14:creationId xmlns:p14="http://schemas.microsoft.com/office/powerpoint/2010/main" val="3268490396"/>
+      </p:ext>
+    </p:extLst>
+  </p:cSld>
+  <p:clrMapOvr>
+    <a:masterClrMapping/>
+  </p:clrMapOvr>
+</p:notes>
+</file>
+
+<file path=ppt/notesSlides/notesSlide11.xml><?xml version="1.0" encoding="utf-8"?>
+<p:notes xmlns:a="http://schemas.openxmlformats.org/drawingml/2006/main" xmlns:r="http://schemas.openxmlformats.org/officeDocument/2006/relationships" xmlns:p="http://schemas.openxmlformats.org/presentationml/2006/main">
+  <p:cSld>
+    <p:spTree>
+      <p:nvGrpSpPr>
+        <p:cNvPr id="1" name="">
+          <a:extLst>
+            <a:ext uri="{FF2B5EF4-FFF2-40B4-BE49-F238E27FC236}">
+              <a16:creationId xmlns:a16="http://schemas.microsoft.com/office/drawing/2014/main" id="{ABF67CCF-0E4F-D4BB-1F99-84CC52F86378}"/>
+            </a:ext>
+          </a:extLst>
+        </p:cNvPr>
+        <p:cNvGrpSpPr/>
+        <p:nvPr/>
+      </p:nvGrpSpPr>
+      <p:grpSpPr>
+        <a:xfrm>
+          <a:off x="0" y="0"/>
+          <a:ext cx="0" cy="0"/>
+          <a:chOff x="0" y="0"/>
+          <a:chExt cx="0" cy="0"/>
+        </a:xfrm>
+      </p:grpSpPr>
+      <p:sp>
+        <p:nvSpPr>
+          <p:cNvPr id="2" name="Folienbildplatzhalter 1">
+            <a:extLst>
+              <a:ext uri="{FF2B5EF4-FFF2-40B4-BE49-F238E27FC236}">
+                <a16:creationId xmlns:a16="http://schemas.microsoft.com/office/drawing/2014/main" id="{885B7807-F593-FA53-8A00-4D43CA5A17C9}"/>
+              </a:ext>
+            </a:extLst>
+          </p:cNvPr>
+          <p:cNvSpPr>
+            <a:spLocks noGrp="1" noRot="1" noChangeAspect="1"/>
+          </p:cNvSpPr>
+          <p:nvPr>
+            <p:ph type="sldImg"/>
+          </p:nvPr>
+        </p:nvSpPr>
+        <p:spPr/>
+      </p:sp>
+      <p:sp>
+        <p:nvSpPr>
+          <p:cNvPr id="3" name="Notizenplatzhalter 2">
+            <a:extLst>
+              <a:ext uri="{FF2B5EF4-FFF2-40B4-BE49-F238E27FC236}">
+                <a16:creationId xmlns:a16="http://schemas.microsoft.com/office/drawing/2014/main" id="{FDACCE46-3DAF-7665-08AA-C9C7751B53E2}"/>
+              </a:ext>
+            </a:extLst>
+          </p:cNvPr>
+          <p:cNvSpPr>
+            <a:spLocks noGrp="1"/>
+          </p:cNvSpPr>
+          <p:nvPr>
+            <p:ph type="body" idx="1"/>
+          </p:nvPr>
+        </p:nvSpPr>
+        <p:spPr/>
+        <p:txBody>
+          <a:bodyPr/>
+          <a:lstStyle/>
+          <a:p>
+            <a:endParaRPr lang="de-DE" dirty="0"/>
+          </a:p>
+        </p:txBody>
+      </p:sp>
+      <p:sp>
+        <p:nvSpPr>
+          <p:cNvPr id="4" name="Foliennummernplatzhalter 3">
+            <a:extLst>
+              <a:ext uri="{FF2B5EF4-FFF2-40B4-BE49-F238E27FC236}">
+                <a16:creationId xmlns:a16="http://schemas.microsoft.com/office/drawing/2014/main" id="{DDE64D2D-FB3A-4B9A-1B28-3320D01FD250}"/>
+              </a:ext>
+            </a:extLst>
+          </p:cNvPr>
+          <p:cNvSpPr>
+            <a:spLocks noGrp="1"/>
+          </p:cNvSpPr>
+          <p:nvPr>
+            <p:ph type="sldNum" sz="quarter" idx="5"/>
+          </p:nvPr>
+        </p:nvSpPr>
+        <p:spPr/>
+        <p:txBody>
+          <a:bodyPr/>
+          <a:lstStyle/>
+          <a:p>
+            <a:fld id="{BC67351B-E45B-4709-8E94-9CF1CC87F31C}" type="slidenum">
+              <a:rPr lang="de-DE" smtClean="0"/>
+              <a:t>13</a:t>
+            </a:fld>
+            <a:endParaRPr lang="de-DE"/>
+          </a:p>
+        </p:txBody>
+      </p:sp>
+    </p:spTree>
+    <p:extLst>
+      <p:ext uri="{BB962C8B-B14F-4D97-AF65-F5344CB8AC3E}">
+        <p14:creationId xmlns:p14="http://schemas.microsoft.com/office/powerpoint/2010/main" val="2426939938"/>
       </p:ext>
     </p:extLst>
   </p:cSld>
@@ -13772,130 +16699,10 @@
   <p:cSld>
     <p:spTree>
       <p:nvGrpSpPr>
-        <p:cNvPr id="1" name=""/>
-        <p:cNvGrpSpPr/>
-        <p:nvPr/>
-      </p:nvGrpSpPr>
-      <p:grpSpPr>
-        <a:xfrm>
-          <a:off x="0" y="0"/>
-          <a:ext cx="0" cy="0"/>
-          <a:chOff x="0" y="0"/>
-          <a:chExt cx="0" cy="0"/>
-        </a:xfrm>
-      </p:grpSpPr>
-      <p:sp>
-        <p:nvSpPr>
-          <p:cNvPr id="2" name="Slide Image Placeholder 1"/>
-          <p:cNvSpPr>
-            <a:spLocks noGrp="1" noRot="1" noChangeAspect="1"/>
-          </p:cNvSpPr>
-          <p:nvPr>
-            <p:ph type="sldImg"/>
-          </p:nvPr>
-        </p:nvSpPr>
-        <p:spPr/>
-      </p:sp>
-      <p:sp>
-        <p:nvSpPr>
-          <p:cNvPr id="3" name="Notes Placeholder 2"/>
-          <p:cNvSpPr>
-            <a:spLocks noGrp="1"/>
-          </p:cNvSpPr>
-          <p:nvPr>
-            <p:ph type="body" idx="1"/>
-          </p:nvPr>
-        </p:nvSpPr>
-        <p:spPr/>
-        <p:txBody>
-          <a:bodyPr/>
-          <a:lstStyle/>
-          <a:p>
-            <a:r>
-              <a:rPr lang="en-GB" dirty="0"/>
-              <a:t>FPF</a:t>
-            </a:r>
-          </a:p>
-          <a:p>
-            <a:r>
-              <a:rPr lang="en-GB" dirty="0"/>
-              <a:t>Growing Cycles</a:t>
-            </a:r>
-          </a:p>
-          <a:p>
-            <a:r>
-              <a:rPr lang="en-GB" dirty="0"/>
-              <a:t>Camera + Livestream</a:t>
-            </a:r>
-          </a:p>
-          <a:p>
-            <a:r>
-              <a:rPr lang="en-GB" dirty="0" err="1"/>
-              <a:t>Sensordaten</a:t>
-            </a:r>
-            <a:r>
-              <a:rPr lang="en-GB" dirty="0"/>
-              <a:t>; live </a:t>
-            </a:r>
-            <a:r>
-              <a:rPr lang="en-GB" dirty="0" err="1"/>
-              <a:t>Erstellung</a:t>
-            </a:r>
-            <a:r>
-              <a:rPr lang="en-GB" dirty="0"/>
-              <a:t>?</a:t>
-            </a:r>
-          </a:p>
-          <a:p>
-            <a:endParaRPr lang="en-DE" dirty="0"/>
-          </a:p>
-        </p:txBody>
-      </p:sp>
-      <p:sp>
-        <p:nvSpPr>
-          <p:cNvPr id="4" name="Slide Number Placeholder 3"/>
-          <p:cNvSpPr>
-            <a:spLocks noGrp="1"/>
-          </p:cNvSpPr>
-          <p:nvPr>
-            <p:ph type="sldNum" sz="quarter" idx="5"/>
-          </p:nvPr>
-        </p:nvSpPr>
-        <p:spPr/>
-        <p:txBody>
-          <a:bodyPr/>
-          <a:lstStyle/>
-          <a:p>
-            <a:fld id="{48049C7D-B603-4A2C-AE4B-7DE0572B7871}" type="slidenum">
-              <a:rPr lang="en-DE" smtClean="0"/>
-              <a:t>10</a:t>
-            </a:fld>
-            <a:endParaRPr lang="en-DE"/>
-          </a:p>
-        </p:txBody>
-      </p:sp>
-    </p:spTree>
-    <p:extLst>
-      <p:ext uri="{BB962C8B-B14F-4D97-AF65-F5344CB8AC3E}">
-        <p14:creationId xmlns:p14="http://schemas.microsoft.com/office/powerpoint/2010/main" val="3268490396"/>
-      </p:ext>
-    </p:extLst>
-  </p:cSld>
-  <p:clrMapOvr>
-    <a:masterClrMapping/>
-  </p:clrMapOvr>
-</p:notes>
-</file>
-
-<file path=ppt/notesSlides/notesSlide9.xml><?xml version="1.0" encoding="utf-8"?>
-<p:notes xmlns:a="http://schemas.openxmlformats.org/drawingml/2006/main" xmlns:r="http://schemas.openxmlformats.org/officeDocument/2006/relationships" xmlns:p="http://schemas.openxmlformats.org/presentationml/2006/main">
-  <p:cSld>
-    <p:spTree>
-      <p:nvGrpSpPr>
         <p:cNvPr id="1" name="">
           <a:extLst>
             <a:ext uri="{FF2B5EF4-FFF2-40B4-BE49-F238E27FC236}">
-              <a16:creationId xmlns:a16="http://schemas.microsoft.com/office/drawing/2014/main" id="{ABF67CCF-0E4F-D4BB-1F99-84CC52F86378}"/>
+              <a16:creationId xmlns:a16="http://schemas.microsoft.com/office/drawing/2014/main" id="{171D6161-A5B9-83FD-886F-A54B2968F654}"/>
             </a:ext>
           </a:extLst>
         </p:cNvPr>
@@ -13915,7 +16722,7 @@
           <p:cNvPr id="2" name="Folienbildplatzhalter 1">
             <a:extLst>
               <a:ext uri="{FF2B5EF4-FFF2-40B4-BE49-F238E27FC236}">
-                <a16:creationId xmlns:a16="http://schemas.microsoft.com/office/drawing/2014/main" id="{885B7807-F593-FA53-8A00-4D43CA5A17C9}"/>
+                <a16:creationId xmlns:a16="http://schemas.microsoft.com/office/drawing/2014/main" id="{4BD12336-47D6-F4C5-1820-7F1E83C3C9A5}"/>
               </a:ext>
             </a:extLst>
           </p:cNvPr>
@@ -13933,7 +16740,7 @@
           <p:cNvPr id="3" name="Notizenplatzhalter 2">
             <a:extLst>
               <a:ext uri="{FF2B5EF4-FFF2-40B4-BE49-F238E27FC236}">
-                <a16:creationId xmlns:a16="http://schemas.microsoft.com/office/drawing/2014/main" id="{FDACCE46-3DAF-7665-08AA-C9C7751B53E2}"/>
+                <a16:creationId xmlns:a16="http://schemas.microsoft.com/office/drawing/2014/main" id="{21FDC912-F145-F3D9-023A-E14949F5C7B0}"/>
               </a:ext>
             </a:extLst>
           </p:cNvPr>
@@ -13949,6 +16756,141 @@
           <a:bodyPr/>
           <a:lstStyle/>
           <a:p>
+            <a:r>
+              <a:rPr lang="de-DE" dirty="0"/>
+              <a:t>Kamera in jedem FPF</a:t>
+            </a:r>
+          </a:p>
+          <a:p>
+            <a:r>
+              <a:rPr lang="de-DE" dirty="0"/>
+              <a:t>Livestream auf der FPF Seite </a:t>
+            </a:r>
+          </a:p>
+          <a:p>
+            <a:r>
+              <a:rPr lang="de-DE" dirty="0"/>
+              <a:t>Landingpage letztes Foto</a:t>
+            </a:r>
+          </a:p>
+        </p:txBody>
+      </p:sp>
+      <p:sp>
+        <p:nvSpPr>
+          <p:cNvPr id="4" name="Foliennummernplatzhalter 3">
+            <a:extLst>
+              <a:ext uri="{FF2B5EF4-FFF2-40B4-BE49-F238E27FC236}">
+                <a16:creationId xmlns:a16="http://schemas.microsoft.com/office/drawing/2014/main" id="{1C44DCD1-0E97-D87B-FA23-B44FE604C85B}"/>
+              </a:ext>
+            </a:extLst>
+          </p:cNvPr>
+          <p:cNvSpPr>
+            <a:spLocks noGrp="1"/>
+          </p:cNvSpPr>
+          <p:nvPr>
+            <p:ph type="sldNum" sz="quarter" idx="5"/>
+          </p:nvPr>
+        </p:nvSpPr>
+        <p:spPr/>
+        <p:txBody>
+          <a:bodyPr/>
+          <a:lstStyle/>
+          <a:p>
+            <a:fld id="{BC67351B-E45B-4709-8E94-9CF1CC87F31C}" type="slidenum">
+              <a:rPr lang="de-DE" smtClean="0"/>
+              <a:t>10</a:t>
+            </a:fld>
+            <a:endParaRPr lang="de-DE"/>
+          </a:p>
+        </p:txBody>
+      </p:sp>
+    </p:spTree>
+    <p:extLst>
+      <p:ext uri="{BB962C8B-B14F-4D97-AF65-F5344CB8AC3E}">
+        <p14:creationId xmlns:p14="http://schemas.microsoft.com/office/powerpoint/2010/main" val="2471921386"/>
+      </p:ext>
+    </p:extLst>
+  </p:cSld>
+  <p:clrMapOvr>
+    <a:masterClrMapping/>
+  </p:clrMapOvr>
+</p:notes>
+</file>
+
+<file path=ppt/notesSlides/notesSlide9.xml><?xml version="1.0" encoding="utf-8"?>
+<p:notes xmlns:a="http://schemas.openxmlformats.org/drawingml/2006/main" xmlns:r="http://schemas.openxmlformats.org/officeDocument/2006/relationships" xmlns:p="http://schemas.openxmlformats.org/presentationml/2006/main">
+  <p:cSld>
+    <p:spTree>
+      <p:nvGrpSpPr>
+        <p:cNvPr id="1" name="">
+          <a:extLst>
+            <a:ext uri="{FF2B5EF4-FFF2-40B4-BE49-F238E27FC236}">
+              <a16:creationId xmlns:a16="http://schemas.microsoft.com/office/drawing/2014/main" id="{A92A429F-9F2F-A1EE-0531-E9C17B4F828F}"/>
+            </a:ext>
+          </a:extLst>
+        </p:cNvPr>
+        <p:cNvGrpSpPr/>
+        <p:nvPr/>
+      </p:nvGrpSpPr>
+      <p:grpSpPr>
+        <a:xfrm>
+          <a:off x="0" y="0"/>
+          <a:ext cx="0" cy="0"/>
+          <a:chOff x="0" y="0"/>
+          <a:chExt cx="0" cy="0"/>
+        </a:xfrm>
+      </p:grpSpPr>
+      <p:sp>
+        <p:nvSpPr>
+          <p:cNvPr id="2" name="Folienbildplatzhalter 1">
+            <a:extLst>
+              <a:ext uri="{FF2B5EF4-FFF2-40B4-BE49-F238E27FC236}">
+                <a16:creationId xmlns:a16="http://schemas.microsoft.com/office/drawing/2014/main" id="{2F1807F2-FF7A-1294-E31B-C54AFFBB23DC}"/>
+              </a:ext>
+            </a:extLst>
+          </p:cNvPr>
+          <p:cNvSpPr>
+            <a:spLocks noGrp="1" noRot="1" noChangeAspect="1"/>
+          </p:cNvSpPr>
+          <p:nvPr>
+            <p:ph type="sldImg"/>
+          </p:nvPr>
+        </p:nvSpPr>
+        <p:spPr/>
+      </p:sp>
+      <p:sp>
+        <p:nvSpPr>
+          <p:cNvPr id="3" name="Notizenplatzhalter 2">
+            <a:extLst>
+              <a:ext uri="{FF2B5EF4-FFF2-40B4-BE49-F238E27FC236}">
+                <a16:creationId xmlns:a16="http://schemas.microsoft.com/office/drawing/2014/main" id="{E90DFEDF-EEFF-1DAF-B15F-86BF7FE85303}"/>
+              </a:ext>
+            </a:extLst>
+          </p:cNvPr>
+          <p:cNvSpPr>
+            <a:spLocks noGrp="1"/>
+          </p:cNvSpPr>
+          <p:nvPr>
+            <p:ph type="body" idx="1"/>
+          </p:nvPr>
+        </p:nvSpPr>
+        <p:spPr/>
+        <p:txBody>
+          <a:bodyPr/>
+          <a:lstStyle/>
+          <a:p>
+            <a:r>
+              <a:rPr lang="de-DE" dirty="0"/>
+              <a:t>Jede Pflanze hat eigenen Growing Cycle</a:t>
+            </a:r>
+          </a:p>
+          <a:p>
+            <a:r>
+              <a:rPr lang="de-DE" dirty="0"/>
+              <a:t>Info über die Pflanze...</a:t>
+            </a:r>
+          </a:p>
+          <a:p>
             <a:endParaRPr lang="de-DE" dirty="0"/>
           </a:p>
         </p:txBody>
@@ -13958,7 +16900,7 @@
           <p:cNvPr id="4" name="Foliennummernplatzhalter 3">
             <a:extLst>
               <a:ext uri="{FF2B5EF4-FFF2-40B4-BE49-F238E27FC236}">
-                <a16:creationId xmlns:a16="http://schemas.microsoft.com/office/drawing/2014/main" id="{DDE64D2D-FB3A-4B9A-1B28-3320D01FD250}"/>
+                <a16:creationId xmlns:a16="http://schemas.microsoft.com/office/drawing/2014/main" id="{0C82DE51-7E18-70F5-ED8C-E5A4BE85E6C1}"/>
               </a:ext>
             </a:extLst>
           </p:cNvPr>
@@ -13985,7 +16927,7 @@
     </p:spTree>
     <p:extLst>
       <p:ext uri="{BB962C8B-B14F-4D97-AF65-F5344CB8AC3E}">
-        <p14:creationId xmlns:p14="http://schemas.microsoft.com/office/powerpoint/2010/main" val="2426939938"/>
+        <p14:creationId xmlns:p14="http://schemas.microsoft.com/office/powerpoint/2010/main" val="2551842775"/>
       </p:ext>
     </p:extLst>
   </p:cSld>
@@ -14142,9 +17084,9 @@
           <a:bodyPr/>
           <a:lstStyle/>
           <a:p>
-            <a:fld id="{1840A981-62CE-419E-8A97-ABADD0C83C9C}" type="datetimeFigureOut">
+            <a:fld id="{A5D81E0F-4E68-4CE8-8828-54D6C75DDB90}" type="datetime8">
               <a:rPr lang="en-DE" smtClean="0"/>
-              <a:t>18/12/2024</a:t>
+              <a:t>19/12/2024 12:30</a:t>
             </a:fld>
             <a:endParaRPr lang="en-DE"/>
           </a:p>
@@ -14342,9 +17284,9 @@
           <a:bodyPr/>
           <a:lstStyle/>
           <a:p>
-            <a:fld id="{1840A981-62CE-419E-8A97-ABADD0C83C9C}" type="datetimeFigureOut">
+            <a:fld id="{4E58E480-F3F3-4A3D-88C2-864437B674B8}" type="datetime8">
               <a:rPr lang="en-DE" smtClean="0"/>
-              <a:t>18/12/2024</a:t>
+              <a:t>19/12/2024 12:30</a:t>
             </a:fld>
             <a:endParaRPr lang="en-DE"/>
           </a:p>
@@ -14552,9 +17494,9 @@
           <a:bodyPr/>
           <a:lstStyle/>
           <a:p>
-            <a:fld id="{1840A981-62CE-419E-8A97-ABADD0C83C9C}" type="datetimeFigureOut">
+            <a:fld id="{A3311B0C-8E72-4A6F-A698-656B0FC33321}" type="datetime8">
               <a:rPr lang="en-DE" smtClean="0"/>
-              <a:t>18/12/2024</a:t>
+              <a:t>19/12/2024 12:30</a:t>
             </a:fld>
             <a:endParaRPr lang="en-DE"/>
           </a:p>
@@ -14684,10 +17626,11 @@
             </a:lvl1pPr>
           </a:lstStyle>
           <a:p>
-            <a:r>
-              <a:rPr lang="de-DE" dirty="0"/>
-              <a:t>Theo, Julian, Tom, Marius, Mattes</a:t>
-            </a:r>
+            <a:fld id="{DF644728-5C72-4053-95FD-5EF3C89A4A47}" type="datetime8">
+              <a:rPr lang="en-DE" smtClean="0"/>
+              <a:t>19/12/2024 12:30</a:t>
+            </a:fld>
+            <a:endParaRPr lang="de-DE" dirty="0"/>
           </a:p>
         </p:txBody>
       </p:sp>
@@ -14862,9 +17805,9 @@
           <a:bodyPr/>
           <a:lstStyle/>
           <a:p>
-            <a:fld id="{1840A981-62CE-419E-8A97-ABADD0C83C9C}" type="datetimeFigureOut">
+            <a:fld id="{5897E524-F085-46F6-8B32-C28ED3A5A658}" type="datetime8">
               <a:rPr lang="en-DE" smtClean="0"/>
-              <a:t>18/12/2024</a:t>
+              <a:t>19/12/2024 12:30</a:t>
             </a:fld>
             <a:endParaRPr lang="en-DE"/>
           </a:p>
@@ -15138,9 +18081,9 @@
           <a:bodyPr/>
           <a:lstStyle/>
           <a:p>
-            <a:fld id="{1840A981-62CE-419E-8A97-ABADD0C83C9C}" type="datetimeFigureOut">
+            <a:fld id="{0CCA43D1-E13F-4229-A291-D8491EBC9C3D}" type="datetime8">
               <a:rPr lang="en-DE" smtClean="0"/>
-              <a:t>18/12/2024</a:t>
+              <a:t>19/12/2024 12:30</a:t>
             </a:fld>
             <a:endParaRPr lang="en-DE"/>
           </a:p>
@@ -15406,9 +18349,9 @@
           <a:bodyPr/>
           <a:lstStyle/>
           <a:p>
-            <a:fld id="{1840A981-62CE-419E-8A97-ABADD0C83C9C}" type="datetimeFigureOut">
+            <a:fld id="{7539FF87-0187-4E49-9D5A-4A03DCB0DE0D}" type="datetime8">
               <a:rPr lang="en-DE" smtClean="0"/>
-              <a:t>18/12/2024</a:t>
+              <a:t>19/12/2024 12:30</a:t>
             </a:fld>
             <a:endParaRPr lang="en-DE"/>
           </a:p>
@@ -15821,9 +18764,9 @@
           <a:bodyPr/>
           <a:lstStyle/>
           <a:p>
-            <a:fld id="{1840A981-62CE-419E-8A97-ABADD0C83C9C}" type="datetimeFigureOut">
+            <a:fld id="{439F671A-FCE1-45E8-9D34-6D942AACFFEE}" type="datetime8">
               <a:rPr lang="en-DE" smtClean="0"/>
-              <a:t>18/12/2024</a:t>
+              <a:t>19/12/2024 12:30</a:t>
             </a:fld>
             <a:endParaRPr lang="en-DE"/>
           </a:p>
@@ -15963,9 +18906,9 @@
           <a:bodyPr/>
           <a:lstStyle/>
           <a:p>
-            <a:fld id="{1840A981-62CE-419E-8A97-ABADD0C83C9C}" type="datetimeFigureOut">
+            <a:fld id="{8F68C19D-6255-4106-96E1-081C17A75E18}" type="datetime8">
               <a:rPr lang="en-DE" smtClean="0"/>
-              <a:t>18/12/2024</a:t>
+              <a:t>19/12/2024 12:30</a:t>
             </a:fld>
             <a:endParaRPr lang="en-DE"/>
           </a:p>
@@ -16076,9 +19019,9 @@
           <a:bodyPr/>
           <a:lstStyle/>
           <a:p>
-            <a:fld id="{1840A981-62CE-419E-8A97-ABADD0C83C9C}" type="datetimeFigureOut">
+            <a:fld id="{115B2572-9211-46DA-96C4-C5E3E023A89B}" type="datetime8">
               <a:rPr lang="en-DE" smtClean="0"/>
-              <a:t>18/12/2024</a:t>
+              <a:t>19/12/2024 12:30</a:t>
             </a:fld>
             <a:endParaRPr lang="en-DE"/>
           </a:p>
@@ -16389,9 +19332,9 @@
           <a:bodyPr/>
           <a:lstStyle/>
           <a:p>
-            <a:fld id="{1840A981-62CE-419E-8A97-ABADD0C83C9C}" type="datetimeFigureOut">
+            <a:fld id="{9F64BFF5-B1C9-4888-814D-1B07F3229589}" type="datetime8">
               <a:rPr lang="en-DE" smtClean="0"/>
-              <a:t>18/12/2024</a:t>
+              <a:t>19/12/2024 12:30</a:t>
             </a:fld>
             <a:endParaRPr lang="en-DE"/>
           </a:p>
@@ -16678,9 +19621,9 @@
           <a:bodyPr/>
           <a:lstStyle/>
           <a:p>
-            <a:fld id="{1840A981-62CE-419E-8A97-ABADD0C83C9C}" type="datetimeFigureOut">
+            <a:fld id="{F96DB6B9-4495-46BA-A75E-6DBE2CC17318}" type="datetime8">
               <a:rPr lang="en-DE" smtClean="0"/>
-              <a:t>18/12/2024</a:t>
+              <a:t>19/12/2024 12:30</a:t>
             </a:fld>
             <a:endParaRPr lang="en-DE"/>
           </a:p>
@@ -16921,9 +19864,9 @@
             </a:lvl1pPr>
           </a:lstStyle>
           <a:p>
-            <a:fld id="{1840A981-62CE-419E-8A97-ABADD0C83C9C}" type="datetimeFigureOut">
+            <a:fld id="{FD0E2709-329A-4BA3-A375-E799A3BB86DE}" type="datetime8">
               <a:rPr lang="en-DE" smtClean="0"/>
-              <a:t>18/12/2024</a:t>
+              <a:t>19/12/2024 12:30</a:t>
             </a:fld>
             <a:endParaRPr lang="en-DE"/>
           </a:p>
@@ -17041,6 +19984,7 @@
     <p:sldLayoutId id="2147483659" r:id="rId11"/>
     <p:sldLayoutId id="2147483660" r:id="rId12"/>
   </p:sldLayoutIdLst>
+  <p:hf hdr="0" ftr="0" dt="0"/>
   <p:txStyles>
     <p:titleStyle>
       <a:lvl1pPr algn="l" defTabSz="914400" rtl="0" eaLnBrk="1" latinLnBrk="0" hangingPunct="1">
@@ -17446,6 +20390,300 @@
         <p:cNvPr id="1" name="">
           <a:extLst>
             <a:ext uri="{FF2B5EF4-FFF2-40B4-BE49-F238E27FC236}">
+              <a16:creationId xmlns:a16="http://schemas.microsoft.com/office/drawing/2014/main" id="{C57E540C-F6AF-4B9A-8EBE-903BE743161A}"/>
+            </a:ext>
+          </a:extLst>
+        </p:cNvPr>
+        <p:cNvGrpSpPr/>
+        <p:nvPr/>
+      </p:nvGrpSpPr>
+      <p:grpSpPr>
+        <a:xfrm>
+          <a:off x="0" y="0"/>
+          <a:ext cx="0" cy="0"/>
+          <a:chOff x="0" y="0"/>
+          <a:chExt cx="0" cy="0"/>
+        </a:xfrm>
+      </p:grpSpPr>
+      <p:sp>
+        <p:nvSpPr>
+          <p:cNvPr id="2" name="Titel 1">
+            <a:extLst>
+              <a:ext uri="{FF2B5EF4-FFF2-40B4-BE49-F238E27FC236}">
+                <a16:creationId xmlns:a16="http://schemas.microsoft.com/office/drawing/2014/main" id="{4187940D-D27D-6757-3CD8-D8A85019F105}"/>
+              </a:ext>
+            </a:extLst>
+          </p:cNvPr>
+          <p:cNvSpPr>
+            <a:spLocks noGrp="1"/>
+          </p:cNvSpPr>
+          <p:nvPr>
+            <p:ph type="title"/>
+          </p:nvPr>
+        </p:nvSpPr>
+        <p:spPr/>
+        <p:txBody>
+          <a:bodyPr/>
+          <a:lstStyle/>
+          <a:p>
+            <a:r>
+              <a:rPr lang="de-DE" dirty="0"/>
+              <a:t>Sprachfeature</a:t>
+            </a:r>
+          </a:p>
+        </p:txBody>
+      </p:sp>
+      <p:sp>
+        <p:nvSpPr>
+          <p:cNvPr id="4" name="Flussdiagramm: Verbinder 3">
+            <a:extLst>
+              <a:ext uri="{FF2B5EF4-FFF2-40B4-BE49-F238E27FC236}">
+                <a16:creationId xmlns:a16="http://schemas.microsoft.com/office/drawing/2014/main" id="{1D8CBDA8-5A84-82F2-46C8-932F3E7C9478}"/>
+              </a:ext>
+            </a:extLst>
+          </p:cNvPr>
+          <p:cNvSpPr/>
+          <p:nvPr/>
+        </p:nvSpPr>
+        <p:spPr>
+          <a:xfrm>
+            <a:off x="5867400" y="216058"/>
+            <a:ext cx="457200" cy="457200"/>
+          </a:xfrm>
+          <a:prstGeom prst="flowChartConnector">
+            <a:avLst/>
+          </a:prstGeom>
+          <a:solidFill>
+            <a:schemeClr val="tx1"/>
+          </a:solidFill>
+          <a:ln>
+            <a:solidFill>
+              <a:schemeClr val="tx1"/>
+            </a:solidFill>
+          </a:ln>
+        </p:spPr>
+        <p:style>
+          <a:lnRef idx="2">
+            <a:schemeClr val="accent1">
+              <a:shade val="15000"/>
+            </a:schemeClr>
+          </a:lnRef>
+          <a:fillRef idx="1">
+            <a:schemeClr val="accent1"/>
+          </a:fillRef>
+          <a:effectRef idx="0">
+            <a:schemeClr val="accent1"/>
+          </a:effectRef>
+          <a:fontRef idx="minor">
+            <a:schemeClr val="lt1"/>
+          </a:fontRef>
+        </p:style>
+        <p:txBody>
+          <a:bodyPr rtlCol="0" anchor="ctr"/>
+          <a:lstStyle/>
+          <a:p>
+            <a:pPr algn="ctr"/>
+            <a:endParaRPr lang="de-DE" dirty="0"/>
+          </a:p>
+        </p:txBody>
+      </p:sp>
+      <p:sp>
+        <p:nvSpPr>
+          <p:cNvPr id="7" name="Slide Number Placeholder 6">
+            <a:extLst>
+              <a:ext uri="{FF2B5EF4-FFF2-40B4-BE49-F238E27FC236}">
+                <a16:creationId xmlns:a16="http://schemas.microsoft.com/office/drawing/2014/main" id="{DBDAEE5D-2DE8-C983-40B9-F2BA5BF8B69C}"/>
+              </a:ext>
+            </a:extLst>
+          </p:cNvPr>
+          <p:cNvSpPr>
+            <a:spLocks noGrp="1"/>
+          </p:cNvSpPr>
+          <p:nvPr>
+            <p:ph type="sldNum" sz="quarter" idx="12"/>
+          </p:nvPr>
+        </p:nvSpPr>
+        <p:spPr/>
+        <p:txBody>
+          <a:bodyPr/>
+          <a:lstStyle/>
+          <a:p>
+            <a:fld id="{D29B1B67-2D59-4ACC-8383-4A72F54DCDA7}" type="slidenum">
+              <a:rPr lang="en-DE" smtClean="0"/>
+              <a:t>10</a:t>
+            </a:fld>
+            <a:endParaRPr lang="en-DE"/>
+          </a:p>
+        </p:txBody>
+      </p:sp>
+    </p:spTree>
+    <p:extLst>
+      <p:ext uri="{BB962C8B-B14F-4D97-AF65-F5344CB8AC3E}">
+        <p14:creationId xmlns:p14="http://schemas.microsoft.com/office/powerpoint/2010/main" val="566966151"/>
+      </p:ext>
+    </p:extLst>
+  </p:cSld>
+  <p:clrMapOvr>
+    <a:masterClrMapping/>
+  </p:clrMapOvr>
+</p:sld>
+</file>
+
+<file path=ppt/slides/slide11.xml><?xml version="1.0" encoding="utf-8"?>
+<p:sld xmlns:a="http://schemas.openxmlformats.org/drawingml/2006/main" xmlns:r="http://schemas.openxmlformats.org/officeDocument/2006/relationships" xmlns:p="http://schemas.openxmlformats.org/presentationml/2006/main">
+  <p:cSld>
+    <p:spTree>
+      <p:nvGrpSpPr>
+        <p:cNvPr id="1" name="">
+          <a:extLst>
+            <a:ext uri="{FF2B5EF4-FFF2-40B4-BE49-F238E27FC236}">
+              <a16:creationId xmlns:a16="http://schemas.microsoft.com/office/drawing/2014/main" id="{45E9EA92-1A79-A2C1-9C1C-3323FF83D569}"/>
+            </a:ext>
+          </a:extLst>
+        </p:cNvPr>
+        <p:cNvGrpSpPr/>
+        <p:nvPr/>
+      </p:nvGrpSpPr>
+      <p:grpSpPr>
+        <a:xfrm>
+          <a:off x="0" y="0"/>
+          <a:ext cx="0" cy="0"/>
+          <a:chOff x="0" y="0"/>
+          <a:chExt cx="0" cy="0"/>
+        </a:xfrm>
+      </p:grpSpPr>
+      <p:sp>
+        <p:nvSpPr>
+          <p:cNvPr id="2" name="Titel 1">
+            <a:extLst>
+              <a:ext uri="{FF2B5EF4-FFF2-40B4-BE49-F238E27FC236}">
+                <a16:creationId xmlns:a16="http://schemas.microsoft.com/office/drawing/2014/main" id="{2E945270-70F5-E548-E613-AEC655B61D5D}"/>
+              </a:ext>
+            </a:extLst>
+          </p:cNvPr>
+          <p:cNvSpPr>
+            <a:spLocks noGrp="1"/>
+          </p:cNvSpPr>
+          <p:nvPr>
+            <p:ph type="title"/>
+          </p:nvPr>
+        </p:nvSpPr>
+        <p:spPr/>
+        <p:txBody>
+          <a:bodyPr/>
+          <a:lstStyle/>
+          <a:p>
+            <a:r>
+              <a:rPr lang="de-DE" dirty="0"/>
+              <a:t>User Management</a:t>
+            </a:r>
+          </a:p>
+        </p:txBody>
+      </p:sp>
+      <p:sp>
+        <p:nvSpPr>
+          <p:cNvPr id="4" name="Flussdiagramm: Verbinder 3">
+            <a:extLst>
+              <a:ext uri="{FF2B5EF4-FFF2-40B4-BE49-F238E27FC236}">
+                <a16:creationId xmlns:a16="http://schemas.microsoft.com/office/drawing/2014/main" id="{5BC0C06E-E4A1-F46D-1110-85E6E7CB8DB6}"/>
+              </a:ext>
+            </a:extLst>
+          </p:cNvPr>
+          <p:cNvSpPr/>
+          <p:nvPr/>
+        </p:nvSpPr>
+        <p:spPr>
+          <a:xfrm>
+            <a:off x="5867400" y="6264275"/>
+            <a:ext cx="457200" cy="457200"/>
+          </a:xfrm>
+          <a:prstGeom prst="flowChartConnector">
+            <a:avLst/>
+          </a:prstGeom>
+          <a:solidFill>
+            <a:schemeClr val="tx1"/>
+          </a:solidFill>
+          <a:ln>
+            <a:solidFill>
+              <a:schemeClr val="tx1"/>
+            </a:solidFill>
+          </a:ln>
+        </p:spPr>
+        <p:style>
+          <a:lnRef idx="2">
+            <a:schemeClr val="accent1">
+              <a:shade val="15000"/>
+            </a:schemeClr>
+          </a:lnRef>
+          <a:fillRef idx="1">
+            <a:schemeClr val="accent1"/>
+          </a:fillRef>
+          <a:effectRef idx="0">
+            <a:schemeClr val="accent1"/>
+          </a:effectRef>
+          <a:fontRef idx="minor">
+            <a:schemeClr val="lt1"/>
+          </a:fontRef>
+        </p:style>
+        <p:txBody>
+          <a:bodyPr rtlCol="0" anchor="ctr"/>
+          <a:lstStyle/>
+          <a:p>
+            <a:pPr algn="ctr"/>
+            <a:endParaRPr lang="de-DE" dirty="0"/>
+          </a:p>
+        </p:txBody>
+      </p:sp>
+      <p:sp>
+        <p:nvSpPr>
+          <p:cNvPr id="6" name="Slide Number Placeholder 5">
+            <a:extLst>
+              <a:ext uri="{FF2B5EF4-FFF2-40B4-BE49-F238E27FC236}">
+                <a16:creationId xmlns:a16="http://schemas.microsoft.com/office/drawing/2014/main" id="{8B8425EC-CFA9-1878-AB53-E3C7CDCB0A83}"/>
+              </a:ext>
+            </a:extLst>
+          </p:cNvPr>
+          <p:cNvSpPr>
+            <a:spLocks noGrp="1"/>
+          </p:cNvSpPr>
+          <p:nvPr>
+            <p:ph type="sldNum" sz="quarter" idx="12"/>
+          </p:nvPr>
+        </p:nvSpPr>
+        <p:spPr/>
+        <p:txBody>
+          <a:bodyPr/>
+          <a:lstStyle/>
+          <a:p>
+            <a:fld id="{D29B1B67-2D59-4ACC-8383-4A72F54DCDA7}" type="slidenum">
+              <a:rPr lang="en-DE" smtClean="0"/>
+              <a:t>11</a:t>
+            </a:fld>
+            <a:endParaRPr lang="en-DE"/>
+          </a:p>
+        </p:txBody>
+      </p:sp>
+    </p:spTree>
+    <p:extLst>
+      <p:ext uri="{BB962C8B-B14F-4D97-AF65-F5344CB8AC3E}">
+        <p14:creationId xmlns:p14="http://schemas.microsoft.com/office/powerpoint/2010/main" val="1289820216"/>
+      </p:ext>
+    </p:extLst>
+  </p:cSld>
+  <p:clrMapOvr>
+    <a:masterClrMapping/>
+  </p:clrMapOvr>
+</p:sld>
+</file>
+
+<file path=ppt/slides/slide12.xml><?xml version="1.0" encoding="utf-8"?>
+<p:sld xmlns:a="http://schemas.openxmlformats.org/drawingml/2006/main" xmlns:r="http://schemas.openxmlformats.org/officeDocument/2006/relationships" xmlns:p="http://schemas.openxmlformats.org/presentationml/2006/main">
+  <p:cSld>
+    <p:spTree>
+      <p:nvGrpSpPr>
+        <p:cNvPr id="1" name="">
+          <a:extLst>
+            <a:ext uri="{FF2B5EF4-FFF2-40B4-BE49-F238E27FC236}">
               <a16:creationId xmlns:a16="http://schemas.microsoft.com/office/drawing/2014/main" id="{DB380732-5DBA-8892-2F07-0F21E7BAA650}"/>
             </a:ext>
           </a:extLst>
@@ -17642,6 +20880,35 @@
           </a:p>
         </p:txBody>
       </p:sp>
+      <p:sp>
+        <p:nvSpPr>
+          <p:cNvPr id="6" name="Slide Number Placeholder 5">
+            <a:extLst>
+              <a:ext uri="{FF2B5EF4-FFF2-40B4-BE49-F238E27FC236}">
+                <a16:creationId xmlns:a16="http://schemas.microsoft.com/office/drawing/2014/main" id="{F1593081-F8A0-EC6D-6C52-4B772803F767}"/>
+              </a:ext>
+            </a:extLst>
+          </p:cNvPr>
+          <p:cNvSpPr>
+            <a:spLocks noGrp="1"/>
+          </p:cNvSpPr>
+          <p:nvPr>
+            <p:ph type="sldNum" sz="quarter" idx="12"/>
+          </p:nvPr>
+        </p:nvSpPr>
+        <p:spPr/>
+        <p:txBody>
+          <a:bodyPr/>
+          <a:lstStyle/>
+          <a:p>
+            <a:fld id="{D29B1B67-2D59-4ACC-8383-4A72F54DCDA7}" type="slidenum">
+              <a:rPr lang="en-DE" smtClean="0"/>
+              <a:t>12</a:t>
+            </a:fld>
+            <a:endParaRPr lang="en-DE"/>
+          </a:p>
+        </p:txBody>
+      </p:sp>
     </p:spTree>
     <p:extLst>
       <p:ext uri="{BB962C8B-B14F-4D97-AF65-F5344CB8AC3E}">
@@ -17655,7 +20922,7 @@
 </p:sld>
 </file>
 
-<file path=ppt/slides/slide11.xml><?xml version="1.0" encoding="utf-8"?>
+<file path=ppt/slides/slide13.xml><?xml version="1.0" encoding="utf-8"?>
 <p:sld xmlns:a="http://schemas.openxmlformats.org/drawingml/2006/main" xmlns:r="http://schemas.openxmlformats.org/officeDocument/2006/relationships" xmlns:p="http://schemas.openxmlformats.org/presentationml/2006/main">
   <p:cSld>
     <p:spTree>
@@ -17880,6 +21147,71 @@
           </a:graphicData>
         </a:graphic>
       </p:graphicFrame>
+      <p:graphicFrame>
+        <p:nvGraphicFramePr>
+          <p:cNvPr id="4" name="Diagramm 5">
+            <a:extLst>
+              <a:ext uri="{FF2B5EF4-FFF2-40B4-BE49-F238E27FC236}">
+                <a16:creationId xmlns:a16="http://schemas.microsoft.com/office/drawing/2014/main" id="{C087857E-FF66-F31C-6A3C-A8C3F7A882C4}"/>
+              </a:ext>
+            </a:extLst>
+          </p:cNvPr>
+          <p:cNvGraphicFramePr/>
+          <p:nvPr>
+            <p:extLst>
+              <p:ext uri="{D42A27DB-BD31-4B8C-83A1-F6EECF244321}">
+                <p14:modId xmlns:p14="http://schemas.microsoft.com/office/powerpoint/2010/main" val="3083179361"/>
+              </p:ext>
+            </p:extLst>
+          </p:nvPr>
+        </p:nvGraphicFramePr>
+        <p:xfrm>
+          <a:off x="4200253" y="1686671"/>
+          <a:ext cx="2804504" cy="3918792"/>
+        </p:xfrm>
+        <a:graphic>
+          <a:graphicData uri="http://schemas.openxmlformats.org/drawingml/2006/diagram">
+            <dgm:relIds xmlns:dgm="http://schemas.openxmlformats.org/drawingml/2006/diagram" xmlns:r="http://schemas.openxmlformats.org/officeDocument/2006/relationships" r:dm="rId10" r:lo="rId11" r:qs="rId12" r:cs="rId13"/>
+          </a:graphicData>
+        </a:graphic>
+      </p:graphicFrame>
+      <p:sp>
+        <p:nvSpPr>
+          <p:cNvPr id="5" name="Slide Number Placeholder 4">
+            <a:extLst>
+              <a:ext uri="{FF2B5EF4-FFF2-40B4-BE49-F238E27FC236}">
+                <a16:creationId xmlns:a16="http://schemas.microsoft.com/office/drawing/2014/main" id="{0256B94F-F0E5-AFE1-E7DA-DDE0D4EE43AD}"/>
+              </a:ext>
+            </a:extLst>
+          </p:cNvPr>
+          <p:cNvSpPr>
+            <a:spLocks noGrp="1"/>
+          </p:cNvSpPr>
+          <p:nvPr>
+            <p:ph type="sldNum" sz="quarter" idx="12"/>
+          </p:nvPr>
+        </p:nvSpPr>
+        <p:spPr/>
+        <p:txBody>
+          <a:bodyPr/>
+          <a:lstStyle/>
+          <a:p>
+            <a:fld id="{D29B1B67-2D59-4ACC-8383-4A72F54DCDA7}" type="slidenum">
+              <a:rPr lang="en-DE" smtClean="0">
+                <a:solidFill>
+                  <a:schemeClr val="tx1"/>
+                </a:solidFill>
+              </a:rPr>
+              <a:t>13</a:t>
+            </a:fld>
+            <a:endParaRPr lang="en-DE" dirty="0">
+              <a:solidFill>
+                <a:schemeClr val="tx1"/>
+              </a:solidFill>
+            </a:endParaRPr>
+          </a:p>
+        </p:txBody>
+      </p:sp>
     </p:spTree>
     <p:extLst>
       <p:ext uri="{BB962C8B-B14F-4D97-AF65-F5344CB8AC3E}">
@@ -17893,7 +21225,7 @@
 </p:sld>
 </file>
 
-<file path=ppt/slides/slide12.xml><?xml version="1.0" encoding="utf-8"?>
+<file path=ppt/slides/slide14.xml><?xml version="1.0" encoding="utf-8"?>
 <p:sld xmlns:a="http://schemas.openxmlformats.org/drawingml/2006/main" xmlns:r="http://schemas.openxmlformats.org/officeDocument/2006/relationships" xmlns:p="http://schemas.openxmlformats.org/presentationml/2006/main">
   <p:cSld>
     <p:spTree>
@@ -18143,6 +21475,35 @@
               <a:t>?</a:t>
             </a:r>
             <a:endParaRPr lang="de-DE" sz="2000" dirty="0"/>
+          </a:p>
+        </p:txBody>
+      </p:sp>
+      <p:sp>
+        <p:nvSpPr>
+          <p:cNvPr id="5" name="Slide Number Placeholder 4">
+            <a:extLst>
+              <a:ext uri="{FF2B5EF4-FFF2-40B4-BE49-F238E27FC236}">
+                <a16:creationId xmlns:a16="http://schemas.microsoft.com/office/drawing/2014/main" id="{32FA0BEE-B3F1-DE96-0AF4-F360F683E9BC}"/>
+              </a:ext>
+            </a:extLst>
+          </p:cNvPr>
+          <p:cNvSpPr>
+            <a:spLocks noGrp="1"/>
+          </p:cNvSpPr>
+          <p:nvPr>
+            <p:ph type="sldNum" sz="quarter" idx="12"/>
+          </p:nvPr>
+        </p:nvSpPr>
+        <p:spPr/>
+        <p:txBody>
+          <a:bodyPr/>
+          <a:lstStyle/>
+          <a:p>
+            <a:fld id="{D29B1B67-2D59-4ACC-8383-4A72F54DCDA7}" type="slidenum">
+              <a:rPr lang="en-DE" smtClean="0"/>
+              <a:t>2</a:t>
+            </a:fld>
+            <a:endParaRPr lang="en-DE"/>
           </a:p>
         </p:txBody>
       </p:sp>
@@ -18432,6 +21793,43 @@
           </a:custGeom>
         </p:spPr>
       </p:pic>
+      <p:sp>
+        <p:nvSpPr>
+          <p:cNvPr id="4" name="Slide Number Placeholder 3">
+            <a:extLst>
+              <a:ext uri="{FF2B5EF4-FFF2-40B4-BE49-F238E27FC236}">
+                <a16:creationId xmlns:a16="http://schemas.microsoft.com/office/drawing/2014/main" id="{ED01361F-E6E5-013D-794B-C27FDC4BB735}"/>
+              </a:ext>
+            </a:extLst>
+          </p:cNvPr>
+          <p:cNvSpPr>
+            <a:spLocks noGrp="1"/>
+          </p:cNvSpPr>
+          <p:nvPr>
+            <p:ph type="sldNum" sz="quarter" idx="12"/>
+          </p:nvPr>
+        </p:nvSpPr>
+        <p:spPr/>
+        <p:txBody>
+          <a:bodyPr/>
+          <a:lstStyle/>
+          <a:p>
+            <a:fld id="{D29B1B67-2D59-4ACC-8383-4A72F54DCDA7}" type="slidenum">
+              <a:rPr lang="en-DE" smtClean="0">
+                <a:solidFill>
+                  <a:schemeClr val="bg1"/>
+                </a:solidFill>
+              </a:rPr>
+              <a:t>3</a:t>
+            </a:fld>
+            <a:endParaRPr lang="en-DE" dirty="0">
+              <a:solidFill>
+                <a:schemeClr val="bg1"/>
+              </a:solidFill>
+            </a:endParaRPr>
+          </a:p>
+        </p:txBody>
+      </p:sp>
     </p:spTree>
     <p:extLst>
       <p:ext uri="{BB962C8B-B14F-4D97-AF65-F5344CB8AC3E}">
@@ -18647,6 +22045,43 @@
           </a:graphicData>
         </a:graphic>
       </p:graphicFrame>
+      <p:sp>
+        <p:nvSpPr>
+          <p:cNvPr id="4" name="Slide Number Placeholder 3">
+            <a:extLst>
+              <a:ext uri="{FF2B5EF4-FFF2-40B4-BE49-F238E27FC236}">
+                <a16:creationId xmlns:a16="http://schemas.microsoft.com/office/drawing/2014/main" id="{1A6454A4-A68F-9D86-8A39-B0477E089533}"/>
+              </a:ext>
+            </a:extLst>
+          </p:cNvPr>
+          <p:cNvSpPr>
+            <a:spLocks noGrp="1"/>
+          </p:cNvSpPr>
+          <p:nvPr>
+            <p:ph type="sldNum" sz="quarter" idx="12"/>
+          </p:nvPr>
+        </p:nvSpPr>
+        <p:spPr/>
+        <p:txBody>
+          <a:bodyPr/>
+          <a:lstStyle/>
+          <a:p>
+            <a:fld id="{D29B1B67-2D59-4ACC-8383-4A72F54DCDA7}" type="slidenum">
+              <a:rPr lang="en-DE" smtClean="0">
+                <a:solidFill>
+                  <a:schemeClr val="bg1"/>
+                </a:solidFill>
+              </a:rPr>
+              <a:t>4</a:t>
+            </a:fld>
+            <a:endParaRPr lang="en-DE" dirty="0">
+              <a:solidFill>
+                <a:schemeClr val="bg1"/>
+              </a:solidFill>
+            </a:endParaRPr>
+          </a:p>
+        </p:txBody>
+      </p:sp>
     </p:spTree>
     <p:extLst>
       <p:ext uri="{BB962C8B-B14F-4D97-AF65-F5344CB8AC3E}">
@@ -18677,14 +22112,14 @@
           <a:chExt cx="0" cy="0"/>
         </a:xfrm>
       </p:grpSpPr>
-      <mc:AlternateContent xmlns:mc="http://schemas.openxmlformats.org/markup-compatibility/2006" xmlns:pslz="http://schemas.microsoft.com/office/powerpoint/2016/slidezoom">
-        <mc:Choice Requires="pslz">
+      <mc:AlternateContent xmlns:mc="http://schemas.openxmlformats.org/markup-compatibility/2006">
+        <mc:Choice xmlns:pslz="http://schemas.microsoft.com/office/powerpoint/2016/slidezoom" Requires="pslz">
           <p:graphicFrame>
             <p:nvGraphicFramePr>
-              <p:cNvPr id="9" name="Slide Zoom 8">
+              <p:cNvPr id="8" name="Slide Zoom 7">
                 <a:extLst>
                   <a:ext uri="{FF2B5EF4-FFF2-40B4-BE49-F238E27FC236}">
-                    <a16:creationId xmlns:a16="http://schemas.microsoft.com/office/drawing/2014/main" id="{57D079FF-2ACB-5B1F-9677-D02813634456}"/>
+                    <a16:creationId xmlns:a16="http://schemas.microsoft.com/office/drawing/2014/main" id="{9C006E2F-3AF4-69EB-62AA-BC665B97279A}"/>
                   </a:ext>
                 </a:extLst>
               </p:cNvPr>
@@ -18694,20 +22129,20 @@
               <p:nvPr>
                 <p:extLst>
                   <p:ext uri="{D42A27DB-BD31-4B8C-83A1-F6EECF244321}">
-                    <p14:modId xmlns:p14="http://schemas.microsoft.com/office/powerpoint/2010/main" val="1283065158"/>
+                    <p14:modId xmlns:p14="http://schemas.microsoft.com/office/powerpoint/2010/main" val="2143856043"/>
                   </p:ext>
                 </p:extLst>
               </p:nvPr>
             </p:nvGraphicFramePr>
             <p:xfrm>
-              <a:off x="6372444" y="4066838"/>
-              <a:ext cx="2769669" cy="1557939"/>
+              <a:off x="121264" y="4231153"/>
+              <a:ext cx="1891748" cy="1064108"/>
             </p:xfrm>
             <a:graphic>
               <a:graphicData uri="http://schemas.microsoft.com/office/powerpoint/2016/slidezoom">
                 <pslz:sldZm>
-                  <pslz:sldZmObj sldId="279" cId="187223879">
-                    <pslz:zmPr id="{865DFBFF-0943-49D4-9A83-490C85D4E6E4}" returnToParent="0" transitionDur="1000">
+                  <pslz:sldZmObj sldId="259" cId="1151047824">
+                    <pslz:zmPr id="{33ED789F-7A84-433C-BCA6-20165CF9AFCE}" returnToParent="0" transitionDur="1000">
                       <p166:blipFill xmlns:p166="http://schemas.microsoft.com/office/powerpoint/2016/6/main">
                         <a:blip r:embed="rId2"/>
                         <a:stretch>
@@ -18717,7 +22152,7 @@
                       <p166:spPr xmlns:p166="http://schemas.microsoft.com/office/powerpoint/2016/6/main">
                         <a:xfrm>
                           <a:off x="0" y="0"/>
-                          <a:ext cx="2769669" cy="1557939"/>
+                          <a:ext cx="1891748" cy="1064108"/>
                         </a:xfrm>
                         <a:prstGeom prst="rect">
                           <a:avLst/>
@@ -18735,14 +22170,14 @@
             </a:graphic>
           </p:graphicFrame>
         </mc:Choice>
-        <mc:Fallback xmlns="">
+        <mc:Fallback>
           <p:pic>
             <p:nvPicPr>
-              <p:cNvPr id="9" name="Slide Zoom 8">
+              <p:cNvPr id="8" name="Slide Zoom 7">
                 <a:hlinkClick r:id="rId3" action="ppaction://hlinksldjump"/>
                 <a:extLst>
                   <a:ext uri="{FF2B5EF4-FFF2-40B4-BE49-F238E27FC236}">
-                    <a16:creationId xmlns:a16="http://schemas.microsoft.com/office/drawing/2014/main" id="{57D079FF-2ACB-5B1F-9677-D02813634456}"/>
+                    <a16:creationId xmlns:a16="http://schemas.microsoft.com/office/drawing/2014/main" id="{9C006E2F-3AF4-69EB-62AA-BC665B97279A}"/>
                   </a:ext>
                 </a:extLst>
               </p:cNvPr>
@@ -18752,15 +22187,15 @@
               <p:nvPr/>
             </p:nvPicPr>
             <p:blipFill>
-              <a:blip r:embed="rId4"/>
+              <a:blip r:embed="rId2"/>
               <a:stretch>
                 <a:fillRect/>
               </a:stretch>
             </p:blipFill>
             <p:spPr>
               <a:xfrm>
-                <a:off x="6372444" y="4066838"/>
-                <a:ext cx="2769669" cy="1557939"/>
+                <a:off x="121264" y="4231153"/>
+                <a:ext cx="1891748" cy="1064108"/>
               </a:xfrm>
               <a:prstGeom prst="rect">
                 <a:avLst/>
@@ -18774,14 +22209,14 @@
           </p:pic>
         </mc:Fallback>
       </mc:AlternateContent>
-      <mc:AlternateContent xmlns:mc="http://schemas.openxmlformats.org/markup-compatibility/2006" xmlns:pslz="http://schemas.microsoft.com/office/powerpoint/2016/slidezoom">
-        <mc:Choice Requires="pslz">
+      <mc:AlternateContent xmlns:mc="http://schemas.openxmlformats.org/markup-compatibility/2006">
+        <mc:Choice xmlns:pslz="http://schemas.microsoft.com/office/powerpoint/2016/slidezoom" Requires="pslz">
           <p:graphicFrame>
             <p:nvGraphicFramePr>
-              <p:cNvPr id="7" name="Slide Zoom 6">
+              <p:cNvPr id="12" name="Slide Zoom 11">
                 <a:extLst>
                   <a:ext uri="{FF2B5EF4-FFF2-40B4-BE49-F238E27FC236}">
-                    <a16:creationId xmlns:a16="http://schemas.microsoft.com/office/drawing/2014/main" id="{B4AF98FD-D3AF-CAC1-2767-BDA82E970BA5}"/>
+                    <a16:creationId xmlns:a16="http://schemas.microsoft.com/office/drawing/2014/main" id="{DE5B0D82-A964-B4FB-17E8-1040FBEDA608}"/>
                   </a:ext>
                 </a:extLst>
               </p:cNvPr>
@@ -18791,22 +22226,22 @@
               <p:nvPr>
                 <p:extLst>
                   <p:ext uri="{D42A27DB-BD31-4B8C-83A1-F6EECF244321}">
-                    <p14:modId xmlns:p14="http://schemas.microsoft.com/office/powerpoint/2010/main" val="2783149523"/>
+                    <p14:modId xmlns:p14="http://schemas.microsoft.com/office/powerpoint/2010/main" val="1185211791"/>
                   </p:ext>
                 </p:extLst>
               </p:nvPr>
             </p:nvGraphicFramePr>
             <p:xfrm>
-              <a:off x="3502920" y="2694859"/>
-              <a:ext cx="2769669" cy="1557939"/>
+              <a:off x="2143893" y="3277396"/>
+              <a:ext cx="1891748" cy="1064108"/>
             </p:xfrm>
             <a:graphic>
               <a:graphicData uri="http://schemas.microsoft.com/office/powerpoint/2016/slidezoom">
                 <pslz:sldZm>
                   <pslz:sldZmObj sldId="278" cId="285173711">
-                    <pslz:zmPr id="{625DFF72-5AC8-4F80-A424-F548BB34FBF2}" returnToParent="0" transitionDur="1000">
+                    <pslz:zmPr id="{F685EDDB-9A92-45C6-A494-478937F17A5F}" returnToParent="0" transitionDur="1000">
                       <p166:blipFill xmlns:p166="http://schemas.microsoft.com/office/powerpoint/2016/6/main">
-                        <a:blip r:embed="rId5"/>
+                        <a:blip r:embed="rId4"/>
                         <a:stretch>
                           <a:fillRect/>
                         </a:stretch>
@@ -18814,7 +22249,7 @@
                       <p166:spPr xmlns:p166="http://schemas.microsoft.com/office/powerpoint/2016/6/main">
                         <a:xfrm>
                           <a:off x="0" y="0"/>
-                          <a:ext cx="2769669" cy="1557939"/>
+                          <a:ext cx="1891748" cy="1064108"/>
                         </a:xfrm>
                         <a:prstGeom prst="rect">
                           <a:avLst/>
@@ -18832,14 +22267,14 @@
             </a:graphic>
           </p:graphicFrame>
         </mc:Choice>
-        <mc:Fallback xmlns="">
+        <mc:Fallback>
           <p:pic>
             <p:nvPicPr>
-              <p:cNvPr id="7" name="Slide Zoom 6">
-                <a:hlinkClick r:id="rId6" action="ppaction://hlinksldjump"/>
+              <p:cNvPr id="12" name="Slide Zoom 11">
+                <a:hlinkClick r:id="rId5" action="ppaction://hlinksldjump"/>
                 <a:extLst>
                   <a:ext uri="{FF2B5EF4-FFF2-40B4-BE49-F238E27FC236}">
-                    <a16:creationId xmlns:a16="http://schemas.microsoft.com/office/drawing/2014/main" id="{B4AF98FD-D3AF-CAC1-2767-BDA82E970BA5}"/>
+                    <a16:creationId xmlns:a16="http://schemas.microsoft.com/office/drawing/2014/main" id="{DE5B0D82-A964-B4FB-17E8-1040FBEDA608}"/>
                   </a:ext>
                 </a:extLst>
               </p:cNvPr>
@@ -18849,15 +22284,15 @@
               <p:nvPr/>
             </p:nvPicPr>
             <p:blipFill>
-              <a:blip r:embed="rId7"/>
+              <a:blip r:embed="rId4"/>
               <a:stretch>
                 <a:fillRect/>
               </a:stretch>
             </p:blipFill>
             <p:spPr>
               <a:xfrm>
-                <a:off x="3502920" y="2694859"/>
-                <a:ext cx="2769669" cy="1557939"/>
+                <a:off x="2143893" y="3277396"/>
+                <a:ext cx="1891748" cy="1064108"/>
               </a:xfrm>
               <a:prstGeom prst="rect">
                 <a:avLst/>
@@ -18871,14 +22306,14 @@
           </p:pic>
         </mc:Fallback>
       </mc:AlternateContent>
-      <mc:AlternateContent xmlns:mc="http://schemas.openxmlformats.org/markup-compatibility/2006" xmlns:pslz="http://schemas.microsoft.com/office/powerpoint/2016/slidezoom">
-        <mc:Choice Requires="pslz">
+      <mc:AlternateContent xmlns:mc="http://schemas.openxmlformats.org/markup-compatibility/2006">
+        <mc:Choice xmlns:pslz="http://schemas.microsoft.com/office/powerpoint/2016/slidezoom" Requires="pslz">
           <p:graphicFrame>
             <p:nvGraphicFramePr>
-              <p:cNvPr id="5" name="Slide Zoom 4">
+              <p:cNvPr id="15" name="Slide Zoom 14">
                 <a:extLst>
                   <a:ext uri="{FF2B5EF4-FFF2-40B4-BE49-F238E27FC236}">
-                    <a16:creationId xmlns:a16="http://schemas.microsoft.com/office/drawing/2014/main" id="{86D6F15C-468E-0563-55D5-D142BFFEDE7C}"/>
+                    <a16:creationId xmlns:a16="http://schemas.microsoft.com/office/drawing/2014/main" id="{26CECEB1-1824-61BD-8537-A4B59FC6D1BC}"/>
                   </a:ext>
                 </a:extLst>
               </p:cNvPr>
@@ -18888,22 +22323,22 @@
               <p:nvPr>
                 <p:extLst>
                   <p:ext uri="{D42A27DB-BD31-4B8C-83A1-F6EECF244321}">
-                    <p14:modId xmlns:p14="http://schemas.microsoft.com/office/powerpoint/2010/main" val="834262987"/>
+                    <p14:modId xmlns:p14="http://schemas.microsoft.com/office/powerpoint/2010/main" val="1375874938"/>
                   </p:ext>
                 </p:extLst>
               </p:nvPr>
             </p:nvGraphicFramePr>
             <p:xfrm>
-              <a:off x="633396" y="4097319"/>
-              <a:ext cx="2769669" cy="1557939"/>
+              <a:off x="4169711" y="4213094"/>
+              <a:ext cx="1891748" cy="1064108"/>
             </p:xfrm>
             <a:graphic>
               <a:graphicData uri="http://schemas.microsoft.com/office/powerpoint/2016/slidezoom">
                 <pslz:sldZm>
-                  <pslz:sldZmObj sldId="259" cId="1151047824">
-                    <pslz:zmPr id="{8375EAAF-0D31-4CA6-AD4C-DBA8547D7A17}" returnToParent="0" transitionDur="1000">
+                  <pslz:sldZmObj sldId="279" cId="187223879">
+                    <pslz:zmPr id="{512556E2-A8F4-4BB8-84E8-BE8163F020D2}" returnToParent="0" transitionDur="1000">
                       <p166:blipFill xmlns:p166="http://schemas.microsoft.com/office/powerpoint/2016/6/main">
-                        <a:blip r:embed="rId8"/>
+                        <a:blip r:embed="rId6"/>
                         <a:stretch>
                           <a:fillRect/>
                         </a:stretch>
@@ -18911,7 +22346,7 @@
                       <p166:spPr xmlns:p166="http://schemas.microsoft.com/office/powerpoint/2016/6/main">
                         <a:xfrm>
                           <a:off x="0" y="0"/>
-                          <a:ext cx="2769669" cy="1557939"/>
+                          <a:ext cx="1891748" cy="1064108"/>
                         </a:xfrm>
                         <a:prstGeom prst="rect">
                           <a:avLst/>
@@ -18929,14 +22364,14 @@
             </a:graphic>
           </p:graphicFrame>
         </mc:Choice>
-        <mc:Fallback xmlns="">
+        <mc:Fallback>
           <p:pic>
             <p:nvPicPr>
-              <p:cNvPr id="5" name="Slide Zoom 4">
-                <a:hlinkClick r:id="rId9" action="ppaction://hlinksldjump"/>
+              <p:cNvPr id="15" name="Slide Zoom 14">
+                <a:hlinkClick r:id="rId7" action="ppaction://hlinksldjump"/>
                 <a:extLst>
                   <a:ext uri="{FF2B5EF4-FFF2-40B4-BE49-F238E27FC236}">
-                    <a16:creationId xmlns:a16="http://schemas.microsoft.com/office/drawing/2014/main" id="{86D6F15C-468E-0563-55D5-D142BFFEDE7C}"/>
+                    <a16:creationId xmlns:a16="http://schemas.microsoft.com/office/drawing/2014/main" id="{26CECEB1-1824-61BD-8537-A4B59FC6D1BC}"/>
                   </a:ext>
                 </a:extLst>
               </p:cNvPr>
@@ -18946,15 +22381,15 @@
               <p:nvPr/>
             </p:nvPicPr>
             <p:blipFill>
-              <a:blip r:embed="rId10"/>
+              <a:blip r:embed="rId6"/>
               <a:stretch>
                 <a:fillRect/>
               </a:stretch>
             </p:blipFill>
             <p:spPr>
               <a:xfrm>
-                <a:off x="633396" y="4097319"/>
-                <a:ext cx="2769669" cy="1557939"/>
+                <a:off x="4169711" y="4213094"/>
+                <a:ext cx="1891748" cy="1064108"/>
               </a:xfrm>
               <a:prstGeom prst="rect">
                 <a:avLst/>
@@ -18968,14 +22403,14 @@
           </p:pic>
         </mc:Fallback>
       </mc:AlternateContent>
-      <mc:AlternateContent xmlns:mc="http://schemas.openxmlformats.org/markup-compatibility/2006" xmlns:pslz="http://schemas.microsoft.com/office/powerpoint/2016/slidezoom">
-        <mc:Choice Requires="pslz">
+      <mc:AlternateContent xmlns:mc="http://schemas.openxmlformats.org/markup-compatibility/2006">
+        <mc:Choice xmlns:pslz="http://schemas.microsoft.com/office/powerpoint/2016/slidezoom" Requires="pslz">
           <p:graphicFrame>
             <p:nvGraphicFramePr>
-              <p:cNvPr id="11" name="Slide Zoom 10">
+              <p:cNvPr id="17" name="Slide Zoom 16">
                 <a:extLst>
                   <a:ext uri="{FF2B5EF4-FFF2-40B4-BE49-F238E27FC236}">
-                    <a16:creationId xmlns:a16="http://schemas.microsoft.com/office/drawing/2014/main" id="{9B76F289-3E71-A995-75A2-0B62ADCD8F35}"/>
+                    <a16:creationId xmlns:a16="http://schemas.microsoft.com/office/drawing/2014/main" id="{A79E8461-16D3-D1A0-2F78-047325FF14A4}"/>
                   </a:ext>
                 </a:extLst>
               </p:cNvPr>
@@ -18985,22 +22420,22 @@
               <p:nvPr>
                 <p:extLst>
                   <p:ext uri="{D42A27DB-BD31-4B8C-83A1-F6EECF244321}">
-                    <p14:modId xmlns:p14="http://schemas.microsoft.com/office/powerpoint/2010/main" val="939210938"/>
+                    <p14:modId xmlns:p14="http://schemas.microsoft.com/office/powerpoint/2010/main" val="1431430892"/>
                   </p:ext>
                 </p:extLst>
               </p:nvPr>
             </p:nvGraphicFramePr>
             <p:xfrm>
-              <a:off x="9241968" y="2694858"/>
-              <a:ext cx="2769669" cy="1557939"/>
+              <a:off x="6194466" y="3276205"/>
+              <a:ext cx="1891748" cy="1064108"/>
             </p:xfrm>
             <a:graphic>
               <a:graphicData uri="http://schemas.microsoft.com/office/powerpoint/2016/slidezoom">
                 <pslz:sldZm>
                   <pslz:sldZmObj sldId="276" cId="952482904">
-                    <pslz:zmPr id="{2971FD46-8759-4EBE-B673-85EA15A859E2}" returnToParent="0" transitionDur="1000">
+                    <pslz:zmPr id="{899C4DBB-6C69-4583-AF57-60D99D0E3A30}" returnToParent="0" transitionDur="1000">
                       <p166:blipFill xmlns:p166="http://schemas.microsoft.com/office/powerpoint/2016/6/main">
-                        <a:blip r:embed="rId11"/>
+                        <a:blip r:embed="rId8"/>
                         <a:stretch>
                           <a:fillRect/>
                         </a:stretch>
@@ -19008,7 +22443,7 @@
                       <p166:spPr xmlns:p166="http://schemas.microsoft.com/office/powerpoint/2016/6/main">
                         <a:xfrm>
                           <a:off x="0" y="0"/>
-                          <a:ext cx="2769669" cy="1557939"/>
+                          <a:ext cx="1891748" cy="1064108"/>
                         </a:xfrm>
                         <a:prstGeom prst="rect">
                           <a:avLst/>
@@ -19026,14 +22461,14 @@
             </a:graphic>
           </p:graphicFrame>
         </mc:Choice>
-        <mc:Fallback xmlns="">
+        <mc:Fallback>
           <p:pic>
             <p:nvPicPr>
-              <p:cNvPr id="11" name="Slide Zoom 10">
-                <a:hlinkClick r:id="rId12" action="ppaction://hlinksldjump"/>
+              <p:cNvPr id="17" name="Slide Zoom 16">
+                <a:hlinkClick r:id="rId9" action="ppaction://hlinksldjump"/>
                 <a:extLst>
                   <a:ext uri="{FF2B5EF4-FFF2-40B4-BE49-F238E27FC236}">
-                    <a16:creationId xmlns:a16="http://schemas.microsoft.com/office/drawing/2014/main" id="{9B76F289-3E71-A995-75A2-0B62ADCD8F35}"/>
+                    <a16:creationId xmlns:a16="http://schemas.microsoft.com/office/drawing/2014/main" id="{A79E8461-16D3-D1A0-2F78-047325FF14A4}"/>
                   </a:ext>
                 </a:extLst>
               </p:cNvPr>
@@ -19043,15 +22478,209 @@
               <p:nvPr/>
             </p:nvPicPr>
             <p:blipFill>
-              <a:blip r:embed="rId13"/>
+              <a:blip r:embed="rId8"/>
               <a:stretch>
                 <a:fillRect/>
               </a:stretch>
             </p:blipFill>
             <p:spPr>
               <a:xfrm>
-                <a:off x="9241968" y="2694858"/>
-                <a:ext cx="2769669" cy="1557939"/>
+                <a:off x="6194466" y="3276205"/>
+                <a:ext cx="1891748" cy="1064108"/>
+              </a:xfrm>
+              <a:prstGeom prst="rect">
+                <a:avLst/>
+              </a:prstGeom>
+              <a:ln w="3175">
+                <a:solidFill>
+                  <a:prstClr val="ltGray"/>
+                </a:solidFill>
+              </a:ln>
+            </p:spPr>
+          </p:pic>
+        </mc:Fallback>
+      </mc:AlternateContent>
+      <mc:AlternateContent xmlns:mc="http://schemas.openxmlformats.org/markup-compatibility/2006">
+        <mc:Choice xmlns:pslz="http://schemas.microsoft.com/office/powerpoint/2016/slidezoom" Requires="pslz">
+          <p:graphicFrame>
+            <p:nvGraphicFramePr>
+              <p:cNvPr id="19" name="Slide Zoom 18">
+                <a:extLst>
+                  <a:ext uri="{FF2B5EF4-FFF2-40B4-BE49-F238E27FC236}">
+                    <a16:creationId xmlns:a16="http://schemas.microsoft.com/office/drawing/2014/main" id="{BC56A1A2-0334-EFD2-7B6C-353E6459FECB}"/>
+                  </a:ext>
+                </a:extLst>
+              </p:cNvPr>
+              <p:cNvGraphicFramePr>
+                <a:graphicFrameLocks noChangeAspect="1"/>
+              </p:cNvGraphicFramePr>
+              <p:nvPr>
+                <p:extLst>
+                  <p:ext uri="{D42A27DB-BD31-4B8C-83A1-F6EECF244321}">
+                    <p14:modId xmlns:p14="http://schemas.microsoft.com/office/powerpoint/2010/main" val="3045297258"/>
+                  </p:ext>
+                </p:extLst>
+              </p:nvPr>
+            </p:nvGraphicFramePr>
+            <p:xfrm>
+              <a:off x="8218158" y="4214285"/>
+              <a:ext cx="1891748" cy="1064108"/>
+            </p:xfrm>
+            <a:graphic>
+              <a:graphicData uri="http://schemas.microsoft.com/office/powerpoint/2016/slidezoom">
+                <pslz:sldZm>
+                  <pslz:sldZmObj sldId="283" cId="566966151">
+                    <pslz:zmPr id="{0058DC34-4012-4673-BEE8-D04A804123E5}" returnToParent="0" transitionDur="1000">
+                      <p166:blipFill xmlns:p166="http://schemas.microsoft.com/office/powerpoint/2016/6/main">
+                        <a:blip r:embed="rId10"/>
+                        <a:stretch>
+                          <a:fillRect/>
+                        </a:stretch>
+                      </p166:blipFill>
+                      <p166:spPr xmlns:p166="http://schemas.microsoft.com/office/powerpoint/2016/6/main">
+                        <a:xfrm>
+                          <a:off x="0" y="0"/>
+                          <a:ext cx="1891748" cy="1064108"/>
+                        </a:xfrm>
+                        <a:prstGeom prst="rect">
+                          <a:avLst/>
+                        </a:prstGeom>
+                        <a:ln w="3175">
+                          <a:solidFill>
+                            <a:prstClr val="ltGray"/>
+                          </a:solidFill>
+                        </a:ln>
+                      </p166:spPr>
+                    </pslz:zmPr>
+                  </pslz:sldZmObj>
+                </pslz:sldZm>
+              </a:graphicData>
+            </a:graphic>
+          </p:graphicFrame>
+        </mc:Choice>
+        <mc:Fallback>
+          <p:pic>
+            <p:nvPicPr>
+              <p:cNvPr id="19" name="Slide Zoom 18">
+                <a:hlinkClick r:id="rId11" action="ppaction://hlinksldjump"/>
+                <a:extLst>
+                  <a:ext uri="{FF2B5EF4-FFF2-40B4-BE49-F238E27FC236}">
+                    <a16:creationId xmlns:a16="http://schemas.microsoft.com/office/drawing/2014/main" id="{BC56A1A2-0334-EFD2-7B6C-353E6459FECB}"/>
+                  </a:ext>
+                </a:extLst>
+              </p:cNvPr>
+              <p:cNvPicPr>
+                <a:picLocks noGrp="1" noRot="1" noChangeAspect="1" noMove="1" noResize="1" noEditPoints="1" noAdjustHandles="1" noChangeArrowheads="1" noChangeShapeType="1"/>
+              </p:cNvPicPr>
+              <p:nvPr/>
+            </p:nvPicPr>
+            <p:blipFill>
+              <a:blip r:embed="rId10"/>
+              <a:stretch>
+                <a:fillRect/>
+              </a:stretch>
+            </p:blipFill>
+            <p:spPr>
+              <a:xfrm>
+                <a:off x="8218158" y="4214285"/>
+                <a:ext cx="1891748" cy="1064108"/>
+              </a:xfrm>
+              <a:prstGeom prst="rect">
+                <a:avLst/>
+              </a:prstGeom>
+              <a:ln w="3175">
+                <a:solidFill>
+                  <a:prstClr val="ltGray"/>
+                </a:solidFill>
+              </a:ln>
+            </p:spPr>
+          </p:pic>
+        </mc:Fallback>
+      </mc:AlternateContent>
+      <mc:AlternateContent xmlns:mc="http://schemas.openxmlformats.org/markup-compatibility/2006">
+        <mc:Choice xmlns:pslz="http://schemas.microsoft.com/office/powerpoint/2016/slidezoom" Requires="pslz">
+          <p:graphicFrame>
+            <p:nvGraphicFramePr>
+              <p:cNvPr id="21" name="Slide Zoom 20">
+                <a:extLst>
+                  <a:ext uri="{FF2B5EF4-FFF2-40B4-BE49-F238E27FC236}">
+                    <a16:creationId xmlns:a16="http://schemas.microsoft.com/office/drawing/2014/main" id="{2531F5B5-755D-0E5F-CC35-F78607410361}"/>
+                  </a:ext>
+                </a:extLst>
+              </p:cNvPr>
+              <p:cNvGraphicFramePr>
+                <a:graphicFrameLocks noChangeAspect="1"/>
+              </p:cNvGraphicFramePr>
+              <p:nvPr>
+                <p:extLst>
+                  <p:ext uri="{D42A27DB-BD31-4B8C-83A1-F6EECF244321}">
+                    <p14:modId xmlns:p14="http://schemas.microsoft.com/office/powerpoint/2010/main" val="411950856"/>
+                  </p:ext>
+                </p:extLst>
+              </p:nvPr>
+            </p:nvGraphicFramePr>
+            <p:xfrm>
+              <a:off x="10243976" y="3277396"/>
+              <a:ext cx="1891748" cy="1064108"/>
+            </p:xfrm>
+            <a:graphic>
+              <a:graphicData uri="http://schemas.microsoft.com/office/powerpoint/2016/slidezoom">
+                <pslz:sldZm>
+                  <pslz:sldZmObj sldId="284" cId="1289820216">
+                    <pslz:zmPr id="{32D224A7-970E-4CD3-A72C-6C8256CF7E6D}" returnToParent="0" transitionDur="1000">
+                      <p166:blipFill xmlns:p166="http://schemas.microsoft.com/office/powerpoint/2016/6/main">
+                        <a:blip r:embed="rId12"/>
+                        <a:stretch>
+                          <a:fillRect/>
+                        </a:stretch>
+                      </p166:blipFill>
+                      <p166:spPr xmlns:p166="http://schemas.microsoft.com/office/powerpoint/2016/6/main">
+                        <a:xfrm>
+                          <a:off x="0" y="0"/>
+                          <a:ext cx="1891748" cy="1064108"/>
+                        </a:xfrm>
+                        <a:prstGeom prst="rect">
+                          <a:avLst/>
+                        </a:prstGeom>
+                        <a:ln w="3175">
+                          <a:solidFill>
+                            <a:prstClr val="ltGray"/>
+                          </a:solidFill>
+                        </a:ln>
+                      </p166:spPr>
+                    </pslz:zmPr>
+                  </pslz:sldZmObj>
+                </pslz:sldZm>
+              </a:graphicData>
+            </a:graphic>
+          </p:graphicFrame>
+        </mc:Choice>
+        <mc:Fallback>
+          <p:pic>
+            <p:nvPicPr>
+              <p:cNvPr id="21" name="Slide Zoom 20">
+                <a:hlinkClick r:id="rId13" action="ppaction://hlinksldjump"/>
+                <a:extLst>
+                  <a:ext uri="{FF2B5EF4-FFF2-40B4-BE49-F238E27FC236}">
+                    <a16:creationId xmlns:a16="http://schemas.microsoft.com/office/drawing/2014/main" id="{2531F5B5-755D-0E5F-CC35-F78607410361}"/>
+                  </a:ext>
+                </a:extLst>
+              </p:cNvPr>
+              <p:cNvPicPr>
+                <a:picLocks noGrp="1" noRot="1" noChangeAspect="1" noMove="1" noResize="1" noEditPoints="1" noAdjustHandles="1" noChangeArrowheads="1" noChangeShapeType="1"/>
+              </p:cNvPicPr>
+              <p:nvPr/>
+            </p:nvPicPr>
+            <p:blipFill>
+              <a:blip r:embed="rId12"/>
+              <a:stretch>
+                <a:fillRect/>
+              </a:stretch>
+            </p:blipFill>
+            <p:spPr>
+              <a:xfrm>
+                <a:off x="10243976" y="3277396"/>
+                <a:ext cx="1891748" cy="1064108"/>
               </a:xfrm>
               <a:prstGeom prst="rect">
                 <a:avLst/>
@@ -19128,7 +22757,7 @@
                   <a:schemeClr val="bg1"/>
                 </a:solidFill>
               </a:rPr>
-              <a:t>Entwicklung</a:t>
+              <a:t>Entwicklungsergebnisse</a:t>
             </a:r>
             <a:endParaRPr lang="de-DE" dirty="0">
               <a:solidFill>
@@ -19154,8 +22783,8 @@
         </p:nvCxnSpPr>
         <p:spPr>
           <a:xfrm>
-            <a:off x="2000250" y="4178382"/>
-            <a:ext cx="10191750" cy="0"/>
+            <a:off x="1067138" y="4288025"/>
+            <a:ext cx="11124862" cy="0"/>
           </a:xfrm>
           <a:prstGeom prst="line">
             <a:avLst/>
@@ -19181,6 +22810,35 @@
           </a:fontRef>
         </p:style>
       </p:cxnSp>
+      <p:sp>
+        <p:nvSpPr>
+          <p:cNvPr id="3" name="Slide Number Placeholder 2">
+            <a:extLst>
+              <a:ext uri="{FF2B5EF4-FFF2-40B4-BE49-F238E27FC236}">
+                <a16:creationId xmlns:a16="http://schemas.microsoft.com/office/drawing/2014/main" id="{5B5399BB-6CBC-6F51-3E38-BFF368530251}"/>
+              </a:ext>
+            </a:extLst>
+          </p:cNvPr>
+          <p:cNvSpPr>
+            <a:spLocks noGrp="1"/>
+          </p:cNvSpPr>
+          <p:nvPr>
+            <p:ph type="sldNum" sz="quarter" idx="12"/>
+          </p:nvPr>
+        </p:nvSpPr>
+        <p:spPr/>
+        <p:txBody>
+          <a:bodyPr/>
+          <a:lstStyle/>
+          <a:p>
+            <a:fld id="{D29B1B67-2D59-4ACC-8383-4A72F54DCDA7}" type="slidenum">
+              <a:rPr lang="en-DE" smtClean="0"/>
+              <a:t>5</a:t>
+            </a:fld>
+            <a:endParaRPr lang="en-DE"/>
+          </a:p>
+        </p:txBody>
+      </p:sp>
     </p:spTree>
     <p:extLst>
       <p:ext uri="{BB962C8B-B14F-4D97-AF65-F5344CB8AC3E}">
@@ -19324,6 +22982,35 @@
           </a:p>
         </p:txBody>
       </p:sp>
+      <p:sp>
+        <p:nvSpPr>
+          <p:cNvPr id="3" name="Slide Number Placeholder 2">
+            <a:extLst>
+              <a:ext uri="{FF2B5EF4-FFF2-40B4-BE49-F238E27FC236}">
+                <a16:creationId xmlns:a16="http://schemas.microsoft.com/office/drawing/2014/main" id="{59C9E8CA-EED1-2374-B723-FDEB887E96E3}"/>
+              </a:ext>
+            </a:extLst>
+          </p:cNvPr>
+          <p:cNvSpPr>
+            <a:spLocks noGrp="1"/>
+          </p:cNvSpPr>
+          <p:nvPr>
+            <p:ph type="sldNum" sz="quarter" idx="12"/>
+          </p:nvPr>
+        </p:nvSpPr>
+        <p:spPr/>
+        <p:txBody>
+          <a:bodyPr/>
+          <a:lstStyle/>
+          <a:p>
+            <a:fld id="{D29B1B67-2D59-4ACC-8383-4A72F54DCDA7}" type="slidenum">
+              <a:rPr lang="en-DE" smtClean="0"/>
+              <a:t>6</a:t>
+            </a:fld>
+            <a:endParaRPr lang="en-DE"/>
+          </a:p>
+        </p:txBody>
+      </p:sp>
     </p:spTree>
     <p:extLst>
       <p:ext uri="{BB962C8B-B14F-4D97-AF65-F5344CB8AC3E}">
@@ -19442,36 +23129,6 @@
           </a:p>
         </p:txBody>
       </p:sp>
-      <p:pic>
-        <p:nvPicPr>
-          <p:cNvPr id="7" name="Picture 6">
-            <a:extLst>
-              <a:ext uri="{FF2B5EF4-FFF2-40B4-BE49-F238E27FC236}">
-                <a16:creationId xmlns:a16="http://schemas.microsoft.com/office/drawing/2014/main" id="{59C9A43B-E840-59E7-89AB-0F9730B238BD}"/>
-              </a:ext>
-            </a:extLst>
-          </p:cNvPr>
-          <p:cNvPicPr>
-            <a:picLocks noChangeAspect="1"/>
-          </p:cNvPicPr>
-          <p:nvPr/>
-        </p:nvPicPr>
-        <p:blipFill>
-          <a:blip r:embed="rId3"/>
-          <a:stretch>
-            <a:fillRect/>
-          </a:stretch>
-        </p:blipFill>
-        <p:spPr>
-          <a:xfrm>
-            <a:off x="3981450" y="1734853"/>
-            <a:ext cx="7893050" cy="3388293"/>
-          </a:xfrm>
-          <a:prstGeom prst="rect">
-            <a:avLst/>
-          </a:prstGeom>
-        </p:spPr>
-      </p:pic>
       <p:graphicFrame>
         <p:nvGraphicFramePr>
           <p:cNvPr id="3" name="Diagramm 4">
@@ -19496,10 +23153,69 @@
         </p:xfrm>
         <a:graphic>
           <a:graphicData uri="http://schemas.openxmlformats.org/drawingml/2006/diagram">
-            <dgm:relIds xmlns:dgm="http://schemas.openxmlformats.org/drawingml/2006/diagram" xmlns:r="http://schemas.openxmlformats.org/officeDocument/2006/relationships" r:dm="rId4" r:lo="rId5" r:qs="rId6" r:cs="rId7"/>
+            <dgm:relIds xmlns:dgm="http://schemas.openxmlformats.org/drawingml/2006/diagram" xmlns:r="http://schemas.openxmlformats.org/officeDocument/2006/relationships" r:dm="rId3" r:lo="rId4" r:qs="rId5" r:cs="rId6"/>
           </a:graphicData>
         </a:graphic>
       </p:graphicFrame>
+      <p:pic>
+        <p:nvPicPr>
+          <p:cNvPr id="6" name="Picture 5">
+            <a:extLst>
+              <a:ext uri="{FF2B5EF4-FFF2-40B4-BE49-F238E27FC236}">
+                <a16:creationId xmlns:a16="http://schemas.microsoft.com/office/drawing/2014/main" id="{EEA4B6C4-050E-23B9-F827-99111486D55F}"/>
+              </a:ext>
+            </a:extLst>
+          </p:cNvPr>
+          <p:cNvPicPr>
+            <a:picLocks noChangeAspect="1"/>
+          </p:cNvPicPr>
+          <p:nvPr/>
+        </p:nvPicPr>
+        <p:blipFill>
+          <a:blip r:embed="rId8"/>
+          <a:stretch>
+            <a:fillRect/>
+          </a:stretch>
+        </p:blipFill>
+        <p:spPr>
+          <a:xfrm>
+            <a:off x="4184103" y="996043"/>
+            <a:ext cx="7507521" cy="4784271"/>
+          </a:xfrm>
+          <a:prstGeom prst="rect">
+            <a:avLst/>
+          </a:prstGeom>
+        </p:spPr>
+      </p:pic>
+      <p:sp>
+        <p:nvSpPr>
+          <p:cNvPr id="8" name="Slide Number Placeholder 7">
+            <a:extLst>
+              <a:ext uri="{FF2B5EF4-FFF2-40B4-BE49-F238E27FC236}">
+                <a16:creationId xmlns:a16="http://schemas.microsoft.com/office/drawing/2014/main" id="{C6C3370D-CEAE-68B1-776D-75BD7DDCA03F}"/>
+              </a:ext>
+            </a:extLst>
+          </p:cNvPr>
+          <p:cNvSpPr>
+            <a:spLocks noGrp="1"/>
+          </p:cNvSpPr>
+          <p:nvPr>
+            <p:ph type="sldNum" sz="quarter" idx="12"/>
+          </p:nvPr>
+        </p:nvSpPr>
+        <p:spPr/>
+        <p:txBody>
+          <a:bodyPr/>
+          <a:lstStyle/>
+          <a:p>
+            <a:fld id="{D29B1B67-2D59-4ACC-8383-4A72F54DCDA7}" type="slidenum">
+              <a:rPr lang="en-DE" smtClean="0"/>
+              <a:t>7</a:t>
+            </a:fld>
+            <a:endParaRPr lang="en-DE"/>
+          </a:p>
+        </p:txBody>
+      </p:sp>
     </p:spTree>
     <p:extLst>
       <p:ext uri="{BB962C8B-B14F-4D97-AF65-F5344CB8AC3E}">
@@ -19640,8 +23356,8 @@
         </p:blipFill>
         <p:spPr>
           <a:xfrm>
-            <a:off x="5207050" y="1690688"/>
-            <a:ext cx="6788272" cy="4114474"/>
+            <a:off x="5762222" y="1341475"/>
+            <a:ext cx="5526264" cy="3349552"/>
           </a:xfrm>
           <a:prstGeom prst="rect">
             <a:avLst/>
@@ -19661,14 +23377,14 @@
           <p:nvPr>
             <p:extLst>
               <p:ext uri="{D42A27DB-BD31-4B8C-83A1-F6EECF244321}">
-                <p14:modId xmlns:p14="http://schemas.microsoft.com/office/powerpoint/2010/main" val="750205459"/>
+                <p14:modId xmlns:p14="http://schemas.microsoft.com/office/powerpoint/2010/main" val="519451529"/>
               </p:ext>
             </p:extLst>
           </p:nvPr>
         </p:nvGraphicFramePr>
         <p:xfrm>
-          <a:off x="270256" y="1524001"/>
-          <a:ext cx="4832803" cy="5029200"/>
+          <a:off x="270256" y="1524002"/>
+          <a:ext cx="4013273" cy="4196442"/>
         </p:xfrm>
         <a:graphic>
           <a:graphicData uri="http://schemas.openxmlformats.org/drawingml/2006/diagram">
@@ -19676,6 +23392,65 @@
           </a:graphicData>
         </a:graphic>
       </p:graphicFrame>
+      <p:pic>
+        <p:nvPicPr>
+          <p:cNvPr id="5" name="Picture 4">
+            <a:extLst>
+              <a:ext uri="{FF2B5EF4-FFF2-40B4-BE49-F238E27FC236}">
+                <a16:creationId xmlns:a16="http://schemas.microsoft.com/office/drawing/2014/main" id="{422CA4B8-967C-F5C9-733A-8835C1AE3E90}"/>
+              </a:ext>
+            </a:extLst>
+          </p:cNvPr>
+          <p:cNvPicPr>
+            <a:picLocks noChangeAspect="1"/>
+          </p:cNvPicPr>
+          <p:nvPr/>
+        </p:nvPicPr>
+        <p:blipFill>
+          <a:blip r:embed="rId9"/>
+          <a:stretch>
+            <a:fillRect/>
+          </a:stretch>
+        </p:blipFill>
+        <p:spPr>
+          <a:xfrm>
+            <a:off x="3086099" y="5667377"/>
+            <a:ext cx="8997043" cy="966657"/>
+          </a:xfrm>
+          <a:prstGeom prst="rect">
+            <a:avLst/>
+          </a:prstGeom>
+        </p:spPr>
+      </p:pic>
+      <p:sp>
+        <p:nvSpPr>
+          <p:cNvPr id="7" name="Slide Number Placeholder 6">
+            <a:extLst>
+              <a:ext uri="{FF2B5EF4-FFF2-40B4-BE49-F238E27FC236}">
+                <a16:creationId xmlns:a16="http://schemas.microsoft.com/office/drawing/2014/main" id="{8DD46D59-10A1-068E-8788-7C8CFC1D7555}"/>
+              </a:ext>
+            </a:extLst>
+          </p:cNvPr>
+          <p:cNvSpPr>
+            <a:spLocks noGrp="1"/>
+          </p:cNvSpPr>
+          <p:nvPr>
+            <p:ph type="sldNum" sz="quarter" idx="12"/>
+          </p:nvPr>
+        </p:nvSpPr>
+        <p:spPr/>
+        <p:txBody>
+          <a:bodyPr/>
+          <a:lstStyle/>
+          <a:p>
+            <a:fld id="{D29B1B67-2D59-4ACC-8383-4A72F54DCDA7}" type="slidenum">
+              <a:rPr lang="en-DE" smtClean="0"/>
+              <a:t>8</a:t>
+            </a:fld>
+            <a:endParaRPr lang="en-DE"/>
+          </a:p>
+        </p:txBody>
+      </p:sp>
     </p:spTree>
     <p:extLst>
       <p:ext uri="{BB962C8B-B14F-4D97-AF65-F5344CB8AC3E}">
@@ -19852,6 +23627,35 @@
           </a:graphicData>
         </a:graphic>
       </p:graphicFrame>
+      <p:sp>
+        <p:nvSpPr>
+          <p:cNvPr id="6" name="Slide Number Placeholder 5">
+            <a:extLst>
+              <a:ext uri="{FF2B5EF4-FFF2-40B4-BE49-F238E27FC236}">
+                <a16:creationId xmlns:a16="http://schemas.microsoft.com/office/drawing/2014/main" id="{057CC09C-E37A-9A5D-75CA-EF0BECA75C08}"/>
+              </a:ext>
+            </a:extLst>
+          </p:cNvPr>
+          <p:cNvSpPr>
+            <a:spLocks noGrp="1"/>
+          </p:cNvSpPr>
+          <p:nvPr>
+            <p:ph type="sldNum" sz="quarter" idx="12"/>
+          </p:nvPr>
+        </p:nvSpPr>
+        <p:spPr/>
+        <p:txBody>
+          <a:bodyPr/>
+          <a:lstStyle/>
+          <a:p>
+            <a:fld id="{D29B1B67-2D59-4ACC-8383-4A72F54DCDA7}" type="slidenum">
+              <a:rPr lang="en-DE" smtClean="0"/>
+              <a:t>9</a:t>
+            </a:fld>
+            <a:endParaRPr lang="en-DE"/>
+          </a:p>
+        </p:txBody>
+      </p:sp>
     </p:spTree>
     <p:extLst>
       <p:ext uri="{BB962C8B-B14F-4D97-AF65-F5344CB8AC3E}">

--- a/SmartFarm Insights.pptx
+++ b/SmartFarm Insights.pptx
@@ -124,6 +124,9 @@
     <p:ext uri="{EFAFB233-063F-42B5-8137-9DF3F51BA10A}">
       <p15:sldGuideLst xmlns:p15="http://schemas.microsoft.com/office/powerpoint/2012/main"/>
     </p:ext>
+    <p:ext uri="{2D200454-40CA-4A62-9FC3-DE9A4176ACB9}">
+      <p15:notesGuideLst xmlns:p15="http://schemas.microsoft.com/office/powerpoint/2012/main"/>
+    </p:ext>
   </p:extLst>
 </p:presentation>
 </file>
@@ -876,2247 +879,6 @@
 </file>
 
 <file path=ppt/diagrams/colors2.xml><?xml version="1.0" encoding="utf-8"?>
-<dgm:colorsDef xmlns:dgm="http://schemas.openxmlformats.org/drawingml/2006/diagram" xmlns:a="http://schemas.openxmlformats.org/drawingml/2006/main" uniqueId="urn:microsoft.com/office/officeart/2005/8/colors/accent5_2">
-  <dgm:title val=""/>
-  <dgm:desc val=""/>
-  <dgm:catLst>
-    <dgm:cat type="accent5" pri="11200"/>
-  </dgm:catLst>
-  <dgm:styleLbl name="node0">
-    <dgm:fillClrLst meth="repeat">
-      <a:schemeClr val="accent5"/>
-    </dgm:fillClrLst>
-    <dgm:linClrLst meth="repeat">
-      <a:schemeClr val="lt1"/>
-    </dgm:linClrLst>
-    <dgm:effectClrLst/>
-    <dgm:txLinClrLst/>
-    <dgm:txFillClrLst/>
-    <dgm:txEffectClrLst/>
-  </dgm:styleLbl>
-  <dgm:styleLbl name="node1">
-    <dgm:fillClrLst meth="repeat">
-      <a:schemeClr val="accent5"/>
-    </dgm:fillClrLst>
-    <dgm:linClrLst meth="repeat">
-      <a:schemeClr val="lt1"/>
-    </dgm:linClrLst>
-    <dgm:effectClrLst/>
-    <dgm:txLinClrLst/>
-    <dgm:txFillClrLst/>
-    <dgm:txEffectClrLst/>
-  </dgm:styleLbl>
-  <dgm:styleLbl name="alignNode1">
-    <dgm:fillClrLst meth="repeat">
-      <a:schemeClr val="accent5"/>
-    </dgm:fillClrLst>
-    <dgm:linClrLst meth="repeat">
-      <a:schemeClr val="accent5"/>
-    </dgm:linClrLst>
-    <dgm:effectClrLst/>
-    <dgm:txLinClrLst/>
-    <dgm:txFillClrLst/>
-    <dgm:txEffectClrLst/>
-  </dgm:styleLbl>
-  <dgm:styleLbl name="lnNode1">
-    <dgm:fillClrLst meth="repeat">
-      <a:schemeClr val="accent5"/>
-    </dgm:fillClrLst>
-    <dgm:linClrLst meth="repeat">
-      <a:schemeClr val="lt1"/>
-    </dgm:linClrLst>
-    <dgm:effectClrLst/>
-    <dgm:txLinClrLst/>
-    <dgm:txFillClrLst/>
-    <dgm:txEffectClrLst/>
-  </dgm:styleLbl>
-  <dgm:styleLbl name="vennNode1">
-    <dgm:fillClrLst meth="repeat">
-      <a:schemeClr val="accent5">
-        <a:alpha val="50000"/>
-      </a:schemeClr>
-    </dgm:fillClrLst>
-    <dgm:linClrLst meth="repeat">
-      <a:schemeClr val="lt1"/>
-    </dgm:linClrLst>
-    <dgm:effectClrLst/>
-    <dgm:txLinClrLst/>
-    <dgm:txFillClrLst/>
-    <dgm:txEffectClrLst/>
-  </dgm:styleLbl>
-  <dgm:styleLbl name="node2">
-    <dgm:fillClrLst meth="repeat">
-      <a:schemeClr val="accent5"/>
-    </dgm:fillClrLst>
-    <dgm:linClrLst meth="repeat">
-      <a:schemeClr val="lt1"/>
-    </dgm:linClrLst>
-    <dgm:effectClrLst/>
-    <dgm:txLinClrLst/>
-    <dgm:txFillClrLst/>
-    <dgm:txEffectClrLst/>
-  </dgm:styleLbl>
-  <dgm:styleLbl name="node3">
-    <dgm:fillClrLst meth="repeat">
-      <a:schemeClr val="accent5"/>
-    </dgm:fillClrLst>
-    <dgm:linClrLst meth="repeat">
-      <a:schemeClr val="lt1"/>
-    </dgm:linClrLst>
-    <dgm:effectClrLst/>
-    <dgm:txLinClrLst/>
-    <dgm:txFillClrLst/>
-    <dgm:txEffectClrLst/>
-  </dgm:styleLbl>
-  <dgm:styleLbl name="node4">
-    <dgm:fillClrLst meth="repeat">
-      <a:schemeClr val="accent5"/>
-    </dgm:fillClrLst>
-    <dgm:linClrLst meth="repeat">
-      <a:schemeClr val="lt1"/>
-    </dgm:linClrLst>
-    <dgm:effectClrLst/>
-    <dgm:txLinClrLst/>
-    <dgm:txFillClrLst/>
-    <dgm:txEffectClrLst/>
-  </dgm:styleLbl>
-  <dgm:styleLbl name="fgImgPlace1">
-    <dgm:fillClrLst meth="repeat">
-      <a:schemeClr val="accent5">
-        <a:tint val="50000"/>
-      </a:schemeClr>
-    </dgm:fillClrLst>
-    <dgm:linClrLst meth="repeat">
-      <a:schemeClr val="lt1"/>
-    </dgm:linClrLst>
-    <dgm:effectClrLst/>
-    <dgm:txLinClrLst/>
-    <dgm:txFillClrLst meth="repeat">
-      <a:schemeClr val="lt1"/>
-    </dgm:txFillClrLst>
-    <dgm:txEffectClrLst/>
-  </dgm:styleLbl>
-  <dgm:styleLbl name="alignImgPlace1">
-    <dgm:fillClrLst meth="repeat">
-      <a:schemeClr val="accent5">
-        <a:tint val="50000"/>
-      </a:schemeClr>
-    </dgm:fillClrLst>
-    <dgm:linClrLst meth="repeat">
-      <a:schemeClr val="lt1"/>
-    </dgm:linClrLst>
-    <dgm:effectClrLst/>
-    <dgm:txLinClrLst/>
-    <dgm:txFillClrLst meth="repeat">
-      <a:schemeClr val="lt1"/>
-    </dgm:txFillClrLst>
-    <dgm:txEffectClrLst/>
-  </dgm:styleLbl>
-  <dgm:styleLbl name="bgImgPlace1">
-    <dgm:fillClrLst meth="repeat">
-      <a:schemeClr val="accent5">
-        <a:tint val="50000"/>
-      </a:schemeClr>
-    </dgm:fillClrLst>
-    <dgm:linClrLst meth="repeat">
-      <a:schemeClr val="lt1"/>
-    </dgm:linClrLst>
-    <dgm:effectClrLst/>
-    <dgm:txLinClrLst/>
-    <dgm:txFillClrLst meth="repeat">
-      <a:schemeClr val="lt1"/>
-    </dgm:txFillClrLst>
-    <dgm:txEffectClrLst/>
-  </dgm:styleLbl>
-  <dgm:styleLbl name="sibTrans2D1">
-    <dgm:fillClrLst meth="repeat">
-      <a:schemeClr val="accent5">
-        <a:tint val="60000"/>
-      </a:schemeClr>
-    </dgm:fillClrLst>
-    <dgm:linClrLst meth="repeat">
-      <a:schemeClr val="accent5">
-        <a:tint val="60000"/>
-      </a:schemeClr>
-    </dgm:linClrLst>
-    <dgm:effectClrLst/>
-    <dgm:txLinClrLst/>
-    <dgm:txFillClrLst/>
-    <dgm:txEffectClrLst/>
-  </dgm:styleLbl>
-  <dgm:styleLbl name="fgSibTrans2D1">
-    <dgm:fillClrLst meth="repeat">
-      <a:schemeClr val="accent5">
-        <a:tint val="60000"/>
-      </a:schemeClr>
-    </dgm:fillClrLst>
-    <dgm:linClrLst meth="repeat">
-      <a:schemeClr val="accent5">
-        <a:tint val="60000"/>
-      </a:schemeClr>
-    </dgm:linClrLst>
-    <dgm:effectClrLst/>
-    <dgm:txLinClrLst/>
-    <dgm:txFillClrLst/>
-    <dgm:txEffectClrLst/>
-  </dgm:styleLbl>
-  <dgm:styleLbl name="bgSibTrans2D1">
-    <dgm:fillClrLst meth="repeat">
-      <a:schemeClr val="accent5">
-        <a:tint val="60000"/>
-      </a:schemeClr>
-    </dgm:fillClrLst>
-    <dgm:linClrLst meth="repeat">
-      <a:schemeClr val="accent5">
-        <a:tint val="60000"/>
-      </a:schemeClr>
-    </dgm:linClrLst>
-    <dgm:effectClrLst/>
-    <dgm:txLinClrLst/>
-    <dgm:txFillClrLst/>
-    <dgm:txEffectClrLst/>
-  </dgm:styleLbl>
-  <dgm:styleLbl name="sibTrans1D1">
-    <dgm:fillClrLst meth="repeat">
-      <a:schemeClr val="accent5"/>
-    </dgm:fillClrLst>
-    <dgm:linClrLst meth="repeat">
-      <a:schemeClr val="accent5"/>
-    </dgm:linClrLst>
-    <dgm:effectClrLst/>
-    <dgm:txLinClrLst/>
-    <dgm:txFillClrLst meth="repeat">
-      <a:schemeClr val="tx1"/>
-    </dgm:txFillClrLst>
-    <dgm:txEffectClrLst/>
-  </dgm:styleLbl>
-  <dgm:styleLbl name="callout">
-    <dgm:fillClrLst meth="repeat">
-      <a:schemeClr val="accent5"/>
-    </dgm:fillClrLst>
-    <dgm:linClrLst meth="repeat">
-      <a:schemeClr val="accent5">
-        <a:tint val="50000"/>
-      </a:schemeClr>
-    </dgm:linClrLst>
-    <dgm:effectClrLst/>
-    <dgm:txLinClrLst/>
-    <dgm:txFillClrLst meth="repeat">
-      <a:schemeClr val="tx1"/>
-    </dgm:txFillClrLst>
-    <dgm:txEffectClrLst/>
-  </dgm:styleLbl>
-  <dgm:styleLbl name="asst0">
-    <dgm:fillClrLst meth="repeat">
-      <a:schemeClr val="accent5"/>
-    </dgm:fillClrLst>
-    <dgm:linClrLst meth="repeat">
-      <a:schemeClr val="lt1"/>
-    </dgm:linClrLst>
-    <dgm:effectClrLst/>
-    <dgm:txLinClrLst/>
-    <dgm:txFillClrLst/>
-    <dgm:txEffectClrLst/>
-  </dgm:styleLbl>
-  <dgm:styleLbl name="asst1">
-    <dgm:fillClrLst meth="repeat">
-      <a:schemeClr val="accent5"/>
-    </dgm:fillClrLst>
-    <dgm:linClrLst meth="repeat">
-      <a:schemeClr val="lt1"/>
-    </dgm:linClrLst>
-    <dgm:effectClrLst/>
-    <dgm:txLinClrLst/>
-    <dgm:txFillClrLst/>
-    <dgm:txEffectClrLst/>
-  </dgm:styleLbl>
-  <dgm:styleLbl name="asst2">
-    <dgm:fillClrLst meth="repeat">
-      <a:schemeClr val="accent5"/>
-    </dgm:fillClrLst>
-    <dgm:linClrLst meth="repeat">
-      <a:schemeClr val="lt1"/>
-    </dgm:linClrLst>
-    <dgm:effectClrLst/>
-    <dgm:txLinClrLst/>
-    <dgm:txFillClrLst/>
-    <dgm:txEffectClrLst/>
-  </dgm:styleLbl>
-  <dgm:styleLbl name="asst3">
-    <dgm:fillClrLst meth="repeat">
-      <a:schemeClr val="accent5"/>
-    </dgm:fillClrLst>
-    <dgm:linClrLst meth="repeat">
-      <a:schemeClr val="lt1"/>
-    </dgm:linClrLst>
-    <dgm:effectClrLst/>
-    <dgm:txLinClrLst/>
-    <dgm:txFillClrLst/>
-    <dgm:txEffectClrLst/>
-  </dgm:styleLbl>
-  <dgm:styleLbl name="asst4">
-    <dgm:fillClrLst meth="repeat">
-      <a:schemeClr val="accent5"/>
-    </dgm:fillClrLst>
-    <dgm:linClrLst meth="repeat">
-      <a:schemeClr val="lt1"/>
-    </dgm:linClrLst>
-    <dgm:effectClrLst/>
-    <dgm:txLinClrLst/>
-    <dgm:txFillClrLst/>
-    <dgm:txEffectClrLst/>
-  </dgm:styleLbl>
-  <dgm:styleLbl name="parChTrans2D1">
-    <dgm:fillClrLst meth="repeat">
-      <a:schemeClr val="accent5">
-        <a:tint val="60000"/>
-      </a:schemeClr>
-    </dgm:fillClrLst>
-    <dgm:linClrLst meth="repeat">
-      <a:schemeClr val="accent5">
-        <a:tint val="60000"/>
-      </a:schemeClr>
-    </dgm:linClrLst>
-    <dgm:effectClrLst/>
-    <dgm:txLinClrLst/>
-    <dgm:txFillClrLst meth="repeat">
-      <a:schemeClr val="lt1"/>
-    </dgm:txFillClrLst>
-    <dgm:txEffectClrLst/>
-  </dgm:styleLbl>
-  <dgm:styleLbl name="parChTrans2D2">
-    <dgm:fillClrLst meth="repeat">
-      <a:schemeClr val="accent5"/>
-    </dgm:fillClrLst>
-    <dgm:linClrLst meth="repeat">
-      <a:schemeClr val="accent5"/>
-    </dgm:linClrLst>
-    <dgm:effectClrLst/>
-    <dgm:txLinClrLst/>
-    <dgm:txFillClrLst meth="repeat">
-      <a:schemeClr val="lt1"/>
-    </dgm:txFillClrLst>
-    <dgm:txEffectClrLst/>
-  </dgm:styleLbl>
-  <dgm:styleLbl name="parChTrans2D3">
-    <dgm:fillClrLst meth="repeat">
-      <a:schemeClr val="accent5"/>
-    </dgm:fillClrLst>
-    <dgm:linClrLst meth="repeat">
-      <a:schemeClr val="accent5"/>
-    </dgm:linClrLst>
-    <dgm:effectClrLst/>
-    <dgm:txLinClrLst/>
-    <dgm:txFillClrLst meth="repeat">
-      <a:schemeClr val="lt1"/>
-    </dgm:txFillClrLst>
-    <dgm:txEffectClrLst/>
-  </dgm:styleLbl>
-  <dgm:styleLbl name="parChTrans2D4">
-    <dgm:fillClrLst meth="repeat">
-      <a:schemeClr val="accent5"/>
-    </dgm:fillClrLst>
-    <dgm:linClrLst meth="repeat">
-      <a:schemeClr val="accent5"/>
-    </dgm:linClrLst>
-    <dgm:effectClrLst/>
-    <dgm:txLinClrLst/>
-    <dgm:txFillClrLst meth="repeat">
-      <a:schemeClr val="lt1"/>
-    </dgm:txFillClrLst>
-    <dgm:txEffectClrLst/>
-  </dgm:styleLbl>
-  <dgm:styleLbl name="parChTrans1D1">
-    <dgm:fillClrLst meth="repeat">
-      <a:schemeClr val="accent5"/>
-    </dgm:fillClrLst>
-    <dgm:linClrLst meth="repeat">
-      <a:schemeClr val="accent5">
-        <a:shade val="60000"/>
-      </a:schemeClr>
-    </dgm:linClrLst>
-    <dgm:effectClrLst/>
-    <dgm:txLinClrLst/>
-    <dgm:txFillClrLst meth="repeat">
-      <a:schemeClr val="tx1"/>
-    </dgm:txFillClrLst>
-    <dgm:txEffectClrLst/>
-  </dgm:styleLbl>
-  <dgm:styleLbl name="parChTrans1D2">
-    <dgm:fillClrLst meth="repeat">
-      <a:schemeClr val="accent5"/>
-    </dgm:fillClrLst>
-    <dgm:linClrLst meth="repeat">
-      <a:schemeClr val="accent5">
-        <a:shade val="60000"/>
-      </a:schemeClr>
-    </dgm:linClrLst>
-    <dgm:effectClrLst/>
-    <dgm:txLinClrLst/>
-    <dgm:txFillClrLst meth="repeat">
-      <a:schemeClr val="tx1"/>
-    </dgm:txFillClrLst>
-    <dgm:txEffectClrLst/>
-  </dgm:styleLbl>
-  <dgm:styleLbl name="parChTrans1D3">
-    <dgm:fillClrLst meth="repeat">
-      <a:schemeClr val="accent5"/>
-    </dgm:fillClrLst>
-    <dgm:linClrLst meth="repeat">
-      <a:schemeClr val="accent5">
-        <a:shade val="80000"/>
-      </a:schemeClr>
-    </dgm:linClrLst>
-    <dgm:effectClrLst/>
-    <dgm:txLinClrLst/>
-    <dgm:txFillClrLst meth="repeat">
-      <a:schemeClr val="tx1"/>
-    </dgm:txFillClrLst>
-    <dgm:txEffectClrLst/>
-  </dgm:styleLbl>
-  <dgm:styleLbl name="parChTrans1D4">
-    <dgm:fillClrLst meth="repeat">
-      <a:schemeClr val="accent5"/>
-    </dgm:fillClrLst>
-    <dgm:linClrLst meth="repeat">
-      <a:schemeClr val="accent5">
-        <a:shade val="80000"/>
-      </a:schemeClr>
-    </dgm:linClrLst>
-    <dgm:effectClrLst/>
-    <dgm:txLinClrLst/>
-    <dgm:txFillClrLst meth="repeat">
-      <a:schemeClr val="tx1"/>
-    </dgm:txFillClrLst>
-    <dgm:txEffectClrLst/>
-  </dgm:styleLbl>
-  <dgm:styleLbl name="fgAcc1">
-    <dgm:fillClrLst meth="repeat">
-      <a:schemeClr val="lt1">
-        <a:alpha val="90000"/>
-      </a:schemeClr>
-    </dgm:fillClrLst>
-    <dgm:linClrLst meth="repeat">
-      <a:schemeClr val="accent5"/>
-    </dgm:linClrLst>
-    <dgm:effectClrLst/>
-    <dgm:txLinClrLst/>
-    <dgm:txFillClrLst meth="repeat">
-      <a:schemeClr val="dk1"/>
-    </dgm:txFillClrLst>
-    <dgm:txEffectClrLst/>
-  </dgm:styleLbl>
-  <dgm:styleLbl name="conFgAcc1">
-    <dgm:fillClrLst meth="repeat">
-      <a:schemeClr val="lt1">
-        <a:alpha val="90000"/>
-      </a:schemeClr>
-    </dgm:fillClrLst>
-    <dgm:linClrLst meth="repeat">
-      <a:schemeClr val="accent5"/>
-    </dgm:linClrLst>
-    <dgm:effectClrLst/>
-    <dgm:txLinClrLst/>
-    <dgm:txFillClrLst meth="repeat">
-      <a:schemeClr val="dk1"/>
-    </dgm:txFillClrLst>
-    <dgm:txEffectClrLst/>
-  </dgm:styleLbl>
-  <dgm:styleLbl name="alignAcc1">
-    <dgm:fillClrLst meth="repeat">
-      <a:schemeClr val="lt1">
-        <a:alpha val="90000"/>
-      </a:schemeClr>
-    </dgm:fillClrLst>
-    <dgm:linClrLst meth="repeat">
-      <a:schemeClr val="accent5"/>
-    </dgm:linClrLst>
-    <dgm:effectClrLst/>
-    <dgm:txLinClrLst/>
-    <dgm:txFillClrLst meth="repeat">
-      <a:schemeClr val="dk1"/>
-    </dgm:txFillClrLst>
-    <dgm:txEffectClrLst/>
-  </dgm:styleLbl>
-  <dgm:styleLbl name="trAlignAcc1">
-    <dgm:fillClrLst meth="repeat">
-      <a:schemeClr val="lt1">
-        <a:alpha val="40000"/>
-      </a:schemeClr>
-    </dgm:fillClrLst>
-    <dgm:linClrLst meth="repeat">
-      <a:schemeClr val="accent5"/>
-    </dgm:linClrLst>
-    <dgm:effectClrLst/>
-    <dgm:txLinClrLst/>
-    <dgm:txFillClrLst meth="repeat">
-      <a:schemeClr val="dk1"/>
-    </dgm:txFillClrLst>
-    <dgm:txEffectClrLst/>
-  </dgm:styleLbl>
-  <dgm:styleLbl name="bgAcc1">
-    <dgm:fillClrLst meth="repeat">
-      <a:schemeClr val="lt1">
-        <a:alpha val="90000"/>
-      </a:schemeClr>
-    </dgm:fillClrLst>
-    <dgm:linClrLst meth="repeat">
-      <a:schemeClr val="accent5"/>
-    </dgm:linClrLst>
-    <dgm:effectClrLst/>
-    <dgm:txLinClrLst/>
-    <dgm:txFillClrLst meth="repeat">
-      <a:schemeClr val="dk1"/>
-    </dgm:txFillClrLst>
-    <dgm:txEffectClrLst/>
-  </dgm:styleLbl>
-  <dgm:styleLbl name="solidFgAcc1">
-    <dgm:fillClrLst meth="repeat">
-      <a:schemeClr val="lt1"/>
-    </dgm:fillClrLst>
-    <dgm:linClrLst meth="repeat">
-      <a:schemeClr val="accent5"/>
-    </dgm:linClrLst>
-    <dgm:effectClrLst/>
-    <dgm:txLinClrLst/>
-    <dgm:txFillClrLst meth="repeat">
-      <a:schemeClr val="dk1"/>
-    </dgm:txFillClrLst>
-    <dgm:txEffectClrLst/>
-  </dgm:styleLbl>
-  <dgm:styleLbl name="solidAlignAcc1">
-    <dgm:fillClrLst meth="repeat">
-      <a:schemeClr val="lt1"/>
-    </dgm:fillClrLst>
-    <dgm:linClrLst meth="repeat">
-      <a:schemeClr val="accent5"/>
-    </dgm:linClrLst>
-    <dgm:effectClrLst/>
-    <dgm:txLinClrLst/>
-    <dgm:txFillClrLst meth="repeat">
-      <a:schemeClr val="dk1"/>
-    </dgm:txFillClrLst>
-    <dgm:txEffectClrLst/>
-  </dgm:styleLbl>
-  <dgm:styleLbl name="solidBgAcc1">
-    <dgm:fillClrLst meth="repeat">
-      <a:schemeClr val="lt1"/>
-    </dgm:fillClrLst>
-    <dgm:linClrLst meth="repeat">
-      <a:schemeClr val="accent5"/>
-    </dgm:linClrLst>
-    <dgm:effectClrLst/>
-    <dgm:txLinClrLst/>
-    <dgm:txFillClrLst meth="repeat">
-      <a:schemeClr val="dk1"/>
-    </dgm:txFillClrLst>
-    <dgm:txEffectClrLst/>
-  </dgm:styleLbl>
-  <dgm:styleLbl name="fgAccFollowNode1">
-    <dgm:fillClrLst meth="repeat">
-      <a:schemeClr val="accent5">
-        <a:alpha val="90000"/>
-        <a:tint val="40000"/>
-      </a:schemeClr>
-    </dgm:fillClrLst>
-    <dgm:linClrLst meth="repeat">
-      <a:schemeClr val="accent5">
-        <a:alpha val="90000"/>
-        <a:tint val="40000"/>
-      </a:schemeClr>
-    </dgm:linClrLst>
-    <dgm:effectClrLst/>
-    <dgm:txLinClrLst/>
-    <dgm:txFillClrLst meth="repeat">
-      <a:schemeClr val="dk1"/>
-    </dgm:txFillClrLst>
-    <dgm:txEffectClrLst/>
-  </dgm:styleLbl>
-  <dgm:styleLbl name="alignAccFollowNode1">
-    <dgm:fillClrLst meth="repeat">
-      <a:schemeClr val="accent5">
-        <a:alpha val="90000"/>
-        <a:tint val="40000"/>
-      </a:schemeClr>
-    </dgm:fillClrLst>
-    <dgm:linClrLst meth="repeat">
-      <a:schemeClr val="accent5">
-        <a:alpha val="90000"/>
-        <a:tint val="40000"/>
-      </a:schemeClr>
-    </dgm:linClrLst>
-    <dgm:effectClrLst/>
-    <dgm:txLinClrLst/>
-    <dgm:txFillClrLst meth="repeat">
-      <a:schemeClr val="dk1"/>
-    </dgm:txFillClrLst>
-    <dgm:txEffectClrLst/>
-  </dgm:styleLbl>
-  <dgm:styleLbl name="bgAccFollowNode1">
-    <dgm:fillClrLst meth="repeat">
-      <a:schemeClr val="accent5">
-        <a:alpha val="90000"/>
-        <a:tint val="40000"/>
-      </a:schemeClr>
-    </dgm:fillClrLst>
-    <dgm:linClrLst meth="repeat">
-      <a:schemeClr val="accent5">
-        <a:alpha val="90000"/>
-        <a:tint val="40000"/>
-      </a:schemeClr>
-    </dgm:linClrLst>
-    <dgm:effectClrLst/>
-    <dgm:txLinClrLst/>
-    <dgm:txFillClrLst meth="repeat">
-      <a:schemeClr val="dk1"/>
-    </dgm:txFillClrLst>
-    <dgm:txEffectClrLst/>
-  </dgm:styleLbl>
-  <dgm:styleLbl name="fgAcc0">
-    <dgm:fillClrLst meth="repeat">
-      <a:schemeClr val="lt1">
-        <a:alpha val="90000"/>
-      </a:schemeClr>
-    </dgm:fillClrLst>
-    <dgm:linClrLst meth="repeat">
-      <a:schemeClr val="accent5"/>
-    </dgm:linClrLst>
-    <dgm:effectClrLst/>
-    <dgm:txLinClrLst/>
-    <dgm:txFillClrLst meth="repeat">
-      <a:schemeClr val="dk1"/>
-    </dgm:txFillClrLst>
-    <dgm:txEffectClrLst/>
-  </dgm:styleLbl>
-  <dgm:styleLbl name="fgAcc2">
-    <dgm:fillClrLst meth="repeat">
-      <a:schemeClr val="lt1">
-        <a:alpha val="90000"/>
-      </a:schemeClr>
-    </dgm:fillClrLst>
-    <dgm:linClrLst meth="repeat">
-      <a:schemeClr val="accent5"/>
-    </dgm:linClrLst>
-    <dgm:effectClrLst/>
-    <dgm:txLinClrLst/>
-    <dgm:txFillClrLst meth="repeat">
-      <a:schemeClr val="dk1"/>
-    </dgm:txFillClrLst>
-    <dgm:txEffectClrLst/>
-  </dgm:styleLbl>
-  <dgm:styleLbl name="fgAcc3">
-    <dgm:fillClrLst meth="repeat">
-      <a:schemeClr val="lt1">
-        <a:alpha val="90000"/>
-      </a:schemeClr>
-    </dgm:fillClrLst>
-    <dgm:linClrLst meth="repeat">
-      <a:schemeClr val="accent5"/>
-    </dgm:linClrLst>
-    <dgm:effectClrLst/>
-    <dgm:txLinClrLst/>
-    <dgm:txFillClrLst meth="repeat">
-      <a:schemeClr val="dk1"/>
-    </dgm:txFillClrLst>
-    <dgm:txEffectClrLst/>
-  </dgm:styleLbl>
-  <dgm:styleLbl name="fgAcc4">
-    <dgm:fillClrLst meth="repeat">
-      <a:schemeClr val="lt1">
-        <a:alpha val="90000"/>
-      </a:schemeClr>
-    </dgm:fillClrLst>
-    <dgm:linClrLst meth="repeat">
-      <a:schemeClr val="accent5"/>
-    </dgm:linClrLst>
-    <dgm:effectClrLst/>
-    <dgm:txLinClrLst/>
-    <dgm:txFillClrLst meth="repeat">
-      <a:schemeClr val="dk1"/>
-    </dgm:txFillClrLst>
-    <dgm:txEffectClrLst/>
-  </dgm:styleLbl>
-  <dgm:styleLbl name="bgShp">
-    <dgm:fillClrLst meth="repeat">
-      <a:schemeClr val="accent5">
-        <a:tint val="40000"/>
-      </a:schemeClr>
-    </dgm:fillClrLst>
-    <dgm:linClrLst meth="repeat">
-      <a:schemeClr val="accent5"/>
-    </dgm:linClrLst>
-    <dgm:effectClrLst/>
-    <dgm:txLinClrLst/>
-    <dgm:txFillClrLst meth="repeat">
-      <a:schemeClr val="dk1"/>
-    </dgm:txFillClrLst>
-    <dgm:txEffectClrLst/>
-  </dgm:styleLbl>
-  <dgm:styleLbl name="dkBgShp">
-    <dgm:fillClrLst meth="repeat">
-      <a:schemeClr val="accent5">
-        <a:shade val="80000"/>
-      </a:schemeClr>
-    </dgm:fillClrLst>
-    <dgm:linClrLst meth="repeat">
-      <a:schemeClr val="accent5"/>
-    </dgm:linClrLst>
-    <dgm:effectClrLst/>
-    <dgm:txLinClrLst/>
-    <dgm:txFillClrLst meth="repeat">
-      <a:schemeClr val="lt1"/>
-    </dgm:txFillClrLst>
-    <dgm:txEffectClrLst/>
-  </dgm:styleLbl>
-  <dgm:styleLbl name="trBgShp">
-    <dgm:fillClrLst meth="repeat">
-      <a:schemeClr val="accent5">
-        <a:tint val="50000"/>
-        <a:alpha val="40000"/>
-      </a:schemeClr>
-    </dgm:fillClrLst>
-    <dgm:linClrLst meth="repeat">
-      <a:schemeClr val="accent5"/>
-    </dgm:linClrLst>
-    <dgm:effectClrLst/>
-    <dgm:txLinClrLst/>
-    <dgm:txFillClrLst meth="repeat">
-      <a:schemeClr val="lt1"/>
-    </dgm:txFillClrLst>
-    <dgm:txEffectClrLst/>
-  </dgm:styleLbl>
-  <dgm:styleLbl name="fgShp">
-    <dgm:fillClrLst meth="repeat">
-      <a:schemeClr val="accent5">
-        <a:tint val="60000"/>
-      </a:schemeClr>
-    </dgm:fillClrLst>
-    <dgm:linClrLst meth="repeat">
-      <a:schemeClr val="lt1"/>
-    </dgm:linClrLst>
-    <dgm:effectClrLst/>
-    <dgm:txLinClrLst/>
-    <dgm:txFillClrLst meth="repeat">
-      <a:schemeClr val="dk1"/>
-    </dgm:txFillClrLst>
-    <dgm:txEffectClrLst/>
-  </dgm:styleLbl>
-  <dgm:styleLbl name="revTx">
-    <dgm:fillClrLst meth="repeat">
-      <a:schemeClr val="lt1">
-        <a:alpha val="0"/>
-      </a:schemeClr>
-    </dgm:fillClrLst>
-    <dgm:linClrLst meth="repeat">
-      <a:schemeClr val="dk1">
-        <a:alpha val="0"/>
-      </a:schemeClr>
-    </dgm:linClrLst>
-    <dgm:effectClrLst/>
-    <dgm:txLinClrLst/>
-    <dgm:txFillClrLst meth="repeat">
-      <a:schemeClr val="tx1"/>
-    </dgm:txFillClrLst>
-    <dgm:txEffectClrLst/>
-  </dgm:styleLbl>
-</dgm:colorsDef>
-</file>
-
-<file path=ppt/diagrams/colors3.xml><?xml version="1.0" encoding="utf-8"?>
-<dgm:colorsDef xmlns:dgm="http://schemas.openxmlformats.org/drawingml/2006/diagram" xmlns:a="http://schemas.openxmlformats.org/drawingml/2006/main" uniqueId="urn:microsoft.com/office/officeart/2005/8/colors/accent5_2">
-  <dgm:title val=""/>
-  <dgm:desc val=""/>
-  <dgm:catLst>
-    <dgm:cat type="accent5" pri="11200"/>
-  </dgm:catLst>
-  <dgm:styleLbl name="node0">
-    <dgm:fillClrLst meth="repeat">
-      <a:schemeClr val="accent5"/>
-    </dgm:fillClrLst>
-    <dgm:linClrLst meth="repeat">
-      <a:schemeClr val="lt1"/>
-    </dgm:linClrLst>
-    <dgm:effectClrLst/>
-    <dgm:txLinClrLst/>
-    <dgm:txFillClrLst/>
-    <dgm:txEffectClrLst/>
-  </dgm:styleLbl>
-  <dgm:styleLbl name="node1">
-    <dgm:fillClrLst meth="repeat">
-      <a:schemeClr val="accent5"/>
-    </dgm:fillClrLst>
-    <dgm:linClrLst meth="repeat">
-      <a:schemeClr val="lt1"/>
-    </dgm:linClrLst>
-    <dgm:effectClrLst/>
-    <dgm:txLinClrLst/>
-    <dgm:txFillClrLst/>
-    <dgm:txEffectClrLst/>
-  </dgm:styleLbl>
-  <dgm:styleLbl name="alignNode1">
-    <dgm:fillClrLst meth="repeat">
-      <a:schemeClr val="accent5"/>
-    </dgm:fillClrLst>
-    <dgm:linClrLst meth="repeat">
-      <a:schemeClr val="accent5"/>
-    </dgm:linClrLst>
-    <dgm:effectClrLst/>
-    <dgm:txLinClrLst/>
-    <dgm:txFillClrLst/>
-    <dgm:txEffectClrLst/>
-  </dgm:styleLbl>
-  <dgm:styleLbl name="lnNode1">
-    <dgm:fillClrLst meth="repeat">
-      <a:schemeClr val="accent5"/>
-    </dgm:fillClrLst>
-    <dgm:linClrLst meth="repeat">
-      <a:schemeClr val="lt1"/>
-    </dgm:linClrLst>
-    <dgm:effectClrLst/>
-    <dgm:txLinClrLst/>
-    <dgm:txFillClrLst/>
-    <dgm:txEffectClrLst/>
-  </dgm:styleLbl>
-  <dgm:styleLbl name="vennNode1">
-    <dgm:fillClrLst meth="repeat">
-      <a:schemeClr val="accent5">
-        <a:alpha val="50000"/>
-      </a:schemeClr>
-    </dgm:fillClrLst>
-    <dgm:linClrLst meth="repeat">
-      <a:schemeClr val="lt1"/>
-    </dgm:linClrLst>
-    <dgm:effectClrLst/>
-    <dgm:txLinClrLst/>
-    <dgm:txFillClrLst/>
-    <dgm:txEffectClrLst/>
-  </dgm:styleLbl>
-  <dgm:styleLbl name="node2">
-    <dgm:fillClrLst meth="repeat">
-      <a:schemeClr val="accent5"/>
-    </dgm:fillClrLst>
-    <dgm:linClrLst meth="repeat">
-      <a:schemeClr val="lt1"/>
-    </dgm:linClrLst>
-    <dgm:effectClrLst/>
-    <dgm:txLinClrLst/>
-    <dgm:txFillClrLst/>
-    <dgm:txEffectClrLst/>
-  </dgm:styleLbl>
-  <dgm:styleLbl name="node3">
-    <dgm:fillClrLst meth="repeat">
-      <a:schemeClr val="accent5"/>
-    </dgm:fillClrLst>
-    <dgm:linClrLst meth="repeat">
-      <a:schemeClr val="lt1"/>
-    </dgm:linClrLst>
-    <dgm:effectClrLst/>
-    <dgm:txLinClrLst/>
-    <dgm:txFillClrLst/>
-    <dgm:txEffectClrLst/>
-  </dgm:styleLbl>
-  <dgm:styleLbl name="node4">
-    <dgm:fillClrLst meth="repeat">
-      <a:schemeClr val="accent5"/>
-    </dgm:fillClrLst>
-    <dgm:linClrLst meth="repeat">
-      <a:schemeClr val="lt1"/>
-    </dgm:linClrLst>
-    <dgm:effectClrLst/>
-    <dgm:txLinClrLst/>
-    <dgm:txFillClrLst/>
-    <dgm:txEffectClrLst/>
-  </dgm:styleLbl>
-  <dgm:styleLbl name="fgImgPlace1">
-    <dgm:fillClrLst meth="repeat">
-      <a:schemeClr val="accent5">
-        <a:tint val="50000"/>
-      </a:schemeClr>
-    </dgm:fillClrLst>
-    <dgm:linClrLst meth="repeat">
-      <a:schemeClr val="lt1"/>
-    </dgm:linClrLst>
-    <dgm:effectClrLst/>
-    <dgm:txLinClrLst/>
-    <dgm:txFillClrLst meth="repeat">
-      <a:schemeClr val="lt1"/>
-    </dgm:txFillClrLst>
-    <dgm:txEffectClrLst/>
-  </dgm:styleLbl>
-  <dgm:styleLbl name="alignImgPlace1">
-    <dgm:fillClrLst meth="repeat">
-      <a:schemeClr val="accent5">
-        <a:tint val="50000"/>
-      </a:schemeClr>
-    </dgm:fillClrLst>
-    <dgm:linClrLst meth="repeat">
-      <a:schemeClr val="lt1"/>
-    </dgm:linClrLst>
-    <dgm:effectClrLst/>
-    <dgm:txLinClrLst/>
-    <dgm:txFillClrLst meth="repeat">
-      <a:schemeClr val="lt1"/>
-    </dgm:txFillClrLst>
-    <dgm:txEffectClrLst/>
-  </dgm:styleLbl>
-  <dgm:styleLbl name="bgImgPlace1">
-    <dgm:fillClrLst meth="repeat">
-      <a:schemeClr val="accent5">
-        <a:tint val="50000"/>
-      </a:schemeClr>
-    </dgm:fillClrLst>
-    <dgm:linClrLst meth="repeat">
-      <a:schemeClr val="lt1"/>
-    </dgm:linClrLst>
-    <dgm:effectClrLst/>
-    <dgm:txLinClrLst/>
-    <dgm:txFillClrLst meth="repeat">
-      <a:schemeClr val="lt1"/>
-    </dgm:txFillClrLst>
-    <dgm:txEffectClrLst/>
-  </dgm:styleLbl>
-  <dgm:styleLbl name="sibTrans2D1">
-    <dgm:fillClrLst meth="repeat">
-      <a:schemeClr val="accent5">
-        <a:tint val="60000"/>
-      </a:schemeClr>
-    </dgm:fillClrLst>
-    <dgm:linClrLst meth="repeat">
-      <a:schemeClr val="accent5">
-        <a:tint val="60000"/>
-      </a:schemeClr>
-    </dgm:linClrLst>
-    <dgm:effectClrLst/>
-    <dgm:txLinClrLst/>
-    <dgm:txFillClrLst/>
-    <dgm:txEffectClrLst/>
-  </dgm:styleLbl>
-  <dgm:styleLbl name="fgSibTrans2D1">
-    <dgm:fillClrLst meth="repeat">
-      <a:schemeClr val="accent5">
-        <a:tint val="60000"/>
-      </a:schemeClr>
-    </dgm:fillClrLst>
-    <dgm:linClrLst meth="repeat">
-      <a:schemeClr val="accent5">
-        <a:tint val="60000"/>
-      </a:schemeClr>
-    </dgm:linClrLst>
-    <dgm:effectClrLst/>
-    <dgm:txLinClrLst/>
-    <dgm:txFillClrLst/>
-    <dgm:txEffectClrLst/>
-  </dgm:styleLbl>
-  <dgm:styleLbl name="bgSibTrans2D1">
-    <dgm:fillClrLst meth="repeat">
-      <a:schemeClr val="accent5">
-        <a:tint val="60000"/>
-      </a:schemeClr>
-    </dgm:fillClrLst>
-    <dgm:linClrLst meth="repeat">
-      <a:schemeClr val="accent5">
-        <a:tint val="60000"/>
-      </a:schemeClr>
-    </dgm:linClrLst>
-    <dgm:effectClrLst/>
-    <dgm:txLinClrLst/>
-    <dgm:txFillClrLst/>
-    <dgm:txEffectClrLst/>
-  </dgm:styleLbl>
-  <dgm:styleLbl name="sibTrans1D1">
-    <dgm:fillClrLst meth="repeat">
-      <a:schemeClr val="accent5"/>
-    </dgm:fillClrLst>
-    <dgm:linClrLst meth="repeat">
-      <a:schemeClr val="accent5"/>
-    </dgm:linClrLst>
-    <dgm:effectClrLst/>
-    <dgm:txLinClrLst/>
-    <dgm:txFillClrLst meth="repeat">
-      <a:schemeClr val="tx1"/>
-    </dgm:txFillClrLst>
-    <dgm:txEffectClrLst/>
-  </dgm:styleLbl>
-  <dgm:styleLbl name="callout">
-    <dgm:fillClrLst meth="repeat">
-      <a:schemeClr val="accent5"/>
-    </dgm:fillClrLst>
-    <dgm:linClrLst meth="repeat">
-      <a:schemeClr val="accent5">
-        <a:tint val="50000"/>
-      </a:schemeClr>
-    </dgm:linClrLst>
-    <dgm:effectClrLst/>
-    <dgm:txLinClrLst/>
-    <dgm:txFillClrLst meth="repeat">
-      <a:schemeClr val="tx1"/>
-    </dgm:txFillClrLst>
-    <dgm:txEffectClrLst/>
-  </dgm:styleLbl>
-  <dgm:styleLbl name="asst0">
-    <dgm:fillClrLst meth="repeat">
-      <a:schemeClr val="accent5"/>
-    </dgm:fillClrLst>
-    <dgm:linClrLst meth="repeat">
-      <a:schemeClr val="lt1"/>
-    </dgm:linClrLst>
-    <dgm:effectClrLst/>
-    <dgm:txLinClrLst/>
-    <dgm:txFillClrLst/>
-    <dgm:txEffectClrLst/>
-  </dgm:styleLbl>
-  <dgm:styleLbl name="asst1">
-    <dgm:fillClrLst meth="repeat">
-      <a:schemeClr val="accent5"/>
-    </dgm:fillClrLst>
-    <dgm:linClrLst meth="repeat">
-      <a:schemeClr val="lt1"/>
-    </dgm:linClrLst>
-    <dgm:effectClrLst/>
-    <dgm:txLinClrLst/>
-    <dgm:txFillClrLst/>
-    <dgm:txEffectClrLst/>
-  </dgm:styleLbl>
-  <dgm:styleLbl name="asst2">
-    <dgm:fillClrLst meth="repeat">
-      <a:schemeClr val="accent5"/>
-    </dgm:fillClrLst>
-    <dgm:linClrLst meth="repeat">
-      <a:schemeClr val="lt1"/>
-    </dgm:linClrLst>
-    <dgm:effectClrLst/>
-    <dgm:txLinClrLst/>
-    <dgm:txFillClrLst/>
-    <dgm:txEffectClrLst/>
-  </dgm:styleLbl>
-  <dgm:styleLbl name="asst3">
-    <dgm:fillClrLst meth="repeat">
-      <a:schemeClr val="accent5"/>
-    </dgm:fillClrLst>
-    <dgm:linClrLst meth="repeat">
-      <a:schemeClr val="lt1"/>
-    </dgm:linClrLst>
-    <dgm:effectClrLst/>
-    <dgm:txLinClrLst/>
-    <dgm:txFillClrLst/>
-    <dgm:txEffectClrLst/>
-  </dgm:styleLbl>
-  <dgm:styleLbl name="asst4">
-    <dgm:fillClrLst meth="repeat">
-      <a:schemeClr val="accent5"/>
-    </dgm:fillClrLst>
-    <dgm:linClrLst meth="repeat">
-      <a:schemeClr val="lt1"/>
-    </dgm:linClrLst>
-    <dgm:effectClrLst/>
-    <dgm:txLinClrLst/>
-    <dgm:txFillClrLst/>
-    <dgm:txEffectClrLst/>
-  </dgm:styleLbl>
-  <dgm:styleLbl name="parChTrans2D1">
-    <dgm:fillClrLst meth="repeat">
-      <a:schemeClr val="accent5">
-        <a:tint val="60000"/>
-      </a:schemeClr>
-    </dgm:fillClrLst>
-    <dgm:linClrLst meth="repeat">
-      <a:schemeClr val="accent5">
-        <a:tint val="60000"/>
-      </a:schemeClr>
-    </dgm:linClrLst>
-    <dgm:effectClrLst/>
-    <dgm:txLinClrLst/>
-    <dgm:txFillClrLst meth="repeat">
-      <a:schemeClr val="lt1"/>
-    </dgm:txFillClrLst>
-    <dgm:txEffectClrLst/>
-  </dgm:styleLbl>
-  <dgm:styleLbl name="parChTrans2D2">
-    <dgm:fillClrLst meth="repeat">
-      <a:schemeClr val="accent5"/>
-    </dgm:fillClrLst>
-    <dgm:linClrLst meth="repeat">
-      <a:schemeClr val="accent5"/>
-    </dgm:linClrLst>
-    <dgm:effectClrLst/>
-    <dgm:txLinClrLst/>
-    <dgm:txFillClrLst meth="repeat">
-      <a:schemeClr val="lt1"/>
-    </dgm:txFillClrLst>
-    <dgm:txEffectClrLst/>
-  </dgm:styleLbl>
-  <dgm:styleLbl name="parChTrans2D3">
-    <dgm:fillClrLst meth="repeat">
-      <a:schemeClr val="accent5"/>
-    </dgm:fillClrLst>
-    <dgm:linClrLst meth="repeat">
-      <a:schemeClr val="accent5"/>
-    </dgm:linClrLst>
-    <dgm:effectClrLst/>
-    <dgm:txLinClrLst/>
-    <dgm:txFillClrLst meth="repeat">
-      <a:schemeClr val="lt1"/>
-    </dgm:txFillClrLst>
-    <dgm:txEffectClrLst/>
-  </dgm:styleLbl>
-  <dgm:styleLbl name="parChTrans2D4">
-    <dgm:fillClrLst meth="repeat">
-      <a:schemeClr val="accent5"/>
-    </dgm:fillClrLst>
-    <dgm:linClrLst meth="repeat">
-      <a:schemeClr val="accent5"/>
-    </dgm:linClrLst>
-    <dgm:effectClrLst/>
-    <dgm:txLinClrLst/>
-    <dgm:txFillClrLst meth="repeat">
-      <a:schemeClr val="lt1"/>
-    </dgm:txFillClrLst>
-    <dgm:txEffectClrLst/>
-  </dgm:styleLbl>
-  <dgm:styleLbl name="parChTrans1D1">
-    <dgm:fillClrLst meth="repeat">
-      <a:schemeClr val="accent5"/>
-    </dgm:fillClrLst>
-    <dgm:linClrLst meth="repeat">
-      <a:schemeClr val="accent5">
-        <a:shade val="60000"/>
-      </a:schemeClr>
-    </dgm:linClrLst>
-    <dgm:effectClrLst/>
-    <dgm:txLinClrLst/>
-    <dgm:txFillClrLst meth="repeat">
-      <a:schemeClr val="tx1"/>
-    </dgm:txFillClrLst>
-    <dgm:txEffectClrLst/>
-  </dgm:styleLbl>
-  <dgm:styleLbl name="parChTrans1D2">
-    <dgm:fillClrLst meth="repeat">
-      <a:schemeClr val="accent5"/>
-    </dgm:fillClrLst>
-    <dgm:linClrLst meth="repeat">
-      <a:schemeClr val="accent5">
-        <a:shade val="60000"/>
-      </a:schemeClr>
-    </dgm:linClrLst>
-    <dgm:effectClrLst/>
-    <dgm:txLinClrLst/>
-    <dgm:txFillClrLst meth="repeat">
-      <a:schemeClr val="tx1"/>
-    </dgm:txFillClrLst>
-    <dgm:txEffectClrLst/>
-  </dgm:styleLbl>
-  <dgm:styleLbl name="parChTrans1D3">
-    <dgm:fillClrLst meth="repeat">
-      <a:schemeClr val="accent5"/>
-    </dgm:fillClrLst>
-    <dgm:linClrLst meth="repeat">
-      <a:schemeClr val="accent5">
-        <a:shade val="80000"/>
-      </a:schemeClr>
-    </dgm:linClrLst>
-    <dgm:effectClrLst/>
-    <dgm:txLinClrLst/>
-    <dgm:txFillClrLst meth="repeat">
-      <a:schemeClr val="tx1"/>
-    </dgm:txFillClrLst>
-    <dgm:txEffectClrLst/>
-  </dgm:styleLbl>
-  <dgm:styleLbl name="parChTrans1D4">
-    <dgm:fillClrLst meth="repeat">
-      <a:schemeClr val="accent5"/>
-    </dgm:fillClrLst>
-    <dgm:linClrLst meth="repeat">
-      <a:schemeClr val="accent5">
-        <a:shade val="80000"/>
-      </a:schemeClr>
-    </dgm:linClrLst>
-    <dgm:effectClrLst/>
-    <dgm:txLinClrLst/>
-    <dgm:txFillClrLst meth="repeat">
-      <a:schemeClr val="tx1"/>
-    </dgm:txFillClrLst>
-    <dgm:txEffectClrLst/>
-  </dgm:styleLbl>
-  <dgm:styleLbl name="fgAcc1">
-    <dgm:fillClrLst meth="repeat">
-      <a:schemeClr val="lt1">
-        <a:alpha val="90000"/>
-      </a:schemeClr>
-    </dgm:fillClrLst>
-    <dgm:linClrLst meth="repeat">
-      <a:schemeClr val="accent5"/>
-    </dgm:linClrLst>
-    <dgm:effectClrLst/>
-    <dgm:txLinClrLst/>
-    <dgm:txFillClrLst meth="repeat">
-      <a:schemeClr val="dk1"/>
-    </dgm:txFillClrLst>
-    <dgm:txEffectClrLst/>
-  </dgm:styleLbl>
-  <dgm:styleLbl name="conFgAcc1">
-    <dgm:fillClrLst meth="repeat">
-      <a:schemeClr val="lt1">
-        <a:alpha val="90000"/>
-      </a:schemeClr>
-    </dgm:fillClrLst>
-    <dgm:linClrLst meth="repeat">
-      <a:schemeClr val="accent5"/>
-    </dgm:linClrLst>
-    <dgm:effectClrLst/>
-    <dgm:txLinClrLst/>
-    <dgm:txFillClrLst meth="repeat">
-      <a:schemeClr val="dk1"/>
-    </dgm:txFillClrLst>
-    <dgm:txEffectClrLst/>
-  </dgm:styleLbl>
-  <dgm:styleLbl name="alignAcc1">
-    <dgm:fillClrLst meth="repeat">
-      <a:schemeClr val="lt1">
-        <a:alpha val="90000"/>
-      </a:schemeClr>
-    </dgm:fillClrLst>
-    <dgm:linClrLst meth="repeat">
-      <a:schemeClr val="accent5"/>
-    </dgm:linClrLst>
-    <dgm:effectClrLst/>
-    <dgm:txLinClrLst/>
-    <dgm:txFillClrLst meth="repeat">
-      <a:schemeClr val="dk1"/>
-    </dgm:txFillClrLst>
-    <dgm:txEffectClrLst/>
-  </dgm:styleLbl>
-  <dgm:styleLbl name="trAlignAcc1">
-    <dgm:fillClrLst meth="repeat">
-      <a:schemeClr val="lt1">
-        <a:alpha val="40000"/>
-      </a:schemeClr>
-    </dgm:fillClrLst>
-    <dgm:linClrLst meth="repeat">
-      <a:schemeClr val="accent5"/>
-    </dgm:linClrLst>
-    <dgm:effectClrLst/>
-    <dgm:txLinClrLst/>
-    <dgm:txFillClrLst meth="repeat">
-      <a:schemeClr val="dk1"/>
-    </dgm:txFillClrLst>
-    <dgm:txEffectClrLst/>
-  </dgm:styleLbl>
-  <dgm:styleLbl name="bgAcc1">
-    <dgm:fillClrLst meth="repeat">
-      <a:schemeClr val="lt1">
-        <a:alpha val="90000"/>
-      </a:schemeClr>
-    </dgm:fillClrLst>
-    <dgm:linClrLst meth="repeat">
-      <a:schemeClr val="accent5"/>
-    </dgm:linClrLst>
-    <dgm:effectClrLst/>
-    <dgm:txLinClrLst/>
-    <dgm:txFillClrLst meth="repeat">
-      <a:schemeClr val="dk1"/>
-    </dgm:txFillClrLst>
-    <dgm:txEffectClrLst/>
-  </dgm:styleLbl>
-  <dgm:styleLbl name="solidFgAcc1">
-    <dgm:fillClrLst meth="repeat">
-      <a:schemeClr val="lt1"/>
-    </dgm:fillClrLst>
-    <dgm:linClrLst meth="repeat">
-      <a:schemeClr val="accent5"/>
-    </dgm:linClrLst>
-    <dgm:effectClrLst/>
-    <dgm:txLinClrLst/>
-    <dgm:txFillClrLst meth="repeat">
-      <a:schemeClr val="dk1"/>
-    </dgm:txFillClrLst>
-    <dgm:txEffectClrLst/>
-  </dgm:styleLbl>
-  <dgm:styleLbl name="solidAlignAcc1">
-    <dgm:fillClrLst meth="repeat">
-      <a:schemeClr val="lt1"/>
-    </dgm:fillClrLst>
-    <dgm:linClrLst meth="repeat">
-      <a:schemeClr val="accent5"/>
-    </dgm:linClrLst>
-    <dgm:effectClrLst/>
-    <dgm:txLinClrLst/>
-    <dgm:txFillClrLst meth="repeat">
-      <a:schemeClr val="dk1"/>
-    </dgm:txFillClrLst>
-    <dgm:txEffectClrLst/>
-  </dgm:styleLbl>
-  <dgm:styleLbl name="solidBgAcc1">
-    <dgm:fillClrLst meth="repeat">
-      <a:schemeClr val="lt1"/>
-    </dgm:fillClrLst>
-    <dgm:linClrLst meth="repeat">
-      <a:schemeClr val="accent5"/>
-    </dgm:linClrLst>
-    <dgm:effectClrLst/>
-    <dgm:txLinClrLst/>
-    <dgm:txFillClrLst meth="repeat">
-      <a:schemeClr val="dk1"/>
-    </dgm:txFillClrLst>
-    <dgm:txEffectClrLst/>
-  </dgm:styleLbl>
-  <dgm:styleLbl name="fgAccFollowNode1">
-    <dgm:fillClrLst meth="repeat">
-      <a:schemeClr val="accent5">
-        <a:alpha val="90000"/>
-        <a:tint val="40000"/>
-      </a:schemeClr>
-    </dgm:fillClrLst>
-    <dgm:linClrLst meth="repeat">
-      <a:schemeClr val="accent5">
-        <a:alpha val="90000"/>
-        <a:tint val="40000"/>
-      </a:schemeClr>
-    </dgm:linClrLst>
-    <dgm:effectClrLst/>
-    <dgm:txLinClrLst/>
-    <dgm:txFillClrLst meth="repeat">
-      <a:schemeClr val="dk1"/>
-    </dgm:txFillClrLst>
-    <dgm:txEffectClrLst/>
-  </dgm:styleLbl>
-  <dgm:styleLbl name="alignAccFollowNode1">
-    <dgm:fillClrLst meth="repeat">
-      <a:schemeClr val="accent5">
-        <a:alpha val="90000"/>
-        <a:tint val="40000"/>
-      </a:schemeClr>
-    </dgm:fillClrLst>
-    <dgm:linClrLst meth="repeat">
-      <a:schemeClr val="accent5">
-        <a:alpha val="90000"/>
-        <a:tint val="40000"/>
-      </a:schemeClr>
-    </dgm:linClrLst>
-    <dgm:effectClrLst/>
-    <dgm:txLinClrLst/>
-    <dgm:txFillClrLst meth="repeat">
-      <a:schemeClr val="dk1"/>
-    </dgm:txFillClrLst>
-    <dgm:txEffectClrLst/>
-  </dgm:styleLbl>
-  <dgm:styleLbl name="bgAccFollowNode1">
-    <dgm:fillClrLst meth="repeat">
-      <a:schemeClr val="accent5">
-        <a:alpha val="90000"/>
-        <a:tint val="40000"/>
-      </a:schemeClr>
-    </dgm:fillClrLst>
-    <dgm:linClrLst meth="repeat">
-      <a:schemeClr val="accent5">
-        <a:alpha val="90000"/>
-        <a:tint val="40000"/>
-      </a:schemeClr>
-    </dgm:linClrLst>
-    <dgm:effectClrLst/>
-    <dgm:txLinClrLst/>
-    <dgm:txFillClrLst meth="repeat">
-      <a:schemeClr val="dk1"/>
-    </dgm:txFillClrLst>
-    <dgm:txEffectClrLst/>
-  </dgm:styleLbl>
-  <dgm:styleLbl name="fgAcc0">
-    <dgm:fillClrLst meth="repeat">
-      <a:schemeClr val="lt1">
-        <a:alpha val="90000"/>
-      </a:schemeClr>
-    </dgm:fillClrLst>
-    <dgm:linClrLst meth="repeat">
-      <a:schemeClr val="accent5"/>
-    </dgm:linClrLst>
-    <dgm:effectClrLst/>
-    <dgm:txLinClrLst/>
-    <dgm:txFillClrLst meth="repeat">
-      <a:schemeClr val="dk1"/>
-    </dgm:txFillClrLst>
-    <dgm:txEffectClrLst/>
-  </dgm:styleLbl>
-  <dgm:styleLbl name="fgAcc2">
-    <dgm:fillClrLst meth="repeat">
-      <a:schemeClr val="lt1">
-        <a:alpha val="90000"/>
-      </a:schemeClr>
-    </dgm:fillClrLst>
-    <dgm:linClrLst meth="repeat">
-      <a:schemeClr val="accent5"/>
-    </dgm:linClrLst>
-    <dgm:effectClrLst/>
-    <dgm:txLinClrLst/>
-    <dgm:txFillClrLst meth="repeat">
-      <a:schemeClr val="dk1"/>
-    </dgm:txFillClrLst>
-    <dgm:txEffectClrLst/>
-  </dgm:styleLbl>
-  <dgm:styleLbl name="fgAcc3">
-    <dgm:fillClrLst meth="repeat">
-      <a:schemeClr val="lt1">
-        <a:alpha val="90000"/>
-      </a:schemeClr>
-    </dgm:fillClrLst>
-    <dgm:linClrLst meth="repeat">
-      <a:schemeClr val="accent5"/>
-    </dgm:linClrLst>
-    <dgm:effectClrLst/>
-    <dgm:txLinClrLst/>
-    <dgm:txFillClrLst meth="repeat">
-      <a:schemeClr val="dk1"/>
-    </dgm:txFillClrLst>
-    <dgm:txEffectClrLst/>
-  </dgm:styleLbl>
-  <dgm:styleLbl name="fgAcc4">
-    <dgm:fillClrLst meth="repeat">
-      <a:schemeClr val="lt1">
-        <a:alpha val="90000"/>
-      </a:schemeClr>
-    </dgm:fillClrLst>
-    <dgm:linClrLst meth="repeat">
-      <a:schemeClr val="accent5"/>
-    </dgm:linClrLst>
-    <dgm:effectClrLst/>
-    <dgm:txLinClrLst/>
-    <dgm:txFillClrLst meth="repeat">
-      <a:schemeClr val="dk1"/>
-    </dgm:txFillClrLst>
-    <dgm:txEffectClrLst/>
-  </dgm:styleLbl>
-  <dgm:styleLbl name="bgShp">
-    <dgm:fillClrLst meth="repeat">
-      <a:schemeClr val="accent5">
-        <a:tint val="40000"/>
-      </a:schemeClr>
-    </dgm:fillClrLst>
-    <dgm:linClrLst meth="repeat">
-      <a:schemeClr val="accent5"/>
-    </dgm:linClrLst>
-    <dgm:effectClrLst/>
-    <dgm:txLinClrLst/>
-    <dgm:txFillClrLst meth="repeat">
-      <a:schemeClr val="dk1"/>
-    </dgm:txFillClrLst>
-    <dgm:txEffectClrLst/>
-  </dgm:styleLbl>
-  <dgm:styleLbl name="dkBgShp">
-    <dgm:fillClrLst meth="repeat">
-      <a:schemeClr val="accent5">
-        <a:shade val="80000"/>
-      </a:schemeClr>
-    </dgm:fillClrLst>
-    <dgm:linClrLst meth="repeat">
-      <a:schemeClr val="accent5"/>
-    </dgm:linClrLst>
-    <dgm:effectClrLst/>
-    <dgm:txLinClrLst/>
-    <dgm:txFillClrLst meth="repeat">
-      <a:schemeClr val="lt1"/>
-    </dgm:txFillClrLst>
-    <dgm:txEffectClrLst/>
-  </dgm:styleLbl>
-  <dgm:styleLbl name="trBgShp">
-    <dgm:fillClrLst meth="repeat">
-      <a:schemeClr val="accent5">
-        <a:tint val="50000"/>
-        <a:alpha val="40000"/>
-      </a:schemeClr>
-    </dgm:fillClrLst>
-    <dgm:linClrLst meth="repeat">
-      <a:schemeClr val="accent5"/>
-    </dgm:linClrLst>
-    <dgm:effectClrLst/>
-    <dgm:txLinClrLst/>
-    <dgm:txFillClrLst meth="repeat">
-      <a:schemeClr val="lt1"/>
-    </dgm:txFillClrLst>
-    <dgm:txEffectClrLst/>
-  </dgm:styleLbl>
-  <dgm:styleLbl name="fgShp">
-    <dgm:fillClrLst meth="repeat">
-      <a:schemeClr val="accent5">
-        <a:tint val="60000"/>
-      </a:schemeClr>
-    </dgm:fillClrLst>
-    <dgm:linClrLst meth="repeat">
-      <a:schemeClr val="lt1"/>
-    </dgm:linClrLst>
-    <dgm:effectClrLst/>
-    <dgm:txLinClrLst/>
-    <dgm:txFillClrLst meth="repeat">
-      <a:schemeClr val="dk1"/>
-    </dgm:txFillClrLst>
-    <dgm:txEffectClrLst/>
-  </dgm:styleLbl>
-  <dgm:styleLbl name="revTx">
-    <dgm:fillClrLst meth="repeat">
-      <a:schemeClr val="lt1">
-        <a:alpha val="0"/>
-      </a:schemeClr>
-    </dgm:fillClrLst>
-    <dgm:linClrLst meth="repeat">
-      <a:schemeClr val="dk1">
-        <a:alpha val="0"/>
-      </a:schemeClr>
-    </dgm:linClrLst>
-    <dgm:effectClrLst/>
-    <dgm:txLinClrLst/>
-    <dgm:txFillClrLst meth="repeat">
-      <a:schemeClr val="tx1"/>
-    </dgm:txFillClrLst>
-    <dgm:txEffectClrLst/>
-  </dgm:styleLbl>
-</dgm:colorsDef>
-</file>
-
-<file path=ppt/diagrams/colors4.xml><?xml version="1.0" encoding="utf-8"?>
-<dgm:colorsDef xmlns:dgm="http://schemas.openxmlformats.org/drawingml/2006/diagram" xmlns:a="http://schemas.openxmlformats.org/drawingml/2006/main" uniqueId="urn:microsoft.com/office/officeart/2005/8/colors/accent5_2">
-  <dgm:title val=""/>
-  <dgm:desc val=""/>
-  <dgm:catLst>
-    <dgm:cat type="accent5" pri="11200"/>
-  </dgm:catLst>
-  <dgm:styleLbl name="node0">
-    <dgm:fillClrLst meth="repeat">
-      <a:schemeClr val="accent5"/>
-    </dgm:fillClrLst>
-    <dgm:linClrLst meth="repeat">
-      <a:schemeClr val="lt1"/>
-    </dgm:linClrLst>
-    <dgm:effectClrLst/>
-    <dgm:txLinClrLst/>
-    <dgm:txFillClrLst/>
-    <dgm:txEffectClrLst/>
-  </dgm:styleLbl>
-  <dgm:styleLbl name="node1">
-    <dgm:fillClrLst meth="repeat">
-      <a:schemeClr val="accent5"/>
-    </dgm:fillClrLst>
-    <dgm:linClrLst meth="repeat">
-      <a:schemeClr val="lt1"/>
-    </dgm:linClrLst>
-    <dgm:effectClrLst/>
-    <dgm:txLinClrLst/>
-    <dgm:txFillClrLst/>
-    <dgm:txEffectClrLst/>
-  </dgm:styleLbl>
-  <dgm:styleLbl name="alignNode1">
-    <dgm:fillClrLst meth="repeat">
-      <a:schemeClr val="accent5"/>
-    </dgm:fillClrLst>
-    <dgm:linClrLst meth="repeat">
-      <a:schemeClr val="accent5"/>
-    </dgm:linClrLst>
-    <dgm:effectClrLst/>
-    <dgm:txLinClrLst/>
-    <dgm:txFillClrLst/>
-    <dgm:txEffectClrLst/>
-  </dgm:styleLbl>
-  <dgm:styleLbl name="lnNode1">
-    <dgm:fillClrLst meth="repeat">
-      <a:schemeClr val="accent5"/>
-    </dgm:fillClrLst>
-    <dgm:linClrLst meth="repeat">
-      <a:schemeClr val="lt1"/>
-    </dgm:linClrLst>
-    <dgm:effectClrLst/>
-    <dgm:txLinClrLst/>
-    <dgm:txFillClrLst/>
-    <dgm:txEffectClrLst/>
-  </dgm:styleLbl>
-  <dgm:styleLbl name="vennNode1">
-    <dgm:fillClrLst meth="repeat">
-      <a:schemeClr val="accent5">
-        <a:alpha val="50000"/>
-      </a:schemeClr>
-    </dgm:fillClrLst>
-    <dgm:linClrLst meth="repeat">
-      <a:schemeClr val="lt1"/>
-    </dgm:linClrLst>
-    <dgm:effectClrLst/>
-    <dgm:txLinClrLst/>
-    <dgm:txFillClrLst/>
-    <dgm:txEffectClrLst/>
-  </dgm:styleLbl>
-  <dgm:styleLbl name="node2">
-    <dgm:fillClrLst meth="repeat">
-      <a:schemeClr val="accent5"/>
-    </dgm:fillClrLst>
-    <dgm:linClrLst meth="repeat">
-      <a:schemeClr val="lt1"/>
-    </dgm:linClrLst>
-    <dgm:effectClrLst/>
-    <dgm:txLinClrLst/>
-    <dgm:txFillClrLst/>
-    <dgm:txEffectClrLst/>
-  </dgm:styleLbl>
-  <dgm:styleLbl name="node3">
-    <dgm:fillClrLst meth="repeat">
-      <a:schemeClr val="accent5"/>
-    </dgm:fillClrLst>
-    <dgm:linClrLst meth="repeat">
-      <a:schemeClr val="lt1"/>
-    </dgm:linClrLst>
-    <dgm:effectClrLst/>
-    <dgm:txLinClrLst/>
-    <dgm:txFillClrLst/>
-    <dgm:txEffectClrLst/>
-  </dgm:styleLbl>
-  <dgm:styleLbl name="node4">
-    <dgm:fillClrLst meth="repeat">
-      <a:schemeClr val="accent5"/>
-    </dgm:fillClrLst>
-    <dgm:linClrLst meth="repeat">
-      <a:schemeClr val="lt1"/>
-    </dgm:linClrLst>
-    <dgm:effectClrLst/>
-    <dgm:txLinClrLst/>
-    <dgm:txFillClrLst/>
-    <dgm:txEffectClrLst/>
-  </dgm:styleLbl>
-  <dgm:styleLbl name="fgImgPlace1">
-    <dgm:fillClrLst meth="repeat">
-      <a:schemeClr val="accent5">
-        <a:tint val="50000"/>
-      </a:schemeClr>
-    </dgm:fillClrLst>
-    <dgm:linClrLst meth="repeat">
-      <a:schemeClr val="lt1"/>
-    </dgm:linClrLst>
-    <dgm:effectClrLst/>
-    <dgm:txLinClrLst/>
-    <dgm:txFillClrLst meth="repeat">
-      <a:schemeClr val="lt1"/>
-    </dgm:txFillClrLst>
-    <dgm:txEffectClrLst/>
-  </dgm:styleLbl>
-  <dgm:styleLbl name="alignImgPlace1">
-    <dgm:fillClrLst meth="repeat">
-      <a:schemeClr val="accent5">
-        <a:tint val="50000"/>
-      </a:schemeClr>
-    </dgm:fillClrLst>
-    <dgm:linClrLst meth="repeat">
-      <a:schemeClr val="lt1"/>
-    </dgm:linClrLst>
-    <dgm:effectClrLst/>
-    <dgm:txLinClrLst/>
-    <dgm:txFillClrLst meth="repeat">
-      <a:schemeClr val="lt1"/>
-    </dgm:txFillClrLst>
-    <dgm:txEffectClrLst/>
-  </dgm:styleLbl>
-  <dgm:styleLbl name="bgImgPlace1">
-    <dgm:fillClrLst meth="repeat">
-      <a:schemeClr val="accent5">
-        <a:tint val="50000"/>
-      </a:schemeClr>
-    </dgm:fillClrLst>
-    <dgm:linClrLst meth="repeat">
-      <a:schemeClr val="lt1"/>
-    </dgm:linClrLst>
-    <dgm:effectClrLst/>
-    <dgm:txLinClrLst/>
-    <dgm:txFillClrLst meth="repeat">
-      <a:schemeClr val="lt1"/>
-    </dgm:txFillClrLst>
-    <dgm:txEffectClrLst/>
-  </dgm:styleLbl>
-  <dgm:styleLbl name="sibTrans2D1">
-    <dgm:fillClrLst meth="repeat">
-      <a:schemeClr val="accent5">
-        <a:tint val="60000"/>
-      </a:schemeClr>
-    </dgm:fillClrLst>
-    <dgm:linClrLst meth="repeat">
-      <a:schemeClr val="accent5">
-        <a:tint val="60000"/>
-      </a:schemeClr>
-    </dgm:linClrLst>
-    <dgm:effectClrLst/>
-    <dgm:txLinClrLst/>
-    <dgm:txFillClrLst/>
-    <dgm:txEffectClrLst/>
-  </dgm:styleLbl>
-  <dgm:styleLbl name="fgSibTrans2D1">
-    <dgm:fillClrLst meth="repeat">
-      <a:schemeClr val="accent5">
-        <a:tint val="60000"/>
-      </a:schemeClr>
-    </dgm:fillClrLst>
-    <dgm:linClrLst meth="repeat">
-      <a:schemeClr val="accent5">
-        <a:tint val="60000"/>
-      </a:schemeClr>
-    </dgm:linClrLst>
-    <dgm:effectClrLst/>
-    <dgm:txLinClrLst/>
-    <dgm:txFillClrLst/>
-    <dgm:txEffectClrLst/>
-  </dgm:styleLbl>
-  <dgm:styleLbl name="bgSibTrans2D1">
-    <dgm:fillClrLst meth="repeat">
-      <a:schemeClr val="accent5">
-        <a:tint val="60000"/>
-      </a:schemeClr>
-    </dgm:fillClrLst>
-    <dgm:linClrLst meth="repeat">
-      <a:schemeClr val="accent5">
-        <a:tint val="60000"/>
-      </a:schemeClr>
-    </dgm:linClrLst>
-    <dgm:effectClrLst/>
-    <dgm:txLinClrLst/>
-    <dgm:txFillClrLst/>
-    <dgm:txEffectClrLst/>
-  </dgm:styleLbl>
-  <dgm:styleLbl name="sibTrans1D1">
-    <dgm:fillClrLst meth="repeat">
-      <a:schemeClr val="accent5"/>
-    </dgm:fillClrLst>
-    <dgm:linClrLst meth="repeat">
-      <a:schemeClr val="accent5"/>
-    </dgm:linClrLst>
-    <dgm:effectClrLst/>
-    <dgm:txLinClrLst/>
-    <dgm:txFillClrLst meth="repeat">
-      <a:schemeClr val="tx1"/>
-    </dgm:txFillClrLst>
-    <dgm:txEffectClrLst/>
-  </dgm:styleLbl>
-  <dgm:styleLbl name="callout">
-    <dgm:fillClrLst meth="repeat">
-      <a:schemeClr val="accent5"/>
-    </dgm:fillClrLst>
-    <dgm:linClrLst meth="repeat">
-      <a:schemeClr val="accent5">
-        <a:tint val="50000"/>
-      </a:schemeClr>
-    </dgm:linClrLst>
-    <dgm:effectClrLst/>
-    <dgm:txLinClrLst/>
-    <dgm:txFillClrLst meth="repeat">
-      <a:schemeClr val="tx1"/>
-    </dgm:txFillClrLst>
-    <dgm:txEffectClrLst/>
-  </dgm:styleLbl>
-  <dgm:styleLbl name="asst0">
-    <dgm:fillClrLst meth="repeat">
-      <a:schemeClr val="accent5"/>
-    </dgm:fillClrLst>
-    <dgm:linClrLst meth="repeat">
-      <a:schemeClr val="lt1"/>
-    </dgm:linClrLst>
-    <dgm:effectClrLst/>
-    <dgm:txLinClrLst/>
-    <dgm:txFillClrLst/>
-    <dgm:txEffectClrLst/>
-  </dgm:styleLbl>
-  <dgm:styleLbl name="asst1">
-    <dgm:fillClrLst meth="repeat">
-      <a:schemeClr val="accent5"/>
-    </dgm:fillClrLst>
-    <dgm:linClrLst meth="repeat">
-      <a:schemeClr val="lt1"/>
-    </dgm:linClrLst>
-    <dgm:effectClrLst/>
-    <dgm:txLinClrLst/>
-    <dgm:txFillClrLst/>
-    <dgm:txEffectClrLst/>
-  </dgm:styleLbl>
-  <dgm:styleLbl name="asst2">
-    <dgm:fillClrLst meth="repeat">
-      <a:schemeClr val="accent5"/>
-    </dgm:fillClrLst>
-    <dgm:linClrLst meth="repeat">
-      <a:schemeClr val="lt1"/>
-    </dgm:linClrLst>
-    <dgm:effectClrLst/>
-    <dgm:txLinClrLst/>
-    <dgm:txFillClrLst/>
-    <dgm:txEffectClrLst/>
-  </dgm:styleLbl>
-  <dgm:styleLbl name="asst3">
-    <dgm:fillClrLst meth="repeat">
-      <a:schemeClr val="accent5"/>
-    </dgm:fillClrLst>
-    <dgm:linClrLst meth="repeat">
-      <a:schemeClr val="lt1"/>
-    </dgm:linClrLst>
-    <dgm:effectClrLst/>
-    <dgm:txLinClrLst/>
-    <dgm:txFillClrLst/>
-    <dgm:txEffectClrLst/>
-  </dgm:styleLbl>
-  <dgm:styleLbl name="asst4">
-    <dgm:fillClrLst meth="repeat">
-      <a:schemeClr val="accent5"/>
-    </dgm:fillClrLst>
-    <dgm:linClrLst meth="repeat">
-      <a:schemeClr val="lt1"/>
-    </dgm:linClrLst>
-    <dgm:effectClrLst/>
-    <dgm:txLinClrLst/>
-    <dgm:txFillClrLst/>
-    <dgm:txEffectClrLst/>
-  </dgm:styleLbl>
-  <dgm:styleLbl name="parChTrans2D1">
-    <dgm:fillClrLst meth="repeat">
-      <a:schemeClr val="accent5">
-        <a:tint val="60000"/>
-      </a:schemeClr>
-    </dgm:fillClrLst>
-    <dgm:linClrLst meth="repeat">
-      <a:schemeClr val="accent5">
-        <a:tint val="60000"/>
-      </a:schemeClr>
-    </dgm:linClrLst>
-    <dgm:effectClrLst/>
-    <dgm:txLinClrLst/>
-    <dgm:txFillClrLst meth="repeat">
-      <a:schemeClr val="lt1"/>
-    </dgm:txFillClrLst>
-    <dgm:txEffectClrLst/>
-  </dgm:styleLbl>
-  <dgm:styleLbl name="parChTrans2D2">
-    <dgm:fillClrLst meth="repeat">
-      <a:schemeClr val="accent5"/>
-    </dgm:fillClrLst>
-    <dgm:linClrLst meth="repeat">
-      <a:schemeClr val="accent5"/>
-    </dgm:linClrLst>
-    <dgm:effectClrLst/>
-    <dgm:txLinClrLst/>
-    <dgm:txFillClrLst meth="repeat">
-      <a:schemeClr val="lt1"/>
-    </dgm:txFillClrLst>
-    <dgm:txEffectClrLst/>
-  </dgm:styleLbl>
-  <dgm:styleLbl name="parChTrans2D3">
-    <dgm:fillClrLst meth="repeat">
-      <a:schemeClr val="accent5"/>
-    </dgm:fillClrLst>
-    <dgm:linClrLst meth="repeat">
-      <a:schemeClr val="accent5"/>
-    </dgm:linClrLst>
-    <dgm:effectClrLst/>
-    <dgm:txLinClrLst/>
-    <dgm:txFillClrLst meth="repeat">
-      <a:schemeClr val="lt1"/>
-    </dgm:txFillClrLst>
-    <dgm:txEffectClrLst/>
-  </dgm:styleLbl>
-  <dgm:styleLbl name="parChTrans2D4">
-    <dgm:fillClrLst meth="repeat">
-      <a:schemeClr val="accent5"/>
-    </dgm:fillClrLst>
-    <dgm:linClrLst meth="repeat">
-      <a:schemeClr val="accent5"/>
-    </dgm:linClrLst>
-    <dgm:effectClrLst/>
-    <dgm:txLinClrLst/>
-    <dgm:txFillClrLst meth="repeat">
-      <a:schemeClr val="lt1"/>
-    </dgm:txFillClrLst>
-    <dgm:txEffectClrLst/>
-  </dgm:styleLbl>
-  <dgm:styleLbl name="parChTrans1D1">
-    <dgm:fillClrLst meth="repeat">
-      <a:schemeClr val="accent5"/>
-    </dgm:fillClrLst>
-    <dgm:linClrLst meth="repeat">
-      <a:schemeClr val="accent5">
-        <a:shade val="60000"/>
-      </a:schemeClr>
-    </dgm:linClrLst>
-    <dgm:effectClrLst/>
-    <dgm:txLinClrLst/>
-    <dgm:txFillClrLst meth="repeat">
-      <a:schemeClr val="tx1"/>
-    </dgm:txFillClrLst>
-    <dgm:txEffectClrLst/>
-  </dgm:styleLbl>
-  <dgm:styleLbl name="parChTrans1D2">
-    <dgm:fillClrLst meth="repeat">
-      <a:schemeClr val="accent5"/>
-    </dgm:fillClrLst>
-    <dgm:linClrLst meth="repeat">
-      <a:schemeClr val="accent5">
-        <a:shade val="60000"/>
-      </a:schemeClr>
-    </dgm:linClrLst>
-    <dgm:effectClrLst/>
-    <dgm:txLinClrLst/>
-    <dgm:txFillClrLst meth="repeat">
-      <a:schemeClr val="tx1"/>
-    </dgm:txFillClrLst>
-    <dgm:txEffectClrLst/>
-  </dgm:styleLbl>
-  <dgm:styleLbl name="parChTrans1D3">
-    <dgm:fillClrLst meth="repeat">
-      <a:schemeClr val="accent5"/>
-    </dgm:fillClrLst>
-    <dgm:linClrLst meth="repeat">
-      <a:schemeClr val="accent5">
-        <a:shade val="80000"/>
-      </a:schemeClr>
-    </dgm:linClrLst>
-    <dgm:effectClrLst/>
-    <dgm:txLinClrLst/>
-    <dgm:txFillClrLst meth="repeat">
-      <a:schemeClr val="tx1"/>
-    </dgm:txFillClrLst>
-    <dgm:txEffectClrLst/>
-  </dgm:styleLbl>
-  <dgm:styleLbl name="parChTrans1D4">
-    <dgm:fillClrLst meth="repeat">
-      <a:schemeClr val="accent5"/>
-    </dgm:fillClrLst>
-    <dgm:linClrLst meth="repeat">
-      <a:schemeClr val="accent5">
-        <a:shade val="80000"/>
-      </a:schemeClr>
-    </dgm:linClrLst>
-    <dgm:effectClrLst/>
-    <dgm:txLinClrLst/>
-    <dgm:txFillClrLst meth="repeat">
-      <a:schemeClr val="tx1"/>
-    </dgm:txFillClrLst>
-    <dgm:txEffectClrLst/>
-  </dgm:styleLbl>
-  <dgm:styleLbl name="fgAcc1">
-    <dgm:fillClrLst meth="repeat">
-      <a:schemeClr val="lt1">
-        <a:alpha val="90000"/>
-      </a:schemeClr>
-    </dgm:fillClrLst>
-    <dgm:linClrLst meth="repeat">
-      <a:schemeClr val="accent5"/>
-    </dgm:linClrLst>
-    <dgm:effectClrLst/>
-    <dgm:txLinClrLst/>
-    <dgm:txFillClrLst meth="repeat">
-      <a:schemeClr val="dk1"/>
-    </dgm:txFillClrLst>
-    <dgm:txEffectClrLst/>
-  </dgm:styleLbl>
-  <dgm:styleLbl name="conFgAcc1">
-    <dgm:fillClrLst meth="repeat">
-      <a:schemeClr val="lt1">
-        <a:alpha val="90000"/>
-      </a:schemeClr>
-    </dgm:fillClrLst>
-    <dgm:linClrLst meth="repeat">
-      <a:schemeClr val="accent5"/>
-    </dgm:linClrLst>
-    <dgm:effectClrLst/>
-    <dgm:txLinClrLst/>
-    <dgm:txFillClrLst meth="repeat">
-      <a:schemeClr val="dk1"/>
-    </dgm:txFillClrLst>
-    <dgm:txEffectClrLst/>
-  </dgm:styleLbl>
-  <dgm:styleLbl name="alignAcc1">
-    <dgm:fillClrLst meth="repeat">
-      <a:schemeClr val="lt1">
-        <a:alpha val="90000"/>
-      </a:schemeClr>
-    </dgm:fillClrLst>
-    <dgm:linClrLst meth="repeat">
-      <a:schemeClr val="accent5"/>
-    </dgm:linClrLst>
-    <dgm:effectClrLst/>
-    <dgm:txLinClrLst/>
-    <dgm:txFillClrLst meth="repeat">
-      <a:schemeClr val="dk1"/>
-    </dgm:txFillClrLst>
-    <dgm:txEffectClrLst/>
-  </dgm:styleLbl>
-  <dgm:styleLbl name="trAlignAcc1">
-    <dgm:fillClrLst meth="repeat">
-      <a:schemeClr val="lt1">
-        <a:alpha val="40000"/>
-      </a:schemeClr>
-    </dgm:fillClrLst>
-    <dgm:linClrLst meth="repeat">
-      <a:schemeClr val="accent5"/>
-    </dgm:linClrLst>
-    <dgm:effectClrLst/>
-    <dgm:txLinClrLst/>
-    <dgm:txFillClrLst meth="repeat">
-      <a:schemeClr val="dk1"/>
-    </dgm:txFillClrLst>
-    <dgm:txEffectClrLst/>
-  </dgm:styleLbl>
-  <dgm:styleLbl name="bgAcc1">
-    <dgm:fillClrLst meth="repeat">
-      <a:schemeClr val="lt1">
-        <a:alpha val="90000"/>
-      </a:schemeClr>
-    </dgm:fillClrLst>
-    <dgm:linClrLst meth="repeat">
-      <a:schemeClr val="accent5"/>
-    </dgm:linClrLst>
-    <dgm:effectClrLst/>
-    <dgm:txLinClrLst/>
-    <dgm:txFillClrLst meth="repeat">
-      <a:schemeClr val="dk1"/>
-    </dgm:txFillClrLst>
-    <dgm:txEffectClrLst/>
-  </dgm:styleLbl>
-  <dgm:styleLbl name="solidFgAcc1">
-    <dgm:fillClrLst meth="repeat">
-      <a:schemeClr val="lt1"/>
-    </dgm:fillClrLst>
-    <dgm:linClrLst meth="repeat">
-      <a:schemeClr val="accent5"/>
-    </dgm:linClrLst>
-    <dgm:effectClrLst/>
-    <dgm:txLinClrLst/>
-    <dgm:txFillClrLst meth="repeat">
-      <a:schemeClr val="dk1"/>
-    </dgm:txFillClrLst>
-    <dgm:txEffectClrLst/>
-  </dgm:styleLbl>
-  <dgm:styleLbl name="solidAlignAcc1">
-    <dgm:fillClrLst meth="repeat">
-      <a:schemeClr val="lt1"/>
-    </dgm:fillClrLst>
-    <dgm:linClrLst meth="repeat">
-      <a:schemeClr val="accent5"/>
-    </dgm:linClrLst>
-    <dgm:effectClrLst/>
-    <dgm:txLinClrLst/>
-    <dgm:txFillClrLst meth="repeat">
-      <a:schemeClr val="dk1"/>
-    </dgm:txFillClrLst>
-    <dgm:txEffectClrLst/>
-  </dgm:styleLbl>
-  <dgm:styleLbl name="solidBgAcc1">
-    <dgm:fillClrLst meth="repeat">
-      <a:schemeClr val="lt1"/>
-    </dgm:fillClrLst>
-    <dgm:linClrLst meth="repeat">
-      <a:schemeClr val="accent5"/>
-    </dgm:linClrLst>
-    <dgm:effectClrLst/>
-    <dgm:txLinClrLst/>
-    <dgm:txFillClrLst meth="repeat">
-      <a:schemeClr val="dk1"/>
-    </dgm:txFillClrLst>
-    <dgm:txEffectClrLst/>
-  </dgm:styleLbl>
-  <dgm:styleLbl name="fgAccFollowNode1">
-    <dgm:fillClrLst meth="repeat">
-      <a:schemeClr val="accent5">
-        <a:alpha val="90000"/>
-        <a:tint val="40000"/>
-      </a:schemeClr>
-    </dgm:fillClrLst>
-    <dgm:linClrLst meth="repeat">
-      <a:schemeClr val="accent5">
-        <a:alpha val="90000"/>
-        <a:tint val="40000"/>
-      </a:schemeClr>
-    </dgm:linClrLst>
-    <dgm:effectClrLst/>
-    <dgm:txLinClrLst/>
-    <dgm:txFillClrLst meth="repeat">
-      <a:schemeClr val="dk1"/>
-    </dgm:txFillClrLst>
-    <dgm:txEffectClrLst/>
-  </dgm:styleLbl>
-  <dgm:styleLbl name="alignAccFollowNode1">
-    <dgm:fillClrLst meth="repeat">
-      <a:schemeClr val="accent5">
-        <a:alpha val="90000"/>
-        <a:tint val="40000"/>
-      </a:schemeClr>
-    </dgm:fillClrLst>
-    <dgm:linClrLst meth="repeat">
-      <a:schemeClr val="accent5">
-        <a:alpha val="90000"/>
-        <a:tint val="40000"/>
-      </a:schemeClr>
-    </dgm:linClrLst>
-    <dgm:effectClrLst/>
-    <dgm:txLinClrLst/>
-    <dgm:txFillClrLst meth="repeat">
-      <a:schemeClr val="dk1"/>
-    </dgm:txFillClrLst>
-    <dgm:txEffectClrLst/>
-  </dgm:styleLbl>
-  <dgm:styleLbl name="bgAccFollowNode1">
-    <dgm:fillClrLst meth="repeat">
-      <a:schemeClr val="accent5">
-        <a:alpha val="90000"/>
-        <a:tint val="40000"/>
-      </a:schemeClr>
-    </dgm:fillClrLst>
-    <dgm:linClrLst meth="repeat">
-      <a:schemeClr val="accent5">
-        <a:alpha val="90000"/>
-        <a:tint val="40000"/>
-      </a:schemeClr>
-    </dgm:linClrLst>
-    <dgm:effectClrLst/>
-    <dgm:txLinClrLst/>
-    <dgm:txFillClrLst meth="repeat">
-      <a:schemeClr val="dk1"/>
-    </dgm:txFillClrLst>
-    <dgm:txEffectClrLst/>
-  </dgm:styleLbl>
-  <dgm:styleLbl name="fgAcc0">
-    <dgm:fillClrLst meth="repeat">
-      <a:schemeClr val="lt1">
-        <a:alpha val="90000"/>
-      </a:schemeClr>
-    </dgm:fillClrLst>
-    <dgm:linClrLst meth="repeat">
-      <a:schemeClr val="accent5"/>
-    </dgm:linClrLst>
-    <dgm:effectClrLst/>
-    <dgm:txLinClrLst/>
-    <dgm:txFillClrLst meth="repeat">
-      <a:schemeClr val="dk1"/>
-    </dgm:txFillClrLst>
-    <dgm:txEffectClrLst/>
-  </dgm:styleLbl>
-  <dgm:styleLbl name="fgAcc2">
-    <dgm:fillClrLst meth="repeat">
-      <a:schemeClr val="lt1">
-        <a:alpha val="90000"/>
-      </a:schemeClr>
-    </dgm:fillClrLst>
-    <dgm:linClrLst meth="repeat">
-      <a:schemeClr val="accent5"/>
-    </dgm:linClrLst>
-    <dgm:effectClrLst/>
-    <dgm:txLinClrLst/>
-    <dgm:txFillClrLst meth="repeat">
-      <a:schemeClr val="dk1"/>
-    </dgm:txFillClrLst>
-    <dgm:txEffectClrLst/>
-  </dgm:styleLbl>
-  <dgm:styleLbl name="fgAcc3">
-    <dgm:fillClrLst meth="repeat">
-      <a:schemeClr val="lt1">
-        <a:alpha val="90000"/>
-      </a:schemeClr>
-    </dgm:fillClrLst>
-    <dgm:linClrLst meth="repeat">
-      <a:schemeClr val="accent5"/>
-    </dgm:linClrLst>
-    <dgm:effectClrLst/>
-    <dgm:txLinClrLst/>
-    <dgm:txFillClrLst meth="repeat">
-      <a:schemeClr val="dk1"/>
-    </dgm:txFillClrLst>
-    <dgm:txEffectClrLst/>
-  </dgm:styleLbl>
-  <dgm:styleLbl name="fgAcc4">
-    <dgm:fillClrLst meth="repeat">
-      <a:schemeClr val="lt1">
-        <a:alpha val="90000"/>
-      </a:schemeClr>
-    </dgm:fillClrLst>
-    <dgm:linClrLst meth="repeat">
-      <a:schemeClr val="accent5"/>
-    </dgm:linClrLst>
-    <dgm:effectClrLst/>
-    <dgm:txLinClrLst/>
-    <dgm:txFillClrLst meth="repeat">
-      <a:schemeClr val="dk1"/>
-    </dgm:txFillClrLst>
-    <dgm:txEffectClrLst/>
-  </dgm:styleLbl>
-  <dgm:styleLbl name="bgShp">
-    <dgm:fillClrLst meth="repeat">
-      <a:schemeClr val="accent5">
-        <a:tint val="40000"/>
-      </a:schemeClr>
-    </dgm:fillClrLst>
-    <dgm:linClrLst meth="repeat">
-      <a:schemeClr val="accent5"/>
-    </dgm:linClrLst>
-    <dgm:effectClrLst/>
-    <dgm:txLinClrLst/>
-    <dgm:txFillClrLst meth="repeat">
-      <a:schemeClr val="dk1"/>
-    </dgm:txFillClrLst>
-    <dgm:txEffectClrLst/>
-  </dgm:styleLbl>
-  <dgm:styleLbl name="dkBgShp">
-    <dgm:fillClrLst meth="repeat">
-      <a:schemeClr val="accent5">
-        <a:shade val="80000"/>
-      </a:schemeClr>
-    </dgm:fillClrLst>
-    <dgm:linClrLst meth="repeat">
-      <a:schemeClr val="accent5"/>
-    </dgm:linClrLst>
-    <dgm:effectClrLst/>
-    <dgm:txLinClrLst/>
-    <dgm:txFillClrLst meth="repeat">
-      <a:schemeClr val="lt1"/>
-    </dgm:txFillClrLst>
-    <dgm:txEffectClrLst/>
-  </dgm:styleLbl>
-  <dgm:styleLbl name="trBgShp">
-    <dgm:fillClrLst meth="repeat">
-      <a:schemeClr val="accent5">
-        <a:tint val="50000"/>
-        <a:alpha val="40000"/>
-      </a:schemeClr>
-    </dgm:fillClrLst>
-    <dgm:linClrLst meth="repeat">
-      <a:schemeClr val="accent5"/>
-    </dgm:linClrLst>
-    <dgm:effectClrLst/>
-    <dgm:txLinClrLst/>
-    <dgm:txFillClrLst meth="repeat">
-      <a:schemeClr val="lt1"/>
-    </dgm:txFillClrLst>
-    <dgm:txEffectClrLst/>
-  </dgm:styleLbl>
-  <dgm:styleLbl name="fgShp">
-    <dgm:fillClrLst meth="repeat">
-      <a:schemeClr val="accent5">
-        <a:tint val="60000"/>
-      </a:schemeClr>
-    </dgm:fillClrLst>
-    <dgm:linClrLst meth="repeat">
-      <a:schemeClr val="lt1"/>
-    </dgm:linClrLst>
-    <dgm:effectClrLst/>
-    <dgm:txLinClrLst/>
-    <dgm:txFillClrLst meth="repeat">
-      <a:schemeClr val="dk1"/>
-    </dgm:txFillClrLst>
-    <dgm:txEffectClrLst/>
-  </dgm:styleLbl>
-  <dgm:styleLbl name="revTx">
-    <dgm:fillClrLst meth="repeat">
-      <a:schemeClr val="lt1">
-        <a:alpha val="0"/>
-      </a:schemeClr>
-    </dgm:fillClrLst>
-    <dgm:linClrLst meth="repeat">
-      <a:schemeClr val="dk1">
-        <a:alpha val="0"/>
-      </a:schemeClr>
-    </dgm:linClrLst>
-    <dgm:effectClrLst/>
-    <dgm:txLinClrLst/>
-    <dgm:txFillClrLst meth="repeat">
-      <a:schemeClr val="tx1"/>
-    </dgm:txFillClrLst>
-    <dgm:txEffectClrLst/>
-  </dgm:styleLbl>
-</dgm:colorsDef>
-</file>
-
-<file path=ppt/diagrams/colors5.xml><?xml version="1.0" encoding="utf-8"?>
 <dgm:colorsDef xmlns:dgm="http://schemas.openxmlformats.org/drawingml/2006/diagram" xmlns:a="http://schemas.openxmlformats.org/drawingml/2006/main" uniqueId="urn:microsoft.com/office/officeart/2005/8/colors/colorful1">
   <dgm:title val=""/>
   <dgm:desc val=""/>
@@ -4035,7 +1797,7 @@
 </dgm:colorsDef>
 </file>
 
-<file path=ppt/diagrams/colors6.xml><?xml version="1.0" encoding="utf-8"?>
+<file path=ppt/diagrams/colors3.xml><?xml version="1.0" encoding="utf-8"?>
 <dgm:colorsDef xmlns:dgm="http://schemas.openxmlformats.org/drawingml/2006/diagram" xmlns:a="http://schemas.openxmlformats.org/drawingml/2006/main" uniqueId="urn:microsoft.com/office/officeart/2005/8/colors/colorful1">
   <dgm:title val=""/>
   <dgm:desc val=""/>
@@ -5162,687 +2924,6 @@
 </file>
 
 <file path=ppt/diagrams/data2.xml><?xml version="1.0" encoding="utf-8"?>
-<dgm:dataModel xmlns:dgm="http://schemas.openxmlformats.org/drawingml/2006/diagram" xmlns:a="http://schemas.openxmlformats.org/drawingml/2006/main">
-  <dgm:ptLst>
-    <dgm:pt modelId="{20D0F526-34CA-47DA-8F5E-5798D2FD4CEC}" type="doc">
-      <dgm:prSet loTypeId="urn:microsoft.com/office/officeart/2005/8/layout/process3" loCatId="process" qsTypeId="urn:microsoft.com/office/officeart/2005/8/quickstyle/simple5" qsCatId="simple" csTypeId="urn:microsoft.com/office/officeart/2005/8/colors/accent5_2" csCatId="accent5" phldr="1"/>
-      <dgm:spPr/>
-      <dgm:t>
-        <a:bodyPr/>
-        <a:lstStyle/>
-        <a:p>
-          <a:endParaRPr lang="de-DE"/>
-        </a:p>
-      </dgm:t>
-    </dgm:pt>
-    <dgm:pt modelId="{6AC3DC26-2056-4F64-80E0-554D0E189ABB}">
-      <dgm:prSet phldrT="[Text]"/>
-      <dgm:spPr>
-        <a:solidFill>
-          <a:srgbClr val="105385"/>
-        </a:solidFill>
-      </dgm:spPr>
-      <dgm:t>
-        <a:bodyPr/>
-        <a:lstStyle/>
-        <a:p>
-          <a:r>
-            <a:rPr lang="de-DE" dirty="0"/>
-            <a:t>Vision</a:t>
-          </a:r>
-        </a:p>
-      </dgm:t>
-    </dgm:pt>
-    <dgm:pt modelId="{AA96D068-3EE7-4968-9251-2A3CF15D1F80}" type="parTrans" cxnId="{9EBA8EF5-E752-493B-B97C-6798721B5542}">
-      <dgm:prSet/>
-      <dgm:spPr/>
-      <dgm:t>
-        <a:bodyPr/>
-        <a:lstStyle/>
-        <a:p>
-          <a:endParaRPr lang="de-DE"/>
-        </a:p>
-      </dgm:t>
-    </dgm:pt>
-    <dgm:pt modelId="{74A74AA2-EDF0-4D40-978E-4FFDFBBF3627}" type="sibTrans" cxnId="{9EBA8EF5-E752-493B-B97C-6798721B5542}">
-      <dgm:prSet/>
-      <dgm:spPr/>
-      <dgm:t>
-        <a:bodyPr/>
-        <a:lstStyle/>
-        <a:p>
-          <a:endParaRPr lang="de-DE"/>
-        </a:p>
-      </dgm:t>
-    </dgm:pt>
-    <dgm:pt modelId="{6F35E23E-3443-47E5-9D69-35DD44C6D6A0}">
-      <dgm:prSet phldrT="[Text]"/>
-      <dgm:spPr>
-        <a:ln>
-          <a:solidFill>
-            <a:srgbClr val="105589"/>
-          </a:solidFill>
-        </a:ln>
-      </dgm:spPr>
-      <dgm:t>
-        <a:bodyPr/>
-        <a:lstStyle/>
-        <a:p>
-          <a:pPr>
-            <a:buFont typeface="Arial" panose="020B0604020202020204" pitchFamily="34" charset="0"/>
-            <a:buChar char="•"/>
-          </a:pPr>
-          <a:r>
-            <a:rPr lang="de-DE" dirty="0"/>
-            <a:t>Editierbares Sensorintervalle</a:t>
-          </a:r>
-        </a:p>
-      </dgm:t>
-    </dgm:pt>
-    <dgm:pt modelId="{7D491415-4DFB-4C66-8FEC-467722980FA8}" type="parTrans" cxnId="{CE35BE63-8436-478E-B57C-C6727FB8B9FC}">
-      <dgm:prSet/>
-      <dgm:spPr/>
-      <dgm:t>
-        <a:bodyPr/>
-        <a:lstStyle/>
-        <a:p>
-          <a:endParaRPr lang="de-DE"/>
-        </a:p>
-      </dgm:t>
-    </dgm:pt>
-    <dgm:pt modelId="{8ADAD9D1-15FC-4CF1-8E2C-FFD491C098FD}" type="sibTrans" cxnId="{CE35BE63-8436-478E-B57C-C6727FB8B9FC}">
-      <dgm:prSet/>
-      <dgm:spPr/>
-      <dgm:t>
-        <a:bodyPr/>
-        <a:lstStyle/>
-        <a:p>
-          <a:endParaRPr lang="de-DE"/>
-        </a:p>
-      </dgm:t>
-    </dgm:pt>
-    <dgm:pt modelId="{96DA4DD5-C369-4CBA-8E8F-7FF9B3A19FD8}">
-      <dgm:prSet phldrT="[Text]"/>
-      <dgm:spPr>
-        <a:ln>
-          <a:solidFill>
-            <a:srgbClr val="105589"/>
-          </a:solidFill>
-        </a:ln>
-      </dgm:spPr>
-      <dgm:t>
-        <a:bodyPr/>
-        <a:lstStyle/>
-        <a:p>
-          <a:pPr>
-            <a:buFont typeface="Arial" panose="020B0604020202020204" pitchFamily="34" charset="0"/>
-            <a:buChar char="•"/>
-          </a:pPr>
-          <a:r>
-            <a:rPr lang="de-DE" dirty="0"/>
-            <a:t>Liste an verfügbaren Sensoren</a:t>
-          </a:r>
-        </a:p>
-      </dgm:t>
-    </dgm:pt>
-    <dgm:pt modelId="{0684C2A6-5003-4B74-B3B2-EF706C803DA9}" type="parTrans" cxnId="{58764C3D-846E-45CA-B5A6-99650AE26D8A}">
-      <dgm:prSet/>
-      <dgm:spPr/>
-      <dgm:t>
-        <a:bodyPr/>
-        <a:lstStyle/>
-        <a:p>
-          <a:endParaRPr lang="en-DE"/>
-        </a:p>
-      </dgm:t>
-    </dgm:pt>
-    <dgm:pt modelId="{AE641E30-6C36-4886-B702-8EF53E951020}" type="sibTrans" cxnId="{58764C3D-846E-45CA-B5A6-99650AE26D8A}">
-      <dgm:prSet/>
-      <dgm:spPr/>
-      <dgm:t>
-        <a:bodyPr/>
-        <a:lstStyle/>
-        <a:p>
-          <a:endParaRPr lang="en-DE"/>
-        </a:p>
-      </dgm:t>
-    </dgm:pt>
-    <dgm:pt modelId="{E2D2E959-4F62-4667-9A4E-6E432927AE31}" type="pres">
-      <dgm:prSet presAssocID="{20D0F526-34CA-47DA-8F5E-5798D2FD4CEC}" presName="linearFlow" presStyleCnt="0">
-        <dgm:presLayoutVars>
-          <dgm:dir/>
-          <dgm:animLvl val="lvl"/>
-          <dgm:resizeHandles val="exact"/>
-        </dgm:presLayoutVars>
-      </dgm:prSet>
-      <dgm:spPr/>
-    </dgm:pt>
-    <dgm:pt modelId="{8020265C-65CE-4E2E-A144-A8FE1A69E936}" type="pres">
-      <dgm:prSet presAssocID="{6AC3DC26-2056-4F64-80E0-554D0E189ABB}" presName="composite" presStyleCnt="0"/>
-      <dgm:spPr/>
-    </dgm:pt>
-    <dgm:pt modelId="{687BDDD7-893B-4C71-9844-3824E5609744}" type="pres">
-      <dgm:prSet presAssocID="{6AC3DC26-2056-4F64-80E0-554D0E189ABB}" presName="parTx" presStyleLbl="node1" presStyleIdx="0" presStyleCnt="1">
-        <dgm:presLayoutVars>
-          <dgm:chMax val="0"/>
-          <dgm:chPref val="0"/>
-          <dgm:bulletEnabled val="1"/>
-        </dgm:presLayoutVars>
-      </dgm:prSet>
-      <dgm:spPr/>
-    </dgm:pt>
-    <dgm:pt modelId="{8CD84617-E39D-4141-B5BB-CC63958ECE8D}" type="pres">
-      <dgm:prSet presAssocID="{6AC3DC26-2056-4F64-80E0-554D0E189ABB}" presName="parSh" presStyleLbl="node1" presStyleIdx="0" presStyleCnt="1"/>
-      <dgm:spPr/>
-    </dgm:pt>
-    <dgm:pt modelId="{A855D974-2B66-4AD1-9F0E-AB402070EE2E}" type="pres">
-      <dgm:prSet presAssocID="{6AC3DC26-2056-4F64-80E0-554D0E189ABB}" presName="desTx" presStyleLbl="fgAcc1" presStyleIdx="0" presStyleCnt="1">
-        <dgm:presLayoutVars>
-          <dgm:bulletEnabled val="1"/>
-        </dgm:presLayoutVars>
-      </dgm:prSet>
-      <dgm:spPr/>
-    </dgm:pt>
-  </dgm:ptLst>
-  <dgm:cxnLst>
-    <dgm:cxn modelId="{5983DA24-9E42-47E9-B9B7-3176C17F346B}" type="presOf" srcId="{96DA4DD5-C369-4CBA-8E8F-7FF9B3A19FD8}" destId="{A855D974-2B66-4AD1-9F0E-AB402070EE2E}" srcOrd="0" destOrd="1" presId="urn:microsoft.com/office/officeart/2005/8/layout/process3"/>
-    <dgm:cxn modelId="{58764C3D-846E-45CA-B5A6-99650AE26D8A}" srcId="{6AC3DC26-2056-4F64-80E0-554D0E189ABB}" destId="{96DA4DD5-C369-4CBA-8E8F-7FF9B3A19FD8}" srcOrd="1" destOrd="0" parTransId="{0684C2A6-5003-4B74-B3B2-EF706C803DA9}" sibTransId="{AE641E30-6C36-4886-B702-8EF53E951020}"/>
-    <dgm:cxn modelId="{CE35BE63-8436-478E-B57C-C6727FB8B9FC}" srcId="{6AC3DC26-2056-4F64-80E0-554D0E189ABB}" destId="{6F35E23E-3443-47E5-9D69-35DD44C6D6A0}" srcOrd="0" destOrd="0" parTransId="{7D491415-4DFB-4C66-8FEC-467722980FA8}" sibTransId="{8ADAD9D1-15FC-4CF1-8E2C-FFD491C098FD}"/>
-    <dgm:cxn modelId="{48F2C571-829E-4666-9909-4A65737B49E2}" type="presOf" srcId="{6F35E23E-3443-47E5-9D69-35DD44C6D6A0}" destId="{A855D974-2B66-4AD1-9F0E-AB402070EE2E}" srcOrd="0" destOrd="0" presId="urn:microsoft.com/office/officeart/2005/8/layout/process3"/>
-    <dgm:cxn modelId="{F91D4774-3FC1-42C3-8F9F-7DFD8FEE6921}" type="presOf" srcId="{6AC3DC26-2056-4F64-80E0-554D0E189ABB}" destId="{8CD84617-E39D-4141-B5BB-CC63958ECE8D}" srcOrd="1" destOrd="0" presId="urn:microsoft.com/office/officeart/2005/8/layout/process3"/>
-    <dgm:cxn modelId="{950F25C4-12D6-4C99-9147-15842F9D0071}" type="presOf" srcId="{6AC3DC26-2056-4F64-80E0-554D0E189ABB}" destId="{687BDDD7-893B-4C71-9844-3824E5609744}" srcOrd="0" destOrd="0" presId="urn:microsoft.com/office/officeart/2005/8/layout/process3"/>
-    <dgm:cxn modelId="{FE6C04CD-248F-46F9-9434-D2E0A5D2E4D3}" type="presOf" srcId="{20D0F526-34CA-47DA-8F5E-5798D2FD4CEC}" destId="{E2D2E959-4F62-4667-9A4E-6E432927AE31}" srcOrd="0" destOrd="0" presId="urn:microsoft.com/office/officeart/2005/8/layout/process3"/>
-    <dgm:cxn modelId="{9EBA8EF5-E752-493B-B97C-6798721B5542}" srcId="{20D0F526-34CA-47DA-8F5E-5798D2FD4CEC}" destId="{6AC3DC26-2056-4F64-80E0-554D0E189ABB}" srcOrd="0" destOrd="0" parTransId="{AA96D068-3EE7-4968-9251-2A3CF15D1F80}" sibTransId="{74A74AA2-EDF0-4D40-978E-4FFDFBBF3627}"/>
-    <dgm:cxn modelId="{4C2710EC-3FB0-413B-9EDB-F140CB28FE17}" type="presParOf" srcId="{E2D2E959-4F62-4667-9A4E-6E432927AE31}" destId="{8020265C-65CE-4E2E-A144-A8FE1A69E936}" srcOrd="0" destOrd="0" presId="urn:microsoft.com/office/officeart/2005/8/layout/process3"/>
-    <dgm:cxn modelId="{47FF566C-9EBC-4503-8B58-78CEC7427D48}" type="presParOf" srcId="{8020265C-65CE-4E2E-A144-A8FE1A69E936}" destId="{687BDDD7-893B-4C71-9844-3824E5609744}" srcOrd="0" destOrd="0" presId="urn:microsoft.com/office/officeart/2005/8/layout/process3"/>
-    <dgm:cxn modelId="{4042A00F-0A90-45CC-BBCB-5B589BF4471C}" type="presParOf" srcId="{8020265C-65CE-4E2E-A144-A8FE1A69E936}" destId="{8CD84617-E39D-4141-B5BB-CC63958ECE8D}" srcOrd="1" destOrd="0" presId="urn:microsoft.com/office/officeart/2005/8/layout/process3"/>
-    <dgm:cxn modelId="{B4284C8F-42E6-4B2E-8C72-3B5B1D22DBC0}" type="presParOf" srcId="{8020265C-65CE-4E2E-A144-A8FE1A69E936}" destId="{A855D974-2B66-4AD1-9F0E-AB402070EE2E}" srcOrd="2" destOrd="0" presId="urn:microsoft.com/office/officeart/2005/8/layout/process3"/>
-  </dgm:cxnLst>
-  <dgm:bg/>
-  <dgm:whole/>
-  <dgm:extLst>
-    <a:ext uri="http://schemas.microsoft.com/office/drawing/2008/diagram">
-      <dsp:dataModelExt xmlns:dsp="http://schemas.microsoft.com/office/drawing/2008/diagram" relId="rId7" minVer="http://schemas.openxmlformats.org/drawingml/2006/diagram"/>
-    </a:ext>
-  </dgm:extLst>
-</dgm:dataModel>
-</file>
-
-<file path=ppt/diagrams/data3.xml><?xml version="1.0" encoding="utf-8"?>
-<dgm:dataModel xmlns:dgm="http://schemas.openxmlformats.org/drawingml/2006/diagram" xmlns:a="http://schemas.openxmlformats.org/drawingml/2006/main">
-  <dgm:ptLst>
-    <dgm:pt modelId="{20D0F526-34CA-47DA-8F5E-5798D2FD4CEC}" type="doc">
-      <dgm:prSet loTypeId="urn:microsoft.com/office/officeart/2005/8/layout/process3" loCatId="process" qsTypeId="urn:microsoft.com/office/officeart/2005/8/quickstyle/simple5" qsCatId="simple" csTypeId="urn:microsoft.com/office/officeart/2005/8/colors/accent5_2" csCatId="accent5" phldr="1"/>
-      <dgm:spPr/>
-      <dgm:t>
-        <a:bodyPr/>
-        <a:lstStyle/>
-        <a:p>
-          <a:endParaRPr lang="de-DE"/>
-        </a:p>
-      </dgm:t>
-    </dgm:pt>
-    <dgm:pt modelId="{6AC3DC26-2056-4F64-80E0-554D0E189ABB}">
-      <dgm:prSet phldrT="[Text]"/>
-      <dgm:spPr>
-        <a:solidFill>
-          <a:srgbClr val="105385"/>
-        </a:solidFill>
-      </dgm:spPr>
-      <dgm:t>
-        <a:bodyPr/>
-        <a:lstStyle/>
-        <a:p>
-          <a:r>
-            <a:rPr lang="de-DE" dirty="0"/>
-            <a:t>Vision</a:t>
-          </a:r>
-        </a:p>
-      </dgm:t>
-    </dgm:pt>
-    <dgm:pt modelId="{AA96D068-3EE7-4968-9251-2A3CF15D1F80}" type="parTrans" cxnId="{9EBA8EF5-E752-493B-B97C-6798721B5542}">
-      <dgm:prSet/>
-      <dgm:spPr/>
-      <dgm:t>
-        <a:bodyPr/>
-        <a:lstStyle/>
-        <a:p>
-          <a:endParaRPr lang="de-DE"/>
-        </a:p>
-      </dgm:t>
-    </dgm:pt>
-    <dgm:pt modelId="{74A74AA2-EDF0-4D40-978E-4FFDFBBF3627}" type="sibTrans" cxnId="{9EBA8EF5-E752-493B-B97C-6798721B5542}">
-      <dgm:prSet/>
-      <dgm:spPr/>
-      <dgm:t>
-        <a:bodyPr/>
-        <a:lstStyle/>
-        <a:p>
-          <a:endParaRPr lang="de-DE"/>
-        </a:p>
-      </dgm:t>
-    </dgm:pt>
-    <dgm:pt modelId="{6F35E23E-3443-47E5-9D69-35DD44C6D6A0}">
-      <dgm:prSet phldrT="[Text]"/>
-      <dgm:spPr>
-        <a:ln>
-          <a:solidFill>
-            <a:srgbClr val="105589"/>
-          </a:solidFill>
-        </a:ln>
-      </dgm:spPr>
-      <dgm:t>
-        <a:bodyPr/>
-        <a:lstStyle/>
-        <a:p>
-          <a:pPr>
-            <a:buFont typeface="Arial" panose="020B0604020202020204" pitchFamily="34" charset="0"/>
-            <a:buChar char="•"/>
-          </a:pPr>
-          <a:r>
-            <a:rPr lang="de-DE" dirty="0"/>
-            <a:t>FPF ausgestattet mit Kameras</a:t>
-          </a:r>
-        </a:p>
-      </dgm:t>
-    </dgm:pt>
-    <dgm:pt modelId="{7D491415-4DFB-4C66-8FEC-467722980FA8}" type="parTrans" cxnId="{CE35BE63-8436-478E-B57C-C6727FB8B9FC}">
-      <dgm:prSet/>
-      <dgm:spPr/>
-      <dgm:t>
-        <a:bodyPr/>
-        <a:lstStyle/>
-        <a:p>
-          <a:endParaRPr lang="de-DE"/>
-        </a:p>
-      </dgm:t>
-    </dgm:pt>
-    <dgm:pt modelId="{8ADAD9D1-15FC-4CF1-8E2C-FFD491C098FD}" type="sibTrans" cxnId="{CE35BE63-8436-478E-B57C-C6727FB8B9FC}">
-      <dgm:prSet/>
-      <dgm:spPr/>
-      <dgm:t>
-        <a:bodyPr/>
-        <a:lstStyle/>
-        <a:p>
-          <a:endParaRPr lang="de-DE"/>
-        </a:p>
-      </dgm:t>
-    </dgm:pt>
-    <dgm:pt modelId="{882B20FE-4C32-4ED9-BAC9-5ACFD61032A6}">
-      <dgm:prSet/>
-      <dgm:spPr>
-        <a:ln>
-          <a:solidFill>
-            <a:srgbClr val="105589"/>
-          </a:solidFill>
-        </a:ln>
-      </dgm:spPr>
-      <dgm:t>
-        <a:bodyPr/>
-        <a:lstStyle/>
-        <a:p>
-          <a:r>
-            <a:rPr lang="de-DE" dirty="0"/>
-            <a:t>Foto- und Videofunktion</a:t>
-          </a:r>
-        </a:p>
-      </dgm:t>
-    </dgm:pt>
-    <dgm:pt modelId="{420A662D-6FFB-4433-9B90-1DCCD4ABF0BA}" type="parTrans" cxnId="{A8001E3B-F426-4CED-9624-99E9FACC6A7F}">
-      <dgm:prSet/>
-      <dgm:spPr/>
-      <dgm:t>
-        <a:bodyPr/>
-        <a:lstStyle/>
-        <a:p>
-          <a:endParaRPr lang="de-DE"/>
-        </a:p>
-      </dgm:t>
-    </dgm:pt>
-    <dgm:pt modelId="{A02C5D21-6245-41B0-B91F-056F27FD34CC}" type="sibTrans" cxnId="{A8001E3B-F426-4CED-9624-99E9FACC6A7F}">
-      <dgm:prSet/>
-      <dgm:spPr/>
-      <dgm:t>
-        <a:bodyPr/>
-        <a:lstStyle/>
-        <a:p>
-          <a:endParaRPr lang="de-DE"/>
-        </a:p>
-      </dgm:t>
-    </dgm:pt>
-    <dgm:pt modelId="{368CE61F-B02B-45CA-9BEE-957C2986A6DA}">
-      <dgm:prSet/>
-      <dgm:spPr>
-        <a:ln>
-          <a:solidFill>
-            <a:srgbClr val="105589"/>
-          </a:solidFill>
-        </a:ln>
-      </dgm:spPr>
-      <dgm:t>
-        <a:bodyPr/>
-        <a:lstStyle/>
-        <a:p>
-          <a:r>
-            <a:rPr lang="de-DE" dirty="0"/>
-            <a:t>HTTP und RTSP Unterstützung</a:t>
-          </a:r>
-        </a:p>
-      </dgm:t>
-    </dgm:pt>
-    <dgm:pt modelId="{02E19625-8619-4898-810A-B016D3C1C94D}" type="parTrans" cxnId="{B36C3A7E-0C2F-4D79-B7FB-71BA55C37D28}">
-      <dgm:prSet/>
-      <dgm:spPr/>
-      <dgm:t>
-        <a:bodyPr/>
-        <a:lstStyle/>
-        <a:p>
-          <a:endParaRPr lang="en-DE"/>
-        </a:p>
-      </dgm:t>
-    </dgm:pt>
-    <dgm:pt modelId="{83A1C2CA-D1F9-4512-AB63-67D75334E57F}" type="sibTrans" cxnId="{B36C3A7E-0C2F-4D79-B7FB-71BA55C37D28}">
-      <dgm:prSet/>
-      <dgm:spPr/>
-      <dgm:t>
-        <a:bodyPr/>
-        <a:lstStyle/>
-        <a:p>
-          <a:endParaRPr lang="en-DE"/>
-        </a:p>
-      </dgm:t>
-    </dgm:pt>
-    <dgm:pt modelId="{E2D2E959-4F62-4667-9A4E-6E432927AE31}" type="pres">
-      <dgm:prSet presAssocID="{20D0F526-34CA-47DA-8F5E-5798D2FD4CEC}" presName="linearFlow" presStyleCnt="0">
-        <dgm:presLayoutVars>
-          <dgm:dir/>
-          <dgm:animLvl val="lvl"/>
-          <dgm:resizeHandles val="exact"/>
-        </dgm:presLayoutVars>
-      </dgm:prSet>
-      <dgm:spPr/>
-    </dgm:pt>
-    <dgm:pt modelId="{8020265C-65CE-4E2E-A144-A8FE1A69E936}" type="pres">
-      <dgm:prSet presAssocID="{6AC3DC26-2056-4F64-80E0-554D0E189ABB}" presName="composite" presStyleCnt="0"/>
-      <dgm:spPr/>
-    </dgm:pt>
-    <dgm:pt modelId="{687BDDD7-893B-4C71-9844-3824E5609744}" type="pres">
-      <dgm:prSet presAssocID="{6AC3DC26-2056-4F64-80E0-554D0E189ABB}" presName="parTx" presStyleLbl="node1" presStyleIdx="0" presStyleCnt="1">
-        <dgm:presLayoutVars>
-          <dgm:chMax val="0"/>
-          <dgm:chPref val="0"/>
-          <dgm:bulletEnabled val="1"/>
-        </dgm:presLayoutVars>
-      </dgm:prSet>
-      <dgm:spPr/>
-    </dgm:pt>
-    <dgm:pt modelId="{8CD84617-E39D-4141-B5BB-CC63958ECE8D}" type="pres">
-      <dgm:prSet presAssocID="{6AC3DC26-2056-4F64-80E0-554D0E189ABB}" presName="parSh" presStyleLbl="node1" presStyleIdx="0" presStyleCnt="1"/>
-      <dgm:spPr/>
-    </dgm:pt>
-    <dgm:pt modelId="{A855D974-2B66-4AD1-9F0E-AB402070EE2E}" type="pres">
-      <dgm:prSet presAssocID="{6AC3DC26-2056-4F64-80E0-554D0E189ABB}" presName="desTx" presStyleLbl="fgAcc1" presStyleIdx="0" presStyleCnt="1">
-        <dgm:presLayoutVars>
-          <dgm:bulletEnabled val="1"/>
-        </dgm:presLayoutVars>
-      </dgm:prSet>
-      <dgm:spPr/>
-    </dgm:pt>
-  </dgm:ptLst>
-  <dgm:cxnLst>
-    <dgm:cxn modelId="{A8001E3B-F426-4CED-9624-99E9FACC6A7F}" srcId="{6AC3DC26-2056-4F64-80E0-554D0E189ABB}" destId="{882B20FE-4C32-4ED9-BAC9-5ACFD61032A6}" srcOrd="1" destOrd="0" parTransId="{420A662D-6FFB-4433-9B90-1DCCD4ABF0BA}" sibTransId="{A02C5D21-6245-41B0-B91F-056F27FD34CC}"/>
-    <dgm:cxn modelId="{CE35BE63-8436-478E-B57C-C6727FB8B9FC}" srcId="{6AC3DC26-2056-4F64-80E0-554D0E189ABB}" destId="{6F35E23E-3443-47E5-9D69-35DD44C6D6A0}" srcOrd="0" destOrd="0" parTransId="{7D491415-4DFB-4C66-8FEC-467722980FA8}" sibTransId="{8ADAD9D1-15FC-4CF1-8E2C-FFD491C098FD}"/>
-    <dgm:cxn modelId="{48F2C571-829E-4666-9909-4A65737B49E2}" type="presOf" srcId="{6F35E23E-3443-47E5-9D69-35DD44C6D6A0}" destId="{A855D974-2B66-4AD1-9F0E-AB402070EE2E}" srcOrd="0" destOrd="0" presId="urn:microsoft.com/office/officeart/2005/8/layout/process3"/>
-    <dgm:cxn modelId="{F91D4774-3FC1-42C3-8F9F-7DFD8FEE6921}" type="presOf" srcId="{6AC3DC26-2056-4F64-80E0-554D0E189ABB}" destId="{8CD84617-E39D-4141-B5BB-CC63958ECE8D}" srcOrd="1" destOrd="0" presId="urn:microsoft.com/office/officeart/2005/8/layout/process3"/>
-    <dgm:cxn modelId="{B36C3A7E-0C2F-4D79-B7FB-71BA55C37D28}" srcId="{6AC3DC26-2056-4F64-80E0-554D0E189ABB}" destId="{368CE61F-B02B-45CA-9BEE-957C2986A6DA}" srcOrd="2" destOrd="0" parTransId="{02E19625-8619-4898-810A-B016D3C1C94D}" sibTransId="{83A1C2CA-D1F9-4512-AB63-67D75334E57F}"/>
-    <dgm:cxn modelId="{B5BB9B98-EBD1-43C1-A105-5700D5B298BE}" type="presOf" srcId="{882B20FE-4C32-4ED9-BAC9-5ACFD61032A6}" destId="{A855D974-2B66-4AD1-9F0E-AB402070EE2E}" srcOrd="0" destOrd="1" presId="urn:microsoft.com/office/officeart/2005/8/layout/process3"/>
-    <dgm:cxn modelId="{950F25C4-12D6-4C99-9147-15842F9D0071}" type="presOf" srcId="{6AC3DC26-2056-4F64-80E0-554D0E189ABB}" destId="{687BDDD7-893B-4C71-9844-3824E5609744}" srcOrd="0" destOrd="0" presId="urn:microsoft.com/office/officeart/2005/8/layout/process3"/>
-    <dgm:cxn modelId="{FE6C04CD-248F-46F9-9434-D2E0A5D2E4D3}" type="presOf" srcId="{20D0F526-34CA-47DA-8F5E-5798D2FD4CEC}" destId="{E2D2E959-4F62-4667-9A4E-6E432927AE31}" srcOrd="0" destOrd="0" presId="urn:microsoft.com/office/officeart/2005/8/layout/process3"/>
-    <dgm:cxn modelId="{500282E9-C699-4381-8AF6-AE1A5EA0EA8A}" type="presOf" srcId="{368CE61F-B02B-45CA-9BEE-957C2986A6DA}" destId="{A855D974-2B66-4AD1-9F0E-AB402070EE2E}" srcOrd="0" destOrd="2" presId="urn:microsoft.com/office/officeart/2005/8/layout/process3"/>
-    <dgm:cxn modelId="{9EBA8EF5-E752-493B-B97C-6798721B5542}" srcId="{20D0F526-34CA-47DA-8F5E-5798D2FD4CEC}" destId="{6AC3DC26-2056-4F64-80E0-554D0E189ABB}" srcOrd="0" destOrd="0" parTransId="{AA96D068-3EE7-4968-9251-2A3CF15D1F80}" sibTransId="{74A74AA2-EDF0-4D40-978E-4FFDFBBF3627}"/>
-    <dgm:cxn modelId="{4C2710EC-3FB0-413B-9EDB-F140CB28FE17}" type="presParOf" srcId="{E2D2E959-4F62-4667-9A4E-6E432927AE31}" destId="{8020265C-65CE-4E2E-A144-A8FE1A69E936}" srcOrd="0" destOrd="0" presId="urn:microsoft.com/office/officeart/2005/8/layout/process3"/>
-    <dgm:cxn modelId="{47FF566C-9EBC-4503-8B58-78CEC7427D48}" type="presParOf" srcId="{8020265C-65CE-4E2E-A144-A8FE1A69E936}" destId="{687BDDD7-893B-4C71-9844-3824E5609744}" srcOrd="0" destOrd="0" presId="urn:microsoft.com/office/officeart/2005/8/layout/process3"/>
-    <dgm:cxn modelId="{4042A00F-0A90-45CC-BBCB-5B589BF4471C}" type="presParOf" srcId="{8020265C-65CE-4E2E-A144-A8FE1A69E936}" destId="{8CD84617-E39D-4141-B5BB-CC63958ECE8D}" srcOrd="1" destOrd="0" presId="urn:microsoft.com/office/officeart/2005/8/layout/process3"/>
-    <dgm:cxn modelId="{B4284C8F-42E6-4B2E-8C72-3B5B1D22DBC0}" type="presParOf" srcId="{8020265C-65CE-4E2E-A144-A8FE1A69E936}" destId="{A855D974-2B66-4AD1-9F0E-AB402070EE2E}" srcOrd="2" destOrd="0" presId="urn:microsoft.com/office/officeart/2005/8/layout/process3"/>
-  </dgm:cxnLst>
-  <dgm:bg/>
-  <dgm:whole/>
-  <dgm:extLst>
-    <a:ext uri="http://schemas.microsoft.com/office/drawing/2008/diagram">
-      <dsp:dataModelExt xmlns:dsp="http://schemas.microsoft.com/office/drawing/2008/diagram" relId="rId8" minVer="http://schemas.openxmlformats.org/drawingml/2006/diagram"/>
-    </a:ext>
-  </dgm:extLst>
-</dgm:dataModel>
-</file>
-
-<file path=ppt/diagrams/data4.xml><?xml version="1.0" encoding="utf-8"?>
-<dgm:dataModel xmlns:dgm="http://schemas.openxmlformats.org/drawingml/2006/diagram" xmlns:a="http://schemas.openxmlformats.org/drawingml/2006/main">
-  <dgm:ptLst>
-    <dgm:pt modelId="{20D0F526-34CA-47DA-8F5E-5798D2FD4CEC}" type="doc">
-      <dgm:prSet loTypeId="urn:microsoft.com/office/officeart/2005/8/layout/process3" loCatId="process" qsTypeId="urn:microsoft.com/office/officeart/2005/8/quickstyle/simple5" qsCatId="simple" csTypeId="urn:microsoft.com/office/officeart/2005/8/colors/accent5_2" csCatId="accent5" phldr="1"/>
-      <dgm:spPr/>
-      <dgm:t>
-        <a:bodyPr/>
-        <a:lstStyle/>
-        <a:p>
-          <a:endParaRPr lang="de-DE"/>
-        </a:p>
-      </dgm:t>
-    </dgm:pt>
-    <dgm:pt modelId="{6AC3DC26-2056-4F64-80E0-554D0E189ABB}">
-      <dgm:prSet phldrT="[Text]"/>
-      <dgm:spPr>
-        <a:solidFill>
-          <a:srgbClr val="105385"/>
-        </a:solidFill>
-      </dgm:spPr>
-      <dgm:t>
-        <a:bodyPr/>
-        <a:lstStyle/>
-        <a:p>
-          <a:r>
-            <a:rPr lang="de-DE" dirty="0"/>
-            <a:t>Vision</a:t>
-          </a:r>
-        </a:p>
-      </dgm:t>
-    </dgm:pt>
-    <dgm:pt modelId="{AA96D068-3EE7-4968-9251-2A3CF15D1F80}" type="parTrans" cxnId="{9EBA8EF5-E752-493B-B97C-6798721B5542}">
-      <dgm:prSet/>
-      <dgm:spPr/>
-      <dgm:t>
-        <a:bodyPr/>
-        <a:lstStyle/>
-        <a:p>
-          <a:endParaRPr lang="de-DE"/>
-        </a:p>
-      </dgm:t>
-    </dgm:pt>
-    <dgm:pt modelId="{74A74AA2-EDF0-4D40-978E-4FFDFBBF3627}" type="sibTrans" cxnId="{9EBA8EF5-E752-493B-B97C-6798721B5542}">
-      <dgm:prSet/>
-      <dgm:spPr/>
-      <dgm:t>
-        <a:bodyPr/>
-        <a:lstStyle/>
-        <a:p>
-          <a:endParaRPr lang="de-DE"/>
-        </a:p>
-      </dgm:t>
-    </dgm:pt>
-    <dgm:pt modelId="{6F35E23E-3443-47E5-9D69-35DD44C6D6A0}">
-      <dgm:prSet phldrT="[Text]"/>
-      <dgm:spPr>
-        <a:ln>
-          <a:solidFill>
-            <a:srgbClr val="105589"/>
-          </a:solidFill>
-        </a:ln>
-      </dgm:spPr>
-      <dgm:t>
-        <a:bodyPr/>
-        <a:lstStyle/>
-        <a:p>
-          <a:pPr>
-            <a:buFont typeface="Arial" panose="020B0604020202020204" pitchFamily="34" charset="0"/>
-            <a:buChar char="•"/>
-          </a:pPr>
-          <a:r>
-            <a:rPr lang="de-DE" dirty="0"/>
-            <a:t>Jede Pflanze bekommt einen Growing Cycle</a:t>
-          </a:r>
-        </a:p>
-      </dgm:t>
-    </dgm:pt>
-    <dgm:pt modelId="{7D491415-4DFB-4C66-8FEC-467722980FA8}" type="parTrans" cxnId="{CE35BE63-8436-478E-B57C-C6727FB8B9FC}">
-      <dgm:prSet/>
-      <dgm:spPr/>
-      <dgm:t>
-        <a:bodyPr/>
-        <a:lstStyle/>
-        <a:p>
-          <a:endParaRPr lang="de-DE"/>
-        </a:p>
-      </dgm:t>
-    </dgm:pt>
-    <dgm:pt modelId="{8ADAD9D1-15FC-4CF1-8E2C-FFD491C098FD}" type="sibTrans" cxnId="{CE35BE63-8436-478E-B57C-C6727FB8B9FC}">
-      <dgm:prSet/>
-      <dgm:spPr/>
-      <dgm:t>
-        <a:bodyPr/>
-        <a:lstStyle/>
-        <a:p>
-          <a:endParaRPr lang="de-DE"/>
-        </a:p>
-      </dgm:t>
-    </dgm:pt>
-    <dgm:pt modelId="{5C3CDCFC-F8A5-4896-A3A3-595E1DDFA97E}">
-      <dgm:prSet phldrT="[Text]"/>
-      <dgm:spPr>
-        <a:ln>
-          <a:solidFill>
-            <a:srgbClr val="105589"/>
-          </a:solidFill>
-        </a:ln>
-      </dgm:spPr>
-      <dgm:t>
-        <a:bodyPr/>
-        <a:lstStyle/>
-        <a:p>
-          <a:pPr>
-            <a:buFont typeface="Arial" panose="020B0604020202020204" pitchFamily="34" charset="0"/>
-            <a:buChar char="•"/>
-          </a:pPr>
-          <a:r>
-            <a:rPr lang="de-DE" dirty="0"/>
-            <a:t>Nutzerfreundlich</a:t>
-          </a:r>
-        </a:p>
-      </dgm:t>
-    </dgm:pt>
-    <dgm:pt modelId="{B92751FF-F232-4470-B3AE-77D88E21D98B}" type="parTrans" cxnId="{23C9AA50-B9F7-45C9-994A-FA1FD2C85758}">
-      <dgm:prSet/>
-      <dgm:spPr/>
-    </dgm:pt>
-    <dgm:pt modelId="{E166CBB7-2714-443E-8C8E-CC3D136BEF7C}" type="sibTrans" cxnId="{23C9AA50-B9F7-45C9-994A-FA1FD2C85758}">
-      <dgm:prSet/>
-      <dgm:spPr/>
-    </dgm:pt>
-    <dgm:pt modelId="{A4DC0408-5ECD-45AE-BFB9-D9E95CBAF5CE}">
-      <dgm:prSet phldrT="[Text]"/>
-      <dgm:spPr>
-        <a:ln>
-          <a:solidFill>
-            <a:srgbClr val="105589"/>
-          </a:solidFill>
-        </a:ln>
-      </dgm:spPr>
-      <dgm:t>
-        <a:bodyPr/>
-        <a:lstStyle/>
-        <a:p>
-          <a:pPr>
-            <a:buFont typeface="Arial" panose="020B0604020202020204" pitchFamily="34" charset="0"/>
-            <a:buChar char="•"/>
-          </a:pPr>
-          <a:r>
-            <a:rPr lang="de-DE" dirty="0"/>
-            <a:t>Überwachung der Wachstumsphase</a:t>
-          </a:r>
-        </a:p>
-      </dgm:t>
-    </dgm:pt>
-    <dgm:pt modelId="{982C724C-B560-40EE-BF1B-F65EDD002A3E}" type="parTrans" cxnId="{05041EB1-15E1-4538-8B06-69C5B8FA7696}">
-      <dgm:prSet/>
-      <dgm:spPr/>
-    </dgm:pt>
-    <dgm:pt modelId="{074359B4-BDE1-48C7-B46D-247AA3D5BC74}" type="sibTrans" cxnId="{05041EB1-15E1-4538-8B06-69C5B8FA7696}">
-      <dgm:prSet/>
-      <dgm:spPr/>
-    </dgm:pt>
-    <dgm:pt modelId="{E2D2E959-4F62-4667-9A4E-6E432927AE31}" type="pres">
-      <dgm:prSet presAssocID="{20D0F526-34CA-47DA-8F5E-5798D2FD4CEC}" presName="linearFlow" presStyleCnt="0">
-        <dgm:presLayoutVars>
-          <dgm:dir/>
-          <dgm:animLvl val="lvl"/>
-          <dgm:resizeHandles val="exact"/>
-        </dgm:presLayoutVars>
-      </dgm:prSet>
-      <dgm:spPr/>
-    </dgm:pt>
-    <dgm:pt modelId="{8020265C-65CE-4E2E-A144-A8FE1A69E936}" type="pres">
-      <dgm:prSet presAssocID="{6AC3DC26-2056-4F64-80E0-554D0E189ABB}" presName="composite" presStyleCnt="0"/>
-      <dgm:spPr/>
-    </dgm:pt>
-    <dgm:pt modelId="{687BDDD7-893B-4C71-9844-3824E5609744}" type="pres">
-      <dgm:prSet presAssocID="{6AC3DC26-2056-4F64-80E0-554D0E189ABB}" presName="parTx" presStyleLbl="node1" presStyleIdx="0" presStyleCnt="1">
-        <dgm:presLayoutVars>
-          <dgm:chMax val="0"/>
-          <dgm:chPref val="0"/>
-          <dgm:bulletEnabled val="1"/>
-        </dgm:presLayoutVars>
-      </dgm:prSet>
-      <dgm:spPr/>
-    </dgm:pt>
-    <dgm:pt modelId="{8CD84617-E39D-4141-B5BB-CC63958ECE8D}" type="pres">
-      <dgm:prSet presAssocID="{6AC3DC26-2056-4F64-80E0-554D0E189ABB}" presName="parSh" presStyleLbl="node1" presStyleIdx="0" presStyleCnt="1"/>
-      <dgm:spPr/>
-    </dgm:pt>
-    <dgm:pt modelId="{A855D974-2B66-4AD1-9F0E-AB402070EE2E}" type="pres">
-      <dgm:prSet presAssocID="{6AC3DC26-2056-4F64-80E0-554D0E189ABB}" presName="desTx" presStyleLbl="fgAcc1" presStyleIdx="0" presStyleCnt="1">
-        <dgm:presLayoutVars>
-          <dgm:bulletEnabled val="1"/>
-        </dgm:presLayoutVars>
-      </dgm:prSet>
-      <dgm:spPr/>
-    </dgm:pt>
-  </dgm:ptLst>
-  <dgm:cxnLst>
-    <dgm:cxn modelId="{EB915C0B-A550-4D2A-BAB6-5911B826E2E2}" type="presOf" srcId="{A4DC0408-5ECD-45AE-BFB9-D9E95CBAF5CE}" destId="{A855D974-2B66-4AD1-9F0E-AB402070EE2E}" srcOrd="0" destOrd="1" presId="urn:microsoft.com/office/officeart/2005/8/layout/process3"/>
-    <dgm:cxn modelId="{CE35BE63-8436-478E-B57C-C6727FB8B9FC}" srcId="{6AC3DC26-2056-4F64-80E0-554D0E189ABB}" destId="{6F35E23E-3443-47E5-9D69-35DD44C6D6A0}" srcOrd="0" destOrd="0" parTransId="{7D491415-4DFB-4C66-8FEC-467722980FA8}" sibTransId="{8ADAD9D1-15FC-4CF1-8E2C-FFD491C098FD}"/>
-    <dgm:cxn modelId="{23C9AA50-B9F7-45C9-994A-FA1FD2C85758}" srcId="{6AC3DC26-2056-4F64-80E0-554D0E189ABB}" destId="{5C3CDCFC-F8A5-4896-A3A3-595E1DDFA97E}" srcOrd="2" destOrd="0" parTransId="{B92751FF-F232-4470-B3AE-77D88E21D98B}" sibTransId="{E166CBB7-2714-443E-8C8E-CC3D136BEF7C}"/>
-    <dgm:cxn modelId="{48F2C571-829E-4666-9909-4A65737B49E2}" type="presOf" srcId="{6F35E23E-3443-47E5-9D69-35DD44C6D6A0}" destId="{A855D974-2B66-4AD1-9F0E-AB402070EE2E}" srcOrd="0" destOrd="0" presId="urn:microsoft.com/office/officeart/2005/8/layout/process3"/>
-    <dgm:cxn modelId="{F91D4774-3FC1-42C3-8F9F-7DFD8FEE6921}" type="presOf" srcId="{6AC3DC26-2056-4F64-80E0-554D0E189ABB}" destId="{8CD84617-E39D-4141-B5BB-CC63958ECE8D}" srcOrd="1" destOrd="0" presId="urn:microsoft.com/office/officeart/2005/8/layout/process3"/>
-    <dgm:cxn modelId="{05041EB1-15E1-4538-8B06-69C5B8FA7696}" srcId="{6AC3DC26-2056-4F64-80E0-554D0E189ABB}" destId="{A4DC0408-5ECD-45AE-BFB9-D9E95CBAF5CE}" srcOrd="1" destOrd="0" parTransId="{982C724C-B560-40EE-BF1B-F65EDD002A3E}" sibTransId="{074359B4-BDE1-48C7-B46D-247AA3D5BC74}"/>
-    <dgm:cxn modelId="{950F25C4-12D6-4C99-9147-15842F9D0071}" type="presOf" srcId="{6AC3DC26-2056-4F64-80E0-554D0E189ABB}" destId="{687BDDD7-893B-4C71-9844-3824E5609744}" srcOrd="0" destOrd="0" presId="urn:microsoft.com/office/officeart/2005/8/layout/process3"/>
-    <dgm:cxn modelId="{FE6C04CD-248F-46F9-9434-D2E0A5D2E4D3}" type="presOf" srcId="{20D0F526-34CA-47DA-8F5E-5798D2FD4CEC}" destId="{E2D2E959-4F62-4667-9A4E-6E432927AE31}" srcOrd="0" destOrd="0" presId="urn:microsoft.com/office/officeart/2005/8/layout/process3"/>
-    <dgm:cxn modelId="{9EBA8EF5-E752-493B-B97C-6798721B5542}" srcId="{20D0F526-34CA-47DA-8F5E-5798D2FD4CEC}" destId="{6AC3DC26-2056-4F64-80E0-554D0E189ABB}" srcOrd="0" destOrd="0" parTransId="{AA96D068-3EE7-4968-9251-2A3CF15D1F80}" sibTransId="{74A74AA2-EDF0-4D40-978E-4FFDFBBF3627}"/>
-    <dgm:cxn modelId="{F101FEFB-E483-4251-808D-CD1CBA682C09}" type="presOf" srcId="{5C3CDCFC-F8A5-4896-A3A3-595E1DDFA97E}" destId="{A855D974-2B66-4AD1-9F0E-AB402070EE2E}" srcOrd="0" destOrd="2" presId="urn:microsoft.com/office/officeart/2005/8/layout/process3"/>
-    <dgm:cxn modelId="{4C2710EC-3FB0-413B-9EDB-F140CB28FE17}" type="presParOf" srcId="{E2D2E959-4F62-4667-9A4E-6E432927AE31}" destId="{8020265C-65CE-4E2E-A144-A8FE1A69E936}" srcOrd="0" destOrd="0" presId="urn:microsoft.com/office/officeart/2005/8/layout/process3"/>
-    <dgm:cxn modelId="{47FF566C-9EBC-4503-8B58-78CEC7427D48}" type="presParOf" srcId="{8020265C-65CE-4E2E-A144-A8FE1A69E936}" destId="{687BDDD7-893B-4C71-9844-3824E5609744}" srcOrd="0" destOrd="0" presId="urn:microsoft.com/office/officeart/2005/8/layout/process3"/>
-    <dgm:cxn modelId="{4042A00F-0A90-45CC-BBCB-5B589BF4471C}" type="presParOf" srcId="{8020265C-65CE-4E2E-A144-A8FE1A69E936}" destId="{8CD84617-E39D-4141-B5BB-CC63958ECE8D}" srcOrd="1" destOrd="0" presId="urn:microsoft.com/office/officeart/2005/8/layout/process3"/>
-    <dgm:cxn modelId="{B4284C8F-42E6-4B2E-8C72-3B5B1D22DBC0}" type="presParOf" srcId="{8020265C-65CE-4E2E-A144-A8FE1A69E936}" destId="{A855D974-2B66-4AD1-9F0E-AB402070EE2E}" srcOrd="2" destOrd="0" presId="urn:microsoft.com/office/officeart/2005/8/layout/process3"/>
-  </dgm:cxnLst>
-  <dgm:bg/>
-  <dgm:whole/>
-  <dgm:extLst>
-    <a:ext uri="http://schemas.microsoft.com/office/drawing/2008/diagram">
-      <dsp:dataModelExt xmlns:dsp="http://schemas.microsoft.com/office/drawing/2008/diagram" relId="rId8" minVer="http://schemas.openxmlformats.org/drawingml/2006/diagram"/>
-    </a:ext>
-  </dgm:extLst>
-</dgm:dataModel>
-</file>
-
-<file path=ppt/diagrams/data5.xml><?xml version="1.0" encoding="utf-8"?>
 <dgm:dataModel xmlns:dgm="http://schemas.openxmlformats.org/drawingml/2006/diagram" xmlns:a="http://schemas.openxmlformats.org/drawingml/2006/main">
   <dgm:ptLst>
     <dgm:pt modelId="{B88B3DA5-C8F7-4A07-A301-0775015E7C4A}" type="doc">
@@ -6097,7 +3178,7 @@
 </dgm:dataModel>
 </file>
 
-<file path=ppt/diagrams/data6.xml><?xml version="1.0" encoding="utf-8"?>
+<file path=ppt/diagrams/data3.xml><?xml version="1.0" encoding="utf-8"?>
 <dgm:dataModel xmlns:dgm="http://schemas.openxmlformats.org/drawingml/2006/diagram" xmlns:a="http://schemas.openxmlformats.org/drawingml/2006/main">
   <dgm:ptLst>
     <dgm:pt modelId="{B88B3DA5-C8F7-4A07-A301-0775015E7C4A}" type="doc">
@@ -6526,576 +3607,6 @@
       <dsp:cNvGrpSpPr/>
     </dsp:nvGrpSpPr>
     <dsp:grpSpPr/>
-    <dsp:sp modelId="{8CD84617-E39D-4141-B5BB-CC63958ECE8D}">
-      <dsp:nvSpPr>
-        <dsp:cNvPr id="0" name=""/>
-        <dsp:cNvSpPr/>
-      </dsp:nvSpPr>
-      <dsp:spPr>
-        <a:xfrm>
-          <a:off x="0" y="711874"/>
-          <a:ext cx="3080291" cy="1166400"/>
-        </a:xfrm>
-        <a:prstGeom prst="roundRect">
-          <a:avLst>
-            <a:gd name="adj" fmla="val 10000"/>
-          </a:avLst>
-        </a:prstGeom>
-        <a:solidFill>
-          <a:srgbClr val="105385"/>
-        </a:solidFill>
-        <a:ln>
-          <a:noFill/>
-        </a:ln>
-        <a:effectLst>
-          <a:outerShdw blurRad="57150" dist="19050" dir="5400000" algn="ctr" rotWithShape="0">
-            <a:srgbClr val="000000">
-              <a:alpha val="63000"/>
-            </a:srgbClr>
-          </a:outerShdw>
-        </a:effectLst>
-      </dsp:spPr>
-      <dsp:style>
-        <a:lnRef idx="0">
-          <a:scrgbClr r="0" g="0" b="0"/>
-        </a:lnRef>
-        <a:fillRef idx="3">
-          <a:scrgbClr r="0" g="0" b="0"/>
-        </a:fillRef>
-        <a:effectRef idx="3">
-          <a:scrgbClr r="0" g="0" b="0"/>
-        </a:effectRef>
-        <a:fontRef idx="minor">
-          <a:schemeClr val="lt1"/>
-        </a:fontRef>
-      </dsp:style>
-      <dsp:txBody>
-        <a:bodyPr spcFirstLastPara="0" vert="horz" wrap="square" lIns="192024" tIns="192024" rIns="192024" bIns="102870" numCol="1" spcCol="1270" anchor="t" anchorCtr="0">
-          <a:noAutofit/>
-        </a:bodyPr>
-        <a:lstStyle/>
-        <a:p>
-          <a:pPr marL="0" lvl="0" indent="0" algn="l" defTabSz="1200150">
-            <a:lnSpc>
-              <a:spcPct val="90000"/>
-            </a:lnSpc>
-            <a:spcBef>
-              <a:spcPct val="0"/>
-            </a:spcBef>
-            <a:spcAft>
-              <a:spcPct val="35000"/>
-            </a:spcAft>
-            <a:buNone/>
-          </a:pPr>
-          <a:r>
-            <a:rPr lang="de-DE" sz="2700" kern="1200" dirty="0"/>
-            <a:t>Vision</a:t>
-          </a:r>
-        </a:p>
-      </dsp:txBody>
-      <dsp:txXfrm>
-        <a:off x="0" y="711874"/>
-        <a:ext cx="3080291" cy="777600"/>
-      </dsp:txXfrm>
-    </dsp:sp>
-    <dsp:sp modelId="{A855D974-2B66-4AD1-9F0E-AB402070EE2E}">
-      <dsp:nvSpPr>
-        <dsp:cNvPr id="0" name=""/>
-        <dsp:cNvSpPr/>
-      </dsp:nvSpPr>
-      <dsp:spPr>
-        <a:xfrm>
-          <a:off x="630902" y="1489474"/>
-          <a:ext cx="3080291" cy="2478599"/>
-        </a:xfrm>
-        <a:prstGeom prst="roundRect">
-          <a:avLst>
-            <a:gd name="adj" fmla="val 10000"/>
-          </a:avLst>
-        </a:prstGeom>
-        <a:solidFill>
-          <a:schemeClr val="lt1">
-            <a:alpha val="90000"/>
-            <a:hueOff val="0"/>
-            <a:satOff val="0"/>
-            <a:lumOff val="0"/>
-            <a:alphaOff val="0"/>
-          </a:schemeClr>
-        </a:solidFill>
-        <a:ln w="6350" cap="flat" cmpd="sng" algn="ctr">
-          <a:solidFill>
-            <a:srgbClr val="105589"/>
-          </a:solidFill>
-          <a:prstDash val="solid"/>
-          <a:miter lim="800000"/>
-        </a:ln>
-        <a:effectLst/>
-      </dsp:spPr>
-      <dsp:style>
-        <a:lnRef idx="1">
-          <a:scrgbClr r="0" g="0" b="0"/>
-        </a:lnRef>
-        <a:fillRef idx="1">
-          <a:scrgbClr r="0" g="0" b="0"/>
-        </a:fillRef>
-        <a:effectRef idx="2">
-          <a:scrgbClr r="0" g="0" b="0"/>
-        </a:effectRef>
-        <a:fontRef idx="minor"/>
-      </dsp:style>
-      <dsp:txBody>
-        <a:bodyPr spcFirstLastPara="0" vert="horz" wrap="square" lIns="192024" tIns="192024" rIns="192024" bIns="192024" numCol="1" spcCol="1270" anchor="t" anchorCtr="0">
-          <a:noAutofit/>
-        </a:bodyPr>
-        <a:lstStyle/>
-        <a:p>
-          <a:pPr marL="228600" lvl="1" indent="-228600" algn="l" defTabSz="1200150">
-            <a:lnSpc>
-              <a:spcPct val="90000"/>
-            </a:lnSpc>
-            <a:spcBef>
-              <a:spcPct val="0"/>
-            </a:spcBef>
-            <a:spcAft>
-              <a:spcPct val="15000"/>
-            </a:spcAft>
-            <a:buFont typeface="Arial" panose="020B0604020202020204" pitchFamily="34" charset="0"/>
-            <a:buChar char="•"/>
-          </a:pPr>
-          <a:r>
-            <a:rPr lang="de-DE" sz="2700" kern="1200" dirty="0"/>
-            <a:t>Editierbares Sensorintervalle</a:t>
-          </a:r>
-        </a:p>
-        <a:p>
-          <a:pPr marL="228600" lvl="1" indent="-228600" algn="l" defTabSz="1200150">
-            <a:lnSpc>
-              <a:spcPct val="90000"/>
-            </a:lnSpc>
-            <a:spcBef>
-              <a:spcPct val="0"/>
-            </a:spcBef>
-            <a:spcAft>
-              <a:spcPct val="15000"/>
-            </a:spcAft>
-            <a:buFont typeface="Arial" panose="020B0604020202020204" pitchFamily="34" charset="0"/>
-            <a:buChar char="•"/>
-          </a:pPr>
-          <a:r>
-            <a:rPr lang="de-DE" sz="2700" kern="1200" dirty="0"/>
-            <a:t>Liste an verfügbaren Sensoren</a:t>
-          </a:r>
-        </a:p>
-      </dsp:txBody>
-      <dsp:txXfrm>
-        <a:off x="703498" y="1562070"/>
-        <a:ext cx="2935099" cy="2333407"/>
-      </dsp:txXfrm>
-    </dsp:sp>
-  </dsp:spTree>
-</dsp:drawing>
-</file>
-
-<file path=ppt/diagrams/drawing3.xml><?xml version="1.0" encoding="utf-8"?>
-<dsp:drawing xmlns:dgm="http://schemas.openxmlformats.org/drawingml/2006/diagram" xmlns:dsp="http://schemas.microsoft.com/office/drawing/2008/diagram" xmlns:a="http://schemas.openxmlformats.org/drawingml/2006/main">
-  <dsp:spTree>
-    <dsp:nvGrpSpPr>
-      <dsp:cNvPr id="0" name=""/>
-      <dsp:cNvGrpSpPr/>
-    </dsp:nvGrpSpPr>
-    <dsp:grpSpPr/>
-    <dsp:sp modelId="{8CD84617-E39D-4141-B5BB-CC63958ECE8D}">
-      <dsp:nvSpPr>
-        <dsp:cNvPr id="0" name=""/>
-        <dsp:cNvSpPr/>
-      </dsp:nvSpPr>
-      <dsp:spPr>
-        <a:xfrm>
-          <a:off x="0" y="157821"/>
-          <a:ext cx="3331016" cy="1209600"/>
-        </a:xfrm>
-        <a:prstGeom prst="roundRect">
-          <a:avLst>
-            <a:gd name="adj" fmla="val 10000"/>
-          </a:avLst>
-        </a:prstGeom>
-        <a:solidFill>
-          <a:srgbClr val="105385"/>
-        </a:solidFill>
-        <a:ln>
-          <a:noFill/>
-        </a:ln>
-        <a:effectLst>
-          <a:outerShdw blurRad="57150" dist="19050" dir="5400000" algn="ctr" rotWithShape="0">
-            <a:srgbClr val="000000">
-              <a:alpha val="63000"/>
-            </a:srgbClr>
-          </a:outerShdw>
-        </a:effectLst>
-      </dsp:spPr>
-      <dsp:style>
-        <a:lnRef idx="0">
-          <a:scrgbClr r="0" g="0" b="0"/>
-        </a:lnRef>
-        <a:fillRef idx="3">
-          <a:scrgbClr r="0" g="0" b="0"/>
-        </a:fillRef>
-        <a:effectRef idx="3">
-          <a:scrgbClr r="0" g="0" b="0"/>
-        </a:effectRef>
-        <a:fontRef idx="minor">
-          <a:schemeClr val="lt1"/>
-        </a:fontRef>
-      </dsp:style>
-      <dsp:txBody>
-        <a:bodyPr spcFirstLastPara="0" vert="horz" wrap="square" lIns="199136" tIns="199136" rIns="199136" bIns="106680" numCol="1" spcCol="1270" anchor="t" anchorCtr="0">
-          <a:noAutofit/>
-        </a:bodyPr>
-        <a:lstStyle/>
-        <a:p>
-          <a:pPr marL="0" lvl="0" indent="0" algn="l" defTabSz="1244600">
-            <a:lnSpc>
-              <a:spcPct val="90000"/>
-            </a:lnSpc>
-            <a:spcBef>
-              <a:spcPct val="0"/>
-            </a:spcBef>
-            <a:spcAft>
-              <a:spcPct val="35000"/>
-            </a:spcAft>
-            <a:buNone/>
-          </a:pPr>
-          <a:r>
-            <a:rPr lang="de-DE" sz="2800" kern="1200" dirty="0"/>
-            <a:t>Vision</a:t>
-          </a:r>
-        </a:p>
-      </dsp:txBody>
-      <dsp:txXfrm>
-        <a:off x="0" y="157821"/>
-        <a:ext cx="3331016" cy="806400"/>
-      </dsp:txXfrm>
-    </dsp:sp>
-    <dsp:sp modelId="{A855D974-2B66-4AD1-9F0E-AB402070EE2E}">
-      <dsp:nvSpPr>
-        <dsp:cNvPr id="0" name=""/>
-        <dsp:cNvSpPr/>
-      </dsp:nvSpPr>
-      <dsp:spPr>
-        <a:xfrm>
-          <a:off x="682256" y="964221"/>
-          <a:ext cx="3331016" cy="3074399"/>
-        </a:xfrm>
-        <a:prstGeom prst="roundRect">
-          <a:avLst>
-            <a:gd name="adj" fmla="val 10000"/>
-          </a:avLst>
-        </a:prstGeom>
-        <a:solidFill>
-          <a:schemeClr val="lt1">
-            <a:alpha val="90000"/>
-            <a:hueOff val="0"/>
-            <a:satOff val="0"/>
-            <a:lumOff val="0"/>
-            <a:alphaOff val="0"/>
-          </a:schemeClr>
-        </a:solidFill>
-        <a:ln w="6350" cap="flat" cmpd="sng" algn="ctr">
-          <a:solidFill>
-            <a:srgbClr val="105589"/>
-          </a:solidFill>
-          <a:prstDash val="solid"/>
-          <a:miter lim="800000"/>
-        </a:ln>
-        <a:effectLst/>
-      </dsp:spPr>
-      <dsp:style>
-        <a:lnRef idx="1">
-          <a:scrgbClr r="0" g="0" b="0"/>
-        </a:lnRef>
-        <a:fillRef idx="1">
-          <a:scrgbClr r="0" g="0" b="0"/>
-        </a:fillRef>
-        <a:effectRef idx="2">
-          <a:scrgbClr r="0" g="0" b="0"/>
-        </a:effectRef>
-        <a:fontRef idx="minor"/>
-      </dsp:style>
-      <dsp:txBody>
-        <a:bodyPr spcFirstLastPara="0" vert="horz" wrap="square" lIns="199136" tIns="199136" rIns="199136" bIns="199136" numCol="1" spcCol="1270" anchor="t" anchorCtr="0">
-          <a:noAutofit/>
-        </a:bodyPr>
-        <a:lstStyle/>
-        <a:p>
-          <a:pPr marL="285750" lvl="1" indent="-285750" algn="l" defTabSz="1244600">
-            <a:lnSpc>
-              <a:spcPct val="90000"/>
-            </a:lnSpc>
-            <a:spcBef>
-              <a:spcPct val="0"/>
-            </a:spcBef>
-            <a:spcAft>
-              <a:spcPct val="15000"/>
-            </a:spcAft>
-            <a:buFont typeface="Arial" panose="020B0604020202020204" pitchFamily="34" charset="0"/>
-            <a:buChar char="•"/>
-          </a:pPr>
-          <a:r>
-            <a:rPr lang="de-DE" sz="2800" kern="1200" dirty="0"/>
-            <a:t>FPF ausgestattet mit Kameras</a:t>
-          </a:r>
-        </a:p>
-        <a:p>
-          <a:pPr marL="285750" lvl="1" indent="-285750" algn="l" defTabSz="1244600">
-            <a:lnSpc>
-              <a:spcPct val="90000"/>
-            </a:lnSpc>
-            <a:spcBef>
-              <a:spcPct val="0"/>
-            </a:spcBef>
-            <a:spcAft>
-              <a:spcPct val="15000"/>
-            </a:spcAft>
-            <a:buChar char="•"/>
-          </a:pPr>
-          <a:r>
-            <a:rPr lang="de-DE" sz="2800" kern="1200" dirty="0"/>
-            <a:t>Foto- und Videofunktion</a:t>
-          </a:r>
-        </a:p>
-        <a:p>
-          <a:pPr marL="285750" lvl="1" indent="-285750" algn="l" defTabSz="1244600">
-            <a:lnSpc>
-              <a:spcPct val="90000"/>
-            </a:lnSpc>
-            <a:spcBef>
-              <a:spcPct val="0"/>
-            </a:spcBef>
-            <a:spcAft>
-              <a:spcPct val="15000"/>
-            </a:spcAft>
-            <a:buChar char="•"/>
-          </a:pPr>
-          <a:r>
-            <a:rPr lang="de-DE" sz="2800" kern="1200" dirty="0"/>
-            <a:t>HTTP und RTSP Unterstützung</a:t>
-          </a:r>
-        </a:p>
-      </dsp:txBody>
-      <dsp:txXfrm>
-        <a:off x="772302" y="1054267"/>
-        <a:ext cx="3150924" cy="2894307"/>
-      </dsp:txXfrm>
-    </dsp:sp>
-  </dsp:spTree>
-</dsp:drawing>
-</file>
-
-<file path=ppt/diagrams/drawing4.xml><?xml version="1.0" encoding="utf-8"?>
-<dsp:drawing xmlns:dgm="http://schemas.openxmlformats.org/drawingml/2006/diagram" xmlns:dsp="http://schemas.microsoft.com/office/drawing/2008/diagram" xmlns:a="http://schemas.openxmlformats.org/drawingml/2006/main">
-  <dsp:spTree>
-    <dsp:nvGrpSpPr>
-      <dsp:cNvPr id="0" name=""/>
-      <dsp:cNvGrpSpPr/>
-    </dsp:nvGrpSpPr>
-    <dsp:grpSpPr/>
-    <dsp:sp modelId="{8CD84617-E39D-4141-B5BB-CC63958ECE8D}">
-      <dsp:nvSpPr>
-        <dsp:cNvPr id="0" name=""/>
-        <dsp:cNvSpPr/>
-      </dsp:nvSpPr>
-      <dsp:spPr>
-        <a:xfrm>
-          <a:off x="0" y="499036"/>
-          <a:ext cx="3396521" cy="1166400"/>
-        </a:xfrm>
-        <a:prstGeom prst="roundRect">
-          <a:avLst>
-            <a:gd name="adj" fmla="val 10000"/>
-          </a:avLst>
-        </a:prstGeom>
-        <a:solidFill>
-          <a:srgbClr val="105385"/>
-        </a:solidFill>
-        <a:ln>
-          <a:noFill/>
-        </a:ln>
-        <a:effectLst>
-          <a:outerShdw blurRad="57150" dist="19050" dir="5400000" algn="ctr" rotWithShape="0">
-            <a:srgbClr val="000000">
-              <a:alpha val="63000"/>
-            </a:srgbClr>
-          </a:outerShdw>
-        </a:effectLst>
-      </dsp:spPr>
-      <dsp:style>
-        <a:lnRef idx="0">
-          <a:scrgbClr r="0" g="0" b="0"/>
-        </a:lnRef>
-        <a:fillRef idx="3">
-          <a:scrgbClr r="0" g="0" b="0"/>
-        </a:fillRef>
-        <a:effectRef idx="3">
-          <a:scrgbClr r="0" g="0" b="0"/>
-        </a:effectRef>
-        <a:fontRef idx="minor">
-          <a:schemeClr val="lt1"/>
-        </a:fontRef>
-      </dsp:style>
-      <dsp:txBody>
-        <a:bodyPr spcFirstLastPara="0" vert="horz" wrap="square" lIns="192024" tIns="192024" rIns="192024" bIns="102870" numCol="1" spcCol="1270" anchor="t" anchorCtr="0">
-          <a:noAutofit/>
-        </a:bodyPr>
-        <a:lstStyle/>
-        <a:p>
-          <a:pPr marL="0" lvl="0" indent="0" algn="l" defTabSz="1200150">
-            <a:lnSpc>
-              <a:spcPct val="90000"/>
-            </a:lnSpc>
-            <a:spcBef>
-              <a:spcPct val="0"/>
-            </a:spcBef>
-            <a:spcAft>
-              <a:spcPct val="35000"/>
-            </a:spcAft>
-            <a:buNone/>
-          </a:pPr>
-          <a:r>
-            <a:rPr lang="de-DE" sz="2700" kern="1200" dirty="0"/>
-            <a:t>Vision</a:t>
-          </a:r>
-        </a:p>
-      </dsp:txBody>
-      <dsp:txXfrm>
-        <a:off x="0" y="499036"/>
-        <a:ext cx="3396521" cy="777600"/>
-      </dsp:txXfrm>
-    </dsp:sp>
-    <dsp:sp modelId="{A855D974-2B66-4AD1-9F0E-AB402070EE2E}">
-      <dsp:nvSpPr>
-        <dsp:cNvPr id="0" name=""/>
-        <dsp:cNvSpPr/>
-      </dsp:nvSpPr>
-      <dsp:spPr>
-        <a:xfrm>
-          <a:off x="695672" y="1276636"/>
-          <a:ext cx="3396521" cy="2964600"/>
-        </a:xfrm>
-        <a:prstGeom prst="roundRect">
-          <a:avLst>
-            <a:gd name="adj" fmla="val 10000"/>
-          </a:avLst>
-        </a:prstGeom>
-        <a:solidFill>
-          <a:schemeClr val="lt1">
-            <a:alpha val="90000"/>
-            <a:hueOff val="0"/>
-            <a:satOff val="0"/>
-            <a:lumOff val="0"/>
-            <a:alphaOff val="0"/>
-          </a:schemeClr>
-        </a:solidFill>
-        <a:ln w="6350" cap="flat" cmpd="sng" algn="ctr">
-          <a:solidFill>
-            <a:srgbClr val="105589"/>
-          </a:solidFill>
-          <a:prstDash val="solid"/>
-          <a:miter lim="800000"/>
-        </a:ln>
-        <a:effectLst/>
-      </dsp:spPr>
-      <dsp:style>
-        <a:lnRef idx="1">
-          <a:scrgbClr r="0" g="0" b="0"/>
-        </a:lnRef>
-        <a:fillRef idx="1">
-          <a:scrgbClr r="0" g="0" b="0"/>
-        </a:fillRef>
-        <a:effectRef idx="2">
-          <a:scrgbClr r="0" g="0" b="0"/>
-        </a:effectRef>
-        <a:fontRef idx="minor"/>
-      </dsp:style>
-      <dsp:txBody>
-        <a:bodyPr spcFirstLastPara="0" vert="horz" wrap="square" lIns="192024" tIns="192024" rIns="192024" bIns="192024" numCol="1" spcCol="1270" anchor="t" anchorCtr="0">
-          <a:noAutofit/>
-        </a:bodyPr>
-        <a:lstStyle/>
-        <a:p>
-          <a:pPr marL="228600" lvl="1" indent="-228600" algn="l" defTabSz="1200150">
-            <a:lnSpc>
-              <a:spcPct val="90000"/>
-            </a:lnSpc>
-            <a:spcBef>
-              <a:spcPct val="0"/>
-            </a:spcBef>
-            <a:spcAft>
-              <a:spcPct val="15000"/>
-            </a:spcAft>
-            <a:buFont typeface="Arial" panose="020B0604020202020204" pitchFamily="34" charset="0"/>
-            <a:buChar char="•"/>
-          </a:pPr>
-          <a:r>
-            <a:rPr lang="de-DE" sz="2700" kern="1200" dirty="0"/>
-            <a:t>Jede Pflanze bekommt einen Growing Cycle</a:t>
-          </a:r>
-        </a:p>
-        <a:p>
-          <a:pPr marL="228600" lvl="1" indent="-228600" algn="l" defTabSz="1200150">
-            <a:lnSpc>
-              <a:spcPct val="90000"/>
-            </a:lnSpc>
-            <a:spcBef>
-              <a:spcPct val="0"/>
-            </a:spcBef>
-            <a:spcAft>
-              <a:spcPct val="15000"/>
-            </a:spcAft>
-            <a:buFont typeface="Arial" panose="020B0604020202020204" pitchFamily="34" charset="0"/>
-            <a:buChar char="•"/>
-          </a:pPr>
-          <a:r>
-            <a:rPr lang="de-DE" sz="2700" kern="1200" dirty="0"/>
-            <a:t>Überwachung der Wachstumsphase</a:t>
-          </a:r>
-        </a:p>
-        <a:p>
-          <a:pPr marL="228600" lvl="1" indent="-228600" algn="l" defTabSz="1200150">
-            <a:lnSpc>
-              <a:spcPct val="90000"/>
-            </a:lnSpc>
-            <a:spcBef>
-              <a:spcPct val="0"/>
-            </a:spcBef>
-            <a:spcAft>
-              <a:spcPct val="15000"/>
-            </a:spcAft>
-            <a:buFont typeface="Arial" panose="020B0604020202020204" pitchFamily="34" charset="0"/>
-            <a:buChar char="•"/>
-          </a:pPr>
-          <a:r>
-            <a:rPr lang="de-DE" sz="2700" kern="1200" dirty="0"/>
-            <a:t>Nutzerfreundlich</a:t>
-          </a:r>
-        </a:p>
-      </dsp:txBody>
-      <dsp:txXfrm>
-        <a:off x="782502" y="1363466"/>
-        <a:ext cx="3222861" cy="2790940"/>
-      </dsp:txXfrm>
-    </dsp:sp>
-  </dsp:spTree>
-</dsp:drawing>
-</file>
-
-<file path=ppt/diagrams/drawing5.xml><?xml version="1.0" encoding="utf-8"?>
-<dsp:drawing xmlns:dgm="http://schemas.openxmlformats.org/drawingml/2006/diagram" xmlns:dsp="http://schemas.microsoft.com/office/drawing/2008/diagram" xmlns:a="http://schemas.openxmlformats.org/drawingml/2006/main">
-  <dsp:spTree>
-    <dsp:nvGrpSpPr>
-      <dsp:cNvPr id="0" name=""/>
-      <dsp:cNvGrpSpPr/>
-    </dsp:nvGrpSpPr>
-    <dsp:grpSpPr/>
     <dsp:sp modelId="{D14FA738-ACEE-4D23-8BC3-0F760BB7311F}">
       <dsp:nvSpPr>
         <dsp:cNvPr id="0" name=""/>
@@ -7288,7 +3799,7 @@
 </dsp:drawing>
 </file>
 
-<file path=ppt/diagrams/drawing6.xml><?xml version="1.0" encoding="utf-8"?>
+<file path=ppt/diagrams/drawing3.xml><?xml version="1.0" encoding="utf-8"?>
 <dsp:drawing xmlns:dgm="http://schemas.openxmlformats.org/drawingml/2006/diagram" xmlns:dsp="http://schemas.microsoft.com/office/drawing/2008/diagram" xmlns:a="http://schemas.openxmlformats.org/drawingml/2006/main">
   <dsp:spTree>
     <dsp:nvGrpSpPr>
@@ -8391,909 +4902,6 @@
 </dgm:layoutDef>
 </file>
 
-<file path=ppt/diagrams/layout4.xml><?xml version="1.0" encoding="utf-8"?>
-<dgm:layoutDef xmlns:dgm="http://schemas.openxmlformats.org/drawingml/2006/diagram" xmlns:a="http://schemas.openxmlformats.org/drawingml/2006/main" uniqueId="urn:microsoft.com/office/officeart/2005/8/layout/process3">
-  <dgm:title val=""/>
-  <dgm:desc val=""/>
-  <dgm:catLst>
-    <dgm:cat type="process" pri="2000"/>
-  </dgm:catLst>
-  <dgm:sampData>
-    <dgm:dataModel>
-      <dgm:ptLst>
-        <dgm:pt modelId="0" type="doc"/>
-        <dgm:pt modelId="1">
-          <dgm:prSet phldr="1"/>
-        </dgm:pt>
-        <dgm:pt modelId="11">
-          <dgm:prSet phldr="1"/>
-        </dgm:pt>
-        <dgm:pt modelId="2">
-          <dgm:prSet phldr="1"/>
-        </dgm:pt>
-        <dgm:pt modelId="21">
-          <dgm:prSet phldr="1"/>
-        </dgm:pt>
-        <dgm:pt modelId="3">
-          <dgm:prSet phldr="1"/>
-        </dgm:pt>
-        <dgm:pt modelId="31">
-          <dgm:prSet phldr="1"/>
-        </dgm:pt>
-      </dgm:ptLst>
-      <dgm:cxnLst>
-        <dgm:cxn modelId="4" srcId="0" destId="1" srcOrd="0" destOrd="0"/>
-        <dgm:cxn modelId="5" srcId="0" destId="2" srcOrd="1" destOrd="0"/>
-        <dgm:cxn modelId="6" srcId="0" destId="3" srcOrd="3" destOrd="0"/>
-        <dgm:cxn modelId="12" srcId="1" destId="11" srcOrd="0" destOrd="0"/>
-        <dgm:cxn modelId="23" srcId="2" destId="21" srcOrd="0" destOrd="0"/>
-        <dgm:cxn modelId="34" srcId="3" destId="31" srcOrd="0" destOrd="0"/>
-      </dgm:cxnLst>
-      <dgm:bg/>
-      <dgm:whole/>
-    </dgm:dataModel>
-  </dgm:sampData>
-  <dgm:styleData>
-    <dgm:dataModel>
-      <dgm:ptLst>
-        <dgm:pt modelId="0" type="doc"/>
-        <dgm:pt modelId="1">
-          <dgm:prSet phldr="1"/>
-        </dgm:pt>
-        <dgm:pt modelId="11">
-          <dgm:prSet phldr="1"/>
-        </dgm:pt>
-        <dgm:pt modelId="2">
-          <dgm:prSet phldr="1"/>
-        </dgm:pt>
-        <dgm:pt modelId="21">
-          <dgm:prSet phldr="1"/>
-        </dgm:pt>
-      </dgm:ptLst>
-      <dgm:cxnLst>
-        <dgm:cxn modelId="4" srcId="0" destId="1" srcOrd="0" destOrd="0"/>
-        <dgm:cxn modelId="5" srcId="0" destId="2" srcOrd="1" destOrd="0"/>
-        <dgm:cxn modelId="13" srcId="1" destId="11" srcOrd="0" destOrd="0"/>
-        <dgm:cxn modelId="23" srcId="2" destId="21" srcOrd="0" destOrd="0"/>
-      </dgm:cxnLst>
-      <dgm:bg/>
-      <dgm:whole/>
-    </dgm:dataModel>
-  </dgm:styleData>
-  <dgm:clrData>
-    <dgm:dataModel>
-      <dgm:ptLst>
-        <dgm:pt modelId="0" type="doc"/>
-        <dgm:pt modelId="1">
-          <dgm:prSet phldr="1"/>
-        </dgm:pt>
-        <dgm:pt modelId="11">
-          <dgm:prSet phldr="1"/>
-        </dgm:pt>
-        <dgm:pt modelId="2">
-          <dgm:prSet phldr="1"/>
-        </dgm:pt>
-        <dgm:pt modelId="21">
-          <dgm:prSet phldr="1"/>
-        </dgm:pt>
-        <dgm:pt modelId="3">
-          <dgm:prSet phldr="1"/>
-        </dgm:pt>
-        <dgm:pt modelId="31">
-          <dgm:prSet phldr="1"/>
-        </dgm:pt>
-        <dgm:pt modelId="4">
-          <dgm:prSet phldr="1"/>
-        </dgm:pt>
-        <dgm:pt modelId="41">
-          <dgm:prSet phldr="1"/>
-        </dgm:pt>
-      </dgm:ptLst>
-      <dgm:cxnLst>
-        <dgm:cxn modelId="5" srcId="0" destId="1" srcOrd="0" destOrd="0"/>
-        <dgm:cxn modelId="6" srcId="0" destId="2" srcOrd="1" destOrd="0"/>
-        <dgm:cxn modelId="7" srcId="0" destId="3" srcOrd="2" destOrd="0"/>
-        <dgm:cxn modelId="8" srcId="0" destId="4" srcOrd="3" destOrd="0"/>
-        <dgm:cxn modelId="13" srcId="1" destId="11" srcOrd="0" destOrd="0"/>
-        <dgm:cxn modelId="23" srcId="2" destId="21" srcOrd="0" destOrd="0"/>
-        <dgm:cxn modelId="33" srcId="3" destId="31" srcOrd="0" destOrd="0"/>
-        <dgm:cxn modelId="43" srcId="4" destId="41" srcOrd="0" destOrd="0"/>
-      </dgm:cxnLst>
-      <dgm:bg/>
-      <dgm:whole/>
-    </dgm:dataModel>
-  </dgm:clrData>
-  <dgm:layoutNode name="linearFlow">
-    <dgm:varLst>
-      <dgm:dir/>
-      <dgm:animLvl val="lvl"/>
-      <dgm:resizeHandles val="exact"/>
-    </dgm:varLst>
-    <dgm:choose name="Name0">
-      <dgm:if name="Name1" func="var" arg="dir" op="equ" val="norm">
-        <dgm:alg type="lin"/>
-      </dgm:if>
-      <dgm:else name="Name2">
-        <dgm:alg type="lin">
-          <dgm:param type="linDir" val="fromR"/>
-        </dgm:alg>
-      </dgm:else>
-    </dgm:choose>
-    <dgm:shape xmlns:r="http://schemas.openxmlformats.org/officeDocument/2006/relationships" r:blip="">
-      <dgm:adjLst/>
-    </dgm:shape>
-    <dgm:presOf/>
-    <dgm:constrLst>
-      <dgm:constr type="w" for="ch" forName="composite" refType="w"/>
-      <dgm:constr type="w" for="ch" ptType="sibTrans" refType="w" refFor="ch" refForName="composite" fact="0.3333"/>
-      <dgm:constr type="w" for="des" forName="parTx"/>
-      <dgm:constr type="h" for="des" forName="parTx" op="equ"/>
-      <dgm:constr type="h" for="des" forName="parSh" op="equ"/>
-      <dgm:constr type="w" for="des" forName="desTx"/>
-      <dgm:constr type="h" for="des" forName="desTx" op="equ"/>
-      <dgm:constr type="w" for="des" forName="parSh"/>
-      <dgm:constr type="primFontSz" for="des" forName="parTx" val="65"/>
-      <dgm:constr type="secFontSz" for="des" forName="desTx" refType="primFontSz" refFor="des" refForName="parTx" op="equ"/>
-      <dgm:constr type="primFontSz" for="des" forName="connTx" refType="primFontSz" refFor="des" refForName="parTx" fact="0.8"/>
-      <dgm:constr type="primFontSz" for="des" forName="connTx" refType="primFontSz" refFor="des" refForName="parTx" op="lte" fact="0.8"/>
-      <dgm:constr type="h" for="des" forName="parTx" refType="primFontSz" refFor="des" refForName="parTx" fact="0.8"/>
-      <dgm:constr type="h" for="des" forName="parSh" refType="primFontSz" refFor="des" refForName="parTx" fact="1.2"/>
-      <dgm:constr type="h" for="des" forName="desTx" refType="primFontSz" refFor="des" refForName="parTx" fact="1.6"/>
-      <dgm:constr type="h" for="des" forName="parSh" refType="h" refFor="des" refForName="parTx" op="lte" fact="1.5"/>
-      <dgm:constr type="h" for="des" forName="parSh" refType="h" refFor="des" refForName="parTx" op="gte" fact="1.5"/>
-    </dgm:constrLst>
-    <dgm:ruleLst>
-      <dgm:rule type="w" for="ch" forName="composite" val="0" fact="NaN" max="NaN"/>
-      <dgm:rule type="primFontSz" for="des" forName="parTx" val="5" fact="NaN" max="NaN"/>
-    </dgm:ruleLst>
-    <dgm:forEach name="Name3" axis="ch" ptType="node">
-      <dgm:layoutNode name="composite">
-        <dgm:alg type="composite"/>
-        <dgm:shape xmlns:r="http://schemas.openxmlformats.org/officeDocument/2006/relationships" r:blip="">
-          <dgm:adjLst/>
-        </dgm:shape>
-        <dgm:presOf/>
-        <dgm:choose name="Name4">
-          <dgm:if name="Name5" func="var" arg="dir" op="equ" val="norm">
-            <dgm:constrLst>
-              <dgm:constr type="h" refType="w" fact="1000"/>
-              <dgm:constr type="l" for="ch" forName="parTx"/>
-              <dgm:constr type="w" for="ch" forName="parTx" refType="w" fact="0.83"/>
-              <dgm:constr type="t" for="ch" forName="parTx"/>
-              <dgm:constr type="l" for="ch" forName="parSh"/>
-              <dgm:constr type="w" for="ch" forName="parSh" refType="w" refFor="ch" refForName="parTx"/>
-              <dgm:constr type="t" for="ch" forName="parSh"/>
-              <dgm:constr type="l" for="ch" forName="desTx" refType="w" fact="0.17"/>
-              <dgm:constr type="w" for="ch" forName="desTx" refType="w" refFor="ch" refForName="parTx"/>
-              <dgm:constr type="t" for="ch" forName="desTx" refType="h" refFor="ch" refForName="parTx"/>
-            </dgm:constrLst>
-          </dgm:if>
-          <dgm:else name="Name6">
-            <dgm:constrLst>
-              <dgm:constr type="h" refType="w" fact="1000"/>
-              <dgm:constr type="l" for="ch" forName="parTx" refType="w" fact="0.17"/>
-              <dgm:constr type="w" for="ch" forName="parTx" refType="w" fact="0.83"/>
-              <dgm:constr type="t" for="ch" forName="parTx"/>
-              <dgm:constr type="l" for="ch" forName="parSh" refType="w" fact="0.15"/>
-              <dgm:constr type="w" for="ch" forName="parSh" refType="w" refFor="ch" refForName="parTx"/>
-              <dgm:constr type="t" for="ch" forName="parSh"/>
-              <dgm:constr type="l" for="ch" forName="desTx"/>
-              <dgm:constr type="w" for="ch" forName="desTx" refType="w" refFor="ch" refForName="parTx"/>
-              <dgm:constr type="t" for="ch" forName="desTx" refType="h" refFor="ch" refForName="parTx"/>
-            </dgm:constrLst>
-          </dgm:else>
-        </dgm:choose>
-        <dgm:ruleLst>
-          <dgm:rule type="h" val="INF" fact="NaN" max="NaN"/>
-        </dgm:ruleLst>
-        <dgm:layoutNode name="parTx">
-          <dgm:varLst>
-            <dgm:chMax val="0"/>
-            <dgm:chPref val="0"/>
-            <dgm:bulletEnabled val="1"/>
-          </dgm:varLst>
-          <dgm:alg type="tx">
-            <dgm:param type="parTxLTRAlign" val="l"/>
-            <dgm:param type="parTxRTLAlign" val="r"/>
-            <dgm:param type="txAnchorVert" val="t"/>
-          </dgm:alg>
-          <dgm:shape xmlns:r="http://schemas.openxmlformats.org/officeDocument/2006/relationships" type="rect" r:blip="" zOrderOff="1" hideGeom="1">
-            <dgm:adjLst>
-              <dgm:adj idx="1" val="0.1"/>
-            </dgm:adjLst>
-          </dgm:shape>
-          <dgm:presOf axis="self" ptType="node"/>
-          <dgm:constrLst>
-            <dgm:constr type="h" refType="w" op="lte" fact="0.4"/>
-            <dgm:constr type="bMarg" refType="primFontSz" fact="0.3"/>
-            <dgm:constr type="h"/>
-          </dgm:constrLst>
-          <dgm:ruleLst>
-            <dgm:rule type="h" val="INF" fact="NaN" max="NaN"/>
-          </dgm:ruleLst>
-        </dgm:layoutNode>
-        <dgm:layoutNode name="parSh">
-          <dgm:alg type="sp"/>
-          <dgm:shape xmlns:r="http://schemas.openxmlformats.org/officeDocument/2006/relationships" type="roundRect" r:blip="">
-            <dgm:adjLst>
-              <dgm:adj idx="1" val="0.1"/>
-            </dgm:adjLst>
-          </dgm:shape>
-          <dgm:presOf axis="self" ptType="node"/>
-          <dgm:constrLst>
-            <dgm:constr type="h"/>
-          </dgm:constrLst>
-          <dgm:ruleLst/>
-        </dgm:layoutNode>
-        <dgm:layoutNode name="desTx" styleLbl="fgAcc1">
-          <dgm:varLst>
-            <dgm:bulletEnabled val="1"/>
-          </dgm:varLst>
-          <dgm:alg type="tx">
-            <dgm:param type="stBulletLvl" val="1"/>
-          </dgm:alg>
-          <dgm:shape xmlns:r="http://schemas.openxmlformats.org/officeDocument/2006/relationships" type="roundRect" r:blip="">
-            <dgm:adjLst>
-              <dgm:adj idx="1" val="0.1"/>
-            </dgm:adjLst>
-          </dgm:shape>
-          <dgm:presOf axis="des" ptType="node"/>
-          <dgm:constrLst>
-            <dgm:constr type="secFontSz" val="65"/>
-            <dgm:constr type="primFontSz" refType="secFontSz"/>
-            <dgm:constr type="h"/>
-          </dgm:constrLst>
-          <dgm:ruleLst>
-            <dgm:rule type="h" val="INF" fact="NaN" max="NaN"/>
-          </dgm:ruleLst>
-        </dgm:layoutNode>
-      </dgm:layoutNode>
-      <dgm:forEach name="sibTransForEach" axis="followSib" ptType="sibTrans" cnt="1">
-        <dgm:layoutNode name="sibTrans">
-          <dgm:alg type="conn">
-            <dgm:param type="begPts" val="auto"/>
-            <dgm:param type="endPts" val="auto"/>
-            <dgm:param type="srcNode" val="parTx"/>
-            <dgm:param type="dstNode" val="parTx"/>
-          </dgm:alg>
-          <dgm:shape xmlns:r="http://schemas.openxmlformats.org/officeDocument/2006/relationships" type="conn" r:blip="">
-            <dgm:adjLst/>
-          </dgm:shape>
-          <dgm:presOf axis="self"/>
-          <dgm:constrLst>
-            <dgm:constr type="h" refType="w" fact="0.62"/>
-            <dgm:constr type="connDist"/>
-            <dgm:constr type="begPad" refType="connDist" fact="0.25"/>
-            <dgm:constr type="endPad" refType="connDist" fact="0.22"/>
-          </dgm:constrLst>
-          <dgm:ruleLst/>
-          <dgm:layoutNode name="connTx">
-            <dgm:alg type="tx">
-              <dgm:param type="autoTxRot" val="grav"/>
-            </dgm:alg>
-            <dgm:shape xmlns:r="http://schemas.openxmlformats.org/officeDocument/2006/relationships" type="conn" r:blip="" hideGeom="1">
-              <dgm:adjLst/>
-            </dgm:shape>
-            <dgm:presOf axis="self"/>
-            <dgm:constrLst>
-              <dgm:constr type="lMarg"/>
-              <dgm:constr type="rMarg"/>
-              <dgm:constr type="tMarg"/>
-              <dgm:constr type="bMarg"/>
-            </dgm:constrLst>
-            <dgm:ruleLst>
-              <dgm:rule type="primFontSz" val="5" fact="NaN" max="NaN"/>
-            </dgm:ruleLst>
-          </dgm:layoutNode>
-        </dgm:layoutNode>
-      </dgm:forEach>
-    </dgm:forEach>
-  </dgm:layoutNode>
-</dgm:layoutDef>
-</file>
-
-<file path=ppt/diagrams/layout5.xml><?xml version="1.0" encoding="utf-8"?>
-<dgm:layoutDef xmlns:dgm="http://schemas.openxmlformats.org/drawingml/2006/diagram" xmlns:a="http://schemas.openxmlformats.org/drawingml/2006/main" uniqueId="urn:microsoft.com/office/officeart/2005/8/layout/process3">
-  <dgm:title val=""/>
-  <dgm:desc val=""/>
-  <dgm:catLst>
-    <dgm:cat type="process" pri="2000"/>
-  </dgm:catLst>
-  <dgm:sampData>
-    <dgm:dataModel>
-      <dgm:ptLst>
-        <dgm:pt modelId="0" type="doc"/>
-        <dgm:pt modelId="1">
-          <dgm:prSet phldr="1"/>
-        </dgm:pt>
-        <dgm:pt modelId="11">
-          <dgm:prSet phldr="1"/>
-        </dgm:pt>
-        <dgm:pt modelId="2">
-          <dgm:prSet phldr="1"/>
-        </dgm:pt>
-        <dgm:pt modelId="21">
-          <dgm:prSet phldr="1"/>
-        </dgm:pt>
-        <dgm:pt modelId="3">
-          <dgm:prSet phldr="1"/>
-        </dgm:pt>
-        <dgm:pt modelId="31">
-          <dgm:prSet phldr="1"/>
-        </dgm:pt>
-      </dgm:ptLst>
-      <dgm:cxnLst>
-        <dgm:cxn modelId="4" srcId="0" destId="1" srcOrd="0" destOrd="0"/>
-        <dgm:cxn modelId="5" srcId="0" destId="2" srcOrd="1" destOrd="0"/>
-        <dgm:cxn modelId="6" srcId="0" destId="3" srcOrd="3" destOrd="0"/>
-        <dgm:cxn modelId="12" srcId="1" destId="11" srcOrd="0" destOrd="0"/>
-        <dgm:cxn modelId="23" srcId="2" destId="21" srcOrd="0" destOrd="0"/>
-        <dgm:cxn modelId="34" srcId="3" destId="31" srcOrd="0" destOrd="0"/>
-      </dgm:cxnLst>
-      <dgm:bg/>
-      <dgm:whole/>
-    </dgm:dataModel>
-  </dgm:sampData>
-  <dgm:styleData>
-    <dgm:dataModel>
-      <dgm:ptLst>
-        <dgm:pt modelId="0" type="doc"/>
-        <dgm:pt modelId="1">
-          <dgm:prSet phldr="1"/>
-        </dgm:pt>
-        <dgm:pt modelId="11">
-          <dgm:prSet phldr="1"/>
-        </dgm:pt>
-        <dgm:pt modelId="2">
-          <dgm:prSet phldr="1"/>
-        </dgm:pt>
-        <dgm:pt modelId="21">
-          <dgm:prSet phldr="1"/>
-        </dgm:pt>
-      </dgm:ptLst>
-      <dgm:cxnLst>
-        <dgm:cxn modelId="4" srcId="0" destId="1" srcOrd="0" destOrd="0"/>
-        <dgm:cxn modelId="5" srcId="0" destId="2" srcOrd="1" destOrd="0"/>
-        <dgm:cxn modelId="13" srcId="1" destId="11" srcOrd="0" destOrd="0"/>
-        <dgm:cxn modelId="23" srcId="2" destId="21" srcOrd="0" destOrd="0"/>
-      </dgm:cxnLst>
-      <dgm:bg/>
-      <dgm:whole/>
-    </dgm:dataModel>
-  </dgm:styleData>
-  <dgm:clrData>
-    <dgm:dataModel>
-      <dgm:ptLst>
-        <dgm:pt modelId="0" type="doc"/>
-        <dgm:pt modelId="1">
-          <dgm:prSet phldr="1"/>
-        </dgm:pt>
-        <dgm:pt modelId="11">
-          <dgm:prSet phldr="1"/>
-        </dgm:pt>
-        <dgm:pt modelId="2">
-          <dgm:prSet phldr="1"/>
-        </dgm:pt>
-        <dgm:pt modelId="21">
-          <dgm:prSet phldr="1"/>
-        </dgm:pt>
-        <dgm:pt modelId="3">
-          <dgm:prSet phldr="1"/>
-        </dgm:pt>
-        <dgm:pt modelId="31">
-          <dgm:prSet phldr="1"/>
-        </dgm:pt>
-        <dgm:pt modelId="4">
-          <dgm:prSet phldr="1"/>
-        </dgm:pt>
-        <dgm:pt modelId="41">
-          <dgm:prSet phldr="1"/>
-        </dgm:pt>
-      </dgm:ptLst>
-      <dgm:cxnLst>
-        <dgm:cxn modelId="5" srcId="0" destId="1" srcOrd="0" destOrd="0"/>
-        <dgm:cxn modelId="6" srcId="0" destId="2" srcOrd="1" destOrd="0"/>
-        <dgm:cxn modelId="7" srcId="0" destId="3" srcOrd="2" destOrd="0"/>
-        <dgm:cxn modelId="8" srcId="0" destId="4" srcOrd="3" destOrd="0"/>
-        <dgm:cxn modelId="13" srcId="1" destId="11" srcOrd="0" destOrd="0"/>
-        <dgm:cxn modelId="23" srcId="2" destId="21" srcOrd="0" destOrd="0"/>
-        <dgm:cxn modelId="33" srcId="3" destId="31" srcOrd="0" destOrd="0"/>
-        <dgm:cxn modelId="43" srcId="4" destId="41" srcOrd="0" destOrd="0"/>
-      </dgm:cxnLst>
-      <dgm:bg/>
-      <dgm:whole/>
-    </dgm:dataModel>
-  </dgm:clrData>
-  <dgm:layoutNode name="linearFlow">
-    <dgm:varLst>
-      <dgm:dir/>
-      <dgm:animLvl val="lvl"/>
-      <dgm:resizeHandles val="exact"/>
-    </dgm:varLst>
-    <dgm:choose name="Name0">
-      <dgm:if name="Name1" func="var" arg="dir" op="equ" val="norm">
-        <dgm:alg type="lin"/>
-      </dgm:if>
-      <dgm:else name="Name2">
-        <dgm:alg type="lin">
-          <dgm:param type="linDir" val="fromR"/>
-        </dgm:alg>
-      </dgm:else>
-    </dgm:choose>
-    <dgm:shape xmlns:r="http://schemas.openxmlformats.org/officeDocument/2006/relationships" r:blip="">
-      <dgm:adjLst/>
-    </dgm:shape>
-    <dgm:presOf/>
-    <dgm:constrLst>
-      <dgm:constr type="w" for="ch" forName="composite" refType="w"/>
-      <dgm:constr type="w" for="ch" ptType="sibTrans" refType="w" refFor="ch" refForName="composite" fact="0.3333"/>
-      <dgm:constr type="w" for="des" forName="parTx"/>
-      <dgm:constr type="h" for="des" forName="parTx" op="equ"/>
-      <dgm:constr type="h" for="des" forName="parSh" op="equ"/>
-      <dgm:constr type="w" for="des" forName="desTx"/>
-      <dgm:constr type="h" for="des" forName="desTx" op="equ"/>
-      <dgm:constr type="w" for="des" forName="parSh"/>
-      <dgm:constr type="primFontSz" for="des" forName="parTx" val="65"/>
-      <dgm:constr type="secFontSz" for="des" forName="desTx" refType="primFontSz" refFor="des" refForName="parTx" op="equ"/>
-      <dgm:constr type="primFontSz" for="des" forName="connTx" refType="primFontSz" refFor="des" refForName="parTx" fact="0.8"/>
-      <dgm:constr type="primFontSz" for="des" forName="connTx" refType="primFontSz" refFor="des" refForName="parTx" op="lte" fact="0.8"/>
-      <dgm:constr type="h" for="des" forName="parTx" refType="primFontSz" refFor="des" refForName="parTx" fact="0.8"/>
-      <dgm:constr type="h" for="des" forName="parSh" refType="primFontSz" refFor="des" refForName="parTx" fact="1.2"/>
-      <dgm:constr type="h" for="des" forName="desTx" refType="primFontSz" refFor="des" refForName="parTx" fact="1.6"/>
-      <dgm:constr type="h" for="des" forName="parSh" refType="h" refFor="des" refForName="parTx" op="lte" fact="1.5"/>
-      <dgm:constr type="h" for="des" forName="parSh" refType="h" refFor="des" refForName="parTx" op="gte" fact="1.5"/>
-    </dgm:constrLst>
-    <dgm:ruleLst>
-      <dgm:rule type="w" for="ch" forName="composite" val="0" fact="NaN" max="NaN"/>
-      <dgm:rule type="primFontSz" for="des" forName="parTx" val="5" fact="NaN" max="NaN"/>
-    </dgm:ruleLst>
-    <dgm:forEach name="Name3" axis="ch" ptType="node">
-      <dgm:layoutNode name="composite">
-        <dgm:alg type="composite"/>
-        <dgm:shape xmlns:r="http://schemas.openxmlformats.org/officeDocument/2006/relationships" r:blip="">
-          <dgm:adjLst/>
-        </dgm:shape>
-        <dgm:presOf/>
-        <dgm:choose name="Name4">
-          <dgm:if name="Name5" func="var" arg="dir" op="equ" val="norm">
-            <dgm:constrLst>
-              <dgm:constr type="h" refType="w" fact="1000"/>
-              <dgm:constr type="l" for="ch" forName="parTx"/>
-              <dgm:constr type="w" for="ch" forName="parTx" refType="w" fact="0.83"/>
-              <dgm:constr type="t" for="ch" forName="parTx"/>
-              <dgm:constr type="l" for="ch" forName="parSh"/>
-              <dgm:constr type="w" for="ch" forName="parSh" refType="w" refFor="ch" refForName="parTx"/>
-              <dgm:constr type="t" for="ch" forName="parSh"/>
-              <dgm:constr type="l" for="ch" forName="desTx" refType="w" fact="0.17"/>
-              <dgm:constr type="w" for="ch" forName="desTx" refType="w" refFor="ch" refForName="parTx"/>
-              <dgm:constr type="t" for="ch" forName="desTx" refType="h" refFor="ch" refForName="parTx"/>
-            </dgm:constrLst>
-          </dgm:if>
-          <dgm:else name="Name6">
-            <dgm:constrLst>
-              <dgm:constr type="h" refType="w" fact="1000"/>
-              <dgm:constr type="l" for="ch" forName="parTx" refType="w" fact="0.17"/>
-              <dgm:constr type="w" for="ch" forName="parTx" refType="w" fact="0.83"/>
-              <dgm:constr type="t" for="ch" forName="parTx"/>
-              <dgm:constr type="l" for="ch" forName="parSh" refType="w" fact="0.15"/>
-              <dgm:constr type="w" for="ch" forName="parSh" refType="w" refFor="ch" refForName="parTx"/>
-              <dgm:constr type="t" for="ch" forName="parSh"/>
-              <dgm:constr type="l" for="ch" forName="desTx"/>
-              <dgm:constr type="w" for="ch" forName="desTx" refType="w" refFor="ch" refForName="parTx"/>
-              <dgm:constr type="t" for="ch" forName="desTx" refType="h" refFor="ch" refForName="parTx"/>
-            </dgm:constrLst>
-          </dgm:else>
-        </dgm:choose>
-        <dgm:ruleLst>
-          <dgm:rule type="h" val="INF" fact="NaN" max="NaN"/>
-        </dgm:ruleLst>
-        <dgm:layoutNode name="parTx">
-          <dgm:varLst>
-            <dgm:chMax val="0"/>
-            <dgm:chPref val="0"/>
-            <dgm:bulletEnabled val="1"/>
-          </dgm:varLst>
-          <dgm:alg type="tx">
-            <dgm:param type="parTxLTRAlign" val="l"/>
-            <dgm:param type="parTxRTLAlign" val="r"/>
-            <dgm:param type="txAnchorVert" val="t"/>
-          </dgm:alg>
-          <dgm:shape xmlns:r="http://schemas.openxmlformats.org/officeDocument/2006/relationships" type="rect" r:blip="" zOrderOff="1" hideGeom="1">
-            <dgm:adjLst>
-              <dgm:adj idx="1" val="0.1"/>
-            </dgm:adjLst>
-          </dgm:shape>
-          <dgm:presOf axis="self" ptType="node"/>
-          <dgm:constrLst>
-            <dgm:constr type="h" refType="w" op="lte" fact="0.4"/>
-            <dgm:constr type="bMarg" refType="primFontSz" fact="0.3"/>
-            <dgm:constr type="h"/>
-          </dgm:constrLst>
-          <dgm:ruleLst>
-            <dgm:rule type="h" val="INF" fact="NaN" max="NaN"/>
-          </dgm:ruleLst>
-        </dgm:layoutNode>
-        <dgm:layoutNode name="parSh">
-          <dgm:alg type="sp"/>
-          <dgm:shape xmlns:r="http://schemas.openxmlformats.org/officeDocument/2006/relationships" type="roundRect" r:blip="">
-            <dgm:adjLst>
-              <dgm:adj idx="1" val="0.1"/>
-            </dgm:adjLst>
-          </dgm:shape>
-          <dgm:presOf axis="self" ptType="node"/>
-          <dgm:constrLst>
-            <dgm:constr type="h"/>
-          </dgm:constrLst>
-          <dgm:ruleLst/>
-        </dgm:layoutNode>
-        <dgm:layoutNode name="desTx" styleLbl="fgAcc1">
-          <dgm:varLst>
-            <dgm:bulletEnabled val="1"/>
-          </dgm:varLst>
-          <dgm:alg type="tx">
-            <dgm:param type="stBulletLvl" val="1"/>
-          </dgm:alg>
-          <dgm:shape xmlns:r="http://schemas.openxmlformats.org/officeDocument/2006/relationships" type="roundRect" r:blip="">
-            <dgm:adjLst>
-              <dgm:adj idx="1" val="0.1"/>
-            </dgm:adjLst>
-          </dgm:shape>
-          <dgm:presOf axis="des" ptType="node"/>
-          <dgm:constrLst>
-            <dgm:constr type="secFontSz" val="65"/>
-            <dgm:constr type="primFontSz" refType="secFontSz"/>
-            <dgm:constr type="h"/>
-          </dgm:constrLst>
-          <dgm:ruleLst>
-            <dgm:rule type="h" val="INF" fact="NaN" max="NaN"/>
-          </dgm:ruleLst>
-        </dgm:layoutNode>
-      </dgm:layoutNode>
-      <dgm:forEach name="sibTransForEach" axis="followSib" ptType="sibTrans" cnt="1">
-        <dgm:layoutNode name="sibTrans">
-          <dgm:alg type="conn">
-            <dgm:param type="begPts" val="auto"/>
-            <dgm:param type="endPts" val="auto"/>
-            <dgm:param type="srcNode" val="parTx"/>
-            <dgm:param type="dstNode" val="parTx"/>
-          </dgm:alg>
-          <dgm:shape xmlns:r="http://schemas.openxmlformats.org/officeDocument/2006/relationships" type="conn" r:blip="">
-            <dgm:adjLst/>
-          </dgm:shape>
-          <dgm:presOf axis="self"/>
-          <dgm:constrLst>
-            <dgm:constr type="h" refType="w" fact="0.62"/>
-            <dgm:constr type="connDist"/>
-            <dgm:constr type="begPad" refType="connDist" fact="0.25"/>
-            <dgm:constr type="endPad" refType="connDist" fact="0.22"/>
-          </dgm:constrLst>
-          <dgm:ruleLst/>
-          <dgm:layoutNode name="connTx">
-            <dgm:alg type="tx">
-              <dgm:param type="autoTxRot" val="grav"/>
-            </dgm:alg>
-            <dgm:shape xmlns:r="http://schemas.openxmlformats.org/officeDocument/2006/relationships" type="conn" r:blip="" hideGeom="1">
-              <dgm:adjLst/>
-            </dgm:shape>
-            <dgm:presOf axis="self"/>
-            <dgm:constrLst>
-              <dgm:constr type="lMarg"/>
-              <dgm:constr type="rMarg"/>
-              <dgm:constr type="tMarg"/>
-              <dgm:constr type="bMarg"/>
-            </dgm:constrLst>
-            <dgm:ruleLst>
-              <dgm:rule type="primFontSz" val="5" fact="NaN" max="NaN"/>
-            </dgm:ruleLst>
-          </dgm:layoutNode>
-        </dgm:layoutNode>
-      </dgm:forEach>
-    </dgm:forEach>
-  </dgm:layoutNode>
-</dgm:layoutDef>
-</file>
-
-<file path=ppt/diagrams/layout6.xml><?xml version="1.0" encoding="utf-8"?>
-<dgm:layoutDef xmlns:dgm="http://schemas.openxmlformats.org/drawingml/2006/diagram" xmlns:a="http://schemas.openxmlformats.org/drawingml/2006/main" uniqueId="urn:microsoft.com/office/officeart/2005/8/layout/process3">
-  <dgm:title val=""/>
-  <dgm:desc val=""/>
-  <dgm:catLst>
-    <dgm:cat type="process" pri="2000"/>
-  </dgm:catLst>
-  <dgm:sampData>
-    <dgm:dataModel>
-      <dgm:ptLst>
-        <dgm:pt modelId="0" type="doc"/>
-        <dgm:pt modelId="1">
-          <dgm:prSet phldr="1"/>
-        </dgm:pt>
-        <dgm:pt modelId="11">
-          <dgm:prSet phldr="1"/>
-        </dgm:pt>
-        <dgm:pt modelId="2">
-          <dgm:prSet phldr="1"/>
-        </dgm:pt>
-        <dgm:pt modelId="21">
-          <dgm:prSet phldr="1"/>
-        </dgm:pt>
-        <dgm:pt modelId="3">
-          <dgm:prSet phldr="1"/>
-        </dgm:pt>
-        <dgm:pt modelId="31">
-          <dgm:prSet phldr="1"/>
-        </dgm:pt>
-      </dgm:ptLst>
-      <dgm:cxnLst>
-        <dgm:cxn modelId="4" srcId="0" destId="1" srcOrd="0" destOrd="0"/>
-        <dgm:cxn modelId="5" srcId="0" destId="2" srcOrd="1" destOrd="0"/>
-        <dgm:cxn modelId="6" srcId="0" destId="3" srcOrd="3" destOrd="0"/>
-        <dgm:cxn modelId="12" srcId="1" destId="11" srcOrd="0" destOrd="0"/>
-        <dgm:cxn modelId="23" srcId="2" destId="21" srcOrd="0" destOrd="0"/>
-        <dgm:cxn modelId="34" srcId="3" destId="31" srcOrd="0" destOrd="0"/>
-      </dgm:cxnLst>
-      <dgm:bg/>
-      <dgm:whole/>
-    </dgm:dataModel>
-  </dgm:sampData>
-  <dgm:styleData>
-    <dgm:dataModel>
-      <dgm:ptLst>
-        <dgm:pt modelId="0" type="doc"/>
-        <dgm:pt modelId="1">
-          <dgm:prSet phldr="1"/>
-        </dgm:pt>
-        <dgm:pt modelId="11">
-          <dgm:prSet phldr="1"/>
-        </dgm:pt>
-        <dgm:pt modelId="2">
-          <dgm:prSet phldr="1"/>
-        </dgm:pt>
-        <dgm:pt modelId="21">
-          <dgm:prSet phldr="1"/>
-        </dgm:pt>
-      </dgm:ptLst>
-      <dgm:cxnLst>
-        <dgm:cxn modelId="4" srcId="0" destId="1" srcOrd="0" destOrd="0"/>
-        <dgm:cxn modelId="5" srcId="0" destId="2" srcOrd="1" destOrd="0"/>
-        <dgm:cxn modelId="13" srcId="1" destId="11" srcOrd="0" destOrd="0"/>
-        <dgm:cxn modelId="23" srcId="2" destId="21" srcOrd="0" destOrd="0"/>
-      </dgm:cxnLst>
-      <dgm:bg/>
-      <dgm:whole/>
-    </dgm:dataModel>
-  </dgm:styleData>
-  <dgm:clrData>
-    <dgm:dataModel>
-      <dgm:ptLst>
-        <dgm:pt modelId="0" type="doc"/>
-        <dgm:pt modelId="1">
-          <dgm:prSet phldr="1"/>
-        </dgm:pt>
-        <dgm:pt modelId="11">
-          <dgm:prSet phldr="1"/>
-        </dgm:pt>
-        <dgm:pt modelId="2">
-          <dgm:prSet phldr="1"/>
-        </dgm:pt>
-        <dgm:pt modelId="21">
-          <dgm:prSet phldr="1"/>
-        </dgm:pt>
-        <dgm:pt modelId="3">
-          <dgm:prSet phldr="1"/>
-        </dgm:pt>
-        <dgm:pt modelId="31">
-          <dgm:prSet phldr="1"/>
-        </dgm:pt>
-        <dgm:pt modelId="4">
-          <dgm:prSet phldr="1"/>
-        </dgm:pt>
-        <dgm:pt modelId="41">
-          <dgm:prSet phldr="1"/>
-        </dgm:pt>
-      </dgm:ptLst>
-      <dgm:cxnLst>
-        <dgm:cxn modelId="5" srcId="0" destId="1" srcOrd="0" destOrd="0"/>
-        <dgm:cxn modelId="6" srcId="0" destId="2" srcOrd="1" destOrd="0"/>
-        <dgm:cxn modelId="7" srcId="0" destId="3" srcOrd="2" destOrd="0"/>
-        <dgm:cxn modelId="8" srcId="0" destId="4" srcOrd="3" destOrd="0"/>
-        <dgm:cxn modelId="13" srcId="1" destId="11" srcOrd="0" destOrd="0"/>
-        <dgm:cxn modelId="23" srcId="2" destId="21" srcOrd="0" destOrd="0"/>
-        <dgm:cxn modelId="33" srcId="3" destId="31" srcOrd="0" destOrd="0"/>
-        <dgm:cxn modelId="43" srcId="4" destId="41" srcOrd="0" destOrd="0"/>
-      </dgm:cxnLst>
-      <dgm:bg/>
-      <dgm:whole/>
-    </dgm:dataModel>
-  </dgm:clrData>
-  <dgm:layoutNode name="linearFlow">
-    <dgm:varLst>
-      <dgm:dir/>
-      <dgm:animLvl val="lvl"/>
-      <dgm:resizeHandles val="exact"/>
-    </dgm:varLst>
-    <dgm:choose name="Name0">
-      <dgm:if name="Name1" func="var" arg="dir" op="equ" val="norm">
-        <dgm:alg type="lin"/>
-      </dgm:if>
-      <dgm:else name="Name2">
-        <dgm:alg type="lin">
-          <dgm:param type="linDir" val="fromR"/>
-        </dgm:alg>
-      </dgm:else>
-    </dgm:choose>
-    <dgm:shape xmlns:r="http://schemas.openxmlformats.org/officeDocument/2006/relationships" r:blip="">
-      <dgm:adjLst/>
-    </dgm:shape>
-    <dgm:presOf/>
-    <dgm:constrLst>
-      <dgm:constr type="w" for="ch" forName="composite" refType="w"/>
-      <dgm:constr type="w" for="ch" ptType="sibTrans" refType="w" refFor="ch" refForName="composite" fact="0.3333"/>
-      <dgm:constr type="w" for="des" forName="parTx"/>
-      <dgm:constr type="h" for="des" forName="parTx" op="equ"/>
-      <dgm:constr type="h" for="des" forName="parSh" op="equ"/>
-      <dgm:constr type="w" for="des" forName="desTx"/>
-      <dgm:constr type="h" for="des" forName="desTx" op="equ"/>
-      <dgm:constr type="w" for="des" forName="parSh"/>
-      <dgm:constr type="primFontSz" for="des" forName="parTx" val="65"/>
-      <dgm:constr type="secFontSz" for="des" forName="desTx" refType="primFontSz" refFor="des" refForName="parTx" op="equ"/>
-      <dgm:constr type="primFontSz" for="des" forName="connTx" refType="primFontSz" refFor="des" refForName="parTx" fact="0.8"/>
-      <dgm:constr type="primFontSz" for="des" forName="connTx" refType="primFontSz" refFor="des" refForName="parTx" op="lte" fact="0.8"/>
-      <dgm:constr type="h" for="des" forName="parTx" refType="primFontSz" refFor="des" refForName="parTx" fact="0.8"/>
-      <dgm:constr type="h" for="des" forName="parSh" refType="primFontSz" refFor="des" refForName="parTx" fact="1.2"/>
-      <dgm:constr type="h" for="des" forName="desTx" refType="primFontSz" refFor="des" refForName="parTx" fact="1.6"/>
-      <dgm:constr type="h" for="des" forName="parSh" refType="h" refFor="des" refForName="parTx" op="lte" fact="1.5"/>
-      <dgm:constr type="h" for="des" forName="parSh" refType="h" refFor="des" refForName="parTx" op="gte" fact="1.5"/>
-    </dgm:constrLst>
-    <dgm:ruleLst>
-      <dgm:rule type="w" for="ch" forName="composite" val="0" fact="NaN" max="NaN"/>
-      <dgm:rule type="primFontSz" for="des" forName="parTx" val="5" fact="NaN" max="NaN"/>
-    </dgm:ruleLst>
-    <dgm:forEach name="Name3" axis="ch" ptType="node">
-      <dgm:layoutNode name="composite">
-        <dgm:alg type="composite"/>
-        <dgm:shape xmlns:r="http://schemas.openxmlformats.org/officeDocument/2006/relationships" r:blip="">
-          <dgm:adjLst/>
-        </dgm:shape>
-        <dgm:presOf/>
-        <dgm:choose name="Name4">
-          <dgm:if name="Name5" func="var" arg="dir" op="equ" val="norm">
-            <dgm:constrLst>
-              <dgm:constr type="h" refType="w" fact="1000"/>
-              <dgm:constr type="l" for="ch" forName="parTx"/>
-              <dgm:constr type="w" for="ch" forName="parTx" refType="w" fact="0.83"/>
-              <dgm:constr type="t" for="ch" forName="parTx"/>
-              <dgm:constr type="l" for="ch" forName="parSh"/>
-              <dgm:constr type="w" for="ch" forName="parSh" refType="w" refFor="ch" refForName="parTx"/>
-              <dgm:constr type="t" for="ch" forName="parSh"/>
-              <dgm:constr type="l" for="ch" forName="desTx" refType="w" fact="0.17"/>
-              <dgm:constr type="w" for="ch" forName="desTx" refType="w" refFor="ch" refForName="parTx"/>
-              <dgm:constr type="t" for="ch" forName="desTx" refType="h" refFor="ch" refForName="parTx"/>
-            </dgm:constrLst>
-          </dgm:if>
-          <dgm:else name="Name6">
-            <dgm:constrLst>
-              <dgm:constr type="h" refType="w" fact="1000"/>
-              <dgm:constr type="l" for="ch" forName="parTx" refType="w" fact="0.17"/>
-              <dgm:constr type="w" for="ch" forName="parTx" refType="w" fact="0.83"/>
-              <dgm:constr type="t" for="ch" forName="parTx"/>
-              <dgm:constr type="l" for="ch" forName="parSh" refType="w" fact="0.15"/>
-              <dgm:constr type="w" for="ch" forName="parSh" refType="w" refFor="ch" refForName="parTx"/>
-              <dgm:constr type="t" for="ch" forName="parSh"/>
-              <dgm:constr type="l" for="ch" forName="desTx"/>
-              <dgm:constr type="w" for="ch" forName="desTx" refType="w" refFor="ch" refForName="parTx"/>
-              <dgm:constr type="t" for="ch" forName="desTx" refType="h" refFor="ch" refForName="parTx"/>
-            </dgm:constrLst>
-          </dgm:else>
-        </dgm:choose>
-        <dgm:ruleLst>
-          <dgm:rule type="h" val="INF" fact="NaN" max="NaN"/>
-        </dgm:ruleLst>
-        <dgm:layoutNode name="parTx">
-          <dgm:varLst>
-            <dgm:chMax val="0"/>
-            <dgm:chPref val="0"/>
-            <dgm:bulletEnabled val="1"/>
-          </dgm:varLst>
-          <dgm:alg type="tx">
-            <dgm:param type="parTxLTRAlign" val="l"/>
-            <dgm:param type="parTxRTLAlign" val="r"/>
-            <dgm:param type="txAnchorVert" val="t"/>
-          </dgm:alg>
-          <dgm:shape xmlns:r="http://schemas.openxmlformats.org/officeDocument/2006/relationships" type="rect" r:blip="" zOrderOff="1" hideGeom="1">
-            <dgm:adjLst>
-              <dgm:adj idx="1" val="0.1"/>
-            </dgm:adjLst>
-          </dgm:shape>
-          <dgm:presOf axis="self" ptType="node"/>
-          <dgm:constrLst>
-            <dgm:constr type="h" refType="w" op="lte" fact="0.4"/>
-            <dgm:constr type="bMarg" refType="primFontSz" fact="0.3"/>
-            <dgm:constr type="h"/>
-          </dgm:constrLst>
-          <dgm:ruleLst>
-            <dgm:rule type="h" val="INF" fact="NaN" max="NaN"/>
-          </dgm:ruleLst>
-        </dgm:layoutNode>
-        <dgm:layoutNode name="parSh">
-          <dgm:alg type="sp"/>
-          <dgm:shape xmlns:r="http://schemas.openxmlformats.org/officeDocument/2006/relationships" type="roundRect" r:blip="">
-            <dgm:adjLst>
-              <dgm:adj idx="1" val="0.1"/>
-            </dgm:adjLst>
-          </dgm:shape>
-          <dgm:presOf axis="self" ptType="node"/>
-          <dgm:constrLst>
-            <dgm:constr type="h"/>
-          </dgm:constrLst>
-          <dgm:ruleLst/>
-        </dgm:layoutNode>
-        <dgm:layoutNode name="desTx" styleLbl="fgAcc1">
-          <dgm:varLst>
-            <dgm:bulletEnabled val="1"/>
-          </dgm:varLst>
-          <dgm:alg type="tx">
-            <dgm:param type="stBulletLvl" val="1"/>
-          </dgm:alg>
-          <dgm:shape xmlns:r="http://schemas.openxmlformats.org/officeDocument/2006/relationships" type="roundRect" r:blip="">
-            <dgm:adjLst>
-              <dgm:adj idx="1" val="0.1"/>
-            </dgm:adjLst>
-          </dgm:shape>
-          <dgm:presOf axis="des" ptType="node"/>
-          <dgm:constrLst>
-            <dgm:constr type="secFontSz" val="65"/>
-            <dgm:constr type="primFontSz" refType="secFontSz"/>
-            <dgm:constr type="h"/>
-          </dgm:constrLst>
-          <dgm:ruleLst>
-            <dgm:rule type="h" val="INF" fact="NaN" max="NaN"/>
-          </dgm:ruleLst>
-        </dgm:layoutNode>
-      </dgm:layoutNode>
-      <dgm:forEach name="sibTransForEach" axis="followSib" ptType="sibTrans" cnt="1">
-        <dgm:layoutNode name="sibTrans">
-          <dgm:alg type="conn">
-            <dgm:param type="begPts" val="auto"/>
-            <dgm:param type="endPts" val="auto"/>
-            <dgm:param type="srcNode" val="parTx"/>
-            <dgm:param type="dstNode" val="parTx"/>
-          </dgm:alg>
-          <dgm:shape xmlns:r="http://schemas.openxmlformats.org/officeDocument/2006/relationships" type="conn" r:blip="">
-            <dgm:adjLst/>
-          </dgm:shape>
-          <dgm:presOf axis="self"/>
-          <dgm:constrLst>
-            <dgm:constr type="h" refType="w" fact="0.62"/>
-            <dgm:constr type="connDist"/>
-            <dgm:constr type="begPad" refType="connDist" fact="0.25"/>
-            <dgm:constr type="endPad" refType="connDist" fact="0.22"/>
-          </dgm:constrLst>
-          <dgm:ruleLst/>
-          <dgm:layoutNode name="connTx">
-            <dgm:alg type="tx">
-              <dgm:param type="autoTxRot" val="grav"/>
-            </dgm:alg>
-            <dgm:shape xmlns:r="http://schemas.openxmlformats.org/officeDocument/2006/relationships" type="conn" r:blip="" hideGeom="1">
-              <dgm:adjLst/>
-            </dgm:shape>
-            <dgm:presOf axis="self"/>
-            <dgm:constrLst>
-              <dgm:constr type="lMarg"/>
-              <dgm:constr type="rMarg"/>
-              <dgm:constr type="tMarg"/>
-              <dgm:constr type="bMarg"/>
-            </dgm:constrLst>
-            <dgm:ruleLst>
-              <dgm:rule type="primFontSz" val="5" fact="NaN" max="NaN"/>
-            </dgm:ruleLst>
-          </dgm:layoutNode>
-        </dgm:layoutNode>
-      </dgm:forEach>
-    </dgm:forEach>
-  </dgm:layoutNode>
-</dgm:layoutDef>
-</file>
-
 <file path=ppt/diagrams/quickStyle1.xml><?xml version="1.0" encoding="utf-8"?>
 <dgm:styleDef xmlns:dgm="http://schemas.openxmlformats.org/drawingml/2006/diagram" xmlns:a="http://schemas.openxmlformats.org/drawingml/2006/main" uniqueId="urn:microsoft.com/office/officeart/2005/8/quickstyle/simple5">
   <dgm:title val=""/>
@@ -10329,3108 +5937,6 @@
 </file>
 
 <file path=ppt/diagrams/quickStyle2.xml><?xml version="1.0" encoding="utf-8"?>
-<dgm:styleDef xmlns:dgm="http://schemas.openxmlformats.org/drawingml/2006/diagram" xmlns:a="http://schemas.openxmlformats.org/drawingml/2006/main" uniqueId="urn:microsoft.com/office/officeart/2005/8/quickstyle/simple5">
-  <dgm:title val=""/>
-  <dgm:desc val=""/>
-  <dgm:catLst>
-    <dgm:cat type="simple" pri="10500"/>
-  </dgm:catLst>
-  <dgm:scene3d>
-    <a:camera prst="orthographicFront"/>
-    <a:lightRig rig="threePt" dir="t"/>
-  </dgm:scene3d>
-  <dgm:styleLbl name="node0">
-    <dgm:scene3d>
-      <a:camera prst="orthographicFront"/>
-      <a:lightRig rig="threePt" dir="t"/>
-    </dgm:scene3d>
-    <dgm:sp3d/>
-    <dgm:txPr/>
-    <dgm:style>
-      <a:lnRef idx="0">
-        <a:scrgbClr r="0" g="0" b="0"/>
-      </a:lnRef>
-      <a:fillRef idx="3">
-        <a:scrgbClr r="0" g="0" b="0"/>
-      </a:fillRef>
-      <a:effectRef idx="3">
-        <a:scrgbClr r="0" g="0" b="0"/>
-      </a:effectRef>
-      <a:fontRef idx="minor">
-        <a:schemeClr val="lt1"/>
-      </a:fontRef>
-    </dgm:style>
-  </dgm:styleLbl>
-  <dgm:styleLbl name="lnNode1">
-    <dgm:scene3d>
-      <a:camera prst="orthographicFront"/>
-      <a:lightRig rig="threePt" dir="t"/>
-    </dgm:scene3d>
-    <dgm:sp3d/>
-    <dgm:txPr/>
-    <dgm:style>
-      <a:lnRef idx="0">
-        <a:scrgbClr r="0" g="0" b="0"/>
-      </a:lnRef>
-      <a:fillRef idx="3">
-        <a:scrgbClr r="0" g="0" b="0"/>
-      </a:fillRef>
-      <a:effectRef idx="3">
-        <a:scrgbClr r="0" g="0" b="0"/>
-      </a:effectRef>
-      <a:fontRef idx="minor">
-        <a:schemeClr val="lt1"/>
-      </a:fontRef>
-    </dgm:style>
-  </dgm:styleLbl>
-  <dgm:styleLbl name="vennNode1">
-    <dgm:scene3d>
-      <a:camera prst="orthographicFront"/>
-      <a:lightRig rig="threePt" dir="t"/>
-    </dgm:scene3d>
-    <dgm:sp3d/>
-    <dgm:txPr/>
-    <dgm:style>
-      <a:lnRef idx="0">
-        <a:scrgbClr r="0" g="0" b="0"/>
-      </a:lnRef>
-      <a:fillRef idx="3">
-        <a:scrgbClr r="0" g="0" b="0"/>
-      </a:fillRef>
-      <a:effectRef idx="3">
-        <a:scrgbClr r="0" g="0" b="0"/>
-      </a:effectRef>
-      <a:fontRef idx="minor">
-        <a:schemeClr val="tx1"/>
-      </a:fontRef>
-    </dgm:style>
-  </dgm:styleLbl>
-  <dgm:styleLbl name="alignNode1">
-    <dgm:scene3d>
-      <a:camera prst="orthographicFront"/>
-      <a:lightRig rig="threePt" dir="t"/>
-    </dgm:scene3d>
-    <dgm:sp3d/>
-    <dgm:txPr/>
-    <dgm:style>
-      <a:lnRef idx="1">
-        <a:scrgbClr r="0" g="0" b="0"/>
-      </a:lnRef>
-      <a:fillRef idx="3">
-        <a:scrgbClr r="0" g="0" b="0"/>
-      </a:fillRef>
-      <a:effectRef idx="3">
-        <a:scrgbClr r="0" g="0" b="0"/>
-      </a:effectRef>
-      <a:fontRef idx="minor">
-        <a:schemeClr val="lt1"/>
-      </a:fontRef>
-    </dgm:style>
-  </dgm:styleLbl>
-  <dgm:styleLbl name="node1">
-    <dgm:scene3d>
-      <a:camera prst="orthographicFront"/>
-      <a:lightRig rig="threePt" dir="t"/>
-    </dgm:scene3d>
-    <dgm:sp3d/>
-    <dgm:txPr/>
-    <dgm:style>
-      <a:lnRef idx="0">
-        <a:scrgbClr r="0" g="0" b="0"/>
-      </a:lnRef>
-      <a:fillRef idx="3">
-        <a:scrgbClr r="0" g="0" b="0"/>
-      </a:fillRef>
-      <a:effectRef idx="3">
-        <a:scrgbClr r="0" g="0" b="0"/>
-      </a:effectRef>
-      <a:fontRef idx="minor">
-        <a:schemeClr val="lt1"/>
-      </a:fontRef>
-    </dgm:style>
-  </dgm:styleLbl>
-  <dgm:styleLbl name="node2">
-    <dgm:scene3d>
-      <a:camera prst="orthographicFront"/>
-      <a:lightRig rig="threePt" dir="t"/>
-    </dgm:scene3d>
-    <dgm:sp3d/>
-    <dgm:txPr/>
-    <dgm:style>
-      <a:lnRef idx="0">
-        <a:scrgbClr r="0" g="0" b="0"/>
-      </a:lnRef>
-      <a:fillRef idx="3">
-        <a:scrgbClr r="0" g="0" b="0"/>
-      </a:fillRef>
-      <a:effectRef idx="3">
-        <a:scrgbClr r="0" g="0" b="0"/>
-      </a:effectRef>
-      <a:fontRef idx="minor">
-        <a:schemeClr val="lt1"/>
-      </a:fontRef>
-    </dgm:style>
-  </dgm:styleLbl>
-  <dgm:styleLbl name="node3">
-    <dgm:scene3d>
-      <a:camera prst="orthographicFront"/>
-      <a:lightRig rig="threePt" dir="t"/>
-    </dgm:scene3d>
-    <dgm:sp3d/>
-    <dgm:txPr/>
-    <dgm:style>
-      <a:lnRef idx="0">
-        <a:scrgbClr r="0" g="0" b="0"/>
-      </a:lnRef>
-      <a:fillRef idx="3">
-        <a:scrgbClr r="0" g="0" b="0"/>
-      </a:fillRef>
-      <a:effectRef idx="3">
-        <a:scrgbClr r="0" g="0" b="0"/>
-      </a:effectRef>
-      <a:fontRef idx="minor">
-        <a:schemeClr val="lt1"/>
-      </a:fontRef>
-    </dgm:style>
-  </dgm:styleLbl>
-  <dgm:styleLbl name="node4">
-    <dgm:scene3d>
-      <a:camera prst="orthographicFront"/>
-      <a:lightRig rig="threePt" dir="t"/>
-    </dgm:scene3d>
-    <dgm:sp3d/>
-    <dgm:txPr/>
-    <dgm:style>
-      <a:lnRef idx="0">
-        <a:scrgbClr r="0" g="0" b="0"/>
-      </a:lnRef>
-      <a:fillRef idx="3">
-        <a:scrgbClr r="0" g="0" b="0"/>
-      </a:fillRef>
-      <a:effectRef idx="3">
-        <a:scrgbClr r="0" g="0" b="0"/>
-      </a:effectRef>
-      <a:fontRef idx="minor">
-        <a:schemeClr val="lt1"/>
-      </a:fontRef>
-    </dgm:style>
-  </dgm:styleLbl>
-  <dgm:styleLbl name="fgImgPlace1">
-    <dgm:scene3d>
-      <a:camera prst="orthographicFront"/>
-      <a:lightRig rig="threePt" dir="t"/>
-    </dgm:scene3d>
-    <dgm:sp3d/>
-    <dgm:txPr/>
-    <dgm:style>
-      <a:lnRef idx="0">
-        <a:scrgbClr r="0" g="0" b="0"/>
-      </a:lnRef>
-      <a:fillRef idx="1">
-        <a:scrgbClr r="0" g="0" b="0"/>
-      </a:fillRef>
-      <a:effectRef idx="3">
-        <a:scrgbClr r="0" g="0" b="0"/>
-      </a:effectRef>
-      <a:fontRef idx="minor"/>
-    </dgm:style>
-  </dgm:styleLbl>
-  <dgm:styleLbl name="alignImgPlace1">
-    <dgm:scene3d>
-      <a:camera prst="orthographicFront"/>
-      <a:lightRig rig="threePt" dir="t"/>
-    </dgm:scene3d>
-    <dgm:sp3d/>
-    <dgm:txPr/>
-    <dgm:style>
-      <a:lnRef idx="0">
-        <a:scrgbClr r="0" g="0" b="0"/>
-      </a:lnRef>
-      <a:fillRef idx="1">
-        <a:scrgbClr r="0" g="0" b="0"/>
-      </a:fillRef>
-      <a:effectRef idx="3">
-        <a:scrgbClr r="0" g="0" b="0"/>
-      </a:effectRef>
-      <a:fontRef idx="minor"/>
-    </dgm:style>
-  </dgm:styleLbl>
-  <dgm:styleLbl name="bgImgPlace1">
-    <dgm:scene3d>
-      <a:camera prst="orthographicFront"/>
-      <a:lightRig rig="threePt" dir="t"/>
-    </dgm:scene3d>
-    <dgm:sp3d/>
-    <dgm:txPr/>
-    <dgm:style>
-      <a:lnRef idx="0">
-        <a:scrgbClr r="0" g="0" b="0"/>
-      </a:lnRef>
-      <a:fillRef idx="1">
-        <a:scrgbClr r="0" g="0" b="0"/>
-      </a:fillRef>
-      <a:effectRef idx="3">
-        <a:scrgbClr r="0" g="0" b="0"/>
-      </a:effectRef>
-      <a:fontRef idx="minor"/>
-    </dgm:style>
-  </dgm:styleLbl>
-  <dgm:styleLbl name="sibTrans2D1">
-    <dgm:scene3d>
-      <a:camera prst="orthographicFront"/>
-      <a:lightRig rig="threePt" dir="t"/>
-    </dgm:scene3d>
-    <dgm:sp3d/>
-    <dgm:txPr/>
-    <dgm:style>
-      <a:lnRef idx="0">
-        <a:scrgbClr r="0" g="0" b="0"/>
-      </a:lnRef>
-      <a:fillRef idx="3">
-        <a:scrgbClr r="0" g="0" b="0"/>
-      </a:fillRef>
-      <a:effectRef idx="3">
-        <a:scrgbClr r="0" g="0" b="0"/>
-      </a:effectRef>
-      <a:fontRef idx="minor">
-        <a:schemeClr val="lt1"/>
-      </a:fontRef>
-    </dgm:style>
-  </dgm:styleLbl>
-  <dgm:styleLbl name="fgSibTrans2D1">
-    <dgm:scene3d>
-      <a:camera prst="orthographicFront"/>
-      <a:lightRig rig="threePt" dir="t"/>
-    </dgm:scene3d>
-    <dgm:sp3d/>
-    <dgm:txPr/>
-    <dgm:style>
-      <a:lnRef idx="0">
-        <a:scrgbClr r="0" g="0" b="0"/>
-      </a:lnRef>
-      <a:fillRef idx="3">
-        <a:scrgbClr r="0" g="0" b="0"/>
-      </a:fillRef>
-      <a:effectRef idx="3">
-        <a:scrgbClr r="0" g="0" b="0"/>
-      </a:effectRef>
-      <a:fontRef idx="minor">
-        <a:schemeClr val="lt1"/>
-      </a:fontRef>
-    </dgm:style>
-  </dgm:styleLbl>
-  <dgm:styleLbl name="bgSibTrans2D1">
-    <dgm:scene3d>
-      <a:camera prst="orthographicFront"/>
-      <a:lightRig rig="threePt" dir="t"/>
-    </dgm:scene3d>
-    <dgm:sp3d/>
-    <dgm:txPr/>
-    <dgm:style>
-      <a:lnRef idx="0">
-        <a:scrgbClr r="0" g="0" b="0"/>
-      </a:lnRef>
-      <a:fillRef idx="3">
-        <a:scrgbClr r="0" g="0" b="0"/>
-      </a:fillRef>
-      <a:effectRef idx="3">
-        <a:scrgbClr r="0" g="0" b="0"/>
-      </a:effectRef>
-      <a:fontRef idx="minor">
-        <a:schemeClr val="lt1"/>
-      </a:fontRef>
-    </dgm:style>
-  </dgm:styleLbl>
-  <dgm:styleLbl name="sibTrans1D1">
-    <dgm:scene3d>
-      <a:camera prst="orthographicFront"/>
-      <a:lightRig rig="threePt" dir="t"/>
-    </dgm:scene3d>
-    <dgm:sp3d/>
-    <dgm:txPr/>
-    <dgm:style>
-      <a:lnRef idx="1">
-        <a:scrgbClr r="0" g="0" b="0"/>
-      </a:lnRef>
-      <a:fillRef idx="0">
-        <a:scrgbClr r="0" g="0" b="0"/>
-      </a:fillRef>
-      <a:effectRef idx="0">
-        <a:scrgbClr r="0" g="0" b="0"/>
-      </a:effectRef>
-      <a:fontRef idx="minor"/>
-    </dgm:style>
-  </dgm:styleLbl>
-  <dgm:styleLbl name="callout">
-    <dgm:scene3d>
-      <a:camera prst="orthographicFront"/>
-      <a:lightRig rig="threePt" dir="t"/>
-    </dgm:scene3d>
-    <dgm:sp3d/>
-    <dgm:txPr/>
-    <dgm:style>
-      <a:lnRef idx="1">
-        <a:scrgbClr r="0" g="0" b="0"/>
-      </a:lnRef>
-      <a:fillRef idx="0">
-        <a:scrgbClr r="0" g="0" b="0"/>
-      </a:fillRef>
-      <a:effectRef idx="1">
-        <a:scrgbClr r="0" g="0" b="0"/>
-      </a:effectRef>
-      <a:fontRef idx="minor"/>
-    </dgm:style>
-  </dgm:styleLbl>
-  <dgm:styleLbl name="asst0">
-    <dgm:scene3d>
-      <a:camera prst="orthographicFront"/>
-      <a:lightRig rig="threePt" dir="t"/>
-    </dgm:scene3d>
-    <dgm:sp3d/>
-    <dgm:txPr/>
-    <dgm:style>
-      <a:lnRef idx="0">
-        <a:scrgbClr r="0" g="0" b="0"/>
-      </a:lnRef>
-      <a:fillRef idx="3">
-        <a:scrgbClr r="0" g="0" b="0"/>
-      </a:fillRef>
-      <a:effectRef idx="3">
-        <a:scrgbClr r="0" g="0" b="0"/>
-      </a:effectRef>
-      <a:fontRef idx="minor">
-        <a:schemeClr val="lt1"/>
-      </a:fontRef>
-    </dgm:style>
-  </dgm:styleLbl>
-  <dgm:styleLbl name="asst1">
-    <dgm:scene3d>
-      <a:camera prst="orthographicFront"/>
-      <a:lightRig rig="threePt" dir="t"/>
-    </dgm:scene3d>
-    <dgm:sp3d/>
-    <dgm:txPr/>
-    <dgm:style>
-      <a:lnRef idx="0">
-        <a:scrgbClr r="0" g="0" b="0"/>
-      </a:lnRef>
-      <a:fillRef idx="3">
-        <a:scrgbClr r="0" g="0" b="0"/>
-      </a:fillRef>
-      <a:effectRef idx="3">
-        <a:scrgbClr r="0" g="0" b="0"/>
-      </a:effectRef>
-      <a:fontRef idx="minor">
-        <a:schemeClr val="lt1"/>
-      </a:fontRef>
-    </dgm:style>
-  </dgm:styleLbl>
-  <dgm:styleLbl name="asst2">
-    <dgm:scene3d>
-      <a:camera prst="orthographicFront"/>
-      <a:lightRig rig="threePt" dir="t"/>
-    </dgm:scene3d>
-    <dgm:sp3d/>
-    <dgm:txPr/>
-    <dgm:style>
-      <a:lnRef idx="0">
-        <a:scrgbClr r="0" g="0" b="0"/>
-      </a:lnRef>
-      <a:fillRef idx="3">
-        <a:scrgbClr r="0" g="0" b="0"/>
-      </a:fillRef>
-      <a:effectRef idx="3">
-        <a:scrgbClr r="0" g="0" b="0"/>
-      </a:effectRef>
-      <a:fontRef idx="minor">
-        <a:schemeClr val="lt1"/>
-      </a:fontRef>
-    </dgm:style>
-  </dgm:styleLbl>
-  <dgm:styleLbl name="asst3">
-    <dgm:scene3d>
-      <a:camera prst="orthographicFront"/>
-      <a:lightRig rig="threePt" dir="t"/>
-    </dgm:scene3d>
-    <dgm:sp3d/>
-    <dgm:txPr/>
-    <dgm:style>
-      <a:lnRef idx="0">
-        <a:scrgbClr r="0" g="0" b="0"/>
-      </a:lnRef>
-      <a:fillRef idx="3">
-        <a:scrgbClr r="0" g="0" b="0"/>
-      </a:fillRef>
-      <a:effectRef idx="3">
-        <a:scrgbClr r="0" g="0" b="0"/>
-      </a:effectRef>
-      <a:fontRef idx="minor">
-        <a:schemeClr val="lt1"/>
-      </a:fontRef>
-    </dgm:style>
-  </dgm:styleLbl>
-  <dgm:styleLbl name="asst4">
-    <dgm:scene3d>
-      <a:camera prst="orthographicFront"/>
-      <a:lightRig rig="threePt" dir="t"/>
-    </dgm:scene3d>
-    <dgm:sp3d/>
-    <dgm:txPr/>
-    <dgm:style>
-      <a:lnRef idx="0">
-        <a:scrgbClr r="0" g="0" b="0"/>
-      </a:lnRef>
-      <a:fillRef idx="3">
-        <a:scrgbClr r="0" g="0" b="0"/>
-      </a:fillRef>
-      <a:effectRef idx="3">
-        <a:scrgbClr r="0" g="0" b="0"/>
-      </a:effectRef>
-      <a:fontRef idx="minor">
-        <a:schemeClr val="lt1"/>
-      </a:fontRef>
-    </dgm:style>
-  </dgm:styleLbl>
-  <dgm:styleLbl name="parChTrans2D1">
-    <dgm:scene3d>
-      <a:camera prst="orthographicFront"/>
-      <a:lightRig rig="threePt" dir="t"/>
-    </dgm:scene3d>
-    <dgm:sp3d/>
-    <dgm:txPr/>
-    <dgm:style>
-      <a:lnRef idx="0">
-        <a:scrgbClr r="0" g="0" b="0"/>
-      </a:lnRef>
-      <a:fillRef idx="3">
-        <a:scrgbClr r="0" g="0" b="0"/>
-      </a:fillRef>
-      <a:effectRef idx="3">
-        <a:scrgbClr r="0" g="0" b="0"/>
-      </a:effectRef>
-      <a:fontRef idx="minor">
-        <a:schemeClr val="lt1"/>
-      </a:fontRef>
-    </dgm:style>
-  </dgm:styleLbl>
-  <dgm:styleLbl name="parChTrans2D2">
-    <dgm:scene3d>
-      <a:camera prst="orthographicFront"/>
-      <a:lightRig rig="threePt" dir="t"/>
-    </dgm:scene3d>
-    <dgm:sp3d/>
-    <dgm:txPr/>
-    <dgm:style>
-      <a:lnRef idx="0">
-        <a:scrgbClr r="0" g="0" b="0"/>
-      </a:lnRef>
-      <a:fillRef idx="3">
-        <a:scrgbClr r="0" g="0" b="0"/>
-      </a:fillRef>
-      <a:effectRef idx="3">
-        <a:scrgbClr r="0" g="0" b="0"/>
-      </a:effectRef>
-      <a:fontRef idx="minor">
-        <a:schemeClr val="lt1"/>
-      </a:fontRef>
-    </dgm:style>
-  </dgm:styleLbl>
-  <dgm:styleLbl name="parChTrans2D3">
-    <dgm:scene3d>
-      <a:camera prst="orthographicFront"/>
-      <a:lightRig rig="threePt" dir="t"/>
-    </dgm:scene3d>
-    <dgm:sp3d/>
-    <dgm:txPr/>
-    <dgm:style>
-      <a:lnRef idx="0">
-        <a:scrgbClr r="0" g="0" b="0"/>
-      </a:lnRef>
-      <a:fillRef idx="3">
-        <a:scrgbClr r="0" g="0" b="0"/>
-      </a:fillRef>
-      <a:effectRef idx="3">
-        <a:scrgbClr r="0" g="0" b="0"/>
-      </a:effectRef>
-      <a:fontRef idx="minor">
-        <a:schemeClr val="lt1"/>
-      </a:fontRef>
-    </dgm:style>
-  </dgm:styleLbl>
-  <dgm:styleLbl name="parChTrans2D4">
-    <dgm:scene3d>
-      <a:camera prst="orthographicFront"/>
-      <a:lightRig rig="threePt" dir="t"/>
-    </dgm:scene3d>
-    <dgm:sp3d/>
-    <dgm:txPr/>
-    <dgm:style>
-      <a:lnRef idx="0">
-        <a:scrgbClr r="0" g="0" b="0"/>
-      </a:lnRef>
-      <a:fillRef idx="3">
-        <a:scrgbClr r="0" g="0" b="0"/>
-      </a:fillRef>
-      <a:effectRef idx="3">
-        <a:scrgbClr r="0" g="0" b="0"/>
-      </a:effectRef>
-      <a:fontRef idx="minor">
-        <a:schemeClr val="lt1"/>
-      </a:fontRef>
-    </dgm:style>
-  </dgm:styleLbl>
-  <dgm:styleLbl name="parChTrans1D1">
-    <dgm:scene3d>
-      <a:camera prst="orthographicFront"/>
-      <a:lightRig rig="threePt" dir="t"/>
-    </dgm:scene3d>
-    <dgm:sp3d/>
-    <dgm:txPr/>
-    <dgm:style>
-      <a:lnRef idx="2">
-        <a:scrgbClr r="0" g="0" b="0"/>
-      </a:lnRef>
-      <a:fillRef idx="0">
-        <a:scrgbClr r="0" g="0" b="0"/>
-      </a:fillRef>
-      <a:effectRef idx="0">
-        <a:scrgbClr r="0" g="0" b="0"/>
-      </a:effectRef>
-      <a:fontRef idx="minor"/>
-    </dgm:style>
-  </dgm:styleLbl>
-  <dgm:styleLbl name="parChTrans1D2">
-    <dgm:scene3d>
-      <a:camera prst="orthographicFront"/>
-      <a:lightRig rig="threePt" dir="t"/>
-    </dgm:scene3d>
-    <dgm:sp3d/>
-    <dgm:txPr/>
-    <dgm:style>
-      <a:lnRef idx="2">
-        <a:scrgbClr r="0" g="0" b="0"/>
-      </a:lnRef>
-      <a:fillRef idx="0">
-        <a:scrgbClr r="0" g="0" b="0"/>
-      </a:fillRef>
-      <a:effectRef idx="0">
-        <a:scrgbClr r="0" g="0" b="0"/>
-      </a:effectRef>
-      <a:fontRef idx="minor"/>
-    </dgm:style>
-  </dgm:styleLbl>
-  <dgm:styleLbl name="parChTrans1D3">
-    <dgm:scene3d>
-      <a:camera prst="orthographicFront"/>
-      <a:lightRig rig="threePt" dir="t"/>
-    </dgm:scene3d>
-    <dgm:sp3d/>
-    <dgm:txPr/>
-    <dgm:style>
-      <a:lnRef idx="2">
-        <a:scrgbClr r="0" g="0" b="0"/>
-      </a:lnRef>
-      <a:fillRef idx="0">
-        <a:scrgbClr r="0" g="0" b="0"/>
-      </a:fillRef>
-      <a:effectRef idx="0">
-        <a:scrgbClr r="0" g="0" b="0"/>
-      </a:effectRef>
-      <a:fontRef idx="minor"/>
-    </dgm:style>
-  </dgm:styleLbl>
-  <dgm:styleLbl name="parChTrans1D4">
-    <dgm:scene3d>
-      <a:camera prst="orthographicFront"/>
-      <a:lightRig rig="threePt" dir="t"/>
-    </dgm:scene3d>
-    <dgm:sp3d/>
-    <dgm:txPr/>
-    <dgm:style>
-      <a:lnRef idx="2">
-        <a:scrgbClr r="0" g="0" b="0"/>
-      </a:lnRef>
-      <a:fillRef idx="0">
-        <a:scrgbClr r="0" g="0" b="0"/>
-      </a:fillRef>
-      <a:effectRef idx="0">
-        <a:scrgbClr r="0" g="0" b="0"/>
-      </a:effectRef>
-      <a:fontRef idx="minor"/>
-    </dgm:style>
-  </dgm:styleLbl>
-  <dgm:styleLbl name="fgAcc1">
-    <dgm:scene3d>
-      <a:camera prst="orthographicFront"/>
-      <a:lightRig rig="threePt" dir="t"/>
-    </dgm:scene3d>
-    <dgm:sp3d/>
-    <dgm:txPr/>
-    <dgm:style>
-      <a:lnRef idx="1">
-        <a:scrgbClr r="0" g="0" b="0"/>
-      </a:lnRef>
-      <a:fillRef idx="1">
-        <a:scrgbClr r="0" g="0" b="0"/>
-      </a:fillRef>
-      <a:effectRef idx="2">
-        <a:scrgbClr r="0" g="0" b="0"/>
-      </a:effectRef>
-      <a:fontRef idx="minor"/>
-    </dgm:style>
-  </dgm:styleLbl>
-  <dgm:styleLbl name="conFgAcc1">
-    <dgm:scene3d>
-      <a:camera prst="orthographicFront"/>
-      <a:lightRig rig="threePt" dir="t"/>
-    </dgm:scene3d>
-    <dgm:sp3d/>
-    <dgm:txPr/>
-    <dgm:style>
-      <a:lnRef idx="1">
-        <a:scrgbClr r="0" g="0" b="0"/>
-      </a:lnRef>
-      <a:fillRef idx="1">
-        <a:scrgbClr r="0" g="0" b="0"/>
-      </a:fillRef>
-      <a:effectRef idx="2">
-        <a:scrgbClr r="0" g="0" b="0"/>
-      </a:effectRef>
-      <a:fontRef idx="minor"/>
-    </dgm:style>
-  </dgm:styleLbl>
-  <dgm:styleLbl name="alignAcc1">
-    <dgm:scene3d>
-      <a:camera prst="orthographicFront"/>
-      <a:lightRig rig="threePt" dir="t"/>
-    </dgm:scene3d>
-    <dgm:sp3d/>
-    <dgm:txPr/>
-    <dgm:style>
-      <a:lnRef idx="1">
-        <a:scrgbClr r="0" g="0" b="0"/>
-      </a:lnRef>
-      <a:fillRef idx="1">
-        <a:scrgbClr r="0" g="0" b="0"/>
-      </a:fillRef>
-      <a:effectRef idx="2">
-        <a:scrgbClr r="0" g="0" b="0"/>
-      </a:effectRef>
-      <a:fontRef idx="minor"/>
-    </dgm:style>
-  </dgm:styleLbl>
-  <dgm:styleLbl name="trAlignAcc1">
-    <dgm:scene3d>
-      <a:camera prst="orthographicFront"/>
-      <a:lightRig rig="threePt" dir="t"/>
-    </dgm:scene3d>
-    <dgm:sp3d/>
-    <dgm:txPr/>
-    <dgm:style>
-      <a:lnRef idx="1">
-        <a:scrgbClr r="0" g="0" b="0"/>
-      </a:lnRef>
-      <a:fillRef idx="1">
-        <a:scrgbClr r="0" g="0" b="0"/>
-      </a:fillRef>
-      <a:effectRef idx="0">
-        <a:scrgbClr r="0" g="0" b="0"/>
-      </a:effectRef>
-      <a:fontRef idx="minor"/>
-    </dgm:style>
-  </dgm:styleLbl>
-  <dgm:styleLbl name="bgAcc1">
-    <dgm:scene3d>
-      <a:camera prst="orthographicFront"/>
-      <a:lightRig rig="threePt" dir="t"/>
-    </dgm:scene3d>
-    <dgm:sp3d/>
-    <dgm:txPr/>
-    <dgm:style>
-      <a:lnRef idx="1">
-        <a:scrgbClr r="0" g="0" b="0"/>
-      </a:lnRef>
-      <a:fillRef idx="1">
-        <a:scrgbClr r="0" g="0" b="0"/>
-      </a:fillRef>
-      <a:effectRef idx="2">
-        <a:scrgbClr r="0" g="0" b="0"/>
-      </a:effectRef>
-      <a:fontRef idx="minor"/>
-    </dgm:style>
-  </dgm:styleLbl>
-  <dgm:styleLbl name="solidFgAcc1">
-    <dgm:scene3d>
-      <a:camera prst="orthographicFront"/>
-      <a:lightRig rig="threePt" dir="t"/>
-    </dgm:scene3d>
-    <dgm:sp3d/>
-    <dgm:txPr/>
-    <dgm:style>
-      <a:lnRef idx="1">
-        <a:scrgbClr r="0" g="0" b="0"/>
-      </a:lnRef>
-      <a:fillRef idx="1">
-        <a:scrgbClr r="0" g="0" b="0"/>
-      </a:fillRef>
-      <a:effectRef idx="2">
-        <a:scrgbClr r="0" g="0" b="0"/>
-      </a:effectRef>
-      <a:fontRef idx="minor"/>
-    </dgm:style>
-  </dgm:styleLbl>
-  <dgm:styleLbl name="solidAlignAcc1">
-    <dgm:scene3d>
-      <a:camera prst="orthographicFront"/>
-      <a:lightRig rig="threePt" dir="t"/>
-    </dgm:scene3d>
-    <dgm:sp3d/>
-    <dgm:txPr/>
-    <dgm:style>
-      <a:lnRef idx="1">
-        <a:scrgbClr r="0" g="0" b="0"/>
-      </a:lnRef>
-      <a:fillRef idx="1">
-        <a:scrgbClr r="0" g="0" b="0"/>
-      </a:fillRef>
-      <a:effectRef idx="3">
-        <a:scrgbClr r="0" g="0" b="0"/>
-      </a:effectRef>
-      <a:fontRef idx="minor"/>
-    </dgm:style>
-  </dgm:styleLbl>
-  <dgm:styleLbl name="solidBgAcc1">
-    <dgm:scene3d>
-      <a:camera prst="orthographicFront"/>
-      <a:lightRig rig="threePt" dir="t"/>
-    </dgm:scene3d>
-    <dgm:sp3d/>
-    <dgm:txPr/>
-    <dgm:style>
-      <a:lnRef idx="1">
-        <a:scrgbClr r="0" g="0" b="0"/>
-      </a:lnRef>
-      <a:fillRef idx="1">
-        <a:scrgbClr r="0" g="0" b="0"/>
-      </a:fillRef>
-      <a:effectRef idx="3">
-        <a:scrgbClr r="0" g="0" b="0"/>
-      </a:effectRef>
-      <a:fontRef idx="minor"/>
-    </dgm:style>
-  </dgm:styleLbl>
-  <dgm:styleLbl name="fgAccFollowNode1">
-    <dgm:scene3d>
-      <a:camera prst="orthographicFront"/>
-      <a:lightRig rig="threePt" dir="t"/>
-    </dgm:scene3d>
-    <dgm:sp3d/>
-    <dgm:txPr/>
-    <dgm:style>
-      <a:lnRef idx="1">
-        <a:scrgbClr r="0" g="0" b="0"/>
-      </a:lnRef>
-      <a:fillRef idx="1">
-        <a:scrgbClr r="0" g="0" b="0"/>
-      </a:fillRef>
-      <a:effectRef idx="2">
-        <a:scrgbClr r="0" g="0" b="0"/>
-      </a:effectRef>
-      <a:fontRef idx="minor"/>
-    </dgm:style>
-  </dgm:styleLbl>
-  <dgm:styleLbl name="alignAccFollowNode1">
-    <dgm:scene3d>
-      <a:camera prst="orthographicFront"/>
-      <a:lightRig rig="threePt" dir="t"/>
-    </dgm:scene3d>
-    <dgm:sp3d/>
-    <dgm:txPr/>
-    <dgm:style>
-      <a:lnRef idx="1">
-        <a:scrgbClr r="0" g="0" b="0"/>
-      </a:lnRef>
-      <a:fillRef idx="1">
-        <a:scrgbClr r="0" g="0" b="0"/>
-      </a:fillRef>
-      <a:effectRef idx="2">
-        <a:scrgbClr r="0" g="0" b="0"/>
-      </a:effectRef>
-      <a:fontRef idx="minor"/>
-    </dgm:style>
-  </dgm:styleLbl>
-  <dgm:styleLbl name="bgAccFollowNode1">
-    <dgm:scene3d>
-      <a:camera prst="orthographicFront"/>
-      <a:lightRig rig="threePt" dir="t"/>
-    </dgm:scene3d>
-    <dgm:sp3d/>
-    <dgm:txPr/>
-    <dgm:style>
-      <a:lnRef idx="1">
-        <a:scrgbClr r="0" g="0" b="0"/>
-      </a:lnRef>
-      <a:fillRef idx="1">
-        <a:scrgbClr r="0" g="0" b="0"/>
-      </a:fillRef>
-      <a:effectRef idx="2">
-        <a:scrgbClr r="0" g="0" b="0"/>
-      </a:effectRef>
-      <a:fontRef idx="minor"/>
-    </dgm:style>
-  </dgm:styleLbl>
-  <dgm:styleLbl name="fgAcc0">
-    <dgm:scene3d>
-      <a:camera prst="orthographicFront"/>
-      <a:lightRig rig="threePt" dir="t"/>
-    </dgm:scene3d>
-    <dgm:sp3d/>
-    <dgm:txPr/>
-    <dgm:style>
-      <a:lnRef idx="1">
-        <a:scrgbClr r="0" g="0" b="0"/>
-      </a:lnRef>
-      <a:fillRef idx="1">
-        <a:scrgbClr r="0" g="0" b="0"/>
-      </a:fillRef>
-      <a:effectRef idx="2">
-        <a:scrgbClr r="0" g="0" b="0"/>
-      </a:effectRef>
-      <a:fontRef idx="minor"/>
-    </dgm:style>
-  </dgm:styleLbl>
-  <dgm:styleLbl name="fgAcc2">
-    <dgm:scene3d>
-      <a:camera prst="orthographicFront"/>
-      <a:lightRig rig="threePt" dir="t"/>
-    </dgm:scene3d>
-    <dgm:sp3d/>
-    <dgm:txPr/>
-    <dgm:style>
-      <a:lnRef idx="1">
-        <a:scrgbClr r="0" g="0" b="0"/>
-      </a:lnRef>
-      <a:fillRef idx="1">
-        <a:scrgbClr r="0" g="0" b="0"/>
-      </a:fillRef>
-      <a:effectRef idx="2">
-        <a:scrgbClr r="0" g="0" b="0"/>
-      </a:effectRef>
-      <a:fontRef idx="minor"/>
-    </dgm:style>
-  </dgm:styleLbl>
-  <dgm:styleLbl name="fgAcc3">
-    <dgm:scene3d>
-      <a:camera prst="orthographicFront"/>
-      <a:lightRig rig="threePt" dir="t"/>
-    </dgm:scene3d>
-    <dgm:sp3d/>
-    <dgm:txPr/>
-    <dgm:style>
-      <a:lnRef idx="1">
-        <a:scrgbClr r="0" g="0" b="0"/>
-      </a:lnRef>
-      <a:fillRef idx="1">
-        <a:scrgbClr r="0" g="0" b="0"/>
-      </a:fillRef>
-      <a:effectRef idx="2">
-        <a:scrgbClr r="0" g="0" b="0"/>
-      </a:effectRef>
-      <a:fontRef idx="minor"/>
-    </dgm:style>
-  </dgm:styleLbl>
-  <dgm:styleLbl name="fgAcc4">
-    <dgm:scene3d>
-      <a:camera prst="orthographicFront"/>
-      <a:lightRig rig="threePt" dir="t"/>
-    </dgm:scene3d>
-    <dgm:sp3d/>
-    <dgm:txPr/>
-    <dgm:style>
-      <a:lnRef idx="1">
-        <a:scrgbClr r="0" g="0" b="0"/>
-      </a:lnRef>
-      <a:fillRef idx="1">
-        <a:scrgbClr r="0" g="0" b="0"/>
-      </a:fillRef>
-      <a:effectRef idx="2">
-        <a:scrgbClr r="0" g="0" b="0"/>
-      </a:effectRef>
-      <a:fontRef idx="minor"/>
-    </dgm:style>
-  </dgm:styleLbl>
-  <dgm:styleLbl name="bgShp">
-    <dgm:scene3d>
-      <a:camera prst="orthographicFront"/>
-      <a:lightRig rig="threePt" dir="t"/>
-    </dgm:scene3d>
-    <dgm:sp3d/>
-    <dgm:txPr/>
-    <dgm:style>
-      <a:lnRef idx="0">
-        <a:scrgbClr r="0" g="0" b="0"/>
-      </a:lnRef>
-      <a:fillRef idx="1">
-        <a:scrgbClr r="0" g="0" b="0"/>
-      </a:fillRef>
-      <a:effectRef idx="2">
-        <a:scrgbClr r="0" g="0" b="0"/>
-      </a:effectRef>
-      <a:fontRef idx="minor"/>
-    </dgm:style>
-  </dgm:styleLbl>
-  <dgm:styleLbl name="dkBgShp">
-    <dgm:scene3d>
-      <a:camera prst="orthographicFront"/>
-      <a:lightRig rig="threePt" dir="t"/>
-    </dgm:scene3d>
-    <dgm:sp3d/>
-    <dgm:txPr/>
-    <dgm:style>
-      <a:lnRef idx="0">
-        <a:scrgbClr r="0" g="0" b="0"/>
-      </a:lnRef>
-      <a:fillRef idx="1">
-        <a:scrgbClr r="0" g="0" b="0"/>
-      </a:fillRef>
-      <a:effectRef idx="3">
-        <a:scrgbClr r="0" g="0" b="0"/>
-      </a:effectRef>
-      <a:fontRef idx="minor"/>
-    </dgm:style>
-  </dgm:styleLbl>
-  <dgm:styleLbl name="trBgShp">
-    <dgm:scene3d>
-      <a:camera prst="orthographicFront"/>
-      <a:lightRig rig="threePt" dir="t"/>
-    </dgm:scene3d>
-    <dgm:sp3d/>
-    <dgm:txPr/>
-    <dgm:style>
-      <a:lnRef idx="0">
-        <a:scrgbClr r="0" g="0" b="0"/>
-      </a:lnRef>
-      <a:fillRef idx="1">
-        <a:scrgbClr r="0" g="0" b="0"/>
-      </a:fillRef>
-      <a:effectRef idx="0">
-        <a:scrgbClr r="0" g="0" b="0"/>
-      </a:effectRef>
-      <a:fontRef idx="minor"/>
-    </dgm:style>
-  </dgm:styleLbl>
-  <dgm:styleLbl name="fgShp">
-    <dgm:scene3d>
-      <a:camera prst="orthographicFront"/>
-      <a:lightRig rig="threePt" dir="t"/>
-    </dgm:scene3d>
-    <dgm:sp3d/>
-    <dgm:txPr/>
-    <dgm:style>
-      <a:lnRef idx="0">
-        <a:scrgbClr r="0" g="0" b="0"/>
-      </a:lnRef>
-      <a:fillRef idx="3">
-        <a:scrgbClr r="0" g="0" b="0"/>
-      </a:fillRef>
-      <a:effectRef idx="3">
-        <a:scrgbClr r="0" g="0" b="0"/>
-      </a:effectRef>
-      <a:fontRef idx="minor"/>
-    </dgm:style>
-  </dgm:styleLbl>
-  <dgm:styleLbl name="revTx">
-    <dgm:scene3d>
-      <a:camera prst="orthographicFront"/>
-      <a:lightRig rig="threePt" dir="t"/>
-    </dgm:scene3d>
-    <dgm:sp3d/>
-    <dgm:txPr/>
-    <dgm:style>
-      <a:lnRef idx="0">
-        <a:scrgbClr r="0" g="0" b="0"/>
-      </a:lnRef>
-      <a:fillRef idx="0">
-        <a:scrgbClr r="0" g="0" b="0"/>
-      </a:fillRef>
-      <a:effectRef idx="0">
-        <a:scrgbClr r="0" g="0" b="0"/>
-      </a:effectRef>
-      <a:fontRef idx="minor"/>
-    </dgm:style>
-  </dgm:styleLbl>
-</dgm:styleDef>
-</file>
-
-<file path=ppt/diagrams/quickStyle3.xml><?xml version="1.0" encoding="utf-8"?>
-<dgm:styleDef xmlns:dgm="http://schemas.openxmlformats.org/drawingml/2006/diagram" xmlns:a="http://schemas.openxmlformats.org/drawingml/2006/main" uniqueId="urn:microsoft.com/office/officeart/2005/8/quickstyle/simple5">
-  <dgm:title val=""/>
-  <dgm:desc val=""/>
-  <dgm:catLst>
-    <dgm:cat type="simple" pri="10500"/>
-  </dgm:catLst>
-  <dgm:scene3d>
-    <a:camera prst="orthographicFront"/>
-    <a:lightRig rig="threePt" dir="t"/>
-  </dgm:scene3d>
-  <dgm:styleLbl name="node0">
-    <dgm:scene3d>
-      <a:camera prst="orthographicFront"/>
-      <a:lightRig rig="threePt" dir="t"/>
-    </dgm:scene3d>
-    <dgm:sp3d/>
-    <dgm:txPr/>
-    <dgm:style>
-      <a:lnRef idx="0">
-        <a:scrgbClr r="0" g="0" b="0"/>
-      </a:lnRef>
-      <a:fillRef idx="3">
-        <a:scrgbClr r="0" g="0" b="0"/>
-      </a:fillRef>
-      <a:effectRef idx="3">
-        <a:scrgbClr r="0" g="0" b="0"/>
-      </a:effectRef>
-      <a:fontRef idx="minor">
-        <a:schemeClr val="lt1"/>
-      </a:fontRef>
-    </dgm:style>
-  </dgm:styleLbl>
-  <dgm:styleLbl name="lnNode1">
-    <dgm:scene3d>
-      <a:camera prst="orthographicFront"/>
-      <a:lightRig rig="threePt" dir="t"/>
-    </dgm:scene3d>
-    <dgm:sp3d/>
-    <dgm:txPr/>
-    <dgm:style>
-      <a:lnRef idx="0">
-        <a:scrgbClr r="0" g="0" b="0"/>
-      </a:lnRef>
-      <a:fillRef idx="3">
-        <a:scrgbClr r="0" g="0" b="0"/>
-      </a:fillRef>
-      <a:effectRef idx="3">
-        <a:scrgbClr r="0" g="0" b="0"/>
-      </a:effectRef>
-      <a:fontRef idx="minor">
-        <a:schemeClr val="lt1"/>
-      </a:fontRef>
-    </dgm:style>
-  </dgm:styleLbl>
-  <dgm:styleLbl name="vennNode1">
-    <dgm:scene3d>
-      <a:camera prst="orthographicFront"/>
-      <a:lightRig rig="threePt" dir="t"/>
-    </dgm:scene3d>
-    <dgm:sp3d/>
-    <dgm:txPr/>
-    <dgm:style>
-      <a:lnRef idx="0">
-        <a:scrgbClr r="0" g="0" b="0"/>
-      </a:lnRef>
-      <a:fillRef idx="3">
-        <a:scrgbClr r="0" g="0" b="0"/>
-      </a:fillRef>
-      <a:effectRef idx="3">
-        <a:scrgbClr r="0" g="0" b="0"/>
-      </a:effectRef>
-      <a:fontRef idx="minor">
-        <a:schemeClr val="tx1"/>
-      </a:fontRef>
-    </dgm:style>
-  </dgm:styleLbl>
-  <dgm:styleLbl name="alignNode1">
-    <dgm:scene3d>
-      <a:camera prst="orthographicFront"/>
-      <a:lightRig rig="threePt" dir="t"/>
-    </dgm:scene3d>
-    <dgm:sp3d/>
-    <dgm:txPr/>
-    <dgm:style>
-      <a:lnRef idx="1">
-        <a:scrgbClr r="0" g="0" b="0"/>
-      </a:lnRef>
-      <a:fillRef idx="3">
-        <a:scrgbClr r="0" g="0" b="0"/>
-      </a:fillRef>
-      <a:effectRef idx="3">
-        <a:scrgbClr r="0" g="0" b="0"/>
-      </a:effectRef>
-      <a:fontRef idx="minor">
-        <a:schemeClr val="lt1"/>
-      </a:fontRef>
-    </dgm:style>
-  </dgm:styleLbl>
-  <dgm:styleLbl name="node1">
-    <dgm:scene3d>
-      <a:camera prst="orthographicFront"/>
-      <a:lightRig rig="threePt" dir="t"/>
-    </dgm:scene3d>
-    <dgm:sp3d/>
-    <dgm:txPr/>
-    <dgm:style>
-      <a:lnRef idx="0">
-        <a:scrgbClr r="0" g="0" b="0"/>
-      </a:lnRef>
-      <a:fillRef idx="3">
-        <a:scrgbClr r="0" g="0" b="0"/>
-      </a:fillRef>
-      <a:effectRef idx="3">
-        <a:scrgbClr r="0" g="0" b="0"/>
-      </a:effectRef>
-      <a:fontRef idx="minor">
-        <a:schemeClr val="lt1"/>
-      </a:fontRef>
-    </dgm:style>
-  </dgm:styleLbl>
-  <dgm:styleLbl name="node2">
-    <dgm:scene3d>
-      <a:camera prst="orthographicFront"/>
-      <a:lightRig rig="threePt" dir="t"/>
-    </dgm:scene3d>
-    <dgm:sp3d/>
-    <dgm:txPr/>
-    <dgm:style>
-      <a:lnRef idx="0">
-        <a:scrgbClr r="0" g="0" b="0"/>
-      </a:lnRef>
-      <a:fillRef idx="3">
-        <a:scrgbClr r="0" g="0" b="0"/>
-      </a:fillRef>
-      <a:effectRef idx="3">
-        <a:scrgbClr r="0" g="0" b="0"/>
-      </a:effectRef>
-      <a:fontRef idx="minor">
-        <a:schemeClr val="lt1"/>
-      </a:fontRef>
-    </dgm:style>
-  </dgm:styleLbl>
-  <dgm:styleLbl name="node3">
-    <dgm:scene3d>
-      <a:camera prst="orthographicFront"/>
-      <a:lightRig rig="threePt" dir="t"/>
-    </dgm:scene3d>
-    <dgm:sp3d/>
-    <dgm:txPr/>
-    <dgm:style>
-      <a:lnRef idx="0">
-        <a:scrgbClr r="0" g="0" b="0"/>
-      </a:lnRef>
-      <a:fillRef idx="3">
-        <a:scrgbClr r="0" g="0" b="0"/>
-      </a:fillRef>
-      <a:effectRef idx="3">
-        <a:scrgbClr r="0" g="0" b="0"/>
-      </a:effectRef>
-      <a:fontRef idx="minor">
-        <a:schemeClr val="lt1"/>
-      </a:fontRef>
-    </dgm:style>
-  </dgm:styleLbl>
-  <dgm:styleLbl name="node4">
-    <dgm:scene3d>
-      <a:camera prst="orthographicFront"/>
-      <a:lightRig rig="threePt" dir="t"/>
-    </dgm:scene3d>
-    <dgm:sp3d/>
-    <dgm:txPr/>
-    <dgm:style>
-      <a:lnRef idx="0">
-        <a:scrgbClr r="0" g="0" b="0"/>
-      </a:lnRef>
-      <a:fillRef idx="3">
-        <a:scrgbClr r="0" g="0" b="0"/>
-      </a:fillRef>
-      <a:effectRef idx="3">
-        <a:scrgbClr r="0" g="0" b="0"/>
-      </a:effectRef>
-      <a:fontRef idx="minor">
-        <a:schemeClr val="lt1"/>
-      </a:fontRef>
-    </dgm:style>
-  </dgm:styleLbl>
-  <dgm:styleLbl name="fgImgPlace1">
-    <dgm:scene3d>
-      <a:camera prst="orthographicFront"/>
-      <a:lightRig rig="threePt" dir="t"/>
-    </dgm:scene3d>
-    <dgm:sp3d/>
-    <dgm:txPr/>
-    <dgm:style>
-      <a:lnRef idx="0">
-        <a:scrgbClr r="0" g="0" b="0"/>
-      </a:lnRef>
-      <a:fillRef idx="1">
-        <a:scrgbClr r="0" g="0" b="0"/>
-      </a:fillRef>
-      <a:effectRef idx="3">
-        <a:scrgbClr r="0" g="0" b="0"/>
-      </a:effectRef>
-      <a:fontRef idx="minor"/>
-    </dgm:style>
-  </dgm:styleLbl>
-  <dgm:styleLbl name="alignImgPlace1">
-    <dgm:scene3d>
-      <a:camera prst="orthographicFront"/>
-      <a:lightRig rig="threePt" dir="t"/>
-    </dgm:scene3d>
-    <dgm:sp3d/>
-    <dgm:txPr/>
-    <dgm:style>
-      <a:lnRef idx="0">
-        <a:scrgbClr r="0" g="0" b="0"/>
-      </a:lnRef>
-      <a:fillRef idx="1">
-        <a:scrgbClr r="0" g="0" b="0"/>
-      </a:fillRef>
-      <a:effectRef idx="3">
-        <a:scrgbClr r="0" g="0" b="0"/>
-      </a:effectRef>
-      <a:fontRef idx="minor"/>
-    </dgm:style>
-  </dgm:styleLbl>
-  <dgm:styleLbl name="bgImgPlace1">
-    <dgm:scene3d>
-      <a:camera prst="orthographicFront"/>
-      <a:lightRig rig="threePt" dir="t"/>
-    </dgm:scene3d>
-    <dgm:sp3d/>
-    <dgm:txPr/>
-    <dgm:style>
-      <a:lnRef idx="0">
-        <a:scrgbClr r="0" g="0" b="0"/>
-      </a:lnRef>
-      <a:fillRef idx="1">
-        <a:scrgbClr r="0" g="0" b="0"/>
-      </a:fillRef>
-      <a:effectRef idx="3">
-        <a:scrgbClr r="0" g="0" b="0"/>
-      </a:effectRef>
-      <a:fontRef idx="minor"/>
-    </dgm:style>
-  </dgm:styleLbl>
-  <dgm:styleLbl name="sibTrans2D1">
-    <dgm:scene3d>
-      <a:camera prst="orthographicFront"/>
-      <a:lightRig rig="threePt" dir="t"/>
-    </dgm:scene3d>
-    <dgm:sp3d/>
-    <dgm:txPr/>
-    <dgm:style>
-      <a:lnRef idx="0">
-        <a:scrgbClr r="0" g="0" b="0"/>
-      </a:lnRef>
-      <a:fillRef idx="3">
-        <a:scrgbClr r="0" g="0" b="0"/>
-      </a:fillRef>
-      <a:effectRef idx="3">
-        <a:scrgbClr r="0" g="0" b="0"/>
-      </a:effectRef>
-      <a:fontRef idx="minor">
-        <a:schemeClr val="lt1"/>
-      </a:fontRef>
-    </dgm:style>
-  </dgm:styleLbl>
-  <dgm:styleLbl name="fgSibTrans2D1">
-    <dgm:scene3d>
-      <a:camera prst="orthographicFront"/>
-      <a:lightRig rig="threePt" dir="t"/>
-    </dgm:scene3d>
-    <dgm:sp3d/>
-    <dgm:txPr/>
-    <dgm:style>
-      <a:lnRef idx="0">
-        <a:scrgbClr r="0" g="0" b="0"/>
-      </a:lnRef>
-      <a:fillRef idx="3">
-        <a:scrgbClr r="0" g="0" b="0"/>
-      </a:fillRef>
-      <a:effectRef idx="3">
-        <a:scrgbClr r="0" g="0" b="0"/>
-      </a:effectRef>
-      <a:fontRef idx="minor">
-        <a:schemeClr val="lt1"/>
-      </a:fontRef>
-    </dgm:style>
-  </dgm:styleLbl>
-  <dgm:styleLbl name="bgSibTrans2D1">
-    <dgm:scene3d>
-      <a:camera prst="orthographicFront"/>
-      <a:lightRig rig="threePt" dir="t"/>
-    </dgm:scene3d>
-    <dgm:sp3d/>
-    <dgm:txPr/>
-    <dgm:style>
-      <a:lnRef idx="0">
-        <a:scrgbClr r="0" g="0" b="0"/>
-      </a:lnRef>
-      <a:fillRef idx="3">
-        <a:scrgbClr r="0" g="0" b="0"/>
-      </a:fillRef>
-      <a:effectRef idx="3">
-        <a:scrgbClr r="0" g="0" b="0"/>
-      </a:effectRef>
-      <a:fontRef idx="minor">
-        <a:schemeClr val="lt1"/>
-      </a:fontRef>
-    </dgm:style>
-  </dgm:styleLbl>
-  <dgm:styleLbl name="sibTrans1D1">
-    <dgm:scene3d>
-      <a:camera prst="orthographicFront"/>
-      <a:lightRig rig="threePt" dir="t"/>
-    </dgm:scene3d>
-    <dgm:sp3d/>
-    <dgm:txPr/>
-    <dgm:style>
-      <a:lnRef idx="1">
-        <a:scrgbClr r="0" g="0" b="0"/>
-      </a:lnRef>
-      <a:fillRef idx="0">
-        <a:scrgbClr r="0" g="0" b="0"/>
-      </a:fillRef>
-      <a:effectRef idx="0">
-        <a:scrgbClr r="0" g="0" b="0"/>
-      </a:effectRef>
-      <a:fontRef idx="minor"/>
-    </dgm:style>
-  </dgm:styleLbl>
-  <dgm:styleLbl name="callout">
-    <dgm:scene3d>
-      <a:camera prst="orthographicFront"/>
-      <a:lightRig rig="threePt" dir="t"/>
-    </dgm:scene3d>
-    <dgm:sp3d/>
-    <dgm:txPr/>
-    <dgm:style>
-      <a:lnRef idx="1">
-        <a:scrgbClr r="0" g="0" b="0"/>
-      </a:lnRef>
-      <a:fillRef idx="0">
-        <a:scrgbClr r="0" g="0" b="0"/>
-      </a:fillRef>
-      <a:effectRef idx="1">
-        <a:scrgbClr r="0" g="0" b="0"/>
-      </a:effectRef>
-      <a:fontRef idx="minor"/>
-    </dgm:style>
-  </dgm:styleLbl>
-  <dgm:styleLbl name="asst0">
-    <dgm:scene3d>
-      <a:camera prst="orthographicFront"/>
-      <a:lightRig rig="threePt" dir="t"/>
-    </dgm:scene3d>
-    <dgm:sp3d/>
-    <dgm:txPr/>
-    <dgm:style>
-      <a:lnRef idx="0">
-        <a:scrgbClr r="0" g="0" b="0"/>
-      </a:lnRef>
-      <a:fillRef idx="3">
-        <a:scrgbClr r="0" g="0" b="0"/>
-      </a:fillRef>
-      <a:effectRef idx="3">
-        <a:scrgbClr r="0" g="0" b="0"/>
-      </a:effectRef>
-      <a:fontRef idx="minor">
-        <a:schemeClr val="lt1"/>
-      </a:fontRef>
-    </dgm:style>
-  </dgm:styleLbl>
-  <dgm:styleLbl name="asst1">
-    <dgm:scene3d>
-      <a:camera prst="orthographicFront"/>
-      <a:lightRig rig="threePt" dir="t"/>
-    </dgm:scene3d>
-    <dgm:sp3d/>
-    <dgm:txPr/>
-    <dgm:style>
-      <a:lnRef idx="0">
-        <a:scrgbClr r="0" g="0" b="0"/>
-      </a:lnRef>
-      <a:fillRef idx="3">
-        <a:scrgbClr r="0" g="0" b="0"/>
-      </a:fillRef>
-      <a:effectRef idx="3">
-        <a:scrgbClr r="0" g="0" b="0"/>
-      </a:effectRef>
-      <a:fontRef idx="minor">
-        <a:schemeClr val="lt1"/>
-      </a:fontRef>
-    </dgm:style>
-  </dgm:styleLbl>
-  <dgm:styleLbl name="asst2">
-    <dgm:scene3d>
-      <a:camera prst="orthographicFront"/>
-      <a:lightRig rig="threePt" dir="t"/>
-    </dgm:scene3d>
-    <dgm:sp3d/>
-    <dgm:txPr/>
-    <dgm:style>
-      <a:lnRef idx="0">
-        <a:scrgbClr r="0" g="0" b="0"/>
-      </a:lnRef>
-      <a:fillRef idx="3">
-        <a:scrgbClr r="0" g="0" b="0"/>
-      </a:fillRef>
-      <a:effectRef idx="3">
-        <a:scrgbClr r="0" g="0" b="0"/>
-      </a:effectRef>
-      <a:fontRef idx="minor">
-        <a:schemeClr val="lt1"/>
-      </a:fontRef>
-    </dgm:style>
-  </dgm:styleLbl>
-  <dgm:styleLbl name="asst3">
-    <dgm:scene3d>
-      <a:camera prst="orthographicFront"/>
-      <a:lightRig rig="threePt" dir="t"/>
-    </dgm:scene3d>
-    <dgm:sp3d/>
-    <dgm:txPr/>
-    <dgm:style>
-      <a:lnRef idx="0">
-        <a:scrgbClr r="0" g="0" b="0"/>
-      </a:lnRef>
-      <a:fillRef idx="3">
-        <a:scrgbClr r="0" g="0" b="0"/>
-      </a:fillRef>
-      <a:effectRef idx="3">
-        <a:scrgbClr r="0" g="0" b="0"/>
-      </a:effectRef>
-      <a:fontRef idx="minor">
-        <a:schemeClr val="lt1"/>
-      </a:fontRef>
-    </dgm:style>
-  </dgm:styleLbl>
-  <dgm:styleLbl name="asst4">
-    <dgm:scene3d>
-      <a:camera prst="orthographicFront"/>
-      <a:lightRig rig="threePt" dir="t"/>
-    </dgm:scene3d>
-    <dgm:sp3d/>
-    <dgm:txPr/>
-    <dgm:style>
-      <a:lnRef idx="0">
-        <a:scrgbClr r="0" g="0" b="0"/>
-      </a:lnRef>
-      <a:fillRef idx="3">
-        <a:scrgbClr r="0" g="0" b="0"/>
-      </a:fillRef>
-      <a:effectRef idx="3">
-        <a:scrgbClr r="0" g="0" b="0"/>
-      </a:effectRef>
-      <a:fontRef idx="minor">
-        <a:schemeClr val="lt1"/>
-      </a:fontRef>
-    </dgm:style>
-  </dgm:styleLbl>
-  <dgm:styleLbl name="parChTrans2D1">
-    <dgm:scene3d>
-      <a:camera prst="orthographicFront"/>
-      <a:lightRig rig="threePt" dir="t"/>
-    </dgm:scene3d>
-    <dgm:sp3d/>
-    <dgm:txPr/>
-    <dgm:style>
-      <a:lnRef idx="0">
-        <a:scrgbClr r="0" g="0" b="0"/>
-      </a:lnRef>
-      <a:fillRef idx="3">
-        <a:scrgbClr r="0" g="0" b="0"/>
-      </a:fillRef>
-      <a:effectRef idx="3">
-        <a:scrgbClr r="0" g="0" b="0"/>
-      </a:effectRef>
-      <a:fontRef idx="minor">
-        <a:schemeClr val="lt1"/>
-      </a:fontRef>
-    </dgm:style>
-  </dgm:styleLbl>
-  <dgm:styleLbl name="parChTrans2D2">
-    <dgm:scene3d>
-      <a:camera prst="orthographicFront"/>
-      <a:lightRig rig="threePt" dir="t"/>
-    </dgm:scene3d>
-    <dgm:sp3d/>
-    <dgm:txPr/>
-    <dgm:style>
-      <a:lnRef idx="0">
-        <a:scrgbClr r="0" g="0" b="0"/>
-      </a:lnRef>
-      <a:fillRef idx="3">
-        <a:scrgbClr r="0" g="0" b="0"/>
-      </a:fillRef>
-      <a:effectRef idx="3">
-        <a:scrgbClr r="0" g="0" b="0"/>
-      </a:effectRef>
-      <a:fontRef idx="minor">
-        <a:schemeClr val="lt1"/>
-      </a:fontRef>
-    </dgm:style>
-  </dgm:styleLbl>
-  <dgm:styleLbl name="parChTrans2D3">
-    <dgm:scene3d>
-      <a:camera prst="orthographicFront"/>
-      <a:lightRig rig="threePt" dir="t"/>
-    </dgm:scene3d>
-    <dgm:sp3d/>
-    <dgm:txPr/>
-    <dgm:style>
-      <a:lnRef idx="0">
-        <a:scrgbClr r="0" g="0" b="0"/>
-      </a:lnRef>
-      <a:fillRef idx="3">
-        <a:scrgbClr r="0" g="0" b="0"/>
-      </a:fillRef>
-      <a:effectRef idx="3">
-        <a:scrgbClr r="0" g="0" b="0"/>
-      </a:effectRef>
-      <a:fontRef idx="minor">
-        <a:schemeClr val="lt1"/>
-      </a:fontRef>
-    </dgm:style>
-  </dgm:styleLbl>
-  <dgm:styleLbl name="parChTrans2D4">
-    <dgm:scene3d>
-      <a:camera prst="orthographicFront"/>
-      <a:lightRig rig="threePt" dir="t"/>
-    </dgm:scene3d>
-    <dgm:sp3d/>
-    <dgm:txPr/>
-    <dgm:style>
-      <a:lnRef idx="0">
-        <a:scrgbClr r="0" g="0" b="0"/>
-      </a:lnRef>
-      <a:fillRef idx="3">
-        <a:scrgbClr r="0" g="0" b="0"/>
-      </a:fillRef>
-      <a:effectRef idx="3">
-        <a:scrgbClr r="0" g="0" b="0"/>
-      </a:effectRef>
-      <a:fontRef idx="minor">
-        <a:schemeClr val="lt1"/>
-      </a:fontRef>
-    </dgm:style>
-  </dgm:styleLbl>
-  <dgm:styleLbl name="parChTrans1D1">
-    <dgm:scene3d>
-      <a:camera prst="orthographicFront"/>
-      <a:lightRig rig="threePt" dir="t"/>
-    </dgm:scene3d>
-    <dgm:sp3d/>
-    <dgm:txPr/>
-    <dgm:style>
-      <a:lnRef idx="2">
-        <a:scrgbClr r="0" g="0" b="0"/>
-      </a:lnRef>
-      <a:fillRef idx="0">
-        <a:scrgbClr r="0" g="0" b="0"/>
-      </a:fillRef>
-      <a:effectRef idx="0">
-        <a:scrgbClr r="0" g="0" b="0"/>
-      </a:effectRef>
-      <a:fontRef idx="minor"/>
-    </dgm:style>
-  </dgm:styleLbl>
-  <dgm:styleLbl name="parChTrans1D2">
-    <dgm:scene3d>
-      <a:camera prst="orthographicFront"/>
-      <a:lightRig rig="threePt" dir="t"/>
-    </dgm:scene3d>
-    <dgm:sp3d/>
-    <dgm:txPr/>
-    <dgm:style>
-      <a:lnRef idx="2">
-        <a:scrgbClr r="0" g="0" b="0"/>
-      </a:lnRef>
-      <a:fillRef idx="0">
-        <a:scrgbClr r="0" g="0" b="0"/>
-      </a:fillRef>
-      <a:effectRef idx="0">
-        <a:scrgbClr r="0" g="0" b="0"/>
-      </a:effectRef>
-      <a:fontRef idx="minor"/>
-    </dgm:style>
-  </dgm:styleLbl>
-  <dgm:styleLbl name="parChTrans1D3">
-    <dgm:scene3d>
-      <a:camera prst="orthographicFront"/>
-      <a:lightRig rig="threePt" dir="t"/>
-    </dgm:scene3d>
-    <dgm:sp3d/>
-    <dgm:txPr/>
-    <dgm:style>
-      <a:lnRef idx="2">
-        <a:scrgbClr r="0" g="0" b="0"/>
-      </a:lnRef>
-      <a:fillRef idx="0">
-        <a:scrgbClr r="0" g="0" b="0"/>
-      </a:fillRef>
-      <a:effectRef idx="0">
-        <a:scrgbClr r="0" g="0" b="0"/>
-      </a:effectRef>
-      <a:fontRef idx="minor"/>
-    </dgm:style>
-  </dgm:styleLbl>
-  <dgm:styleLbl name="parChTrans1D4">
-    <dgm:scene3d>
-      <a:camera prst="orthographicFront"/>
-      <a:lightRig rig="threePt" dir="t"/>
-    </dgm:scene3d>
-    <dgm:sp3d/>
-    <dgm:txPr/>
-    <dgm:style>
-      <a:lnRef idx="2">
-        <a:scrgbClr r="0" g="0" b="0"/>
-      </a:lnRef>
-      <a:fillRef idx="0">
-        <a:scrgbClr r="0" g="0" b="0"/>
-      </a:fillRef>
-      <a:effectRef idx="0">
-        <a:scrgbClr r="0" g="0" b="0"/>
-      </a:effectRef>
-      <a:fontRef idx="minor"/>
-    </dgm:style>
-  </dgm:styleLbl>
-  <dgm:styleLbl name="fgAcc1">
-    <dgm:scene3d>
-      <a:camera prst="orthographicFront"/>
-      <a:lightRig rig="threePt" dir="t"/>
-    </dgm:scene3d>
-    <dgm:sp3d/>
-    <dgm:txPr/>
-    <dgm:style>
-      <a:lnRef idx="1">
-        <a:scrgbClr r="0" g="0" b="0"/>
-      </a:lnRef>
-      <a:fillRef idx="1">
-        <a:scrgbClr r="0" g="0" b="0"/>
-      </a:fillRef>
-      <a:effectRef idx="2">
-        <a:scrgbClr r="0" g="0" b="0"/>
-      </a:effectRef>
-      <a:fontRef idx="minor"/>
-    </dgm:style>
-  </dgm:styleLbl>
-  <dgm:styleLbl name="conFgAcc1">
-    <dgm:scene3d>
-      <a:camera prst="orthographicFront"/>
-      <a:lightRig rig="threePt" dir="t"/>
-    </dgm:scene3d>
-    <dgm:sp3d/>
-    <dgm:txPr/>
-    <dgm:style>
-      <a:lnRef idx="1">
-        <a:scrgbClr r="0" g="0" b="0"/>
-      </a:lnRef>
-      <a:fillRef idx="1">
-        <a:scrgbClr r="0" g="0" b="0"/>
-      </a:fillRef>
-      <a:effectRef idx="2">
-        <a:scrgbClr r="0" g="0" b="0"/>
-      </a:effectRef>
-      <a:fontRef idx="minor"/>
-    </dgm:style>
-  </dgm:styleLbl>
-  <dgm:styleLbl name="alignAcc1">
-    <dgm:scene3d>
-      <a:camera prst="orthographicFront"/>
-      <a:lightRig rig="threePt" dir="t"/>
-    </dgm:scene3d>
-    <dgm:sp3d/>
-    <dgm:txPr/>
-    <dgm:style>
-      <a:lnRef idx="1">
-        <a:scrgbClr r="0" g="0" b="0"/>
-      </a:lnRef>
-      <a:fillRef idx="1">
-        <a:scrgbClr r="0" g="0" b="0"/>
-      </a:fillRef>
-      <a:effectRef idx="2">
-        <a:scrgbClr r="0" g="0" b="0"/>
-      </a:effectRef>
-      <a:fontRef idx="minor"/>
-    </dgm:style>
-  </dgm:styleLbl>
-  <dgm:styleLbl name="trAlignAcc1">
-    <dgm:scene3d>
-      <a:camera prst="orthographicFront"/>
-      <a:lightRig rig="threePt" dir="t"/>
-    </dgm:scene3d>
-    <dgm:sp3d/>
-    <dgm:txPr/>
-    <dgm:style>
-      <a:lnRef idx="1">
-        <a:scrgbClr r="0" g="0" b="0"/>
-      </a:lnRef>
-      <a:fillRef idx="1">
-        <a:scrgbClr r="0" g="0" b="0"/>
-      </a:fillRef>
-      <a:effectRef idx="0">
-        <a:scrgbClr r="0" g="0" b="0"/>
-      </a:effectRef>
-      <a:fontRef idx="minor"/>
-    </dgm:style>
-  </dgm:styleLbl>
-  <dgm:styleLbl name="bgAcc1">
-    <dgm:scene3d>
-      <a:camera prst="orthographicFront"/>
-      <a:lightRig rig="threePt" dir="t"/>
-    </dgm:scene3d>
-    <dgm:sp3d/>
-    <dgm:txPr/>
-    <dgm:style>
-      <a:lnRef idx="1">
-        <a:scrgbClr r="0" g="0" b="0"/>
-      </a:lnRef>
-      <a:fillRef idx="1">
-        <a:scrgbClr r="0" g="0" b="0"/>
-      </a:fillRef>
-      <a:effectRef idx="2">
-        <a:scrgbClr r="0" g="0" b="0"/>
-      </a:effectRef>
-      <a:fontRef idx="minor"/>
-    </dgm:style>
-  </dgm:styleLbl>
-  <dgm:styleLbl name="solidFgAcc1">
-    <dgm:scene3d>
-      <a:camera prst="orthographicFront"/>
-      <a:lightRig rig="threePt" dir="t"/>
-    </dgm:scene3d>
-    <dgm:sp3d/>
-    <dgm:txPr/>
-    <dgm:style>
-      <a:lnRef idx="1">
-        <a:scrgbClr r="0" g="0" b="0"/>
-      </a:lnRef>
-      <a:fillRef idx="1">
-        <a:scrgbClr r="0" g="0" b="0"/>
-      </a:fillRef>
-      <a:effectRef idx="2">
-        <a:scrgbClr r="0" g="0" b="0"/>
-      </a:effectRef>
-      <a:fontRef idx="minor"/>
-    </dgm:style>
-  </dgm:styleLbl>
-  <dgm:styleLbl name="solidAlignAcc1">
-    <dgm:scene3d>
-      <a:camera prst="orthographicFront"/>
-      <a:lightRig rig="threePt" dir="t"/>
-    </dgm:scene3d>
-    <dgm:sp3d/>
-    <dgm:txPr/>
-    <dgm:style>
-      <a:lnRef idx="1">
-        <a:scrgbClr r="0" g="0" b="0"/>
-      </a:lnRef>
-      <a:fillRef idx="1">
-        <a:scrgbClr r="0" g="0" b="0"/>
-      </a:fillRef>
-      <a:effectRef idx="3">
-        <a:scrgbClr r="0" g="0" b="0"/>
-      </a:effectRef>
-      <a:fontRef idx="minor"/>
-    </dgm:style>
-  </dgm:styleLbl>
-  <dgm:styleLbl name="solidBgAcc1">
-    <dgm:scene3d>
-      <a:camera prst="orthographicFront"/>
-      <a:lightRig rig="threePt" dir="t"/>
-    </dgm:scene3d>
-    <dgm:sp3d/>
-    <dgm:txPr/>
-    <dgm:style>
-      <a:lnRef idx="1">
-        <a:scrgbClr r="0" g="0" b="0"/>
-      </a:lnRef>
-      <a:fillRef idx="1">
-        <a:scrgbClr r="0" g="0" b="0"/>
-      </a:fillRef>
-      <a:effectRef idx="3">
-        <a:scrgbClr r="0" g="0" b="0"/>
-      </a:effectRef>
-      <a:fontRef idx="minor"/>
-    </dgm:style>
-  </dgm:styleLbl>
-  <dgm:styleLbl name="fgAccFollowNode1">
-    <dgm:scene3d>
-      <a:camera prst="orthographicFront"/>
-      <a:lightRig rig="threePt" dir="t"/>
-    </dgm:scene3d>
-    <dgm:sp3d/>
-    <dgm:txPr/>
-    <dgm:style>
-      <a:lnRef idx="1">
-        <a:scrgbClr r="0" g="0" b="0"/>
-      </a:lnRef>
-      <a:fillRef idx="1">
-        <a:scrgbClr r="0" g="0" b="0"/>
-      </a:fillRef>
-      <a:effectRef idx="2">
-        <a:scrgbClr r="0" g="0" b="0"/>
-      </a:effectRef>
-      <a:fontRef idx="minor"/>
-    </dgm:style>
-  </dgm:styleLbl>
-  <dgm:styleLbl name="alignAccFollowNode1">
-    <dgm:scene3d>
-      <a:camera prst="orthographicFront"/>
-      <a:lightRig rig="threePt" dir="t"/>
-    </dgm:scene3d>
-    <dgm:sp3d/>
-    <dgm:txPr/>
-    <dgm:style>
-      <a:lnRef idx="1">
-        <a:scrgbClr r="0" g="0" b="0"/>
-      </a:lnRef>
-      <a:fillRef idx="1">
-        <a:scrgbClr r="0" g="0" b="0"/>
-      </a:fillRef>
-      <a:effectRef idx="2">
-        <a:scrgbClr r="0" g="0" b="0"/>
-      </a:effectRef>
-      <a:fontRef idx="minor"/>
-    </dgm:style>
-  </dgm:styleLbl>
-  <dgm:styleLbl name="bgAccFollowNode1">
-    <dgm:scene3d>
-      <a:camera prst="orthographicFront"/>
-      <a:lightRig rig="threePt" dir="t"/>
-    </dgm:scene3d>
-    <dgm:sp3d/>
-    <dgm:txPr/>
-    <dgm:style>
-      <a:lnRef idx="1">
-        <a:scrgbClr r="0" g="0" b="0"/>
-      </a:lnRef>
-      <a:fillRef idx="1">
-        <a:scrgbClr r="0" g="0" b="0"/>
-      </a:fillRef>
-      <a:effectRef idx="2">
-        <a:scrgbClr r="0" g="0" b="0"/>
-      </a:effectRef>
-      <a:fontRef idx="minor"/>
-    </dgm:style>
-  </dgm:styleLbl>
-  <dgm:styleLbl name="fgAcc0">
-    <dgm:scene3d>
-      <a:camera prst="orthographicFront"/>
-      <a:lightRig rig="threePt" dir="t"/>
-    </dgm:scene3d>
-    <dgm:sp3d/>
-    <dgm:txPr/>
-    <dgm:style>
-      <a:lnRef idx="1">
-        <a:scrgbClr r="0" g="0" b="0"/>
-      </a:lnRef>
-      <a:fillRef idx="1">
-        <a:scrgbClr r="0" g="0" b="0"/>
-      </a:fillRef>
-      <a:effectRef idx="2">
-        <a:scrgbClr r="0" g="0" b="0"/>
-      </a:effectRef>
-      <a:fontRef idx="minor"/>
-    </dgm:style>
-  </dgm:styleLbl>
-  <dgm:styleLbl name="fgAcc2">
-    <dgm:scene3d>
-      <a:camera prst="orthographicFront"/>
-      <a:lightRig rig="threePt" dir="t"/>
-    </dgm:scene3d>
-    <dgm:sp3d/>
-    <dgm:txPr/>
-    <dgm:style>
-      <a:lnRef idx="1">
-        <a:scrgbClr r="0" g="0" b="0"/>
-      </a:lnRef>
-      <a:fillRef idx="1">
-        <a:scrgbClr r="0" g="0" b="0"/>
-      </a:fillRef>
-      <a:effectRef idx="2">
-        <a:scrgbClr r="0" g="0" b="0"/>
-      </a:effectRef>
-      <a:fontRef idx="minor"/>
-    </dgm:style>
-  </dgm:styleLbl>
-  <dgm:styleLbl name="fgAcc3">
-    <dgm:scene3d>
-      <a:camera prst="orthographicFront"/>
-      <a:lightRig rig="threePt" dir="t"/>
-    </dgm:scene3d>
-    <dgm:sp3d/>
-    <dgm:txPr/>
-    <dgm:style>
-      <a:lnRef idx="1">
-        <a:scrgbClr r="0" g="0" b="0"/>
-      </a:lnRef>
-      <a:fillRef idx="1">
-        <a:scrgbClr r="0" g="0" b="0"/>
-      </a:fillRef>
-      <a:effectRef idx="2">
-        <a:scrgbClr r="0" g="0" b="0"/>
-      </a:effectRef>
-      <a:fontRef idx="minor"/>
-    </dgm:style>
-  </dgm:styleLbl>
-  <dgm:styleLbl name="fgAcc4">
-    <dgm:scene3d>
-      <a:camera prst="orthographicFront"/>
-      <a:lightRig rig="threePt" dir="t"/>
-    </dgm:scene3d>
-    <dgm:sp3d/>
-    <dgm:txPr/>
-    <dgm:style>
-      <a:lnRef idx="1">
-        <a:scrgbClr r="0" g="0" b="0"/>
-      </a:lnRef>
-      <a:fillRef idx="1">
-        <a:scrgbClr r="0" g="0" b="0"/>
-      </a:fillRef>
-      <a:effectRef idx="2">
-        <a:scrgbClr r="0" g="0" b="0"/>
-      </a:effectRef>
-      <a:fontRef idx="minor"/>
-    </dgm:style>
-  </dgm:styleLbl>
-  <dgm:styleLbl name="bgShp">
-    <dgm:scene3d>
-      <a:camera prst="orthographicFront"/>
-      <a:lightRig rig="threePt" dir="t"/>
-    </dgm:scene3d>
-    <dgm:sp3d/>
-    <dgm:txPr/>
-    <dgm:style>
-      <a:lnRef idx="0">
-        <a:scrgbClr r="0" g="0" b="0"/>
-      </a:lnRef>
-      <a:fillRef idx="1">
-        <a:scrgbClr r="0" g="0" b="0"/>
-      </a:fillRef>
-      <a:effectRef idx="2">
-        <a:scrgbClr r="0" g="0" b="0"/>
-      </a:effectRef>
-      <a:fontRef idx="minor"/>
-    </dgm:style>
-  </dgm:styleLbl>
-  <dgm:styleLbl name="dkBgShp">
-    <dgm:scene3d>
-      <a:camera prst="orthographicFront"/>
-      <a:lightRig rig="threePt" dir="t"/>
-    </dgm:scene3d>
-    <dgm:sp3d/>
-    <dgm:txPr/>
-    <dgm:style>
-      <a:lnRef idx="0">
-        <a:scrgbClr r="0" g="0" b="0"/>
-      </a:lnRef>
-      <a:fillRef idx="1">
-        <a:scrgbClr r="0" g="0" b="0"/>
-      </a:fillRef>
-      <a:effectRef idx="3">
-        <a:scrgbClr r="0" g="0" b="0"/>
-      </a:effectRef>
-      <a:fontRef idx="minor"/>
-    </dgm:style>
-  </dgm:styleLbl>
-  <dgm:styleLbl name="trBgShp">
-    <dgm:scene3d>
-      <a:camera prst="orthographicFront"/>
-      <a:lightRig rig="threePt" dir="t"/>
-    </dgm:scene3d>
-    <dgm:sp3d/>
-    <dgm:txPr/>
-    <dgm:style>
-      <a:lnRef idx="0">
-        <a:scrgbClr r="0" g="0" b="0"/>
-      </a:lnRef>
-      <a:fillRef idx="1">
-        <a:scrgbClr r="0" g="0" b="0"/>
-      </a:fillRef>
-      <a:effectRef idx="0">
-        <a:scrgbClr r="0" g="0" b="0"/>
-      </a:effectRef>
-      <a:fontRef idx="minor"/>
-    </dgm:style>
-  </dgm:styleLbl>
-  <dgm:styleLbl name="fgShp">
-    <dgm:scene3d>
-      <a:camera prst="orthographicFront"/>
-      <a:lightRig rig="threePt" dir="t"/>
-    </dgm:scene3d>
-    <dgm:sp3d/>
-    <dgm:txPr/>
-    <dgm:style>
-      <a:lnRef idx="0">
-        <a:scrgbClr r="0" g="0" b="0"/>
-      </a:lnRef>
-      <a:fillRef idx="3">
-        <a:scrgbClr r="0" g="0" b="0"/>
-      </a:fillRef>
-      <a:effectRef idx="3">
-        <a:scrgbClr r="0" g="0" b="0"/>
-      </a:effectRef>
-      <a:fontRef idx="minor"/>
-    </dgm:style>
-  </dgm:styleLbl>
-  <dgm:styleLbl name="revTx">
-    <dgm:scene3d>
-      <a:camera prst="orthographicFront"/>
-      <a:lightRig rig="threePt" dir="t"/>
-    </dgm:scene3d>
-    <dgm:sp3d/>
-    <dgm:txPr/>
-    <dgm:style>
-      <a:lnRef idx="0">
-        <a:scrgbClr r="0" g="0" b="0"/>
-      </a:lnRef>
-      <a:fillRef idx="0">
-        <a:scrgbClr r="0" g="0" b="0"/>
-      </a:fillRef>
-      <a:effectRef idx="0">
-        <a:scrgbClr r="0" g="0" b="0"/>
-      </a:effectRef>
-      <a:fontRef idx="minor"/>
-    </dgm:style>
-  </dgm:styleLbl>
-</dgm:styleDef>
-</file>
-
-<file path=ppt/diagrams/quickStyle4.xml><?xml version="1.0" encoding="utf-8"?>
-<dgm:styleDef xmlns:dgm="http://schemas.openxmlformats.org/drawingml/2006/diagram" xmlns:a="http://schemas.openxmlformats.org/drawingml/2006/main" uniqueId="urn:microsoft.com/office/officeart/2005/8/quickstyle/simple5">
-  <dgm:title val=""/>
-  <dgm:desc val=""/>
-  <dgm:catLst>
-    <dgm:cat type="simple" pri="10500"/>
-  </dgm:catLst>
-  <dgm:scene3d>
-    <a:camera prst="orthographicFront"/>
-    <a:lightRig rig="threePt" dir="t"/>
-  </dgm:scene3d>
-  <dgm:styleLbl name="node0">
-    <dgm:scene3d>
-      <a:camera prst="orthographicFront"/>
-      <a:lightRig rig="threePt" dir="t"/>
-    </dgm:scene3d>
-    <dgm:sp3d/>
-    <dgm:txPr/>
-    <dgm:style>
-      <a:lnRef idx="0">
-        <a:scrgbClr r="0" g="0" b="0"/>
-      </a:lnRef>
-      <a:fillRef idx="3">
-        <a:scrgbClr r="0" g="0" b="0"/>
-      </a:fillRef>
-      <a:effectRef idx="3">
-        <a:scrgbClr r="0" g="0" b="0"/>
-      </a:effectRef>
-      <a:fontRef idx="minor">
-        <a:schemeClr val="lt1"/>
-      </a:fontRef>
-    </dgm:style>
-  </dgm:styleLbl>
-  <dgm:styleLbl name="lnNode1">
-    <dgm:scene3d>
-      <a:camera prst="orthographicFront"/>
-      <a:lightRig rig="threePt" dir="t"/>
-    </dgm:scene3d>
-    <dgm:sp3d/>
-    <dgm:txPr/>
-    <dgm:style>
-      <a:lnRef idx="0">
-        <a:scrgbClr r="0" g="0" b="0"/>
-      </a:lnRef>
-      <a:fillRef idx="3">
-        <a:scrgbClr r="0" g="0" b="0"/>
-      </a:fillRef>
-      <a:effectRef idx="3">
-        <a:scrgbClr r="0" g="0" b="0"/>
-      </a:effectRef>
-      <a:fontRef idx="minor">
-        <a:schemeClr val="lt1"/>
-      </a:fontRef>
-    </dgm:style>
-  </dgm:styleLbl>
-  <dgm:styleLbl name="vennNode1">
-    <dgm:scene3d>
-      <a:camera prst="orthographicFront"/>
-      <a:lightRig rig="threePt" dir="t"/>
-    </dgm:scene3d>
-    <dgm:sp3d/>
-    <dgm:txPr/>
-    <dgm:style>
-      <a:lnRef idx="0">
-        <a:scrgbClr r="0" g="0" b="0"/>
-      </a:lnRef>
-      <a:fillRef idx="3">
-        <a:scrgbClr r="0" g="0" b="0"/>
-      </a:fillRef>
-      <a:effectRef idx="3">
-        <a:scrgbClr r="0" g="0" b="0"/>
-      </a:effectRef>
-      <a:fontRef idx="minor">
-        <a:schemeClr val="tx1"/>
-      </a:fontRef>
-    </dgm:style>
-  </dgm:styleLbl>
-  <dgm:styleLbl name="alignNode1">
-    <dgm:scene3d>
-      <a:camera prst="orthographicFront"/>
-      <a:lightRig rig="threePt" dir="t"/>
-    </dgm:scene3d>
-    <dgm:sp3d/>
-    <dgm:txPr/>
-    <dgm:style>
-      <a:lnRef idx="1">
-        <a:scrgbClr r="0" g="0" b="0"/>
-      </a:lnRef>
-      <a:fillRef idx="3">
-        <a:scrgbClr r="0" g="0" b="0"/>
-      </a:fillRef>
-      <a:effectRef idx="3">
-        <a:scrgbClr r="0" g="0" b="0"/>
-      </a:effectRef>
-      <a:fontRef idx="minor">
-        <a:schemeClr val="lt1"/>
-      </a:fontRef>
-    </dgm:style>
-  </dgm:styleLbl>
-  <dgm:styleLbl name="node1">
-    <dgm:scene3d>
-      <a:camera prst="orthographicFront"/>
-      <a:lightRig rig="threePt" dir="t"/>
-    </dgm:scene3d>
-    <dgm:sp3d/>
-    <dgm:txPr/>
-    <dgm:style>
-      <a:lnRef idx="0">
-        <a:scrgbClr r="0" g="0" b="0"/>
-      </a:lnRef>
-      <a:fillRef idx="3">
-        <a:scrgbClr r="0" g="0" b="0"/>
-      </a:fillRef>
-      <a:effectRef idx="3">
-        <a:scrgbClr r="0" g="0" b="0"/>
-      </a:effectRef>
-      <a:fontRef idx="minor">
-        <a:schemeClr val="lt1"/>
-      </a:fontRef>
-    </dgm:style>
-  </dgm:styleLbl>
-  <dgm:styleLbl name="node2">
-    <dgm:scene3d>
-      <a:camera prst="orthographicFront"/>
-      <a:lightRig rig="threePt" dir="t"/>
-    </dgm:scene3d>
-    <dgm:sp3d/>
-    <dgm:txPr/>
-    <dgm:style>
-      <a:lnRef idx="0">
-        <a:scrgbClr r="0" g="0" b="0"/>
-      </a:lnRef>
-      <a:fillRef idx="3">
-        <a:scrgbClr r="0" g="0" b="0"/>
-      </a:fillRef>
-      <a:effectRef idx="3">
-        <a:scrgbClr r="0" g="0" b="0"/>
-      </a:effectRef>
-      <a:fontRef idx="minor">
-        <a:schemeClr val="lt1"/>
-      </a:fontRef>
-    </dgm:style>
-  </dgm:styleLbl>
-  <dgm:styleLbl name="node3">
-    <dgm:scene3d>
-      <a:camera prst="orthographicFront"/>
-      <a:lightRig rig="threePt" dir="t"/>
-    </dgm:scene3d>
-    <dgm:sp3d/>
-    <dgm:txPr/>
-    <dgm:style>
-      <a:lnRef idx="0">
-        <a:scrgbClr r="0" g="0" b="0"/>
-      </a:lnRef>
-      <a:fillRef idx="3">
-        <a:scrgbClr r="0" g="0" b="0"/>
-      </a:fillRef>
-      <a:effectRef idx="3">
-        <a:scrgbClr r="0" g="0" b="0"/>
-      </a:effectRef>
-      <a:fontRef idx="minor">
-        <a:schemeClr val="lt1"/>
-      </a:fontRef>
-    </dgm:style>
-  </dgm:styleLbl>
-  <dgm:styleLbl name="node4">
-    <dgm:scene3d>
-      <a:camera prst="orthographicFront"/>
-      <a:lightRig rig="threePt" dir="t"/>
-    </dgm:scene3d>
-    <dgm:sp3d/>
-    <dgm:txPr/>
-    <dgm:style>
-      <a:lnRef idx="0">
-        <a:scrgbClr r="0" g="0" b="0"/>
-      </a:lnRef>
-      <a:fillRef idx="3">
-        <a:scrgbClr r="0" g="0" b="0"/>
-      </a:fillRef>
-      <a:effectRef idx="3">
-        <a:scrgbClr r="0" g="0" b="0"/>
-      </a:effectRef>
-      <a:fontRef idx="minor">
-        <a:schemeClr val="lt1"/>
-      </a:fontRef>
-    </dgm:style>
-  </dgm:styleLbl>
-  <dgm:styleLbl name="fgImgPlace1">
-    <dgm:scene3d>
-      <a:camera prst="orthographicFront"/>
-      <a:lightRig rig="threePt" dir="t"/>
-    </dgm:scene3d>
-    <dgm:sp3d/>
-    <dgm:txPr/>
-    <dgm:style>
-      <a:lnRef idx="0">
-        <a:scrgbClr r="0" g="0" b="0"/>
-      </a:lnRef>
-      <a:fillRef idx="1">
-        <a:scrgbClr r="0" g="0" b="0"/>
-      </a:fillRef>
-      <a:effectRef idx="3">
-        <a:scrgbClr r="0" g="0" b="0"/>
-      </a:effectRef>
-      <a:fontRef idx="minor"/>
-    </dgm:style>
-  </dgm:styleLbl>
-  <dgm:styleLbl name="alignImgPlace1">
-    <dgm:scene3d>
-      <a:camera prst="orthographicFront"/>
-      <a:lightRig rig="threePt" dir="t"/>
-    </dgm:scene3d>
-    <dgm:sp3d/>
-    <dgm:txPr/>
-    <dgm:style>
-      <a:lnRef idx="0">
-        <a:scrgbClr r="0" g="0" b="0"/>
-      </a:lnRef>
-      <a:fillRef idx="1">
-        <a:scrgbClr r="0" g="0" b="0"/>
-      </a:fillRef>
-      <a:effectRef idx="3">
-        <a:scrgbClr r="0" g="0" b="0"/>
-      </a:effectRef>
-      <a:fontRef idx="minor"/>
-    </dgm:style>
-  </dgm:styleLbl>
-  <dgm:styleLbl name="bgImgPlace1">
-    <dgm:scene3d>
-      <a:camera prst="orthographicFront"/>
-      <a:lightRig rig="threePt" dir="t"/>
-    </dgm:scene3d>
-    <dgm:sp3d/>
-    <dgm:txPr/>
-    <dgm:style>
-      <a:lnRef idx="0">
-        <a:scrgbClr r="0" g="0" b="0"/>
-      </a:lnRef>
-      <a:fillRef idx="1">
-        <a:scrgbClr r="0" g="0" b="0"/>
-      </a:fillRef>
-      <a:effectRef idx="3">
-        <a:scrgbClr r="0" g="0" b="0"/>
-      </a:effectRef>
-      <a:fontRef idx="minor"/>
-    </dgm:style>
-  </dgm:styleLbl>
-  <dgm:styleLbl name="sibTrans2D1">
-    <dgm:scene3d>
-      <a:camera prst="orthographicFront"/>
-      <a:lightRig rig="threePt" dir="t"/>
-    </dgm:scene3d>
-    <dgm:sp3d/>
-    <dgm:txPr/>
-    <dgm:style>
-      <a:lnRef idx="0">
-        <a:scrgbClr r="0" g="0" b="0"/>
-      </a:lnRef>
-      <a:fillRef idx="3">
-        <a:scrgbClr r="0" g="0" b="0"/>
-      </a:fillRef>
-      <a:effectRef idx="3">
-        <a:scrgbClr r="0" g="0" b="0"/>
-      </a:effectRef>
-      <a:fontRef idx="minor">
-        <a:schemeClr val="lt1"/>
-      </a:fontRef>
-    </dgm:style>
-  </dgm:styleLbl>
-  <dgm:styleLbl name="fgSibTrans2D1">
-    <dgm:scene3d>
-      <a:camera prst="orthographicFront"/>
-      <a:lightRig rig="threePt" dir="t"/>
-    </dgm:scene3d>
-    <dgm:sp3d/>
-    <dgm:txPr/>
-    <dgm:style>
-      <a:lnRef idx="0">
-        <a:scrgbClr r="0" g="0" b="0"/>
-      </a:lnRef>
-      <a:fillRef idx="3">
-        <a:scrgbClr r="0" g="0" b="0"/>
-      </a:fillRef>
-      <a:effectRef idx="3">
-        <a:scrgbClr r="0" g="0" b="0"/>
-      </a:effectRef>
-      <a:fontRef idx="minor">
-        <a:schemeClr val="lt1"/>
-      </a:fontRef>
-    </dgm:style>
-  </dgm:styleLbl>
-  <dgm:styleLbl name="bgSibTrans2D1">
-    <dgm:scene3d>
-      <a:camera prst="orthographicFront"/>
-      <a:lightRig rig="threePt" dir="t"/>
-    </dgm:scene3d>
-    <dgm:sp3d/>
-    <dgm:txPr/>
-    <dgm:style>
-      <a:lnRef idx="0">
-        <a:scrgbClr r="0" g="0" b="0"/>
-      </a:lnRef>
-      <a:fillRef idx="3">
-        <a:scrgbClr r="0" g="0" b="0"/>
-      </a:fillRef>
-      <a:effectRef idx="3">
-        <a:scrgbClr r="0" g="0" b="0"/>
-      </a:effectRef>
-      <a:fontRef idx="minor">
-        <a:schemeClr val="lt1"/>
-      </a:fontRef>
-    </dgm:style>
-  </dgm:styleLbl>
-  <dgm:styleLbl name="sibTrans1D1">
-    <dgm:scene3d>
-      <a:camera prst="orthographicFront"/>
-      <a:lightRig rig="threePt" dir="t"/>
-    </dgm:scene3d>
-    <dgm:sp3d/>
-    <dgm:txPr/>
-    <dgm:style>
-      <a:lnRef idx="1">
-        <a:scrgbClr r="0" g="0" b="0"/>
-      </a:lnRef>
-      <a:fillRef idx="0">
-        <a:scrgbClr r="0" g="0" b="0"/>
-      </a:fillRef>
-      <a:effectRef idx="0">
-        <a:scrgbClr r="0" g="0" b="0"/>
-      </a:effectRef>
-      <a:fontRef idx="minor"/>
-    </dgm:style>
-  </dgm:styleLbl>
-  <dgm:styleLbl name="callout">
-    <dgm:scene3d>
-      <a:camera prst="orthographicFront"/>
-      <a:lightRig rig="threePt" dir="t"/>
-    </dgm:scene3d>
-    <dgm:sp3d/>
-    <dgm:txPr/>
-    <dgm:style>
-      <a:lnRef idx="1">
-        <a:scrgbClr r="0" g="0" b="0"/>
-      </a:lnRef>
-      <a:fillRef idx="0">
-        <a:scrgbClr r="0" g="0" b="0"/>
-      </a:fillRef>
-      <a:effectRef idx="1">
-        <a:scrgbClr r="0" g="0" b="0"/>
-      </a:effectRef>
-      <a:fontRef idx="minor"/>
-    </dgm:style>
-  </dgm:styleLbl>
-  <dgm:styleLbl name="asst0">
-    <dgm:scene3d>
-      <a:camera prst="orthographicFront"/>
-      <a:lightRig rig="threePt" dir="t"/>
-    </dgm:scene3d>
-    <dgm:sp3d/>
-    <dgm:txPr/>
-    <dgm:style>
-      <a:lnRef idx="0">
-        <a:scrgbClr r="0" g="0" b="0"/>
-      </a:lnRef>
-      <a:fillRef idx="3">
-        <a:scrgbClr r="0" g="0" b="0"/>
-      </a:fillRef>
-      <a:effectRef idx="3">
-        <a:scrgbClr r="0" g="0" b="0"/>
-      </a:effectRef>
-      <a:fontRef idx="minor">
-        <a:schemeClr val="lt1"/>
-      </a:fontRef>
-    </dgm:style>
-  </dgm:styleLbl>
-  <dgm:styleLbl name="asst1">
-    <dgm:scene3d>
-      <a:camera prst="orthographicFront"/>
-      <a:lightRig rig="threePt" dir="t"/>
-    </dgm:scene3d>
-    <dgm:sp3d/>
-    <dgm:txPr/>
-    <dgm:style>
-      <a:lnRef idx="0">
-        <a:scrgbClr r="0" g="0" b="0"/>
-      </a:lnRef>
-      <a:fillRef idx="3">
-        <a:scrgbClr r="0" g="0" b="0"/>
-      </a:fillRef>
-      <a:effectRef idx="3">
-        <a:scrgbClr r="0" g="0" b="0"/>
-      </a:effectRef>
-      <a:fontRef idx="minor">
-        <a:schemeClr val="lt1"/>
-      </a:fontRef>
-    </dgm:style>
-  </dgm:styleLbl>
-  <dgm:styleLbl name="asst2">
-    <dgm:scene3d>
-      <a:camera prst="orthographicFront"/>
-      <a:lightRig rig="threePt" dir="t"/>
-    </dgm:scene3d>
-    <dgm:sp3d/>
-    <dgm:txPr/>
-    <dgm:style>
-      <a:lnRef idx="0">
-        <a:scrgbClr r="0" g="0" b="0"/>
-      </a:lnRef>
-      <a:fillRef idx="3">
-        <a:scrgbClr r="0" g="0" b="0"/>
-      </a:fillRef>
-      <a:effectRef idx="3">
-        <a:scrgbClr r="0" g="0" b="0"/>
-      </a:effectRef>
-      <a:fontRef idx="minor">
-        <a:schemeClr val="lt1"/>
-      </a:fontRef>
-    </dgm:style>
-  </dgm:styleLbl>
-  <dgm:styleLbl name="asst3">
-    <dgm:scene3d>
-      <a:camera prst="orthographicFront"/>
-      <a:lightRig rig="threePt" dir="t"/>
-    </dgm:scene3d>
-    <dgm:sp3d/>
-    <dgm:txPr/>
-    <dgm:style>
-      <a:lnRef idx="0">
-        <a:scrgbClr r="0" g="0" b="0"/>
-      </a:lnRef>
-      <a:fillRef idx="3">
-        <a:scrgbClr r="0" g="0" b="0"/>
-      </a:fillRef>
-      <a:effectRef idx="3">
-        <a:scrgbClr r="0" g="0" b="0"/>
-      </a:effectRef>
-      <a:fontRef idx="minor">
-        <a:schemeClr val="lt1"/>
-      </a:fontRef>
-    </dgm:style>
-  </dgm:styleLbl>
-  <dgm:styleLbl name="asst4">
-    <dgm:scene3d>
-      <a:camera prst="orthographicFront"/>
-      <a:lightRig rig="threePt" dir="t"/>
-    </dgm:scene3d>
-    <dgm:sp3d/>
-    <dgm:txPr/>
-    <dgm:style>
-      <a:lnRef idx="0">
-        <a:scrgbClr r="0" g="0" b="0"/>
-      </a:lnRef>
-      <a:fillRef idx="3">
-        <a:scrgbClr r="0" g="0" b="0"/>
-      </a:fillRef>
-      <a:effectRef idx="3">
-        <a:scrgbClr r="0" g="0" b="0"/>
-      </a:effectRef>
-      <a:fontRef idx="minor">
-        <a:schemeClr val="lt1"/>
-      </a:fontRef>
-    </dgm:style>
-  </dgm:styleLbl>
-  <dgm:styleLbl name="parChTrans2D1">
-    <dgm:scene3d>
-      <a:camera prst="orthographicFront"/>
-      <a:lightRig rig="threePt" dir="t"/>
-    </dgm:scene3d>
-    <dgm:sp3d/>
-    <dgm:txPr/>
-    <dgm:style>
-      <a:lnRef idx="0">
-        <a:scrgbClr r="0" g="0" b="0"/>
-      </a:lnRef>
-      <a:fillRef idx="3">
-        <a:scrgbClr r="0" g="0" b="0"/>
-      </a:fillRef>
-      <a:effectRef idx="3">
-        <a:scrgbClr r="0" g="0" b="0"/>
-      </a:effectRef>
-      <a:fontRef idx="minor">
-        <a:schemeClr val="lt1"/>
-      </a:fontRef>
-    </dgm:style>
-  </dgm:styleLbl>
-  <dgm:styleLbl name="parChTrans2D2">
-    <dgm:scene3d>
-      <a:camera prst="orthographicFront"/>
-      <a:lightRig rig="threePt" dir="t"/>
-    </dgm:scene3d>
-    <dgm:sp3d/>
-    <dgm:txPr/>
-    <dgm:style>
-      <a:lnRef idx="0">
-        <a:scrgbClr r="0" g="0" b="0"/>
-      </a:lnRef>
-      <a:fillRef idx="3">
-        <a:scrgbClr r="0" g="0" b="0"/>
-      </a:fillRef>
-      <a:effectRef idx="3">
-        <a:scrgbClr r="0" g="0" b="0"/>
-      </a:effectRef>
-      <a:fontRef idx="minor">
-        <a:schemeClr val="lt1"/>
-      </a:fontRef>
-    </dgm:style>
-  </dgm:styleLbl>
-  <dgm:styleLbl name="parChTrans2D3">
-    <dgm:scene3d>
-      <a:camera prst="orthographicFront"/>
-      <a:lightRig rig="threePt" dir="t"/>
-    </dgm:scene3d>
-    <dgm:sp3d/>
-    <dgm:txPr/>
-    <dgm:style>
-      <a:lnRef idx="0">
-        <a:scrgbClr r="0" g="0" b="0"/>
-      </a:lnRef>
-      <a:fillRef idx="3">
-        <a:scrgbClr r="0" g="0" b="0"/>
-      </a:fillRef>
-      <a:effectRef idx="3">
-        <a:scrgbClr r="0" g="0" b="0"/>
-      </a:effectRef>
-      <a:fontRef idx="minor">
-        <a:schemeClr val="lt1"/>
-      </a:fontRef>
-    </dgm:style>
-  </dgm:styleLbl>
-  <dgm:styleLbl name="parChTrans2D4">
-    <dgm:scene3d>
-      <a:camera prst="orthographicFront"/>
-      <a:lightRig rig="threePt" dir="t"/>
-    </dgm:scene3d>
-    <dgm:sp3d/>
-    <dgm:txPr/>
-    <dgm:style>
-      <a:lnRef idx="0">
-        <a:scrgbClr r="0" g="0" b="0"/>
-      </a:lnRef>
-      <a:fillRef idx="3">
-        <a:scrgbClr r="0" g="0" b="0"/>
-      </a:fillRef>
-      <a:effectRef idx="3">
-        <a:scrgbClr r="0" g="0" b="0"/>
-      </a:effectRef>
-      <a:fontRef idx="minor">
-        <a:schemeClr val="lt1"/>
-      </a:fontRef>
-    </dgm:style>
-  </dgm:styleLbl>
-  <dgm:styleLbl name="parChTrans1D1">
-    <dgm:scene3d>
-      <a:camera prst="orthographicFront"/>
-      <a:lightRig rig="threePt" dir="t"/>
-    </dgm:scene3d>
-    <dgm:sp3d/>
-    <dgm:txPr/>
-    <dgm:style>
-      <a:lnRef idx="2">
-        <a:scrgbClr r="0" g="0" b="0"/>
-      </a:lnRef>
-      <a:fillRef idx="0">
-        <a:scrgbClr r="0" g="0" b="0"/>
-      </a:fillRef>
-      <a:effectRef idx="0">
-        <a:scrgbClr r="0" g="0" b="0"/>
-      </a:effectRef>
-      <a:fontRef idx="minor"/>
-    </dgm:style>
-  </dgm:styleLbl>
-  <dgm:styleLbl name="parChTrans1D2">
-    <dgm:scene3d>
-      <a:camera prst="orthographicFront"/>
-      <a:lightRig rig="threePt" dir="t"/>
-    </dgm:scene3d>
-    <dgm:sp3d/>
-    <dgm:txPr/>
-    <dgm:style>
-      <a:lnRef idx="2">
-        <a:scrgbClr r="0" g="0" b="0"/>
-      </a:lnRef>
-      <a:fillRef idx="0">
-        <a:scrgbClr r="0" g="0" b="0"/>
-      </a:fillRef>
-      <a:effectRef idx="0">
-        <a:scrgbClr r="0" g="0" b="0"/>
-      </a:effectRef>
-      <a:fontRef idx="minor"/>
-    </dgm:style>
-  </dgm:styleLbl>
-  <dgm:styleLbl name="parChTrans1D3">
-    <dgm:scene3d>
-      <a:camera prst="orthographicFront"/>
-      <a:lightRig rig="threePt" dir="t"/>
-    </dgm:scene3d>
-    <dgm:sp3d/>
-    <dgm:txPr/>
-    <dgm:style>
-      <a:lnRef idx="2">
-        <a:scrgbClr r="0" g="0" b="0"/>
-      </a:lnRef>
-      <a:fillRef idx="0">
-        <a:scrgbClr r="0" g="0" b="0"/>
-      </a:fillRef>
-      <a:effectRef idx="0">
-        <a:scrgbClr r="0" g="0" b="0"/>
-      </a:effectRef>
-      <a:fontRef idx="minor"/>
-    </dgm:style>
-  </dgm:styleLbl>
-  <dgm:styleLbl name="parChTrans1D4">
-    <dgm:scene3d>
-      <a:camera prst="orthographicFront"/>
-      <a:lightRig rig="threePt" dir="t"/>
-    </dgm:scene3d>
-    <dgm:sp3d/>
-    <dgm:txPr/>
-    <dgm:style>
-      <a:lnRef idx="2">
-        <a:scrgbClr r="0" g="0" b="0"/>
-      </a:lnRef>
-      <a:fillRef idx="0">
-        <a:scrgbClr r="0" g="0" b="0"/>
-      </a:fillRef>
-      <a:effectRef idx="0">
-        <a:scrgbClr r="0" g="0" b="0"/>
-      </a:effectRef>
-      <a:fontRef idx="minor"/>
-    </dgm:style>
-  </dgm:styleLbl>
-  <dgm:styleLbl name="fgAcc1">
-    <dgm:scene3d>
-      <a:camera prst="orthographicFront"/>
-      <a:lightRig rig="threePt" dir="t"/>
-    </dgm:scene3d>
-    <dgm:sp3d/>
-    <dgm:txPr/>
-    <dgm:style>
-      <a:lnRef idx="1">
-        <a:scrgbClr r="0" g="0" b="0"/>
-      </a:lnRef>
-      <a:fillRef idx="1">
-        <a:scrgbClr r="0" g="0" b="0"/>
-      </a:fillRef>
-      <a:effectRef idx="2">
-        <a:scrgbClr r="0" g="0" b="0"/>
-      </a:effectRef>
-      <a:fontRef idx="minor"/>
-    </dgm:style>
-  </dgm:styleLbl>
-  <dgm:styleLbl name="conFgAcc1">
-    <dgm:scene3d>
-      <a:camera prst="orthographicFront"/>
-      <a:lightRig rig="threePt" dir="t"/>
-    </dgm:scene3d>
-    <dgm:sp3d/>
-    <dgm:txPr/>
-    <dgm:style>
-      <a:lnRef idx="1">
-        <a:scrgbClr r="0" g="0" b="0"/>
-      </a:lnRef>
-      <a:fillRef idx="1">
-        <a:scrgbClr r="0" g="0" b="0"/>
-      </a:fillRef>
-      <a:effectRef idx="2">
-        <a:scrgbClr r="0" g="0" b="0"/>
-      </a:effectRef>
-      <a:fontRef idx="minor"/>
-    </dgm:style>
-  </dgm:styleLbl>
-  <dgm:styleLbl name="alignAcc1">
-    <dgm:scene3d>
-      <a:camera prst="orthographicFront"/>
-      <a:lightRig rig="threePt" dir="t"/>
-    </dgm:scene3d>
-    <dgm:sp3d/>
-    <dgm:txPr/>
-    <dgm:style>
-      <a:lnRef idx="1">
-        <a:scrgbClr r="0" g="0" b="0"/>
-      </a:lnRef>
-      <a:fillRef idx="1">
-        <a:scrgbClr r="0" g="0" b="0"/>
-      </a:fillRef>
-      <a:effectRef idx="2">
-        <a:scrgbClr r="0" g="0" b="0"/>
-      </a:effectRef>
-      <a:fontRef idx="minor"/>
-    </dgm:style>
-  </dgm:styleLbl>
-  <dgm:styleLbl name="trAlignAcc1">
-    <dgm:scene3d>
-      <a:camera prst="orthographicFront"/>
-      <a:lightRig rig="threePt" dir="t"/>
-    </dgm:scene3d>
-    <dgm:sp3d/>
-    <dgm:txPr/>
-    <dgm:style>
-      <a:lnRef idx="1">
-        <a:scrgbClr r="0" g="0" b="0"/>
-      </a:lnRef>
-      <a:fillRef idx="1">
-        <a:scrgbClr r="0" g="0" b="0"/>
-      </a:fillRef>
-      <a:effectRef idx="0">
-        <a:scrgbClr r="0" g="0" b="0"/>
-      </a:effectRef>
-      <a:fontRef idx="minor"/>
-    </dgm:style>
-  </dgm:styleLbl>
-  <dgm:styleLbl name="bgAcc1">
-    <dgm:scene3d>
-      <a:camera prst="orthographicFront"/>
-      <a:lightRig rig="threePt" dir="t"/>
-    </dgm:scene3d>
-    <dgm:sp3d/>
-    <dgm:txPr/>
-    <dgm:style>
-      <a:lnRef idx="1">
-        <a:scrgbClr r="0" g="0" b="0"/>
-      </a:lnRef>
-      <a:fillRef idx="1">
-        <a:scrgbClr r="0" g="0" b="0"/>
-      </a:fillRef>
-      <a:effectRef idx="2">
-        <a:scrgbClr r="0" g="0" b="0"/>
-      </a:effectRef>
-      <a:fontRef idx="minor"/>
-    </dgm:style>
-  </dgm:styleLbl>
-  <dgm:styleLbl name="solidFgAcc1">
-    <dgm:scene3d>
-      <a:camera prst="orthographicFront"/>
-      <a:lightRig rig="threePt" dir="t"/>
-    </dgm:scene3d>
-    <dgm:sp3d/>
-    <dgm:txPr/>
-    <dgm:style>
-      <a:lnRef idx="1">
-        <a:scrgbClr r="0" g="0" b="0"/>
-      </a:lnRef>
-      <a:fillRef idx="1">
-        <a:scrgbClr r="0" g="0" b="0"/>
-      </a:fillRef>
-      <a:effectRef idx="2">
-        <a:scrgbClr r="0" g="0" b="0"/>
-      </a:effectRef>
-      <a:fontRef idx="minor"/>
-    </dgm:style>
-  </dgm:styleLbl>
-  <dgm:styleLbl name="solidAlignAcc1">
-    <dgm:scene3d>
-      <a:camera prst="orthographicFront"/>
-      <a:lightRig rig="threePt" dir="t"/>
-    </dgm:scene3d>
-    <dgm:sp3d/>
-    <dgm:txPr/>
-    <dgm:style>
-      <a:lnRef idx="1">
-        <a:scrgbClr r="0" g="0" b="0"/>
-      </a:lnRef>
-      <a:fillRef idx="1">
-        <a:scrgbClr r="0" g="0" b="0"/>
-      </a:fillRef>
-      <a:effectRef idx="3">
-        <a:scrgbClr r="0" g="0" b="0"/>
-      </a:effectRef>
-      <a:fontRef idx="minor"/>
-    </dgm:style>
-  </dgm:styleLbl>
-  <dgm:styleLbl name="solidBgAcc1">
-    <dgm:scene3d>
-      <a:camera prst="orthographicFront"/>
-      <a:lightRig rig="threePt" dir="t"/>
-    </dgm:scene3d>
-    <dgm:sp3d/>
-    <dgm:txPr/>
-    <dgm:style>
-      <a:lnRef idx="1">
-        <a:scrgbClr r="0" g="0" b="0"/>
-      </a:lnRef>
-      <a:fillRef idx="1">
-        <a:scrgbClr r="0" g="0" b="0"/>
-      </a:fillRef>
-      <a:effectRef idx="3">
-        <a:scrgbClr r="0" g="0" b="0"/>
-      </a:effectRef>
-      <a:fontRef idx="minor"/>
-    </dgm:style>
-  </dgm:styleLbl>
-  <dgm:styleLbl name="fgAccFollowNode1">
-    <dgm:scene3d>
-      <a:camera prst="orthographicFront"/>
-      <a:lightRig rig="threePt" dir="t"/>
-    </dgm:scene3d>
-    <dgm:sp3d/>
-    <dgm:txPr/>
-    <dgm:style>
-      <a:lnRef idx="1">
-        <a:scrgbClr r="0" g="0" b="0"/>
-      </a:lnRef>
-      <a:fillRef idx="1">
-        <a:scrgbClr r="0" g="0" b="0"/>
-      </a:fillRef>
-      <a:effectRef idx="2">
-        <a:scrgbClr r="0" g="0" b="0"/>
-      </a:effectRef>
-      <a:fontRef idx="minor"/>
-    </dgm:style>
-  </dgm:styleLbl>
-  <dgm:styleLbl name="alignAccFollowNode1">
-    <dgm:scene3d>
-      <a:camera prst="orthographicFront"/>
-      <a:lightRig rig="threePt" dir="t"/>
-    </dgm:scene3d>
-    <dgm:sp3d/>
-    <dgm:txPr/>
-    <dgm:style>
-      <a:lnRef idx="1">
-        <a:scrgbClr r="0" g="0" b="0"/>
-      </a:lnRef>
-      <a:fillRef idx="1">
-        <a:scrgbClr r="0" g="0" b="0"/>
-      </a:fillRef>
-      <a:effectRef idx="2">
-        <a:scrgbClr r="0" g="0" b="0"/>
-      </a:effectRef>
-      <a:fontRef idx="minor"/>
-    </dgm:style>
-  </dgm:styleLbl>
-  <dgm:styleLbl name="bgAccFollowNode1">
-    <dgm:scene3d>
-      <a:camera prst="orthographicFront"/>
-      <a:lightRig rig="threePt" dir="t"/>
-    </dgm:scene3d>
-    <dgm:sp3d/>
-    <dgm:txPr/>
-    <dgm:style>
-      <a:lnRef idx="1">
-        <a:scrgbClr r="0" g="0" b="0"/>
-      </a:lnRef>
-      <a:fillRef idx="1">
-        <a:scrgbClr r="0" g="0" b="0"/>
-      </a:fillRef>
-      <a:effectRef idx="2">
-        <a:scrgbClr r="0" g="0" b="0"/>
-      </a:effectRef>
-      <a:fontRef idx="minor"/>
-    </dgm:style>
-  </dgm:styleLbl>
-  <dgm:styleLbl name="fgAcc0">
-    <dgm:scene3d>
-      <a:camera prst="orthographicFront"/>
-      <a:lightRig rig="threePt" dir="t"/>
-    </dgm:scene3d>
-    <dgm:sp3d/>
-    <dgm:txPr/>
-    <dgm:style>
-      <a:lnRef idx="1">
-        <a:scrgbClr r="0" g="0" b="0"/>
-      </a:lnRef>
-      <a:fillRef idx="1">
-        <a:scrgbClr r="0" g="0" b="0"/>
-      </a:fillRef>
-      <a:effectRef idx="2">
-        <a:scrgbClr r="0" g="0" b="0"/>
-      </a:effectRef>
-      <a:fontRef idx="minor"/>
-    </dgm:style>
-  </dgm:styleLbl>
-  <dgm:styleLbl name="fgAcc2">
-    <dgm:scene3d>
-      <a:camera prst="orthographicFront"/>
-      <a:lightRig rig="threePt" dir="t"/>
-    </dgm:scene3d>
-    <dgm:sp3d/>
-    <dgm:txPr/>
-    <dgm:style>
-      <a:lnRef idx="1">
-        <a:scrgbClr r="0" g="0" b="0"/>
-      </a:lnRef>
-      <a:fillRef idx="1">
-        <a:scrgbClr r="0" g="0" b="0"/>
-      </a:fillRef>
-      <a:effectRef idx="2">
-        <a:scrgbClr r="0" g="0" b="0"/>
-      </a:effectRef>
-      <a:fontRef idx="minor"/>
-    </dgm:style>
-  </dgm:styleLbl>
-  <dgm:styleLbl name="fgAcc3">
-    <dgm:scene3d>
-      <a:camera prst="orthographicFront"/>
-      <a:lightRig rig="threePt" dir="t"/>
-    </dgm:scene3d>
-    <dgm:sp3d/>
-    <dgm:txPr/>
-    <dgm:style>
-      <a:lnRef idx="1">
-        <a:scrgbClr r="0" g="0" b="0"/>
-      </a:lnRef>
-      <a:fillRef idx="1">
-        <a:scrgbClr r="0" g="0" b="0"/>
-      </a:fillRef>
-      <a:effectRef idx="2">
-        <a:scrgbClr r="0" g="0" b="0"/>
-      </a:effectRef>
-      <a:fontRef idx="minor"/>
-    </dgm:style>
-  </dgm:styleLbl>
-  <dgm:styleLbl name="fgAcc4">
-    <dgm:scene3d>
-      <a:camera prst="orthographicFront"/>
-      <a:lightRig rig="threePt" dir="t"/>
-    </dgm:scene3d>
-    <dgm:sp3d/>
-    <dgm:txPr/>
-    <dgm:style>
-      <a:lnRef idx="1">
-        <a:scrgbClr r="0" g="0" b="0"/>
-      </a:lnRef>
-      <a:fillRef idx="1">
-        <a:scrgbClr r="0" g="0" b="0"/>
-      </a:fillRef>
-      <a:effectRef idx="2">
-        <a:scrgbClr r="0" g="0" b="0"/>
-      </a:effectRef>
-      <a:fontRef idx="minor"/>
-    </dgm:style>
-  </dgm:styleLbl>
-  <dgm:styleLbl name="bgShp">
-    <dgm:scene3d>
-      <a:camera prst="orthographicFront"/>
-      <a:lightRig rig="threePt" dir="t"/>
-    </dgm:scene3d>
-    <dgm:sp3d/>
-    <dgm:txPr/>
-    <dgm:style>
-      <a:lnRef idx="0">
-        <a:scrgbClr r="0" g="0" b="0"/>
-      </a:lnRef>
-      <a:fillRef idx="1">
-        <a:scrgbClr r="0" g="0" b="0"/>
-      </a:fillRef>
-      <a:effectRef idx="2">
-        <a:scrgbClr r="0" g="0" b="0"/>
-      </a:effectRef>
-      <a:fontRef idx="minor"/>
-    </dgm:style>
-  </dgm:styleLbl>
-  <dgm:styleLbl name="dkBgShp">
-    <dgm:scene3d>
-      <a:camera prst="orthographicFront"/>
-      <a:lightRig rig="threePt" dir="t"/>
-    </dgm:scene3d>
-    <dgm:sp3d/>
-    <dgm:txPr/>
-    <dgm:style>
-      <a:lnRef idx="0">
-        <a:scrgbClr r="0" g="0" b="0"/>
-      </a:lnRef>
-      <a:fillRef idx="1">
-        <a:scrgbClr r="0" g="0" b="0"/>
-      </a:fillRef>
-      <a:effectRef idx="3">
-        <a:scrgbClr r="0" g="0" b="0"/>
-      </a:effectRef>
-      <a:fontRef idx="minor"/>
-    </dgm:style>
-  </dgm:styleLbl>
-  <dgm:styleLbl name="trBgShp">
-    <dgm:scene3d>
-      <a:camera prst="orthographicFront"/>
-      <a:lightRig rig="threePt" dir="t"/>
-    </dgm:scene3d>
-    <dgm:sp3d/>
-    <dgm:txPr/>
-    <dgm:style>
-      <a:lnRef idx="0">
-        <a:scrgbClr r="0" g="0" b="0"/>
-      </a:lnRef>
-      <a:fillRef idx="1">
-        <a:scrgbClr r="0" g="0" b="0"/>
-      </a:fillRef>
-      <a:effectRef idx="0">
-        <a:scrgbClr r="0" g="0" b="0"/>
-      </a:effectRef>
-      <a:fontRef idx="minor"/>
-    </dgm:style>
-  </dgm:styleLbl>
-  <dgm:styleLbl name="fgShp">
-    <dgm:scene3d>
-      <a:camera prst="orthographicFront"/>
-      <a:lightRig rig="threePt" dir="t"/>
-    </dgm:scene3d>
-    <dgm:sp3d/>
-    <dgm:txPr/>
-    <dgm:style>
-      <a:lnRef idx="0">
-        <a:scrgbClr r="0" g="0" b="0"/>
-      </a:lnRef>
-      <a:fillRef idx="3">
-        <a:scrgbClr r="0" g="0" b="0"/>
-      </a:fillRef>
-      <a:effectRef idx="3">
-        <a:scrgbClr r="0" g="0" b="0"/>
-      </a:effectRef>
-      <a:fontRef idx="minor"/>
-    </dgm:style>
-  </dgm:styleLbl>
-  <dgm:styleLbl name="revTx">
-    <dgm:scene3d>
-      <a:camera prst="orthographicFront"/>
-      <a:lightRig rig="threePt" dir="t"/>
-    </dgm:scene3d>
-    <dgm:sp3d/>
-    <dgm:txPr/>
-    <dgm:style>
-      <a:lnRef idx="0">
-        <a:scrgbClr r="0" g="0" b="0"/>
-      </a:lnRef>
-      <a:fillRef idx="0">
-        <a:scrgbClr r="0" g="0" b="0"/>
-      </a:fillRef>
-      <a:effectRef idx="0">
-        <a:scrgbClr r="0" g="0" b="0"/>
-      </a:effectRef>
-      <a:fontRef idx="minor"/>
-    </dgm:style>
-  </dgm:styleLbl>
-</dgm:styleDef>
-</file>
-
-<file path=ppt/diagrams/quickStyle5.xml><?xml version="1.0" encoding="utf-8"?>
 <dgm:styleDef xmlns:dgm="http://schemas.openxmlformats.org/drawingml/2006/diagram" xmlns:a="http://schemas.openxmlformats.org/drawingml/2006/main" uniqueId="urn:microsoft.com/office/officeart/2005/8/quickstyle/simple2">
   <dgm:title val=""/>
   <dgm:desc val=""/>
@@ -14464,7 +6970,7 @@
 </dgm:styleDef>
 </file>
 
-<file path=ppt/diagrams/quickStyle6.xml><?xml version="1.0" encoding="utf-8"?>
+<file path=ppt/diagrams/quickStyle3.xml><?xml version="1.0" encoding="utf-8"?>
 <dgm:styleDef xmlns:dgm="http://schemas.openxmlformats.org/drawingml/2006/diagram" xmlns:a="http://schemas.openxmlformats.org/drawingml/2006/main" uniqueId="urn:microsoft.com/office/officeart/2005/8/quickstyle/simple2">
   <dgm:title val=""/>
   <dgm:desc val=""/>
@@ -15580,7 +8086,7 @@
           <a:p>
             <a:fld id="{30FEE4BF-D8A8-42F0-A347-E1779565E734}" type="datetimeFigureOut">
               <a:rPr lang="en-DE" smtClean="0"/>
-              <a:t>18/12/2024</a:t>
+              <a:t>12/19/2024</a:t>
             </a:fld>
             <a:endParaRPr lang="en-DE"/>
           </a:p>
@@ -17086,7 +9592,7 @@
           <a:p>
             <a:fld id="{A5D81E0F-4E68-4CE8-8828-54D6C75DDB90}" type="datetime8">
               <a:rPr lang="en-DE" smtClean="0"/>
-              <a:t>19/12/2024 12:30</a:t>
+              <a:t>12/19/2024 12:42</a:t>
             </a:fld>
             <a:endParaRPr lang="en-DE"/>
           </a:p>
@@ -17286,7 +9792,7 @@
           <a:p>
             <a:fld id="{4E58E480-F3F3-4A3D-88C2-864437B674B8}" type="datetime8">
               <a:rPr lang="en-DE" smtClean="0"/>
-              <a:t>19/12/2024 12:30</a:t>
+              <a:t>12/19/2024 12:42</a:t>
             </a:fld>
             <a:endParaRPr lang="en-DE"/>
           </a:p>
@@ -17496,7 +10002,7 @@
           <a:p>
             <a:fld id="{A3311B0C-8E72-4A6F-A698-656B0FC33321}" type="datetime8">
               <a:rPr lang="en-DE" smtClean="0"/>
-              <a:t>19/12/2024 12:30</a:t>
+              <a:t>12/19/2024 12:42</a:t>
             </a:fld>
             <a:endParaRPr lang="en-DE"/>
           </a:p>
@@ -17628,7 +10134,7 @@
           <a:p>
             <a:fld id="{DF644728-5C72-4053-95FD-5EF3C89A4A47}" type="datetime8">
               <a:rPr lang="en-DE" smtClean="0"/>
-              <a:t>19/12/2024 12:30</a:t>
+              <a:t>12/19/2024 12:42</a:t>
             </a:fld>
             <a:endParaRPr lang="de-DE" dirty="0"/>
           </a:p>
@@ -17807,7 +10313,7 @@
           <a:p>
             <a:fld id="{5897E524-F085-46F6-8B32-C28ED3A5A658}" type="datetime8">
               <a:rPr lang="en-DE" smtClean="0"/>
-              <a:t>19/12/2024 12:30</a:t>
+              <a:t>12/19/2024 12:42</a:t>
             </a:fld>
             <a:endParaRPr lang="en-DE"/>
           </a:p>
@@ -18083,7 +10589,7 @@
           <a:p>
             <a:fld id="{0CCA43D1-E13F-4229-A291-D8491EBC9C3D}" type="datetime8">
               <a:rPr lang="en-DE" smtClean="0"/>
-              <a:t>19/12/2024 12:30</a:t>
+              <a:t>12/19/2024 12:42</a:t>
             </a:fld>
             <a:endParaRPr lang="en-DE"/>
           </a:p>
@@ -18351,7 +10857,7 @@
           <a:p>
             <a:fld id="{7539FF87-0187-4E49-9D5A-4A03DCB0DE0D}" type="datetime8">
               <a:rPr lang="en-DE" smtClean="0"/>
-              <a:t>19/12/2024 12:30</a:t>
+              <a:t>12/19/2024 12:42</a:t>
             </a:fld>
             <a:endParaRPr lang="en-DE"/>
           </a:p>
@@ -18766,7 +11272,7 @@
           <a:p>
             <a:fld id="{439F671A-FCE1-45E8-9D34-6D942AACFFEE}" type="datetime8">
               <a:rPr lang="en-DE" smtClean="0"/>
-              <a:t>19/12/2024 12:30</a:t>
+              <a:t>12/19/2024 12:42</a:t>
             </a:fld>
             <a:endParaRPr lang="en-DE"/>
           </a:p>
@@ -18908,7 +11414,7 @@
           <a:p>
             <a:fld id="{8F68C19D-6255-4106-96E1-081C17A75E18}" type="datetime8">
               <a:rPr lang="en-DE" smtClean="0"/>
-              <a:t>19/12/2024 12:30</a:t>
+              <a:t>12/19/2024 12:42</a:t>
             </a:fld>
             <a:endParaRPr lang="en-DE"/>
           </a:p>
@@ -19021,7 +11527,7 @@
           <a:p>
             <a:fld id="{115B2572-9211-46DA-96C4-C5E3E023A89B}" type="datetime8">
               <a:rPr lang="en-DE" smtClean="0"/>
-              <a:t>19/12/2024 12:30</a:t>
+              <a:t>12/19/2024 12:42</a:t>
             </a:fld>
             <a:endParaRPr lang="en-DE"/>
           </a:p>
@@ -19334,7 +11840,7 @@
           <a:p>
             <a:fld id="{9F64BFF5-B1C9-4888-814D-1B07F3229589}" type="datetime8">
               <a:rPr lang="en-DE" smtClean="0"/>
-              <a:t>19/12/2024 12:30</a:t>
+              <a:t>12/19/2024 12:42</a:t>
             </a:fld>
             <a:endParaRPr lang="en-DE"/>
           </a:p>
@@ -19623,7 +12129,7 @@
           <a:p>
             <a:fld id="{F96DB6B9-4495-46BA-A75E-6DBE2CC17318}" type="datetime8">
               <a:rPr lang="en-DE" smtClean="0"/>
-              <a:t>19/12/2024 12:30</a:t>
+              <a:t>12/19/2024 12:42</a:t>
             </a:fld>
             <a:endParaRPr lang="en-DE"/>
           </a:p>
@@ -19866,7 +12372,7 @@
           <a:p>
             <a:fld id="{FD0E2709-329A-4BA3-A375-E799A3BB86DE}" type="datetime8">
               <a:rPr lang="en-DE" smtClean="0"/>
-              <a:t>19/12/2024 12:30</a:t>
+              <a:t>12/19/2024 12:42</a:t>
             </a:fld>
             <a:endParaRPr lang="en-DE"/>
           </a:p>
@@ -20516,6 +13022,196 @@
           </a:p>
         </p:txBody>
       </p:sp>
+      <p:pic>
+        <p:nvPicPr>
+          <p:cNvPr id="6" name="Picture 5" descr="A screenshot of a computer&#10;&#10;Description automatically generated">
+            <a:extLst>
+              <a:ext uri="{FF2B5EF4-FFF2-40B4-BE49-F238E27FC236}">
+                <a16:creationId xmlns:a16="http://schemas.microsoft.com/office/drawing/2014/main" id="{8F15F8F3-F498-1B07-095C-B96D4393F78A}"/>
+              </a:ext>
+            </a:extLst>
+          </p:cNvPr>
+          <p:cNvPicPr>
+            <a:picLocks noChangeAspect="1"/>
+          </p:cNvPicPr>
+          <p:nvPr/>
+        </p:nvPicPr>
+        <p:blipFill>
+          <a:blip r:embed="rId3">
+            <a:extLst>
+              <a:ext uri="{28A0092B-C50C-407E-A947-70E740481C1C}">
+                <a14:useLocalDpi xmlns:a14="http://schemas.microsoft.com/office/drawing/2010/main" val="0"/>
+              </a:ext>
+            </a:extLst>
+          </a:blip>
+          <a:stretch>
+            <a:fillRect/>
+          </a:stretch>
+        </p:blipFill>
+        <p:spPr>
+          <a:xfrm>
+            <a:off x="6096000" y="2211899"/>
+            <a:ext cx="4194075" cy="3364478"/>
+          </a:xfrm>
+          <a:prstGeom prst="rect">
+            <a:avLst/>
+          </a:prstGeom>
+        </p:spPr>
+      </p:pic>
+      <p:grpSp>
+        <p:nvGrpSpPr>
+          <p:cNvPr id="8" name="Group 7">
+            <a:extLst>
+              <a:ext uri="{FF2B5EF4-FFF2-40B4-BE49-F238E27FC236}">
+                <a16:creationId xmlns:a16="http://schemas.microsoft.com/office/drawing/2014/main" id="{95F1F8E1-D337-9DF8-2E4B-D70EBEE47FDC}"/>
+              </a:ext>
+            </a:extLst>
+          </p:cNvPr>
+          <p:cNvGrpSpPr/>
+          <p:nvPr/>
+        </p:nvGrpSpPr>
+        <p:grpSpPr>
+          <a:xfrm>
+            <a:off x="1044939" y="2749400"/>
+            <a:ext cx="3396521" cy="2019600"/>
+            <a:chOff x="695672" y="1835537"/>
+            <a:chExt cx="3396521" cy="2019600"/>
+          </a:xfrm>
+        </p:grpSpPr>
+        <p:sp>
+          <p:nvSpPr>
+            <p:cNvPr id="9" name="Rectangle: Rounded Corners 8">
+              <a:extLst>
+                <a:ext uri="{FF2B5EF4-FFF2-40B4-BE49-F238E27FC236}">
+                  <a16:creationId xmlns:a16="http://schemas.microsoft.com/office/drawing/2014/main" id="{34AA9307-8DA3-CDEE-10FB-D1E836F44701}"/>
+                </a:ext>
+              </a:extLst>
+            </p:cNvPr>
+            <p:cNvSpPr/>
+            <p:nvPr/>
+          </p:nvSpPr>
+          <p:spPr>
+            <a:xfrm>
+              <a:off x="695672" y="1835537"/>
+              <a:ext cx="3396521" cy="2019600"/>
+            </a:xfrm>
+            <a:prstGeom prst="roundRect">
+              <a:avLst>
+                <a:gd name="adj" fmla="val 10000"/>
+              </a:avLst>
+            </a:prstGeom>
+            <a:ln>
+              <a:solidFill>
+                <a:srgbClr val="105589"/>
+              </a:solidFill>
+            </a:ln>
+          </p:spPr>
+          <p:style>
+            <a:lnRef idx="1">
+              <a:scrgbClr r="0" g="0" b="0"/>
+            </a:lnRef>
+            <a:fillRef idx="1">
+              <a:schemeClr val="lt1">
+                <a:alpha val="90000"/>
+                <a:hueOff val="0"/>
+                <a:satOff val="0"/>
+                <a:lumOff val="0"/>
+                <a:alphaOff val="0"/>
+              </a:schemeClr>
+            </a:fillRef>
+            <a:effectRef idx="2">
+              <a:schemeClr val="lt1">
+                <a:alpha val="90000"/>
+                <a:hueOff val="0"/>
+                <a:satOff val="0"/>
+                <a:lumOff val="0"/>
+                <a:alphaOff val="0"/>
+              </a:schemeClr>
+            </a:effectRef>
+            <a:fontRef idx="minor">
+              <a:schemeClr val="dk1">
+                <a:hueOff val="0"/>
+                <a:satOff val="0"/>
+                <a:lumOff val="0"/>
+                <a:alphaOff val="0"/>
+              </a:schemeClr>
+            </a:fontRef>
+          </p:style>
+          <p:txBody>
+            <a:bodyPr/>
+            <a:lstStyle/>
+            <a:p>
+              <a:endParaRPr lang="de-DE"/>
+            </a:p>
+          </p:txBody>
+        </p:sp>
+        <p:sp>
+          <p:nvSpPr>
+            <p:cNvPr id="10" name="Rectangle: Rounded Corners 4">
+              <a:extLst>
+                <a:ext uri="{FF2B5EF4-FFF2-40B4-BE49-F238E27FC236}">
+                  <a16:creationId xmlns:a16="http://schemas.microsoft.com/office/drawing/2014/main" id="{92438193-A34E-ABF1-25AF-545EC8E68F92}"/>
+                </a:ext>
+              </a:extLst>
+            </p:cNvPr>
+            <p:cNvSpPr txBox="1"/>
+            <p:nvPr/>
+          </p:nvSpPr>
+          <p:spPr>
+            <a:xfrm>
+              <a:off x="754824" y="1894689"/>
+              <a:ext cx="3278217" cy="1901296"/>
+            </a:xfrm>
+            <a:prstGeom prst="rect">
+              <a:avLst/>
+            </a:prstGeom>
+          </p:spPr>
+          <p:style>
+            <a:lnRef idx="0">
+              <a:scrgbClr r="0" g="0" b="0"/>
+            </a:lnRef>
+            <a:fillRef idx="0">
+              <a:scrgbClr r="0" g="0" b="0"/>
+            </a:fillRef>
+            <a:effectRef idx="0">
+              <a:scrgbClr r="0" g="0" b="0"/>
+            </a:effectRef>
+            <a:fontRef idx="minor">
+              <a:schemeClr val="dk1">
+                <a:hueOff val="0"/>
+                <a:satOff val="0"/>
+                <a:lumOff val="0"/>
+                <a:alphaOff val="0"/>
+              </a:schemeClr>
+            </a:fontRef>
+          </p:style>
+          <p:txBody>
+            <a:bodyPr spcFirstLastPara="0" vert="horz" wrap="square" lIns="234696" tIns="234696" rIns="234696" bIns="234696" numCol="1" spcCol="1270" anchor="t" anchorCtr="0">
+              <a:noAutofit/>
+            </a:bodyPr>
+            <a:lstStyle/>
+            <a:p>
+              <a:pPr marL="285750" lvl="1" indent="-285750" algn="l" defTabSz="1466850">
+                <a:lnSpc>
+                  <a:spcPct val="90000"/>
+                </a:lnSpc>
+                <a:spcBef>
+                  <a:spcPct val="0"/>
+                </a:spcBef>
+                <a:spcAft>
+                  <a:spcPct val="15000"/>
+                </a:spcAft>
+                <a:buFont typeface="Arial" panose="020B0604020202020204" pitchFamily="34" charset="0"/>
+                <a:buChar char="•"/>
+              </a:pPr>
+              <a:r>
+                <a:rPr lang="de-DE" sz="3300" kern="1200" dirty="0"/>
+                <a:t>Unterstützung verschiedener Sprachen</a:t>
+              </a:r>
+            </a:p>
+          </p:txBody>
+        </p:sp>
+      </p:grpSp>
     </p:spTree>
     <p:extLst>
       <p:ext uri="{BB962C8B-B14F-4D97-AF65-F5344CB8AC3E}">
@@ -20575,7 +13271,7 @@
           <a:p>
             <a:r>
               <a:rPr lang="de-DE" dirty="0"/>
-              <a:t>User Management</a:t>
+              <a:t>Organisations User Management</a:t>
             </a:r>
           </a:p>
         </p:txBody>
@@ -20663,6 +13359,42 @@
           </a:p>
         </p:txBody>
       </p:sp>
+      <p:pic>
+        <p:nvPicPr>
+          <p:cNvPr id="7" name="Picture 6" descr="A screenshot of a computer&#10;&#10;Description automatically generated">
+            <a:extLst>
+              <a:ext uri="{FF2B5EF4-FFF2-40B4-BE49-F238E27FC236}">
+                <a16:creationId xmlns:a16="http://schemas.microsoft.com/office/drawing/2014/main" id="{00616C8F-B070-F243-9BB5-3D51CB112F05}"/>
+              </a:ext>
+            </a:extLst>
+          </p:cNvPr>
+          <p:cNvPicPr>
+            <a:picLocks noChangeAspect="1"/>
+          </p:cNvPicPr>
+          <p:nvPr/>
+        </p:nvPicPr>
+        <p:blipFill>
+          <a:blip r:embed="rId3">
+            <a:extLst>
+              <a:ext uri="{28A0092B-C50C-407E-A947-70E740481C1C}">
+                <a14:useLocalDpi xmlns:a14="http://schemas.microsoft.com/office/drawing/2010/main" val="0"/>
+              </a:ext>
+            </a:extLst>
+          </a:blip>
+          <a:stretch>
+            <a:fillRect/>
+          </a:stretch>
+        </p:blipFill>
+        <p:spPr>
+          <a:xfrm>
+            <a:off x="259837" y="2170856"/>
+            <a:ext cx="11672325" cy="2516287"/>
+          </a:xfrm>
+          <a:prstGeom prst="rect">
+            <a:avLst/>
+          </a:prstGeom>
+        </p:spPr>
+      </p:pic>
     </p:spTree>
     <p:extLst>
       <p:ext uri="{BB962C8B-B14F-4D97-AF65-F5344CB8AC3E}">
@@ -21448,7 +14180,7 @@
           <a:p>
             <a:r>
               <a:rPr lang="de-DE" dirty="0"/>
-              <a:t>Entwicklung </a:t>
+              <a:t>Entwicklungsergebnisse </a:t>
             </a:r>
           </a:p>
           <a:p>
@@ -22112,8 +14844,8 @@
           <a:chExt cx="0" cy="0"/>
         </a:xfrm>
       </p:grpSpPr>
-      <mc:AlternateContent xmlns:mc="http://schemas.openxmlformats.org/markup-compatibility/2006">
-        <mc:Choice xmlns:pslz="http://schemas.microsoft.com/office/powerpoint/2016/slidezoom" Requires="pslz">
+      <mc:AlternateContent xmlns:mc="http://schemas.openxmlformats.org/markup-compatibility/2006" xmlns:pslz="http://schemas.microsoft.com/office/powerpoint/2016/slidezoom">
+        <mc:Choice Requires="pslz">
           <p:graphicFrame>
             <p:nvGraphicFramePr>
               <p:cNvPr id="8" name="Slide Zoom 7">
@@ -22170,7 +14902,7 @@
             </a:graphic>
           </p:graphicFrame>
         </mc:Choice>
-        <mc:Fallback>
+        <mc:Fallback xmlns="">
           <p:pic>
             <p:nvPicPr>
               <p:cNvPr id="8" name="Slide Zoom 7">
@@ -22187,7 +14919,7 @@
               <p:nvPr/>
             </p:nvPicPr>
             <p:blipFill>
-              <a:blip r:embed="rId2"/>
+              <a:blip r:embed="rId4"/>
               <a:stretch>
                 <a:fillRect/>
               </a:stretch>
@@ -22209,8 +14941,8 @@
           </p:pic>
         </mc:Fallback>
       </mc:AlternateContent>
-      <mc:AlternateContent xmlns:mc="http://schemas.openxmlformats.org/markup-compatibility/2006">
-        <mc:Choice xmlns:pslz="http://schemas.microsoft.com/office/powerpoint/2016/slidezoom" Requires="pslz">
+      <mc:AlternateContent xmlns:mc="http://schemas.openxmlformats.org/markup-compatibility/2006" xmlns:pslz="http://schemas.microsoft.com/office/powerpoint/2016/slidezoom">
+        <mc:Choice Requires="pslz">
           <p:graphicFrame>
             <p:nvGraphicFramePr>
               <p:cNvPr id="12" name="Slide Zoom 11">
@@ -22241,7 +14973,7 @@
                   <pslz:sldZmObj sldId="278" cId="285173711">
                     <pslz:zmPr id="{F685EDDB-9A92-45C6-A494-478937F17A5F}" returnToParent="0" transitionDur="1000">
                       <p166:blipFill xmlns:p166="http://schemas.microsoft.com/office/powerpoint/2016/6/main">
-                        <a:blip r:embed="rId4"/>
+                        <a:blip r:embed="rId5"/>
                         <a:stretch>
                           <a:fillRect/>
                         </a:stretch>
@@ -22267,11 +14999,11 @@
             </a:graphic>
           </p:graphicFrame>
         </mc:Choice>
-        <mc:Fallback>
+        <mc:Fallback xmlns="">
           <p:pic>
             <p:nvPicPr>
               <p:cNvPr id="12" name="Slide Zoom 11">
-                <a:hlinkClick r:id="rId5" action="ppaction://hlinksldjump"/>
+                <a:hlinkClick r:id="rId6" action="ppaction://hlinksldjump"/>
                 <a:extLst>
                   <a:ext uri="{FF2B5EF4-FFF2-40B4-BE49-F238E27FC236}">
                     <a16:creationId xmlns:a16="http://schemas.microsoft.com/office/drawing/2014/main" id="{DE5B0D82-A964-B4FB-17E8-1040FBEDA608}"/>
@@ -22284,7 +15016,7 @@
               <p:nvPr/>
             </p:nvPicPr>
             <p:blipFill>
-              <a:blip r:embed="rId4"/>
+              <a:blip r:embed="rId7"/>
               <a:stretch>
                 <a:fillRect/>
               </a:stretch>
@@ -22306,8 +15038,8 @@
           </p:pic>
         </mc:Fallback>
       </mc:AlternateContent>
-      <mc:AlternateContent xmlns:mc="http://schemas.openxmlformats.org/markup-compatibility/2006">
-        <mc:Choice xmlns:pslz="http://schemas.microsoft.com/office/powerpoint/2016/slidezoom" Requires="pslz">
+      <mc:AlternateContent xmlns:mc="http://schemas.openxmlformats.org/markup-compatibility/2006" xmlns:pslz="http://schemas.microsoft.com/office/powerpoint/2016/slidezoom">
+        <mc:Choice Requires="pslz">
           <p:graphicFrame>
             <p:nvGraphicFramePr>
               <p:cNvPr id="15" name="Slide Zoom 14">
@@ -22338,7 +15070,7 @@
                   <pslz:sldZmObj sldId="279" cId="187223879">
                     <pslz:zmPr id="{512556E2-A8F4-4BB8-84E8-BE8163F020D2}" returnToParent="0" transitionDur="1000">
                       <p166:blipFill xmlns:p166="http://schemas.microsoft.com/office/powerpoint/2016/6/main">
-                        <a:blip r:embed="rId6"/>
+                        <a:blip r:embed="rId8"/>
                         <a:stretch>
                           <a:fillRect/>
                         </a:stretch>
@@ -22364,11 +15096,11 @@
             </a:graphic>
           </p:graphicFrame>
         </mc:Choice>
-        <mc:Fallback>
+        <mc:Fallback xmlns="">
           <p:pic>
             <p:nvPicPr>
               <p:cNvPr id="15" name="Slide Zoom 14">
-                <a:hlinkClick r:id="rId7" action="ppaction://hlinksldjump"/>
+                <a:hlinkClick r:id="rId9" action="ppaction://hlinksldjump"/>
                 <a:extLst>
                   <a:ext uri="{FF2B5EF4-FFF2-40B4-BE49-F238E27FC236}">
                     <a16:creationId xmlns:a16="http://schemas.microsoft.com/office/drawing/2014/main" id="{26CECEB1-1824-61BD-8537-A4B59FC6D1BC}"/>
@@ -22381,7 +15113,7 @@
               <p:nvPr/>
             </p:nvPicPr>
             <p:blipFill>
-              <a:blip r:embed="rId6"/>
+              <a:blip r:embed="rId10"/>
               <a:stretch>
                 <a:fillRect/>
               </a:stretch>
@@ -22403,8 +15135,8 @@
           </p:pic>
         </mc:Fallback>
       </mc:AlternateContent>
-      <mc:AlternateContent xmlns:mc="http://schemas.openxmlformats.org/markup-compatibility/2006">
-        <mc:Choice xmlns:pslz="http://schemas.microsoft.com/office/powerpoint/2016/slidezoom" Requires="pslz">
+      <mc:AlternateContent xmlns:mc="http://schemas.openxmlformats.org/markup-compatibility/2006" xmlns:pslz="http://schemas.microsoft.com/office/powerpoint/2016/slidezoom">
+        <mc:Choice Requires="pslz">
           <p:graphicFrame>
             <p:nvGraphicFramePr>
               <p:cNvPr id="17" name="Slide Zoom 16">
@@ -22435,7 +15167,7 @@
                   <pslz:sldZmObj sldId="276" cId="952482904">
                     <pslz:zmPr id="{899C4DBB-6C69-4583-AF57-60D99D0E3A30}" returnToParent="0" transitionDur="1000">
                       <p166:blipFill xmlns:p166="http://schemas.microsoft.com/office/powerpoint/2016/6/main">
-                        <a:blip r:embed="rId8"/>
+                        <a:blip r:embed="rId11"/>
                         <a:stretch>
                           <a:fillRect/>
                         </a:stretch>
@@ -22461,11 +15193,11 @@
             </a:graphic>
           </p:graphicFrame>
         </mc:Choice>
-        <mc:Fallback>
+        <mc:Fallback xmlns="">
           <p:pic>
             <p:nvPicPr>
               <p:cNvPr id="17" name="Slide Zoom 16">
-                <a:hlinkClick r:id="rId9" action="ppaction://hlinksldjump"/>
+                <a:hlinkClick r:id="rId12" action="ppaction://hlinksldjump"/>
                 <a:extLst>
                   <a:ext uri="{FF2B5EF4-FFF2-40B4-BE49-F238E27FC236}">
                     <a16:creationId xmlns:a16="http://schemas.microsoft.com/office/drawing/2014/main" id="{A79E8461-16D3-D1A0-2F78-047325FF14A4}"/>
@@ -22478,7 +15210,7 @@
               <p:nvPr/>
             </p:nvPicPr>
             <p:blipFill>
-              <a:blip r:embed="rId8"/>
+              <a:blip r:embed="rId13"/>
               <a:stretch>
                 <a:fillRect/>
               </a:stretch>
@@ -22500,8 +15232,8 @@
           </p:pic>
         </mc:Fallback>
       </mc:AlternateContent>
-      <mc:AlternateContent xmlns:mc="http://schemas.openxmlformats.org/markup-compatibility/2006">
-        <mc:Choice xmlns:pslz="http://schemas.microsoft.com/office/powerpoint/2016/slidezoom" Requires="pslz">
+      <mc:AlternateContent xmlns:mc="http://schemas.openxmlformats.org/markup-compatibility/2006" xmlns:pslz="http://schemas.microsoft.com/office/powerpoint/2016/slidezoom">
+        <mc:Choice Requires="pslz">
           <p:graphicFrame>
             <p:nvGraphicFramePr>
               <p:cNvPr id="19" name="Slide Zoom 18">
@@ -22532,7 +15264,7 @@
                   <pslz:sldZmObj sldId="283" cId="566966151">
                     <pslz:zmPr id="{0058DC34-4012-4673-BEE8-D04A804123E5}" returnToParent="0" transitionDur="1000">
                       <p166:blipFill xmlns:p166="http://schemas.microsoft.com/office/powerpoint/2016/6/main">
-                        <a:blip r:embed="rId10"/>
+                        <a:blip r:embed="rId14"/>
                         <a:stretch>
                           <a:fillRect/>
                         </a:stretch>
@@ -22558,11 +15290,11 @@
             </a:graphic>
           </p:graphicFrame>
         </mc:Choice>
-        <mc:Fallback>
+        <mc:Fallback xmlns="">
           <p:pic>
             <p:nvPicPr>
               <p:cNvPr id="19" name="Slide Zoom 18">
-                <a:hlinkClick r:id="rId11" action="ppaction://hlinksldjump"/>
+                <a:hlinkClick r:id="rId15" action="ppaction://hlinksldjump"/>
                 <a:extLst>
                   <a:ext uri="{FF2B5EF4-FFF2-40B4-BE49-F238E27FC236}">
                     <a16:creationId xmlns:a16="http://schemas.microsoft.com/office/drawing/2014/main" id="{BC56A1A2-0334-EFD2-7B6C-353E6459FECB}"/>
@@ -22575,7 +15307,7 @@
               <p:nvPr/>
             </p:nvPicPr>
             <p:blipFill>
-              <a:blip r:embed="rId10"/>
+              <a:blip r:embed="rId16"/>
               <a:stretch>
                 <a:fillRect/>
               </a:stretch>
@@ -22597,8 +15329,8 @@
           </p:pic>
         </mc:Fallback>
       </mc:AlternateContent>
-      <mc:AlternateContent xmlns:mc="http://schemas.openxmlformats.org/markup-compatibility/2006">
-        <mc:Choice xmlns:pslz="http://schemas.microsoft.com/office/powerpoint/2016/slidezoom" Requires="pslz">
+      <mc:AlternateContent xmlns:mc="http://schemas.openxmlformats.org/markup-compatibility/2006" xmlns:pslz="http://schemas.microsoft.com/office/powerpoint/2016/slidezoom">
+        <mc:Choice Requires="pslz">
           <p:graphicFrame>
             <p:nvGraphicFramePr>
               <p:cNvPr id="21" name="Slide Zoom 20">
@@ -22629,7 +15361,7 @@
                   <pslz:sldZmObj sldId="284" cId="1289820216">
                     <pslz:zmPr id="{32D224A7-970E-4CD3-A72C-6C8256CF7E6D}" returnToParent="0" transitionDur="1000">
                       <p166:blipFill xmlns:p166="http://schemas.microsoft.com/office/powerpoint/2016/6/main">
-                        <a:blip r:embed="rId12"/>
+                        <a:blip r:embed="rId17"/>
                         <a:stretch>
                           <a:fillRect/>
                         </a:stretch>
@@ -22655,11 +15387,11 @@
             </a:graphic>
           </p:graphicFrame>
         </mc:Choice>
-        <mc:Fallback>
+        <mc:Fallback xmlns="">
           <p:pic>
             <p:nvPicPr>
               <p:cNvPr id="21" name="Slide Zoom 20">
-                <a:hlinkClick r:id="rId13" action="ppaction://hlinksldjump"/>
+                <a:hlinkClick r:id="rId18" action="ppaction://hlinksldjump"/>
                 <a:extLst>
                   <a:ext uri="{FF2B5EF4-FFF2-40B4-BE49-F238E27FC236}">
                     <a16:creationId xmlns:a16="http://schemas.microsoft.com/office/drawing/2014/main" id="{2531F5B5-755D-0E5F-CC35-F78607410361}"/>
@@ -22672,7 +15404,7 @@
               <p:nvPr/>
             </p:nvPicPr>
             <p:blipFill>
-              <a:blip r:embed="rId12"/>
+              <a:blip r:embed="rId19"/>
               <a:stretch>
                 <a:fillRect/>
               </a:stretch>
@@ -22709,7 +15441,7 @@
           <p:nvPr/>
         </p:nvPicPr>
         <p:blipFill>
-          <a:blip r:embed="rId14"/>
+          <a:blip r:embed="rId20"/>
           <a:srcRect t="1" b="80303"/>
           <a:stretch/>
         </p:blipFill>
@@ -23047,6 +15779,42 @@
           <a:chExt cx="0" cy="0"/>
         </a:xfrm>
       </p:grpSpPr>
+      <p:pic>
+        <p:nvPicPr>
+          <p:cNvPr id="7" name="Picture 6" descr="A graph with blue lines&#10;&#10;Description automatically generated">
+            <a:extLst>
+              <a:ext uri="{FF2B5EF4-FFF2-40B4-BE49-F238E27FC236}">
+                <a16:creationId xmlns:a16="http://schemas.microsoft.com/office/drawing/2014/main" id="{2F791164-961C-2B48-B756-7044028F21B4}"/>
+              </a:ext>
+            </a:extLst>
+          </p:cNvPr>
+          <p:cNvPicPr>
+            <a:picLocks noChangeAspect="1"/>
+          </p:cNvPicPr>
+          <p:nvPr/>
+        </p:nvPicPr>
+        <p:blipFill>
+          <a:blip r:embed="rId3">
+            <a:extLst>
+              <a:ext uri="{28A0092B-C50C-407E-A947-70E740481C1C}">
+                <a14:useLocalDpi xmlns:a14="http://schemas.microsoft.com/office/drawing/2010/main" val="0"/>
+              </a:ext>
+            </a:extLst>
+          </a:blip>
+          <a:stretch>
+            <a:fillRect/>
+          </a:stretch>
+        </p:blipFill>
+        <p:spPr>
+          <a:xfrm>
+            <a:off x="3729326" y="3339498"/>
+            <a:ext cx="8123076" cy="2770117"/>
+          </a:xfrm>
+          <a:prstGeom prst="rect">
+            <a:avLst/>
+          </a:prstGeom>
+        </p:spPr>
+      </p:pic>
       <p:sp>
         <p:nvSpPr>
           <p:cNvPr id="2" name="Titel 1">
@@ -23129,64 +15897,6 @@
           </a:p>
         </p:txBody>
       </p:sp>
-      <p:graphicFrame>
-        <p:nvGraphicFramePr>
-          <p:cNvPr id="3" name="Diagramm 4">
-            <a:extLst>
-              <a:ext uri="{FF2B5EF4-FFF2-40B4-BE49-F238E27FC236}">
-                <a16:creationId xmlns:a16="http://schemas.microsoft.com/office/drawing/2014/main" id="{E519A45A-61E2-B6EC-8FE1-06401BD9ECDC}"/>
-              </a:ext>
-            </a:extLst>
-          </p:cNvPr>
-          <p:cNvGraphicFramePr/>
-          <p:nvPr>
-            <p:extLst>
-              <p:ext uri="{D42A27DB-BD31-4B8C-83A1-F6EECF244321}">
-                <p14:modId xmlns:p14="http://schemas.microsoft.com/office/powerpoint/2010/main" val="2883714480"/>
-              </p:ext>
-            </p:extLst>
-          </p:nvPr>
-        </p:nvGraphicFramePr>
-        <p:xfrm>
-          <a:off x="270257" y="1524001"/>
-          <a:ext cx="3711194" cy="4679949"/>
-        </p:xfrm>
-        <a:graphic>
-          <a:graphicData uri="http://schemas.openxmlformats.org/drawingml/2006/diagram">
-            <dgm:relIds xmlns:dgm="http://schemas.openxmlformats.org/drawingml/2006/diagram" xmlns:r="http://schemas.openxmlformats.org/officeDocument/2006/relationships" r:dm="rId3" r:lo="rId4" r:qs="rId5" r:cs="rId6"/>
-          </a:graphicData>
-        </a:graphic>
-      </p:graphicFrame>
-      <p:pic>
-        <p:nvPicPr>
-          <p:cNvPr id="6" name="Picture 5">
-            <a:extLst>
-              <a:ext uri="{FF2B5EF4-FFF2-40B4-BE49-F238E27FC236}">
-                <a16:creationId xmlns:a16="http://schemas.microsoft.com/office/drawing/2014/main" id="{EEA4B6C4-050E-23B9-F827-99111486D55F}"/>
-              </a:ext>
-            </a:extLst>
-          </p:cNvPr>
-          <p:cNvPicPr>
-            <a:picLocks noChangeAspect="1"/>
-          </p:cNvPicPr>
-          <p:nvPr/>
-        </p:nvPicPr>
-        <p:blipFill>
-          <a:blip r:embed="rId8"/>
-          <a:stretch>
-            <a:fillRect/>
-          </a:stretch>
-        </p:blipFill>
-        <p:spPr>
-          <a:xfrm>
-            <a:off x="4184103" y="996043"/>
-            <a:ext cx="7507521" cy="4784271"/>
-          </a:xfrm>
-          <a:prstGeom prst="rect">
-            <a:avLst/>
-          </a:prstGeom>
-        </p:spPr>
-      </p:pic>
       <p:sp>
         <p:nvSpPr>
           <p:cNvPr id="8" name="Slide Number Placeholder 7">
@@ -23216,6 +15926,214 @@
           </a:p>
         </p:txBody>
       </p:sp>
+      <p:pic>
+        <p:nvPicPr>
+          <p:cNvPr id="10" name="Picture 9" descr="A close-up of a white background&#10;&#10;Description automatically generated">
+            <a:extLst>
+              <a:ext uri="{FF2B5EF4-FFF2-40B4-BE49-F238E27FC236}">
+                <a16:creationId xmlns:a16="http://schemas.microsoft.com/office/drawing/2014/main" id="{F8478046-613A-4C13-786C-8B0D3BFBCD37}"/>
+              </a:ext>
+            </a:extLst>
+          </p:cNvPr>
+          <p:cNvPicPr>
+            <a:picLocks noChangeAspect="1"/>
+          </p:cNvPicPr>
+          <p:nvPr/>
+        </p:nvPicPr>
+        <p:blipFill>
+          <a:blip r:embed="rId4">
+            <a:extLst>
+              <a:ext uri="{28A0092B-C50C-407E-A947-70E740481C1C}">
+                <a14:useLocalDpi xmlns:a14="http://schemas.microsoft.com/office/drawing/2010/main" val="0"/>
+              </a:ext>
+            </a:extLst>
+          </a:blip>
+          <a:srcRect r="25292"/>
+          <a:stretch/>
+        </p:blipFill>
+        <p:spPr>
+          <a:xfrm>
+            <a:off x="339598" y="1375126"/>
+            <a:ext cx="11442069" cy="1899215"/>
+          </a:xfrm>
+          <a:prstGeom prst="rect">
+            <a:avLst/>
+          </a:prstGeom>
+        </p:spPr>
+      </p:pic>
+      <p:grpSp>
+        <p:nvGrpSpPr>
+          <p:cNvPr id="16" name="Group 15">
+            <a:extLst>
+              <a:ext uri="{FF2B5EF4-FFF2-40B4-BE49-F238E27FC236}">
+                <a16:creationId xmlns:a16="http://schemas.microsoft.com/office/drawing/2014/main" id="{34855CEF-E3FF-6C11-9082-02968B97E32D}"/>
+              </a:ext>
+            </a:extLst>
+          </p:cNvPr>
+          <p:cNvGrpSpPr/>
+          <p:nvPr/>
+        </p:nvGrpSpPr>
+        <p:grpSpPr>
+          <a:xfrm>
+            <a:off x="717620" y="3857473"/>
+            <a:ext cx="2800280" cy="1899215"/>
+            <a:chOff x="512408" y="1829674"/>
+            <a:chExt cx="2501760" cy="1625400"/>
+          </a:xfrm>
+        </p:grpSpPr>
+        <p:sp>
+          <p:nvSpPr>
+            <p:cNvPr id="17" name="Rectangle: Rounded Corners 16">
+              <a:extLst>
+                <a:ext uri="{FF2B5EF4-FFF2-40B4-BE49-F238E27FC236}">
+                  <a16:creationId xmlns:a16="http://schemas.microsoft.com/office/drawing/2014/main" id="{E49F8C0D-346B-D5E3-374B-272575CCED12}"/>
+                </a:ext>
+              </a:extLst>
+            </p:cNvPr>
+            <p:cNvSpPr/>
+            <p:nvPr/>
+          </p:nvSpPr>
+          <p:spPr>
+            <a:xfrm>
+              <a:off x="512408" y="1829674"/>
+              <a:ext cx="2501760" cy="1625400"/>
+            </a:xfrm>
+            <a:prstGeom prst="roundRect">
+              <a:avLst>
+                <a:gd name="adj" fmla="val 10000"/>
+              </a:avLst>
+            </a:prstGeom>
+            <a:ln>
+              <a:solidFill>
+                <a:srgbClr val="105589"/>
+              </a:solidFill>
+            </a:ln>
+          </p:spPr>
+          <p:style>
+            <a:lnRef idx="1">
+              <a:scrgbClr r="0" g="0" b="0"/>
+            </a:lnRef>
+            <a:fillRef idx="1">
+              <a:schemeClr val="lt1">
+                <a:alpha val="90000"/>
+                <a:hueOff val="0"/>
+                <a:satOff val="0"/>
+                <a:lumOff val="0"/>
+                <a:alphaOff val="0"/>
+              </a:schemeClr>
+            </a:fillRef>
+            <a:effectRef idx="2">
+              <a:schemeClr val="lt1">
+                <a:alpha val="90000"/>
+                <a:hueOff val="0"/>
+                <a:satOff val="0"/>
+                <a:lumOff val="0"/>
+                <a:alphaOff val="0"/>
+              </a:schemeClr>
+            </a:effectRef>
+            <a:fontRef idx="minor">
+              <a:schemeClr val="dk1">
+                <a:hueOff val="0"/>
+                <a:satOff val="0"/>
+                <a:lumOff val="0"/>
+                <a:alphaOff val="0"/>
+              </a:schemeClr>
+            </a:fontRef>
+          </p:style>
+          <p:txBody>
+            <a:bodyPr/>
+            <a:lstStyle/>
+            <a:p>
+              <a:endParaRPr lang="de-DE"/>
+            </a:p>
+          </p:txBody>
+        </p:sp>
+        <p:sp>
+          <p:nvSpPr>
+            <p:cNvPr id="18" name="Rectangle: Rounded Corners 4">
+              <a:extLst>
+                <a:ext uri="{FF2B5EF4-FFF2-40B4-BE49-F238E27FC236}">
+                  <a16:creationId xmlns:a16="http://schemas.microsoft.com/office/drawing/2014/main" id="{31AD87CF-8D65-2EB9-BB34-39F7503033E7}"/>
+                </a:ext>
+              </a:extLst>
+            </p:cNvPr>
+            <p:cNvSpPr txBox="1"/>
+            <p:nvPr/>
+          </p:nvSpPr>
+          <p:spPr>
+            <a:xfrm>
+              <a:off x="560014" y="1877280"/>
+              <a:ext cx="2406548" cy="1530188"/>
+            </a:xfrm>
+            <a:prstGeom prst="rect">
+              <a:avLst/>
+            </a:prstGeom>
+          </p:spPr>
+          <p:style>
+            <a:lnRef idx="0">
+              <a:scrgbClr r="0" g="0" b="0"/>
+            </a:lnRef>
+            <a:fillRef idx="0">
+              <a:scrgbClr r="0" g="0" b="0"/>
+            </a:fillRef>
+            <a:effectRef idx="0">
+              <a:scrgbClr r="0" g="0" b="0"/>
+            </a:effectRef>
+            <a:fontRef idx="minor">
+              <a:schemeClr val="dk1">
+                <a:hueOff val="0"/>
+                <a:satOff val="0"/>
+                <a:lumOff val="0"/>
+                <a:alphaOff val="0"/>
+              </a:schemeClr>
+            </a:fontRef>
+          </p:style>
+          <p:txBody>
+            <a:bodyPr spcFirstLastPara="0" vert="horz" wrap="square" lIns="149352" tIns="149352" rIns="149352" bIns="149352" numCol="1" spcCol="1270" anchor="t" anchorCtr="0">
+              <a:noAutofit/>
+            </a:bodyPr>
+            <a:lstStyle/>
+            <a:p>
+              <a:pPr marL="228600" lvl="1" indent="-228600" algn="l" defTabSz="933450">
+                <a:lnSpc>
+                  <a:spcPct val="90000"/>
+                </a:lnSpc>
+                <a:spcBef>
+                  <a:spcPct val="0"/>
+                </a:spcBef>
+                <a:spcAft>
+                  <a:spcPct val="15000"/>
+                </a:spcAft>
+                <a:buFont typeface="Arial" panose="020B0604020202020204" pitchFamily="34" charset="0"/>
+                <a:buChar char="•"/>
+              </a:pPr>
+              <a:r>
+                <a:rPr lang="de-DE" sz="2400" kern="1200" dirty="0"/>
+                <a:t>Editierbare Sensorintervalle</a:t>
+              </a:r>
+            </a:p>
+            <a:p>
+              <a:pPr marL="228600" lvl="1" indent="-228600" algn="l" defTabSz="933450">
+                <a:lnSpc>
+                  <a:spcPct val="90000"/>
+                </a:lnSpc>
+                <a:spcBef>
+                  <a:spcPct val="0"/>
+                </a:spcBef>
+                <a:spcAft>
+                  <a:spcPct val="15000"/>
+                </a:spcAft>
+                <a:buFont typeface="Arial" panose="020B0604020202020204" pitchFamily="34" charset="0"/>
+                <a:buChar char="•"/>
+              </a:pPr>
+              <a:r>
+                <a:rPr lang="de-DE" sz="2400" kern="1200" dirty="0"/>
+                <a:t>Live Aktualisierungen</a:t>
+              </a:r>
+            </a:p>
+          </p:txBody>
+        </p:sp>
+      </p:grpSp>
     </p:spTree>
     <p:extLst>
       <p:ext uri="{BB962C8B-B14F-4D97-AF65-F5344CB8AC3E}">
@@ -23252,6 +16170,41 @@
           <a:chExt cx="0" cy="0"/>
         </a:xfrm>
       </p:grpSpPr>
+      <p:pic>
+        <p:nvPicPr>
+          <p:cNvPr id="8" name="Picture 7">
+            <a:extLst>
+              <a:ext uri="{FF2B5EF4-FFF2-40B4-BE49-F238E27FC236}">
+                <a16:creationId xmlns:a16="http://schemas.microsoft.com/office/drawing/2014/main" id="{CE75950F-80A5-8B34-8AF1-2416F37367BC}"/>
+              </a:ext>
+            </a:extLst>
+          </p:cNvPr>
+          <p:cNvPicPr>
+            <a:picLocks noChangeAspect="1"/>
+          </p:cNvPicPr>
+          <p:nvPr/>
+        </p:nvPicPr>
+        <p:blipFill>
+          <a:blip r:embed="rId3">
+            <a:extLst>
+              <a:ext uri="{28A0092B-C50C-407E-A947-70E740481C1C}">
+                <a14:useLocalDpi xmlns:a14="http://schemas.microsoft.com/office/drawing/2010/main" val="0"/>
+              </a:ext>
+            </a:extLst>
+          </a:blip>
+          <a:srcRect r="62379"/>
+          <a:stretch/>
+        </p:blipFill>
+        <p:spPr>
+          <a:xfrm>
+            <a:off x="356883" y="1438954"/>
+            <a:ext cx="6382245" cy="1770268"/>
+          </a:xfrm>
+          <a:prstGeom prst="rect">
+            <a:avLst/>
+          </a:prstGeom>
+        </p:spPr>
+      </p:pic>
       <p:sp>
         <p:nvSpPr>
           <p:cNvPr id="2" name="Titel 1">
@@ -23349,73 +16302,15 @@
           <p:nvPr/>
         </p:nvPicPr>
         <p:blipFill>
-          <a:blip r:embed="rId3"/>
+          <a:blip r:embed="rId4"/>
           <a:stretch>
             <a:fillRect/>
           </a:stretch>
         </p:blipFill>
         <p:spPr>
           <a:xfrm>
-            <a:off x="5762222" y="1341475"/>
+            <a:off x="5294862" y="3193187"/>
             <a:ext cx="5526264" cy="3349552"/>
-          </a:xfrm>
-          <a:prstGeom prst="rect">
-            <a:avLst/>
-          </a:prstGeom>
-        </p:spPr>
-      </p:pic>
-      <p:graphicFrame>
-        <p:nvGraphicFramePr>
-          <p:cNvPr id="11" name="Diagramm 4">
-            <a:extLst>
-              <a:ext uri="{FF2B5EF4-FFF2-40B4-BE49-F238E27FC236}">
-                <a16:creationId xmlns:a16="http://schemas.microsoft.com/office/drawing/2014/main" id="{BF36E045-D4A3-9737-AFC1-C40790448B33}"/>
-              </a:ext>
-            </a:extLst>
-          </p:cNvPr>
-          <p:cNvGraphicFramePr/>
-          <p:nvPr>
-            <p:extLst>
-              <p:ext uri="{D42A27DB-BD31-4B8C-83A1-F6EECF244321}">
-                <p14:modId xmlns:p14="http://schemas.microsoft.com/office/powerpoint/2010/main" val="519451529"/>
-              </p:ext>
-            </p:extLst>
-          </p:nvPr>
-        </p:nvGraphicFramePr>
-        <p:xfrm>
-          <a:off x="270256" y="1524002"/>
-          <a:ext cx="4013273" cy="4196442"/>
-        </p:xfrm>
-        <a:graphic>
-          <a:graphicData uri="http://schemas.openxmlformats.org/drawingml/2006/diagram">
-            <dgm:relIds xmlns:dgm="http://schemas.openxmlformats.org/drawingml/2006/diagram" xmlns:r="http://schemas.openxmlformats.org/officeDocument/2006/relationships" r:dm="rId4" r:lo="rId5" r:qs="rId6" r:cs="rId7"/>
-          </a:graphicData>
-        </a:graphic>
-      </p:graphicFrame>
-      <p:pic>
-        <p:nvPicPr>
-          <p:cNvPr id="5" name="Picture 4">
-            <a:extLst>
-              <a:ext uri="{FF2B5EF4-FFF2-40B4-BE49-F238E27FC236}">
-                <a16:creationId xmlns:a16="http://schemas.microsoft.com/office/drawing/2014/main" id="{422CA4B8-967C-F5C9-733A-8835C1AE3E90}"/>
-              </a:ext>
-            </a:extLst>
-          </p:cNvPr>
-          <p:cNvPicPr>
-            <a:picLocks noChangeAspect="1"/>
-          </p:cNvPicPr>
-          <p:nvPr/>
-        </p:nvPicPr>
-        <p:blipFill>
-          <a:blip r:embed="rId9"/>
-          <a:stretch>
-            <a:fillRect/>
-          </a:stretch>
-        </p:blipFill>
-        <p:spPr>
-          <a:xfrm>
-            <a:off x="3086099" y="5667377"/>
-            <a:ext cx="8997043" cy="966657"/>
           </a:xfrm>
           <a:prstGeom prst="rect">
             <a:avLst/>
@@ -23451,6 +16346,213 @@
           </a:p>
         </p:txBody>
       </p:sp>
+      <p:grpSp>
+        <p:nvGrpSpPr>
+          <p:cNvPr id="9" name="Group 8">
+            <a:extLst>
+              <a:ext uri="{FF2B5EF4-FFF2-40B4-BE49-F238E27FC236}">
+                <a16:creationId xmlns:a16="http://schemas.microsoft.com/office/drawing/2014/main" id="{DC0B7D12-6C9E-1009-7AC2-BE5589DC921D}"/>
+              </a:ext>
+            </a:extLst>
+          </p:cNvPr>
+          <p:cNvGrpSpPr/>
+          <p:nvPr/>
+        </p:nvGrpSpPr>
+        <p:grpSpPr>
+          <a:xfrm>
+            <a:off x="988792" y="3461200"/>
+            <a:ext cx="3331016" cy="2173747"/>
+            <a:chOff x="682256" y="962288"/>
+            <a:chExt cx="3331016" cy="2399400"/>
+          </a:xfrm>
+        </p:grpSpPr>
+        <p:sp>
+          <p:nvSpPr>
+            <p:cNvPr id="10" name="Rectangle: Rounded Corners 9">
+              <a:extLst>
+                <a:ext uri="{FF2B5EF4-FFF2-40B4-BE49-F238E27FC236}">
+                  <a16:creationId xmlns:a16="http://schemas.microsoft.com/office/drawing/2014/main" id="{9FE1FCB2-96C8-95B9-1942-AA53F2DFC227}"/>
+                </a:ext>
+              </a:extLst>
+            </p:cNvPr>
+            <p:cNvSpPr/>
+            <p:nvPr/>
+          </p:nvSpPr>
+          <p:spPr>
+            <a:xfrm>
+              <a:off x="682256" y="962288"/>
+              <a:ext cx="3331016" cy="2399400"/>
+            </a:xfrm>
+            <a:prstGeom prst="roundRect">
+              <a:avLst>
+                <a:gd name="adj" fmla="val 10000"/>
+              </a:avLst>
+            </a:prstGeom>
+            <a:ln>
+              <a:solidFill>
+                <a:srgbClr val="105589"/>
+              </a:solidFill>
+            </a:ln>
+          </p:spPr>
+          <p:style>
+            <a:lnRef idx="1">
+              <a:scrgbClr r="0" g="0" b="0"/>
+            </a:lnRef>
+            <a:fillRef idx="1">
+              <a:schemeClr val="lt1">
+                <a:alpha val="90000"/>
+                <a:hueOff val="0"/>
+                <a:satOff val="0"/>
+                <a:lumOff val="0"/>
+                <a:alphaOff val="0"/>
+              </a:schemeClr>
+            </a:fillRef>
+            <a:effectRef idx="2">
+              <a:schemeClr val="lt1">
+                <a:alpha val="90000"/>
+                <a:hueOff val="0"/>
+                <a:satOff val="0"/>
+                <a:lumOff val="0"/>
+                <a:alphaOff val="0"/>
+              </a:schemeClr>
+            </a:effectRef>
+            <a:fontRef idx="minor">
+              <a:schemeClr val="dk1">
+                <a:hueOff val="0"/>
+                <a:satOff val="0"/>
+                <a:lumOff val="0"/>
+                <a:alphaOff val="0"/>
+              </a:schemeClr>
+            </a:fontRef>
+          </p:style>
+          <p:txBody>
+            <a:bodyPr/>
+            <a:lstStyle/>
+            <a:p>
+              <a:endParaRPr lang="de-DE"/>
+            </a:p>
+          </p:txBody>
+        </p:sp>
+        <p:sp>
+          <p:nvSpPr>
+            <p:cNvPr id="12" name="Rectangle: Rounded Corners 4">
+              <a:extLst>
+                <a:ext uri="{FF2B5EF4-FFF2-40B4-BE49-F238E27FC236}">
+                  <a16:creationId xmlns:a16="http://schemas.microsoft.com/office/drawing/2014/main" id="{5234AE97-4F55-7562-4FC1-3B3DD62E3D71}"/>
+                </a:ext>
+              </a:extLst>
+            </p:cNvPr>
+            <p:cNvSpPr txBox="1"/>
+            <p:nvPr/>
+          </p:nvSpPr>
+          <p:spPr>
+            <a:xfrm>
+              <a:off x="752532" y="1032564"/>
+              <a:ext cx="3190464" cy="2258848"/>
+            </a:xfrm>
+            <a:prstGeom prst="rect">
+              <a:avLst/>
+            </a:prstGeom>
+          </p:spPr>
+          <p:style>
+            <a:lnRef idx="0">
+              <a:scrgbClr r="0" g="0" b="0"/>
+            </a:lnRef>
+            <a:fillRef idx="0">
+              <a:scrgbClr r="0" g="0" b="0"/>
+            </a:fillRef>
+            <a:effectRef idx="0">
+              <a:scrgbClr r="0" g="0" b="0"/>
+            </a:effectRef>
+            <a:fontRef idx="minor">
+              <a:schemeClr val="dk1">
+                <a:hueOff val="0"/>
+                <a:satOff val="0"/>
+                <a:lumOff val="0"/>
+                <a:alphaOff val="0"/>
+              </a:schemeClr>
+            </a:fontRef>
+          </p:style>
+          <p:txBody>
+            <a:bodyPr spcFirstLastPara="0" vert="horz" wrap="square" lIns="220472" tIns="220472" rIns="220472" bIns="220472" numCol="1" spcCol="1270" anchor="t" anchorCtr="0">
+              <a:noAutofit/>
+            </a:bodyPr>
+            <a:lstStyle/>
+            <a:p>
+              <a:pPr marL="285750" lvl="1" indent="-285750" algn="l" defTabSz="1377950">
+                <a:lnSpc>
+                  <a:spcPct val="90000"/>
+                </a:lnSpc>
+                <a:spcBef>
+                  <a:spcPct val="0"/>
+                </a:spcBef>
+                <a:spcAft>
+                  <a:spcPct val="15000"/>
+                </a:spcAft>
+                <a:buFont typeface="Arial" panose="020B0604020202020204" pitchFamily="34" charset="0"/>
+                <a:buChar char="•"/>
+              </a:pPr>
+              <a:r>
+                <a:rPr lang="de-DE" sz="2800" kern="1200" dirty="0"/>
+                <a:t>Foto- und Videofunktion</a:t>
+              </a:r>
+            </a:p>
+            <a:p>
+              <a:pPr marL="285750" lvl="1" indent="-285750" algn="l" defTabSz="1377950">
+                <a:lnSpc>
+                  <a:spcPct val="90000"/>
+                </a:lnSpc>
+                <a:spcBef>
+                  <a:spcPct val="0"/>
+                </a:spcBef>
+                <a:spcAft>
+                  <a:spcPct val="15000"/>
+                </a:spcAft>
+                <a:buChar char="•"/>
+              </a:pPr>
+              <a:r>
+                <a:rPr lang="de-DE" sz="2800" kern="1200" dirty="0"/>
+                <a:t>HTTP und RTSP Unterstützung</a:t>
+              </a:r>
+            </a:p>
+          </p:txBody>
+        </p:sp>
+      </p:grpSp>
+      <p:pic>
+        <p:nvPicPr>
+          <p:cNvPr id="14" name="Picture 13">
+            <a:extLst>
+              <a:ext uri="{FF2B5EF4-FFF2-40B4-BE49-F238E27FC236}">
+                <a16:creationId xmlns:a16="http://schemas.microsoft.com/office/drawing/2014/main" id="{D7A9F2F1-6409-5906-8787-908AD717C74A}"/>
+              </a:ext>
+            </a:extLst>
+          </p:cNvPr>
+          <p:cNvPicPr>
+            <a:picLocks noChangeAspect="1"/>
+          </p:cNvPicPr>
+          <p:nvPr/>
+        </p:nvPicPr>
+        <p:blipFill>
+          <a:blip r:embed="rId3">
+            <a:extLst>
+              <a:ext uri="{28A0092B-C50C-407E-A947-70E740481C1C}">
+                <a14:useLocalDpi xmlns:a14="http://schemas.microsoft.com/office/drawing/2010/main" val="0"/>
+              </a:ext>
+            </a:extLst>
+          </a:blip>
+          <a:srcRect l="69736"/>
+          <a:stretch/>
+        </p:blipFill>
+        <p:spPr>
+          <a:xfrm>
+            <a:off x="6543675" y="1438954"/>
+            <a:ext cx="5133432" cy="1770013"/>
+          </a:xfrm>
+          <a:prstGeom prst="rect">
+            <a:avLst/>
+          </a:prstGeom>
+        </p:spPr>
+      </p:pic>
     </p:spTree>
     <p:extLst>
       <p:ext uri="{BB962C8B-B14F-4D97-AF65-F5344CB8AC3E}">
@@ -23569,64 +16671,6 @@
           </a:p>
         </p:txBody>
       </p:sp>
-      <p:pic>
-        <p:nvPicPr>
-          <p:cNvPr id="5" name="Picture 4">
-            <a:extLst>
-              <a:ext uri="{FF2B5EF4-FFF2-40B4-BE49-F238E27FC236}">
-                <a16:creationId xmlns:a16="http://schemas.microsoft.com/office/drawing/2014/main" id="{183E1790-F597-077E-1CDF-1BB1BF540FE8}"/>
-              </a:ext>
-            </a:extLst>
-          </p:cNvPr>
-          <p:cNvPicPr>
-            <a:picLocks noChangeAspect="1"/>
-          </p:cNvPicPr>
-          <p:nvPr/>
-        </p:nvPicPr>
-        <p:blipFill>
-          <a:blip r:embed="rId3"/>
-          <a:stretch>
-            <a:fillRect/>
-          </a:stretch>
-        </p:blipFill>
-        <p:spPr>
-          <a:xfrm>
-            <a:off x="4413250" y="1351962"/>
-            <a:ext cx="7632090" cy="4461119"/>
-          </a:xfrm>
-          <a:prstGeom prst="rect">
-            <a:avLst/>
-          </a:prstGeom>
-        </p:spPr>
-      </p:pic>
-      <p:graphicFrame>
-        <p:nvGraphicFramePr>
-          <p:cNvPr id="3" name="Diagramm 4">
-            <a:extLst>
-              <a:ext uri="{FF2B5EF4-FFF2-40B4-BE49-F238E27FC236}">
-                <a16:creationId xmlns:a16="http://schemas.microsoft.com/office/drawing/2014/main" id="{6CF8C498-1BF0-0692-47B3-669E999D3AE0}"/>
-              </a:ext>
-            </a:extLst>
-          </p:cNvPr>
-          <p:cNvGraphicFramePr/>
-          <p:nvPr>
-            <p:extLst>
-              <p:ext uri="{D42A27DB-BD31-4B8C-83A1-F6EECF244321}">
-                <p14:modId xmlns:p14="http://schemas.microsoft.com/office/powerpoint/2010/main" val="2479822035"/>
-              </p:ext>
-            </p:extLst>
-          </p:nvPr>
-        </p:nvGraphicFramePr>
-        <p:xfrm>
-          <a:off x="270257" y="1524001"/>
-          <a:ext cx="4092194" cy="4740274"/>
-        </p:xfrm>
-        <a:graphic>
-          <a:graphicData uri="http://schemas.openxmlformats.org/drawingml/2006/diagram">
-            <dgm:relIds xmlns:dgm="http://schemas.openxmlformats.org/drawingml/2006/diagram" xmlns:r="http://schemas.openxmlformats.org/officeDocument/2006/relationships" r:dm="rId4" r:lo="rId5" r:qs="rId6" r:cs="rId7"/>
-          </a:graphicData>
-        </a:graphic>
-      </p:graphicFrame>
       <p:sp>
         <p:nvSpPr>
           <p:cNvPr id="6" name="Slide Number Placeholder 5">
@@ -23656,6 +16700,233 @@
           </a:p>
         </p:txBody>
       </p:sp>
+      <p:pic>
+        <p:nvPicPr>
+          <p:cNvPr id="8" name="Picture 7" descr="A screenshot of a computer&#10;&#10;Description automatically generated">
+            <a:extLst>
+              <a:ext uri="{FF2B5EF4-FFF2-40B4-BE49-F238E27FC236}">
+                <a16:creationId xmlns:a16="http://schemas.microsoft.com/office/drawing/2014/main" id="{0B829B5E-A123-2498-5546-0C61ACE3782F}"/>
+              </a:ext>
+            </a:extLst>
+          </p:cNvPr>
+          <p:cNvPicPr>
+            <a:picLocks noChangeAspect="1"/>
+          </p:cNvPicPr>
+          <p:nvPr/>
+        </p:nvPicPr>
+        <p:blipFill>
+          <a:blip r:embed="rId3">
+            <a:extLst>
+              <a:ext uri="{28A0092B-C50C-407E-A947-70E740481C1C}">
+                <a14:useLocalDpi xmlns:a14="http://schemas.microsoft.com/office/drawing/2010/main" val="0"/>
+              </a:ext>
+            </a:extLst>
+          </a:blip>
+          <a:srcRect l="1618"/>
+          <a:stretch/>
+        </p:blipFill>
+        <p:spPr>
+          <a:xfrm>
+            <a:off x="4447303" y="2406682"/>
+            <a:ext cx="7474440" cy="2367450"/>
+          </a:xfrm>
+          <a:prstGeom prst="rect">
+            <a:avLst/>
+          </a:prstGeom>
+        </p:spPr>
+      </p:pic>
+      <p:grpSp>
+        <p:nvGrpSpPr>
+          <p:cNvPr id="9" name="Group 8">
+            <a:extLst>
+              <a:ext uri="{FF2B5EF4-FFF2-40B4-BE49-F238E27FC236}">
+                <a16:creationId xmlns:a16="http://schemas.microsoft.com/office/drawing/2014/main" id="{A50A27F9-6D94-9E79-9641-FD1B2534411A}"/>
+              </a:ext>
+            </a:extLst>
+          </p:cNvPr>
+          <p:cNvGrpSpPr/>
+          <p:nvPr/>
+        </p:nvGrpSpPr>
+        <p:grpSpPr>
+          <a:xfrm>
+            <a:off x="638539" y="2108107"/>
+            <a:ext cx="3396521" cy="2964600"/>
+            <a:chOff x="695672" y="1276636"/>
+            <a:chExt cx="3396521" cy="2964600"/>
+          </a:xfrm>
+        </p:grpSpPr>
+        <p:sp>
+          <p:nvSpPr>
+            <p:cNvPr id="10" name="Rectangle: Rounded Corners 9">
+              <a:extLst>
+                <a:ext uri="{FF2B5EF4-FFF2-40B4-BE49-F238E27FC236}">
+                  <a16:creationId xmlns:a16="http://schemas.microsoft.com/office/drawing/2014/main" id="{83BAC1BC-02F1-48C8-351B-536B6A8CBE17}"/>
+                </a:ext>
+              </a:extLst>
+            </p:cNvPr>
+            <p:cNvSpPr/>
+            <p:nvPr/>
+          </p:nvSpPr>
+          <p:spPr>
+            <a:xfrm>
+              <a:off x="695672" y="1276636"/>
+              <a:ext cx="3396521" cy="2964600"/>
+            </a:xfrm>
+            <a:prstGeom prst="roundRect">
+              <a:avLst>
+                <a:gd name="adj" fmla="val 10000"/>
+              </a:avLst>
+            </a:prstGeom>
+            <a:ln>
+              <a:solidFill>
+                <a:srgbClr val="105589"/>
+              </a:solidFill>
+            </a:ln>
+          </p:spPr>
+          <p:style>
+            <a:lnRef idx="1">
+              <a:scrgbClr r="0" g="0" b="0"/>
+            </a:lnRef>
+            <a:fillRef idx="1">
+              <a:schemeClr val="lt1">
+                <a:alpha val="90000"/>
+                <a:hueOff val="0"/>
+                <a:satOff val="0"/>
+                <a:lumOff val="0"/>
+                <a:alphaOff val="0"/>
+              </a:schemeClr>
+            </a:fillRef>
+            <a:effectRef idx="2">
+              <a:schemeClr val="lt1">
+                <a:alpha val="90000"/>
+                <a:hueOff val="0"/>
+                <a:satOff val="0"/>
+                <a:lumOff val="0"/>
+                <a:alphaOff val="0"/>
+              </a:schemeClr>
+            </a:effectRef>
+            <a:fontRef idx="minor">
+              <a:schemeClr val="dk1">
+                <a:hueOff val="0"/>
+                <a:satOff val="0"/>
+                <a:lumOff val="0"/>
+                <a:alphaOff val="0"/>
+              </a:schemeClr>
+            </a:fontRef>
+          </p:style>
+          <p:txBody>
+            <a:bodyPr/>
+            <a:lstStyle/>
+            <a:p>
+              <a:endParaRPr lang="de-DE"/>
+            </a:p>
+          </p:txBody>
+        </p:sp>
+        <p:sp>
+          <p:nvSpPr>
+            <p:cNvPr id="11" name="Rectangle: Rounded Corners 4">
+              <a:extLst>
+                <a:ext uri="{FF2B5EF4-FFF2-40B4-BE49-F238E27FC236}">
+                  <a16:creationId xmlns:a16="http://schemas.microsoft.com/office/drawing/2014/main" id="{C4F282BE-E5FE-0CE3-0F1F-6951A369F235}"/>
+                </a:ext>
+              </a:extLst>
+            </p:cNvPr>
+            <p:cNvSpPr txBox="1"/>
+            <p:nvPr/>
+          </p:nvSpPr>
+          <p:spPr>
+            <a:xfrm>
+              <a:off x="782502" y="1363466"/>
+              <a:ext cx="3222861" cy="2790940"/>
+            </a:xfrm>
+            <a:prstGeom prst="rect">
+              <a:avLst/>
+            </a:prstGeom>
+          </p:spPr>
+          <p:style>
+            <a:lnRef idx="0">
+              <a:scrgbClr r="0" g="0" b="0"/>
+            </a:lnRef>
+            <a:fillRef idx="0">
+              <a:scrgbClr r="0" g="0" b="0"/>
+            </a:fillRef>
+            <a:effectRef idx="0">
+              <a:scrgbClr r="0" g="0" b="0"/>
+            </a:effectRef>
+            <a:fontRef idx="minor">
+              <a:schemeClr val="dk1">
+                <a:hueOff val="0"/>
+                <a:satOff val="0"/>
+                <a:lumOff val="0"/>
+                <a:alphaOff val="0"/>
+              </a:schemeClr>
+            </a:fontRef>
+          </p:style>
+          <p:txBody>
+            <a:bodyPr spcFirstLastPara="0" vert="horz" wrap="square" lIns="192024" tIns="192024" rIns="192024" bIns="192024" numCol="1" spcCol="1270" anchor="t" anchorCtr="0">
+              <a:noAutofit/>
+            </a:bodyPr>
+            <a:lstStyle/>
+            <a:p>
+              <a:pPr marL="228600" lvl="1" indent="-228600" algn="l" defTabSz="1200150">
+                <a:lnSpc>
+                  <a:spcPct val="90000"/>
+                </a:lnSpc>
+                <a:spcBef>
+                  <a:spcPct val="0"/>
+                </a:spcBef>
+                <a:spcAft>
+                  <a:spcPct val="15000"/>
+                </a:spcAft>
+                <a:buFont typeface="Arial" panose="020B0604020202020204" pitchFamily="34" charset="0"/>
+                <a:buChar char="•"/>
+              </a:pPr>
+              <a:r>
+                <a:rPr lang="de-DE" sz="2700" kern="1200" dirty="0"/>
+                <a:t>Jede Pflanze bekommt einen Growing Cycle</a:t>
+              </a:r>
+            </a:p>
+            <a:p>
+              <a:pPr marL="228600" lvl="1" indent="-228600" algn="l" defTabSz="1200150">
+                <a:lnSpc>
+                  <a:spcPct val="90000"/>
+                </a:lnSpc>
+                <a:spcBef>
+                  <a:spcPct val="0"/>
+                </a:spcBef>
+                <a:spcAft>
+                  <a:spcPct val="15000"/>
+                </a:spcAft>
+                <a:buFont typeface="Arial" panose="020B0604020202020204" pitchFamily="34" charset="0"/>
+                <a:buChar char="•"/>
+              </a:pPr>
+              <a:r>
+                <a:rPr lang="de-DE" sz="2700" kern="1200" dirty="0"/>
+                <a:t>Überwachung der Wachstumsphase</a:t>
+              </a:r>
+            </a:p>
+            <a:p>
+              <a:pPr marL="228600" lvl="1" indent="-228600" algn="l" defTabSz="1200150">
+                <a:lnSpc>
+                  <a:spcPct val="90000"/>
+                </a:lnSpc>
+                <a:spcBef>
+                  <a:spcPct val="0"/>
+                </a:spcBef>
+                <a:spcAft>
+                  <a:spcPct val="15000"/>
+                </a:spcAft>
+                <a:buFont typeface="Arial" panose="020B0604020202020204" pitchFamily="34" charset="0"/>
+                <a:buChar char="•"/>
+              </a:pPr>
+              <a:r>
+                <a:rPr lang="de-DE" sz="2700" kern="1200" dirty="0"/>
+                <a:t>Nutzerfreundlich</a:t>
+              </a:r>
+            </a:p>
+          </p:txBody>
+        </p:sp>
+      </p:grpSp>
     </p:spTree>
     <p:extLst>
       <p:ext uri="{BB962C8B-B14F-4D97-AF65-F5344CB8AC3E}">
